--- a/PRD-2017-G24/STW/非受控文件/翻转课堂作业/UML基础1/UML基础Ⅰ.pptx
+++ b/PRD-2017-G24/STW/非受控文件/翻转课堂作业/UML基础1/UML基础Ⅰ.pptx
@@ -5,28 +5,29 @@
     <p:sldMasterId id="2147483648" r:id="rId1"/>
   </p:sldMasterIdLst>
   <p:notesMasterIdLst>
-    <p:notesMasterId r:id="rId21"/>
+    <p:notesMasterId r:id="rId22"/>
   </p:notesMasterIdLst>
   <p:sldIdLst>
     <p:sldId id="256" r:id="rId2"/>
     <p:sldId id="257" r:id="rId3"/>
-    <p:sldId id="263" r:id="rId4"/>
-    <p:sldId id="303" r:id="rId5"/>
-    <p:sldId id="309" r:id="rId6"/>
-    <p:sldId id="311" r:id="rId7"/>
-    <p:sldId id="304" r:id="rId8"/>
-    <p:sldId id="310" r:id="rId9"/>
-    <p:sldId id="259" r:id="rId10"/>
-    <p:sldId id="308" r:id="rId11"/>
-    <p:sldId id="305" r:id="rId12"/>
-    <p:sldId id="306" r:id="rId13"/>
-    <p:sldId id="279" r:id="rId14"/>
-    <p:sldId id="281" r:id="rId15"/>
-    <p:sldId id="262" r:id="rId16"/>
-    <p:sldId id="299" r:id="rId17"/>
-    <p:sldId id="271" r:id="rId18"/>
-    <p:sldId id="272" r:id="rId19"/>
-    <p:sldId id="273" r:id="rId20"/>
+    <p:sldId id="312" r:id="rId4"/>
+    <p:sldId id="309" r:id="rId5"/>
+    <p:sldId id="314" r:id="rId6"/>
+    <p:sldId id="313" r:id="rId7"/>
+    <p:sldId id="311" r:id="rId8"/>
+    <p:sldId id="304" r:id="rId9"/>
+    <p:sldId id="310" r:id="rId10"/>
+    <p:sldId id="259" r:id="rId11"/>
+    <p:sldId id="308" r:id="rId12"/>
+    <p:sldId id="305" r:id="rId13"/>
+    <p:sldId id="306" r:id="rId14"/>
+    <p:sldId id="279" r:id="rId15"/>
+    <p:sldId id="281" r:id="rId16"/>
+    <p:sldId id="262" r:id="rId17"/>
+    <p:sldId id="299" r:id="rId18"/>
+    <p:sldId id="271" r:id="rId19"/>
+    <p:sldId id="272" r:id="rId20"/>
+    <p:sldId id="273" r:id="rId21"/>
   </p:sldIdLst>
   <p:sldSz cx="12192000" cy="6858000"/>
   <p:notesSz cx="6858000" cy="9144000"/>
@@ -918,15 +919,15 @@
         <a:p>
           <a:r>
             <a:rPr lang="en-US" dirty="0"/>
-            <a:t>1</a:t>
+            <a:t>2</a:t>
           </a:r>
           <a:r>
-            <a:rPr lang="zh-CN" dirty="0" smtClean="0"/>
+            <a:rPr lang="zh-CN" dirty="0"/>
             <a:t>．</a:t>
           </a:r>
           <a:r>
-            <a:rPr lang="zh-CN" altLang="en-US" dirty="0" smtClean="0"/>
-            <a:t>用例和用例图 </a:t>
+            <a:rPr lang="zh-CN" altLang="en-US" dirty="0"/>
+            <a:t>用例图 </a:t>
           </a:r>
           <a:endParaRPr lang="en-US" dirty="0"/>
         </a:p>
@@ -962,15 +963,15 @@
         <a:lstStyle/>
         <a:p>
           <a:r>
-            <a:rPr lang="en-US" dirty="0" smtClean="0"/>
-            <a:t>4</a:t>
+            <a:rPr lang="en-US" dirty="0"/>
+            <a:t>5</a:t>
           </a:r>
           <a:r>
-            <a:rPr lang="zh-CN" dirty="0" smtClean="0"/>
+            <a:rPr lang="zh-CN" dirty="0"/>
             <a:t>．</a:t>
           </a:r>
           <a:r>
-            <a:rPr lang="zh-CN" altLang="en-US" dirty="0" smtClean="0"/>
+            <a:rPr lang="zh-CN" altLang="en-US" dirty="0"/>
             <a:t>顺序图</a:t>
           </a:r>
           <a:endParaRPr lang="en-US" dirty="0"/>
@@ -1008,15 +1009,15 @@
         <a:p>
           <a:r>
             <a:rPr lang="en-US" dirty="0"/>
-            <a:t>5</a:t>
+            <a:t>6</a:t>
           </a:r>
           <a:r>
-            <a:rPr lang="zh-CN" dirty="0" smtClean="0"/>
+            <a:rPr lang="zh-CN" dirty="0"/>
             <a:t>．</a:t>
           </a:r>
           <a:r>
-            <a:rPr lang="zh-CN" altLang="en-US" dirty="0" smtClean="0"/>
-            <a:t>通信图</a:t>
+            <a:rPr lang="zh-CN" altLang="en-US" dirty="0"/>
+            <a:t>协作图</a:t>
           </a:r>
           <a:endParaRPr lang="en-US" dirty="0"/>
         </a:p>
@@ -1053,14 +1054,14 @@
         <a:p>
           <a:r>
             <a:rPr lang="en-US" dirty="0"/>
-            <a:t>6</a:t>
+            <a:t>7</a:t>
           </a:r>
           <a:r>
-            <a:rPr lang="zh-CN" dirty="0" smtClean="0"/>
+            <a:rPr lang="zh-CN" dirty="0"/>
             <a:t>．</a:t>
           </a:r>
           <a:r>
-            <a:rPr lang="zh-CN" altLang="en-US" dirty="0" smtClean="0"/>
+            <a:rPr lang="zh-CN" altLang="en-US" dirty="0"/>
             <a:t>部署图</a:t>
           </a:r>
           <a:endParaRPr lang="en-US" dirty="0"/>
@@ -1098,15 +1099,15 @@
         <a:p>
           <a:r>
             <a:rPr lang="en-US" dirty="0"/>
-            <a:t>2</a:t>
+            <a:t>3</a:t>
           </a:r>
           <a:r>
-            <a:rPr lang="zh-CN" dirty="0" smtClean="0"/>
+            <a:rPr lang="zh-CN" dirty="0"/>
             <a:t>．</a:t>
           </a:r>
           <a:r>
-            <a:rPr lang="zh-CN" altLang="en-US" dirty="0" smtClean="0"/>
-            <a:t>类和类图</a:t>
+            <a:rPr lang="zh-CN" altLang="en-US" dirty="0"/>
+            <a:t>类图</a:t>
           </a:r>
           <a:endParaRPr lang="en-US" dirty="0"/>
         </a:p>
@@ -1143,15 +1144,15 @@
         <a:p>
           <a:r>
             <a:rPr lang="en-US" dirty="0"/>
-            <a:t>3</a:t>
+            <a:t>4</a:t>
           </a:r>
           <a:r>
-            <a:rPr lang="zh-CN" dirty="0" smtClean="0"/>
+            <a:rPr lang="zh-CN" dirty="0"/>
             <a:t>．</a:t>
           </a:r>
           <a:r>
-            <a:rPr lang="zh-CN" altLang="en-US" dirty="0" smtClean="0"/>
-            <a:t>状态机图</a:t>
+            <a:rPr lang="zh-CN" altLang="en-US" dirty="0"/>
+            <a:t>状态图</a:t>
           </a:r>
           <a:endParaRPr lang="en-US" dirty="0"/>
         </a:p>
@@ -1179,6 +1180,51 @@
         </a:p>
       </dgm:t>
     </dgm:pt>
+    <dgm:pt modelId="{0D4DE89A-E67D-468F-82DF-439B403F9F0B}">
+      <dgm:prSet/>
+      <dgm:spPr/>
+      <dgm:t>
+        <a:bodyPr/>
+        <a:lstStyle/>
+        <a:p>
+          <a:r>
+            <a:rPr lang="en-US" dirty="0"/>
+            <a:t>1</a:t>
+          </a:r>
+          <a:r>
+            <a:rPr lang="zh-CN" dirty="0"/>
+            <a:t>．</a:t>
+          </a:r>
+          <a:r>
+            <a:rPr lang="zh-CN" altLang="en-US" dirty="0"/>
+            <a:t>回顾</a:t>
+          </a:r>
+          <a:endParaRPr lang="en-US" dirty="0"/>
+        </a:p>
+      </dgm:t>
+    </dgm:pt>
+    <dgm:pt modelId="{E3102972-B395-4DAF-811C-C0E5C4A84744}" type="parTrans" cxnId="{A3E414C0-700C-43F5-8A4E-91237D40FF4D}">
+      <dgm:prSet/>
+      <dgm:spPr/>
+      <dgm:t>
+        <a:bodyPr/>
+        <a:lstStyle/>
+        <a:p>
+          <a:endParaRPr lang="zh-CN" altLang="en-US"/>
+        </a:p>
+      </dgm:t>
+    </dgm:pt>
+    <dgm:pt modelId="{15C7218E-1A2E-42B5-B4E9-28C891B5859B}" type="sibTrans" cxnId="{A3E414C0-700C-43F5-8A4E-91237D40FF4D}">
+      <dgm:prSet/>
+      <dgm:spPr/>
+      <dgm:t>
+        <a:bodyPr/>
+        <a:lstStyle/>
+        <a:p>
+          <a:endParaRPr lang="zh-CN" altLang="en-US"/>
+        </a:p>
+      </dgm:t>
+    </dgm:pt>
     <dgm:pt modelId="{16C4A9B8-6EFE-4EE6-A024-B6B528189985}" type="pres">
       <dgm:prSet presAssocID="{61344293-A1DE-4EC5-9A38-FAB9B9B4968C}" presName="vert0" presStyleCnt="0">
         <dgm:presLayoutVars>
@@ -1188,16 +1234,25 @@
         </dgm:presLayoutVars>
       </dgm:prSet>
       <dgm:spPr/>
-      <dgm:t>
-        <a:bodyPr/>
-        <a:lstStyle/>
-        <a:p>
-          <a:endParaRPr lang="zh-CN" altLang="en-US"/>
-        </a:p>
-      </dgm:t>
+    </dgm:pt>
+    <dgm:pt modelId="{58D3C9B4-208D-4FAC-ACD5-23155D4EBE4F}" type="pres">
+      <dgm:prSet presAssocID="{0D4DE89A-E67D-468F-82DF-439B403F9F0B}" presName="thickLine" presStyleLbl="alignNode1" presStyleIdx="0" presStyleCnt="7"/>
+      <dgm:spPr/>
+    </dgm:pt>
+    <dgm:pt modelId="{041E323B-6CCC-4421-9742-86CC404134E0}" type="pres">
+      <dgm:prSet presAssocID="{0D4DE89A-E67D-468F-82DF-439B403F9F0B}" presName="horz1" presStyleCnt="0"/>
+      <dgm:spPr/>
+    </dgm:pt>
+    <dgm:pt modelId="{2948C901-2ED1-4C42-88CC-BB491B9C8623}" type="pres">
+      <dgm:prSet presAssocID="{0D4DE89A-E67D-468F-82DF-439B403F9F0B}" presName="tx1" presStyleLbl="revTx" presStyleIdx="0" presStyleCnt="7"/>
+      <dgm:spPr/>
+    </dgm:pt>
+    <dgm:pt modelId="{D46B7195-36CE-4AFD-9A23-A0BA1E6274FA}" type="pres">
+      <dgm:prSet presAssocID="{0D4DE89A-E67D-468F-82DF-439B403F9F0B}" presName="vert1" presStyleCnt="0"/>
+      <dgm:spPr/>
     </dgm:pt>
     <dgm:pt modelId="{BB10B3FE-71B2-44C4-9881-9B1B6C4ED30A}" type="pres">
-      <dgm:prSet presAssocID="{1FA03D0B-431E-4552-972E-930F5F39D8D4}" presName="thickLine" presStyleLbl="alignNode1" presStyleIdx="0" presStyleCnt="6"/>
+      <dgm:prSet presAssocID="{1FA03D0B-431E-4552-972E-930F5F39D8D4}" presName="thickLine" presStyleLbl="alignNode1" presStyleIdx="1" presStyleCnt="7"/>
       <dgm:spPr/>
     </dgm:pt>
     <dgm:pt modelId="{963CAB5B-C43A-4ACF-989E-11E2303E77FD}" type="pres">
@@ -1205,22 +1260,15 @@
       <dgm:spPr/>
     </dgm:pt>
     <dgm:pt modelId="{FC9D7768-4563-493E-B454-DDCFD4BDB902}" type="pres">
-      <dgm:prSet presAssocID="{1FA03D0B-431E-4552-972E-930F5F39D8D4}" presName="tx1" presStyleLbl="revTx" presStyleIdx="0" presStyleCnt="6"/>
+      <dgm:prSet presAssocID="{1FA03D0B-431E-4552-972E-930F5F39D8D4}" presName="tx1" presStyleLbl="revTx" presStyleIdx="1" presStyleCnt="7"/>
       <dgm:spPr/>
-      <dgm:t>
-        <a:bodyPr/>
-        <a:lstStyle/>
-        <a:p>
-          <a:endParaRPr lang="zh-CN" altLang="en-US"/>
-        </a:p>
-      </dgm:t>
     </dgm:pt>
     <dgm:pt modelId="{AD1CF356-254A-496B-8B30-7E65A8D385E9}" type="pres">
       <dgm:prSet presAssocID="{1FA03D0B-431E-4552-972E-930F5F39D8D4}" presName="vert1" presStyleCnt="0"/>
       <dgm:spPr/>
     </dgm:pt>
     <dgm:pt modelId="{DF0B91BF-B4CA-4353-8D74-953111AFF567}" type="pres">
-      <dgm:prSet presAssocID="{F4D98294-6926-4BC8-9678-4AE0179FD98D}" presName="thickLine" presStyleLbl="alignNode1" presStyleIdx="1" presStyleCnt="6"/>
+      <dgm:prSet presAssocID="{F4D98294-6926-4BC8-9678-4AE0179FD98D}" presName="thickLine" presStyleLbl="alignNode1" presStyleIdx="2" presStyleCnt="7"/>
       <dgm:spPr/>
     </dgm:pt>
     <dgm:pt modelId="{A98FBA0E-0CB2-4998-B8F8-C375C5C16B25}" type="pres">
@@ -1228,22 +1276,15 @@
       <dgm:spPr/>
     </dgm:pt>
     <dgm:pt modelId="{BB3D9FB9-476E-49C0-B80D-9BE2F7650722}" type="pres">
-      <dgm:prSet presAssocID="{F4D98294-6926-4BC8-9678-4AE0179FD98D}" presName="tx1" presStyleLbl="revTx" presStyleIdx="1" presStyleCnt="6"/>
+      <dgm:prSet presAssocID="{F4D98294-6926-4BC8-9678-4AE0179FD98D}" presName="tx1" presStyleLbl="revTx" presStyleIdx="2" presStyleCnt="7"/>
       <dgm:spPr/>
-      <dgm:t>
-        <a:bodyPr/>
-        <a:lstStyle/>
-        <a:p>
-          <a:endParaRPr lang="zh-CN" altLang="en-US"/>
-        </a:p>
-      </dgm:t>
     </dgm:pt>
     <dgm:pt modelId="{D99806E3-20C1-4E7F-8374-0210A0C1A8AE}" type="pres">
       <dgm:prSet presAssocID="{F4D98294-6926-4BC8-9678-4AE0179FD98D}" presName="vert1" presStyleCnt="0"/>
       <dgm:spPr/>
     </dgm:pt>
     <dgm:pt modelId="{95001912-062E-4B5A-8EC6-8187415768D3}" type="pres">
-      <dgm:prSet presAssocID="{F26DE089-A9FD-4546-96AF-71432FD40C75}" presName="thickLine" presStyleLbl="alignNode1" presStyleIdx="2" presStyleCnt="6"/>
+      <dgm:prSet presAssocID="{F26DE089-A9FD-4546-96AF-71432FD40C75}" presName="thickLine" presStyleLbl="alignNode1" presStyleIdx="3" presStyleCnt="7"/>
       <dgm:spPr/>
     </dgm:pt>
     <dgm:pt modelId="{B3003E84-12F6-4FAE-BACB-0A89DBED0137}" type="pres">
@@ -1251,22 +1292,15 @@
       <dgm:spPr/>
     </dgm:pt>
     <dgm:pt modelId="{4115A148-7C9F-4251-95F8-2A051B52D5AC}" type="pres">
-      <dgm:prSet presAssocID="{F26DE089-A9FD-4546-96AF-71432FD40C75}" presName="tx1" presStyleLbl="revTx" presStyleIdx="2" presStyleCnt="6"/>
+      <dgm:prSet presAssocID="{F26DE089-A9FD-4546-96AF-71432FD40C75}" presName="tx1" presStyleLbl="revTx" presStyleIdx="3" presStyleCnt="7"/>
       <dgm:spPr/>
-      <dgm:t>
-        <a:bodyPr/>
-        <a:lstStyle/>
-        <a:p>
-          <a:endParaRPr lang="zh-CN" altLang="en-US"/>
-        </a:p>
-      </dgm:t>
     </dgm:pt>
     <dgm:pt modelId="{394814FA-CDAF-4CC8-8109-62E7A5FA331D}" type="pres">
       <dgm:prSet presAssocID="{F26DE089-A9FD-4546-96AF-71432FD40C75}" presName="vert1" presStyleCnt="0"/>
       <dgm:spPr/>
     </dgm:pt>
     <dgm:pt modelId="{1D5B3A02-00A6-473F-B5E2-9397402134CE}" type="pres">
-      <dgm:prSet presAssocID="{CBCE7A0C-1162-4DD8-8348-0E467EC325E0}" presName="thickLine" presStyleLbl="alignNode1" presStyleIdx="3" presStyleCnt="6"/>
+      <dgm:prSet presAssocID="{CBCE7A0C-1162-4DD8-8348-0E467EC325E0}" presName="thickLine" presStyleLbl="alignNode1" presStyleIdx="4" presStyleCnt="7"/>
       <dgm:spPr/>
     </dgm:pt>
     <dgm:pt modelId="{CC891E2F-B6BA-495F-9368-4A8F307D8BC8}" type="pres">
@@ -1274,22 +1308,15 @@
       <dgm:spPr/>
     </dgm:pt>
     <dgm:pt modelId="{CF187C55-D274-4C80-A81A-7C74892EF144}" type="pres">
-      <dgm:prSet presAssocID="{CBCE7A0C-1162-4DD8-8348-0E467EC325E0}" presName="tx1" presStyleLbl="revTx" presStyleIdx="3" presStyleCnt="6"/>
+      <dgm:prSet presAssocID="{CBCE7A0C-1162-4DD8-8348-0E467EC325E0}" presName="tx1" presStyleLbl="revTx" presStyleIdx="4" presStyleCnt="7"/>
       <dgm:spPr/>
-      <dgm:t>
-        <a:bodyPr/>
-        <a:lstStyle/>
-        <a:p>
-          <a:endParaRPr lang="zh-CN" altLang="en-US"/>
-        </a:p>
-      </dgm:t>
     </dgm:pt>
     <dgm:pt modelId="{6B0C92B1-B619-46DC-9D61-064133EACD45}" type="pres">
       <dgm:prSet presAssocID="{CBCE7A0C-1162-4DD8-8348-0E467EC325E0}" presName="vert1" presStyleCnt="0"/>
       <dgm:spPr/>
     </dgm:pt>
     <dgm:pt modelId="{165A2E05-853A-4796-A4F7-9A222BA428E6}" type="pres">
-      <dgm:prSet presAssocID="{390B9C77-7995-4357-AF04-9565041C9BF1}" presName="thickLine" presStyleLbl="alignNode1" presStyleIdx="4" presStyleCnt="6"/>
+      <dgm:prSet presAssocID="{390B9C77-7995-4357-AF04-9565041C9BF1}" presName="thickLine" presStyleLbl="alignNode1" presStyleIdx="5" presStyleCnt="7"/>
       <dgm:spPr/>
     </dgm:pt>
     <dgm:pt modelId="{F851A241-F911-4F81-BFE1-7EF44193B511}" type="pres">
@@ -1297,22 +1324,15 @@
       <dgm:spPr/>
     </dgm:pt>
     <dgm:pt modelId="{6D455BFA-CC98-472A-BB95-E26F8322A529}" type="pres">
-      <dgm:prSet presAssocID="{390B9C77-7995-4357-AF04-9565041C9BF1}" presName="tx1" presStyleLbl="revTx" presStyleIdx="4" presStyleCnt="6"/>
+      <dgm:prSet presAssocID="{390B9C77-7995-4357-AF04-9565041C9BF1}" presName="tx1" presStyleLbl="revTx" presStyleIdx="5" presStyleCnt="7"/>
       <dgm:spPr/>
-      <dgm:t>
-        <a:bodyPr/>
-        <a:lstStyle/>
-        <a:p>
-          <a:endParaRPr lang="zh-CN" altLang="en-US"/>
-        </a:p>
-      </dgm:t>
     </dgm:pt>
     <dgm:pt modelId="{6566A669-B31A-4342-B2F2-E8D66C00D8D2}" type="pres">
       <dgm:prSet presAssocID="{390B9C77-7995-4357-AF04-9565041C9BF1}" presName="vert1" presStyleCnt="0"/>
       <dgm:spPr/>
     </dgm:pt>
     <dgm:pt modelId="{7614DB1E-CC9D-4EDF-AD13-F408C753FE43}" type="pres">
-      <dgm:prSet presAssocID="{141B5341-4F8F-4B74-854E-A5FBA43D6D1E}" presName="thickLine" presStyleLbl="alignNode1" presStyleIdx="5" presStyleCnt="6"/>
+      <dgm:prSet presAssocID="{141B5341-4F8F-4B74-854E-A5FBA43D6D1E}" presName="thickLine" presStyleLbl="alignNode1" presStyleIdx="6" presStyleCnt="7"/>
       <dgm:spPr/>
     </dgm:pt>
     <dgm:pt modelId="{170ADD95-F712-4A0E-A2F3-94840C73F1E0}" type="pres">
@@ -1320,15 +1340,8 @@
       <dgm:spPr/>
     </dgm:pt>
     <dgm:pt modelId="{733AD6BA-9EF6-487F-AE39-A6AB87079B67}" type="pres">
-      <dgm:prSet presAssocID="{141B5341-4F8F-4B74-854E-A5FBA43D6D1E}" presName="tx1" presStyleLbl="revTx" presStyleIdx="5" presStyleCnt="6"/>
+      <dgm:prSet presAssocID="{141B5341-4F8F-4B74-854E-A5FBA43D6D1E}" presName="tx1" presStyleLbl="revTx" presStyleIdx="6" presStyleCnt="7"/>
       <dgm:spPr/>
-      <dgm:t>
-        <a:bodyPr/>
-        <a:lstStyle/>
-        <a:p>
-          <a:endParaRPr lang="zh-CN" altLang="en-US"/>
-        </a:p>
-      </dgm:t>
     </dgm:pt>
     <dgm:pt modelId="{5F0C84B1-2009-464B-89D6-B90556266101}" type="pres">
       <dgm:prSet presAssocID="{141B5341-4F8F-4B74-854E-A5FBA43D6D1E}" presName="vert1" presStyleCnt="0"/>
@@ -1336,43 +1349,49 @@
     </dgm:pt>
   </dgm:ptLst>
   <dgm:cxnLst>
-    <dgm:cxn modelId="{72C78C39-D2FD-4657-A685-C850D72D9035}" srcId="{61344293-A1DE-4EC5-9A38-FAB9B9B4968C}" destId="{1FA03D0B-431E-4552-972E-930F5F39D8D4}" srcOrd="0" destOrd="0" parTransId="{DCA24973-8AA7-41B9-9B6A-AC4F09257488}" sibTransId="{7A188E71-997C-494E-B9C2-BAD4C716D4A0}"/>
-    <dgm:cxn modelId="{A87C39E1-E138-40B9-8A97-77B92E5EBC22}" type="presOf" srcId="{F4D98294-6926-4BC8-9678-4AE0179FD98D}" destId="{BB3D9FB9-476E-49C0-B80D-9BE2F7650722}" srcOrd="0" destOrd="0" presId="urn:microsoft.com/office/officeart/2008/layout/LinedList"/>
-    <dgm:cxn modelId="{7C80495A-D039-4CC0-AD85-F41F30EFBF07}" type="presOf" srcId="{1FA03D0B-431E-4552-972E-930F5F39D8D4}" destId="{FC9D7768-4563-493E-B454-DDCFD4BDB902}" srcOrd="0" destOrd="0" presId="urn:microsoft.com/office/officeart/2008/layout/LinedList"/>
-    <dgm:cxn modelId="{0EDCF550-DA4A-4A70-A9D9-2D3A3C531AD5}" type="presOf" srcId="{F26DE089-A9FD-4546-96AF-71432FD40C75}" destId="{4115A148-7C9F-4251-95F8-2A051B52D5AC}" srcOrd="0" destOrd="0" presId="urn:microsoft.com/office/officeart/2008/layout/LinedList"/>
-    <dgm:cxn modelId="{2B747639-0EB3-4CA8-8B46-A220149A240C}" type="presOf" srcId="{CBCE7A0C-1162-4DD8-8348-0E467EC325E0}" destId="{CF187C55-D274-4C80-A81A-7C74892EF144}" srcOrd="0" destOrd="0" presId="urn:microsoft.com/office/officeart/2008/layout/LinedList"/>
-    <dgm:cxn modelId="{C2A4E7D5-0E91-4BC3-A55C-316FB74A93F5}" type="presOf" srcId="{390B9C77-7995-4357-AF04-9565041C9BF1}" destId="{6D455BFA-CC98-472A-BB95-E26F8322A529}" srcOrd="0" destOrd="0" presId="urn:microsoft.com/office/officeart/2008/layout/LinedList"/>
-    <dgm:cxn modelId="{6F74CE48-579E-431D-9583-58A5F2ED3C85}" srcId="{61344293-A1DE-4EC5-9A38-FAB9B9B4968C}" destId="{F26DE089-A9FD-4546-96AF-71432FD40C75}" srcOrd="2" destOrd="0" parTransId="{1A63B470-973A-4426-A553-6A92D4588D20}" sibTransId="{F05992B1-9FD4-41E0-8709-1F3CDB8109B3}"/>
-    <dgm:cxn modelId="{A3534A96-073A-43CA-A326-8B12EE142B3F}" type="presOf" srcId="{141B5341-4F8F-4B74-854E-A5FBA43D6D1E}" destId="{733AD6BA-9EF6-487F-AE39-A6AB87079B67}" srcOrd="0" destOrd="0" presId="urn:microsoft.com/office/officeart/2008/layout/LinedList"/>
-    <dgm:cxn modelId="{FC96EF33-F0CD-420E-9A7B-30F9B6896026}" srcId="{61344293-A1DE-4EC5-9A38-FAB9B9B4968C}" destId="{F4D98294-6926-4BC8-9678-4AE0179FD98D}" srcOrd="1" destOrd="0" parTransId="{A14163C1-0CF1-4D38-B620-EB744E35794C}" sibTransId="{3796F5A7-8CBE-40D5-9D1D-9C0979F64A9C}"/>
-    <dgm:cxn modelId="{25EC110C-6EF6-4C65-80E0-1871BBCC94F3}" srcId="{61344293-A1DE-4EC5-9A38-FAB9B9B4968C}" destId="{390B9C77-7995-4357-AF04-9565041C9BF1}" srcOrd="4" destOrd="0" parTransId="{EE403F8B-8568-4987-80D7-7FB2D18D7D16}" sibTransId="{290EC355-F468-41D9-90C5-D907CF21D967}"/>
-    <dgm:cxn modelId="{D51ECB21-5218-49D4-980D-D86570A78CC9}" srcId="{61344293-A1DE-4EC5-9A38-FAB9B9B4968C}" destId="{141B5341-4F8F-4B74-854E-A5FBA43D6D1E}" srcOrd="5" destOrd="0" parTransId="{856EFA81-5ECF-4D6F-A8FF-5EA95BCEAF47}" sibTransId="{7A5DD433-F8FE-43BF-B663-090CAB808284}"/>
-    <dgm:cxn modelId="{97F1CCC4-1B19-4070-8C49-D818B7D503A3}" srcId="{61344293-A1DE-4EC5-9A38-FAB9B9B4968C}" destId="{CBCE7A0C-1162-4DD8-8348-0E467EC325E0}" srcOrd="3" destOrd="0" parTransId="{041D4F31-93BC-4168-A092-8AACF0FAE0A1}" sibTransId="{932E490C-516F-4D6F-9F44-B7FE8A9CCDAD}"/>
+    <dgm:cxn modelId="{25EC110C-6EF6-4C65-80E0-1871BBCC94F3}" srcId="{61344293-A1DE-4EC5-9A38-FAB9B9B4968C}" destId="{390B9C77-7995-4357-AF04-9565041C9BF1}" srcOrd="5" destOrd="0" parTransId="{EE403F8B-8568-4987-80D7-7FB2D18D7D16}" sibTransId="{290EC355-F468-41D9-90C5-D907CF21D967}"/>
+    <dgm:cxn modelId="{D51ECB21-5218-49D4-980D-D86570A78CC9}" srcId="{61344293-A1DE-4EC5-9A38-FAB9B9B4968C}" destId="{141B5341-4F8F-4B74-854E-A5FBA43D6D1E}" srcOrd="6" destOrd="0" parTransId="{856EFA81-5ECF-4D6F-A8FF-5EA95BCEAF47}" sibTransId="{7A5DD433-F8FE-43BF-B663-090CAB808284}"/>
+    <dgm:cxn modelId="{FC96EF33-F0CD-420E-9A7B-30F9B6896026}" srcId="{61344293-A1DE-4EC5-9A38-FAB9B9B4968C}" destId="{F4D98294-6926-4BC8-9678-4AE0179FD98D}" srcOrd="2" destOrd="0" parTransId="{A14163C1-0CF1-4D38-B620-EB744E35794C}" sibTransId="{3796F5A7-8CBE-40D5-9D1D-9C0979F64A9C}"/>
+    <dgm:cxn modelId="{72C78C39-D2FD-4657-A685-C850D72D9035}" srcId="{61344293-A1DE-4EC5-9A38-FAB9B9B4968C}" destId="{1FA03D0B-431E-4552-972E-930F5F39D8D4}" srcOrd="1" destOrd="0" parTransId="{DCA24973-8AA7-41B9-9B6A-AC4F09257488}" sibTransId="{7A188E71-997C-494E-B9C2-BAD4C716D4A0}"/>
+    <dgm:cxn modelId="{A9CD8E45-8868-446C-87E7-FD9639311884}" type="presOf" srcId="{CBCE7A0C-1162-4DD8-8348-0E467EC325E0}" destId="{CF187C55-D274-4C80-A81A-7C74892EF144}" srcOrd="0" destOrd="0" presId="urn:microsoft.com/office/officeart/2008/layout/LinedList"/>
+    <dgm:cxn modelId="{6F74CE48-579E-431D-9583-58A5F2ED3C85}" srcId="{61344293-A1DE-4EC5-9A38-FAB9B9B4968C}" destId="{F26DE089-A9FD-4546-96AF-71432FD40C75}" srcOrd="3" destOrd="0" parTransId="{1A63B470-973A-4426-A553-6A92D4588D20}" sibTransId="{F05992B1-9FD4-41E0-8709-1F3CDB8109B3}"/>
     <dgm:cxn modelId="{33D50369-788E-49A7-8974-C3AD880B79B4}" type="presOf" srcId="{61344293-A1DE-4EC5-9A38-FAB9B9B4968C}" destId="{16C4A9B8-6EFE-4EE6-A024-B6B528189985}" srcOrd="0" destOrd="0" presId="urn:microsoft.com/office/officeart/2008/layout/LinedList"/>
-    <dgm:cxn modelId="{82E7AEFF-4A18-459E-9D95-FC25F3034281}" type="presParOf" srcId="{16C4A9B8-6EFE-4EE6-A024-B6B528189985}" destId="{BB10B3FE-71B2-44C4-9881-9B1B6C4ED30A}" srcOrd="0" destOrd="0" presId="urn:microsoft.com/office/officeart/2008/layout/LinedList"/>
-    <dgm:cxn modelId="{0D745BA1-B015-43B1-A3DE-FD84DD748F8B}" type="presParOf" srcId="{16C4A9B8-6EFE-4EE6-A024-B6B528189985}" destId="{963CAB5B-C43A-4ACF-989E-11E2303E77FD}" srcOrd="1" destOrd="0" presId="urn:microsoft.com/office/officeart/2008/layout/LinedList"/>
-    <dgm:cxn modelId="{9B738220-9BF1-40D4-AFBB-C8F4E77F79A1}" type="presParOf" srcId="{963CAB5B-C43A-4ACF-989E-11E2303E77FD}" destId="{FC9D7768-4563-493E-B454-DDCFD4BDB902}" srcOrd="0" destOrd="0" presId="urn:microsoft.com/office/officeart/2008/layout/LinedList"/>
-    <dgm:cxn modelId="{11656A8A-62C5-4D18-BC56-5067230C6B5B}" type="presParOf" srcId="{963CAB5B-C43A-4ACF-989E-11E2303E77FD}" destId="{AD1CF356-254A-496B-8B30-7E65A8D385E9}" srcOrd="1" destOrd="0" presId="urn:microsoft.com/office/officeart/2008/layout/LinedList"/>
-    <dgm:cxn modelId="{6755B114-8B9A-4BC7-BE95-48D8663E8F8A}" type="presParOf" srcId="{16C4A9B8-6EFE-4EE6-A024-B6B528189985}" destId="{DF0B91BF-B4CA-4353-8D74-953111AFF567}" srcOrd="2" destOrd="0" presId="urn:microsoft.com/office/officeart/2008/layout/LinedList"/>
-    <dgm:cxn modelId="{40F00D5A-E3AA-4075-97C8-74F49B80CB17}" type="presParOf" srcId="{16C4A9B8-6EFE-4EE6-A024-B6B528189985}" destId="{A98FBA0E-0CB2-4998-B8F8-C375C5C16B25}" srcOrd="3" destOrd="0" presId="urn:microsoft.com/office/officeart/2008/layout/LinedList"/>
-    <dgm:cxn modelId="{EB78836B-2E24-43CB-A254-DEDD5916F42B}" type="presParOf" srcId="{A98FBA0E-0CB2-4998-B8F8-C375C5C16B25}" destId="{BB3D9FB9-476E-49C0-B80D-9BE2F7650722}" srcOrd="0" destOrd="0" presId="urn:microsoft.com/office/officeart/2008/layout/LinedList"/>
-    <dgm:cxn modelId="{1B80D826-1BA5-4F41-A3E3-2DA0FE954D9A}" type="presParOf" srcId="{A98FBA0E-0CB2-4998-B8F8-C375C5C16B25}" destId="{D99806E3-20C1-4E7F-8374-0210A0C1A8AE}" srcOrd="1" destOrd="0" presId="urn:microsoft.com/office/officeart/2008/layout/LinedList"/>
-    <dgm:cxn modelId="{3E48CCB6-152E-4E31-8B28-F8F24ED70182}" type="presParOf" srcId="{16C4A9B8-6EFE-4EE6-A024-B6B528189985}" destId="{95001912-062E-4B5A-8EC6-8187415768D3}" srcOrd="4" destOrd="0" presId="urn:microsoft.com/office/officeart/2008/layout/LinedList"/>
-    <dgm:cxn modelId="{AD1E1A73-3C43-48F8-BFFA-58D7FD17353F}" type="presParOf" srcId="{16C4A9B8-6EFE-4EE6-A024-B6B528189985}" destId="{B3003E84-12F6-4FAE-BACB-0A89DBED0137}" srcOrd="5" destOrd="0" presId="urn:microsoft.com/office/officeart/2008/layout/LinedList"/>
-    <dgm:cxn modelId="{20D7DEAA-A737-4F2F-9059-6C02829763E1}" type="presParOf" srcId="{B3003E84-12F6-4FAE-BACB-0A89DBED0137}" destId="{4115A148-7C9F-4251-95F8-2A051B52D5AC}" srcOrd="0" destOrd="0" presId="urn:microsoft.com/office/officeart/2008/layout/LinedList"/>
-    <dgm:cxn modelId="{4CCA182E-E097-4A9B-9CDD-7ED5902A7AA1}" type="presParOf" srcId="{B3003E84-12F6-4FAE-BACB-0A89DBED0137}" destId="{394814FA-CDAF-4CC8-8109-62E7A5FA331D}" srcOrd="1" destOrd="0" presId="urn:microsoft.com/office/officeart/2008/layout/LinedList"/>
-    <dgm:cxn modelId="{C2B8046E-3EC3-41B4-BBBD-8D43413DF47D}" type="presParOf" srcId="{16C4A9B8-6EFE-4EE6-A024-B6B528189985}" destId="{1D5B3A02-00A6-473F-B5E2-9397402134CE}" srcOrd="6" destOrd="0" presId="urn:microsoft.com/office/officeart/2008/layout/LinedList"/>
-    <dgm:cxn modelId="{ADB4D14B-57F3-428A-99C6-E8B5A0372168}" type="presParOf" srcId="{16C4A9B8-6EFE-4EE6-A024-B6B528189985}" destId="{CC891E2F-B6BA-495F-9368-4A8F307D8BC8}" srcOrd="7" destOrd="0" presId="urn:microsoft.com/office/officeart/2008/layout/LinedList"/>
-    <dgm:cxn modelId="{249751FC-FC69-4A6D-AB8D-EA60360B78C0}" type="presParOf" srcId="{CC891E2F-B6BA-495F-9368-4A8F307D8BC8}" destId="{CF187C55-D274-4C80-A81A-7C74892EF144}" srcOrd="0" destOrd="0" presId="urn:microsoft.com/office/officeart/2008/layout/LinedList"/>
-    <dgm:cxn modelId="{3909F5F8-C09B-4C40-8A2F-44183AB990FC}" type="presParOf" srcId="{CC891E2F-B6BA-495F-9368-4A8F307D8BC8}" destId="{6B0C92B1-B619-46DC-9D61-064133EACD45}" srcOrd="1" destOrd="0" presId="urn:microsoft.com/office/officeart/2008/layout/LinedList"/>
-    <dgm:cxn modelId="{726FC80C-44B5-47A4-B9D8-060A7FDD98BE}" type="presParOf" srcId="{16C4A9B8-6EFE-4EE6-A024-B6B528189985}" destId="{165A2E05-853A-4796-A4F7-9A222BA428E6}" srcOrd="8" destOrd="0" presId="urn:microsoft.com/office/officeart/2008/layout/LinedList"/>
-    <dgm:cxn modelId="{E23C9DF4-27AF-4768-9914-2BC4D0D8B073}" type="presParOf" srcId="{16C4A9B8-6EFE-4EE6-A024-B6B528189985}" destId="{F851A241-F911-4F81-BFE1-7EF44193B511}" srcOrd="9" destOrd="0" presId="urn:microsoft.com/office/officeart/2008/layout/LinedList"/>
-    <dgm:cxn modelId="{ECE59040-704F-4510-B367-3DF5CFF76081}" type="presParOf" srcId="{F851A241-F911-4F81-BFE1-7EF44193B511}" destId="{6D455BFA-CC98-472A-BB95-E26F8322A529}" srcOrd="0" destOrd="0" presId="urn:microsoft.com/office/officeart/2008/layout/LinedList"/>
-    <dgm:cxn modelId="{9A0A89C3-2A1A-40FE-9463-1398C1880CFA}" type="presParOf" srcId="{F851A241-F911-4F81-BFE1-7EF44193B511}" destId="{6566A669-B31A-4342-B2F2-E8D66C00D8D2}" srcOrd="1" destOrd="0" presId="urn:microsoft.com/office/officeart/2008/layout/LinedList"/>
-    <dgm:cxn modelId="{A861C828-C7F9-47A5-85B2-EFD619616ABB}" type="presParOf" srcId="{16C4A9B8-6EFE-4EE6-A024-B6B528189985}" destId="{7614DB1E-CC9D-4EDF-AD13-F408C753FE43}" srcOrd="10" destOrd="0" presId="urn:microsoft.com/office/officeart/2008/layout/LinedList"/>
-    <dgm:cxn modelId="{9679F68B-1272-4D3F-8634-F96BC866C1C8}" type="presParOf" srcId="{16C4A9B8-6EFE-4EE6-A024-B6B528189985}" destId="{170ADD95-F712-4A0E-A2F3-94840C73F1E0}" srcOrd="11" destOrd="0" presId="urn:microsoft.com/office/officeart/2008/layout/LinedList"/>
-    <dgm:cxn modelId="{6441D97B-9115-465E-8F9D-0E3FF4056EFF}" type="presParOf" srcId="{170ADD95-F712-4A0E-A2F3-94840C73F1E0}" destId="{733AD6BA-9EF6-487F-AE39-A6AB87079B67}" srcOrd="0" destOrd="0" presId="urn:microsoft.com/office/officeart/2008/layout/LinedList"/>
-    <dgm:cxn modelId="{E1925740-F977-4B71-BD97-AF568FFD8F4A}" type="presParOf" srcId="{170ADD95-F712-4A0E-A2F3-94840C73F1E0}" destId="{5F0C84B1-2009-464B-89D6-B90556266101}" srcOrd="1" destOrd="0" presId="urn:microsoft.com/office/officeart/2008/layout/LinedList"/>
+    <dgm:cxn modelId="{ECC8DF54-B39F-4728-BA29-92F0EF09C406}" type="presOf" srcId="{0D4DE89A-E67D-468F-82DF-439B403F9F0B}" destId="{2948C901-2ED1-4C42-88CC-BB491B9C8623}" srcOrd="0" destOrd="0" presId="urn:microsoft.com/office/officeart/2008/layout/LinedList"/>
+    <dgm:cxn modelId="{7F5EA755-5397-447E-8563-35AA830B062F}" type="presOf" srcId="{F26DE089-A9FD-4546-96AF-71432FD40C75}" destId="{4115A148-7C9F-4251-95F8-2A051B52D5AC}" srcOrd="0" destOrd="0" presId="urn:microsoft.com/office/officeart/2008/layout/LinedList"/>
+    <dgm:cxn modelId="{019B2B88-52C0-44DC-A31D-EB539DDD5F9C}" type="presOf" srcId="{F4D98294-6926-4BC8-9678-4AE0179FD98D}" destId="{BB3D9FB9-476E-49C0-B80D-9BE2F7650722}" srcOrd="0" destOrd="0" presId="urn:microsoft.com/office/officeart/2008/layout/LinedList"/>
+    <dgm:cxn modelId="{6A2EA8A9-EBEF-48E7-B9F2-7CB1FDE358E5}" type="presOf" srcId="{390B9C77-7995-4357-AF04-9565041C9BF1}" destId="{6D455BFA-CC98-472A-BB95-E26F8322A529}" srcOrd="0" destOrd="0" presId="urn:microsoft.com/office/officeart/2008/layout/LinedList"/>
+    <dgm:cxn modelId="{8E1C14AC-2079-4A12-AF3E-1349383E49D1}" type="presOf" srcId="{141B5341-4F8F-4B74-854E-A5FBA43D6D1E}" destId="{733AD6BA-9EF6-487F-AE39-A6AB87079B67}" srcOrd="0" destOrd="0" presId="urn:microsoft.com/office/officeart/2008/layout/LinedList"/>
+    <dgm:cxn modelId="{A3E414C0-700C-43F5-8A4E-91237D40FF4D}" srcId="{61344293-A1DE-4EC5-9A38-FAB9B9B4968C}" destId="{0D4DE89A-E67D-468F-82DF-439B403F9F0B}" srcOrd="0" destOrd="0" parTransId="{E3102972-B395-4DAF-811C-C0E5C4A84744}" sibTransId="{15C7218E-1A2E-42B5-B4E9-28C891B5859B}"/>
+    <dgm:cxn modelId="{97F1CCC4-1B19-4070-8C49-D818B7D503A3}" srcId="{61344293-A1DE-4EC5-9A38-FAB9B9B4968C}" destId="{CBCE7A0C-1162-4DD8-8348-0E467EC325E0}" srcOrd="4" destOrd="0" parTransId="{041D4F31-93BC-4168-A092-8AACF0FAE0A1}" sibTransId="{932E490C-516F-4D6F-9F44-B7FE8A9CCDAD}"/>
+    <dgm:cxn modelId="{9DD076D9-AC81-439C-A348-2FB3AC572D0A}" type="presOf" srcId="{1FA03D0B-431E-4552-972E-930F5F39D8D4}" destId="{FC9D7768-4563-493E-B454-DDCFD4BDB902}" srcOrd="0" destOrd="0" presId="urn:microsoft.com/office/officeart/2008/layout/LinedList"/>
+    <dgm:cxn modelId="{498382D8-6AD4-442D-A5D7-70B91FFA856B}" type="presParOf" srcId="{16C4A9B8-6EFE-4EE6-A024-B6B528189985}" destId="{58D3C9B4-208D-4FAC-ACD5-23155D4EBE4F}" srcOrd="0" destOrd="0" presId="urn:microsoft.com/office/officeart/2008/layout/LinedList"/>
+    <dgm:cxn modelId="{51AA82C6-59B9-487C-8ADB-6342F29B16A0}" type="presParOf" srcId="{16C4A9B8-6EFE-4EE6-A024-B6B528189985}" destId="{041E323B-6CCC-4421-9742-86CC404134E0}" srcOrd="1" destOrd="0" presId="urn:microsoft.com/office/officeart/2008/layout/LinedList"/>
+    <dgm:cxn modelId="{AB9AADB4-63C0-488F-92C0-3526BCFCD1F7}" type="presParOf" srcId="{041E323B-6CCC-4421-9742-86CC404134E0}" destId="{2948C901-2ED1-4C42-88CC-BB491B9C8623}" srcOrd="0" destOrd="0" presId="urn:microsoft.com/office/officeart/2008/layout/LinedList"/>
+    <dgm:cxn modelId="{F0247E1D-F811-43E1-8529-D6F95D45BB2C}" type="presParOf" srcId="{041E323B-6CCC-4421-9742-86CC404134E0}" destId="{D46B7195-36CE-4AFD-9A23-A0BA1E6274FA}" srcOrd="1" destOrd="0" presId="urn:microsoft.com/office/officeart/2008/layout/LinedList"/>
+    <dgm:cxn modelId="{77DD7C31-63B6-4C01-8761-9C15C8F9BD45}" type="presParOf" srcId="{16C4A9B8-6EFE-4EE6-A024-B6B528189985}" destId="{BB10B3FE-71B2-44C4-9881-9B1B6C4ED30A}" srcOrd="2" destOrd="0" presId="urn:microsoft.com/office/officeart/2008/layout/LinedList"/>
+    <dgm:cxn modelId="{5796BB8F-5EC0-4417-999B-DAFF62576680}" type="presParOf" srcId="{16C4A9B8-6EFE-4EE6-A024-B6B528189985}" destId="{963CAB5B-C43A-4ACF-989E-11E2303E77FD}" srcOrd="3" destOrd="0" presId="urn:microsoft.com/office/officeart/2008/layout/LinedList"/>
+    <dgm:cxn modelId="{C9007472-206A-4E90-B7D8-3FA684009B81}" type="presParOf" srcId="{963CAB5B-C43A-4ACF-989E-11E2303E77FD}" destId="{FC9D7768-4563-493E-B454-DDCFD4BDB902}" srcOrd="0" destOrd="0" presId="urn:microsoft.com/office/officeart/2008/layout/LinedList"/>
+    <dgm:cxn modelId="{A9311CA7-45EE-4330-9BDE-FAE31D1D7299}" type="presParOf" srcId="{963CAB5B-C43A-4ACF-989E-11E2303E77FD}" destId="{AD1CF356-254A-496B-8B30-7E65A8D385E9}" srcOrd="1" destOrd="0" presId="urn:microsoft.com/office/officeart/2008/layout/LinedList"/>
+    <dgm:cxn modelId="{4B6BE807-7046-4E96-B9F0-22CA025E5033}" type="presParOf" srcId="{16C4A9B8-6EFE-4EE6-A024-B6B528189985}" destId="{DF0B91BF-B4CA-4353-8D74-953111AFF567}" srcOrd="4" destOrd="0" presId="urn:microsoft.com/office/officeart/2008/layout/LinedList"/>
+    <dgm:cxn modelId="{44C69DC1-1671-45B6-AAB0-B2A7357B0997}" type="presParOf" srcId="{16C4A9B8-6EFE-4EE6-A024-B6B528189985}" destId="{A98FBA0E-0CB2-4998-B8F8-C375C5C16B25}" srcOrd="5" destOrd="0" presId="urn:microsoft.com/office/officeart/2008/layout/LinedList"/>
+    <dgm:cxn modelId="{ECD958D5-5D62-44E3-AAF8-8DC03FDF0F62}" type="presParOf" srcId="{A98FBA0E-0CB2-4998-B8F8-C375C5C16B25}" destId="{BB3D9FB9-476E-49C0-B80D-9BE2F7650722}" srcOrd="0" destOrd="0" presId="urn:microsoft.com/office/officeart/2008/layout/LinedList"/>
+    <dgm:cxn modelId="{16AACF43-8FAF-466C-B78E-67214FEED475}" type="presParOf" srcId="{A98FBA0E-0CB2-4998-B8F8-C375C5C16B25}" destId="{D99806E3-20C1-4E7F-8374-0210A0C1A8AE}" srcOrd="1" destOrd="0" presId="urn:microsoft.com/office/officeart/2008/layout/LinedList"/>
+    <dgm:cxn modelId="{301BE242-ADF5-4BC9-81ED-1DB255CB30EB}" type="presParOf" srcId="{16C4A9B8-6EFE-4EE6-A024-B6B528189985}" destId="{95001912-062E-4B5A-8EC6-8187415768D3}" srcOrd="6" destOrd="0" presId="urn:microsoft.com/office/officeart/2008/layout/LinedList"/>
+    <dgm:cxn modelId="{90333F6C-A180-4746-BE38-B4504BB7E6DF}" type="presParOf" srcId="{16C4A9B8-6EFE-4EE6-A024-B6B528189985}" destId="{B3003E84-12F6-4FAE-BACB-0A89DBED0137}" srcOrd="7" destOrd="0" presId="urn:microsoft.com/office/officeart/2008/layout/LinedList"/>
+    <dgm:cxn modelId="{944502BC-9C91-483D-A001-15AADFAB98A3}" type="presParOf" srcId="{B3003E84-12F6-4FAE-BACB-0A89DBED0137}" destId="{4115A148-7C9F-4251-95F8-2A051B52D5AC}" srcOrd="0" destOrd="0" presId="urn:microsoft.com/office/officeart/2008/layout/LinedList"/>
+    <dgm:cxn modelId="{37FB537E-FD0E-48CC-BD7C-88C9DEEA36A9}" type="presParOf" srcId="{B3003E84-12F6-4FAE-BACB-0A89DBED0137}" destId="{394814FA-CDAF-4CC8-8109-62E7A5FA331D}" srcOrd="1" destOrd="0" presId="urn:microsoft.com/office/officeart/2008/layout/LinedList"/>
+    <dgm:cxn modelId="{F5B15186-2A7A-49FB-9356-C83EC97A9FD6}" type="presParOf" srcId="{16C4A9B8-6EFE-4EE6-A024-B6B528189985}" destId="{1D5B3A02-00A6-473F-B5E2-9397402134CE}" srcOrd="8" destOrd="0" presId="urn:microsoft.com/office/officeart/2008/layout/LinedList"/>
+    <dgm:cxn modelId="{8F7E89ED-28BE-4183-BA13-EEB59BED6605}" type="presParOf" srcId="{16C4A9B8-6EFE-4EE6-A024-B6B528189985}" destId="{CC891E2F-B6BA-495F-9368-4A8F307D8BC8}" srcOrd="9" destOrd="0" presId="urn:microsoft.com/office/officeart/2008/layout/LinedList"/>
+    <dgm:cxn modelId="{3670ABE4-FEA3-4457-820C-C811F517BCB0}" type="presParOf" srcId="{CC891E2F-B6BA-495F-9368-4A8F307D8BC8}" destId="{CF187C55-D274-4C80-A81A-7C74892EF144}" srcOrd="0" destOrd="0" presId="urn:microsoft.com/office/officeart/2008/layout/LinedList"/>
+    <dgm:cxn modelId="{E283141D-7B34-47F0-95DD-788E143A2AA4}" type="presParOf" srcId="{CC891E2F-B6BA-495F-9368-4A8F307D8BC8}" destId="{6B0C92B1-B619-46DC-9D61-064133EACD45}" srcOrd="1" destOrd="0" presId="urn:microsoft.com/office/officeart/2008/layout/LinedList"/>
+    <dgm:cxn modelId="{1D74B7F3-829D-4904-9BC2-0032F89A6F58}" type="presParOf" srcId="{16C4A9B8-6EFE-4EE6-A024-B6B528189985}" destId="{165A2E05-853A-4796-A4F7-9A222BA428E6}" srcOrd="10" destOrd="0" presId="urn:microsoft.com/office/officeart/2008/layout/LinedList"/>
+    <dgm:cxn modelId="{C5860983-C04E-459A-A25C-50947DFAB7EF}" type="presParOf" srcId="{16C4A9B8-6EFE-4EE6-A024-B6B528189985}" destId="{F851A241-F911-4F81-BFE1-7EF44193B511}" srcOrd="11" destOrd="0" presId="urn:microsoft.com/office/officeart/2008/layout/LinedList"/>
+    <dgm:cxn modelId="{95173033-9C70-4DDC-B319-342D09E7C1D3}" type="presParOf" srcId="{F851A241-F911-4F81-BFE1-7EF44193B511}" destId="{6D455BFA-CC98-472A-BB95-E26F8322A529}" srcOrd="0" destOrd="0" presId="urn:microsoft.com/office/officeart/2008/layout/LinedList"/>
+    <dgm:cxn modelId="{9B63A89C-86FF-4B2D-9C91-3CAB85E3C02E}" type="presParOf" srcId="{F851A241-F911-4F81-BFE1-7EF44193B511}" destId="{6566A669-B31A-4342-B2F2-E8D66C00D8D2}" srcOrd="1" destOrd="0" presId="urn:microsoft.com/office/officeart/2008/layout/LinedList"/>
+    <dgm:cxn modelId="{6F8CBB51-77B6-4613-8CEC-7AE340B1D688}" type="presParOf" srcId="{16C4A9B8-6EFE-4EE6-A024-B6B528189985}" destId="{7614DB1E-CC9D-4EDF-AD13-F408C753FE43}" srcOrd="12" destOrd="0" presId="urn:microsoft.com/office/officeart/2008/layout/LinedList"/>
+    <dgm:cxn modelId="{E4B17F9C-2970-4AAD-8C70-4C3F1E5527E5}" type="presParOf" srcId="{16C4A9B8-6EFE-4EE6-A024-B6B528189985}" destId="{170ADD95-F712-4A0E-A2F3-94840C73F1E0}" srcOrd="13" destOrd="0" presId="urn:microsoft.com/office/officeart/2008/layout/LinedList"/>
+    <dgm:cxn modelId="{ACBEDF12-E4D8-4F3B-9216-5729E93E70FC}" type="presParOf" srcId="{170ADD95-F712-4A0E-A2F3-94840C73F1E0}" destId="{733AD6BA-9EF6-487F-AE39-A6AB87079B67}" srcOrd="0" destOrd="0" presId="urn:microsoft.com/office/officeart/2008/layout/LinedList"/>
+    <dgm:cxn modelId="{3569ACE4-3199-49DF-81C9-F16C76A53021}" type="presParOf" srcId="{170ADD95-F712-4A0E-A2F3-94840C73F1E0}" destId="{5F0C84B1-2009-464B-89D6-B90556266101}" srcOrd="1" destOrd="0" presId="urn:microsoft.com/office/officeart/2008/layout/LinedList"/>
   </dgm:cxnLst>
   <dgm:bg/>
   <dgm:whole/>
@@ -1392,6 +1411,139 @@
       <dsp:cNvGrpSpPr/>
     </dsp:nvGrpSpPr>
     <dsp:grpSpPr/>
+    <dsp:sp modelId="{58D3C9B4-208D-4FAC-ACD5-23155D4EBE4F}">
+      <dsp:nvSpPr>
+        <dsp:cNvPr id="0" name=""/>
+        <dsp:cNvSpPr/>
+      </dsp:nvSpPr>
+      <dsp:spPr>
+        <a:xfrm>
+          <a:off x="0" y="674"/>
+          <a:ext cx="6267888" cy="0"/>
+        </a:xfrm>
+        <a:prstGeom prst="line">
+          <a:avLst/>
+        </a:prstGeom>
+        <a:blipFill rotWithShape="0">
+          <a:blip xmlns:r="http://schemas.openxmlformats.org/officeDocument/2006/relationships" r:embed="rId1">
+            <a:duotone>
+              <a:schemeClr val="accent1">
+                <a:hueOff val="0"/>
+                <a:satOff val="0"/>
+                <a:lumOff val="0"/>
+                <a:alphaOff val="0"/>
+                <a:tint val="98000"/>
+                <a:lumMod val="102000"/>
+              </a:schemeClr>
+              <a:schemeClr val="accent1">
+                <a:hueOff val="0"/>
+                <a:satOff val="0"/>
+                <a:lumOff val="0"/>
+                <a:alphaOff val="0"/>
+                <a:shade val="98000"/>
+                <a:lumMod val="98000"/>
+              </a:schemeClr>
+            </a:duotone>
+          </a:blip>
+          <a:tile tx="0" ty="0" sx="100000" sy="100000" flip="none" algn="tl"/>
+        </a:blipFill>
+        <a:ln w="9525" cap="rnd" cmpd="sng" algn="ctr">
+          <a:solidFill>
+            <a:schemeClr val="accent1">
+              <a:hueOff val="0"/>
+              <a:satOff val="0"/>
+              <a:lumOff val="0"/>
+              <a:alphaOff val="0"/>
+            </a:schemeClr>
+          </a:solidFill>
+          <a:prstDash val="solid"/>
+        </a:ln>
+        <a:effectLst/>
+      </dsp:spPr>
+      <dsp:style>
+        <a:lnRef idx="1">
+          <a:scrgbClr r="0" g="0" b="0"/>
+        </a:lnRef>
+        <a:fillRef idx="3">
+          <a:scrgbClr r="0" g="0" b="0"/>
+        </a:fillRef>
+        <a:effectRef idx="2">
+          <a:scrgbClr r="0" g="0" b="0"/>
+        </a:effectRef>
+        <a:fontRef idx="minor">
+          <a:schemeClr val="lt1"/>
+        </a:fontRef>
+      </dsp:style>
+    </dsp:sp>
+    <dsp:sp modelId="{2948C901-2ED1-4C42-88CC-BB491B9C8623}">
+      <dsp:nvSpPr>
+        <dsp:cNvPr id="0" name=""/>
+        <dsp:cNvSpPr/>
+      </dsp:nvSpPr>
+      <dsp:spPr>
+        <a:xfrm>
+          <a:off x="0" y="674"/>
+          <a:ext cx="6267888" cy="789467"/>
+        </a:xfrm>
+        <a:prstGeom prst="rect">
+          <a:avLst/>
+        </a:prstGeom>
+        <a:noFill/>
+        <a:ln>
+          <a:noFill/>
+        </a:ln>
+        <a:effectLst/>
+      </dsp:spPr>
+      <dsp:style>
+        <a:lnRef idx="0">
+          <a:scrgbClr r="0" g="0" b="0"/>
+        </a:lnRef>
+        <a:fillRef idx="0">
+          <a:scrgbClr r="0" g="0" b="0"/>
+        </a:fillRef>
+        <a:effectRef idx="0">
+          <a:scrgbClr r="0" g="0" b="0"/>
+        </a:effectRef>
+        <a:fontRef idx="minor"/>
+      </dsp:style>
+      <dsp:txBody>
+        <a:bodyPr spcFirstLastPara="0" vert="horz" wrap="square" lIns="133350" tIns="133350" rIns="133350" bIns="133350" numCol="1" spcCol="1270" anchor="t" anchorCtr="0">
+          <a:noAutofit/>
+        </a:bodyPr>
+        <a:lstStyle/>
+        <a:p>
+          <a:pPr marL="0" lvl="0" indent="0" algn="l" defTabSz="1555750">
+            <a:lnSpc>
+              <a:spcPct val="90000"/>
+            </a:lnSpc>
+            <a:spcBef>
+              <a:spcPct val="0"/>
+            </a:spcBef>
+            <a:spcAft>
+              <a:spcPct val="35000"/>
+            </a:spcAft>
+            <a:buNone/>
+          </a:pPr>
+          <a:r>
+            <a:rPr lang="en-US" sz="3500" kern="1200" dirty="0"/>
+            <a:t>1</a:t>
+          </a:r>
+          <a:r>
+            <a:rPr lang="zh-CN" sz="3500" kern="1200" dirty="0"/>
+            <a:t>．</a:t>
+          </a:r>
+          <a:r>
+            <a:rPr lang="zh-CN" altLang="en-US" sz="3500" kern="1200" dirty="0"/>
+            <a:t>回顾</a:t>
+          </a:r>
+          <a:endParaRPr lang="en-US" sz="3500" kern="1200" dirty="0"/>
+        </a:p>
+      </dsp:txBody>
+      <dsp:txXfrm>
+        <a:off x="0" y="674"/>
+        <a:ext cx="6267888" cy="789467"/>
+      </dsp:txXfrm>
+    </dsp:sp>
     <dsp:sp modelId="{BB10B3FE-71B2-44C4-9881-9B1B6C4ED30A}">
       <dsp:nvSpPr>
         <dsp:cNvPr id="0" name=""/>
@@ -1399,7 +1551,7 @@
       </dsp:nvSpPr>
       <dsp:spPr>
         <a:xfrm>
-          <a:off x="0" y="2699"/>
+          <a:off x="0" y="790141"/>
           <a:ext cx="6267888" cy="0"/>
         </a:xfrm>
         <a:prstGeom prst="line">
@@ -1463,8 +1615,8 @@
       </dsp:nvSpPr>
       <dsp:spPr>
         <a:xfrm>
-          <a:off x="0" y="2699"/>
-          <a:ext cx="6267888" cy="920370"/>
+          <a:off x="0" y="790141"/>
+          <a:ext cx="6267888" cy="789467"/>
         </a:xfrm>
         <a:prstGeom prst="rect">
           <a:avLst/>
@@ -1488,12 +1640,12 @@
         <a:fontRef idx="minor"/>
       </dsp:style>
       <dsp:txBody>
-        <a:bodyPr spcFirstLastPara="0" vert="horz" wrap="square" lIns="152400" tIns="152400" rIns="152400" bIns="152400" numCol="1" spcCol="1270" anchor="t" anchorCtr="0">
+        <a:bodyPr spcFirstLastPara="0" vert="horz" wrap="square" lIns="133350" tIns="133350" rIns="133350" bIns="133350" numCol="1" spcCol="1270" anchor="t" anchorCtr="0">
           <a:noAutofit/>
         </a:bodyPr>
         <a:lstStyle/>
         <a:p>
-          <a:pPr lvl="0" algn="l" defTabSz="1778000">
+          <a:pPr marL="0" lvl="0" indent="0" algn="l" defTabSz="1555750">
             <a:lnSpc>
               <a:spcPct val="90000"/>
             </a:lnSpc>
@@ -1503,25 +1655,26 @@
             <a:spcAft>
               <a:spcPct val="35000"/>
             </a:spcAft>
+            <a:buNone/>
           </a:pPr>
           <a:r>
-            <a:rPr lang="en-US" sz="4000" kern="1200" dirty="0"/>
-            <a:t>1</a:t>
+            <a:rPr lang="en-US" sz="3500" kern="1200" dirty="0"/>
+            <a:t>2</a:t>
           </a:r>
           <a:r>
-            <a:rPr lang="zh-CN" sz="4000" kern="1200" dirty="0" smtClean="0"/>
+            <a:rPr lang="zh-CN" sz="3500" kern="1200" dirty="0"/>
             <a:t>．</a:t>
           </a:r>
           <a:r>
-            <a:rPr lang="zh-CN" altLang="en-US" sz="4000" kern="1200" dirty="0" smtClean="0"/>
-            <a:t>用例和用例图 </a:t>
+            <a:rPr lang="zh-CN" altLang="en-US" sz="3500" kern="1200" dirty="0"/>
+            <a:t>用例图 </a:t>
           </a:r>
-          <a:endParaRPr lang="en-US" sz="4000" kern="1200" dirty="0"/>
+          <a:endParaRPr lang="en-US" sz="3500" kern="1200" dirty="0"/>
         </a:p>
       </dsp:txBody>
       <dsp:txXfrm>
-        <a:off x="0" y="2699"/>
-        <a:ext cx="6267888" cy="920370"/>
+        <a:off x="0" y="790141"/>
+        <a:ext cx="6267888" cy="789467"/>
       </dsp:txXfrm>
     </dsp:sp>
     <dsp:sp modelId="{DF0B91BF-B4CA-4353-8D74-953111AFF567}">
@@ -1531,7 +1684,7 @@
       </dsp:nvSpPr>
       <dsp:spPr>
         <a:xfrm>
-          <a:off x="0" y="923069"/>
+          <a:off x="0" y="1579609"/>
           <a:ext cx="6267888" cy="0"/>
         </a:xfrm>
         <a:prstGeom prst="line">
@@ -1595,8 +1748,8 @@
       </dsp:nvSpPr>
       <dsp:spPr>
         <a:xfrm>
-          <a:off x="0" y="923069"/>
-          <a:ext cx="6267888" cy="920370"/>
+          <a:off x="0" y="1579609"/>
+          <a:ext cx="6267888" cy="789467"/>
         </a:xfrm>
         <a:prstGeom prst="rect">
           <a:avLst/>
@@ -1620,12 +1773,12 @@
         <a:fontRef idx="minor"/>
       </dsp:style>
       <dsp:txBody>
-        <a:bodyPr spcFirstLastPara="0" vert="horz" wrap="square" lIns="152400" tIns="152400" rIns="152400" bIns="152400" numCol="1" spcCol="1270" anchor="t" anchorCtr="0">
+        <a:bodyPr spcFirstLastPara="0" vert="horz" wrap="square" lIns="133350" tIns="133350" rIns="133350" bIns="133350" numCol="1" spcCol="1270" anchor="t" anchorCtr="0">
           <a:noAutofit/>
         </a:bodyPr>
         <a:lstStyle/>
         <a:p>
-          <a:pPr lvl="0" algn="l" defTabSz="1778000">
+          <a:pPr marL="0" lvl="0" indent="0" algn="l" defTabSz="1555750">
             <a:lnSpc>
               <a:spcPct val="90000"/>
             </a:lnSpc>
@@ -1635,25 +1788,26 @@
             <a:spcAft>
               <a:spcPct val="35000"/>
             </a:spcAft>
+            <a:buNone/>
           </a:pPr>
           <a:r>
-            <a:rPr lang="en-US" sz="4000" kern="1200" dirty="0"/>
-            <a:t>2</a:t>
+            <a:rPr lang="en-US" sz="3500" kern="1200" dirty="0"/>
+            <a:t>3</a:t>
           </a:r>
           <a:r>
-            <a:rPr lang="zh-CN" sz="4000" kern="1200" dirty="0" smtClean="0"/>
+            <a:rPr lang="zh-CN" sz="3500" kern="1200" dirty="0"/>
             <a:t>．</a:t>
           </a:r>
           <a:r>
-            <a:rPr lang="zh-CN" altLang="en-US" sz="4000" kern="1200" dirty="0" smtClean="0"/>
-            <a:t>类和类图</a:t>
+            <a:rPr lang="zh-CN" altLang="en-US" sz="3500" kern="1200" dirty="0"/>
+            <a:t>类图</a:t>
           </a:r>
-          <a:endParaRPr lang="en-US" sz="4000" kern="1200" dirty="0"/>
+          <a:endParaRPr lang="en-US" sz="3500" kern="1200" dirty="0"/>
         </a:p>
       </dsp:txBody>
       <dsp:txXfrm>
-        <a:off x="0" y="923069"/>
-        <a:ext cx="6267888" cy="920370"/>
+        <a:off x="0" y="1579609"/>
+        <a:ext cx="6267888" cy="789467"/>
       </dsp:txXfrm>
     </dsp:sp>
     <dsp:sp modelId="{95001912-062E-4B5A-8EC6-8187415768D3}">
@@ -1663,7 +1817,7 @@
       </dsp:nvSpPr>
       <dsp:spPr>
         <a:xfrm>
-          <a:off x="0" y="1843439"/>
+          <a:off x="0" y="2369076"/>
           <a:ext cx="6267888" cy="0"/>
         </a:xfrm>
         <a:prstGeom prst="line">
@@ -1727,8 +1881,8 @@
       </dsp:nvSpPr>
       <dsp:spPr>
         <a:xfrm>
-          <a:off x="0" y="1843439"/>
-          <a:ext cx="6267888" cy="920370"/>
+          <a:off x="0" y="2369076"/>
+          <a:ext cx="6267888" cy="789467"/>
         </a:xfrm>
         <a:prstGeom prst="rect">
           <a:avLst/>
@@ -1752,12 +1906,12 @@
         <a:fontRef idx="minor"/>
       </dsp:style>
       <dsp:txBody>
-        <a:bodyPr spcFirstLastPara="0" vert="horz" wrap="square" lIns="152400" tIns="152400" rIns="152400" bIns="152400" numCol="1" spcCol="1270" anchor="t" anchorCtr="0">
+        <a:bodyPr spcFirstLastPara="0" vert="horz" wrap="square" lIns="133350" tIns="133350" rIns="133350" bIns="133350" numCol="1" spcCol="1270" anchor="t" anchorCtr="0">
           <a:noAutofit/>
         </a:bodyPr>
         <a:lstStyle/>
         <a:p>
-          <a:pPr lvl="0" algn="l" defTabSz="1778000">
+          <a:pPr marL="0" lvl="0" indent="0" algn="l" defTabSz="1555750">
             <a:lnSpc>
               <a:spcPct val="90000"/>
             </a:lnSpc>
@@ -1767,25 +1921,26 @@
             <a:spcAft>
               <a:spcPct val="35000"/>
             </a:spcAft>
+            <a:buNone/>
           </a:pPr>
           <a:r>
-            <a:rPr lang="en-US" sz="4000" kern="1200" dirty="0"/>
-            <a:t>3</a:t>
+            <a:rPr lang="en-US" sz="3500" kern="1200" dirty="0"/>
+            <a:t>4</a:t>
           </a:r>
           <a:r>
-            <a:rPr lang="zh-CN" sz="4000" kern="1200" dirty="0" smtClean="0"/>
+            <a:rPr lang="zh-CN" sz="3500" kern="1200" dirty="0"/>
             <a:t>．</a:t>
           </a:r>
           <a:r>
-            <a:rPr lang="zh-CN" altLang="en-US" sz="4000" kern="1200" dirty="0" smtClean="0"/>
-            <a:t>状态机图</a:t>
+            <a:rPr lang="zh-CN" altLang="en-US" sz="3500" kern="1200" dirty="0"/>
+            <a:t>状态图</a:t>
           </a:r>
-          <a:endParaRPr lang="en-US" sz="4000" kern="1200" dirty="0"/>
+          <a:endParaRPr lang="en-US" sz="3500" kern="1200" dirty="0"/>
         </a:p>
       </dsp:txBody>
       <dsp:txXfrm>
-        <a:off x="0" y="1843439"/>
-        <a:ext cx="6267888" cy="920370"/>
+        <a:off x="0" y="2369076"/>
+        <a:ext cx="6267888" cy="789467"/>
       </dsp:txXfrm>
     </dsp:sp>
     <dsp:sp modelId="{1D5B3A02-00A6-473F-B5E2-9397402134CE}">
@@ -1795,7 +1950,7 @@
       </dsp:nvSpPr>
       <dsp:spPr>
         <a:xfrm>
-          <a:off x="0" y="2763809"/>
+          <a:off x="0" y="3158543"/>
           <a:ext cx="6267888" cy="0"/>
         </a:xfrm>
         <a:prstGeom prst="line">
@@ -1859,8 +2014,8 @@
       </dsp:nvSpPr>
       <dsp:spPr>
         <a:xfrm>
-          <a:off x="0" y="2763810"/>
-          <a:ext cx="6267888" cy="920370"/>
+          <a:off x="0" y="3158543"/>
+          <a:ext cx="6267888" cy="789467"/>
         </a:xfrm>
         <a:prstGeom prst="rect">
           <a:avLst/>
@@ -1884,12 +2039,12 @@
         <a:fontRef idx="minor"/>
       </dsp:style>
       <dsp:txBody>
-        <a:bodyPr spcFirstLastPara="0" vert="horz" wrap="square" lIns="152400" tIns="152400" rIns="152400" bIns="152400" numCol="1" spcCol="1270" anchor="t" anchorCtr="0">
+        <a:bodyPr spcFirstLastPara="0" vert="horz" wrap="square" lIns="133350" tIns="133350" rIns="133350" bIns="133350" numCol="1" spcCol="1270" anchor="t" anchorCtr="0">
           <a:noAutofit/>
         </a:bodyPr>
         <a:lstStyle/>
         <a:p>
-          <a:pPr lvl="0" algn="l" defTabSz="1778000">
+          <a:pPr marL="0" lvl="0" indent="0" algn="l" defTabSz="1555750">
             <a:lnSpc>
               <a:spcPct val="90000"/>
             </a:lnSpc>
@@ -1899,25 +2054,26 @@
             <a:spcAft>
               <a:spcPct val="35000"/>
             </a:spcAft>
+            <a:buNone/>
           </a:pPr>
           <a:r>
-            <a:rPr lang="en-US" sz="4000" kern="1200" dirty="0" smtClean="0"/>
-            <a:t>4</a:t>
+            <a:rPr lang="en-US" sz="3500" kern="1200" dirty="0"/>
+            <a:t>5</a:t>
           </a:r>
           <a:r>
-            <a:rPr lang="zh-CN" sz="4000" kern="1200" dirty="0" smtClean="0"/>
+            <a:rPr lang="zh-CN" sz="3500" kern="1200" dirty="0"/>
             <a:t>．</a:t>
           </a:r>
           <a:r>
-            <a:rPr lang="zh-CN" altLang="en-US" sz="4000" kern="1200" dirty="0" smtClean="0"/>
+            <a:rPr lang="zh-CN" altLang="en-US" sz="3500" kern="1200" dirty="0"/>
             <a:t>顺序图</a:t>
           </a:r>
-          <a:endParaRPr lang="en-US" sz="4000" kern="1200" dirty="0"/>
+          <a:endParaRPr lang="en-US" sz="3500" kern="1200" dirty="0"/>
         </a:p>
       </dsp:txBody>
       <dsp:txXfrm>
-        <a:off x="0" y="2763810"/>
-        <a:ext cx="6267888" cy="920370"/>
+        <a:off x="0" y="3158543"/>
+        <a:ext cx="6267888" cy="789467"/>
       </dsp:txXfrm>
     </dsp:sp>
     <dsp:sp modelId="{165A2E05-853A-4796-A4F7-9A222BA428E6}">
@@ -1927,7 +2083,7 @@
       </dsp:nvSpPr>
       <dsp:spPr>
         <a:xfrm>
-          <a:off x="0" y="3684180"/>
+          <a:off x="0" y="3948010"/>
           <a:ext cx="6267888" cy="0"/>
         </a:xfrm>
         <a:prstGeom prst="line">
@@ -1991,8 +2147,8 @@
       </dsp:nvSpPr>
       <dsp:spPr>
         <a:xfrm>
-          <a:off x="0" y="3684180"/>
-          <a:ext cx="6267888" cy="920370"/>
+          <a:off x="0" y="3948010"/>
+          <a:ext cx="6267888" cy="789467"/>
         </a:xfrm>
         <a:prstGeom prst="rect">
           <a:avLst/>
@@ -2016,12 +2172,12 @@
         <a:fontRef idx="minor"/>
       </dsp:style>
       <dsp:txBody>
-        <a:bodyPr spcFirstLastPara="0" vert="horz" wrap="square" lIns="152400" tIns="152400" rIns="152400" bIns="152400" numCol="1" spcCol="1270" anchor="t" anchorCtr="0">
+        <a:bodyPr spcFirstLastPara="0" vert="horz" wrap="square" lIns="133350" tIns="133350" rIns="133350" bIns="133350" numCol="1" spcCol="1270" anchor="t" anchorCtr="0">
           <a:noAutofit/>
         </a:bodyPr>
         <a:lstStyle/>
         <a:p>
-          <a:pPr lvl="0" algn="l" defTabSz="1778000">
+          <a:pPr marL="0" lvl="0" indent="0" algn="l" defTabSz="1555750">
             <a:lnSpc>
               <a:spcPct val="90000"/>
             </a:lnSpc>
@@ -2031,25 +2187,26 @@
             <a:spcAft>
               <a:spcPct val="35000"/>
             </a:spcAft>
+            <a:buNone/>
           </a:pPr>
           <a:r>
-            <a:rPr lang="en-US" sz="4000" kern="1200" dirty="0"/>
-            <a:t>5</a:t>
+            <a:rPr lang="en-US" sz="3500" kern="1200" dirty="0"/>
+            <a:t>6</a:t>
           </a:r>
           <a:r>
-            <a:rPr lang="zh-CN" sz="4000" kern="1200" dirty="0" smtClean="0"/>
+            <a:rPr lang="zh-CN" sz="3500" kern="1200" dirty="0"/>
             <a:t>．</a:t>
           </a:r>
           <a:r>
-            <a:rPr lang="zh-CN" altLang="en-US" sz="4000" kern="1200" dirty="0" smtClean="0"/>
-            <a:t>通信图</a:t>
+            <a:rPr lang="zh-CN" altLang="en-US" sz="3500" kern="1200" dirty="0"/>
+            <a:t>协作图</a:t>
           </a:r>
-          <a:endParaRPr lang="en-US" sz="4000" kern="1200" dirty="0"/>
+          <a:endParaRPr lang="en-US" sz="3500" kern="1200" dirty="0"/>
         </a:p>
       </dsp:txBody>
       <dsp:txXfrm>
-        <a:off x="0" y="3684180"/>
-        <a:ext cx="6267888" cy="920370"/>
+        <a:off x="0" y="3948010"/>
+        <a:ext cx="6267888" cy="789467"/>
       </dsp:txXfrm>
     </dsp:sp>
     <dsp:sp modelId="{7614DB1E-CC9D-4EDF-AD13-F408C753FE43}">
@@ -2059,7 +2216,7 @@
       </dsp:nvSpPr>
       <dsp:spPr>
         <a:xfrm>
-          <a:off x="0" y="4604550"/>
+          <a:off x="0" y="4737478"/>
           <a:ext cx="6267888" cy="0"/>
         </a:xfrm>
         <a:prstGeom prst="line">
@@ -2123,8 +2280,8 @@
       </dsp:nvSpPr>
       <dsp:spPr>
         <a:xfrm>
-          <a:off x="0" y="4604550"/>
-          <a:ext cx="6267888" cy="920370"/>
+          <a:off x="0" y="4737478"/>
+          <a:ext cx="6267888" cy="789467"/>
         </a:xfrm>
         <a:prstGeom prst="rect">
           <a:avLst/>
@@ -2148,12 +2305,12 @@
         <a:fontRef idx="minor"/>
       </dsp:style>
       <dsp:txBody>
-        <a:bodyPr spcFirstLastPara="0" vert="horz" wrap="square" lIns="152400" tIns="152400" rIns="152400" bIns="152400" numCol="1" spcCol="1270" anchor="t" anchorCtr="0">
+        <a:bodyPr spcFirstLastPara="0" vert="horz" wrap="square" lIns="133350" tIns="133350" rIns="133350" bIns="133350" numCol="1" spcCol="1270" anchor="t" anchorCtr="0">
           <a:noAutofit/>
         </a:bodyPr>
         <a:lstStyle/>
         <a:p>
-          <a:pPr lvl="0" algn="l" defTabSz="1778000">
+          <a:pPr marL="0" lvl="0" indent="0" algn="l" defTabSz="1555750">
             <a:lnSpc>
               <a:spcPct val="90000"/>
             </a:lnSpc>
@@ -2163,25 +2320,26 @@
             <a:spcAft>
               <a:spcPct val="35000"/>
             </a:spcAft>
+            <a:buNone/>
           </a:pPr>
           <a:r>
-            <a:rPr lang="en-US" sz="4000" kern="1200" dirty="0"/>
-            <a:t>6</a:t>
+            <a:rPr lang="en-US" sz="3500" kern="1200" dirty="0"/>
+            <a:t>7</a:t>
           </a:r>
           <a:r>
-            <a:rPr lang="zh-CN" sz="4000" kern="1200" dirty="0" smtClean="0"/>
+            <a:rPr lang="zh-CN" sz="3500" kern="1200" dirty="0"/>
             <a:t>．</a:t>
           </a:r>
           <a:r>
-            <a:rPr lang="zh-CN" altLang="en-US" sz="4000" kern="1200" dirty="0" smtClean="0"/>
+            <a:rPr lang="zh-CN" altLang="en-US" sz="3500" kern="1200" dirty="0"/>
             <a:t>部署图</a:t>
           </a:r>
-          <a:endParaRPr lang="en-US" sz="4000" kern="1200" dirty="0"/>
+          <a:endParaRPr lang="en-US" sz="3500" kern="1200" dirty="0"/>
         </a:p>
       </dsp:txBody>
       <dsp:txXfrm>
-        <a:off x="0" y="4604550"/>
-        <a:ext cx="6267888" cy="920370"/>
+        <a:off x="0" y="4737478"/>
+        <a:ext cx="6267888" cy="789467"/>
       </dsp:txXfrm>
     </dsp:sp>
   </dsp:spTree>
@@ -9300,19 +9458,19 @@
           <a:p>
             <a:pPr algn="ctr"/>
             <a:r>
-              <a:rPr lang="en-US" altLang="zh-CN" dirty="0" smtClean="0"/>
+              <a:rPr lang="en-US" altLang="zh-CN" dirty="0"/>
               <a:t> </a:t>
             </a:r>
             <a:r>
-              <a:rPr lang="en-US" altLang="zh-CN" sz="9600" dirty="0" smtClean="0"/>
+              <a:rPr lang="en-US" altLang="zh-CN" sz="9600" dirty="0"/>
               <a:t>UML</a:t>
             </a:r>
             <a:r>
-              <a:rPr lang="zh-CN" altLang="en-US" sz="9600" dirty="0" smtClean="0"/>
+              <a:rPr lang="zh-CN" altLang="en-US" sz="9600" dirty="0"/>
               <a:t>基础</a:t>
             </a:r>
             <a:r>
-              <a:rPr lang="en-US" altLang="zh-CN" sz="9600" dirty="0" smtClean="0"/>
+              <a:rPr lang="en-US" altLang="zh-CN" sz="9600" dirty="0"/>
               <a:t>Ⅰ</a:t>
             </a:r>
             <a:r>
@@ -9791,13 +9949,12 @@
           <a:p>
             <a:r>
               <a:rPr lang="en-US" altLang="zh-CN" sz="4400" dirty="0"/>
-              <a:t>4</a:t>
+              <a:t>3</a:t>
             </a:r>
             <a:r>
-              <a:rPr lang="zh-CN" altLang="en-US" sz="4400" dirty="0" smtClean="0"/>
-              <a:t>、顺序图</a:t>
+              <a:rPr lang="zh-CN" altLang="en-US" sz="4400" dirty="0"/>
+              <a:t>、状态机图</a:t>
             </a:r>
-            <a:endParaRPr lang="zh-CN" altLang="en-US" sz="4400" dirty="0"/>
           </a:p>
         </p:txBody>
       </p:sp>
@@ -9822,38 +9979,22 @@
           <a:lstStyle/>
           <a:p>
             <a:r>
-              <a:rPr lang="zh-CN" altLang="en-US" dirty="0" smtClean="0"/>
-              <a:t>概述、</a:t>
+              <a:rPr lang="zh-CN" altLang="en-US" dirty="0"/>
+              <a:t>概述、基本元素等</a:t>
             </a:r>
-            <a:r>
-              <a:rPr lang="zh-CN" altLang="en-US" dirty="0"/>
-              <a:t>约束</a:t>
-            </a:r>
-            <a:r>
-              <a:rPr lang="zh-CN" altLang="en-US" dirty="0" smtClean="0"/>
-              <a:t>等</a:t>
-            </a:r>
-            <a:endParaRPr lang="zh-CN" altLang="en-US" dirty="0"/>
           </a:p>
         </p:txBody>
       </p:sp>
     </p:spTree>
     <p:extLst>
       <p:ext uri="{BB962C8B-B14F-4D97-AF65-F5344CB8AC3E}">
-        <p14:creationId xmlns:p14="http://schemas.microsoft.com/office/powerpoint/2010/main" val="597348448"/>
+        <p14:creationId xmlns:p14="http://schemas.microsoft.com/office/powerpoint/2010/main" val="828526820"/>
       </p:ext>
     </p:extLst>
   </p:cSld>
   <p:clrMapOvr>
     <a:masterClrMapping/>
   </p:clrMapOvr>
-  <p:timing>
-    <p:tnLst>
-      <p:par>
-        <p:cTn id="1" dur="indefinite" restart="never" nodeType="tmRoot"/>
-      </p:par>
-    </p:tnLst>
-  </p:timing>
 </p:sld>
 </file>
 
@@ -10143,13 +10284,12 @@
           <a:p>
             <a:r>
               <a:rPr lang="en-US" altLang="zh-CN" sz="4400" dirty="0"/>
-              <a:t>5</a:t>
+              <a:t>4</a:t>
             </a:r>
             <a:r>
-              <a:rPr lang="zh-CN" altLang="en-US" sz="4400" dirty="0" smtClean="0"/>
-              <a:t>、通信图</a:t>
+              <a:rPr lang="zh-CN" altLang="en-US" sz="4400" dirty="0"/>
+              <a:t>、顺序图</a:t>
             </a:r>
-            <a:endParaRPr lang="zh-CN" altLang="en-US" sz="4400" dirty="0"/>
           </a:p>
         </p:txBody>
       </p:sp>
@@ -10174,30 +10314,22 @@
           <a:lstStyle/>
           <a:p>
             <a:r>
-              <a:rPr lang="zh-CN" altLang="en-US" dirty="0" smtClean="0"/>
-              <a:t>概述、建模技术等</a:t>
+              <a:rPr lang="zh-CN" altLang="en-US" dirty="0"/>
+              <a:t>概述、约束等</a:t>
             </a:r>
-            <a:endParaRPr lang="zh-CN" altLang="en-US" dirty="0"/>
           </a:p>
         </p:txBody>
       </p:sp>
     </p:spTree>
     <p:extLst>
       <p:ext uri="{BB962C8B-B14F-4D97-AF65-F5344CB8AC3E}">
-        <p14:creationId xmlns:p14="http://schemas.microsoft.com/office/powerpoint/2010/main" val="1120911681"/>
+        <p14:creationId xmlns:p14="http://schemas.microsoft.com/office/powerpoint/2010/main" val="597348448"/>
       </p:ext>
     </p:extLst>
   </p:cSld>
   <p:clrMapOvr>
     <a:masterClrMapping/>
   </p:clrMapOvr>
-  <p:timing>
-    <p:tnLst>
-      <p:par>
-        <p:cTn id="1" dur="indefinite" restart="never" nodeType="tmRoot"/>
-      </p:par>
-    </p:tnLst>
-  </p:timing>
 </p:sld>
 </file>
 
@@ -10486,14 +10618,13 @@
           <a:lstStyle/>
           <a:p>
             <a:r>
-              <a:rPr lang="en-US" altLang="zh-CN" sz="4400" dirty="0" smtClean="0"/>
-              <a:t>6</a:t>
+              <a:rPr lang="en-US" altLang="zh-CN" sz="4400" dirty="0"/>
+              <a:t>5</a:t>
             </a:r>
             <a:r>
-              <a:rPr lang="zh-CN" altLang="en-US" sz="4400" dirty="0" smtClean="0"/>
-              <a:t>、部署图</a:t>
+              <a:rPr lang="zh-CN" altLang="en-US" sz="4400" dirty="0"/>
+              <a:t>、通信图</a:t>
             </a:r>
-            <a:endParaRPr lang="zh-CN" altLang="en-US" sz="4400" dirty="0"/>
           </a:p>
         </p:txBody>
       </p:sp>
@@ -10518,30 +10649,22 @@
           <a:lstStyle/>
           <a:p>
             <a:r>
-              <a:rPr lang="zh-CN" altLang="en-US" dirty="0" smtClean="0"/>
-              <a:t>概述、结点、组件、关系等</a:t>
+              <a:rPr lang="zh-CN" altLang="en-US" dirty="0"/>
+              <a:t>概述、建模技术等</a:t>
             </a:r>
-            <a:endParaRPr lang="zh-CN" altLang="en-US" dirty="0"/>
           </a:p>
         </p:txBody>
       </p:sp>
     </p:spTree>
     <p:extLst>
       <p:ext uri="{BB962C8B-B14F-4D97-AF65-F5344CB8AC3E}">
-        <p14:creationId xmlns:p14="http://schemas.microsoft.com/office/powerpoint/2010/main" val="2820312738"/>
+        <p14:creationId xmlns:p14="http://schemas.microsoft.com/office/powerpoint/2010/main" val="1120911681"/>
       </p:ext>
     </p:extLst>
   </p:cSld>
   <p:clrMapOvr>
     <a:masterClrMapping/>
   </p:clrMapOvr>
-  <p:timing>
-    <p:tnLst>
-      <p:par>
-        <p:cTn id="1" dur="indefinite" restart="never" nodeType="tmRoot"/>
-      </p:par>
-    </p:tnLst>
-  </p:timing>
 </p:sld>
 </file>
 
@@ -10562,6 +10685,341 @@
           <a:chExt cx="0" cy="0"/>
         </a:xfrm>
       </p:grpSpPr>
+      <p:sp useBgFill="1">
+        <p:nvSpPr>
+          <p:cNvPr id="10" name="Rectangle 9">
+            <a:extLst>
+              <a:ext uri="{FF2B5EF4-FFF2-40B4-BE49-F238E27FC236}">
+                <a16:creationId xmlns:a16="http://schemas.microsoft.com/office/drawing/2014/main" id="{A3322B77-FA16-4D4E-BAA6-811C61DB3E85}"/>
+              </a:ext>
+            </a:extLst>
+          </p:cNvPr>
+          <p:cNvSpPr>
+            <a:spLocks noGrp="1" noRot="1" noChangeAspect="1" noMove="1" noResize="1" noEditPoints="1" noAdjustHandles="1" noChangeArrowheads="1" noChangeShapeType="1" noTextEdit="1"/>
+          </p:cNvSpPr>
+          <p:nvPr>
+            <p:extLst>
+              <p:ext uri="{386F3935-93C4-4BCD-93E2-E3B085C9AB24}">
+                <p16:designElem xmlns:p16="http://schemas.microsoft.com/office/powerpoint/2015/main" val="1"/>
+              </p:ext>
+            </p:extLst>
+          </p:nvPr>
+        </p:nvSpPr>
+        <p:spPr>
+          <a:xfrm>
+            <a:off x="0" y="0"/>
+            <a:ext cx="12192000" cy="6858000"/>
+          </a:xfrm>
+          <a:prstGeom prst="rect">
+            <a:avLst/>
+          </a:prstGeom>
+          <a:ln>
+            <a:noFill/>
+          </a:ln>
+        </p:spPr>
+        <p:style>
+          <a:lnRef idx="2">
+            <a:schemeClr val="accent1">
+              <a:shade val="50000"/>
+            </a:schemeClr>
+          </a:lnRef>
+          <a:fillRef idx="1">
+            <a:schemeClr val="accent1"/>
+          </a:fillRef>
+          <a:effectRef idx="0">
+            <a:schemeClr val="accent1"/>
+          </a:effectRef>
+          <a:fontRef idx="minor">
+            <a:schemeClr val="lt1"/>
+          </a:fontRef>
+        </p:style>
+        <p:txBody>
+          <a:bodyPr rtlCol="0" anchor="ctr"/>
+          <a:lstStyle/>
+          <a:p>
+            <a:pPr algn="ctr"/>
+            <a:endParaRPr lang="en-US"/>
+          </a:p>
+        </p:txBody>
+      </p:sp>
+      <p:sp>
+        <p:nvSpPr>
+          <p:cNvPr id="12" name="Freeform: Shape 11">
+            <a:extLst>
+              <a:ext uri="{FF2B5EF4-FFF2-40B4-BE49-F238E27FC236}">
+                <a16:creationId xmlns:a16="http://schemas.microsoft.com/office/drawing/2014/main" id="{CA6EF34F-3BAD-4CD8-B05E-03BA773AE864}"/>
+              </a:ext>
+            </a:extLst>
+          </p:cNvPr>
+          <p:cNvSpPr>
+            <a:spLocks noGrp="1" noRot="1" noChangeAspect="1" noMove="1" noResize="1" noEditPoints="1" noAdjustHandles="1" noChangeArrowheads="1" noChangeShapeType="1" noTextEdit="1"/>
+          </p:cNvSpPr>
+          <p:nvPr>
+            <p:extLst>
+              <p:ext uri="{386F3935-93C4-4BCD-93E2-E3B085C9AB24}">
+                <p16:designElem xmlns:p16="http://schemas.microsoft.com/office/powerpoint/2015/main" val="1"/>
+              </p:ext>
+            </p:extLst>
+          </p:nvPr>
+        </p:nvSpPr>
+        <p:spPr bwMode="auto">
+          <a:xfrm rot="16200000">
+            <a:off x="-1050631" y="1050634"/>
+            <a:ext cx="6857997" cy="4756735"/>
+          </a:xfrm>
+          <a:custGeom>
+            <a:avLst/>
+            <a:gdLst>
+              <a:gd name="connsiteX0" fmla="*/ 6857997 w 6857997"/>
+              <a:gd name="connsiteY0" fmla="*/ 0 h 4756735"/>
+              <a:gd name="connsiteX1" fmla="*/ 6857997 w 6857997"/>
+              <a:gd name="connsiteY1" fmla="*/ 4458285 h 4756735"/>
+              <a:gd name="connsiteX2" fmla="*/ 4861980 w 6857997"/>
+              <a:gd name="connsiteY2" fmla="*/ 4458285 h 4756735"/>
+              <a:gd name="connsiteX3" fmla="*/ 4480980 w 6857997"/>
+              <a:gd name="connsiteY3" fmla="*/ 4744036 h 4756735"/>
+              <a:gd name="connsiteX4" fmla="*/ 4472514 w 6857997"/>
+              <a:gd name="connsiteY4" fmla="*/ 4747210 h 4756735"/>
+              <a:gd name="connsiteX5" fmla="*/ 4459814 w 6857997"/>
+              <a:gd name="connsiteY5" fmla="*/ 4751973 h 4756735"/>
+              <a:gd name="connsiteX6" fmla="*/ 4447114 w 6857997"/>
+              <a:gd name="connsiteY6" fmla="*/ 4756735 h 4756735"/>
+              <a:gd name="connsiteX7" fmla="*/ 4436530 w 6857997"/>
+              <a:gd name="connsiteY7" fmla="*/ 4756735 h 4756735"/>
+              <a:gd name="connsiteX8" fmla="*/ 4423830 w 6857997"/>
+              <a:gd name="connsiteY8" fmla="*/ 4756735 h 4756735"/>
+              <a:gd name="connsiteX9" fmla="*/ 4413247 w 6857997"/>
+              <a:gd name="connsiteY9" fmla="*/ 4751973 h 4756735"/>
+              <a:gd name="connsiteX10" fmla="*/ 4400547 w 6857997"/>
+              <a:gd name="connsiteY10" fmla="*/ 4747210 h 4756735"/>
+              <a:gd name="connsiteX11" fmla="*/ 4392080 w 6857997"/>
+              <a:gd name="connsiteY11" fmla="*/ 4744036 h 4756735"/>
+              <a:gd name="connsiteX12" fmla="*/ 4011080 w 6857997"/>
+              <a:gd name="connsiteY12" fmla="*/ 4458285 h 4756735"/>
+              <a:gd name="connsiteX13" fmla="*/ 0 w 6857997"/>
+              <a:gd name="connsiteY13" fmla="*/ 4458285 h 4756735"/>
+              <a:gd name="connsiteX14" fmla="*/ 1 w 6857997"/>
+              <a:gd name="connsiteY14" fmla="*/ 0 h 4756735"/>
+            </a:gdLst>
+            <a:ahLst/>
+            <a:cxnLst>
+              <a:cxn ang="0">
+                <a:pos x="connsiteX0" y="connsiteY0"/>
+              </a:cxn>
+              <a:cxn ang="0">
+                <a:pos x="connsiteX1" y="connsiteY1"/>
+              </a:cxn>
+              <a:cxn ang="0">
+                <a:pos x="connsiteX2" y="connsiteY2"/>
+              </a:cxn>
+              <a:cxn ang="0">
+                <a:pos x="connsiteX3" y="connsiteY3"/>
+              </a:cxn>
+              <a:cxn ang="0">
+                <a:pos x="connsiteX4" y="connsiteY4"/>
+              </a:cxn>
+              <a:cxn ang="0">
+                <a:pos x="connsiteX5" y="connsiteY5"/>
+              </a:cxn>
+              <a:cxn ang="0">
+                <a:pos x="connsiteX6" y="connsiteY6"/>
+              </a:cxn>
+              <a:cxn ang="0">
+                <a:pos x="connsiteX7" y="connsiteY7"/>
+              </a:cxn>
+              <a:cxn ang="0">
+                <a:pos x="connsiteX8" y="connsiteY8"/>
+              </a:cxn>
+              <a:cxn ang="0">
+                <a:pos x="connsiteX9" y="connsiteY9"/>
+              </a:cxn>
+              <a:cxn ang="0">
+                <a:pos x="connsiteX10" y="connsiteY10"/>
+              </a:cxn>
+              <a:cxn ang="0">
+                <a:pos x="connsiteX11" y="connsiteY11"/>
+              </a:cxn>
+              <a:cxn ang="0">
+                <a:pos x="connsiteX12" y="connsiteY12"/>
+              </a:cxn>
+              <a:cxn ang="0">
+                <a:pos x="connsiteX13" y="connsiteY13"/>
+              </a:cxn>
+              <a:cxn ang="0">
+                <a:pos x="connsiteX14" y="connsiteY14"/>
+              </a:cxn>
+            </a:cxnLst>
+            <a:rect l="l" t="t" r="r" b="b"/>
+            <a:pathLst>
+              <a:path w="6857997" h="4756735">
+                <a:moveTo>
+                  <a:pt x="6857997" y="0"/>
+                </a:moveTo>
+                <a:lnTo>
+                  <a:pt x="6857997" y="4458285"/>
+                </a:lnTo>
+                <a:lnTo>
+                  <a:pt x="4861980" y="4458285"/>
+                </a:lnTo>
+                <a:lnTo>
+                  <a:pt x="4480980" y="4744036"/>
+                </a:lnTo>
+                <a:lnTo>
+                  <a:pt x="4472514" y="4747210"/>
+                </a:lnTo>
+                <a:lnTo>
+                  <a:pt x="4459814" y="4751973"/>
+                </a:lnTo>
+                <a:lnTo>
+                  <a:pt x="4447114" y="4756735"/>
+                </a:lnTo>
+                <a:lnTo>
+                  <a:pt x="4436530" y="4756735"/>
+                </a:lnTo>
+                <a:lnTo>
+                  <a:pt x="4423830" y="4756735"/>
+                </a:lnTo>
+                <a:lnTo>
+                  <a:pt x="4413247" y="4751973"/>
+                </a:lnTo>
+                <a:lnTo>
+                  <a:pt x="4400547" y="4747210"/>
+                </a:lnTo>
+                <a:lnTo>
+                  <a:pt x="4392080" y="4744036"/>
+                </a:lnTo>
+                <a:lnTo>
+                  <a:pt x="4011080" y="4458285"/>
+                </a:lnTo>
+                <a:lnTo>
+                  <a:pt x="0" y="4458285"/>
+                </a:lnTo>
+                <a:lnTo>
+                  <a:pt x="1" y="0"/>
+                </a:lnTo>
+                <a:close/>
+              </a:path>
+            </a:pathLst>
+          </a:custGeom>
+          <a:solidFill>
+            <a:schemeClr val="accent1"/>
+          </a:solidFill>
+          <a:ln>
+            <a:headEnd/>
+            <a:tailEnd/>
+          </a:ln>
+        </p:spPr>
+        <p:style>
+          <a:lnRef idx="1">
+            <a:schemeClr val="accent1"/>
+          </a:lnRef>
+          <a:fillRef idx="3">
+            <a:schemeClr val="accent1"/>
+          </a:fillRef>
+          <a:effectRef idx="2">
+            <a:schemeClr val="accent1"/>
+          </a:effectRef>
+          <a:fontRef idx="minor">
+            <a:schemeClr val="lt1"/>
+          </a:fontRef>
+        </p:style>
+      </p:sp>
+      <p:sp>
+        <p:nvSpPr>
+          <p:cNvPr id="2" name="标题 1">
+            <a:extLst>
+              <a:ext uri="{FF2B5EF4-FFF2-40B4-BE49-F238E27FC236}">
+                <a16:creationId xmlns:a16="http://schemas.microsoft.com/office/drawing/2014/main" id="{07F82CAD-895A-43D3-8349-0BA3C86A2196}"/>
+              </a:ext>
+            </a:extLst>
+          </p:cNvPr>
+          <p:cNvSpPr>
+            <a:spLocks noGrp="1"/>
+          </p:cNvSpPr>
+          <p:nvPr>
+            <p:ph type="title"/>
+          </p:nvPr>
+        </p:nvSpPr>
+        <p:spPr>
+          <a:xfrm>
+            <a:off x="641754" y="1918252"/>
+            <a:ext cx="3365439" cy="3997635"/>
+          </a:xfrm>
+        </p:spPr>
+        <p:txBody>
+          <a:bodyPr anchor="t">
+            <a:normAutofit/>
+          </a:bodyPr>
+          <a:lstStyle/>
+          <a:p>
+            <a:r>
+              <a:rPr lang="en-US" altLang="zh-CN" sz="4400" dirty="0"/>
+              <a:t>6</a:t>
+            </a:r>
+            <a:r>
+              <a:rPr lang="zh-CN" altLang="en-US" sz="4400" dirty="0"/>
+              <a:t>、部署图</a:t>
+            </a:r>
+          </a:p>
+        </p:txBody>
+      </p:sp>
+      <p:sp>
+        <p:nvSpPr>
+          <p:cNvPr id="3" name="内容占位符 2"/>
+          <p:cNvSpPr>
+            <a:spLocks noGrp="1"/>
+          </p:cNvSpPr>
+          <p:nvPr>
+            <p:ph idx="1"/>
+          </p:nvPr>
+        </p:nvSpPr>
+        <p:spPr>
+          <a:xfrm>
+            <a:off x="4947920" y="497841"/>
+            <a:ext cx="6425366" cy="5191760"/>
+          </a:xfrm>
+        </p:spPr>
+        <p:txBody>
+          <a:bodyPr/>
+          <a:lstStyle/>
+          <a:p>
+            <a:r>
+              <a:rPr lang="zh-CN" altLang="en-US" dirty="0"/>
+              <a:t>概述、结点、组件、关系等</a:t>
+            </a:r>
+          </a:p>
+        </p:txBody>
+      </p:sp>
+    </p:spTree>
+    <p:extLst>
+      <p:ext uri="{BB962C8B-B14F-4D97-AF65-F5344CB8AC3E}">
+        <p14:creationId xmlns:p14="http://schemas.microsoft.com/office/powerpoint/2010/main" val="2820312738"/>
+      </p:ext>
+    </p:extLst>
+  </p:cSld>
+  <p:clrMapOvr>
+    <a:masterClrMapping/>
+  </p:clrMapOvr>
+</p:sld>
+</file>
+
+<file path=ppt/slides/slide14.xml><?xml version="1.0" encoding="utf-8"?>
+<p:sld xmlns:a="http://schemas.openxmlformats.org/drawingml/2006/main" xmlns:r="http://schemas.openxmlformats.org/officeDocument/2006/relationships" xmlns:p="http://schemas.openxmlformats.org/presentationml/2006/main">
+  <p:cSld>
+    <p:spTree>
+      <p:nvGrpSpPr>
+        <p:cNvPr id="1" name=""/>
+        <p:cNvGrpSpPr/>
+        <p:nvPr/>
+      </p:nvGrpSpPr>
+      <p:grpSpPr>
+        <a:xfrm>
+          <a:off x="0" y="0"/>
+          <a:ext cx="0" cy="0"/>
+          <a:chOff x="0" y="0"/>
+          <a:chExt cx="0" cy="0"/>
+        </a:xfrm>
+      </p:grpSpPr>
       <p:sp>
         <p:nvSpPr>
           <p:cNvPr id="2" name="标题 1">
@@ -10602,17 +11060,10 @@
   <p:clrMapOvr>
     <a:masterClrMapping/>
   </p:clrMapOvr>
-  <p:timing>
-    <p:tnLst>
-      <p:par>
-        <p:cTn id="1" dur="indefinite" restart="never" nodeType="tmRoot"/>
-      </p:par>
-    </p:tnLst>
-  </p:timing>
 </p:sld>
 </file>
 
-<file path=ppt/slides/slide14.xml><?xml version="1.0" encoding="utf-8"?>
+<file path=ppt/slides/slide15.xml><?xml version="1.0" encoding="utf-8"?>
 <p:sld xmlns:a="http://schemas.openxmlformats.org/drawingml/2006/main" xmlns:r="http://schemas.openxmlformats.org/officeDocument/2006/relationships" xmlns:p="http://schemas.openxmlformats.org/presentationml/2006/main">
   <p:cSld>
     <p:spTree>
@@ -10796,10 +11247,9 @@
               <a:buChar char="l"/>
             </a:pPr>
             <a:r>
-              <a:rPr lang="zh-CN" altLang="en-US" dirty="0" smtClean="0"/>
+              <a:rPr lang="zh-CN" altLang="en-US" dirty="0"/>
               <a:t>表格</a:t>
             </a:r>
-            <a:endParaRPr lang="zh-CN" altLang="en-US" dirty="0"/>
           </a:p>
         </p:txBody>
       </p:sp>
@@ -10944,7 +11394,7 @@
               <a:buChar char="l"/>
             </a:pPr>
             <a:r>
-              <a:rPr lang="zh-CN" altLang="en-US" dirty="0" smtClean="0"/>
+              <a:rPr lang="zh-CN" altLang="en-US" dirty="0"/>
               <a:t>表格</a:t>
             </a:r>
             <a:endParaRPr lang="en-US" altLang="zh-CN" dirty="0"/>
@@ -10991,10 +11441,9 @@
               <a:buChar char="l"/>
             </a:pPr>
             <a:r>
-              <a:rPr lang="zh-CN" altLang="en-US" dirty="0" smtClean="0"/>
+              <a:rPr lang="zh-CN" altLang="en-US" dirty="0"/>
               <a:t>表格</a:t>
             </a:r>
-            <a:endParaRPr lang="zh-CN" altLang="en-US" dirty="0"/>
           </a:p>
         </p:txBody>
       </p:sp>
@@ -11031,10 +11480,9 @@
               <a:buChar char="l"/>
             </a:pPr>
             <a:r>
-              <a:rPr lang="zh-CN" altLang="en-US" dirty="0" smtClean="0"/>
+              <a:rPr lang="zh-CN" altLang="en-US" dirty="0"/>
               <a:t>表格</a:t>
             </a:r>
-            <a:endParaRPr lang="zh-CN" altLang="en-US" dirty="0"/>
           </a:p>
         </p:txBody>
       </p:sp>
@@ -11048,17 +11496,10 @@
   <p:clrMapOvr>
     <a:masterClrMapping/>
   </p:clrMapOvr>
-  <p:timing>
-    <p:tnLst>
-      <p:par>
-        <p:cTn id="1" dur="indefinite" restart="never" nodeType="tmRoot"/>
-      </p:par>
-    </p:tnLst>
-  </p:timing>
 </p:sld>
 </file>
 
-<file path=ppt/slides/slide15.xml><?xml version="1.0" encoding="utf-8"?>
+<file path=ppt/slides/slide16.xml><?xml version="1.0" encoding="utf-8"?>
 <p:sld xmlns:a="http://schemas.openxmlformats.org/drawingml/2006/main" xmlns:r="http://schemas.openxmlformats.org/officeDocument/2006/relationships" xmlns:p="http://schemas.openxmlformats.org/presentationml/2006/main">
   <p:cSld>
     <p:spTree>
@@ -11098,10 +11539,9 @@
           <a:p>
             <a:pPr algn="ctr"/>
             <a:r>
-              <a:rPr lang="zh-CN" altLang="en-US" sz="6000" dirty="0" smtClean="0"/>
+              <a:rPr lang="zh-CN" altLang="en-US" sz="6000" dirty="0"/>
               <a:t>标题</a:t>
             </a:r>
-            <a:endParaRPr lang="zh-CN" altLang="en-US" sz="6000" dirty="0"/>
           </a:p>
         </p:txBody>
       </p:sp>
@@ -11128,10 +11568,10 @@
           </a:bodyPr>
           <a:lstStyle/>
           <a:p>
-            <a:endParaRPr lang="en-US" altLang="zh-CN" dirty="0" smtClean="0"/>
-          </a:p>
-          <a:p>
-            <a:endParaRPr lang="en-US" altLang="zh-CN" dirty="0" smtClean="0"/>
+            <a:endParaRPr lang="en-US" altLang="zh-CN" dirty="0"/>
+          </a:p>
+          <a:p>
+            <a:endParaRPr lang="en-US" altLang="zh-CN" dirty="0"/>
           </a:p>
           <a:p>
             <a:r>
@@ -11141,10 +11581,10 @@
             <a:endParaRPr lang="en-US" altLang="zh-CN" sz="3200" dirty="0"/>
           </a:p>
           <a:p>
-            <a:endParaRPr lang="en-US" altLang="zh-CN" sz="3200" dirty="0" smtClean="0"/>
-          </a:p>
-          <a:p>
-            <a:endParaRPr lang="en-US" altLang="zh-CN" sz="3200" dirty="0" smtClean="0"/>
+            <a:endParaRPr lang="en-US" altLang="zh-CN" sz="3200" dirty="0"/>
+          </a:p>
+          <a:p>
+            <a:endParaRPr lang="en-US" altLang="zh-CN" sz="3200" dirty="0"/>
           </a:p>
           <a:p>
             <a:r>
@@ -11154,10 +11594,10 @@
             <a:endParaRPr lang="en-US" altLang="zh-CN" sz="3200" dirty="0"/>
           </a:p>
           <a:p>
-            <a:endParaRPr lang="en-US" altLang="zh-CN" sz="3200" dirty="0" smtClean="0"/>
-          </a:p>
-          <a:p>
-            <a:endParaRPr lang="en-US" altLang="zh-CN" sz="3200" dirty="0" smtClean="0"/>
+            <a:endParaRPr lang="en-US" altLang="zh-CN" sz="3200" dirty="0"/>
+          </a:p>
+          <a:p>
+            <a:endParaRPr lang="en-US" altLang="zh-CN" sz="3200" dirty="0"/>
           </a:p>
           <a:p>
             <a:r>
@@ -11167,27 +11607,10 @@
             <a:endParaRPr lang="en-US" altLang="zh-CN" sz="3200" dirty="0"/>
           </a:p>
           <a:p>
-            <a:endParaRPr lang="en-US" altLang="zh-CN" sz="3200" dirty="0" smtClean="0"/>
-          </a:p>
-          <a:p>
-            <a:endParaRPr lang="en-US" altLang="zh-CN" sz="3200" dirty="0" smtClean="0"/>
-          </a:p>
-          <a:p>
-            <a:r>
-              <a:rPr lang="zh-CN" altLang="en-US" sz="3200" dirty="0"/>
-              <a:t>竖行</a:t>
-            </a:r>
-            <a:r>
-              <a:rPr lang="zh-CN" altLang="en-US" sz="3200" dirty="0" smtClean="0"/>
-              <a:t>文字</a:t>
-            </a:r>
-            <a:endParaRPr lang="en-US" altLang="zh-CN" sz="3200" dirty="0" smtClean="0"/>
-          </a:p>
-          <a:p>
-            <a:endParaRPr lang="en-US" altLang="zh-CN" sz="3200" dirty="0" smtClean="0"/>
-          </a:p>
-          <a:p>
-            <a:endParaRPr lang="en-US" altLang="zh-CN" sz="3200" dirty="0" smtClean="0"/>
+            <a:endParaRPr lang="en-US" altLang="zh-CN" sz="3200" dirty="0"/>
+          </a:p>
+          <a:p>
+            <a:endParaRPr lang="en-US" altLang="zh-CN" sz="3200" dirty="0"/>
           </a:p>
           <a:p>
             <a:r>
@@ -11197,13 +11620,26 @@
             <a:endParaRPr lang="en-US" altLang="zh-CN" sz="3200" dirty="0"/>
           </a:p>
           <a:p>
-            <a:endParaRPr lang="en-US" altLang="zh-CN" sz="3200" dirty="0" smtClean="0"/>
-          </a:p>
-          <a:p>
-            <a:endParaRPr lang="en-US" altLang="zh-CN" dirty="0" smtClean="0"/>
-          </a:p>
-          <a:p>
-            <a:endParaRPr lang="en-US" altLang="zh-CN" dirty="0" smtClean="0"/>
+            <a:endParaRPr lang="en-US" altLang="zh-CN" sz="3200" dirty="0"/>
+          </a:p>
+          <a:p>
+            <a:endParaRPr lang="en-US" altLang="zh-CN" sz="3200" dirty="0"/>
+          </a:p>
+          <a:p>
+            <a:r>
+              <a:rPr lang="zh-CN" altLang="en-US" sz="3200" dirty="0"/>
+              <a:t>竖行文字</a:t>
+            </a:r>
+            <a:endParaRPr lang="en-US" altLang="zh-CN" sz="3200" dirty="0"/>
+          </a:p>
+          <a:p>
+            <a:endParaRPr lang="en-US" altLang="zh-CN" sz="3200" dirty="0"/>
+          </a:p>
+          <a:p>
+            <a:endParaRPr lang="en-US" altLang="zh-CN" dirty="0"/>
+          </a:p>
+          <a:p>
+            <a:endParaRPr lang="en-US" altLang="zh-CN" dirty="0"/>
           </a:p>
           <a:p>
             <a:endParaRPr lang="en-US" altLang="zh-CN" dirty="0"/>
@@ -11375,7 +11811,7 @@
 </p:sld>
 </file>
 
-<file path=ppt/slides/slide16.xml><?xml version="1.0" encoding="utf-8"?>
+<file path=ppt/slides/slide17.xml><?xml version="1.0" encoding="utf-8"?>
 <p:sld xmlns:a="http://schemas.openxmlformats.org/drawingml/2006/main" xmlns:r="http://schemas.openxmlformats.org/officeDocument/2006/relationships" xmlns:p="http://schemas.openxmlformats.org/presentationml/2006/main">
   <p:cSld>
     <p:spTree>
@@ -11419,11 +11855,11 @@
           <a:lstStyle/>
           <a:p>
             <a:r>
-              <a:rPr lang="zh-CN" altLang="en-US" b="0" dirty="0" smtClean="0"/>
+              <a:rPr lang="zh-CN" altLang="en-US" b="0" dirty="0"/>
               <a:t>补充</a:t>
             </a:r>
             <a:r>
-              <a:rPr lang="en-US" altLang="zh-CN" b="0" dirty="0" smtClean="0"/>
+              <a:rPr lang="en-US" altLang="zh-CN" b="0" dirty="0"/>
               <a:t>/</a:t>
             </a:r>
             <a:r>
@@ -11653,10 +12089,9 @@
           </a:lstStyle>
           <a:p>
             <a:r>
-              <a:rPr lang="zh-CN" altLang="en-US" sz="2800" dirty="0" smtClean="0"/>
+              <a:rPr lang="zh-CN" altLang="en-US" sz="2800" dirty="0"/>
               <a:t>空</a:t>
             </a:r>
-            <a:endParaRPr lang="zh-CN" altLang="en-US" sz="2800" dirty="0"/>
           </a:p>
         </p:txBody>
       </p:sp>
@@ -11764,7 +12199,7 @@
 </p:sld>
 </file>
 
-<file path=ppt/slides/slide17.xml><?xml version="1.0" encoding="utf-8"?>
+<file path=ppt/slides/slide18.xml><?xml version="1.0" encoding="utf-8"?>
 <p:sld xmlns:a="http://schemas.openxmlformats.org/drawingml/2006/main" xmlns:r="http://schemas.openxmlformats.org/officeDocument/2006/relationships" xmlns:p="http://schemas.openxmlformats.org/presentationml/2006/main">
   <p:cSld>
     <p:spTree>
@@ -11851,19 +12286,19 @@
               <a:buChar char="l"/>
             </a:pPr>
             <a:r>
-              <a:rPr lang="en-US" altLang="zh-CN" sz="2400" dirty="0" smtClean="0"/>
+              <a:rPr lang="en-US" altLang="zh-CN" sz="2400" dirty="0"/>
               <a:t>《UML2</a:t>
             </a:r>
             <a:r>
-              <a:rPr lang="zh-CN" altLang="en-US" sz="2400" dirty="0" smtClean="0"/>
+              <a:rPr lang="zh-CN" altLang="en-US" sz="2400" dirty="0"/>
               <a:t>基础、建模与设计教程</a:t>
             </a:r>
             <a:r>
-              <a:rPr lang="en-US" altLang="zh-CN" sz="2400" dirty="0" smtClean="0"/>
+              <a:rPr lang="en-US" altLang="zh-CN" sz="2400" dirty="0"/>
               <a:t>》 </a:t>
             </a:r>
             <a:r>
-              <a:rPr lang="zh-CN" altLang="en-US" sz="2400" dirty="0" smtClean="0"/>
+              <a:rPr lang="zh-CN" altLang="en-US" sz="2400" dirty="0"/>
               <a:t>杨弘平 等 编著</a:t>
             </a:r>
             <a:endParaRPr lang="en-US" altLang="zh-CN" dirty="0"/>
@@ -11969,7 +12404,7 @@
 </p:sld>
 </file>
 
-<file path=ppt/slides/slide18.xml><?xml version="1.0" encoding="utf-8"?>
+<file path=ppt/slides/slide19.xml><?xml version="1.0" encoding="utf-8"?>
 <p:sld xmlns:a="http://schemas.openxmlformats.org/drawingml/2006/main" xmlns:r="http://schemas.openxmlformats.org/officeDocument/2006/relationships" xmlns:p="http://schemas.openxmlformats.org/presentationml/2006/main">
   <p:cSld>
     <p:spTree>
@@ -12064,10 +12499,9 @@
           <a:lstStyle/>
           <a:p>
             <a:r>
-              <a:rPr lang="zh-CN" altLang="en-US" sz="2800" dirty="0" smtClean="0"/>
+              <a:rPr lang="zh-CN" altLang="en-US" sz="2800" dirty="0"/>
               <a:t>空</a:t>
             </a:r>
-            <a:endParaRPr lang="zh-CN" altLang="en-US" sz="2800" dirty="0"/>
           </a:p>
         </p:txBody>
       </p:sp>
@@ -12075,121 +12509,6 @@
     <p:extLst>
       <p:ext uri="{BB962C8B-B14F-4D97-AF65-F5344CB8AC3E}">
         <p14:creationId xmlns:p14="http://schemas.microsoft.com/office/powerpoint/2010/main" val="3388837790"/>
-      </p:ext>
-    </p:extLst>
-  </p:cSld>
-  <p:clrMapOvr>
-    <a:masterClrMapping/>
-  </p:clrMapOvr>
-</p:sld>
-</file>
-
-<file path=ppt/slides/slide19.xml><?xml version="1.0" encoding="utf-8"?>
-<p:sld xmlns:a="http://schemas.openxmlformats.org/drawingml/2006/main" xmlns:r="http://schemas.openxmlformats.org/officeDocument/2006/relationships" xmlns:p="http://schemas.openxmlformats.org/presentationml/2006/main">
-  <p:cSld>
-    <p:spTree>
-      <p:nvGrpSpPr>
-        <p:cNvPr id="1" name=""/>
-        <p:cNvGrpSpPr/>
-        <p:nvPr/>
-      </p:nvGrpSpPr>
-      <p:grpSpPr>
-        <a:xfrm>
-          <a:off x="0" y="0"/>
-          <a:ext cx="0" cy="0"/>
-          <a:chOff x="0" y="0"/>
-          <a:chExt cx="0" cy="0"/>
-        </a:xfrm>
-      </p:grpSpPr>
-      <p:sp>
-        <p:nvSpPr>
-          <p:cNvPr id="2" name="标题 1">
-            <a:extLst>
-              <a:ext uri="{FF2B5EF4-FFF2-40B4-BE49-F238E27FC236}">
-                <a16:creationId xmlns:a16="http://schemas.microsoft.com/office/drawing/2014/main" id="{8050F867-BC96-4BDE-8D9B-B611C1196787}"/>
-              </a:ext>
-            </a:extLst>
-          </p:cNvPr>
-          <p:cNvSpPr>
-            <a:spLocks noGrp="1"/>
-          </p:cNvSpPr>
-          <p:nvPr>
-            <p:ph type="title"/>
-          </p:nvPr>
-        </p:nvSpPr>
-        <p:spPr>
-          <a:xfrm>
-            <a:off x="2630173" y="429935"/>
-            <a:ext cx="10571998" cy="970450"/>
-          </a:xfrm>
-        </p:spPr>
-        <p:txBody>
-          <a:bodyPr/>
-          <a:lstStyle/>
-          <a:p>
-            <a:r>
-              <a:rPr lang="zh-CN" altLang="en-US" dirty="0" smtClean="0"/>
-              <a:t>制作</a:t>
-            </a:r>
-            <a:r>
-              <a:rPr lang="en-US" altLang="zh-CN" dirty="0" smtClean="0"/>
-              <a:t>/</a:t>
-            </a:r>
-            <a:r>
-              <a:rPr lang="zh-CN" altLang="en-US" dirty="0" smtClean="0"/>
-              <a:t>了解过程</a:t>
-            </a:r>
-            <a:r>
-              <a:rPr lang="zh-CN" altLang="en-US" dirty="0"/>
-              <a:t>遇到的问题</a:t>
-            </a:r>
-          </a:p>
-        </p:txBody>
-      </p:sp>
-      <p:sp>
-        <p:nvSpPr>
-          <p:cNvPr id="3" name="文本框 2">
-            <a:extLst>
-              <a:ext uri="{FF2B5EF4-FFF2-40B4-BE49-F238E27FC236}">
-                <a16:creationId xmlns:a16="http://schemas.microsoft.com/office/drawing/2014/main" id="{4CDAD1FD-D4D8-48D1-81CD-F860BAF3F91C}"/>
-              </a:ext>
-            </a:extLst>
-          </p:cNvPr>
-          <p:cNvSpPr txBox="1"/>
-          <p:nvPr/>
-        </p:nvSpPr>
-        <p:spPr>
-          <a:xfrm>
-            <a:off x="1121433" y="2675467"/>
-            <a:ext cx="9230478" cy="369332"/>
-          </a:xfrm>
-          <a:prstGeom prst="rect">
-            <a:avLst/>
-          </a:prstGeom>
-          <a:noFill/>
-        </p:spPr>
-        <p:txBody>
-          <a:bodyPr wrap="square" rtlCol="0">
-            <a:spAutoFit/>
-          </a:bodyPr>
-          <a:lstStyle/>
-          <a:p>
-            <a:pPr marL="285750" indent="-285750">
-              <a:buFont typeface="Arial" panose="020B0604020202020204" pitchFamily="34" charset="0"/>
-              <a:buChar char="•"/>
-            </a:pPr>
-            <a:r>
-              <a:rPr lang="zh-CN" altLang="en-US" dirty="0" smtClean="0"/>
-              <a:t>空</a:t>
-            </a:r>
-            <a:endParaRPr lang="zh-CN" altLang="en-US" dirty="0"/>
-          </a:p>
-        </p:txBody>
-      </p:sp>
-    </p:spTree>
-    <p:extLst>
-      <p:ext uri="{BB962C8B-B14F-4D97-AF65-F5344CB8AC3E}">
-        <p14:creationId xmlns:p14="http://schemas.microsoft.com/office/powerpoint/2010/main" val="2655558641"/>
       </p:ext>
     </p:extLst>
   </p:cSld>
@@ -12644,10 +12963,9 @@
               <a:t>Ⅰ</a:t>
             </a:r>
             <a:r>
-              <a:rPr lang="zh-CN" altLang="en-US" sz="4400" dirty="0" smtClean="0"/>
+              <a:rPr lang="zh-CN" altLang="en-US" sz="4400" dirty="0"/>
               <a:t>目录</a:t>
             </a:r>
-            <a:endParaRPr lang="zh-CN" altLang="en-US" sz="4400" dirty="0"/>
           </a:p>
         </p:txBody>
       </p:sp>
@@ -12658,7 +12976,7 @@
           <p:nvPr>
             <p:extLst>
               <p:ext uri="{D42A27DB-BD31-4B8C-83A1-F6EECF244321}">
-                <p14:modId xmlns:p14="http://schemas.microsoft.com/office/powerpoint/2010/main" val="1355451214"/>
+                <p14:modId xmlns:p14="http://schemas.microsoft.com/office/powerpoint/2010/main" val="1760872120"/>
               </p:ext>
             </p:extLst>
           </p:nvPr>
@@ -12774,6 +13092,116 @@
 </p:sld>
 </file>
 
+<file path=ppt/slides/slide20.xml><?xml version="1.0" encoding="utf-8"?>
+<p:sld xmlns:a="http://schemas.openxmlformats.org/drawingml/2006/main" xmlns:r="http://schemas.openxmlformats.org/officeDocument/2006/relationships" xmlns:p="http://schemas.openxmlformats.org/presentationml/2006/main">
+  <p:cSld>
+    <p:spTree>
+      <p:nvGrpSpPr>
+        <p:cNvPr id="1" name=""/>
+        <p:cNvGrpSpPr/>
+        <p:nvPr/>
+      </p:nvGrpSpPr>
+      <p:grpSpPr>
+        <a:xfrm>
+          <a:off x="0" y="0"/>
+          <a:ext cx="0" cy="0"/>
+          <a:chOff x="0" y="0"/>
+          <a:chExt cx="0" cy="0"/>
+        </a:xfrm>
+      </p:grpSpPr>
+      <p:sp>
+        <p:nvSpPr>
+          <p:cNvPr id="2" name="标题 1">
+            <a:extLst>
+              <a:ext uri="{FF2B5EF4-FFF2-40B4-BE49-F238E27FC236}">
+                <a16:creationId xmlns:a16="http://schemas.microsoft.com/office/drawing/2014/main" id="{8050F867-BC96-4BDE-8D9B-B611C1196787}"/>
+              </a:ext>
+            </a:extLst>
+          </p:cNvPr>
+          <p:cNvSpPr>
+            <a:spLocks noGrp="1"/>
+          </p:cNvSpPr>
+          <p:nvPr>
+            <p:ph type="title"/>
+          </p:nvPr>
+        </p:nvSpPr>
+        <p:spPr>
+          <a:xfrm>
+            <a:off x="2630173" y="429935"/>
+            <a:ext cx="10571998" cy="970450"/>
+          </a:xfrm>
+        </p:spPr>
+        <p:txBody>
+          <a:bodyPr/>
+          <a:lstStyle/>
+          <a:p>
+            <a:r>
+              <a:rPr lang="zh-CN" altLang="en-US" dirty="0"/>
+              <a:t>制作</a:t>
+            </a:r>
+            <a:r>
+              <a:rPr lang="en-US" altLang="zh-CN" dirty="0"/>
+              <a:t>/</a:t>
+            </a:r>
+            <a:r>
+              <a:rPr lang="zh-CN" altLang="en-US" dirty="0"/>
+              <a:t>了解过程遇到的问题</a:t>
+            </a:r>
+          </a:p>
+        </p:txBody>
+      </p:sp>
+      <p:sp>
+        <p:nvSpPr>
+          <p:cNvPr id="3" name="文本框 2">
+            <a:extLst>
+              <a:ext uri="{FF2B5EF4-FFF2-40B4-BE49-F238E27FC236}">
+                <a16:creationId xmlns:a16="http://schemas.microsoft.com/office/drawing/2014/main" id="{4CDAD1FD-D4D8-48D1-81CD-F860BAF3F91C}"/>
+              </a:ext>
+            </a:extLst>
+          </p:cNvPr>
+          <p:cNvSpPr txBox="1"/>
+          <p:nvPr/>
+        </p:nvSpPr>
+        <p:spPr>
+          <a:xfrm>
+            <a:off x="1121433" y="2675467"/>
+            <a:ext cx="9230478" cy="369332"/>
+          </a:xfrm>
+          <a:prstGeom prst="rect">
+            <a:avLst/>
+          </a:prstGeom>
+          <a:noFill/>
+        </p:spPr>
+        <p:txBody>
+          <a:bodyPr wrap="square" rtlCol="0">
+            <a:spAutoFit/>
+          </a:bodyPr>
+          <a:lstStyle/>
+          <a:p>
+            <a:pPr marL="285750" indent="-285750">
+              <a:buFont typeface="Arial" panose="020B0604020202020204" pitchFamily="34" charset="0"/>
+              <a:buChar char="•"/>
+            </a:pPr>
+            <a:r>
+              <a:rPr lang="zh-CN" altLang="en-US" dirty="0"/>
+              <a:t>空</a:t>
+            </a:r>
+          </a:p>
+        </p:txBody>
+      </p:sp>
+    </p:spTree>
+    <p:extLst>
+      <p:ext uri="{BB962C8B-B14F-4D97-AF65-F5344CB8AC3E}">
+        <p14:creationId xmlns:p14="http://schemas.microsoft.com/office/powerpoint/2010/main" val="2655558641"/>
+      </p:ext>
+    </p:extLst>
+  </p:cSld>
+  <p:clrMapOvr>
+    <a:masterClrMapping/>
+  </p:clrMapOvr>
+</p:sld>
+</file>
+
 <file path=ppt/slides/slide3.xml><?xml version="1.0" encoding="utf-8"?>
 <p:sld xmlns:a="http://schemas.openxmlformats.org/drawingml/2006/main" xmlns:r="http://schemas.openxmlformats.org/officeDocument/2006/relationships" xmlns:p="http://schemas.openxmlformats.org/presentationml/2006/main">
   <p:cSld>
@@ -12793,6 +13221,428 @@
       </p:grpSpPr>
       <p:sp>
         <p:nvSpPr>
+          <p:cNvPr id="2" name="竖排标题 1">
+            <a:extLst>
+              <a:ext uri="{FF2B5EF4-FFF2-40B4-BE49-F238E27FC236}">
+                <a16:creationId xmlns:a16="http://schemas.microsoft.com/office/drawing/2014/main" id="{DE20FDC4-034A-4D4E-8C80-CFF70E897E68}"/>
+              </a:ext>
+            </a:extLst>
+          </p:cNvPr>
+          <p:cNvSpPr>
+            <a:spLocks noGrp="1"/>
+          </p:cNvSpPr>
+          <p:nvPr>
+            <p:ph type="title" orient="vert"/>
+          </p:nvPr>
+        </p:nvSpPr>
+        <p:spPr/>
+        <p:txBody>
+          <a:bodyPr/>
+          <a:lstStyle/>
+          <a:p>
+            <a:r>
+              <a:rPr lang="zh-CN" altLang="en-US" sz="5400" dirty="0"/>
+              <a:t>回顾</a:t>
+            </a:r>
+          </a:p>
+        </p:txBody>
+      </p:sp>
+      <p:sp>
+        <p:nvSpPr>
+          <p:cNvPr id="3" name="竖排文字占位符 2">
+            <a:extLst>
+              <a:ext uri="{FF2B5EF4-FFF2-40B4-BE49-F238E27FC236}">
+                <a16:creationId xmlns:a16="http://schemas.microsoft.com/office/drawing/2014/main" id="{E3390245-993B-4EF7-8E1E-C3C855AD1680}"/>
+              </a:ext>
+            </a:extLst>
+          </p:cNvPr>
+          <p:cNvSpPr>
+            <a:spLocks noGrp="1"/>
+          </p:cNvSpPr>
+          <p:nvPr>
+            <p:ph type="body" orient="vert" idx="1"/>
+          </p:nvPr>
+        </p:nvSpPr>
+        <p:spPr/>
+        <p:txBody>
+          <a:bodyPr/>
+          <a:lstStyle/>
+          <a:p>
+            <a:endParaRPr lang="zh-CN" altLang="en-US"/>
+          </a:p>
+        </p:txBody>
+      </p:sp>
+    </p:spTree>
+    <p:extLst>
+      <p:ext uri="{BB962C8B-B14F-4D97-AF65-F5344CB8AC3E}">
+        <p14:creationId xmlns:p14="http://schemas.microsoft.com/office/powerpoint/2010/main" val="911907966"/>
+      </p:ext>
+    </p:extLst>
+  </p:cSld>
+  <p:clrMapOvr>
+    <a:masterClrMapping/>
+  </p:clrMapOvr>
+</p:sld>
+</file>
+
+<file path=ppt/slides/slide4.xml><?xml version="1.0" encoding="utf-8"?>
+<p:sld xmlns:a="http://schemas.openxmlformats.org/drawingml/2006/main" xmlns:r="http://schemas.openxmlformats.org/officeDocument/2006/relationships" xmlns:p="http://schemas.openxmlformats.org/presentationml/2006/main">
+  <p:cSld>
+    <p:spTree>
+      <p:nvGrpSpPr>
+        <p:cNvPr id="1" name=""/>
+        <p:cNvGrpSpPr/>
+        <p:nvPr/>
+      </p:nvGrpSpPr>
+      <p:grpSpPr>
+        <a:xfrm>
+          <a:off x="0" y="0"/>
+          <a:ext cx="0" cy="0"/>
+          <a:chOff x="0" y="0"/>
+          <a:chExt cx="0" cy="0"/>
+        </a:xfrm>
+      </p:grpSpPr>
+      <p:sp>
+        <p:nvSpPr>
+          <p:cNvPr id="2" name="标题 1">
+            <a:extLst>
+              <a:ext uri="{FF2B5EF4-FFF2-40B4-BE49-F238E27FC236}">
+                <a16:creationId xmlns:a16="http://schemas.microsoft.com/office/drawing/2014/main" id="{7CAD41F4-5EA9-4288-9F6B-AC877256EC40}"/>
+              </a:ext>
+            </a:extLst>
+          </p:cNvPr>
+          <p:cNvSpPr>
+            <a:spLocks noGrp="1"/>
+          </p:cNvSpPr>
+          <p:nvPr>
+            <p:ph type="title"/>
+          </p:nvPr>
+        </p:nvSpPr>
+        <p:spPr>
+          <a:xfrm>
+            <a:off x="476105" y="451161"/>
+            <a:ext cx="6315629" cy="970450"/>
+          </a:xfrm>
+        </p:spPr>
+        <p:txBody>
+          <a:bodyPr/>
+          <a:lstStyle/>
+          <a:p>
+            <a:r>
+              <a:rPr lang="zh-CN" altLang="en-US" sz="5400" dirty="0"/>
+              <a:t>用例图</a:t>
+            </a:r>
+          </a:p>
+        </p:txBody>
+      </p:sp>
+      <p:sp>
+        <p:nvSpPr>
+          <p:cNvPr id="3" name="文本框 2">
+            <a:extLst>
+              <a:ext uri="{FF2B5EF4-FFF2-40B4-BE49-F238E27FC236}">
+                <a16:creationId xmlns:a16="http://schemas.microsoft.com/office/drawing/2014/main" id="{C0FD93D0-9CE4-4D95-9C65-D0821F6D6102}"/>
+              </a:ext>
+            </a:extLst>
+          </p:cNvPr>
+          <p:cNvSpPr txBox="1"/>
+          <p:nvPr/>
+        </p:nvSpPr>
+        <p:spPr>
+          <a:xfrm>
+            <a:off x="476105" y="2333297"/>
+            <a:ext cx="10238700" cy="1661993"/>
+          </a:xfrm>
+          <a:prstGeom prst="rect">
+            <a:avLst/>
+          </a:prstGeom>
+          <a:noFill/>
+        </p:spPr>
+        <p:txBody>
+          <a:bodyPr wrap="none" rtlCol="0">
+            <a:spAutoFit/>
+          </a:bodyPr>
+          <a:lstStyle/>
+          <a:p>
+            <a:r>
+              <a:rPr lang="en-US" altLang="zh-CN" sz="2800" dirty="0"/>
+              <a:t>【</a:t>
+            </a:r>
+            <a:r>
+              <a:rPr lang="zh-CN" altLang="en-US" sz="2800" dirty="0"/>
+              <a:t>概念</a:t>
+            </a:r>
+            <a:r>
+              <a:rPr lang="en-US" altLang="zh-CN" sz="2800" dirty="0"/>
+              <a:t>】</a:t>
+            </a:r>
+            <a:r>
+              <a:rPr lang="zh-CN" altLang="en-US" sz="2800" dirty="0"/>
+              <a:t>描述用户需求，从用户的角度描述系统的功能</a:t>
+            </a:r>
+          </a:p>
+          <a:p>
+            <a:r>
+              <a:rPr lang="en-US" altLang="zh-CN" sz="2800" dirty="0"/>
+              <a:t>【</a:t>
+            </a:r>
+            <a:r>
+              <a:rPr lang="zh-CN" altLang="en-US" sz="2800" dirty="0"/>
+              <a:t>描述方式</a:t>
+            </a:r>
+            <a:r>
+              <a:rPr lang="en-US" altLang="zh-CN" sz="2800" dirty="0"/>
+              <a:t>】</a:t>
+            </a:r>
+            <a:r>
+              <a:rPr lang="zh-CN" altLang="en-US" sz="2800" dirty="0"/>
+              <a:t>椭圆表示某个用例；人形符号表示角色</a:t>
+            </a:r>
+          </a:p>
+          <a:p>
+            <a:r>
+              <a:rPr lang="en-US" altLang="zh-CN" sz="2800" dirty="0"/>
+              <a:t>【</a:t>
+            </a:r>
+            <a:r>
+              <a:rPr lang="zh-CN" altLang="en-US" sz="2800" dirty="0"/>
+              <a:t>目的</a:t>
+            </a:r>
+            <a:r>
+              <a:rPr lang="en-US" altLang="zh-CN" sz="2800" dirty="0"/>
+              <a:t>】</a:t>
+            </a:r>
+            <a:r>
+              <a:rPr lang="zh-CN" altLang="en-US" sz="2800" dirty="0"/>
+              <a:t>帮助开发团队以一种可视化的方式理解系统的功能需求</a:t>
+            </a:r>
+          </a:p>
+          <a:p>
+            <a:endParaRPr lang="zh-CN" altLang="en-US" dirty="0"/>
+          </a:p>
+        </p:txBody>
+      </p:sp>
+      <p:pic>
+        <p:nvPicPr>
+          <p:cNvPr id="4" name="图片 3">
+            <a:extLst>
+              <a:ext uri="{FF2B5EF4-FFF2-40B4-BE49-F238E27FC236}">
+                <a16:creationId xmlns:a16="http://schemas.microsoft.com/office/drawing/2014/main" id="{2D285649-5ED4-4CEA-A670-1216D646A533}"/>
+              </a:ext>
+            </a:extLst>
+          </p:cNvPr>
+          <p:cNvPicPr>
+            <a:picLocks noChangeAspect="1"/>
+          </p:cNvPicPr>
+          <p:nvPr/>
+        </p:nvPicPr>
+        <p:blipFill>
+          <a:blip r:embed="rId2"/>
+          <a:stretch>
+            <a:fillRect/>
+          </a:stretch>
+        </p:blipFill>
+        <p:spPr>
+          <a:xfrm>
+            <a:off x="1229711" y="3722227"/>
+            <a:ext cx="8896185" cy="3135773"/>
+          </a:xfrm>
+          <a:prstGeom prst="rect">
+            <a:avLst/>
+          </a:prstGeom>
+        </p:spPr>
+      </p:pic>
+    </p:spTree>
+    <p:extLst>
+      <p:ext uri="{BB962C8B-B14F-4D97-AF65-F5344CB8AC3E}">
+        <p14:creationId xmlns:p14="http://schemas.microsoft.com/office/powerpoint/2010/main" val="657523201"/>
+      </p:ext>
+    </p:extLst>
+  </p:cSld>
+  <p:clrMapOvr>
+    <a:masterClrMapping/>
+  </p:clrMapOvr>
+</p:sld>
+</file>
+
+<file path=ppt/slides/slide5.xml><?xml version="1.0" encoding="utf-8"?>
+<p:sld xmlns:a="http://schemas.openxmlformats.org/drawingml/2006/main" xmlns:r="http://schemas.openxmlformats.org/officeDocument/2006/relationships" xmlns:p="http://schemas.openxmlformats.org/presentationml/2006/main">
+  <p:cSld>
+    <p:spTree>
+      <p:nvGrpSpPr>
+        <p:cNvPr id="1" name=""/>
+        <p:cNvGrpSpPr/>
+        <p:nvPr/>
+      </p:nvGrpSpPr>
+      <p:grpSpPr>
+        <a:xfrm>
+          <a:off x="0" y="0"/>
+          <a:ext cx="0" cy="0"/>
+          <a:chOff x="0" y="0"/>
+          <a:chExt cx="0" cy="0"/>
+        </a:xfrm>
+      </p:grpSpPr>
+      <p:sp>
+        <p:nvSpPr>
+          <p:cNvPr id="2" name="标题 1">
+            <a:extLst>
+              <a:ext uri="{FF2B5EF4-FFF2-40B4-BE49-F238E27FC236}">
+                <a16:creationId xmlns:a16="http://schemas.microsoft.com/office/drawing/2014/main" id="{4B18EED5-E5FF-464C-813C-4A09C57EB060}"/>
+              </a:ext>
+            </a:extLst>
+          </p:cNvPr>
+          <p:cNvSpPr>
+            <a:spLocks noGrp="1"/>
+          </p:cNvSpPr>
+          <p:nvPr>
+            <p:ph type="title"/>
+          </p:nvPr>
+        </p:nvSpPr>
+        <p:spPr/>
+        <p:txBody>
+          <a:bodyPr/>
+          <a:lstStyle/>
+          <a:p>
+            <a:endParaRPr lang="zh-CN" altLang="en-US"/>
+          </a:p>
+        </p:txBody>
+      </p:sp>
+      <p:sp>
+        <p:nvSpPr>
+          <p:cNvPr id="3" name="内容占位符 2">
+            <a:extLst>
+              <a:ext uri="{FF2B5EF4-FFF2-40B4-BE49-F238E27FC236}">
+                <a16:creationId xmlns:a16="http://schemas.microsoft.com/office/drawing/2014/main" id="{BA0A741A-5262-4373-84E4-7A3ADA326D91}"/>
+              </a:ext>
+            </a:extLst>
+          </p:cNvPr>
+          <p:cNvSpPr>
+            <a:spLocks noGrp="1"/>
+          </p:cNvSpPr>
+          <p:nvPr>
+            <p:ph idx="1"/>
+          </p:nvPr>
+        </p:nvSpPr>
+        <p:spPr/>
+        <p:txBody>
+          <a:bodyPr/>
+          <a:lstStyle/>
+          <a:p>
+            <a:endParaRPr lang="zh-CN" altLang="en-US"/>
+          </a:p>
+        </p:txBody>
+      </p:sp>
+    </p:spTree>
+    <p:extLst>
+      <p:ext uri="{BB962C8B-B14F-4D97-AF65-F5344CB8AC3E}">
+        <p14:creationId xmlns:p14="http://schemas.microsoft.com/office/powerpoint/2010/main" val="2040225800"/>
+      </p:ext>
+    </p:extLst>
+  </p:cSld>
+  <p:clrMapOvr>
+    <a:masterClrMapping/>
+  </p:clrMapOvr>
+</p:sld>
+</file>
+
+<file path=ppt/slides/slide6.xml><?xml version="1.0" encoding="utf-8"?>
+<p:sld xmlns:a="http://schemas.openxmlformats.org/drawingml/2006/main" xmlns:r="http://schemas.openxmlformats.org/officeDocument/2006/relationships" xmlns:p="http://schemas.openxmlformats.org/presentationml/2006/main">
+  <p:cSld>
+    <p:spTree>
+      <p:nvGrpSpPr>
+        <p:cNvPr id="1" name=""/>
+        <p:cNvGrpSpPr/>
+        <p:nvPr/>
+      </p:nvGrpSpPr>
+      <p:grpSpPr>
+        <a:xfrm>
+          <a:off x="0" y="0"/>
+          <a:ext cx="0" cy="0"/>
+          <a:chOff x="0" y="0"/>
+          <a:chExt cx="0" cy="0"/>
+        </a:xfrm>
+      </p:grpSpPr>
+      <p:sp>
+        <p:nvSpPr>
+          <p:cNvPr id="2" name="标题 1">
+            <a:extLst>
+              <a:ext uri="{FF2B5EF4-FFF2-40B4-BE49-F238E27FC236}">
+                <a16:creationId xmlns:a16="http://schemas.microsoft.com/office/drawing/2014/main" id="{D008391E-02A9-488C-8B45-9AF8D1F20D5B}"/>
+              </a:ext>
+            </a:extLst>
+          </p:cNvPr>
+          <p:cNvSpPr>
+            <a:spLocks noGrp="1"/>
+          </p:cNvSpPr>
+          <p:nvPr>
+            <p:ph type="title"/>
+          </p:nvPr>
+        </p:nvSpPr>
+        <p:spPr/>
+        <p:txBody>
+          <a:bodyPr/>
+          <a:lstStyle/>
+          <a:p>
+            <a:endParaRPr lang="zh-CN" altLang="en-US"/>
+          </a:p>
+        </p:txBody>
+      </p:sp>
+      <p:sp>
+        <p:nvSpPr>
+          <p:cNvPr id="3" name="内容占位符 2">
+            <a:extLst>
+              <a:ext uri="{FF2B5EF4-FFF2-40B4-BE49-F238E27FC236}">
+                <a16:creationId xmlns:a16="http://schemas.microsoft.com/office/drawing/2014/main" id="{B4557042-D07A-42E6-BBB3-0D9D78E9DA8F}"/>
+              </a:ext>
+            </a:extLst>
+          </p:cNvPr>
+          <p:cNvSpPr>
+            <a:spLocks noGrp="1"/>
+          </p:cNvSpPr>
+          <p:nvPr>
+            <p:ph idx="1"/>
+          </p:nvPr>
+        </p:nvSpPr>
+        <p:spPr/>
+        <p:txBody>
+          <a:bodyPr/>
+          <a:lstStyle/>
+          <a:p>
+            <a:endParaRPr lang="zh-CN" altLang="en-US"/>
+          </a:p>
+        </p:txBody>
+      </p:sp>
+    </p:spTree>
+    <p:extLst>
+      <p:ext uri="{BB962C8B-B14F-4D97-AF65-F5344CB8AC3E}">
+        <p14:creationId xmlns:p14="http://schemas.microsoft.com/office/powerpoint/2010/main" val="663207205"/>
+      </p:ext>
+    </p:extLst>
+  </p:cSld>
+  <p:clrMapOvr>
+    <a:masterClrMapping/>
+  </p:clrMapOvr>
+</p:sld>
+</file>
+
+<file path=ppt/slides/slide7.xml><?xml version="1.0" encoding="utf-8"?>
+<p:sld xmlns:a="http://schemas.openxmlformats.org/drawingml/2006/main" xmlns:r="http://schemas.openxmlformats.org/officeDocument/2006/relationships" xmlns:p="http://schemas.openxmlformats.org/presentationml/2006/main">
+  <p:cSld>
+    <p:spTree>
+      <p:nvGrpSpPr>
+        <p:cNvPr id="1" name=""/>
+        <p:cNvGrpSpPr/>
+        <p:nvPr/>
+      </p:nvGrpSpPr>
+      <p:grpSpPr>
+        <a:xfrm>
+          <a:off x="0" y="0"/>
+          <a:ext cx="0" cy="0"/>
+          <a:chOff x="0" y="0"/>
+          <a:chExt cx="0" cy="0"/>
+        </a:xfrm>
+      </p:grpSpPr>
+      <p:sp>
+        <p:nvSpPr>
           <p:cNvPr id="2" name="标题 1">
             <a:extLst>
               <a:ext uri="{FF2B5EF4-FFF2-40B4-BE49-F238E27FC236}">
@@ -12809,7 +13659,7 @@
         </p:nvSpPr>
         <p:spPr>
           <a:xfrm>
-            <a:off x="795362" y="578175"/>
+            <a:off x="1150962" y="324175"/>
             <a:ext cx="6231226" cy="2652773"/>
           </a:xfrm>
         </p:spPr>
@@ -12819,13 +13669,12 @@
           <a:p>
             <a:r>
               <a:rPr lang="en-US" altLang="zh-CN" sz="4400" dirty="0"/>
-              <a:t>1</a:t>
+              <a:t>2</a:t>
             </a:r>
             <a:r>
               <a:rPr lang="zh-CN" altLang="en-US" sz="4400" dirty="0"/>
-              <a:t>、用例和用例图</a:t>
+              <a:t>、类和类图</a:t>
             </a:r>
-            <a:endParaRPr lang="zh-CN" altLang="en-US" sz="4400" dirty="0"/>
           </a:p>
         </p:txBody>
       </p:sp>
@@ -12861,7 +13710,6 @@
               <a:rPr lang="zh-CN" altLang="en-US" dirty="0"/>
               <a:t>目录</a:t>
             </a:r>
-            <a:endParaRPr lang="zh-CN" altLang="en-US" dirty="0" smtClean="0"/>
           </a:p>
           <a:p>
             <a:pPr marL="285750" indent="-285750">
@@ -12870,19 +13718,11 @@
             </a:pPr>
             <a:r>
               <a:rPr lang="zh-CN" altLang="en-US" dirty="0"/>
-              <a:t>用例和用例图的</a:t>
+              <a:t>类和类图概念</a:t>
             </a:r>
-            <a:r>
-              <a:rPr lang="zh-CN" altLang="en-US" dirty="0" smtClean="0"/>
-              <a:t>概念</a:t>
-            </a:r>
-            <a:endParaRPr lang="en-US" altLang="zh-CN" dirty="0" smtClean="0"/>
-          </a:p>
-          <a:p>
-            <a:pPr marL="285750" indent="-285750">
-              <a:buFont typeface="Wingdings" panose="05000000000000000000" pitchFamily="2" charset="2"/>
-              <a:buChar char="l"/>
-            </a:pPr>
+            <a:endParaRPr lang="en-US" altLang="zh-CN" dirty="0"/>
+          </a:p>
+          <a:p>
             <a:endParaRPr lang="zh-CN" altLang="en-US" dirty="0"/>
           </a:p>
           <a:p>
@@ -12892,13 +13732,9 @@
             </a:pPr>
             <a:r>
               <a:rPr lang="zh-CN" altLang="en-US" dirty="0"/>
-              <a:t>用例之间的可视化</a:t>
+              <a:t>类之间的关系</a:t>
             </a:r>
-            <a:r>
-              <a:rPr lang="zh-CN" altLang="en-US" dirty="0" smtClean="0"/>
-              <a:t>关系</a:t>
-            </a:r>
-            <a:endParaRPr lang="en-US" altLang="zh-CN" dirty="0" smtClean="0"/>
+            <a:endParaRPr lang="en-US" altLang="zh-CN" dirty="0"/>
           </a:p>
           <a:p>
             <a:pPr marL="285750" indent="-285750">
@@ -12914,7 +13750,7 @@
             </a:pPr>
             <a:r>
               <a:rPr lang="zh-CN" altLang="en-US" dirty="0"/>
-              <a:t>用例图</a:t>
+              <a:t>类图</a:t>
             </a:r>
           </a:p>
           <a:p>
@@ -12922,14 +13758,14 @@
               <a:buFont typeface="Wingdings" panose="05000000000000000000" pitchFamily="2" charset="2"/>
               <a:buChar char="l"/>
             </a:pPr>
-            <a:endParaRPr lang="en-US" altLang="zh-CN" dirty="0" smtClean="0"/>
+            <a:endParaRPr lang="en-US" altLang="zh-CN" dirty="0"/>
           </a:p>
         </p:txBody>
       </p:sp>
     </p:spTree>
     <p:extLst>
       <p:ext uri="{BB962C8B-B14F-4D97-AF65-F5344CB8AC3E}">
-        <p14:creationId xmlns:p14="http://schemas.microsoft.com/office/powerpoint/2010/main" val="724463141"/>
+        <p14:creationId xmlns:p14="http://schemas.microsoft.com/office/powerpoint/2010/main" val="3170284240"/>
       </p:ext>
     </p:extLst>
   </p:cSld>
@@ -13005,189 +13841,6 @@
                       </p:childTnLst>
                     </p:cTn>
                   </p:par>
-                  <p:par>
-                    <p:cTn id="8" fill="hold">
-                      <p:stCondLst>
-                        <p:cond delay="indefinite"/>
-                      </p:stCondLst>
-                      <p:childTnLst>
-                        <p:par>
-                          <p:cTn id="9" fill="hold">
-                            <p:stCondLst>
-                              <p:cond delay="0"/>
-                            </p:stCondLst>
-                            <p:childTnLst>
-                              <p:par>
-                                <p:cTn id="10" presetID="14" presetClass="entr" presetSubtype="10" fill="hold" grpId="0" nodeType="clickEffect">
-                                  <p:stCondLst>
-                                    <p:cond delay="0"/>
-                                  </p:stCondLst>
-                                  <p:childTnLst>
-                                    <p:set>
-                                      <p:cBhvr>
-                                        <p:cTn id="11" dur="1" fill="hold">
-                                          <p:stCondLst>
-                                            <p:cond delay="0"/>
-                                          </p:stCondLst>
-                                        </p:cTn>
-                                        <p:tgtEl>
-                                          <p:spTgt spid="4">
-                                            <p:txEl>
-                                              <p:pRg st="1" end="1"/>
-                                            </p:txEl>
-                                          </p:spTgt>
-                                        </p:tgtEl>
-                                        <p:attrNameLst>
-                                          <p:attrName>style.visibility</p:attrName>
-                                        </p:attrNameLst>
-                                      </p:cBhvr>
-                                      <p:to>
-                                        <p:strVal val="visible"/>
-                                      </p:to>
-                                    </p:set>
-                                    <p:animEffect transition="in" filter="randombar(horizontal)">
-                                      <p:cBhvr>
-                                        <p:cTn id="12" dur="500"/>
-                                        <p:tgtEl>
-                                          <p:spTgt spid="4">
-                                            <p:txEl>
-                                              <p:pRg st="1" end="1"/>
-                                            </p:txEl>
-                                          </p:spTgt>
-                                        </p:tgtEl>
-                                      </p:cBhvr>
-                                    </p:animEffect>
-                                  </p:childTnLst>
-                                </p:cTn>
-                              </p:par>
-                            </p:childTnLst>
-                          </p:cTn>
-                        </p:par>
-                      </p:childTnLst>
-                    </p:cTn>
-                  </p:par>
-                  <p:par>
-                    <p:cTn id="13" fill="hold">
-                      <p:stCondLst>
-                        <p:cond delay="indefinite"/>
-                      </p:stCondLst>
-                      <p:childTnLst>
-                        <p:par>
-                          <p:cTn id="14" fill="hold">
-                            <p:stCondLst>
-                              <p:cond delay="0"/>
-                            </p:stCondLst>
-                            <p:childTnLst>
-                              <p:par>
-                                <p:cTn id="15" presetID="14" presetClass="entr" presetSubtype="10" fill="hold" grpId="0" nodeType="clickEffect">
-                                  <p:stCondLst>
-                                    <p:cond delay="0"/>
-                                  </p:stCondLst>
-                                  <p:childTnLst>
-                                    <p:set>
-                                      <p:cBhvr>
-                                        <p:cTn id="16" dur="1" fill="hold">
-                                          <p:stCondLst>
-                                            <p:cond delay="0"/>
-                                          </p:stCondLst>
-                                        </p:cTn>
-                                        <p:tgtEl>
-                                          <p:spTgt spid="4">
-                                            <p:txEl>
-                                              <p:pRg st="3" end="3"/>
-                                            </p:txEl>
-                                          </p:spTgt>
-                                        </p:tgtEl>
-                                        <p:attrNameLst>
-                                          <p:attrName>style.visibility</p:attrName>
-                                        </p:attrNameLst>
-                                      </p:cBhvr>
-                                      <p:to>
-                                        <p:strVal val="visible"/>
-                                      </p:to>
-                                    </p:set>
-                                    <p:animEffect transition="in" filter="randombar(horizontal)">
-                                      <p:cBhvr>
-                                        <p:cTn id="17" dur="500"/>
-                                        <p:tgtEl>
-                                          <p:spTgt spid="4">
-                                            <p:txEl>
-                                              <p:pRg st="3" end="3"/>
-                                            </p:txEl>
-                                          </p:spTgt>
-                                        </p:tgtEl>
-                                      </p:cBhvr>
-                                    </p:animEffect>
-                                  </p:childTnLst>
-                                </p:cTn>
-                              </p:par>
-                            </p:childTnLst>
-                          </p:cTn>
-                        </p:par>
-                      </p:childTnLst>
-                    </p:cTn>
-                  </p:par>
-                  <p:par>
-                    <p:cTn id="18" fill="hold">
-                      <p:stCondLst>
-                        <p:cond delay="indefinite"/>
-                      </p:stCondLst>
-                      <p:childTnLst>
-                        <p:par>
-                          <p:cTn id="19" fill="hold">
-                            <p:stCondLst>
-                              <p:cond delay="0"/>
-                            </p:stCondLst>
-                            <p:childTnLst>
-                              <p:par>
-                                <p:cTn id="20" presetID="14" presetClass="entr" presetSubtype="10" fill="hold" grpId="0" nodeType="clickEffect">
-                                  <p:stCondLst>
-                                    <p:cond delay="0"/>
-                                  </p:stCondLst>
-                                  <p:childTnLst>
-                                    <p:set>
-                                      <p:cBhvr>
-                                        <p:cTn id="21" dur="1" fill="hold">
-                                          <p:stCondLst>
-                                            <p:cond delay="0"/>
-                                          </p:stCondLst>
-                                        </p:cTn>
-                                        <p:tgtEl>
-                                          <p:spTgt spid="4">
-                                            <p:txEl>
-                                              <p:pRg st="5" end="5"/>
-                                            </p:txEl>
-                                          </p:spTgt>
-                                        </p:tgtEl>
-                                        <p:attrNameLst>
-                                          <p:attrName>style.visibility</p:attrName>
-                                        </p:attrNameLst>
-                                      </p:cBhvr>
-                                      <p:to>
-                                        <p:strVal val="visible"/>
-                                      </p:to>
-                                    </p:set>
-                                    <p:animEffect transition="in" filter="randombar(horizontal)">
-                                      <p:cBhvr>
-                                        <p:cTn id="22" dur="500"/>
-                                        <p:tgtEl>
-                                          <p:spTgt spid="4">
-                                            <p:txEl>
-                                              <p:pRg st="5" end="5"/>
-                                            </p:txEl>
-                                          </p:spTgt>
-                                        </p:tgtEl>
-                                      </p:cBhvr>
-                                    </p:animEffect>
-                                  </p:childTnLst>
-                                </p:cTn>
-                              </p:par>
-                            </p:childTnLst>
-                          </p:cTn>
-                        </p:par>
-                      </p:childTnLst>
-                    </p:cTn>
-                  </p:par>
                 </p:childTnLst>
               </p:cTn>
               <p:prevCondLst>
@@ -13216,7 +13869,7 @@
 </p:sld>
 </file>
 
-<file path=ppt/slides/slide4.xml><?xml version="1.0" encoding="utf-8"?>
+<file path=ppt/slides/slide8.xml><?xml version="1.0" encoding="utf-8"?>
 <p:sld xmlns:a="http://schemas.openxmlformats.org/drawingml/2006/main" xmlns:r="http://schemas.openxmlformats.org/officeDocument/2006/relationships" xmlns:p="http://schemas.openxmlformats.org/presentationml/2006/main">
   <p:cSld>
     <p:spTree>
@@ -13703,843 +14356,7 @@
           <a:lstStyle/>
           <a:p>
             <a:r>
-              <a:rPr lang="zh-CN" altLang="en-US" sz="4000" b="1" dirty="0" smtClean="0"/>
-              <a:t>标题</a:t>
-            </a:r>
-            <a:endParaRPr lang="en-US" altLang="zh-CN" sz="4000" b="1" dirty="0"/>
-          </a:p>
-        </p:txBody>
-      </p:sp>
-    </p:spTree>
-    <p:extLst>
-      <p:ext uri="{BB962C8B-B14F-4D97-AF65-F5344CB8AC3E}">
-        <p14:creationId xmlns:p14="http://schemas.microsoft.com/office/powerpoint/2010/main" val="4176240554"/>
-      </p:ext>
-    </p:extLst>
-  </p:cSld>
-  <p:clrMapOvr>
-    <a:masterClrMapping/>
-  </p:clrMapOvr>
-  <p:timing>
-    <p:tnLst>
-      <p:par>
-        <p:cTn id="1" dur="indefinite" restart="never" nodeType="tmRoot"/>
-      </p:par>
-    </p:tnLst>
-  </p:timing>
-</p:sld>
-</file>
-
-<file path=ppt/slides/slide5.xml><?xml version="1.0" encoding="utf-8"?>
-<p:sld xmlns:a="http://schemas.openxmlformats.org/drawingml/2006/main" xmlns:r="http://schemas.openxmlformats.org/officeDocument/2006/relationships" xmlns:p="http://schemas.openxmlformats.org/presentationml/2006/main">
-  <p:cSld>
-    <p:spTree>
-      <p:nvGrpSpPr>
-        <p:cNvPr id="1" name=""/>
-        <p:cNvGrpSpPr/>
-        <p:nvPr/>
-      </p:nvGrpSpPr>
-      <p:grpSpPr>
-        <a:xfrm>
-          <a:off x="0" y="0"/>
-          <a:ext cx="0" cy="0"/>
-          <a:chOff x="0" y="0"/>
-          <a:chExt cx="0" cy="0"/>
-        </a:xfrm>
-      </p:grpSpPr>
-      <p:sp>
-        <p:nvSpPr>
-          <p:cNvPr id="2" name="标题 1">
-            <a:extLst>
-              <a:ext uri="{FF2B5EF4-FFF2-40B4-BE49-F238E27FC236}">
-                <a16:creationId xmlns:a16="http://schemas.microsoft.com/office/drawing/2014/main" id="{7CAD41F4-5EA9-4288-9F6B-AC877256EC40}"/>
-              </a:ext>
-            </a:extLst>
-          </p:cNvPr>
-          <p:cNvSpPr>
-            <a:spLocks noGrp="1"/>
-          </p:cNvSpPr>
-          <p:nvPr>
-            <p:ph type="title"/>
-          </p:nvPr>
-        </p:nvSpPr>
-        <p:spPr>
-          <a:xfrm>
-            <a:off x="486615" y="882086"/>
-            <a:ext cx="6315629" cy="970450"/>
-          </a:xfrm>
-        </p:spPr>
-        <p:txBody>
-          <a:bodyPr/>
-          <a:lstStyle/>
-          <a:p>
-            <a:endParaRPr lang="zh-CN" altLang="en-US" sz="2800" dirty="0"/>
-          </a:p>
-        </p:txBody>
-      </p:sp>
-    </p:spTree>
-    <p:extLst>
-      <p:ext uri="{BB962C8B-B14F-4D97-AF65-F5344CB8AC3E}">
-        <p14:creationId xmlns:p14="http://schemas.microsoft.com/office/powerpoint/2010/main" val="657523201"/>
-      </p:ext>
-    </p:extLst>
-  </p:cSld>
-  <p:clrMapOvr>
-    <a:masterClrMapping/>
-  </p:clrMapOvr>
-  <p:timing>
-    <p:tnLst>
-      <p:par>
-        <p:cTn id="1" dur="indefinite" restart="never" nodeType="tmRoot"/>
-      </p:par>
-    </p:tnLst>
-  </p:timing>
-</p:sld>
-</file>
-
-<file path=ppt/slides/slide6.xml><?xml version="1.0" encoding="utf-8"?>
-<p:sld xmlns:a="http://schemas.openxmlformats.org/drawingml/2006/main" xmlns:r="http://schemas.openxmlformats.org/officeDocument/2006/relationships" xmlns:p="http://schemas.openxmlformats.org/presentationml/2006/main">
-  <p:cSld>
-    <p:spTree>
-      <p:nvGrpSpPr>
-        <p:cNvPr id="1" name=""/>
-        <p:cNvGrpSpPr/>
-        <p:nvPr/>
-      </p:nvGrpSpPr>
-      <p:grpSpPr>
-        <a:xfrm>
-          <a:off x="0" y="0"/>
-          <a:ext cx="0" cy="0"/>
-          <a:chOff x="0" y="0"/>
-          <a:chExt cx="0" cy="0"/>
-        </a:xfrm>
-      </p:grpSpPr>
-      <p:sp>
-        <p:nvSpPr>
-          <p:cNvPr id="2" name="标题 1">
-            <a:extLst>
-              <a:ext uri="{FF2B5EF4-FFF2-40B4-BE49-F238E27FC236}">
-                <a16:creationId xmlns:a16="http://schemas.microsoft.com/office/drawing/2014/main" id="{1DDA3B09-FC23-43EB-86E2-763B5A3FE7F2}"/>
-              </a:ext>
-            </a:extLst>
-          </p:cNvPr>
-          <p:cNvSpPr>
-            <a:spLocks noGrp="1"/>
-          </p:cNvSpPr>
-          <p:nvPr>
-            <p:ph type="title"/>
-          </p:nvPr>
-        </p:nvSpPr>
-        <p:spPr>
-          <a:xfrm>
-            <a:off x="1150962" y="324175"/>
-            <a:ext cx="6231226" cy="2652773"/>
-          </a:xfrm>
-        </p:spPr>
-        <p:txBody>
-          <a:bodyPr/>
-          <a:lstStyle/>
-          <a:p>
-            <a:r>
-              <a:rPr lang="en-US" altLang="zh-CN" sz="4400" dirty="0"/>
-              <a:t>2</a:t>
-            </a:r>
-            <a:r>
-              <a:rPr lang="zh-CN" altLang="en-US" sz="4400" dirty="0"/>
-              <a:t>、类和类图</a:t>
-            </a:r>
-            <a:endParaRPr lang="zh-CN" altLang="en-US" sz="4400" dirty="0"/>
-          </a:p>
-        </p:txBody>
-      </p:sp>
-      <p:sp>
-        <p:nvSpPr>
-          <p:cNvPr id="4" name="文本占位符 3">
-            <a:extLst>
-              <a:ext uri="{FF2B5EF4-FFF2-40B4-BE49-F238E27FC236}">
-                <a16:creationId xmlns:a16="http://schemas.microsoft.com/office/drawing/2014/main" id="{0459766A-BD2B-4253-8362-B1900B7F0FF8}"/>
-              </a:ext>
-            </a:extLst>
-          </p:cNvPr>
-          <p:cNvSpPr>
-            <a:spLocks noGrp="1"/>
-          </p:cNvSpPr>
-          <p:nvPr>
-            <p:ph type="body" sz="quarter" idx="16"/>
-          </p:nvPr>
-        </p:nvSpPr>
-        <p:spPr>
-          <a:xfrm>
-            <a:off x="7276062" y="1081455"/>
-            <a:ext cx="4573816" cy="4075465"/>
-          </a:xfrm>
-        </p:spPr>
-        <p:txBody>
-          <a:bodyPr>
-            <a:normAutofit/>
-          </a:bodyPr>
-          <a:lstStyle/>
-          <a:p>
-            <a:r>
-              <a:rPr lang="zh-CN" altLang="en-US" dirty="0"/>
-              <a:t>目录</a:t>
-            </a:r>
-            <a:endParaRPr lang="zh-CN" altLang="en-US" dirty="0" smtClean="0"/>
-          </a:p>
-          <a:p>
-            <a:pPr marL="285750" indent="-285750">
-              <a:buFont typeface="Wingdings" panose="05000000000000000000" pitchFamily="2" charset="2"/>
-              <a:buChar char="l"/>
-            </a:pPr>
-            <a:r>
-              <a:rPr lang="zh-CN" altLang="en-US" dirty="0"/>
-              <a:t>类和类图</a:t>
-            </a:r>
-            <a:r>
-              <a:rPr lang="zh-CN" altLang="en-US" dirty="0" smtClean="0"/>
-              <a:t>概念</a:t>
-            </a:r>
-            <a:endParaRPr lang="en-US" altLang="zh-CN" dirty="0" smtClean="0"/>
-          </a:p>
-          <a:p>
-            <a:endParaRPr lang="zh-CN" altLang="en-US" dirty="0"/>
-          </a:p>
-          <a:p>
-            <a:pPr marL="285750" indent="-285750">
-              <a:buFont typeface="Wingdings" panose="05000000000000000000" pitchFamily="2" charset="2"/>
-              <a:buChar char="l"/>
-            </a:pPr>
-            <a:r>
-              <a:rPr lang="zh-CN" altLang="en-US" dirty="0"/>
-              <a:t>类之间的</a:t>
-            </a:r>
-            <a:r>
-              <a:rPr lang="zh-CN" altLang="en-US" dirty="0" smtClean="0"/>
-              <a:t>关系</a:t>
-            </a:r>
-            <a:endParaRPr lang="en-US" altLang="zh-CN" dirty="0" smtClean="0"/>
-          </a:p>
-          <a:p>
-            <a:pPr marL="285750" indent="-285750">
-              <a:buFont typeface="Wingdings" panose="05000000000000000000" pitchFamily="2" charset="2"/>
-              <a:buChar char="l"/>
-            </a:pPr>
-            <a:endParaRPr lang="zh-CN" altLang="en-US" dirty="0"/>
-          </a:p>
-          <a:p>
-            <a:pPr marL="285750" indent="-285750">
-              <a:buFont typeface="Wingdings" panose="05000000000000000000" pitchFamily="2" charset="2"/>
-              <a:buChar char="l"/>
-            </a:pPr>
-            <a:r>
-              <a:rPr lang="zh-CN" altLang="en-US" dirty="0"/>
-              <a:t>类图</a:t>
-            </a:r>
-          </a:p>
-          <a:p>
-            <a:pPr marL="285750" indent="-285750">
-              <a:buFont typeface="Wingdings" panose="05000000000000000000" pitchFamily="2" charset="2"/>
-              <a:buChar char="l"/>
-            </a:pPr>
-            <a:endParaRPr lang="en-US" altLang="zh-CN" dirty="0" smtClean="0"/>
-          </a:p>
-        </p:txBody>
-      </p:sp>
-    </p:spTree>
-    <p:extLst>
-      <p:ext uri="{BB962C8B-B14F-4D97-AF65-F5344CB8AC3E}">
-        <p14:creationId xmlns:p14="http://schemas.microsoft.com/office/powerpoint/2010/main" val="3170284240"/>
-      </p:ext>
-    </p:extLst>
-  </p:cSld>
-  <p:clrMapOvr>
-    <a:masterClrMapping/>
-  </p:clrMapOvr>
-  <p:timing>
-    <p:tnLst>
-      <p:par>
-        <p:cTn id="1" dur="indefinite" restart="never" nodeType="tmRoot">
-          <p:childTnLst>
-            <p:seq concurrent="1" nextAc="seek">
-              <p:cTn id="2" dur="indefinite" nodeType="mainSeq">
-                <p:childTnLst>
-                  <p:par>
-                    <p:cTn id="3" fill="hold">
-                      <p:stCondLst>
-                        <p:cond delay="indefinite"/>
-                      </p:stCondLst>
-                      <p:childTnLst>
-                        <p:par>
-                          <p:cTn id="4" fill="hold">
-                            <p:stCondLst>
-                              <p:cond delay="0"/>
-                            </p:stCondLst>
-                            <p:childTnLst>
-                              <p:par>
-                                <p:cTn id="5" presetID="14" presetClass="entr" presetSubtype="10" fill="hold" grpId="0" nodeType="clickEffect">
-                                  <p:stCondLst>
-                                    <p:cond delay="0"/>
-                                  </p:stCondLst>
-                                  <p:childTnLst>
-                                    <p:set>
-                                      <p:cBhvr>
-                                        <p:cTn id="6" dur="1" fill="hold">
-                                          <p:stCondLst>
-                                            <p:cond delay="0"/>
-                                          </p:stCondLst>
-                                        </p:cTn>
-                                        <p:tgtEl>
-                                          <p:spTgt spid="4">
-                                            <p:txEl>
-                                              <p:pRg st="0" end="0"/>
-                                            </p:txEl>
-                                          </p:spTgt>
-                                        </p:tgtEl>
-                                        <p:attrNameLst>
-                                          <p:attrName>style.visibility</p:attrName>
-                                        </p:attrNameLst>
-                                      </p:cBhvr>
-                                      <p:to>
-                                        <p:strVal val="visible"/>
-                                      </p:to>
-                                    </p:set>
-                                    <p:animEffect transition="in" filter="randombar(horizontal)">
-                                      <p:cBhvr>
-                                        <p:cTn id="7" dur="500"/>
-                                        <p:tgtEl>
-                                          <p:spTgt spid="4">
-                                            <p:txEl>
-                                              <p:pRg st="0" end="0"/>
-                                            </p:txEl>
-                                          </p:spTgt>
-                                        </p:tgtEl>
-                                      </p:cBhvr>
-                                    </p:animEffect>
-                                  </p:childTnLst>
-                                </p:cTn>
-                              </p:par>
-                            </p:childTnLst>
-                          </p:cTn>
-                        </p:par>
-                      </p:childTnLst>
-                    </p:cTn>
-                  </p:par>
-                </p:childTnLst>
-              </p:cTn>
-              <p:prevCondLst>
-                <p:cond evt="onPrev" delay="0">
-                  <p:tgtEl>
-                    <p:sldTgt/>
-                  </p:tgtEl>
-                </p:cond>
-              </p:prevCondLst>
-              <p:nextCondLst>
-                <p:cond evt="onNext" delay="0">
-                  <p:tgtEl>
-                    <p:sldTgt/>
-                  </p:tgtEl>
-                </p:cond>
-              </p:nextCondLst>
-            </p:seq>
-          </p:childTnLst>
-        </p:cTn>
-      </p:par>
-    </p:tnLst>
-    <p:bldLst>
-      <p:bldP spid="4" grpId="0" build="p"/>
-    </p:bldLst>
-  </p:timing>
-</p:sld>
-</file>
-
-<file path=ppt/slides/slide7.xml><?xml version="1.0" encoding="utf-8"?>
-<p:sld xmlns:a="http://schemas.openxmlformats.org/drawingml/2006/main" xmlns:r="http://schemas.openxmlformats.org/officeDocument/2006/relationships" xmlns:p="http://schemas.openxmlformats.org/presentationml/2006/main">
-  <p:cSld>
-    <p:spTree>
-      <p:nvGrpSpPr>
-        <p:cNvPr id="1" name=""/>
-        <p:cNvGrpSpPr/>
-        <p:nvPr/>
-      </p:nvGrpSpPr>
-      <p:grpSpPr>
-        <a:xfrm>
-          <a:off x="0" y="0"/>
-          <a:ext cx="0" cy="0"/>
-          <a:chOff x="0" y="0"/>
-          <a:chExt cx="0" cy="0"/>
-        </a:xfrm>
-      </p:grpSpPr>
-      <p:sp>
-        <p:nvSpPr>
-          <p:cNvPr id="9" name="Rectangle 8"/>
-          <p:cNvSpPr>
-            <a:spLocks noGrp="1" noRot="1" noChangeAspect="1" noMove="1" noResize="1" noEditPoints="1" noAdjustHandles="1" noChangeArrowheads="1" noChangeShapeType="1" noTextEdit="1"/>
-          </p:cNvSpPr>
-          <p:nvPr>
-            <p:extLst>
-              <p:ext uri="{386F3935-93C4-4BCD-93E2-E3B085C9AB24}">
-                <p16:designElem xmlns:p16="http://schemas.microsoft.com/office/powerpoint/2015/main" val="1"/>
-              </p:ext>
-            </p:extLst>
-          </p:nvPr>
-        </p:nvSpPr>
-        <p:spPr bwMode="white">
-          <a:xfrm>
-            <a:off x="0" y="0"/>
-            <a:ext cx="12192000" cy="6858000"/>
-          </a:xfrm>
-          <a:prstGeom prst="rect">
-            <a:avLst/>
-          </a:prstGeom>
-          <a:solidFill>
-            <a:schemeClr val="bg2"/>
-          </a:solidFill>
-          <a:ln>
-            <a:noFill/>
-          </a:ln>
-          <a:effectLst/>
-        </p:spPr>
-      </p:sp>
-      <p:sp>
-        <p:nvSpPr>
-          <p:cNvPr id="11" name="Freeform 6">
-            <a:extLst>
-              <a:ext uri="{FF2B5EF4-FFF2-40B4-BE49-F238E27FC236}">
-                <a16:creationId xmlns:a16="http://schemas.microsoft.com/office/drawing/2014/main" id="{8EE457FF-670E-4EC1-ACD4-1173DA9A7975}"/>
-              </a:ext>
-            </a:extLst>
-          </p:cNvPr>
-          <p:cNvSpPr>
-            <a:spLocks noGrp="1" noRot="1" noChangeAspect="1" noMove="1" noResize="1" noEditPoints="1" noAdjustHandles="1" noChangeArrowheads="1" noChangeShapeType="1" noTextEdit="1"/>
-          </p:cNvSpPr>
-          <p:nvPr>
-            <p:extLst>
-              <p:ext uri="{386F3935-93C4-4BCD-93E2-E3B085C9AB24}">
-                <p16:designElem xmlns:p16="http://schemas.microsoft.com/office/powerpoint/2015/main" val="1"/>
-              </p:ext>
-            </p:extLst>
-          </p:nvPr>
-        </p:nvSpPr>
-        <p:spPr bwMode="auto">
-          <a:xfrm>
-            <a:off x="0" y="0"/>
-            <a:ext cx="12192000" cy="2185988"/>
-          </a:xfrm>
-          <a:custGeom>
-            <a:avLst/>
-            <a:gdLst/>
-            <a:ahLst/>
-            <a:cxnLst/>
-            <a:rect l="0" t="0" r="r" b="b"/>
-            <a:pathLst>
-              <a:path w="5760" h="1377">
-                <a:moveTo>
-                  <a:pt x="5760" y="0"/>
-                </a:moveTo>
-                <a:lnTo>
-                  <a:pt x="0" y="0"/>
-                </a:lnTo>
-                <a:lnTo>
-                  <a:pt x="0" y="1189"/>
-                </a:lnTo>
-                <a:lnTo>
-                  <a:pt x="943" y="1189"/>
-                </a:lnTo>
-                <a:lnTo>
-                  <a:pt x="1123" y="1369"/>
-                </a:lnTo>
-                <a:lnTo>
-                  <a:pt x="1123" y="1369"/>
-                </a:lnTo>
-                <a:lnTo>
-                  <a:pt x="1127" y="1371"/>
-                </a:lnTo>
-                <a:lnTo>
-                  <a:pt x="1133" y="1374"/>
-                </a:lnTo>
-                <a:lnTo>
-                  <a:pt x="1139" y="1377"/>
-                </a:lnTo>
-                <a:lnTo>
-                  <a:pt x="1144" y="1377"/>
-                </a:lnTo>
-                <a:lnTo>
-                  <a:pt x="1150" y="1377"/>
-                </a:lnTo>
-                <a:lnTo>
-                  <a:pt x="1155" y="1374"/>
-                </a:lnTo>
-                <a:lnTo>
-                  <a:pt x="1161" y="1371"/>
-                </a:lnTo>
-                <a:lnTo>
-                  <a:pt x="1165" y="1369"/>
-                </a:lnTo>
-                <a:lnTo>
-                  <a:pt x="1345" y="1189"/>
-                </a:lnTo>
-                <a:lnTo>
-                  <a:pt x="5760" y="1189"/>
-                </a:lnTo>
-                <a:lnTo>
-                  <a:pt x="5760" y="0"/>
-                </a:lnTo>
-                <a:close/>
-              </a:path>
-            </a:pathLst>
-          </a:custGeom>
-          <a:ln/>
-          <a:extLst>
-            <a:ext uri="{91240B29-F687-4f45-9708-019B960494DF}">
-              <a14:hiddenLine xmlns="" xmlns:a14="http://schemas.microsoft.com/office/drawing/2010/main" w="9525">
-                <a:solidFill>
-                  <a:srgbClr val="000000"/>
-                </a:solidFill>
-                <a:round/>
-                <a:headEnd/>
-                <a:tailEnd/>
-              </a14:hiddenLine>
-            </a:ext>
-          </a:extLst>
-        </p:spPr>
-        <p:style>
-          <a:lnRef idx="1">
-            <a:schemeClr val="accent1"/>
-          </a:lnRef>
-          <a:fillRef idx="3">
-            <a:schemeClr val="accent1"/>
-          </a:fillRef>
-          <a:effectRef idx="2">
-            <a:schemeClr val="accent1"/>
-          </a:effectRef>
-          <a:fontRef idx="minor">
-            <a:schemeClr val="lt1"/>
-          </a:fontRef>
-        </p:style>
-      </p:sp>
-      <p:sp useBgFill="1">
-        <p:nvSpPr>
-          <p:cNvPr id="13" name="Rectangle 12">
-            <a:extLst>
-              <a:ext uri="{FF2B5EF4-FFF2-40B4-BE49-F238E27FC236}">
-                <a16:creationId xmlns:a16="http://schemas.microsoft.com/office/drawing/2014/main" id="{089A69AF-D57B-49B4-886C-D4A5DC194421}"/>
-              </a:ext>
-            </a:extLst>
-          </p:cNvPr>
-          <p:cNvSpPr>
-            <a:spLocks noGrp="1" noRot="1" noChangeAspect="1" noMove="1" noResize="1" noEditPoints="1" noAdjustHandles="1" noChangeArrowheads="1" noChangeShapeType="1" noTextEdit="1"/>
-          </p:cNvSpPr>
-          <p:nvPr>
-            <p:extLst>
-              <p:ext uri="{386F3935-93C4-4BCD-93E2-E3B085C9AB24}">
-                <p16:designElem xmlns:p16="http://schemas.microsoft.com/office/powerpoint/2015/main" val="1"/>
-              </p:ext>
-            </p:extLst>
-          </p:nvPr>
-        </p:nvSpPr>
-        <p:spPr>
-          <a:xfrm>
-            <a:off x="0" y="0"/>
-            <a:ext cx="12192000" cy="6858000"/>
-          </a:xfrm>
-          <a:prstGeom prst="rect">
-            <a:avLst/>
-          </a:prstGeom>
-          <a:ln>
-            <a:noFill/>
-          </a:ln>
-        </p:spPr>
-        <p:style>
-          <a:lnRef idx="2">
-            <a:schemeClr val="accent1">
-              <a:shade val="50000"/>
-            </a:schemeClr>
-          </a:lnRef>
-          <a:fillRef idx="1">
-            <a:schemeClr val="accent1"/>
-          </a:fillRef>
-          <a:effectRef idx="0">
-            <a:schemeClr val="accent1"/>
-          </a:effectRef>
-          <a:fontRef idx="minor">
-            <a:schemeClr val="lt1"/>
-          </a:fontRef>
-        </p:style>
-        <p:txBody>
-          <a:bodyPr rtlCol="0" anchor="ctr"/>
-          <a:lstStyle/>
-          <a:p>
-            <a:pPr algn="ctr"/>
-            <a:endParaRPr lang="en-US"/>
-          </a:p>
-        </p:txBody>
-      </p:sp>
-      <p:sp>
-        <p:nvSpPr>
-          <p:cNvPr id="15" name="Freeform: Shape 14">
-            <a:extLst>
-              <a:ext uri="{FF2B5EF4-FFF2-40B4-BE49-F238E27FC236}">
-                <a16:creationId xmlns:a16="http://schemas.microsoft.com/office/drawing/2014/main" id="{CABDC08D-6093-4397-92D4-54D00E2BB1C2}"/>
-              </a:ext>
-            </a:extLst>
-          </p:cNvPr>
-          <p:cNvSpPr>
-            <a:spLocks noGrp="1" noRot="1" noChangeAspect="1" noMove="1" noResize="1" noEditPoints="1" noAdjustHandles="1" noChangeArrowheads="1" noChangeShapeType="1" noTextEdit="1"/>
-          </p:cNvSpPr>
-          <p:nvPr>
-            <p:extLst>
-              <p:ext uri="{386F3935-93C4-4BCD-93E2-E3B085C9AB24}">
-                <p16:designElem xmlns:p16="http://schemas.microsoft.com/office/powerpoint/2015/main" val="1"/>
-              </p:ext>
-            </p:extLst>
-          </p:nvPr>
-        </p:nvSpPr>
-        <p:spPr bwMode="auto">
-          <a:xfrm rot="16200000">
-            <a:off x="-650724" y="650724"/>
-            <a:ext cx="6858000" cy="5556552"/>
-          </a:xfrm>
-          <a:custGeom>
-            <a:avLst/>
-            <a:gdLst>
-              <a:gd name="connsiteX0" fmla="*/ 6858000 w 6858000"/>
-              <a:gd name="connsiteY0" fmla="*/ 3445704 h 5556552"/>
-              <a:gd name="connsiteX1" fmla="*/ 3829242 w 6858000"/>
-              <a:gd name="connsiteY1" fmla="*/ 5433322 h 5556552"/>
-              <a:gd name="connsiteX2" fmla="*/ 3827369 w 6858000"/>
-              <a:gd name="connsiteY2" fmla="*/ 5434867 h 5556552"/>
-              <a:gd name="connsiteX3" fmla="*/ 3824583 w 6858000"/>
-              <a:gd name="connsiteY3" fmla="*/ 5436378 h 5556552"/>
-              <a:gd name="connsiteX4" fmla="*/ 3798693 w 6858000"/>
-              <a:gd name="connsiteY4" fmla="*/ 5453370 h 5556552"/>
-              <a:gd name="connsiteX5" fmla="*/ 3785011 w 6858000"/>
-              <a:gd name="connsiteY5" fmla="*/ 5457858 h 5556552"/>
-              <a:gd name="connsiteX6" fmla="*/ 3706339 w 6858000"/>
-              <a:gd name="connsiteY6" fmla="*/ 5500559 h 5556552"/>
-              <a:gd name="connsiteX7" fmla="*/ 3428998 w 6858000"/>
-              <a:gd name="connsiteY7" fmla="*/ 5556552 h 5556552"/>
-              <a:gd name="connsiteX8" fmla="*/ 3151658 w 6858000"/>
-              <a:gd name="connsiteY8" fmla="*/ 5500559 h 5556552"/>
-              <a:gd name="connsiteX9" fmla="*/ 3072996 w 6858000"/>
-              <a:gd name="connsiteY9" fmla="*/ 5457863 h 5556552"/>
-              <a:gd name="connsiteX10" fmla="*/ 3059298 w 6858000"/>
-              <a:gd name="connsiteY10" fmla="*/ 5453370 h 5556552"/>
-              <a:gd name="connsiteX11" fmla="*/ 3033383 w 6858000"/>
-              <a:gd name="connsiteY11" fmla="*/ 5436362 h 5556552"/>
-              <a:gd name="connsiteX12" fmla="*/ 3030627 w 6858000"/>
-              <a:gd name="connsiteY12" fmla="*/ 5434867 h 5556552"/>
-              <a:gd name="connsiteX13" fmla="*/ 3028775 w 6858000"/>
-              <a:gd name="connsiteY13" fmla="*/ 5433338 h 5556552"/>
-              <a:gd name="connsiteX14" fmla="*/ 0 w 6858000"/>
-              <a:gd name="connsiteY14" fmla="*/ 3445704 h 5556552"/>
-              <a:gd name="connsiteX15" fmla="*/ 6858000 w 6858000"/>
-              <a:gd name="connsiteY15" fmla="*/ 0 h 5556552"/>
-              <a:gd name="connsiteX16" fmla="*/ 6858000 w 6858000"/>
-              <a:gd name="connsiteY16" fmla="*/ 349336 h 5556552"/>
-              <a:gd name="connsiteX17" fmla="*/ 6858000 w 6858000"/>
-              <a:gd name="connsiteY17" fmla="*/ 3445703 h 5556552"/>
-              <a:gd name="connsiteX18" fmla="*/ 0 w 6858000"/>
-              <a:gd name="connsiteY18" fmla="*/ 3445703 h 5556552"/>
-              <a:gd name="connsiteX19" fmla="*/ 0 w 6858000"/>
-              <a:gd name="connsiteY19" fmla="*/ 0 h 5556552"/>
-            </a:gdLst>
-            <a:ahLst/>
-            <a:cxnLst>
-              <a:cxn ang="0">
-                <a:pos x="connsiteX0" y="connsiteY0"/>
-              </a:cxn>
-              <a:cxn ang="0">
-                <a:pos x="connsiteX1" y="connsiteY1"/>
-              </a:cxn>
-              <a:cxn ang="0">
-                <a:pos x="connsiteX2" y="connsiteY2"/>
-              </a:cxn>
-              <a:cxn ang="0">
-                <a:pos x="connsiteX3" y="connsiteY3"/>
-              </a:cxn>
-              <a:cxn ang="0">
-                <a:pos x="connsiteX4" y="connsiteY4"/>
-              </a:cxn>
-              <a:cxn ang="0">
-                <a:pos x="connsiteX5" y="connsiteY5"/>
-              </a:cxn>
-              <a:cxn ang="0">
-                <a:pos x="connsiteX6" y="connsiteY6"/>
-              </a:cxn>
-              <a:cxn ang="0">
-                <a:pos x="connsiteX7" y="connsiteY7"/>
-              </a:cxn>
-              <a:cxn ang="0">
-                <a:pos x="connsiteX8" y="connsiteY8"/>
-              </a:cxn>
-              <a:cxn ang="0">
-                <a:pos x="connsiteX9" y="connsiteY9"/>
-              </a:cxn>
-              <a:cxn ang="0">
-                <a:pos x="connsiteX10" y="connsiteY10"/>
-              </a:cxn>
-              <a:cxn ang="0">
-                <a:pos x="connsiteX11" y="connsiteY11"/>
-              </a:cxn>
-              <a:cxn ang="0">
-                <a:pos x="connsiteX12" y="connsiteY12"/>
-              </a:cxn>
-              <a:cxn ang="0">
-                <a:pos x="connsiteX13" y="connsiteY13"/>
-              </a:cxn>
-              <a:cxn ang="0">
-                <a:pos x="connsiteX14" y="connsiteY14"/>
-              </a:cxn>
-              <a:cxn ang="0">
-                <a:pos x="connsiteX15" y="connsiteY15"/>
-              </a:cxn>
-              <a:cxn ang="0">
-                <a:pos x="connsiteX16" y="connsiteY16"/>
-              </a:cxn>
-              <a:cxn ang="0">
-                <a:pos x="connsiteX17" y="connsiteY17"/>
-              </a:cxn>
-              <a:cxn ang="0">
-                <a:pos x="connsiteX18" y="connsiteY18"/>
-              </a:cxn>
-              <a:cxn ang="0">
-                <a:pos x="connsiteX19" y="connsiteY19"/>
-              </a:cxn>
-            </a:cxnLst>
-            <a:rect l="l" t="t" r="r" b="b"/>
-            <a:pathLst>
-              <a:path w="6858000" h="5556552">
-                <a:moveTo>
-                  <a:pt x="6858000" y="3445704"/>
-                </a:moveTo>
-                <a:lnTo>
-                  <a:pt x="3829242" y="5433322"/>
-                </a:lnTo>
-                <a:lnTo>
-                  <a:pt x="3827369" y="5434867"/>
-                </a:lnTo>
-                <a:lnTo>
-                  <a:pt x="3824583" y="5436378"/>
-                </a:lnTo>
-                <a:lnTo>
-                  <a:pt x="3798693" y="5453370"/>
-                </a:lnTo>
-                <a:lnTo>
-                  <a:pt x="3785011" y="5457858"/>
-                </a:lnTo>
-                <a:lnTo>
-                  <a:pt x="3706339" y="5500559"/>
-                </a:lnTo>
-                <a:cubicBezTo>
-                  <a:pt x="3621096" y="5536614"/>
-                  <a:pt x="3527375" y="5556552"/>
-                  <a:pt x="3428998" y="5556552"/>
-                </a:cubicBezTo>
-                <a:cubicBezTo>
-                  <a:pt x="3330621" y="5556552"/>
-                  <a:pt x="3236901" y="5536614"/>
-                  <a:pt x="3151658" y="5500559"/>
-                </a:cubicBezTo>
-                <a:lnTo>
-                  <a:pt x="3072996" y="5457863"/>
-                </a:lnTo>
-                <a:lnTo>
-                  <a:pt x="3059298" y="5453370"/>
-                </a:lnTo>
-                <a:lnTo>
-                  <a:pt x="3033383" y="5436362"/>
-                </a:lnTo>
-                <a:lnTo>
-                  <a:pt x="3030627" y="5434867"/>
-                </a:lnTo>
-                <a:lnTo>
-                  <a:pt x="3028775" y="5433338"/>
-                </a:lnTo>
-                <a:lnTo>
-                  <a:pt x="0" y="3445704"/>
-                </a:lnTo>
-                <a:close/>
-                <a:moveTo>
-                  <a:pt x="6858000" y="0"/>
-                </a:moveTo>
-                <a:lnTo>
-                  <a:pt x="6858000" y="349336"/>
-                </a:lnTo>
-                <a:lnTo>
-                  <a:pt x="6858000" y="3445703"/>
-                </a:lnTo>
-                <a:lnTo>
-                  <a:pt x="0" y="3445703"/>
-                </a:lnTo>
-                <a:lnTo>
-                  <a:pt x="0" y="0"/>
-                </a:lnTo>
-                <a:close/>
-              </a:path>
-            </a:pathLst>
-          </a:custGeom>
-          <a:ln>
-            <a:noFill/>
-          </a:ln>
-          <a:effectLst/>
-          <a:extLst>
-            <a:ext uri="{91240B29-F687-4f45-9708-019B960494DF}">
-              <a14:hiddenLine xmlns="" xmlns:a16="http://schemas.microsoft.com/office/drawing/2014/main" xmlns:p14="http://schemas.microsoft.com/office/powerpoint/2010/main" xmlns:a14="http://schemas.microsoft.com/office/drawing/2010/main" w="9525">
-                <a:solidFill>
-                  <a:srgbClr val="000000"/>
-                </a:solidFill>
-                <a:round/>
-                <a:headEnd/>
-                <a:tailEnd/>
-              </a14:hiddenLine>
-            </a:ext>
-          </a:extLst>
-        </p:spPr>
-        <p:style>
-          <a:lnRef idx="1">
-            <a:schemeClr val="accent1"/>
-          </a:lnRef>
-          <a:fillRef idx="3">
-            <a:schemeClr val="accent1"/>
-          </a:fillRef>
-          <a:effectRef idx="2">
-            <a:schemeClr val="accent1"/>
-          </a:effectRef>
-          <a:fontRef idx="minor">
-            <a:schemeClr val="lt1"/>
-          </a:fontRef>
-        </p:style>
-      </p:sp>
-      <p:sp>
-        <p:nvSpPr>
-          <p:cNvPr id="2" name="标题 1">
-            <a:extLst>
-              <a:ext uri="{FF2B5EF4-FFF2-40B4-BE49-F238E27FC236}">
-                <a16:creationId xmlns:a16="http://schemas.microsoft.com/office/drawing/2014/main" id="{E96509DE-3F06-43CD-A0BC-6D0825469805}"/>
-              </a:ext>
-            </a:extLst>
-          </p:cNvPr>
-          <p:cNvSpPr>
-            <a:spLocks noGrp="1"/>
-          </p:cNvSpPr>
-          <p:nvPr>
-            <p:ph type="title"/>
-          </p:nvPr>
-        </p:nvSpPr>
-        <p:spPr>
-          <a:xfrm>
-            <a:off x="-2" y="-2"/>
-            <a:ext cx="2422314" cy="916903"/>
-          </a:xfrm>
-        </p:spPr>
-        <p:txBody>
-          <a:bodyPr vert="horz" lIns="91440" tIns="45720" rIns="91440" bIns="45720" rtlCol="0" anchor="ctr">
-            <a:normAutofit/>
-          </a:bodyPr>
-          <a:lstStyle/>
-          <a:p>
-            <a:r>
-              <a:rPr lang="zh-CN" altLang="en-US" sz="4000" b="1" dirty="0" smtClean="0"/>
+              <a:rPr lang="zh-CN" altLang="en-US" sz="4000" b="1" dirty="0"/>
               <a:t>标题</a:t>
             </a:r>
             <a:endParaRPr lang="en-US" altLang="zh-CN" sz="4000" b="1" dirty="0"/>
@@ -14556,80 +14373,6 @@
   <p:clrMapOvr>
     <a:masterClrMapping/>
   </p:clrMapOvr>
-  <p:timing>
-    <p:tnLst>
-      <p:par>
-        <p:cTn id="1" dur="indefinite" restart="never" nodeType="tmRoot"/>
-      </p:par>
-    </p:tnLst>
-  </p:timing>
-</p:sld>
-</file>
-
-<file path=ppt/slides/slide8.xml><?xml version="1.0" encoding="utf-8"?>
-<p:sld xmlns:a="http://schemas.openxmlformats.org/drawingml/2006/main" xmlns:r="http://schemas.openxmlformats.org/officeDocument/2006/relationships" xmlns:p="http://schemas.openxmlformats.org/presentationml/2006/main">
-  <p:cSld>
-    <p:spTree>
-      <p:nvGrpSpPr>
-        <p:cNvPr id="1" name=""/>
-        <p:cNvGrpSpPr/>
-        <p:nvPr/>
-      </p:nvGrpSpPr>
-      <p:grpSpPr>
-        <a:xfrm>
-          <a:off x="0" y="0"/>
-          <a:ext cx="0" cy="0"/>
-          <a:chOff x="0" y="0"/>
-          <a:chExt cx="0" cy="0"/>
-        </a:xfrm>
-      </p:grpSpPr>
-      <p:sp>
-        <p:nvSpPr>
-          <p:cNvPr id="2" name="标题 1">
-            <a:extLst>
-              <a:ext uri="{FF2B5EF4-FFF2-40B4-BE49-F238E27FC236}">
-                <a16:creationId xmlns:a16="http://schemas.microsoft.com/office/drawing/2014/main" id="{7CAD41F4-5EA9-4288-9F6B-AC877256EC40}"/>
-              </a:ext>
-            </a:extLst>
-          </p:cNvPr>
-          <p:cNvSpPr>
-            <a:spLocks noGrp="1"/>
-          </p:cNvSpPr>
-          <p:nvPr>
-            <p:ph type="title"/>
-          </p:nvPr>
-        </p:nvSpPr>
-        <p:spPr>
-          <a:xfrm>
-            <a:off x="486615" y="882086"/>
-            <a:ext cx="6315629" cy="970450"/>
-          </a:xfrm>
-        </p:spPr>
-        <p:txBody>
-          <a:bodyPr/>
-          <a:lstStyle/>
-          <a:p>
-            <a:endParaRPr lang="zh-CN" altLang="en-US" sz="2800" dirty="0"/>
-          </a:p>
-        </p:txBody>
-      </p:sp>
-    </p:spTree>
-    <p:extLst>
-      <p:ext uri="{BB962C8B-B14F-4D97-AF65-F5344CB8AC3E}">
-        <p14:creationId xmlns:p14="http://schemas.microsoft.com/office/powerpoint/2010/main" val="1812930701"/>
-      </p:ext>
-    </p:extLst>
-  </p:cSld>
-  <p:clrMapOvr>
-    <a:masterClrMapping/>
-  </p:clrMapOvr>
-  <p:timing>
-    <p:tnLst>
-      <p:par>
-        <p:cTn id="1" dur="indefinite" restart="never" nodeType="tmRoot"/>
-      </p:par>
-    </p:tnLst>
-  </p:timing>
 </p:sld>
 </file>
 
@@ -14650,251 +14393,12 @@
           <a:chExt cx="0" cy="0"/>
         </a:xfrm>
       </p:grpSpPr>
-      <p:sp useBgFill="1">
-        <p:nvSpPr>
-          <p:cNvPr id="10" name="Rectangle 9">
-            <a:extLst>
-              <a:ext uri="{FF2B5EF4-FFF2-40B4-BE49-F238E27FC236}">
-                <a16:creationId xmlns:a16="http://schemas.microsoft.com/office/drawing/2014/main" id="{A3322B77-FA16-4D4E-BAA6-811C61DB3E85}"/>
-              </a:ext>
-            </a:extLst>
-          </p:cNvPr>
-          <p:cNvSpPr>
-            <a:spLocks noGrp="1" noRot="1" noChangeAspect="1" noMove="1" noResize="1" noEditPoints="1" noAdjustHandles="1" noChangeArrowheads="1" noChangeShapeType="1" noTextEdit="1"/>
-          </p:cNvSpPr>
-          <p:nvPr>
-            <p:extLst>
-              <p:ext uri="{386F3935-93C4-4BCD-93E2-E3B085C9AB24}">
-                <p16:designElem xmlns:p16="http://schemas.microsoft.com/office/powerpoint/2015/main" val="1"/>
-              </p:ext>
-            </p:extLst>
-          </p:nvPr>
-        </p:nvSpPr>
-        <p:spPr>
-          <a:xfrm>
-            <a:off x="0" y="0"/>
-            <a:ext cx="12192000" cy="6858000"/>
-          </a:xfrm>
-          <a:prstGeom prst="rect">
-            <a:avLst/>
-          </a:prstGeom>
-          <a:ln>
-            <a:noFill/>
-          </a:ln>
-        </p:spPr>
-        <p:style>
-          <a:lnRef idx="2">
-            <a:schemeClr val="accent1">
-              <a:shade val="50000"/>
-            </a:schemeClr>
-          </a:lnRef>
-          <a:fillRef idx="1">
-            <a:schemeClr val="accent1"/>
-          </a:fillRef>
-          <a:effectRef idx="0">
-            <a:schemeClr val="accent1"/>
-          </a:effectRef>
-          <a:fontRef idx="minor">
-            <a:schemeClr val="lt1"/>
-          </a:fontRef>
-        </p:style>
-        <p:txBody>
-          <a:bodyPr rtlCol="0" anchor="ctr"/>
-          <a:lstStyle/>
-          <a:p>
-            <a:pPr algn="ctr"/>
-            <a:endParaRPr lang="en-US"/>
-          </a:p>
-        </p:txBody>
-      </p:sp>
-      <p:sp>
-        <p:nvSpPr>
-          <p:cNvPr id="12" name="Freeform: Shape 11">
-            <a:extLst>
-              <a:ext uri="{FF2B5EF4-FFF2-40B4-BE49-F238E27FC236}">
-                <a16:creationId xmlns:a16="http://schemas.microsoft.com/office/drawing/2014/main" id="{CA6EF34F-3BAD-4CD8-B05E-03BA773AE864}"/>
-              </a:ext>
-            </a:extLst>
-          </p:cNvPr>
-          <p:cNvSpPr>
-            <a:spLocks noGrp="1" noRot="1" noChangeAspect="1" noMove="1" noResize="1" noEditPoints="1" noAdjustHandles="1" noChangeArrowheads="1" noChangeShapeType="1" noTextEdit="1"/>
-          </p:cNvSpPr>
-          <p:nvPr>
-            <p:extLst>
-              <p:ext uri="{386F3935-93C4-4BCD-93E2-E3B085C9AB24}">
-                <p16:designElem xmlns:p16="http://schemas.microsoft.com/office/powerpoint/2015/main" val="1"/>
-              </p:ext>
-            </p:extLst>
-          </p:nvPr>
-        </p:nvSpPr>
-        <p:spPr bwMode="auto">
-          <a:xfrm rot="16200000">
-            <a:off x="-1050631" y="1050634"/>
-            <a:ext cx="6857997" cy="4756735"/>
-          </a:xfrm>
-          <a:custGeom>
-            <a:avLst/>
-            <a:gdLst>
-              <a:gd name="connsiteX0" fmla="*/ 6857997 w 6857997"/>
-              <a:gd name="connsiteY0" fmla="*/ 0 h 4756735"/>
-              <a:gd name="connsiteX1" fmla="*/ 6857997 w 6857997"/>
-              <a:gd name="connsiteY1" fmla="*/ 4458285 h 4756735"/>
-              <a:gd name="connsiteX2" fmla="*/ 4861980 w 6857997"/>
-              <a:gd name="connsiteY2" fmla="*/ 4458285 h 4756735"/>
-              <a:gd name="connsiteX3" fmla="*/ 4480980 w 6857997"/>
-              <a:gd name="connsiteY3" fmla="*/ 4744036 h 4756735"/>
-              <a:gd name="connsiteX4" fmla="*/ 4472514 w 6857997"/>
-              <a:gd name="connsiteY4" fmla="*/ 4747210 h 4756735"/>
-              <a:gd name="connsiteX5" fmla="*/ 4459814 w 6857997"/>
-              <a:gd name="connsiteY5" fmla="*/ 4751973 h 4756735"/>
-              <a:gd name="connsiteX6" fmla="*/ 4447114 w 6857997"/>
-              <a:gd name="connsiteY6" fmla="*/ 4756735 h 4756735"/>
-              <a:gd name="connsiteX7" fmla="*/ 4436530 w 6857997"/>
-              <a:gd name="connsiteY7" fmla="*/ 4756735 h 4756735"/>
-              <a:gd name="connsiteX8" fmla="*/ 4423830 w 6857997"/>
-              <a:gd name="connsiteY8" fmla="*/ 4756735 h 4756735"/>
-              <a:gd name="connsiteX9" fmla="*/ 4413247 w 6857997"/>
-              <a:gd name="connsiteY9" fmla="*/ 4751973 h 4756735"/>
-              <a:gd name="connsiteX10" fmla="*/ 4400547 w 6857997"/>
-              <a:gd name="connsiteY10" fmla="*/ 4747210 h 4756735"/>
-              <a:gd name="connsiteX11" fmla="*/ 4392080 w 6857997"/>
-              <a:gd name="connsiteY11" fmla="*/ 4744036 h 4756735"/>
-              <a:gd name="connsiteX12" fmla="*/ 4011080 w 6857997"/>
-              <a:gd name="connsiteY12" fmla="*/ 4458285 h 4756735"/>
-              <a:gd name="connsiteX13" fmla="*/ 0 w 6857997"/>
-              <a:gd name="connsiteY13" fmla="*/ 4458285 h 4756735"/>
-              <a:gd name="connsiteX14" fmla="*/ 1 w 6857997"/>
-              <a:gd name="connsiteY14" fmla="*/ 0 h 4756735"/>
-            </a:gdLst>
-            <a:ahLst/>
-            <a:cxnLst>
-              <a:cxn ang="0">
-                <a:pos x="connsiteX0" y="connsiteY0"/>
-              </a:cxn>
-              <a:cxn ang="0">
-                <a:pos x="connsiteX1" y="connsiteY1"/>
-              </a:cxn>
-              <a:cxn ang="0">
-                <a:pos x="connsiteX2" y="connsiteY2"/>
-              </a:cxn>
-              <a:cxn ang="0">
-                <a:pos x="connsiteX3" y="connsiteY3"/>
-              </a:cxn>
-              <a:cxn ang="0">
-                <a:pos x="connsiteX4" y="connsiteY4"/>
-              </a:cxn>
-              <a:cxn ang="0">
-                <a:pos x="connsiteX5" y="connsiteY5"/>
-              </a:cxn>
-              <a:cxn ang="0">
-                <a:pos x="connsiteX6" y="connsiteY6"/>
-              </a:cxn>
-              <a:cxn ang="0">
-                <a:pos x="connsiteX7" y="connsiteY7"/>
-              </a:cxn>
-              <a:cxn ang="0">
-                <a:pos x="connsiteX8" y="connsiteY8"/>
-              </a:cxn>
-              <a:cxn ang="0">
-                <a:pos x="connsiteX9" y="connsiteY9"/>
-              </a:cxn>
-              <a:cxn ang="0">
-                <a:pos x="connsiteX10" y="connsiteY10"/>
-              </a:cxn>
-              <a:cxn ang="0">
-                <a:pos x="connsiteX11" y="connsiteY11"/>
-              </a:cxn>
-              <a:cxn ang="0">
-                <a:pos x="connsiteX12" y="connsiteY12"/>
-              </a:cxn>
-              <a:cxn ang="0">
-                <a:pos x="connsiteX13" y="connsiteY13"/>
-              </a:cxn>
-              <a:cxn ang="0">
-                <a:pos x="connsiteX14" y="connsiteY14"/>
-              </a:cxn>
-            </a:cxnLst>
-            <a:rect l="l" t="t" r="r" b="b"/>
-            <a:pathLst>
-              <a:path w="6857997" h="4756735">
-                <a:moveTo>
-                  <a:pt x="6857997" y="0"/>
-                </a:moveTo>
-                <a:lnTo>
-                  <a:pt x="6857997" y="4458285"/>
-                </a:lnTo>
-                <a:lnTo>
-                  <a:pt x="4861980" y="4458285"/>
-                </a:lnTo>
-                <a:lnTo>
-                  <a:pt x="4480980" y="4744036"/>
-                </a:lnTo>
-                <a:lnTo>
-                  <a:pt x="4472514" y="4747210"/>
-                </a:lnTo>
-                <a:lnTo>
-                  <a:pt x="4459814" y="4751973"/>
-                </a:lnTo>
-                <a:lnTo>
-                  <a:pt x="4447114" y="4756735"/>
-                </a:lnTo>
-                <a:lnTo>
-                  <a:pt x="4436530" y="4756735"/>
-                </a:lnTo>
-                <a:lnTo>
-                  <a:pt x="4423830" y="4756735"/>
-                </a:lnTo>
-                <a:lnTo>
-                  <a:pt x="4413247" y="4751973"/>
-                </a:lnTo>
-                <a:lnTo>
-                  <a:pt x="4400547" y="4747210"/>
-                </a:lnTo>
-                <a:lnTo>
-                  <a:pt x="4392080" y="4744036"/>
-                </a:lnTo>
-                <a:lnTo>
-                  <a:pt x="4011080" y="4458285"/>
-                </a:lnTo>
-                <a:lnTo>
-                  <a:pt x="0" y="4458285"/>
-                </a:lnTo>
-                <a:lnTo>
-                  <a:pt x="1" y="0"/>
-                </a:lnTo>
-                <a:close/>
-              </a:path>
-            </a:pathLst>
-          </a:custGeom>
-          <a:solidFill>
-            <a:schemeClr val="accent1"/>
-          </a:solidFill>
-          <a:ln>
-            <a:headEnd/>
-            <a:tailEnd/>
-          </a:ln>
-        </p:spPr>
-        <p:style>
-          <a:lnRef idx="1">
-            <a:schemeClr val="accent1"/>
-          </a:lnRef>
-          <a:fillRef idx="3">
-            <a:schemeClr val="accent1"/>
-          </a:fillRef>
-          <a:effectRef idx="2">
-            <a:schemeClr val="accent1"/>
-          </a:effectRef>
-          <a:fontRef idx="minor">
-            <a:schemeClr val="lt1"/>
-          </a:fontRef>
-        </p:style>
-      </p:sp>
       <p:sp>
         <p:nvSpPr>
           <p:cNvPr id="2" name="标题 1">
             <a:extLst>
               <a:ext uri="{FF2B5EF4-FFF2-40B4-BE49-F238E27FC236}">
-                <a16:creationId xmlns:a16="http://schemas.microsoft.com/office/drawing/2014/main" id="{07F82CAD-895A-43D3-8349-0BA3C86A2196}"/>
+                <a16:creationId xmlns:a16="http://schemas.microsoft.com/office/drawing/2014/main" id="{7CAD41F4-5EA9-4288-9F6B-AC877256EC40}"/>
               </a:ext>
             </a:extLst>
           </p:cNvPr>
@@ -14907,73 +14411,28 @@
         </p:nvSpPr>
         <p:spPr>
           <a:xfrm>
-            <a:off x="641754" y="1918252"/>
-            <a:ext cx="3365439" cy="3997635"/>
-          </a:xfrm>
-        </p:spPr>
-        <p:txBody>
-          <a:bodyPr anchor="t">
-            <a:normAutofit/>
-          </a:bodyPr>
-          <a:lstStyle/>
-          <a:p>
-            <a:r>
-              <a:rPr lang="en-US" altLang="zh-CN" sz="4400" dirty="0" smtClean="0"/>
-              <a:t>3</a:t>
-            </a:r>
-            <a:r>
-              <a:rPr lang="zh-CN" altLang="en-US" sz="4400" dirty="0" smtClean="0"/>
-              <a:t>、状态机图</a:t>
-            </a:r>
-            <a:endParaRPr lang="zh-CN" altLang="en-US" sz="4400" dirty="0"/>
-          </a:p>
-        </p:txBody>
-      </p:sp>
-      <p:sp>
-        <p:nvSpPr>
-          <p:cNvPr id="3" name="内容占位符 2"/>
-          <p:cNvSpPr>
-            <a:spLocks noGrp="1"/>
-          </p:cNvSpPr>
-          <p:nvPr>
-            <p:ph idx="1"/>
-          </p:nvPr>
-        </p:nvSpPr>
-        <p:spPr>
-          <a:xfrm>
-            <a:off x="4947920" y="497841"/>
-            <a:ext cx="6425366" cy="5191760"/>
+            <a:off x="486615" y="882086"/>
+            <a:ext cx="6315629" cy="970450"/>
           </a:xfrm>
         </p:spPr>
         <p:txBody>
           <a:bodyPr/>
           <a:lstStyle/>
           <a:p>
-            <a:r>
-              <a:rPr lang="zh-CN" altLang="en-US" dirty="0" smtClean="0"/>
-              <a:t>概述、基本元素等</a:t>
-            </a:r>
-            <a:endParaRPr lang="zh-CN" altLang="en-US" dirty="0"/>
+            <a:endParaRPr lang="zh-CN" altLang="en-US" sz="2800" dirty="0"/>
           </a:p>
         </p:txBody>
       </p:sp>
     </p:spTree>
     <p:extLst>
       <p:ext uri="{BB962C8B-B14F-4D97-AF65-F5344CB8AC3E}">
-        <p14:creationId xmlns:p14="http://schemas.microsoft.com/office/powerpoint/2010/main" val="828526820"/>
+        <p14:creationId xmlns:p14="http://schemas.microsoft.com/office/powerpoint/2010/main" val="1812930701"/>
       </p:ext>
     </p:extLst>
   </p:cSld>
   <p:clrMapOvr>
     <a:masterClrMapping/>
   </p:clrMapOvr>
-  <p:timing>
-    <p:tnLst>
-      <p:par>
-        <p:cTn id="1" dur="indefinite" restart="never" nodeType="tmRoot"/>
-      </p:par>
-    </p:tnLst>
-  </p:timing>
 </p:sld>
 </file>
 

--- a/PRD-2017-G24/STW/非受控文件/翻转课堂作业/UML基础1/UML基础Ⅰ.pptx
+++ b/PRD-2017-G24/STW/非受控文件/翻转课堂作业/UML基础1/UML基础Ⅰ.pptx
@@ -5,29 +5,33 @@
     <p:sldMasterId id="2147483648" r:id="rId1"/>
   </p:sldMasterIdLst>
   <p:notesMasterIdLst>
-    <p:notesMasterId r:id="rId22"/>
+    <p:notesMasterId r:id="rId26"/>
   </p:notesMasterIdLst>
   <p:sldIdLst>
     <p:sldId id="256" r:id="rId2"/>
     <p:sldId id="257" r:id="rId3"/>
-    <p:sldId id="312" r:id="rId4"/>
-    <p:sldId id="309" r:id="rId5"/>
-    <p:sldId id="314" r:id="rId6"/>
-    <p:sldId id="313" r:id="rId7"/>
-    <p:sldId id="311" r:id="rId8"/>
-    <p:sldId id="304" r:id="rId9"/>
-    <p:sldId id="310" r:id="rId10"/>
-    <p:sldId id="259" r:id="rId11"/>
-    <p:sldId id="308" r:id="rId12"/>
-    <p:sldId id="305" r:id="rId13"/>
-    <p:sldId id="306" r:id="rId14"/>
-    <p:sldId id="279" r:id="rId15"/>
-    <p:sldId id="281" r:id="rId16"/>
-    <p:sldId id="262" r:id="rId17"/>
-    <p:sldId id="299" r:id="rId18"/>
-    <p:sldId id="271" r:id="rId19"/>
-    <p:sldId id="272" r:id="rId20"/>
-    <p:sldId id="273" r:id="rId21"/>
+    <p:sldId id="309" r:id="rId4"/>
+    <p:sldId id="314" r:id="rId5"/>
+    <p:sldId id="313" r:id="rId6"/>
+    <p:sldId id="315" r:id="rId7"/>
+    <p:sldId id="316" r:id="rId8"/>
+    <p:sldId id="317" r:id="rId9"/>
+    <p:sldId id="318" r:id="rId10"/>
+    <p:sldId id="310" r:id="rId11"/>
+    <p:sldId id="319" r:id="rId12"/>
+    <p:sldId id="320" r:id="rId13"/>
+    <p:sldId id="321" r:id="rId14"/>
+    <p:sldId id="322" r:id="rId15"/>
+    <p:sldId id="323" r:id="rId16"/>
+    <p:sldId id="324" r:id="rId17"/>
+    <p:sldId id="325" r:id="rId18"/>
+    <p:sldId id="326" r:id="rId19"/>
+    <p:sldId id="330" r:id="rId20"/>
+    <p:sldId id="328" r:id="rId21"/>
+    <p:sldId id="331" r:id="rId22"/>
+    <p:sldId id="329" r:id="rId23"/>
+    <p:sldId id="273" r:id="rId24"/>
+    <p:sldId id="271" r:id="rId25"/>
   </p:sldIdLst>
   <p:sldSz cx="12192000" cy="6858000"/>
   <p:notesSz cx="6858000" cy="9144000"/>
@@ -918,8 +922,8 @@
         <a:lstStyle/>
         <a:p>
           <a:r>
-            <a:rPr lang="en-US" dirty="0"/>
-            <a:t>2</a:t>
+            <a:rPr lang="en-US" altLang="zh-CN" dirty="0"/>
+            <a:t>1</a:t>
           </a:r>
           <a:r>
             <a:rPr lang="zh-CN" dirty="0"/>
@@ -963,8 +967,8 @@
         <a:lstStyle/>
         <a:p>
           <a:r>
-            <a:rPr lang="en-US" dirty="0"/>
-            <a:t>5</a:t>
+            <a:rPr lang="en-US" altLang="zh-CN" dirty="0"/>
+            <a:t>4</a:t>
           </a:r>
           <a:r>
             <a:rPr lang="zh-CN" dirty="0"/>
@@ -1008,8 +1012,8 @@
         <a:lstStyle/>
         <a:p>
           <a:r>
-            <a:rPr lang="en-US" dirty="0"/>
-            <a:t>6</a:t>
+            <a:rPr lang="en-US" altLang="zh-CN" dirty="0"/>
+            <a:t>5</a:t>
           </a:r>
           <a:r>
             <a:rPr lang="zh-CN" dirty="0"/>
@@ -1053,8 +1057,8 @@
         <a:lstStyle/>
         <a:p>
           <a:r>
-            <a:rPr lang="en-US" dirty="0"/>
-            <a:t>7</a:t>
+            <a:rPr lang="en-US" altLang="zh-CN" dirty="0"/>
+            <a:t>6</a:t>
           </a:r>
           <a:r>
             <a:rPr lang="zh-CN" dirty="0"/>
@@ -1098,8 +1102,8 @@
         <a:lstStyle/>
         <a:p>
           <a:r>
-            <a:rPr lang="en-US" dirty="0"/>
-            <a:t>3</a:t>
+            <a:rPr lang="en-US" altLang="zh-CN" dirty="0"/>
+            <a:t>2</a:t>
           </a:r>
           <a:r>
             <a:rPr lang="zh-CN" dirty="0"/>
@@ -1143,8 +1147,8 @@
         <a:lstStyle/>
         <a:p>
           <a:r>
-            <a:rPr lang="en-US" dirty="0"/>
-            <a:t>4</a:t>
+            <a:rPr lang="en-US" altLang="zh-CN" dirty="0"/>
+            <a:t>3</a:t>
           </a:r>
           <a:r>
             <a:rPr lang="zh-CN" dirty="0"/>
@@ -1180,51 +1184,6 @@
         </a:p>
       </dgm:t>
     </dgm:pt>
-    <dgm:pt modelId="{0D4DE89A-E67D-468F-82DF-439B403F9F0B}">
-      <dgm:prSet/>
-      <dgm:spPr/>
-      <dgm:t>
-        <a:bodyPr/>
-        <a:lstStyle/>
-        <a:p>
-          <a:r>
-            <a:rPr lang="en-US" dirty="0"/>
-            <a:t>1</a:t>
-          </a:r>
-          <a:r>
-            <a:rPr lang="zh-CN" dirty="0"/>
-            <a:t>．</a:t>
-          </a:r>
-          <a:r>
-            <a:rPr lang="zh-CN" altLang="en-US" dirty="0"/>
-            <a:t>回顾</a:t>
-          </a:r>
-          <a:endParaRPr lang="en-US" dirty="0"/>
-        </a:p>
-      </dgm:t>
-    </dgm:pt>
-    <dgm:pt modelId="{E3102972-B395-4DAF-811C-C0E5C4A84744}" type="parTrans" cxnId="{A3E414C0-700C-43F5-8A4E-91237D40FF4D}">
-      <dgm:prSet/>
-      <dgm:spPr/>
-      <dgm:t>
-        <a:bodyPr/>
-        <a:lstStyle/>
-        <a:p>
-          <a:endParaRPr lang="zh-CN" altLang="en-US"/>
-        </a:p>
-      </dgm:t>
-    </dgm:pt>
-    <dgm:pt modelId="{15C7218E-1A2E-42B5-B4E9-28C891B5859B}" type="sibTrans" cxnId="{A3E414C0-700C-43F5-8A4E-91237D40FF4D}">
-      <dgm:prSet/>
-      <dgm:spPr/>
-      <dgm:t>
-        <a:bodyPr/>
-        <a:lstStyle/>
-        <a:p>
-          <a:endParaRPr lang="zh-CN" altLang="en-US"/>
-        </a:p>
-      </dgm:t>
-    </dgm:pt>
     <dgm:pt modelId="{16C4A9B8-6EFE-4EE6-A024-B6B528189985}" type="pres">
       <dgm:prSet presAssocID="{61344293-A1DE-4EC5-9A38-FAB9B9B4968C}" presName="vert0" presStyleCnt="0">
         <dgm:presLayoutVars>
@@ -1235,24 +1194,8 @@
       </dgm:prSet>
       <dgm:spPr/>
     </dgm:pt>
-    <dgm:pt modelId="{58D3C9B4-208D-4FAC-ACD5-23155D4EBE4F}" type="pres">
-      <dgm:prSet presAssocID="{0D4DE89A-E67D-468F-82DF-439B403F9F0B}" presName="thickLine" presStyleLbl="alignNode1" presStyleIdx="0" presStyleCnt="7"/>
-      <dgm:spPr/>
-    </dgm:pt>
-    <dgm:pt modelId="{041E323B-6CCC-4421-9742-86CC404134E0}" type="pres">
-      <dgm:prSet presAssocID="{0D4DE89A-E67D-468F-82DF-439B403F9F0B}" presName="horz1" presStyleCnt="0"/>
-      <dgm:spPr/>
-    </dgm:pt>
-    <dgm:pt modelId="{2948C901-2ED1-4C42-88CC-BB491B9C8623}" type="pres">
-      <dgm:prSet presAssocID="{0D4DE89A-E67D-468F-82DF-439B403F9F0B}" presName="tx1" presStyleLbl="revTx" presStyleIdx="0" presStyleCnt="7"/>
-      <dgm:spPr/>
-    </dgm:pt>
-    <dgm:pt modelId="{D46B7195-36CE-4AFD-9A23-A0BA1E6274FA}" type="pres">
-      <dgm:prSet presAssocID="{0D4DE89A-E67D-468F-82DF-439B403F9F0B}" presName="vert1" presStyleCnt="0"/>
-      <dgm:spPr/>
-    </dgm:pt>
     <dgm:pt modelId="{BB10B3FE-71B2-44C4-9881-9B1B6C4ED30A}" type="pres">
-      <dgm:prSet presAssocID="{1FA03D0B-431E-4552-972E-930F5F39D8D4}" presName="thickLine" presStyleLbl="alignNode1" presStyleIdx="1" presStyleCnt="7"/>
+      <dgm:prSet presAssocID="{1FA03D0B-431E-4552-972E-930F5F39D8D4}" presName="thickLine" presStyleLbl="alignNode1" presStyleIdx="0" presStyleCnt="6"/>
       <dgm:spPr/>
     </dgm:pt>
     <dgm:pt modelId="{963CAB5B-C43A-4ACF-989E-11E2303E77FD}" type="pres">
@@ -1260,7 +1203,7 @@
       <dgm:spPr/>
     </dgm:pt>
     <dgm:pt modelId="{FC9D7768-4563-493E-B454-DDCFD4BDB902}" type="pres">
-      <dgm:prSet presAssocID="{1FA03D0B-431E-4552-972E-930F5F39D8D4}" presName="tx1" presStyleLbl="revTx" presStyleIdx="1" presStyleCnt="7"/>
+      <dgm:prSet presAssocID="{1FA03D0B-431E-4552-972E-930F5F39D8D4}" presName="tx1" presStyleLbl="revTx" presStyleIdx="0" presStyleCnt="6"/>
       <dgm:spPr/>
     </dgm:pt>
     <dgm:pt modelId="{AD1CF356-254A-496B-8B30-7E65A8D385E9}" type="pres">
@@ -1268,7 +1211,7 @@
       <dgm:spPr/>
     </dgm:pt>
     <dgm:pt modelId="{DF0B91BF-B4CA-4353-8D74-953111AFF567}" type="pres">
-      <dgm:prSet presAssocID="{F4D98294-6926-4BC8-9678-4AE0179FD98D}" presName="thickLine" presStyleLbl="alignNode1" presStyleIdx="2" presStyleCnt="7"/>
+      <dgm:prSet presAssocID="{F4D98294-6926-4BC8-9678-4AE0179FD98D}" presName="thickLine" presStyleLbl="alignNode1" presStyleIdx="1" presStyleCnt="6"/>
       <dgm:spPr/>
     </dgm:pt>
     <dgm:pt modelId="{A98FBA0E-0CB2-4998-B8F8-C375C5C16B25}" type="pres">
@@ -1276,7 +1219,7 @@
       <dgm:spPr/>
     </dgm:pt>
     <dgm:pt modelId="{BB3D9FB9-476E-49C0-B80D-9BE2F7650722}" type="pres">
-      <dgm:prSet presAssocID="{F4D98294-6926-4BC8-9678-4AE0179FD98D}" presName="tx1" presStyleLbl="revTx" presStyleIdx="2" presStyleCnt="7"/>
+      <dgm:prSet presAssocID="{F4D98294-6926-4BC8-9678-4AE0179FD98D}" presName="tx1" presStyleLbl="revTx" presStyleIdx="1" presStyleCnt="6"/>
       <dgm:spPr/>
     </dgm:pt>
     <dgm:pt modelId="{D99806E3-20C1-4E7F-8374-0210A0C1A8AE}" type="pres">
@@ -1284,7 +1227,7 @@
       <dgm:spPr/>
     </dgm:pt>
     <dgm:pt modelId="{95001912-062E-4B5A-8EC6-8187415768D3}" type="pres">
-      <dgm:prSet presAssocID="{F26DE089-A9FD-4546-96AF-71432FD40C75}" presName="thickLine" presStyleLbl="alignNode1" presStyleIdx="3" presStyleCnt="7"/>
+      <dgm:prSet presAssocID="{F26DE089-A9FD-4546-96AF-71432FD40C75}" presName="thickLine" presStyleLbl="alignNode1" presStyleIdx="2" presStyleCnt="6"/>
       <dgm:spPr/>
     </dgm:pt>
     <dgm:pt modelId="{B3003E84-12F6-4FAE-BACB-0A89DBED0137}" type="pres">
@@ -1292,7 +1235,7 @@
       <dgm:spPr/>
     </dgm:pt>
     <dgm:pt modelId="{4115A148-7C9F-4251-95F8-2A051B52D5AC}" type="pres">
-      <dgm:prSet presAssocID="{F26DE089-A9FD-4546-96AF-71432FD40C75}" presName="tx1" presStyleLbl="revTx" presStyleIdx="3" presStyleCnt="7"/>
+      <dgm:prSet presAssocID="{F26DE089-A9FD-4546-96AF-71432FD40C75}" presName="tx1" presStyleLbl="revTx" presStyleIdx="2" presStyleCnt="6"/>
       <dgm:spPr/>
     </dgm:pt>
     <dgm:pt modelId="{394814FA-CDAF-4CC8-8109-62E7A5FA331D}" type="pres">
@@ -1300,7 +1243,7 @@
       <dgm:spPr/>
     </dgm:pt>
     <dgm:pt modelId="{1D5B3A02-00A6-473F-B5E2-9397402134CE}" type="pres">
-      <dgm:prSet presAssocID="{CBCE7A0C-1162-4DD8-8348-0E467EC325E0}" presName="thickLine" presStyleLbl="alignNode1" presStyleIdx="4" presStyleCnt="7"/>
+      <dgm:prSet presAssocID="{CBCE7A0C-1162-4DD8-8348-0E467EC325E0}" presName="thickLine" presStyleLbl="alignNode1" presStyleIdx="3" presStyleCnt="6"/>
       <dgm:spPr/>
     </dgm:pt>
     <dgm:pt modelId="{CC891E2F-B6BA-495F-9368-4A8F307D8BC8}" type="pres">
@@ -1308,7 +1251,7 @@
       <dgm:spPr/>
     </dgm:pt>
     <dgm:pt modelId="{CF187C55-D274-4C80-A81A-7C74892EF144}" type="pres">
-      <dgm:prSet presAssocID="{CBCE7A0C-1162-4DD8-8348-0E467EC325E0}" presName="tx1" presStyleLbl="revTx" presStyleIdx="4" presStyleCnt="7"/>
+      <dgm:prSet presAssocID="{CBCE7A0C-1162-4DD8-8348-0E467EC325E0}" presName="tx1" presStyleLbl="revTx" presStyleIdx="3" presStyleCnt="6"/>
       <dgm:spPr/>
     </dgm:pt>
     <dgm:pt modelId="{6B0C92B1-B619-46DC-9D61-064133EACD45}" type="pres">
@@ -1316,7 +1259,7 @@
       <dgm:spPr/>
     </dgm:pt>
     <dgm:pt modelId="{165A2E05-853A-4796-A4F7-9A222BA428E6}" type="pres">
-      <dgm:prSet presAssocID="{390B9C77-7995-4357-AF04-9565041C9BF1}" presName="thickLine" presStyleLbl="alignNode1" presStyleIdx="5" presStyleCnt="7"/>
+      <dgm:prSet presAssocID="{390B9C77-7995-4357-AF04-9565041C9BF1}" presName="thickLine" presStyleLbl="alignNode1" presStyleIdx="4" presStyleCnt="6"/>
       <dgm:spPr/>
     </dgm:pt>
     <dgm:pt modelId="{F851A241-F911-4F81-BFE1-7EF44193B511}" type="pres">
@@ -1324,7 +1267,7 @@
       <dgm:spPr/>
     </dgm:pt>
     <dgm:pt modelId="{6D455BFA-CC98-472A-BB95-E26F8322A529}" type="pres">
-      <dgm:prSet presAssocID="{390B9C77-7995-4357-AF04-9565041C9BF1}" presName="tx1" presStyleLbl="revTx" presStyleIdx="5" presStyleCnt="7"/>
+      <dgm:prSet presAssocID="{390B9C77-7995-4357-AF04-9565041C9BF1}" presName="tx1" presStyleLbl="revTx" presStyleIdx="4" presStyleCnt="6"/>
       <dgm:spPr/>
     </dgm:pt>
     <dgm:pt modelId="{6566A669-B31A-4342-B2F2-E8D66C00D8D2}" type="pres">
@@ -1332,7 +1275,7 @@
       <dgm:spPr/>
     </dgm:pt>
     <dgm:pt modelId="{7614DB1E-CC9D-4EDF-AD13-F408C753FE43}" type="pres">
-      <dgm:prSet presAssocID="{141B5341-4F8F-4B74-854E-A5FBA43D6D1E}" presName="thickLine" presStyleLbl="alignNode1" presStyleIdx="6" presStyleCnt="7"/>
+      <dgm:prSet presAssocID="{141B5341-4F8F-4B74-854E-A5FBA43D6D1E}" presName="thickLine" presStyleLbl="alignNode1" presStyleIdx="5" presStyleCnt="6"/>
       <dgm:spPr/>
     </dgm:pt>
     <dgm:pt modelId="{170ADD95-F712-4A0E-A2F3-94840C73F1E0}" type="pres">
@@ -1340,7 +1283,7 @@
       <dgm:spPr/>
     </dgm:pt>
     <dgm:pt modelId="{733AD6BA-9EF6-487F-AE39-A6AB87079B67}" type="pres">
-      <dgm:prSet presAssocID="{141B5341-4F8F-4B74-854E-A5FBA43D6D1E}" presName="tx1" presStyleLbl="revTx" presStyleIdx="6" presStyleCnt="7"/>
+      <dgm:prSet presAssocID="{141B5341-4F8F-4B74-854E-A5FBA43D6D1E}" presName="tx1" presStyleLbl="revTx" presStyleIdx="5" presStyleCnt="6"/>
       <dgm:spPr/>
     </dgm:pt>
     <dgm:pt modelId="{5F0C84B1-2009-464B-89D6-B90556266101}" type="pres">
@@ -1349,47 +1292,41 @@
     </dgm:pt>
   </dgm:ptLst>
   <dgm:cxnLst>
-    <dgm:cxn modelId="{25EC110C-6EF6-4C65-80E0-1871BBCC94F3}" srcId="{61344293-A1DE-4EC5-9A38-FAB9B9B4968C}" destId="{390B9C77-7995-4357-AF04-9565041C9BF1}" srcOrd="5" destOrd="0" parTransId="{EE403F8B-8568-4987-80D7-7FB2D18D7D16}" sibTransId="{290EC355-F468-41D9-90C5-D907CF21D967}"/>
-    <dgm:cxn modelId="{D51ECB21-5218-49D4-980D-D86570A78CC9}" srcId="{61344293-A1DE-4EC5-9A38-FAB9B9B4968C}" destId="{141B5341-4F8F-4B74-854E-A5FBA43D6D1E}" srcOrd="6" destOrd="0" parTransId="{856EFA81-5ECF-4D6F-A8FF-5EA95BCEAF47}" sibTransId="{7A5DD433-F8FE-43BF-B663-090CAB808284}"/>
-    <dgm:cxn modelId="{FC96EF33-F0CD-420E-9A7B-30F9B6896026}" srcId="{61344293-A1DE-4EC5-9A38-FAB9B9B4968C}" destId="{F4D98294-6926-4BC8-9678-4AE0179FD98D}" srcOrd="2" destOrd="0" parTransId="{A14163C1-0CF1-4D38-B620-EB744E35794C}" sibTransId="{3796F5A7-8CBE-40D5-9D1D-9C0979F64A9C}"/>
-    <dgm:cxn modelId="{72C78C39-D2FD-4657-A685-C850D72D9035}" srcId="{61344293-A1DE-4EC5-9A38-FAB9B9B4968C}" destId="{1FA03D0B-431E-4552-972E-930F5F39D8D4}" srcOrd="1" destOrd="0" parTransId="{DCA24973-8AA7-41B9-9B6A-AC4F09257488}" sibTransId="{7A188E71-997C-494E-B9C2-BAD4C716D4A0}"/>
+    <dgm:cxn modelId="{25EC110C-6EF6-4C65-80E0-1871BBCC94F3}" srcId="{61344293-A1DE-4EC5-9A38-FAB9B9B4968C}" destId="{390B9C77-7995-4357-AF04-9565041C9BF1}" srcOrd="4" destOrd="0" parTransId="{EE403F8B-8568-4987-80D7-7FB2D18D7D16}" sibTransId="{290EC355-F468-41D9-90C5-D907CF21D967}"/>
+    <dgm:cxn modelId="{D51ECB21-5218-49D4-980D-D86570A78CC9}" srcId="{61344293-A1DE-4EC5-9A38-FAB9B9B4968C}" destId="{141B5341-4F8F-4B74-854E-A5FBA43D6D1E}" srcOrd="5" destOrd="0" parTransId="{856EFA81-5ECF-4D6F-A8FF-5EA95BCEAF47}" sibTransId="{7A5DD433-F8FE-43BF-B663-090CAB808284}"/>
+    <dgm:cxn modelId="{FC96EF33-F0CD-420E-9A7B-30F9B6896026}" srcId="{61344293-A1DE-4EC5-9A38-FAB9B9B4968C}" destId="{F4D98294-6926-4BC8-9678-4AE0179FD98D}" srcOrd="1" destOrd="0" parTransId="{A14163C1-0CF1-4D38-B620-EB744E35794C}" sibTransId="{3796F5A7-8CBE-40D5-9D1D-9C0979F64A9C}"/>
+    <dgm:cxn modelId="{72C78C39-D2FD-4657-A685-C850D72D9035}" srcId="{61344293-A1DE-4EC5-9A38-FAB9B9B4968C}" destId="{1FA03D0B-431E-4552-972E-930F5F39D8D4}" srcOrd="0" destOrd="0" parTransId="{DCA24973-8AA7-41B9-9B6A-AC4F09257488}" sibTransId="{7A188E71-997C-494E-B9C2-BAD4C716D4A0}"/>
     <dgm:cxn modelId="{A9CD8E45-8868-446C-87E7-FD9639311884}" type="presOf" srcId="{CBCE7A0C-1162-4DD8-8348-0E467EC325E0}" destId="{CF187C55-D274-4C80-A81A-7C74892EF144}" srcOrd="0" destOrd="0" presId="urn:microsoft.com/office/officeart/2008/layout/LinedList"/>
-    <dgm:cxn modelId="{6F74CE48-579E-431D-9583-58A5F2ED3C85}" srcId="{61344293-A1DE-4EC5-9A38-FAB9B9B4968C}" destId="{F26DE089-A9FD-4546-96AF-71432FD40C75}" srcOrd="3" destOrd="0" parTransId="{1A63B470-973A-4426-A553-6A92D4588D20}" sibTransId="{F05992B1-9FD4-41E0-8709-1F3CDB8109B3}"/>
+    <dgm:cxn modelId="{6F74CE48-579E-431D-9583-58A5F2ED3C85}" srcId="{61344293-A1DE-4EC5-9A38-FAB9B9B4968C}" destId="{F26DE089-A9FD-4546-96AF-71432FD40C75}" srcOrd="2" destOrd="0" parTransId="{1A63B470-973A-4426-A553-6A92D4588D20}" sibTransId="{F05992B1-9FD4-41E0-8709-1F3CDB8109B3}"/>
     <dgm:cxn modelId="{33D50369-788E-49A7-8974-C3AD880B79B4}" type="presOf" srcId="{61344293-A1DE-4EC5-9A38-FAB9B9B4968C}" destId="{16C4A9B8-6EFE-4EE6-A024-B6B528189985}" srcOrd="0" destOrd="0" presId="urn:microsoft.com/office/officeart/2008/layout/LinedList"/>
-    <dgm:cxn modelId="{ECC8DF54-B39F-4728-BA29-92F0EF09C406}" type="presOf" srcId="{0D4DE89A-E67D-468F-82DF-439B403F9F0B}" destId="{2948C901-2ED1-4C42-88CC-BB491B9C8623}" srcOrd="0" destOrd="0" presId="urn:microsoft.com/office/officeart/2008/layout/LinedList"/>
     <dgm:cxn modelId="{7F5EA755-5397-447E-8563-35AA830B062F}" type="presOf" srcId="{F26DE089-A9FD-4546-96AF-71432FD40C75}" destId="{4115A148-7C9F-4251-95F8-2A051B52D5AC}" srcOrd="0" destOrd="0" presId="urn:microsoft.com/office/officeart/2008/layout/LinedList"/>
     <dgm:cxn modelId="{019B2B88-52C0-44DC-A31D-EB539DDD5F9C}" type="presOf" srcId="{F4D98294-6926-4BC8-9678-4AE0179FD98D}" destId="{BB3D9FB9-476E-49C0-B80D-9BE2F7650722}" srcOrd="0" destOrd="0" presId="urn:microsoft.com/office/officeart/2008/layout/LinedList"/>
     <dgm:cxn modelId="{6A2EA8A9-EBEF-48E7-B9F2-7CB1FDE358E5}" type="presOf" srcId="{390B9C77-7995-4357-AF04-9565041C9BF1}" destId="{6D455BFA-CC98-472A-BB95-E26F8322A529}" srcOrd="0" destOrd="0" presId="urn:microsoft.com/office/officeart/2008/layout/LinedList"/>
     <dgm:cxn modelId="{8E1C14AC-2079-4A12-AF3E-1349383E49D1}" type="presOf" srcId="{141B5341-4F8F-4B74-854E-A5FBA43D6D1E}" destId="{733AD6BA-9EF6-487F-AE39-A6AB87079B67}" srcOrd="0" destOrd="0" presId="urn:microsoft.com/office/officeart/2008/layout/LinedList"/>
-    <dgm:cxn modelId="{A3E414C0-700C-43F5-8A4E-91237D40FF4D}" srcId="{61344293-A1DE-4EC5-9A38-FAB9B9B4968C}" destId="{0D4DE89A-E67D-468F-82DF-439B403F9F0B}" srcOrd="0" destOrd="0" parTransId="{E3102972-B395-4DAF-811C-C0E5C4A84744}" sibTransId="{15C7218E-1A2E-42B5-B4E9-28C891B5859B}"/>
-    <dgm:cxn modelId="{97F1CCC4-1B19-4070-8C49-D818B7D503A3}" srcId="{61344293-A1DE-4EC5-9A38-FAB9B9B4968C}" destId="{CBCE7A0C-1162-4DD8-8348-0E467EC325E0}" srcOrd="4" destOrd="0" parTransId="{041D4F31-93BC-4168-A092-8AACF0FAE0A1}" sibTransId="{932E490C-516F-4D6F-9F44-B7FE8A9CCDAD}"/>
+    <dgm:cxn modelId="{97F1CCC4-1B19-4070-8C49-D818B7D503A3}" srcId="{61344293-A1DE-4EC5-9A38-FAB9B9B4968C}" destId="{CBCE7A0C-1162-4DD8-8348-0E467EC325E0}" srcOrd="3" destOrd="0" parTransId="{041D4F31-93BC-4168-A092-8AACF0FAE0A1}" sibTransId="{932E490C-516F-4D6F-9F44-B7FE8A9CCDAD}"/>
     <dgm:cxn modelId="{9DD076D9-AC81-439C-A348-2FB3AC572D0A}" type="presOf" srcId="{1FA03D0B-431E-4552-972E-930F5F39D8D4}" destId="{FC9D7768-4563-493E-B454-DDCFD4BDB902}" srcOrd="0" destOrd="0" presId="urn:microsoft.com/office/officeart/2008/layout/LinedList"/>
-    <dgm:cxn modelId="{498382D8-6AD4-442D-A5D7-70B91FFA856B}" type="presParOf" srcId="{16C4A9B8-6EFE-4EE6-A024-B6B528189985}" destId="{58D3C9B4-208D-4FAC-ACD5-23155D4EBE4F}" srcOrd="0" destOrd="0" presId="urn:microsoft.com/office/officeart/2008/layout/LinedList"/>
-    <dgm:cxn modelId="{51AA82C6-59B9-487C-8ADB-6342F29B16A0}" type="presParOf" srcId="{16C4A9B8-6EFE-4EE6-A024-B6B528189985}" destId="{041E323B-6CCC-4421-9742-86CC404134E0}" srcOrd="1" destOrd="0" presId="urn:microsoft.com/office/officeart/2008/layout/LinedList"/>
-    <dgm:cxn modelId="{AB9AADB4-63C0-488F-92C0-3526BCFCD1F7}" type="presParOf" srcId="{041E323B-6CCC-4421-9742-86CC404134E0}" destId="{2948C901-2ED1-4C42-88CC-BB491B9C8623}" srcOrd="0" destOrd="0" presId="urn:microsoft.com/office/officeart/2008/layout/LinedList"/>
-    <dgm:cxn modelId="{F0247E1D-F811-43E1-8529-D6F95D45BB2C}" type="presParOf" srcId="{041E323B-6CCC-4421-9742-86CC404134E0}" destId="{D46B7195-36CE-4AFD-9A23-A0BA1E6274FA}" srcOrd="1" destOrd="0" presId="urn:microsoft.com/office/officeart/2008/layout/LinedList"/>
-    <dgm:cxn modelId="{77DD7C31-63B6-4C01-8761-9C15C8F9BD45}" type="presParOf" srcId="{16C4A9B8-6EFE-4EE6-A024-B6B528189985}" destId="{BB10B3FE-71B2-44C4-9881-9B1B6C4ED30A}" srcOrd="2" destOrd="0" presId="urn:microsoft.com/office/officeart/2008/layout/LinedList"/>
-    <dgm:cxn modelId="{5796BB8F-5EC0-4417-999B-DAFF62576680}" type="presParOf" srcId="{16C4A9B8-6EFE-4EE6-A024-B6B528189985}" destId="{963CAB5B-C43A-4ACF-989E-11E2303E77FD}" srcOrd="3" destOrd="0" presId="urn:microsoft.com/office/officeart/2008/layout/LinedList"/>
+    <dgm:cxn modelId="{77DD7C31-63B6-4C01-8761-9C15C8F9BD45}" type="presParOf" srcId="{16C4A9B8-6EFE-4EE6-A024-B6B528189985}" destId="{BB10B3FE-71B2-44C4-9881-9B1B6C4ED30A}" srcOrd="0" destOrd="0" presId="urn:microsoft.com/office/officeart/2008/layout/LinedList"/>
+    <dgm:cxn modelId="{5796BB8F-5EC0-4417-999B-DAFF62576680}" type="presParOf" srcId="{16C4A9B8-6EFE-4EE6-A024-B6B528189985}" destId="{963CAB5B-C43A-4ACF-989E-11E2303E77FD}" srcOrd="1" destOrd="0" presId="urn:microsoft.com/office/officeart/2008/layout/LinedList"/>
     <dgm:cxn modelId="{C9007472-206A-4E90-B7D8-3FA684009B81}" type="presParOf" srcId="{963CAB5B-C43A-4ACF-989E-11E2303E77FD}" destId="{FC9D7768-4563-493E-B454-DDCFD4BDB902}" srcOrd="0" destOrd="0" presId="urn:microsoft.com/office/officeart/2008/layout/LinedList"/>
     <dgm:cxn modelId="{A9311CA7-45EE-4330-9BDE-FAE31D1D7299}" type="presParOf" srcId="{963CAB5B-C43A-4ACF-989E-11E2303E77FD}" destId="{AD1CF356-254A-496B-8B30-7E65A8D385E9}" srcOrd="1" destOrd="0" presId="urn:microsoft.com/office/officeart/2008/layout/LinedList"/>
-    <dgm:cxn modelId="{4B6BE807-7046-4E96-B9F0-22CA025E5033}" type="presParOf" srcId="{16C4A9B8-6EFE-4EE6-A024-B6B528189985}" destId="{DF0B91BF-B4CA-4353-8D74-953111AFF567}" srcOrd="4" destOrd="0" presId="urn:microsoft.com/office/officeart/2008/layout/LinedList"/>
-    <dgm:cxn modelId="{44C69DC1-1671-45B6-AAB0-B2A7357B0997}" type="presParOf" srcId="{16C4A9B8-6EFE-4EE6-A024-B6B528189985}" destId="{A98FBA0E-0CB2-4998-B8F8-C375C5C16B25}" srcOrd="5" destOrd="0" presId="urn:microsoft.com/office/officeart/2008/layout/LinedList"/>
+    <dgm:cxn modelId="{4B6BE807-7046-4E96-B9F0-22CA025E5033}" type="presParOf" srcId="{16C4A9B8-6EFE-4EE6-A024-B6B528189985}" destId="{DF0B91BF-B4CA-4353-8D74-953111AFF567}" srcOrd="2" destOrd="0" presId="urn:microsoft.com/office/officeart/2008/layout/LinedList"/>
+    <dgm:cxn modelId="{44C69DC1-1671-45B6-AAB0-B2A7357B0997}" type="presParOf" srcId="{16C4A9B8-6EFE-4EE6-A024-B6B528189985}" destId="{A98FBA0E-0CB2-4998-B8F8-C375C5C16B25}" srcOrd="3" destOrd="0" presId="urn:microsoft.com/office/officeart/2008/layout/LinedList"/>
     <dgm:cxn modelId="{ECD958D5-5D62-44E3-AAF8-8DC03FDF0F62}" type="presParOf" srcId="{A98FBA0E-0CB2-4998-B8F8-C375C5C16B25}" destId="{BB3D9FB9-476E-49C0-B80D-9BE2F7650722}" srcOrd="0" destOrd="0" presId="urn:microsoft.com/office/officeart/2008/layout/LinedList"/>
     <dgm:cxn modelId="{16AACF43-8FAF-466C-B78E-67214FEED475}" type="presParOf" srcId="{A98FBA0E-0CB2-4998-B8F8-C375C5C16B25}" destId="{D99806E3-20C1-4E7F-8374-0210A0C1A8AE}" srcOrd="1" destOrd="0" presId="urn:microsoft.com/office/officeart/2008/layout/LinedList"/>
-    <dgm:cxn modelId="{301BE242-ADF5-4BC9-81ED-1DB255CB30EB}" type="presParOf" srcId="{16C4A9B8-6EFE-4EE6-A024-B6B528189985}" destId="{95001912-062E-4B5A-8EC6-8187415768D3}" srcOrd="6" destOrd="0" presId="urn:microsoft.com/office/officeart/2008/layout/LinedList"/>
-    <dgm:cxn modelId="{90333F6C-A180-4746-BE38-B4504BB7E6DF}" type="presParOf" srcId="{16C4A9B8-6EFE-4EE6-A024-B6B528189985}" destId="{B3003E84-12F6-4FAE-BACB-0A89DBED0137}" srcOrd="7" destOrd="0" presId="urn:microsoft.com/office/officeart/2008/layout/LinedList"/>
+    <dgm:cxn modelId="{301BE242-ADF5-4BC9-81ED-1DB255CB30EB}" type="presParOf" srcId="{16C4A9B8-6EFE-4EE6-A024-B6B528189985}" destId="{95001912-062E-4B5A-8EC6-8187415768D3}" srcOrd="4" destOrd="0" presId="urn:microsoft.com/office/officeart/2008/layout/LinedList"/>
+    <dgm:cxn modelId="{90333F6C-A180-4746-BE38-B4504BB7E6DF}" type="presParOf" srcId="{16C4A9B8-6EFE-4EE6-A024-B6B528189985}" destId="{B3003E84-12F6-4FAE-BACB-0A89DBED0137}" srcOrd="5" destOrd="0" presId="urn:microsoft.com/office/officeart/2008/layout/LinedList"/>
     <dgm:cxn modelId="{944502BC-9C91-483D-A001-15AADFAB98A3}" type="presParOf" srcId="{B3003E84-12F6-4FAE-BACB-0A89DBED0137}" destId="{4115A148-7C9F-4251-95F8-2A051B52D5AC}" srcOrd="0" destOrd="0" presId="urn:microsoft.com/office/officeart/2008/layout/LinedList"/>
     <dgm:cxn modelId="{37FB537E-FD0E-48CC-BD7C-88C9DEEA36A9}" type="presParOf" srcId="{B3003E84-12F6-4FAE-BACB-0A89DBED0137}" destId="{394814FA-CDAF-4CC8-8109-62E7A5FA331D}" srcOrd="1" destOrd="0" presId="urn:microsoft.com/office/officeart/2008/layout/LinedList"/>
-    <dgm:cxn modelId="{F5B15186-2A7A-49FB-9356-C83EC97A9FD6}" type="presParOf" srcId="{16C4A9B8-6EFE-4EE6-A024-B6B528189985}" destId="{1D5B3A02-00A6-473F-B5E2-9397402134CE}" srcOrd="8" destOrd="0" presId="urn:microsoft.com/office/officeart/2008/layout/LinedList"/>
-    <dgm:cxn modelId="{8F7E89ED-28BE-4183-BA13-EEB59BED6605}" type="presParOf" srcId="{16C4A9B8-6EFE-4EE6-A024-B6B528189985}" destId="{CC891E2F-B6BA-495F-9368-4A8F307D8BC8}" srcOrd="9" destOrd="0" presId="urn:microsoft.com/office/officeart/2008/layout/LinedList"/>
+    <dgm:cxn modelId="{F5B15186-2A7A-49FB-9356-C83EC97A9FD6}" type="presParOf" srcId="{16C4A9B8-6EFE-4EE6-A024-B6B528189985}" destId="{1D5B3A02-00A6-473F-B5E2-9397402134CE}" srcOrd="6" destOrd="0" presId="urn:microsoft.com/office/officeart/2008/layout/LinedList"/>
+    <dgm:cxn modelId="{8F7E89ED-28BE-4183-BA13-EEB59BED6605}" type="presParOf" srcId="{16C4A9B8-6EFE-4EE6-A024-B6B528189985}" destId="{CC891E2F-B6BA-495F-9368-4A8F307D8BC8}" srcOrd="7" destOrd="0" presId="urn:microsoft.com/office/officeart/2008/layout/LinedList"/>
     <dgm:cxn modelId="{3670ABE4-FEA3-4457-820C-C811F517BCB0}" type="presParOf" srcId="{CC891E2F-B6BA-495F-9368-4A8F307D8BC8}" destId="{CF187C55-D274-4C80-A81A-7C74892EF144}" srcOrd="0" destOrd="0" presId="urn:microsoft.com/office/officeart/2008/layout/LinedList"/>
     <dgm:cxn modelId="{E283141D-7B34-47F0-95DD-788E143A2AA4}" type="presParOf" srcId="{CC891E2F-B6BA-495F-9368-4A8F307D8BC8}" destId="{6B0C92B1-B619-46DC-9D61-064133EACD45}" srcOrd="1" destOrd="0" presId="urn:microsoft.com/office/officeart/2008/layout/LinedList"/>
-    <dgm:cxn modelId="{1D74B7F3-829D-4904-9BC2-0032F89A6F58}" type="presParOf" srcId="{16C4A9B8-6EFE-4EE6-A024-B6B528189985}" destId="{165A2E05-853A-4796-A4F7-9A222BA428E6}" srcOrd="10" destOrd="0" presId="urn:microsoft.com/office/officeart/2008/layout/LinedList"/>
-    <dgm:cxn modelId="{C5860983-C04E-459A-A25C-50947DFAB7EF}" type="presParOf" srcId="{16C4A9B8-6EFE-4EE6-A024-B6B528189985}" destId="{F851A241-F911-4F81-BFE1-7EF44193B511}" srcOrd="11" destOrd="0" presId="urn:microsoft.com/office/officeart/2008/layout/LinedList"/>
+    <dgm:cxn modelId="{1D74B7F3-829D-4904-9BC2-0032F89A6F58}" type="presParOf" srcId="{16C4A9B8-6EFE-4EE6-A024-B6B528189985}" destId="{165A2E05-853A-4796-A4F7-9A222BA428E6}" srcOrd="8" destOrd="0" presId="urn:microsoft.com/office/officeart/2008/layout/LinedList"/>
+    <dgm:cxn modelId="{C5860983-C04E-459A-A25C-50947DFAB7EF}" type="presParOf" srcId="{16C4A9B8-6EFE-4EE6-A024-B6B528189985}" destId="{F851A241-F911-4F81-BFE1-7EF44193B511}" srcOrd="9" destOrd="0" presId="urn:microsoft.com/office/officeart/2008/layout/LinedList"/>
     <dgm:cxn modelId="{95173033-9C70-4DDC-B319-342D09E7C1D3}" type="presParOf" srcId="{F851A241-F911-4F81-BFE1-7EF44193B511}" destId="{6D455BFA-CC98-472A-BB95-E26F8322A529}" srcOrd="0" destOrd="0" presId="urn:microsoft.com/office/officeart/2008/layout/LinedList"/>
     <dgm:cxn modelId="{9B63A89C-86FF-4B2D-9C91-3CAB85E3C02E}" type="presParOf" srcId="{F851A241-F911-4F81-BFE1-7EF44193B511}" destId="{6566A669-B31A-4342-B2F2-E8D66C00D8D2}" srcOrd="1" destOrd="0" presId="urn:microsoft.com/office/officeart/2008/layout/LinedList"/>
-    <dgm:cxn modelId="{6F8CBB51-77B6-4613-8CEC-7AE340B1D688}" type="presParOf" srcId="{16C4A9B8-6EFE-4EE6-A024-B6B528189985}" destId="{7614DB1E-CC9D-4EDF-AD13-F408C753FE43}" srcOrd="12" destOrd="0" presId="urn:microsoft.com/office/officeart/2008/layout/LinedList"/>
-    <dgm:cxn modelId="{E4B17F9C-2970-4AAD-8C70-4C3F1E5527E5}" type="presParOf" srcId="{16C4A9B8-6EFE-4EE6-A024-B6B528189985}" destId="{170ADD95-F712-4A0E-A2F3-94840C73F1E0}" srcOrd="13" destOrd="0" presId="urn:microsoft.com/office/officeart/2008/layout/LinedList"/>
+    <dgm:cxn modelId="{6F8CBB51-77B6-4613-8CEC-7AE340B1D688}" type="presParOf" srcId="{16C4A9B8-6EFE-4EE6-A024-B6B528189985}" destId="{7614DB1E-CC9D-4EDF-AD13-F408C753FE43}" srcOrd="10" destOrd="0" presId="urn:microsoft.com/office/officeart/2008/layout/LinedList"/>
+    <dgm:cxn modelId="{E4B17F9C-2970-4AAD-8C70-4C3F1E5527E5}" type="presParOf" srcId="{16C4A9B8-6EFE-4EE6-A024-B6B528189985}" destId="{170ADD95-F712-4A0E-A2F3-94840C73F1E0}" srcOrd="11" destOrd="0" presId="urn:microsoft.com/office/officeart/2008/layout/LinedList"/>
     <dgm:cxn modelId="{ACBEDF12-E4D8-4F3B-9216-5729E93E70FC}" type="presParOf" srcId="{170ADD95-F712-4A0E-A2F3-94840C73F1E0}" destId="{733AD6BA-9EF6-487F-AE39-A6AB87079B67}" srcOrd="0" destOrd="0" presId="urn:microsoft.com/office/officeart/2008/layout/LinedList"/>
     <dgm:cxn modelId="{3569ACE4-3199-49DF-81C9-F16C76A53021}" type="presParOf" srcId="{170ADD95-F712-4A0E-A2F3-94840C73F1E0}" destId="{5F0C84B1-2009-464B-89D6-B90556266101}" srcOrd="1" destOrd="0" presId="urn:microsoft.com/office/officeart/2008/layout/LinedList"/>
   </dgm:cxnLst>
@@ -1411,139 +1348,6 @@
       <dsp:cNvGrpSpPr/>
     </dsp:nvGrpSpPr>
     <dsp:grpSpPr/>
-    <dsp:sp modelId="{58D3C9B4-208D-4FAC-ACD5-23155D4EBE4F}">
-      <dsp:nvSpPr>
-        <dsp:cNvPr id="0" name=""/>
-        <dsp:cNvSpPr/>
-      </dsp:nvSpPr>
-      <dsp:spPr>
-        <a:xfrm>
-          <a:off x="0" y="674"/>
-          <a:ext cx="6267888" cy="0"/>
-        </a:xfrm>
-        <a:prstGeom prst="line">
-          <a:avLst/>
-        </a:prstGeom>
-        <a:blipFill rotWithShape="0">
-          <a:blip xmlns:r="http://schemas.openxmlformats.org/officeDocument/2006/relationships" r:embed="rId1">
-            <a:duotone>
-              <a:schemeClr val="accent1">
-                <a:hueOff val="0"/>
-                <a:satOff val="0"/>
-                <a:lumOff val="0"/>
-                <a:alphaOff val="0"/>
-                <a:tint val="98000"/>
-                <a:lumMod val="102000"/>
-              </a:schemeClr>
-              <a:schemeClr val="accent1">
-                <a:hueOff val="0"/>
-                <a:satOff val="0"/>
-                <a:lumOff val="0"/>
-                <a:alphaOff val="0"/>
-                <a:shade val="98000"/>
-                <a:lumMod val="98000"/>
-              </a:schemeClr>
-            </a:duotone>
-          </a:blip>
-          <a:tile tx="0" ty="0" sx="100000" sy="100000" flip="none" algn="tl"/>
-        </a:blipFill>
-        <a:ln w="9525" cap="rnd" cmpd="sng" algn="ctr">
-          <a:solidFill>
-            <a:schemeClr val="accent1">
-              <a:hueOff val="0"/>
-              <a:satOff val="0"/>
-              <a:lumOff val="0"/>
-              <a:alphaOff val="0"/>
-            </a:schemeClr>
-          </a:solidFill>
-          <a:prstDash val="solid"/>
-        </a:ln>
-        <a:effectLst/>
-      </dsp:spPr>
-      <dsp:style>
-        <a:lnRef idx="1">
-          <a:scrgbClr r="0" g="0" b="0"/>
-        </a:lnRef>
-        <a:fillRef idx="3">
-          <a:scrgbClr r="0" g="0" b="0"/>
-        </a:fillRef>
-        <a:effectRef idx="2">
-          <a:scrgbClr r="0" g="0" b="0"/>
-        </a:effectRef>
-        <a:fontRef idx="minor">
-          <a:schemeClr val="lt1"/>
-        </a:fontRef>
-      </dsp:style>
-    </dsp:sp>
-    <dsp:sp modelId="{2948C901-2ED1-4C42-88CC-BB491B9C8623}">
-      <dsp:nvSpPr>
-        <dsp:cNvPr id="0" name=""/>
-        <dsp:cNvSpPr/>
-      </dsp:nvSpPr>
-      <dsp:spPr>
-        <a:xfrm>
-          <a:off x="0" y="674"/>
-          <a:ext cx="6267888" cy="789467"/>
-        </a:xfrm>
-        <a:prstGeom prst="rect">
-          <a:avLst/>
-        </a:prstGeom>
-        <a:noFill/>
-        <a:ln>
-          <a:noFill/>
-        </a:ln>
-        <a:effectLst/>
-      </dsp:spPr>
-      <dsp:style>
-        <a:lnRef idx="0">
-          <a:scrgbClr r="0" g="0" b="0"/>
-        </a:lnRef>
-        <a:fillRef idx="0">
-          <a:scrgbClr r="0" g="0" b="0"/>
-        </a:fillRef>
-        <a:effectRef idx="0">
-          <a:scrgbClr r="0" g="0" b="0"/>
-        </a:effectRef>
-        <a:fontRef idx="minor"/>
-      </dsp:style>
-      <dsp:txBody>
-        <a:bodyPr spcFirstLastPara="0" vert="horz" wrap="square" lIns="133350" tIns="133350" rIns="133350" bIns="133350" numCol="1" spcCol="1270" anchor="t" anchorCtr="0">
-          <a:noAutofit/>
-        </a:bodyPr>
-        <a:lstStyle/>
-        <a:p>
-          <a:pPr marL="0" lvl="0" indent="0" algn="l" defTabSz="1555750">
-            <a:lnSpc>
-              <a:spcPct val="90000"/>
-            </a:lnSpc>
-            <a:spcBef>
-              <a:spcPct val="0"/>
-            </a:spcBef>
-            <a:spcAft>
-              <a:spcPct val="35000"/>
-            </a:spcAft>
-            <a:buNone/>
-          </a:pPr>
-          <a:r>
-            <a:rPr lang="en-US" sz="3500" kern="1200" dirty="0"/>
-            <a:t>1</a:t>
-          </a:r>
-          <a:r>
-            <a:rPr lang="zh-CN" sz="3500" kern="1200" dirty="0"/>
-            <a:t>．</a:t>
-          </a:r>
-          <a:r>
-            <a:rPr lang="zh-CN" altLang="en-US" sz="3500" kern="1200" dirty="0"/>
-            <a:t>回顾</a:t>
-          </a:r>
-          <a:endParaRPr lang="en-US" sz="3500" kern="1200" dirty="0"/>
-        </a:p>
-      </dsp:txBody>
-      <dsp:txXfrm>
-        <a:off x="0" y="674"/>
-        <a:ext cx="6267888" cy="789467"/>
-      </dsp:txXfrm>
-    </dsp:sp>
     <dsp:sp modelId="{BB10B3FE-71B2-44C4-9881-9B1B6C4ED30A}">
       <dsp:nvSpPr>
         <dsp:cNvPr id="0" name=""/>
@@ -1551,7 +1355,7 @@
       </dsp:nvSpPr>
       <dsp:spPr>
         <a:xfrm>
-          <a:off x="0" y="790141"/>
+          <a:off x="0" y="2699"/>
           <a:ext cx="6267888" cy="0"/>
         </a:xfrm>
         <a:prstGeom prst="line">
@@ -1615,8 +1419,8 @@
       </dsp:nvSpPr>
       <dsp:spPr>
         <a:xfrm>
-          <a:off x="0" y="790141"/>
-          <a:ext cx="6267888" cy="789467"/>
+          <a:off x="0" y="2699"/>
+          <a:ext cx="6267888" cy="920370"/>
         </a:xfrm>
         <a:prstGeom prst="rect">
           <a:avLst/>
@@ -1640,12 +1444,12 @@
         <a:fontRef idx="minor"/>
       </dsp:style>
       <dsp:txBody>
-        <a:bodyPr spcFirstLastPara="0" vert="horz" wrap="square" lIns="133350" tIns="133350" rIns="133350" bIns="133350" numCol="1" spcCol="1270" anchor="t" anchorCtr="0">
+        <a:bodyPr spcFirstLastPara="0" vert="horz" wrap="square" lIns="152400" tIns="152400" rIns="152400" bIns="152400" numCol="1" spcCol="1270" anchor="t" anchorCtr="0">
           <a:noAutofit/>
         </a:bodyPr>
         <a:lstStyle/>
         <a:p>
-          <a:pPr marL="0" lvl="0" indent="0" algn="l" defTabSz="1555750">
+          <a:pPr marL="0" lvl="0" indent="0" algn="l" defTabSz="1778000">
             <a:lnSpc>
               <a:spcPct val="90000"/>
             </a:lnSpc>
@@ -1658,23 +1462,23 @@
             <a:buNone/>
           </a:pPr>
           <a:r>
-            <a:rPr lang="en-US" sz="3500" kern="1200" dirty="0"/>
-            <a:t>2</a:t>
+            <a:rPr lang="en-US" altLang="zh-CN" sz="4000" kern="1200" dirty="0"/>
+            <a:t>1</a:t>
           </a:r>
           <a:r>
-            <a:rPr lang="zh-CN" sz="3500" kern="1200" dirty="0"/>
+            <a:rPr lang="zh-CN" sz="4000" kern="1200" dirty="0"/>
             <a:t>．</a:t>
           </a:r>
           <a:r>
-            <a:rPr lang="zh-CN" altLang="en-US" sz="3500" kern="1200" dirty="0"/>
+            <a:rPr lang="zh-CN" altLang="en-US" sz="4000" kern="1200" dirty="0"/>
             <a:t>用例图 </a:t>
           </a:r>
-          <a:endParaRPr lang="en-US" sz="3500" kern="1200" dirty="0"/>
+          <a:endParaRPr lang="en-US" sz="4000" kern="1200" dirty="0"/>
         </a:p>
       </dsp:txBody>
       <dsp:txXfrm>
-        <a:off x="0" y="790141"/>
-        <a:ext cx="6267888" cy="789467"/>
+        <a:off x="0" y="2699"/>
+        <a:ext cx="6267888" cy="920370"/>
       </dsp:txXfrm>
     </dsp:sp>
     <dsp:sp modelId="{DF0B91BF-B4CA-4353-8D74-953111AFF567}">
@@ -1684,7 +1488,7 @@
       </dsp:nvSpPr>
       <dsp:spPr>
         <a:xfrm>
-          <a:off x="0" y="1579609"/>
+          <a:off x="0" y="923069"/>
           <a:ext cx="6267888" cy="0"/>
         </a:xfrm>
         <a:prstGeom prst="line">
@@ -1748,8 +1552,8 @@
       </dsp:nvSpPr>
       <dsp:spPr>
         <a:xfrm>
-          <a:off x="0" y="1579609"/>
-          <a:ext cx="6267888" cy="789467"/>
+          <a:off x="0" y="923069"/>
+          <a:ext cx="6267888" cy="920370"/>
         </a:xfrm>
         <a:prstGeom prst="rect">
           <a:avLst/>
@@ -1773,12 +1577,12 @@
         <a:fontRef idx="minor"/>
       </dsp:style>
       <dsp:txBody>
-        <a:bodyPr spcFirstLastPara="0" vert="horz" wrap="square" lIns="133350" tIns="133350" rIns="133350" bIns="133350" numCol="1" spcCol="1270" anchor="t" anchorCtr="0">
+        <a:bodyPr spcFirstLastPara="0" vert="horz" wrap="square" lIns="152400" tIns="152400" rIns="152400" bIns="152400" numCol="1" spcCol="1270" anchor="t" anchorCtr="0">
           <a:noAutofit/>
         </a:bodyPr>
         <a:lstStyle/>
         <a:p>
-          <a:pPr marL="0" lvl="0" indent="0" algn="l" defTabSz="1555750">
+          <a:pPr marL="0" lvl="0" indent="0" algn="l" defTabSz="1778000">
             <a:lnSpc>
               <a:spcPct val="90000"/>
             </a:lnSpc>
@@ -1791,23 +1595,23 @@
             <a:buNone/>
           </a:pPr>
           <a:r>
-            <a:rPr lang="en-US" sz="3500" kern="1200" dirty="0"/>
-            <a:t>3</a:t>
+            <a:rPr lang="en-US" altLang="zh-CN" sz="4000" kern="1200" dirty="0"/>
+            <a:t>2</a:t>
           </a:r>
           <a:r>
-            <a:rPr lang="zh-CN" sz="3500" kern="1200" dirty="0"/>
+            <a:rPr lang="zh-CN" sz="4000" kern="1200" dirty="0"/>
             <a:t>．</a:t>
           </a:r>
           <a:r>
-            <a:rPr lang="zh-CN" altLang="en-US" sz="3500" kern="1200" dirty="0"/>
+            <a:rPr lang="zh-CN" altLang="en-US" sz="4000" kern="1200" dirty="0"/>
             <a:t>类图</a:t>
           </a:r>
-          <a:endParaRPr lang="en-US" sz="3500" kern="1200" dirty="0"/>
+          <a:endParaRPr lang="en-US" sz="4000" kern="1200" dirty="0"/>
         </a:p>
       </dsp:txBody>
       <dsp:txXfrm>
-        <a:off x="0" y="1579609"/>
-        <a:ext cx="6267888" cy="789467"/>
+        <a:off x="0" y="923069"/>
+        <a:ext cx="6267888" cy="920370"/>
       </dsp:txXfrm>
     </dsp:sp>
     <dsp:sp modelId="{95001912-062E-4B5A-8EC6-8187415768D3}">
@@ -1817,7 +1621,7 @@
       </dsp:nvSpPr>
       <dsp:spPr>
         <a:xfrm>
-          <a:off x="0" y="2369076"/>
+          <a:off x="0" y="1843439"/>
           <a:ext cx="6267888" cy="0"/>
         </a:xfrm>
         <a:prstGeom prst="line">
@@ -1881,8 +1685,8 @@
       </dsp:nvSpPr>
       <dsp:spPr>
         <a:xfrm>
-          <a:off x="0" y="2369076"/>
-          <a:ext cx="6267888" cy="789467"/>
+          <a:off x="0" y="1843439"/>
+          <a:ext cx="6267888" cy="920370"/>
         </a:xfrm>
         <a:prstGeom prst="rect">
           <a:avLst/>
@@ -1906,12 +1710,12 @@
         <a:fontRef idx="minor"/>
       </dsp:style>
       <dsp:txBody>
-        <a:bodyPr spcFirstLastPara="0" vert="horz" wrap="square" lIns="133350" tIns="133350" rIns="133350" bIns="133350" numCol="1" spcCol="1270" anchor="t" anchorCtr="0">
+        <a:bodyPr spcFirstLastPara="0" vert="horz" wrap="square" lIns="152400" tIns="152400" rIns="152400" bIns="152400" numCol="1" spcCol="1270" anchor="t" anchorCtr="0">
           <a:noAutofit/>
         </a:bodyPr>
         <a:lstStyle/>
         <a:p>
-          <a:pPr marL="0" lvl="0" indent="0" algn="l" defTabSz="1555750">
+          <a:pPr marL="0" lvl="0" indent="0" algn="l" defTabSz="1778000">
             <a:lnSpc>
               <a:spcPct val="90000"/>
             </a:lnSpc>
@@ -1924,23 +1728,23 @@
             <a:buNone/>
           </a:pPr>
           <a:r>
-            <a:rPr lang="en-US" sz="3500" kern="1200" dirty="0"/>
-            <a:t>4</a:t>
+            <a:rPr lang="en-US" altLang="zh-CN" sz="4000" kern="1200" dirty="0"/>
+            <a:t>3</a:t>
           </a:r>
           <a:r>
-            <a:rPr lang="zh-CN" sz="3500" kern="1200" dirty="0"/>
+            <a:rPr lang="zh-CN" sz="4000" kern="1200" dirty="0"/>
             <a:t>．</a:t>
           </a:r>
           <a:r>
-            <a:rPr lang="zh-CN" altLang="en-US" sz="3500" kern="1200" dirty="0"/>
+            <a:rPr lang="zh-CN" altLang="en-US" sz="4000" kern="1200" dirty="0"/>
             <a:t>状态图</a:t>
           </a:r>
-          <a:endParaRPr lang="en-US" sz="3500" kern="1200" dirty="0"/>
+          <a:endParaRPr lang="en-US" sz="4000" kern="1200" dirty="0"/>
         </a:p>
       </dsp:txBody>
       <dsp:txXfrm>
-        <a:off x="0" y="2369076"/>
-        <a:ext cx="6267888" cy="789467"/>
+        <a:off x="0" y="1843439"/>
+        <a:ext cx="6267888" cy="920370"/>
       </dsp:txXfrm>
     </dsp:sp>
     <dsp:sp modelId="{1D5B3A02-00A6-473F-B5E2-9397402134CE}">
@@ -1950,7 +1754,7 @@
       </dsp:nvSpPr>
       <dsp:spPr>
         <a:xfrm>
-          <a:off x="0" y="3158543"/>
+          <a:off x="0" y="2763809"/>
           <a:ext cx="6267888" cy="0"/>
         </a:xfrm>
         <a:prstGeom prst="line">
@@ -2014,8 +1818,8 @@
       </dsp:nvSpPr>
       <dsp:spPr>
         <a:xfrm>
-          <a:off x="0" y="3158543"/>
-          <a:ext cx="6267888" cy="789467"/>
+          <a:off x="0" y="2763810"/>
+          <a:ext cx="6267888" cy="920370"/>
         </a:xfrm>
         <a:prstGeom prst="rect">
           <a:avLst/>
@@ -2039,12 +1843,12 @@
         <a:fontRef idx="minor"/>
       </dsp:style>
       <dsp:txBody>
-        <a:bodyPr spcFirstLastPara="0" vert="horz" wrap="square" lIns="133350" tIns="133350" rIns="133350" bIns="133350" numCol="1" spcCol="1270" anchor="t" anchorCtr="0">
+        <a:bodyPr spcFirstLastPara="0" vert="horz" wrap="square" lIns="152400" tIns="152400" rIns="152400" bIns="152400" numCol="1" spcCol="1270" anchor="t" anchorCtr="0">
           <a:noAutofit/>
         </a:bodyPr>
         <a:lstStyle/>
         <a:p>
-          <a:pPr marL="0" lvl="0" indent="0" algn="l" defTabSz="1555750">
+          <a:pPr marL="0" lvl="0" indent="0" algn="l" defTabSz="1778000">
             <a:lnSpc>
               <a:spcPct val="90000"/>
             </a:lnSpc>
@@ -2057,23 +1861,23 @@
             <a:buNone/>
           </a:pPr>
           <a:r>
-            <a:rPr lang="en-US" sz="3500" kern="1200" dirty="0"/>
-            <a:t>5</a:t>
+            <a:rPr lang="en-US" altLang="zh-CN" sz="4000" kern="1200" dirty="0"/>
+            <a:t>4</a:t>
           </a:r>
           <a:r>
-            <a:rPr lang="zh-CN" sz="3500" kern="1200" dirty="0"/>
+            <a:rPr lang="zh-CN" sz="4000" kern="1200" dirty="0"/>
             <a:t>．</a:t>
           </a:r>
           <a:r>
-            <a:rPr lang="zh-CN" altLang="en-US" sz="3500" kern="1200" dirty="0"/>
+            <a:rPr lang="zh-CN" altLang="en-US" sz="4000" kern="1200" dirty="0"/>
             <a:t>顺序图</a:t>
           </a:r>
-          <a:endParaRPr lang="en-US" sz="3500" kern="1200" dirty="0"/>
+          <a:endParaRPr lang="en-US" sz="4000" kern="1200" dirty="0"/>
         </a:p>
       </dsp:txBody>
       <dsp:txXfrm>
-        <a:off x="0" y="3158543"/>
-        <a:ext cx="6267888" cy="789467"/>
+        <a:off x="0" y="2763810"/>
+        <a:ext cx="6267888" cy="920370"/>
       </dsp:txXfrm>
     </dsp:sp>
     <dsp:sp modelId="{165A2E05-853A-4796-A4F7-9A222BA428E6}">
@@ -2083,7 +1887,7 @@
       </dsp:nvSpPr>
       <dsp:spPr>
         <a:xfrm>
-          <a:off x="0" y="3948010"/>
+          <a:off x="0" y="3684180"/>
           <a:ext cx="6267888" cy="0"/>
         </a:xfrm>
         <a:prstGeom prst="line">
@@ -2147,8 +1951,8 @@
       </dsp:nvSpPr>
       <dsp:spPr>
         <a:xfrm>
-          <a:off x="0" y="3948010"/>
-          <a:ext cx="6267888" cy="789467"/>
+          <a:off x="0" y="3684180"/>
+          <a:ext cx="6267888" cy="920370"/>
         </a:xfrm>
         <a:prstGeom prst="rect">
           <a:avLst/>
@@ -2172,12 +1976,12 @@
         <a:fontRef idx="minor"/>
       </dsp:style>
       <dsp:txBody>
-        <a:bodyPr spcFirstLastPara="0" vert="horz" wrap="square" lIns="133350" tIns="133350" rIns="133350" bIns="133350" numCol="1" spcCol="1270" anchor="t" anchorCtr="0">
+        <a:bodyPr spcFirstLastPara="0" vert="horz" wrap="square" lIns="152400" tIns="152400" rIns="152400" bIns="152400" numCol="1" spcCol="1270" anchor="t" anchorCtr="0">
           <a:noAutofit/>
         </a:bodyPr>
         <a:lstStyle/>
         <a:p>
-          <a:pPr marL="0" lvl="0" indent="0" algn="l" defTabSz="1555750">
+          <a:pPr marL="0" lvl="0" indent="0" algn="l" defTabSz="1778000">
             <a:lnSpc>
               <a:spcPct val="90000"/>
             </a:lnSpc>
@@ -2190,23 +1994,23 @@
             <a:buNone/>
           </a:pPr>
           <a:r>
-            <a:rPr lang="en-US" sz="3500" kern="1200" dirty="0"/>
-            <a:t>6</a:t>
+            <a:rPr lang="en-US" altLang="zh-CN" sz="4000" kern="1200" dirty="0"/>
+            <a:t>5</a:t>
           </a:r>
           <a:r>
-            <a:rPr lang="zh-CN" sz="3500" kern="1200" dirty="0"/>
+            <a:rPr lang="zh-CN" sz="4000" kern="1200" dirty="0"/>
             <a:t>．</a:t>
           </a:r>
           <a:r>
-            <a:rPr lang="zh-CN" altLang="en-US" sz="3500" kern="1200" dirty="0"/>
+            <a:rPr lang="zh-CN" altLang="en-US" sz="4000" kern="1200" dirty="0"/>
             <a:t>协作图</a:t>
           </a:r>
-          <a:endParaRPr lang="en-US" sz="3500" kern="1200" dirty="0"/>
+          <a:endParaRPr lang="en-US" sz="4000" kern="1200" dirty="0"/>
         </a:p>
       </dsp:txBody>
       <dsp:txXfrm>
-        <a:off x="0" y="3948010"/>
-        <a:ext cx="6267888" cy="789467"/>
+        <a:off x="0" y="3684180"/>
+        <a:ext cx="6267888" cy="920370"/>
       </dsp:txXfrm>
     </dsp:sp>
     <dsp:sp modelId="{7614DB1E-CC9D-4EDF-AD13-F408C753FE43}">
@@ -2216,7 +2020,7 @@
       </dsp:nvSpPr>
       <dsp:spPr>
         <a:xfrm>
-          <a:off x="0" y="4737478"/>
+          <a:off x="0" y="4604550"/>
           <a:ext cx="6267888" cy="0"/>
         </a:xfrm>
         <a:prstGeom prst="line">
@@ -2280,8 +2084,8 @@
       </dsp:nvSpPr>
       <dsp:spPr>
         <a:xfrm>
-          <a:off x="0" y="4737478"/>
-          <a:ext cx="6267888" cy="789467"/>
+          <a:off x="0" y="4604550"/>
+          <a:ext cx="6267888" cy="920370"/>
         </a:xfrm>
         <a:prstGeom prst="rect">
           <a:avLst/>
@@ -2305,12 +2109,12 @@
         <a:fontRef idx="minor"/>
       </dsp:style>
       <dsp:txBody>
-        <a:bodyPr spcFirstLastPara="0" vert="horz" wrap="square" lIns="133350" tIns="133350" rIns="133350" bIns="133350" numCol="1" spcCol="1270" anchor="t" anchorCtr="0">
+        <a:bodyPr spcFirstLastPara="0" vert="horz" wrap="square" lIns="152400" tIns="152400" rIns="152400" bIns="152400" numCol="1" spcCol="1270" anchor="t" anchorCtr="0">
           <a:noAutofit/>
         </a:bodyPr>
         <a:lstStyle/>
         <a:p>
-          <a:pPr marL="0" lvl="0" indent="0" algn="l" defTabSz="1555750">
+          <a:pPr marL="0" lvl="0" indent="0" algn="l" defTabSz="1778000">
             <a:lnSpc>
               <a:spcPct val="90000"/>
             </a:lnSpc>
@@ -2323,23 +2127,23 @@
             <a:buNone/>
           </a:pPr>
           <a:r>
-            <a:rPr lang="en-US" sz="3500" kern="1200" dirty="0"/>
-            <a:t>7</a:t>
+            <a:rPr lang="en-US" altLang="zh-CN" sz="4000" kern="1200" dirty="0"/>
+            <a:t>6</a:t>
           </a:r>
           <a:r>
-            <a:rPr lang="zh-CN" sz="3500" kern="1200" dirty="0"/>
+            <a:rPr lang="zh-CN" sz="4000" kern="1200" dirty="0"/>
             <a:t>．</a:t>
           </a:r>
           <a:r>
-            <a:rPr lang="zh-CN" altLang="en-US" sz="3500" kern="1200" dirty="0"/>
+            <a:rPr lang="zh-CN" altLang="en-US" sz="4000" kern="1200" dirty="0"/>
             <a:t>部署图</a:t>
           </a:r>
-          <a:endParaRPr lang="en-US" sz="3500" kern="1200" dirty="0"/>
+          <a:endParaRPr lang="en-US" sz="4000" kern="1200" dirty="0"/>
         </a:p>
       </dsp:txBody>
       <dsp:txXfrm>
-        <a:off x="0" y="4737478"/>
-        <a:ext cx="6267888" cy="789467"/>
+        <a:off x="0" y="4604550"/>
+        <a:ext cx="6267888" cy="920370"/>
       </dsp:txXfrm>
     </dsp:sp>
   </dsp:spTree>
@@ -3929,7 +3733,7 @@
             <a:fld id="{BC02ACD8-9D28-445F-BAFE-92DA3311E912}" type="datetimeFigureOut">
               <a:rPr lang="zh-CN" altLang="en-US" smtClean="0"/>
               <a:pPr/>
-              <a:t>2017/11/11</a:t>
+              <a:t>2017/11/12</a:t>
             </a:fld>
             <a:endParaRPr lang="zh-CN" altLang="en-US"/>
           </a:p>
@@ -4292,7 +4096,7 @@
           <a:effectLst/>
           <a:extLst>
             <a:ext uri="{91240B29-F687-4f45-9708-019B960494DF}">
-              <a14:hiddenLine xmlns="" xmlns:a14="http://schemas.microsoft.com/office/drawing/2010/main" w="9525">
+              <a14:hiddenLine xmlns:a14="http://schemas.microsoft.com/office/drawing/2010/main" xmlns="" w="9525">
                 <a:solidFill>
                   <a:srgbClr val="000000"/>
                 </a:solidFill>
@@ -4485,7 +4289,7 @@
             <a:fld id="{08B9EBBA-996F-894A-B54A-D6246ED52CEA}" type="datetimeFigureOut">
               <a:rPr lang="en-US" dirty="0"/>
               <a:pPr/>
-              <a:t>11/11/2017</a:t>
+              <a:t>11/12/2017</a:t>
             </a:fld>
             <a:endParaRPr lang="en-US" dirty="0"/>
           </a:p>
@@ -4800,7 +4604,7 @@
             <a:fld id="{18C79C5D-2A6F-F04D-97DA-BEF2467B64E4}" type="datetimeFigureOut">
               <a:rPr lang="en-US" dirty="0"/>
               <a:pPr/>
-              <a:t>11/11/2017</a:t>
+              <a:t>11/12/2017</a:t>
             </a:fld>
             <a:endParaRPr lang="en-US" dirty="0"/>
           </a:p>
@@ -5285,7 +5089,7 @@
             <a:fld id="{8DFA1846-DA80-1C48-A609-854EA85C59AD}" type="datetimeFigureOut">
               <a:rPr lang="en-US" dirty="0"/>
               <a:pPr/>
-              <a:t>11/11/2017</a:t>
+              <a:t>11/12/2017</a:t>
             </a:fld>
             <a:endParaRPr lang="en-US" dirty="0"/>
           </a:p>
@@ -5651,7 +5455,7 @@
             <a:fld id="{FBF54567-0DE4-3F47-BF90-CB84690072F9}" type="datetimeFigureOut">
               <a:rPr lang="en-US" dirty="0"/>
               <a:pPr/>
-              <a:t>11/11/2017</a:t>
+              <a:t>11/12/2017</a:t>
             </a:fld>
             <a:endParaRPr lang="en-US" dirty="0"/>
           </a:p>
@@ -5802,7 +5606,7 @@
           <a:ln/>
           <a:extLst>
             <a:ext uri="{91240B29-F687-4f45-9708-019B960494DF}">
-              <a14:hiddenLine xmlns="" xmlns:a14="http://schemas.microsoft.com/office/drawing/2010/main" w="9525">
+              <a14:hiddenLine xmlns:a14="http://schemas.microsoft.com/office/drawing/2010/main" xmlns="" w="9525">
                 <a:solidFill>
                   <a:srgbClr val="000000"/>
                 </a:solidFill>
@@ -5921,7 +5725,7 @@
             <a:fld id="{C6C52C72-DE31-F449-A4ED-4C594FD91407}" type="datetimeFigureOut">
               <a:rPr lang="en-US" dirty="0"/>
               <a:pPr/>
-              <a:t>11/11/2017</a:t>
+              <a:t>11/12/2017</a:t>
             </a:fld>
             <a:endParaRPr lang="en-US" dirty="0"/>
           </a:p>
@@ -6074,7 +5878,7 @@
           <a:ln/>
           <a:extLst>
             <a:ext uri="{91240B29-F687-4f45-9708-019B960494DF}">
-              <a14:hiddenLine xmlns="" xmlns:a14="http://schemas.microsoft.com/office/drawing/2010/main" w="9525">
+              <a14:hiddenLine xmlns:a14="http://schemas.microsoft.com/office/drawing/2010/main" xmlns="" w="9525">
                 <a:solidFill>
                   <a:srgbClr val="000000"/>
                 </a:solidFill>
@@ -6203,7 +6007,7 @@
             <a:fld id="{ED62726E-379B-B349-9EED-81ED093FA806}" type="datetimeFigureOut">
               <a:rPr lang="en-US" dirty="0"/>
               <a:pPr/>
-              <a:t>11/11/2017</a:t>
+              <a:t>11/12/2017</a:t>
             </a:fld>
             <a:endParaRPr lang="en-US" dirty="0"/>
           </a:p>
@@ -6354,7 +6158,7 @@
           <a:ln/>
           <a:extLst>
             <a:ext uri="{91240B29-F687-4f45-9708-019B960494DF}">
-              <a14:hiddenLine xmlns="" xmlns:a14="http://schemas.microsoft.com/office/drawing/2010/main" w="9525">
+              <a14:hiddenLine xmlns:a14="http://schemas.microsoft.com/office/drawing/2010/main" xmlns="" w="9525">
                 <a:solidFill>
                   <a:srgbClr val="000000"/>
                 </a:solidFill>
@@ -6483,7 +6287,7 @@
             <a:fld id="{9B3A1323-8D79-1946-B0D7-40001CF92E9D}" type="datetimeFigureOut">
               <a:rPr lang="en-US" dirty="0"/>
               <a:pPr/>
-              <a:t>11/11/2017</a:t>
+              <a:t>11/12/2017</a:t>
             </a:fld>
             <a:endParaRPr lang="en-US" dirty="0"/>
           </a:p>
@@ -6823,7 +6627,7 @@
             <a:fld id="{8DFA1846-DA80-1C48-A609-854EA85C59AD}" type="datetimeFigureOut">
               <a:rPr lang="en-US" dirty="0"/>
               <a:pPr/>
-              <a:t>11/11/2017</a:t>
+              <a:t>11/12/2017</a:t>
             </a:fld>
             <a:endParaRPr lang="en-US" dirty="0"/>
           </a:p>
@@ -6974,7 +6778,7 @@
           <a:ln/>
           <a:extLst>
             <a:ext uri="{91240B29-F687-4f45-9708-019B960494DF}">
-              <a14:hiddenLine xmlns="" xmlns:a14="http://schemas.microsoft.com/office/drawing/2010/main" w="9525">
+              <a14:hiddenLine xmlns:a14="http://schemas.microsoft.com/office/drawing/2010/main" xmlns="" w="9525">
                 <a:solidFill>
                   <a:srgbClr val="000000"/>
                 </a:solidFill>
@@ -7159,7 +6963,7 @@
             <a:fld id="{57302355-E14B-8545-A8F8-0FE83CC9D524}" type="datetimeFigureOut">
               <a:rPr lang="en-US" dirty="0"/>
               <a:pPr/>
-              <a:t>11/11/2017</a:t>
+              <a:t>11/12/2017</a:t>
             </a:fld>
             <a:endParaRPr lang="en-US" dirty="0"/>
           </a:p>
@@ -7310,7 +7114,7 @@
           <a:ln/>
           <a:extLst>
             <a:ext uri="{91240B29-F687-4f45-9708-019B960494DF}">
-              <a14:hiddenLine xmlns="" xmlns:a14="http://schemas.microsoft.com/office/drawing/2010/main" w="9525">
+              <a14:hiddenLine xmlns:a14="http://schemas.microsoft.com/office/drawing/2010/main" xmlns="" w="9525">
                 <a:solidFill>
                   <a:srgbClr val="000000"/>
                 </a:solidFill>
@@ -7633,7 +7437,7 @@
             <a:fld id="{02640F58-564D-2B4F-AE67-E407BA4FCF45}" type="datetimeFigureOut">
               <a:rPr lang="en-US" dirty="0"/>
               <a:pPr/>
-              <a:t>11/11/2017</a:t>
+              <a:t>11/12/2017</a:t>
             </a:fld>
             <a:endParaRPr lang="en-US" dirty="0"/>
           </a:p>
@@ -7784,7 +7588,7 @@
           <a:ln/>
           <a:extLst>
             <a:ext uri="{91240B29-F687-4f45-9708-019B960494DF}">
-              <a14:hiddenLine xmlns="" xmlns:a14="http://schemas.microsoft.com/office/drawing/2010/main" w="9525">
+              <a14:hiddenLine xmlns:a14="http://schemas.microsoft.com/office/drawing/2010/main" xmlns="" w="9525">
                 <a:solidFill>
                   <a:srgbClr val="000000"/>
                 </a:solidFill>
@@ -7851,7 +7655,7 @@
             <a:fld id="{F13A34C8-038E-2045-AF43-DF7DBB8E0E9E}" type="datetimeFigureOut">
               <a:rPr lang="en-US" dirty="0"/>
               <a:pPr/>
-              <a:t>11/11/2017</a:t>
+              <a:t>11/12/2017</a:t>
             </a:fld>
             <a:endParaRPr lang="en-US" dirty="0"/>
           </a:p>
@@ -7943,7 +7747,7 @@
             <a:fld id="{8818C68F-D26B-8F47-958C-23B49CF8A634}" type="datetimeFigureOut">
               <a:rPr lang="en-US" dirty="0"/>
               <a:pPr/>
-              <a:t>11/11/2017</a:t>
+              <a:t>11/12/2017</a:t>
             </a:fld>
             <a:endParaRPr lang="en-US" dirty="0"/>
           </a:p>
@@ -8207,7 +8011,7 @@
           <a:ln/>
           <a:extLst>
             <a:ext uri="{91240B29-F687-4f45-9708-019B960494DF}">
-              <a14:hiddenLine xmlns="" xmlns:a14="http://schemas.microsoft.com/office/drawing/2010/main" w="9525">
+              <a14:hiddenLine xmlns:a14="http://schemas.microsoft.com/office/drawing/2010/main" xmlns="" w="9525">
                 <a:solidFill>
                   <a:srgbClr val="000000"/>
                 </a:solidFill>
@@ -8407,7 +8211,7 @@
             <a:fld id="{D0DF5E60-9974-AC48-9591-99C2BB44B7CF}" type="datetimeFigureOut">
               <a:rPr lang="en-US" dirty="0"/>
               <a:pPr/>
-              <a:t>11/11/2017</a:t>
+              <a:t>11/12/2017</a:t>
             </a:fld>
             <a:endParaRPr lang="en-US" dirty="0"/>
           </a:p>
@@ -8717,7 +8521,7 @@
             <a:fld id="{18C79C5D-2A6F-F04D-97DA-BEF2467B64E4}" type="datetimeFigureOut">
               <a:rPr lang="en-US" dirty="0"/>
               <a:pPr/>
-              <a:t>11/11/2017</a:t>
+              <a:t>11/12/2017</a:t>
             </a:fld>
             <a:endParaRPr lang="en-US" dirty="0"/>
           </a:p>
@@ -8984,7 +8788,7 @@
             <a:fld id="{09B482E8-6E0E-1B4F-B1FD-C69DB9E858D9}" type="datetimeFigureOut">
               <a:rPr lang="en-US" dirty="0"/>
               <a:pPr/>
-              <a:t>11/11/2017</a:t>
+              <a:t>11/12/2017</a:t>
             </a:fld>
             <a:endParaRPr lang="en-US" dirty="0"/>
           </a:p>
@@ -9680,9 +9484,2204 @@
           <a:chExt cx="0" cy="0"/>
         </a:xfrm>
       </p:grpSpPr>
+      <p:sp>
+        <p:nvSpPr>
+          <p:cNvPr id="2" name="标题 1">
+            <a:extLst>
+              <a:ext uri="{FF2B5EF4-FFF2-40B4-BE49-F238E27FC236}">
+                <a16:creationId xmlns:a16="http://schemas.microsoft.com/office/drawing/2014/main" id="{7CAD41F4-5EA9-4288-9F6B-AC877256EC40}"/>
+              </a:ext>
+            </a:extLst>
+          </p:cNvPr>
+          <p:cNvSpPr>
+            <a:spLocks noGrp="1"/>
+          </p:cNvSpPr>
+          <p:nvPr>
+            <p:ph type="title"/>
+          </p:nvPr>
+        </p:nvSpPr>
+        <p:spPr>
+          <a:xfrm>
+            <a:off x="497126" y="566776"/>
+            <a:ext cx="6315629" cy="970450"/>
+          </a:xfrm>
+        </p:spPr>
+        <p:txBody>
+          <a:bodyPr/>
+          <a:lstStyle/>
+          <a:p>
+            <a:r>
+              <a:rPr lang="zh-CN" altLang="en-US" sz="4400" dirty="0"/>
+              <a:t>类图</a:t>
+            </a:r>
+          </a:p>
+        </p:txBody>
+      </p:sp>
+      <p:sp>
+        <p:nvSpPr>
+          <p:cNvPr id="3" name="矩形 2">
+            <a:extLst>
+              <a:ext uri="{FF2B5EF4-FFF2-40B4-BE49-F238E27FC236}">
+                <a16:creationId xmlns:a16="http://schemas.microsoft.com/office/drawing/2014/main" id="{577AADDD-496B-4A3B-B466-7873290EC238}"/>
+              </a:ext>
+            </a:extLst>
+          </p:cNvPr>
+          <p:cNvSpPr/>
+          <p:nvPr/>
+        </p:nvSpPr>
+        <p:spPr>
+          <a:xfrm>
+            <a:off x="357351" y="2412153"/>
+            <a:ext cx="10342180" cy="461665"/>
+          </a:xfrm>
+          <a:prstGeom prst="rect">
+            <a:avLst/>
+          </a:prstGeom>
+        </p:spPr>
+        <p:txBody>
+          <a:bodyPr wrap="square">
+            <a:spAutoFit/>
+          </a:bodyPr>
+          <a:lstStyle/>
+          <a:p>
+            <a:r>
+              <a:rPr lang="en-US" altLang="zh-CN" sz="2400" dirty="0"/>
+              <a:t>【</a:t>
+            </a:r>
+            <a:r>
+              <a:rPr lang="zh-CN" altLang="en-US" sz="2400" dirty="0"/>
+              <a:t>概念</a:t>
+            </a:r>
+            <a:r>
+              <a:rPr lang="en-US" altLang="zh-CN" sz="2400" dirty="0"/>
+              <a:t>】</a:t>
+            </a:r>
+            <a:r>
+              <a:rPr lang="zh-CN" altLang="en-US" sz="2400" dirty="0"/>
+              <a:t>显示系统的静态结构，表示不同的实体是如何相关联的</a:t>
+            </a:r>
+          </a:p>
+        </p:txBody>
+      </p:sp>
+      <p:sp>
+        <p:nvSpPr>
+          <p:cNvPr id="4" name="矩形 3">
+            <a:extLst>
+              <a:ext uri="{FF2B5EF4-FFF2-40B4-BE49-F238E27FC236}">
+                <a16:creationId xmlns:a16="http://schemas.microsoft.com/office/drawing/2014/main" id="{5BBF53CE-590B-4A01-8AA6-93DAB9AD1B67}"/>
+              </a:ext>
+            </a:extLst>
+          </p:cNvPr>
+          <p:cNvSpPr/>
+          <p:nvPr/>
+        </p:nvSpPr>
+        <p:spPr>
+          <a:xfrm>
+            <a:off x="357351" y="3055148"/>
+            <a:ext cx="3262432" cy="461665"/>
+          </a:xfrm>
+          <a:prstGeom prst="rect">
+            <a:avLst/>
+          </a:prstGeom>
+        </p:spPr>
+        <p:txBody>
+          <a:bodyPr wrap="none">
+            <a:spAutoFit/>
+          </a:bodyPr>
+          <a:lstStyle/>
+          <a:p>
+            <a:r>
+              <a:rPr lang="en-US" altLang="zh-CN" sz="2400" dirty="0"/>
+              <a:t>【</a:t>
+            </a:r>
+            <a:r>
+              <a:rPr lang="zh-CN" altLang="en-US" sz="2400" dirty="0"/>
+              <a:t>描述方式</a:t>
+            </a:r>
+            <a:r>
+              <a:rPr lang="en-US" altLang="zh-CN" sz="2400" dirty="0"/>
+              <a:t>】</a:t>
+            </a:r>
+            <a:r>
+              <a:rPr lang="zh-CN" altLang="en-US" sz="2400" dirty="0"/>
+              <a:t>三个矩形</a:t>
+            </a:r>
+          </a:p>
+        </p:txBody>
+      </p:sp>
+      <p:sp>
+        <p:nvSpPr>
+          <p:cNvPr id="5" name="矩形 4">
+            <a:extLst>
+              <a:ext uri="{FF2B5EF4-FFF2-40B4-BE49-F238E27FC236}">
+                <a16:creationId xmlns:a16="http://schemas.microsoft.com/office/drawing/2014/main" id="{F499F232-0FB0-4416-A5E2-15F2BF7D81B3}"/>
+              </a:ext>
+            </a:extLst>
+          </p:cNvPr>
+          <p:cNvSpPr/>
+          <p:nvPr/>
+        </p:nvSpPr>
+        <p:spPr>
+          <a:xfrm>
+            <a:off x="497126" y="5289144"/>
+            <a:ext cx="8639504" cy="830997"/>
+          </a:xfrm>
+          <a:prstGeom prst="rect">
+            <a:avLst/>
+          </a:prstGeom>
+        </p:spPr>
+        <p:txBody>
+          <a:bodyPr wrap="square">
+            <a:spAutoFit/>
+          </a:bodyPr>
+          <a:lstStyle/>
+          <a:p>
+            <a:r>
+              <a:rPr lang="en-US" altLang="zh-CN" sz="2400" dirty="0"/>
+              <a:t>【</a:t>
+            </a:r>
+            <a:r>
+              <a:rPr lang="zh-CN" altLang="en-US" sz="2400" dirty="0"/>
+              <a:t>目的</a:t>
+            </a:r>
+            <a:r>
+              <a:rPr lang="en-US" altLang="zh-CN" sz="2400" dirty="0"/>
+              <a:t>】</a:t>
+            </a:r>
+            <a:r>
+              <a:rPr lang="zh-CN" altLang="en-US" sz="2400" dirty="0"/>
+              <a:t>表示一个逻辑类或实现类，逻辑类通常是用户的业务所涉及的事物；实现类是程序员处理的实体</a:t>
+            </a:r>
+          </a:p>
+        </p:txBody>
+      </p:sp>
+      <p:pic>
+        <p:nvPicPr>
+          <p:cNvPr id="7" name="图片 6">
+            <a:extLst>
+              <a:ext uri="{FF2B5EF4-FFF2-40B4-BE49-F238E27FC236}">
+                <a16:creationId xmlns:a16="http://schemas.microsoft.com/office/drawing/2014/main" id="{7DEBCEA1-1A70-4736-AFA8-3F3E9F6BC350}"/>
+              </a:ext>
+            </a:extLst>
+          </p:cNvPr>
+          <p:cNvPicPr>
+            <a:picLocks noChangeAspect="1"/>
+          </p:cNvPicPr>
+          <p:nvPr/>
+        </p:nvPicPr>
+        <p:blipFill>
+          <a:blip r:embed="rId2"/>
+          <a:stretch>
+            <a:fillRect/>
+          </a:stretch>
+        </p:blipFill>
+        <p:spPr>
+          <a:xfrm>
+            <a:off x="3885378" y="2869794"/>
+            <a:ext cx="3286125" cy="2419350"/>
+          </a:xfrm>
+          <a:prstGeom prst="rect">
+            <a:avLst/>
+          </a:prstGeom>
+        </p:spPr>
+      </p:pic>
+    </p:spTree>
+    <p:extLst>
+      <p:ext uri="{BB962C8B-B14F-4D97-AF65-F5344CB8AC3E}">
+        <p14:creationId xmlns:p14="http://schemas.microsoft.com/office/powerpoint/2010/main" val="1812930701"/>
+      </p:ext>
+    </p:extLst>
+  </p:cSld>
+  <p:clrMapOvr>
+    <a:masterClrMapping/>
+  </p:clrMapOvr>
+</p:sld>
+</file>
+
+<file path=ppt/slides/slide11.xml><?xml version="1.0" encoding="utf-8"?>
+<p:sld xmlns:a="http://schemas.openxmlformats.org/drawingml/2006/main" xmlns:r="http://schemas.openxmlformats.org/officeDocument/2006/relationships" xmlns:p="http://schemas.openxmlformats.org/presentationml/2006/main">
+  <p:cSld>
+    <p:spTree>
+      <p:nvGrpSpPr>
+        <p:cNvPr id="1" name=""/>
+        <p:cNvGrpSpPr/>
+        <p:nvPr/>
+      </p:nvGrpSpPr>
+      <p:grpSpPr>
+        <a:xfrm>
+          <a:off x="0" y="0"/>
+          <a:ext cx="0" cy="0"/>
+          <a:chOff x="0" y="0"/>
+          <a:chExt cx="0" cy="0"/>
+        </a:xfrm>
+      </p:grpSpPr>
+      <p:sp>
+        <p:nvSpPr>
+          <p:cNvPr id="2" name="标题 1">
+            <a:extLst>
+              <a:ext uri="{FF2B5EF4-FFF2-40B4-BE49-F238E27FC236}">
+                <a16:creationId xmlns:a16="http://schemas.microsoft.com/office/drawing/2014/main" id="{C21D556F-68A6-44D3-BCB0-25E249FFA273}"/>
+              </a:ext>
+            </a:extLst>
+          </p:cNvPr>
+          <p:cNvSpPr>
+            <a:spLocks noGrp="1"/>
+          </p:cNvSpPr>
+          <p:nvPr>
+            <p:ph type="title"/>
+          </p:nvPr>
+        </p:nvSpPr>
+        <p:spPr/>
+        <p:txBody>
+          <a:bodyPr/>
+          <a:lstStyle/>
+          <a:p>
+            <a:r>
+              <a:rPr lang="zh-CN" altLang="en-US" dirty="0"/>
+              <a:t>类图</a:t>
+            </a:r>
+            <a:r>
+              <a:rPr lang="en-US" altLang="zh-CN" dirty="0"/>
+              <a:t>——</a:t>
+            </a:r>
+            <a:r>
+              <a:rPr lang="zh-CN" altLang="en-US" dirty="0"/>
+              <a:t>关联关系</a:t>
+            </a:r>
+          </a:p>
+        </p:txBody>
+      </p:sp>
+      <p:pic>
+        <p:nvPicPr>
+          <p:cNvPr id="4" name="内容占位符 3">
+            <a:extLst>
+              <a:ext uri="{FF2B5EF4-FFF2-40B4-BE49-F238E27FC236}">
+                <a16:creationId xmlns:a16="http://schemas.microsoft.com/office/drawing/2014/main" id="{B320343D-EDD2-4983-A012-61D1A140A74C}"/>
+              </a:ext>
+            </a:extLst>
+          </p:cNvPr>
+          <p:cNvPicPr>
+            <a:picLocks noGrp="1" noChangeAspect="1"/>
+          </p:cNvPicPr>
+          <p:nvPr>
+            <p:ph idx="1"/>
+          </p:nvPr>
+        </p:nvPicPr>
+        <p:blipFill>
+          <a:blip r:embed="rId2"/>
+          <a:stretch>
+            <a:fillRect/>
+          </a:stretch>
+        </p:blipFill>
+        <p:spPr>
+          <a:xfrm>
+            <a:off x="977626" y="4313922"/>
+            <a:ext cx="7419975" cy="1619250"/>
+          </a:xfrm>
+          <a:prstGeom prst="rect">
+            <a:avLst/>
+          </a:prstGeom>
+        </p:spPr>
+      </p:pic>
+      <p:sp>
+        <p:nvSpPr>
+          <p:cNvPr id="5" name="矩形 4">
+            <a:extLst>
+              <a:ext uri="{FF2B5EF4-FFF2-40B4-BE49-F238E27FC236}">
+                <a16:creationId xmlns:a16="http://schemas.microsoft.com/office/drawing/2014/main" id="{0B7DE453-E1D4-459C-8160-D78BDD504031}"/>
+              </a:ext>
+            </a:extLst>
+          </p:cNvPr>
+          <p:cNvSpPr/>
+          <p:nvPr/>
+        </p:nvSpPr>
+        <p:spPr>
+          <a:xfrm>
+            <a:off x="720309" y="2438878"/>
+            <a:ext cx="10751380" cy="1200329"/>
+          </a:xfrm>
+          <a:prstGeom prst="rect">
+            <a:avLst/>
+          </a:prstGeom>
+        </p:spPr>
+        <p:txBody>
+          <a:bodyPr wrap="square">
+            <a:spAutoFit/>
+          </a:bodyPr>
+          <a:lstStyle/>
+          <a:p>
+            <a:r>
+              <a:rPr lang="en-US" altLang="zh-CN" sz="2400" dirty="0"/>
+              <a:t>【</a:t>
+            </a:r>
+            <a:r>
+              <a:rPr lang="zh-CN" altLang="en-US" sz="2400" dirty="0"/>
+              <a:t>关联关系</a:t>
+            </a:r>
+            <a:r>
+              <a:rPr lang="en-US" altLang="zh-CN" sz="2400" dirty="0"/>
+              <a:t>】</a:t>
+            </a:r>
+            <a:r>
+              <a:rPr lang="zh-CN" altLang="en-US" sz="2400" dirty="0"/>
+              <a:t>：是一种拥有的关系</a:t>
+            </a:r>
+            <a:r>
+              <a:rPr lang="en-US" altLang="zh-CN" sz="2400" dirty="0">
+                <a:solidFill>
+                  <a:srgbClr val="FF0000"/>
+                </a:solidFill>
+              </a:rPr>
+              <a:t>, </a:t>
+            </a:r>
+            <a:r>
+              <a:rPr lang="zh-CN" altLang="en-US" sz="2400" dirty="0"/>
+              <a:t>它使一个类知道另一个类的属性和方法</a:t>
+            </a:r>
+            <a:endParaRPr lang="en-US" altLang="zh-CN" sz="2400" dirty="0"/>
+          </a:p>
+          <a:p>
+            <a:r>
+              <a:rPr lang="en-US" altLang="zh-CN" sz="2400" dirty="0"/>
+              <a:t>【</a:t>
+            </a:r>
+            <a:r>
+              <a:rPr lang="zh-CN" altLang="en-US" sz="2400" dirty="0"/>
+              <a:t>代码体现</a:t>
+            </a:r>
+            <a:r>
+              <a:rPr lang="en-US" altLang="zh-CN" sz="2400" dirty="0"/>
+              <a:t>】</a:t>
+            </a:r>
+            <a:r>
+              <a:rPr lang="zh-CN" altLang="en-US" sz="2400" dirty="0"/>
+              <a:t>：成员变量</a:t>
+            </a:r>
+            <a:endParaRPr lang="en-US" altLang="zh-CN" sz="2400" dirty="0"/>
+          </a:p>
+          <a:p>
+            <a:r>
+              <a:rPr lang="en-US" altLang="zh-CN" sz="2400" dirty="0"/>
+              <a:t>【</a:t>
+            </a:r>
+            <a:r>
+              <a:rPr lang="zh-CN" altLang="en-US" sz="2400" dirty="0"/>
+              <a:t>箭头及指向</a:t>
+            </a:r>
+            <a:r>
+              <a:rPr lang="en-US" altLang="zh-CN" sz="2400" dirty="0"/>
+              <a:t>】</a:t>
+            </a:r>
+            <a:r>
+              <a:rPr lang="zh-CN" altLang="en-US" sz="2400" dirty="0"/>
+              <a:t>：带普通箭头（或实心三角形箭头）的实心线，指向被拥有者</a:t>
+            </a:r>
+          </a:p>
+        </p:txBody>
+      </p:sp>
+    </p:spTree>
+    <p:extLst>
+      <p:ext uri="{BB962C8B-B14F-4D97-AF65-F5344CB8AC3E}">
+        <p14:creationId xmlns:p14="http://schemas.microsoft.com/office/powerpoint/2010/main" val="3682419445"/>
+      </p:ext>
+    </p:extLst>
+  </p:cSld>
+  <p:clrMapOvr>
+    <a:masterClrMapping/>
+  </p:clrMapOvr>
+</p:sld>
+</file>
+
+<file path=ppt/slides/slide12.xml><?xml version="1.0" encoding="utf-8"?>
+<p:sld xmlns:a="http://schemas.openxmlformats.org/drawingml/2006/main" xmlns:r="http://schemas.openxmlformats.org/officeDocument/2006/relationships" xmlns:p="http://schemas.openxmlformats.org/presentationml/2006/main">
+  <p:cSld>
+    <p:spTree>
+      <p:nvGrpSpPr>
+        <p:cNvPr id="1" name=""/>
+        <p:cNvGrpSpPr/>
+        <p:nvPr/>
+      </p:nvGrpSpPr>
+      <p:grpSpPr>
+        <a:xfrm>
+          <a:off x="0" y="0"/>
+          <a:ext cx="0" cy="0"/>
+          <a:chOff x="0" y="0"/>
+          <a:chExt cx="0" cy="0"/>
+        </a:xfrm>
+      </p:grpSpPr>
+      <p:sp>
+        <p:nvSpPr>
+          <p:cNvPr id="2" name="标题 1">
+            <a:extLst>
+              <a:ext uri="{FF2B5EF4-FFF2-40B4-BE49-F238E27FC236}">
+                <a16:creationId xmlns:a16="http://schemas.microsoft.com/office/drawing/2014/main" id="{BECC4467-A81B-4C71-84BD-247D14A72600}"/>
+              </a:ext>
+            </a:extLst>
+          </p:cNvPr>
+          <p:cNvSpPr>
+            <a:spLocks noGrp="1"/>
+          </p:cNvSpPr>
+          <p:nvPr>
+            <p:ph type="title"/>
+          </p:nvPr>
+        </p:nvSpPr>
+        <p:spPr/>
+        <p:txBody>
+          <a:bodyPr/>
+          <a:lstStyle/>
+          <a:p>
+            <a:r>
+              <a:rPr lang="zh-CN" altLang="en-US" sz="4400" dirty="0"/>
+              <a:t>类图</a:t>
+            </a:r>
+            <a:r>
+              <a:rPr lang="en-US" altLang="zh-CN" sz="4400" dirty="0"/>
+              <a:t>——</a:t>
+            </a:r>
+            <a:r>
+              <a:rPr lang="zh-CN" altLang="en-US" sz="4400" dirty="0"/>
+              <a:t>聚合</a:t>
+            </a:r>
+          </a:p>
+        </p:txBody>
+      </p:sp>
+      <p:sp>
+        <p:nvSpPr>
+          <p:cNvPr id="3" name="内容占位符 2">
+            <a:extLst>
+              <a:ext uri="{FF2B5EF4-FFF2-40B4-BE49-F238E27FC236}">
+                <a16:creationId xmlns:a16="http://schemas.microsoft.com/office/drawing/2014/main" id="{133D2DFE-C8A1-4EA4-BA1A-11F6F3910F7A}"/>
+              </a:ext>
+            </a:extLst>
+          </p:cNvPr>
+          <p:cNvSpPr>
+            <a:spLocks noGrp="1"/>
+          </p:cNvSpPr>
+          <p:nvPr>
+            <p:ph idx="1"/>
+          </p:nvPr>
+        </p:nvSpPr>
+        <p:spPr>
+          <a:xfrm>
+            <a:off x="125030" y="2358921"/>
+            <a:ext cx="7610585" cy="3636511"/>
+          </a:xfrm>
+        </p:spPr>
+        <p:txBody>
+          <a:bodyPr>
+            <a:normAutofit/>
+          </a:bodyPr>
+          <a:lstStyle/>
+          <a:p>
+            <a:r>
+              <a:rPr lang="en-US" altLang="zh-CN" sz="2400" dirty="0"/>
+              <a:t>【</a:t>
+            </a:r>
+            <a:r>
+              <a:rPr lang="zh-CN" altLang="en-US" sz="2400" dirty="0"/>
+              <a:t>聚合关系</a:t>
+            </a:r>
+            <a:r>
+              <a:rPr lang="en-US" altLang="zh-CN" sz="2400" dirty="0"/>
+              <a:t>】</a:t>
+            </a:r>
+            <a:r>
+              <a:rPr lang="zh-CN" altLang="en-US" sz="2400" dirty="0"/>
+              <a:t>：是整体与部分的关系</a:t>
+            </a:r>
+            <a:r>
+              <a:rPr lang="en-US" altLang="zh-CN" sz="2400" dirty="0"/>
+              <a:t>, </a:t>
+            </a:r>
+            <a:r>
+              <a:rPr lang="zh-CN" altLang="en-US" sz="2400" dirty="0"/>
+              <a:t>且部分可以离开整体而单独存在</a:t>
+            </a:r>
+            <a:r>
+              <a:rPr lang="en-US" altLang="zh-CN" sz="2400" dirty="0"/>
+              <a:t>. </a:t>
+            </a:r>
+            <a:r>
+              <a:rPr lang="zh-CN" altLang="en-US" sz="2400" dirty="0"/>
+              <a:t>如车和轮胎是整体和部分的关系</a:t>
+            </a:r>
+            <a:r>
+              <a:rPr lang="en-US" altLang="zh-CN" sz="2400" dirty="0"/>
+              <a:t>, </a:t>
+            </a:r>
+            <a:r>
+              <a:rPr lang="zh-CN" altLang="en-US" sz="2400" dirty="0"/>
+              <a:t>轮胎离开车仍然可以存在</a:t>
+            </a:r>
+            <a:r>
+              <a:rPr lang="en-US" altLang="zh-CN" sz="2400" dirty="0"/>
+              <a:t>.</a:t>
+            </a:r>
+          </a:p>
+          <a:p>
+            <a:r>
+              <a:rPr lang="zh-CN" altLang="en-US" sz="2400" dirty="0"/>
+              <a:t>聚合关系是关联关系的一种，是强的关联关系；关联和聚合在语法上无法区分，必须考察具体的逻辑关系。</a:t>
+            </a:r>
+            <a:endParaRPr lang="en-US" altLang="zh-CN" sz="2400" dirty="0"/>
+          </a:p>
+          <a:p>
+            <a:r>
+              <a:rPr lang="en-US" altLang="zh-CN" sz="2400" dirty="0"/>
+              <a:t>【</a:t>
+            </a:r>
+            <a:r>
+              <a:rPr lang="zh-CN" altLang="en-US" sz="2400" dirty="0"/>
+              <a:t>代码体现</a:t>
+            </a:r>
+            <a:r>
+              <a:rPr lang="en-US" altLang="zh-CN" sz="2400" dirty="0"/>
+              <a:t>】</a:t>
+            </a:r>
+            <a:r>
+              <a:rPr lang="zh-CN" altLang="en-US" sz="2400" dirty="0"/>
+              <a:t>：成员变量</a:t>
+            </a:r>
+            <a:endParaRPr lang="en-US" altLang="zh-CN" sz="2400" dirty="0"/>
+          </a:p>
+          <a:p>
+            <a:r>
+              <a:rPr lang="en-US" altLang="zh-CN" sz="2400" dirty="0"/>
+              <a:t>【</a:t>
+            </a:r>
+            <a:r>
+              <a:rPr lang="zh-CN" altLang="en-US" sz="2400" dirty="0"/>
+              <a:t>箭头及指向</a:t>
+            </a:r>
+            <a:r>
+              <a:rPr lang="en-US" altLang="zh-CN" sz="2400" dirty="0"/>
+              <a:t>】</a:t>
+            </a:r>
+            <a:r>
+              <a:rPr lang="zh-CN" altLang="en-US" sz="2400" dirty="0"/>
+              <a:t>：带空心菱形的实心线，菱形指向整体</a:t>
+            </a:r>
+          </a:p>
+        </p:txBody>
+      </p:sp>
+      <p:pic>
+        <p:nvPicPr>
+          <p:cNvPr id="4" name="图片 3">
+            <a:extLst>
+              <a:ext uri="{FF2B5EF4-FFF2-40B4-BE49-F238E27FC236}">
+                <a16:creationId xmlns:a16="http://schemas.microsoft.com/office/drawing/2014/main" id="{C27A22FA-A40C-4D08-8839-25B5BFCE9611}"/>
+              </a:ext>
+            </a:extLst>
+          </p:cNvPr>
+          <p:cNvPicPr>
+            <a:picLocks noChangeAspect="1"/>
+          </p:cNvPicPr>
+          <p:nvPr/>
+        </p:nvPicPr>
+        <p:blipFill>
+          <a:blip r:embed="rId2"/>
+          <a:stretch>
+            <a:fillRect/>
+          </a:stretch>
+        </p:blipFill>
+        <p:spPr>
+          <a:xfrm>
+            <a:off x="7777252" y="2358921"/>
+            <a:ext cx="4289718" cy="3636511"/>
+          </a:xfrm>
+          <a:prstGeom prst="rect">
+            <a:avLst/>
+          </a:prstGeom>
+        </p:spPr>
+      </p:pic>
+      <p:sp>
+        <p:nvSpPr>
+          <p:cNvPr id="5" name="文本框 4">
+            <a:extLst>
+              <a:ext uri="{FF2B5EF4-FFF2-40B4-BE49-F238E27FC236}">
+                <a16:creationId xmlns:a16="http://schemas.microsoft.com/office/drawing/2014/main" id="{FF7B392F-483C-4B08-B80A-C8ED30428EC5}"/>
+              </a:ext>
+            </a:extLst>
+          </p:cNvPr>
+          <p:cNvSpPr txBox="1"/>
+          <p:nvPr/>
+        </p:nvSpPr>
+        <p:spPr>
+          <a:xfrm>
+            <a:off x="8124497" y="6190593"/>
+            <a:ext cx="774571" cy="369332"/>
+          </a:xfrm>
+          <a:prstGeom prst="rect">
+            <a:avLst/>
+          </a:prstGeom>
+          <a:noFill/>
+        </p:spPr>
+        <p:txBody>
+          <a:bodyPr wrap="none" rtlCol="0">
+            <a:spAutoFit/>
+          </a:bodyPr>
+          <a:lstStyle/>
+          <a:p>
+            <a:r>
+              <a:rPr lang="en-US" altLang="zh-CN" dirty="0"/>
+              <a:t>【1】</a:t>
+            </a:r>
+            <a:endParaRPr lang="zh-CN" altLang="en-US" dirty="0"/>
+          </a:p>
+        </p:txBody>
+      </p:sp>
+    </p:spTree>
+    <p:extLst>
+      <p:ext uri="{BB962C8B-B14F-4D97-AF65-F5344CB8AC3E}">
+        <p14:creationId xmlns:p14="http://schemas.microsoft.com/office/powerpoint/2010/main" val="3167945509"/>
+      </p:ext>
+    </p:extLst>
+  </p:cSld>
+  <p:clrMapOvr>
+    <a:masterClrMapping/>
+  </p:clrMapOvr>
+</p:sld>
+</file>
+
+<file path=ppt/slides/slide13.xml><?xml version="1.0" encoding="utf-8"?>
+<p:sld xmlns:a="http://schemas.openxmlformats.org/drawingml/2006/main" xmlns:r="http://schemas.openxmlformats.org/officeDocument/2006/relationships" xmlns:p="http://schemas.openxmlformats.org/presentationml/2006/main">
+  <p:cSld>
+    <p:spTree>
+      <p:nvGrpSpPr>
+        <p:cNvPr id="1" name=""/>
+        <p:cNvGrpSpPr/>
+        <p:nvPr/>
+      </p:nvGrpSpPr>
+      <p:grpSpPr>
+        <a:xfrm>
+          <a:off x="0" y="0"/>
+          <a:ext cx="0" cy="0"/>
+          <a:chOff x="0" y="0"/>
+          <a:chExt cx="0" cy="0"/>
+        </a:xfrm>
+      </p:grpSpPr>
+      <p:sp>
+        <p:nvSpPr>
+          <p:cNvPr id="2" name="标题 1">
+            <a:extLst>
+              <a:ext uri="{FF2B5EF4-FFF2-40B4-BE49-F238E27FC236}">
+                <a16:creationId xmlns:a16="http://schemas.microsoft.com/office/drawing/2014/main" id="{78DE7F43-FBBE-4D63-ABA3-A6EA6F7D4D80}"/>
+              </a:ext>
+            </a:extLst>
+          </p:cNvPr>
+          <p:cNvSpPr>
+            <a:spLocks noGrp="1"/>
+          </p:cNvSpPr>
+          <p:nvPr>
+            <p:ph type="title"/>
+          </p:nvPr>
+        </p:nvSpPr>
+        <p:spPr/>
+        <p:txBody>
+          <a:bodyPr/>
+          <a:lstStyle/>
+          <a:p>
+            <a:r>
+              <a:rPr lang="zh-CN" altLang="en-US" sz="4400" dirty="0"/>
+              <a:t>类图</a:t>
+            </a:r>
+            <a:r>
+              <a:rPr lang="en-US" altLang="zh-CN" sz="4400" dirty="0"/>
+              <a:t>——</a:t>
+            </a:r>
+            <a:r>
+              <a:rPr lang="zh-CN" altLang="en-US" sz="4400" dirty="0"/>
+              <a:t>组合</a:t>
+            </a:r>
+          </a:p>
+        </p:txBody>
+      </p:sp>
+      <p:sp>
+        <p:nvSpPr>
+          <p:cNvPr id="3" name="内容占位符 2">
+            <a:extLst>
+              <a:ext uri="{FF2B5EF4-FFF2-40B4-BE49-F238E27FC236}">
+                <a16:creationId xmlns:a16="http://schemas.microsoft.com/office/drawing/2014/main" id="{EA2B2B79-066B-48A7-9468-276F38289E56}"/>
+              </a:ext>
+            </a:extLst>
+          </p:cNvPr>
+          <p:cNvSpPr>
+            <a:spLocks noGrp="1"/>
+          </p:cNvSpPr>
+          <p:nvPr>
+            <p:ph idx="1"/>
+          </p:nvPr>
+        </p:nvSpPr>
+        <p:spPr>
+          <a:xfrm>
+            <a:off x="219623" y="2493612"/>
+            <a:ext cx="7547522" cy="3636511"/>
+          </a:xfrm>
+        </p:spPr>
+        <p:txBody>
+          <a:bodyPr/>
+          <a:lstStyle/>
+          <a:p>
+            <a:r>
+              <a:rPr lang="en-US" altLang="zh-CN" sz="2400" dirty="0"/>
+              <a:t>【</a:t>
+            </a:r>
+            <a:r>
+              <a:rPr lang="zh-CN" altLang="en-US" sz="2400" dirty="0"/>
+              <a:t>组合关系</a:t>
+            </a:r>
+            <a:r>
+              <a:rPr lang="en-US" altLang="zh-CN" sz="2400" dirty="0"/>
+              <a:t>】</a:t>
+            </a:r>
+            <a:r>
+              <a:rPr lang="zh-CN" altLang="en-US" sz="2400" dirty="0"/>
+              <a:t>：是整体与部分的关系</a:t>
+            </a:r>
+            <a:r>
+              <a:rPr lang="en-US" altLang="zh-CN" sz="2400" dirty="0"/>
+              <a:t>, </a:t>
+            </a:r>
+            <a:r>
+              <a:rPr lang="zh-CN" altLang="en-US" sz="2400" dirty="0"/>
+              <a:t>但部分不能离开整体而单独存在</a:t>
+            </a:r>
+            <a:r>
+              <a:rPr lang="en-US" altLang="zh-CN" sz="2400" dirty="0"/>
+              <a:t>.</a:t>
+            </a:r>
+            <a:r>
+              <a:rPr lang="zh-CN" altLang="en-US" sz="2400" dirty="0"/>
+              <a:t> 如公司和部门是整体和部分的关系</a:t>
+            </a:r>
+            <a:r>
+              <a:rPr lang="en-US" altLang="zh-CN" sz="2400" dirty="0"/>
+              <a:t>, </a:t>
+            </a:r>
+            <a:r>
+              <a:rPr lang="zh-CN" altLang="en-US" sz="2400" dirty="0"/>
+              <a:t>没有公司就不存在部门</a:t>
+            </a:r>
+            <a:r>
+              <a:rPr lang="en-US" altLang="zh-CN" sz="2400" dirty="0"/>
+              <a:t>.</a:t>
+            </a:r>
+          </a:p>
+          <a:p>
+            <a:r>
+              <a:rPr lang="zh-CN" altLang="en-US" sz="2400" dirty="0"/>
+              <a:t>组合关系是关联关系的一种，是比聚合关系还要强的关系，它要求普通的聚合关系中代表整体的对象负责代表部分的对象的生命周期</a:t>
+            </a:r>
+            <a:endParaRPr lang="en-US" altLang="zh-CN" sz="2400" dirty="0"/>
+          </a:p>
+          <a:p>
+            <a:r>
+              <a:rPr lang="en-US" altLang="zh-CN" sz="2400" dirty="0"/>
+              <a:t>【</a:t>
+            </a:r>
+            <a:r>
+              <a:rPr lang="zh-CN" altLang="en-US" sz="2400" dirty="0"/>
+              <a:t>代码体现</a:t>
+            </a:r>
+            <a:r>
+              <a:rPr lang="en-US" altLang="zh-CN" sz="2400" dirty="0"/>
+              <a:t>】</a:t>
+            </a:r>
+            <a:r>
+              <a:rPr lang="zh-CN" altLang="en-US" sz="2400" dirty="0"/>
+              <a:t>：成员变量</a:t>
+            </a:r>
+          </a:p>
+          <a:p>
+            <a:r>
+              <a:rPr lang="en-US" altLang="zh-CN" sz="2400" dirty="0"/>
+              <a:t>【</a:t>
+            </a:r>
+            <a:r>
+              <a:rPr lang="zh-CN" altLang="en-US" sz="2400" dirty="0"/>
+              <a:t>箭头及指向</a:t>
+            </a:r>
+            <a:r>
+              <a:rPr lang="en-US" altLang="zh-CN" sz="2400" dirty="0"/>
+              <a:t>】</a:t>
+            </a:r>
+            <a:r>
+              <a:rPr lang="zh-CN" altLang="en-US" sz="2400" dirty="0"/>
+              <a:t>：带实心菱形的实线，菱形指向整体</a:t>
+            </a:r>
+          </a:p>
+          <a:p>
+            <a:endParaRPr lang="zh-CN" altLang="en-US" dirty="0"/>
+          </a:p>
+        </p:txBody>
+      </p:sp>
+      <p:pic>
+        <p:nvPicPr>
+          <p:cNvPr id="4" name="图片 3">
+            <a:extLst>
+              <a:ext uri="{FF2B5EF4-FFF2-40B4-BE49-F238E27FC236}">
+                <a16:creationId xmlns:a16="http://schemas.microsoft.com/office/drawing/2014/main" id="{76E3A2C4-C86F-4D27-964A-EB18859BB5AC}"/>
+              </a:ext>
+            </a:extLst>
+          </p:cNvPr>
+          <p:cNvPicPr>
+            <a:picLocks noChangeAspect="1"/>
+          </p:cNvPicPr>
+          <p:nvPr/>
+        </p:nvPicPr>
+        <p:blipFill>
+          <a:blip r:embed="rId2"/>
+          <a:stretch>
+            <a:fillRect/>
+          </a:stretch>
+        </p:blipFill>
+        <p:spPr>
+          <a:xfrm>
+            <a:off x="8408276" y="2144274"/>
+            <a:ext cx="2522482" cy="4558861"/>
+          </a:xfrm>
+          <a:prstGeom prst="rect">
+            <a:avLst/>
+          </a:prstGeom>
+        </p:spPr>
+      </p:pic>
+      <p:sp>
+        <p:nvSpPr>
+          <p:cNvPr id="5" name="矩形 4">
+            <a:extLst>
+              <a:ext uri="{FF2B5EF4-FFF2-40B4-BE49-F238E27FC236}">
+                <a16:creationId xmlns:a16="http://schemas.microsoft.com/office/drawing/2014/main" id="{9525FD3F-AD15-4F36-83CF-4CFA5C7185E4}"/>
+              </a:ext>
+            </a:extLst>
+          </p:cNvPr>
+          <p:cNvSpPr/>
+          <p:nvPr/>
+        </p:nvSpPr>
+        <p:spPr>
+          <a:xfrm>
+            <a:off x="10994712" y="2645245"/>
+            <a:ext cx="774571" cy="369332"/>
+          </a:xfrm>
+          <a:prstGeom prst="rect">
+            <a:avLst/>
+          </a:prstGeom>
+        </p:spPr>
+        <p:txBody>
+          <a:bodyPr wrap="none">
+            <a:spAutoFit/>
+          </a:bodyPr>
+          <a:lstStyle/>
+          <a:p>
+            <a:r>
+              <a:rPr lang="en-US" altLang="zh-CN" dirty="0"/>
+              <a:t>【1】</a:t>
+            </a:r>
+            <a:endParaRPr lang="zh-CN" altLang="en-US" dirty="0"/>
+          </a:p>
+        </p:txBody>
+      </p:sp>
+    </p:spTree>
+    <p:extLst>
+      <p:ext uri="{BB962C8B-B14F-4D97-AF65-F5344CB8AC3E}">
+        <p14:creationId xmlns:p14="http://schemas.microsoft.com/office/powerpoint/2010/main" val="1467138345"/>
+      </p:ext>
+    </p:extLst>
+  </p:cSld>
+  <p:clrMapOvr>
+    <a:masterClrMapping/>
+  </p:clrMapOvr>
+</p:sld>
+</file>
+
+<file path=ppt/slides/slide14.xml><?xml version="1.0" encoding="utf-8"?>
+<p:sld xmlns:a="http://schemas.openxmlformats.org/drawingml/2006/main" xmlns:r="http://schemas.openxmlformats.org/officeDocument/2006/relationships" xmlns:p="http://schemas.openxmlformats.org/presentationml/2006/main">
+  <p:cSld>
+    <p:spTree>
+      <p:nvGrpSpPr>
+        <p:cNvPr id="1" name=""/>
+        <p:cNvGrpSpPr/>
+        <p:nvPr/>
+      </p:nvGrpSpPr>
+      <p:grpSpPr>
+        <a:xfrm>
+          <a:off x="0" y="0"/>
+          <a:ext cx="0" cy="0"/>
+          <a:chOff x="0" y="0"/>
+          <a:chExt cx="0" cy="0"/>
+        </a:xfrm>
+      </p:grpSpPr>
+      <p:sp>
+        <p:nvSpPr>
+          <p:cNvPr id="2" name="标题 1">
+            <a:extLst>
+              <a:ext uri="{FF2B5EF4-FFF2-40B4-BE49-F238E27FC236}">
+                <a16:creationId xmlns:a16="http://schemas.microsoft.com/office/drawing/2014/main" id="{194AF651-DB2E-49BF-9CE4-5E2B99D7769D}"/>
+              </a:ext>
+            </a:extLst>
+          </p:cNvPr>
+          <p:cNvSpPr>
+            <a:spLocks noGrp="1"/>
+          </p:cNvSpPr>
+          <p:nvPr>
+            <p:ph type="title"/>
+          </p:nvPr>
+        </p:nvSpPr>
+        <p:spPr/>
+        <p:txBody>
+          <a:bodyPr/>
+          <a:lstStyle/>
+          <a:p>
+            <a:r>
+              <a:rPr lang="zh-CN" altLang="en-US" sz="4400" dirty="0"/>
+              <a:t>类图</a:t>
+            </a:r>
+            <a:r>
+              <a:rPr lang="en-US" altLang="zh-CN" sz="4400" dirty="0"/>
+              <a:t>——</a:t>
+            </a:r>
+            <a:r>
+              <a:rPr lang="zh-CN" altLang="en-US" sz="4400" dirty="0"/>
+              <a:t>泛化关系</a:t>
+            </a:r>
+          </a:p>
+        </p:txBody>
+      </p:sp>
+      <p:sp>
+        <p:nvSpPr>
+          <p:cNvPr id="3" name="内容占位符 2">
+            <a:extLst>
+              <a:ext uri="{FF2B5EF4-FFF2-40B4-BE49-F238E27FC236}">
+                <a16:creationId xmlns:a16="http://schemas.microsoft.com/office/drawing/2014/main" id="{EDA20134-99AD-403F-9B23-D204EE798CE8}"/>
+              </a:ext>
+            </a:extLst>
+          </p:cNvPr>
+          <p:cNvSpPr>
+            <a:spLocks noGrp="1"/>
+          </p:cNvSpPr>
+          <p:nvPr>
+            <p:ph idx="1"/>
+          </p:nvPr>
+        </p:nvSpPr>
+        <p:spPr>
+          <a:xfrm>
+            <a:off x="650547" y="1497074"/>
+            <a:ext cx="10554574" cy="3636511"/>
+          </a:xfrm>
+        </p:spPr>
+        <p:txBody>
+          <a:bodyPr>
+            <a:normAutofit/>
+          </a:bodyPr>
+          <a:lstStyle/>
+          <a:p>
+            <a:r>
+              <a:rPr lang="en-US" altLang="zh-CN" sz="2400" dirty="0"/>
+              <a:t>【</a:t>
+            </a:r>
+            <a:r>
+              <a:rPr lang="zh-CN" altLang="en-US" sz="2400" dirty="0"/>
+              <a:t>泛化关系</a:t>
+            </a:r>
+            <a:r>
+              <a:rPr lang="en-US" altLang="zh-CN" sz="2400" dirty="0"/>
+              <a:t>】</a:t>
+            </a:r>
+            <a:r>
+              <a:rPr lang="zh-CN" altLang="en-US" sz="2400" dirty="0"/>
+              <a:t>：是一种继承关系</a:t>
+            </a:r>
+            <a:r>
+              <a:rPr lang="en-US" altLang="zh-CN" sz="2400" dirty="0"/>
+              <a:t>, </a:t>
+            </a:r>
+            <a:r>
+              <a:rPr lang="zh-CN" altLang="en-US" sz="2400" dirty="0"/>
+              <a:t>表示一般与特殊的关系</a:t>
+            </a:r>
+            <a:r>
+              <a:rPr lang="en-US" altLang="zh-CN" sz="2400" dirty="0"/>
+              <a:t>, </a:t>
+            </a:r>
+            <a:r>
+              <a:rPr lang="zh-CN" altLang="en-US" sz="2400" dirty="0"/>
+              <a:t>它指定了子类如何特化父类的所有特征和行为</a:t>
+            </a:r>
+            <a:r>
+              <a:rPr lang="en-US" altLang="zh-CN" sz="2400" dirty="0"/>
+              <a:t>.</a:t>
+            </a:r>
+            <a:r>
+              <a:rPr lang="zh-CN" altLang="en-US" sz="2400" dirty="0"/>
+              <a:t> 例如：游客是用户的一种</a:t>
+            </a:r>
+            <a:r>
+              <a:rPr lang="en-US" altLang="zh-CN" sz="2400" dirty="0"/>
+              <a:t>, </a:t>
+            </a:r>
+            <a:r>
+              <a:rPr lang="zh-CN" altLang="en-US" sz="2400" dirty="0"/>
+              <a:t>即有游客的特性也有用户的共性</a:t>
+            </a:r>
+            <a:r>
+              <a:rPr lang="en-US" altLang="zh-CN" sz="2400" dirty="0"/>
+              <a:t>.</a:t>
+            </a:r>
+          </a:p>
+          <a:p>
+            <a:r>
+              <a:rPr lang="en-US" altLang="zh-CN" sz="2400" dirty="0"/>
+              <a:t>【</a:t>
+            </a:r>
+            <a:r>
+              <a:rPr lang="zh-CN" altLang="en-US" sz="2400" dirty="0"/>
+              <a:t>箭头指向</a:t>
+            </a:r>
+            <a:r>
+              <a:rPr lang="en-US" altLang="zh-CN" sz="2400" dirty="0"/>
+              <a:t>】</a:t>
+            </a:r>
+            <a:r>
+              <a:rPr lang="zh-CN" altLang="en-US" sz="2400" dirty="0"/>
+              <a:t>：带三角箭头的实线，箭头指向父类</a:t>
+            </a:r>
+          </a:p>
+        </p:txBody>
+      </p:sp>
+      <p:pic>
+        <p:nvPicPr>
+          <p:cNvPr id="4" name="图片 3">
+            <a:extLst>
+              <a:ext uri="{FF2B5EF4-FFF2-40B4-BE49-F238E27FC236}">
+                <a16:creationId xmlns:a16="http://schemas.microsoft.com/office/drawing/2014/main" id="{36E66013-7941-48A6-B98C-AEC9AC95F14F}"/>
+              </a:ext>
+            </a:extLst>
+          </p:cNvPr>
+          <p:cNvPicPr>
+            <a:picLocks noChangeAspect="1"/>
+          </p:cNvPicPr>
+          <p:nvPr/>
+        </p:nvPicPr>
+        <p:blipFill>
+          <a:blip r:embed="rId2"/>
+          <a:stretch>
+            <a:fillRect/>
+          </a:stretch>
+        </p:blipFill>
+        <p:spPr>
+          <a:xfrm>
+            <a:off x="1363389" y="4519222"/>
+            <a:ext cx="7258050" cy="1228725"/>
+          </a:xfrm>
+          <a:prstGeom prst="rect">
+            <a:avLst/>
+          </a:prstGeom>
+        </p:spPr>
+      </p:pic>
+    </p:spTree>
+    <p:extLst>
+      <p:ext uri="{BB962C8B-B14F-4D97-AF65-F5344CB8AC3E}">
+        <p14:creationId xmlns:p14="http://schemas.microsoft.com/office/powerpoint/2010/main" val="4191828603"/>
+      </p:ext>
+    </p:extLst>
+  </p:cSld>
+  <p:clrMapOvr>
+    <a:masterClrMapping/>
+  </p:clrMapOvr>
+</p:sld>
+</file>
+
+<file path=ppt/slides/slide15.xml><?xml version="1.0" encoding="utf-8"?>
+<p:sld xmlns:a="http://schemas.openxmlformats.org/drawingml/2006/main" xmlns:r="http://schemas.openxmlformats.org/officeDocument/2006/relationships" xmlns:p="http://schemas.openxmlformats.org/presentationml/2006/main">
+  <p:cSld>
+    <p:spTree>
+      <p:nvGrpSpPr>
+        <p:cNvPr id="1" name=""/>
+        <p:cNvGrpSpPr/>
+        <p:nvPr/>
+      </p:nvGrpSpPr>
+      <p:grpSpPr>
+        <a:xfrm>
+          <a:off x="0" y="0"/>
+          <a:ext cx="0" cy="0"/>
+          <a:chOff x="0" y="0"/>
+          <a:chExt cx="0" cy="0"/>
+        </a:xfrm>
+      </p:grpSpPr>
+      <p:sp>
+        <p:nvSpPr>
+          <p:cNvPr id="2" name="标题 1">
+            <a:extLst>
+              <a:ext uri="{FF2B5EF4-FFF2-40B4-BE49-F238E27FC236}">
+                <a16:creationId xmlns:a16="http://schemas.microsoft.com/office/drawing/2014/main" id="{A2A17F2D-659F-4FAF-90EC-5931F7522BEA}"/>
+              </a:ext>
+            </a:extLst>
+          </p:cNvPr>
+          <p:cNvSpPr>
+            <a:spLocks noGrp="1"/>
+          </p:cNvSpPr>
+          <p:nvPr>
+            <p:ph type="title"/>
+          </p:nvPr>
+        </p:nvSpPr>
+        <p:spPr/>
+        <p:txBody>
+          <a:bodyPr/>
+          <a:lstStyle/>
+          <a:p>
+            <a:r>
+              <a:rPr lang="zh-CN" altLang="en-US" sz="4400" dirty="0"/>
+              <a:t>类图</a:t>
+            </a:r>
+            <a:r>
+              <a:rPr lang="en-US" altLang="zh-CN" sz="4400" dirty="0"/>
+              <a:t>——</a:t>
+            </a:r>
+            <a:r>
+              <a:rPr lang="zh-CN" altLang="en-US" sz="4400" dirty="0"/>
+              <a:t>依赖关系</a:t>
+            </a:r>
+          </a:p>
+        </p:txBody>
+      </p:sp>
+      <p:sp>
+        <p:nvSpPr>
+          <p:cNvPr id="3" name="内容占位符 2">
+            <a:extLst>
+              <a:ext uri="{FF2B5EF4-FFF2-40B4-BE49-F238E27FC236}">
+                <a16:creationId xmlns:a16="http://schemas.microsoft.com/office/drawing/2014/main" id="{A78725AA-A7EB-4423-A01E-D7004E93EA22}"/>
+              </a:ext>
+            </a:extLst>
+          </p:cNvPr>
+          <p:cNvSpPr>
+            <a:spLocks noGrp="1"/>
+          </p:cNvSpPr>
+          <p:nvPr>
+            <p:ph idx="1"/>
+          </p:nvPr>
+        </p:nvSpPr>
+        <p:spPr>
+          <a:xfrm>
+            <a:off x="682624" y="1610744"/>
+            <a:ext cx="10826750" cy="3636511"/>
+          </a:xfrm>
+        </p:spPr>
+        <p:txBody>
+          <a:bodyPr>
+            <a:normAutofit/>
+          </a:bodyPr>
+          <a:lstStyle/>
+          <a:p>
+            <a:r>
+              <a:rPr lang="en-US" altLang="zh-CN" sz="2400" dirty="0"/>
+              <a:t>【</a:t>
+            </a:r>
+            <a:r>
+              <a:rPr lang="zh-CN" altLang="en-US" sz="2400" dirty="0"/>
+              <a:t>依赖关系</a:t>
+            </a:r>
+            <a:r>
+              <a:rPr lang="en-US" altLang="zh-CN" sz="2400" dirty="0"/>
+              <a:t>】</a:t>
+            </a:r>
+            <a:r>
+              <a:rPr lang="zh-CN" altLang="en-US" sz="2400" dirty="0"/>
+              <a:t>：是一种使用的关系</a:t>
+            </a:r>
+            <a:r>
+              <a:rPr lang="en-US" altLang="zh-CN" sz="2400" dirty="0"/>
+              <a:t>,  </a:t>
+            </a:r>
+            <a:r>
+              <a:rPr lang="zh-CN" altLang="en-US" sz="2400" dirty="0"/>
+              <a:t>即一个类的实现需要另一个类的协助</a:t>
+            </a:r>
+            <a:r>
+              <a:rPr lang="en-US" altLang="zh-CN" sz="2400" dirty="0"/>
+              <a:t>, </a:t>
+            </a:r>
+            <a:r>
+              <a:rPr lang="zh-CN" altLang="en-US" sz="2400" dirty="0"/>
+              <a:t>所以要尽量不使用双向的互相依赖</a:t>
+            </a:r>
+            <a:endParaRPr lang="en-US" altLang="zh-CN" sz="2400" dirty="0"/>
+          </a:p>
+          <a:p>
+            <a:r>
+              <a:rPr lang="en-US" altLang="zh-CN" sz="2400" dirty="0"/>
+              <a:t>【</a:t>
+            </a:r>
+            <a:r>
+              <a:rPr lang="zh-CN" altLang="en-US" sz="2400" dirty="0"/>
+              <a:t>代码表现</a:t>
+            </a:r>
+            <a:r>
+              <a:rPr lang="en-US" altLang="zh-CN" sz="2400" dirty="0"/>
+              <a:t>】</a:t>
+            </a:r>
+            <a:r>
+              <a:rPr lang="zh-CN" altLang="en-US" sz="2400" dirty="0"/>
+              <a:t>：局部变量、方法的参数或者对静态方法的调用</a:t>
+            </a:r>
+            <a:endParaRPr lang="en-US" altLang="zh-CN" sz="2400" dirty="0"/>
+          </a:p>
+          <a:p>
+            <a:r>
+              <a:rPr lang="en-US" altLang="zh-CN" sz="2400" dirty="0"/>
+              <a:t>【</a:t>
+            </a:r>
+            <a:r>
+              <a:rPr lang="zh-CN" altLang="en-US" sz="2400" dirty="0"/>
+              <a:t>箭头及指向</a:t>
+            </a:r>
+            <a:r>
+              <a:rPr lang="en-US" altLang="zh-CN" sz="2400" dirty="0"/>
+              <a:t>】</a:t>
+            </a:r>
+            <a:r>
+              <a:rPr lang="zh-CN" altLang="en-US" sz="2400" dirty="0"/>
+              <a:t>：带箭头的虚线，指向被使用者</a:t>
+            </a:r>
+          </a:p>
+        </p:txBody>
+      </p:sp>
+      <p:pic>
+        <p:nvPicPr>
+          <p:cNvPr id="4" name="图片 3">
+            <a:extLst>
+              <a:ext uri="{FF2B5EF4-FFF2-40B4-BE49-F238E27FC236}">
+                <a16:creationId xmlns:a16="http://schemas.microsoft.com/office/drawing/2014/main" id="{60688CA4-D314-4339-89C5-0E57C5E999AC}"/>
+              </a:ext>
+            </a:extLst>
+          </p:cNvPr>
+          <p:cNvPicPr>
+            <a:picLocks noChangeAspect="1"/>
+          </p:cNvPicPr>
+          <p:nvPr/>
+        </p:nvPicPr>
+        <p:blipFill>
+          <a:blip r:embed="rId2"/>
+          <a:stretch>
+            <a:fillRect/>
+          </a:stretch>
+        </p:blipFill>
+        <p:spPr>
+          <a:xfrm>
+            <a:off x="1208361" y="4647179"/>
+            <a:ext cx="8017884" cy="1354227"/>
+          </a:xfrm>
+          <a:prstGeom prst="rect">
+            <a:avLst/>
+          </a:prstGeom>
+        </p:spPr>
+      </p:pic>
+    </p:spTree>
+    <p:extLst>
+      <p:ext uri="{BB962C8B-B14F-4D97-AF65-F5344CB8AC3E}">
+        <p14:creationId xmlns:p14="http://schemas.microsoft.com/office/powerpoint/2010/main" val="382965440"/>
+      </p:ext>
+    </p:extLst>
+  </p:cSld>
+  <p:clrMapOvr>
+    <a:masterClrMapping/>
+  </p:clrMapOvr>
+</p:sld>
+</file>
+
+<file path=ppt/slides/slide16.xml><?xml version="1.0" encoding="utf-8"?>
+<p:sld xmlns:a="http://schemas.openxmlformats.org/drawingml/2006/main" xmlns:r="http://schemas.openxmlformats.org/officeDocument/2006/relationships" xmlns:p="http://schemas.openxmlformats.org/presentationml/2006/main">
+  <p:cSld>
+    <p:spTree>
+      <p:nvGrpSpPr>
+        <p:cNvPr id="1" name=""/>
+        <p:cNvGrpSpPr/>
+        <p:nvPr/>
+      </p:nvGrpSpPr>
+      <p:grpSpPr>
+        <a:xfrm>
+          <a:off x="0" y="0"/>
+          <a:ext cx="0" cy="0"/>
+          <a:chOff x="0" y="0"/>
+          <a:chExt cx="0" cy="0"/>
+        </a:xfrm>
+      </p:grpSpPr>
+      <p:sp>
+        <p:nvSpPr>
+          <p:cNvPr id="2" name="标题 1">
+            <a:extLst>
+              <a:ext uri="{FF2B5EF4-FFF2-40B4-BE49-F238E27FC236}">
+                <a16:creationId xmlns:a16="http://schemas.microsoft.com/office/drawing/2014/main" id="{E305A5B7-B117-495F-844B-FA21B19C0E19}"/>
+              </a:ext>
+            </a:extLst>
+          </p:cNvPr>
+          <p:cNvSpPr>
+            <a:spLocks noGrp="1"/>
+          </p:cNvSpPr>
+          <p:nvPr>
+            <p:ph type="title"/>
+          </p:nvPr>
+        </p:nvSpPr>
+        <p:spPr/>
+        <p:txBody>
+          <a:bodyPr/>
+          <a:lstStyle/>
+          <a:p>
+            <a:r>
+              <a:rPr lang="zh-CN" altLang="en-US" sz="4400" dirty="0"/>
+              <a:t>状态图</a:t>
+            </a:r>
+          </a:p>
+        </p:txBody>
+      </p:sp>
+      <p:sp>
+        <p:nvSpPr>
+          <p:cNvPr id="3" name="内容占位符 2">
+            <a:extLst>
+              <a:ext uri="{FF2B5EF4-FFF2-40B4-BE49-F238E27FC236}">
+                <a16:creationId xmlns:a16="http://schemas.microsoft.com/office/drawing/2014/main" id="{B01F8323-CDBD-4233-B877-573F344C43AB}"/>
+              </a:ext>
+            </a:extLst>
+          </p:cNvPr>
+          <p:cNvSpPr>
+            <a:spLocks noGrp="1"/>
+          </p:cNvSpPr>
+          <p:nvPr>
+            <p:ph idx="1"/>
+          </p:nvPr>
+        </p:nvSpPr>
+        <p:spPr>
+          <a:xfrm>
+            <a:off x="519713" y="1417638"/>
+            <a:ext cx="11152571" cy="4125961"/>
+          </a:xfrm>
+        </p:spPr>
+        <p:txBody>
+          <a:bodyPr>
+            <a:normAutofit/>
+          </a:bodyPr>
+          <a:lstStyle/>
+          <a:p>
+            <a:r>
+              <a:rPr lang="en-US" altLang="zh-CN" sz="2400" dirty="0"/>
+              <a:t>【</a:t>
+            </a:r>
+            <a:r>
+              <a:rPr lang="zh-CN" altLang="en-US" sz="2400" dirty="0"/>
+              <a:t>概念</a:t>
+            </a:r>
+            <a:r>
+              <a:rPr lang="en-US" altLang="zh-CN" sz="2400" dirty="0"/>
+              <a:t>】</a:t>
+            </a:r>
+            <a:r>
+              <a:rPr lang="zh-CN" altLang="en-US" sz="2400" dirty="0"/>
+              <a:t>描述对象的所有状态以及事件发生而引起的状态之间的转移</a:t>
+            </a:r>
+            <a:endParaRPr lang="en-US" altLang="zh-CN" sz="2400" dirty="0"/>
+          </a:p>
+          <a:p>
+            <a:r>
+              <a:rPr lang="en-US" altLang="zh-CN" sz="2400" dirty="0"/>
+              <a:t>【</a:t>
+            </a:r>
+            <a:r>
+              <a:rPr lang="zh-CN" altLang="en-US" sz="2400" dirty="0"/>
+              <a:t>描述方式</a:t>
+            </a:r>
+            <a:r>
+              <a:rPr lang="en-US" altLang="zh-CN" sz="2400" dirty="0"/>
+              <a:t>】 1.</a:t>
+            </a:r>
+            <a:r>
+              <a:rPr lang="zh-CN" altLang="en-US" sz="2400" dirty="0"/>
+              <a:t>起始点：实心圆 </a:t>
+            </a:r>
+            <a:r>
+              <a:rPr lang="en-US" altLang="zh-CN" sz="2400" dirty="0"/>
+              <a:t>2.</a:t>
+            </a:r>
+            <a:r>
+              <a:rPr lang="zh-CN" altLang="en-US" sz="2400" dirty="0"/>
+              <a:t>状态之间的转换：使用开箭头的线段 </a:t>
+            </a:r>
+            <a:r>
+              <a:rPr lang="en-US" altLang="zh-CN" sz="2400" dirty="0"/>
+              <a:t>3.</a:t>
+            </a:r>
+            <a:r>
+              <a:rPr lang="zh-CN" altLang="en-US" sz="2400" dirty="0"/>
+              <a:t>状态：圆角矩形 </a:t>
+            </a:r>
+            <a:r>
+              <a:rPr lang="en-US" altLang="zh-CN" sz="2400" dirty="0"/>
+              <a:t>4.</a:t>
+            </a:r>
+            <a:r>
+              <a:rPr lang="zh-CN" altLang="en-US" sz="2400" dirty="0"/>
+              <a:t>判断点：空心圆 </a:t>
+            </a:r>
+            <a:r>
+              <a:rPr lang="en-US" altLang="zh-CN" sz="2400" dirty="0"/>
+              <a:t>5.</a:t>
+            </a:r>
+            <a:r>
+              <a:rPr lang="zh-CN" altLang="en-US" sz="2400" dirty="0"/>
+              <a:t>一个或多个终止点：内部包含实心圆的圆</a:t>
+            </a:r>
+            <a:endParaRPr lang="en-US" altLang="zh-CN" sz="2400" dirty="0"/>
+          </a:p>
+          <a:p>
+            <a:r>
+              <a:rPr lang="en-US" altLang="zh-CN" sz="2400" dirty="0"/>
+              <a:t>【</a:t>
+            </a:r>
+            <a:r>
+              <a:rPr lang="zh-CN" altLang="en-US" sz="2400" dirty="0"/>
+              <a:t>目的</a:t>
+            </a:r>
+            <a:r>
+              <a:rPr lang="en-US" altLang="zh-CN" sz="2400" dirty="0"/>
+              <a:t>】</a:t>
+            </a:r>
+            <a:r>
+              <a:rPr lang="zh-CN" altLang="en-US" sz="2400" dirty="0"/>
+              <a:t>表示某个类所处的不同状态以及该类在这些状态中的转换过程</a:t>
+            </a:r>
+          </a:p>
+        </p:txBody>
+      </p:sp>
+      <p:pic>
+        <p:nvPicPr>
+          <p:cNvPr id="4" name="图片 3">
+            <a:extLst>
+              <a:ext uri="{FF2B5EF4-FFF2-40B4-BE49-F238E27FC236}">
+                <a16:creationId xmlns:a16="http://schemas.microsoft.com/office/drawing/2014/main" id="{52FF99B7-36A5-420B-9A3E-F7DCC47BD02D}"/>
+              </a:ext>
+            </a:extLst>
+          </p:cNvPr>
+          <p:cNvPicPr>
+            <a:picLocks noChangeAspect="1"/>
+          </p:cNvPicPr>
+          <p:nvPr/>
+        </p:nvPicPr>
+        <p:blipFill>
+          <a:blip r:embed="rId2"/>
+          <a:stretch>
+            <a:fillRect/>
+          </a:stretch>
+        </p:blipFill>
+        <p:spPr>
+          <a:xfrm>
+            <a:off x="179089" y="4621874"/>
+            <a:ext cx="11833821" cy="1305959"/>
+          </a:xfrm>
+          <a:prstGeom prst="rect">
+            <a:avLst/>
+          </a:prstGeom>
+        </p:spPr>
+      </p:pic>
+    </p:spTree>
+    <p:extLst>
+      <p:ext uri="{BB962C8B-B14F-4D97-AF65-F5344CB8AC3E}">
+        <p14:creationId xmlns:p14="http://schemas.microsoft.com/office/powerpoint/2010/main" val="2835706306"/>
+      </p:ext>
+    </p:extLst>
+  </p:cSld>
+  <p:clrMapOvr>
+    <a:masterClrMapping/>
+  </p:clrMapOvr>
+</p:sld>
+</file>
+
+<file path=ppt/slides/slide17.xml><?xml version="1.0" encoding="utf-8"?>
+<p:sld xmlns:a="http://schemas.openxmlformats.org/drawingml/2006/main" xmlns:r="http://schemas.openxmlformats.org/officeDocument/2006/relationships" xmlns:p="http://schemas.openxmlformats.org/presentationml/2006/main">
+  <p:cSld>
+    <p:spTree>
+      <p:nvGrpSpPr>
+        <p:cNvPr id="1" name=""/>
+        <p:cNvGrpSpPr/>
+        <p:nvPr/>
+      </p:nvGrpSpPr>
+      <p:grpSpPr>
+        <a:xfrm>
+          <a:off x="0" y="0"/>
+          <a:ext cx="0" cy="0"/>
+          <a:chOff x="0" y="0"/>
+          <a:chExt cx="0" cy="0"/>
+        </a:xfrm>
+      </p:grpSpPr>
+      <p:sp>
+        <p:nvSpPr>
+          <p:cNvPr id="2" name="标题 1">
+            <a:extLst>
+              <a:ext uri="{FF2B5EF4-FFF2-40B4-BE49-F238E27FC236}">
+                <a16:creationId xmlns:a16="http://schemas.microsoft.com/office/drawing/2014/main" id="{F5F6FFB2-0007-40AA-AE0D-0D3E8C9F28BC}"/>
+              </a:ext>
+            </a:extLst>
+          </p:cNvPr>
+          <p:cNvSpPr>
+            <a:spLocks noGrp="1"/>
+          </p:cNvSpPr>
+          <p:nvPr>
+            <p:ph type="title"/>
+          </p:nvPr>
+        </p:nvSpPr>
+        <p:spPr/>
+        <p:txBody>
+          <a:bodyPr/>
+          <a:lstStyle/>
+          <a:p>
+            <a:r>
+              <a:rPr lang="zh-CN" altLang="en-US" sz="4400" dirty="0"/>
+              <a:t>顺序图</a:t>
+            </a:r>
+          </a:p>
+        </p:txBody>
+      </p:sp>
+      <p:sp>
+        <p:nvSpPr>
+          <p:cNvPr id="3" name="内容占位符 2">
+            <a:extLst>
+              <a:ext uri="{FF2B5EF4-FFF2-40B4-BE49-F238E27FC236}">
+                <a16:creationId xmlns:a16="http://schemas.microsoft.com/office/drawing/2014/main" id="{C74FA6F7-AB63-4B6B-BE6B-CD922C8B655B}"/>
+              </a:ext>
+            </a:extLst>
+          </p:cNvPr>
+          <p:cNvSpPr>
+            <a:spLocks noGrp="1"/>
+          </p:cNvSpPr>
+          <p:nvPr>
+            <p:ph idx="1"/>
+          </p:nvPr>
+        </p:nvSpPr>
+        <p:spPr>
+          <a:xfrm>
+            <a:off x="362058" y="2020648"/>
+            <a:ext cx="6469666" cy="4506276"/>
+          </a:xfrm>
+        </p:spPr>
+        <p:txBody>
+          <a:bodyPr>
+            <a:normAutofit/>
+          </a:bodyPr>
+          <a:lstStyle/>
+          <a:p>
+            <a:r>
+              <a:rPr lang="en-US" altLang="zh-CN" sz="2400" dirty="0"/>
+              <a:t>【</a:t>
+            </a:r>
+            <a:r>
+              <a:rPr lang="zh-CN" altLang="en-US" sz="2400" dirty="0"/>
+              <a:t>概念</a:t>
+            </a:r>
+            <a:r>
+              <a:rPr lang="en-US" altLang="zh-CN" sz="2400" dirty="0"/>
+              <a:t>】</a:t>
+            </a:r>
+            <a:r>
+              <a:rPr lang="zh-CN" altLang="en-US" sz="2400" dirty="0"/>
+              <a:t>描述对象之间的交互顺序，着重体现对象间消息传递的时间顺序</a:t>
+            </a:r>
+            <a:endParaRPr lang="en-US" altLang="zh-CN" sz="2400" dirty="0"/>
+          </a:p>
+          <a:p>
+            <a:r>
+              <a:rPr lang="en-US" altLang="zh-CN" sz="2400" dirty="0"/>
+              <a:t>【</a:t>
+            </a:r>
+            <a:r>
+              <a:rPr lang="zh-CN" altLang="en-US" sz="2400" dirty="0"/>
+              <a:t>描述方式</a:t>
+            </a:r>
+            <a:r>
+              <a:rPr lang="en-US" altLang="zh-CN" sz="2400" dirty="0"/>
+              <a:t>】</a:t>
+            </a:r>
+            <a:r>
+              <a:rPr lang="zh-CN" altLang="en-US" sz="2400" dirty="0"/>
+              <a:t>横跨图的顶部，每个框表示每个类的实例或对象；类实例名称和类名称使用冒号分开</a:t>
+            </a:r>
+            <a:endParaRPr lang="en-US" altLang="zh-CN" sz="2400" dirty="0"/>
+          </a:p>
+          <a:p>
+            <a:r>
+              <a:rPr lang="en-US" altLang="zh-CN" sz="2400" dirty="0"/>
+              <a:t>【</a:t>
+            </a:r>
+            <a:r>
+              <a:rPr lang="zh-CN" altLang="en-US" sz="2400" dirty="0"/>
+              <a:t>目的</a:t>
+            </a:r>
+            <a:r>
+              <a:rPr lang="en-US" altLang="zh-CN" sz="2400" dirty="0"/>
+              <a:t>】</a:t>
+            </a:r>
+            <a:r>
+              <a:rPr lang="zh-CN" altLang="en-US" sz="2400" dirty="0"/>
+              <a:t>显示流程中不同对象之间的调用关系，还可以显示不同对象的不同调用。</a:t>
+            </a:r>
+          </a:p>
+        </p:txBody>
+      </p:sp>
+      <p:pic>
+        <p:nvPicPr>
+          <p:cNvPr id="6" name="图片 5">
+            <a:extLst>
+              <a:ext uri="{FF2B5EF4-FFF2-40B4-BE49-F238E27FC236}">
+                <a16:creationId xmlns:a16="http://schemas.microsoft.com/office/drawing/2014/main" id="{9A39D29E-5460-40BD-9104-833F3404B9BA}"/>
+              </a:ext>
+            </a:extLst>
+          </p:cNvPr>
+          <p:cNvPicPr>
+            <a:picLocks noChangeAspect="1"/>
+          </p:cNvPicPr>
+          <p:nvPr/>
+        </p:nvPicPr>
+        <p:blipFill>
+          <a:blip r:embed="rId2"/>
+          <a:stretch>
+            <a:fillRect/>
+          </a:stretch>
+        </p:blipFill>
+        <p:spPr>
+          <a:xfrm>
+            <a:off x="6831724" y="2539580"/>
+            <a:ext cx="4867275" cy="3657600"/>
+          </a:xfrm>
+          <a:prstGeom prst="rect">
+            <a:avLst/>
+          </a:prstGeom>
+        </p:spPr>
+      </p:pic>
+    </p:spTree>
+    <p:extLst>
+      <p:ext uri="{BB962C8B-B14F-4D97-AF65-F5344CB8AC3E}">
+        <p14:creationId xmlns:p14="http://schemas.microsoft.com/office/powerpoint/2010/main" val="164661447"/>
+      </p:ext>
+    </p:extLst>
+  </p:cSld>
+  <p:clrMapOvr>
+    <a:masterClrMapping/>
+  </p:clrMapOvr>
+</p:sld>
+</file>
+
+<file path=ppt/slides/slide18.xml><?xml version="1.0" encoding="utf-8"?>
+<p:sld xmlns:a="http://schemas.openxmlformats.org/drawingml/2006/main" xmlns:r="http://schemas.openxmlformats.org/officeDocument/2006/relationships" xmlns:p="http://schemas.openxmlformats.org/presentationml/2006/main">
+  <p:cSld>
+    <p:spTree>
+      <p:nvGrpSpPr>
+        <p:cNvPr id="1" name=""/>
+        <p:cNvGrpSpPr/>
+        <p:nvPr/>
+      </p:nvGrpSpPr>
+      <p:grpSpPr>
+        <a:xfrm>
+          <a:off x="0" y="0"/>
+          <a:ext cx="0" cy="0"/>
+          <a:chOff x="0" y="0"/>
+          <a:chExt cx="0" cy="0"/>
+        </a:xfrm>
+      </p:grpSpPr>
+      <p:sp>
+        <p:nvSpPr>
+          <p:cNvPr id="2" name="标题 1">
+            <a:extLst>
+              <a:ext uri="{FF2B5EF4-FFF2-40B4-BE49-F238E27FC236}">
+                <a16:creationId xmlns:a16="http://schemas.microsoft.com/office/drawing/2014/main" id="{015099D2-B1DF-4662-AC69-67E0A7584550}"/>
+              </a:ext>
+            </a:extLst>
+          </p:cNvPr>
+          <p:cNvSpPr>
+            <a:spLocks noGrp="1"/>
+          </p:cNvSpPr>
+          <p:nvPr>
+            <p:ph type="title"/>
+          </p:nvPr>
+        </p:nvSpPr>
+        <p:spPr/>
+        <p:txBody>
+          <a:bodyPr/>
+          <a:lstStyle/>
+          <a:p>
+            <a:r>
+              <a:rPr lang="zh-CN" altLang="en-US" sz="4400" dirty="0"/>
+              <a:t>协作图</a:t>
+            </a:r>
+          </a:p>
+        </p:txBody>
+      </p:sp>
+      <p:sp>
+        <p:nvSpPr>
+          <p:cNvPr id="3" name="内容占位符 2">
+            <a:extLst>
+              <a:ext uri="{FF2B5EF4-FFF2-40B4-BE49-F238E27FC236}">
+                <a16:creationId xmlns:a16="http://schemas.microsoft.com/office/drawing/2014/main" id="{3AA3FA38-D36A-4A2F-B3FB-F76B7B46E8AC}"/>
+              </a:ext>
+            </a:extLst>
+          </p:cNvPr>
+          <p:cNvSpPr>
+            <a:spLocks noGrp="1"/>
+          </p:cNvSpPr>
+          <p:nvPr>
+            <p:ph idx="1"/>
+          </p:nvPr>
+        </p:nvSpPr>
+        <p:spPr>
+          <a:xfrm>
+            <a:off x="619016" y="1286866"/>
+            <a:ext cx="10554574" cy="3636511"/>
+          </a:xfrm>
+        </p:spPr>
+        <p:txBody>
+          <a:bodyPr>
+            <a:normAutofit/>
+          </a:bodyPr>
+          <a:lstStyle/>
+          <a:p>
+            <a:r>
+              <a:rPr lang="en-US" altLang="zh-CN" sz="2400" dirty="0"/>
+              <a:t>【</a:t>
+            </a:r>
+            <a:r>
+              <a:rPr lang="zh-CN" altLang="en-US" sz="2400" dirty="0"/>
+              <a:t>概念</a:t>
+            </a:r>
+            <a:r>
+              <a:rPr lang="en-US" altLang="zh-CN" sz="2400" dirty="0"/>
+              <a:t>】</a:t>
+            </a:r>
+            <a:r>
+              <a:rPr lang="zh-CN" altLang="en-US" sz="2400" dirty="0"/>
+              <a:t>描述对象之间的合作关系，侧重对象之间的消息传递</a:t>
+            </a:r>
+            <a:endParaRPr lang="en-US" altLang="zh-CN" sz="2400" dirty="0"/>
+          </a:p>
+          <a:p>
+            <a:r>
+              <a:rPr lang="zh-CN" altLang="en-US" sz="2400" dirty="0"/>
+              <a:t>协作图表现的是对象在空间上的联系</a:t>
+            </a:r>
+          </a:p>
+        </p:txBody>
+      </p:sp>
+      <p:pic>
+        <p:nvPicPr>
+          <p:cNvPr id="4" name="图片 3">
+            <a:extLst>
+              <a:ext uri="{FF2B5EF4-FFF2-40B4-BE49-F238E27FC236}">
+                <a16:creationId xmlns:a16="http://schemas.microsoft.com/office/drawing/2014/main" id="{FBE1490B-7321-47B2-8B4D-8E7FF6B941FC}"/>
+              </a:ext>
+            </a:extLst>
+          </p:cNvPr>
+          <p:cNvPicPr>
+            <a:picLocks noChangeAspect="1"/>
+          </p:cNvPicPr>
+          <p:nvPr/>
+        </p:nvPicPr>
+        <p:blipFill>
+          <a:blip r:embed="rId2"/>
+          <a:stretch>
+            <a:fillRect/>
+          </a:stretch>
+        </p:blipFill>
+        <p:spPr>
+          <a:xfrm>
+            <a:off x="6954892" y="3429000"/>
+            <a:ext cx="3600450" cy="2962275"/>
+          </a:xfrm>
+          <a:prstGeom prst="rect">
+            <a:avLst/>
+          </a:prstGeom>
+        </p:spPr>
+      </p:pic>
+    </p:spTree>
+    <p:extLst>
+      <p:ext uri="{BB962C8B-B14F-4D97-AF65-F5344CB8AC3E}">
+        <p14:creationId xmlns:p14="http://schemas.microsoft.com/office/powerpoint/2010/main" val="3231904488"/>
+      </p:ext>
+    </p:extLst>
+  </p:cSld>
+  <p:clrMapOvr>
+    <a:masterClrMapping/>
+  </p:clrMapOvr>
+</p:sld>
+</file>
+
+<file path=ppt/slides/slide19.xml><?xml version="1.0" encoding="utf-8"?>
+<p:sld xmlns:a="http://schemas.openxmlformats.org/drawingml/2006/main" xmlns:r="http://schemas.openxmlformats.org/officeDocument/2006/relationships" xmlns:p="http://schemas.openxmlformats.org/presentationml/2006/main">
+  <p:cSld>
+    <p:spTree>
+      <p:nvGrpSpPr>
+        <p:cNvPr id="1" name=""/>
+        <p:cNvGrpSpPr/>
+        <p:nvPr/>
+      </p:nvGrpSpPr>
+      <p:grpSpPr>
+        <a:xfrm>
+          <a:off x="0" y="0"/>
+          <a:ext cx="0" cy="0"/>
+          <a:chOff x="0" y="0"/>
+          <a:chExt cx="0" cy="0"/>
+        </a:xfrm>
+      </p:grpSpPr>
+      <p:sp>
+        <p:nvSpPr>
+          <p:cNvPr id="2" name="标题 1">
+            <a:extLst>
+              <a:ext uri="{FF2B5EF4-FFF2-40B4-BE49-F238E27FC236}">
+                <a16:creationId xmlns:a16="http://schemas.microsoft.com/office/drawing/2014/main" id="{F60C39C1-5728-4DFE-8985-3D59CBD69E5D}"/>
+              </a:ext>
+            </a:extLst>
+          </p:cNvPr>
+          <p:cNvSpPr>
+            <a:spLocks noGrp="1"/>
+          </p:cNvSpPr>
+          <p:nvPr>
+            <p:ph type="title"/>
+          </p:nvPr>
+        </p:nvSpPr>
+        <p:spPr/>
+        <p:txBody>
+          <a:bodyPr/>
+          <a:lstStyle/>
+          <a:p>
+            <a:r>
+              <a:rPr lang="zh-CN" altLang="en-US" dirty="0"/>
+              <a:t>问题二</a:t>
+            </a:r>
+          </a:p>
+        </p:txBody>
+      </p:sp>
+      <p:sp>
+        <p:nvSpPr>
+          <p:cNvPr id="3" name="内容占位符 2">
+            <a:extLst>
+              <a:ext uri="{FF2B5EF4-FFF2-40B4-BE49-F238E27FC236}">
+                <a16:creationId xmlns:a16="http://schemas.microsoft.com/office/drawing/2014/main" id="{F277E6E3-B504-4459-98D0-3B894DD1D37D}"/>
+              </a:ext>
+            </a:extLst>
+          </p:cNvPr>
+          <p:cNvSpPr>
+            <a:spLocks noGrp="1"/>
+          </p:cNvSpPr>
+          <p:nvPr>
+            <p:ph idx="1"/>
+          </p:nvPr>
+        </p:nvSpPr>
+        <p:spPr>
+          <a:xfrm>
+            <a:off x="703099" y="1055638"/>
+            <a:ext cx="10554574" cy="3636511"/>
+          </a:xfrm>
+        </p:spPr>
+        <p:txBody>
+          <a:bodyPr>
+            <a:normAutofit/>
+          </a:bodyPr>
+          <a:lstStyle/>
+          <a:p>
+            <a:r>
+              <a:rPr lang="zh-CN" altLang="en-US" sz="2400" dirty="0"/>
+              <a:t>顺序图和协作图之间的不同点？</a:t>
+            </a:r>
+            <a:endParaRPr lang="en-US" altLang="zh-CN" sz="2400" dirty="0"/>
+          </a:p>
+        </p:txBody>
+      </p:sp>
+      <p:sp>
+        <p:nvSpPr>
+          <p:cNvPr id="4" name="矩形 3">
+            <a:extLst>
+              <a:ext uri="{FF2B5EF4-FFF2-40B4-BE49-F238E27FC236}">
+                <a16:creationId xmlns:a16="http://schemas.microsoft.com/office/drawing/2014/main" id="{012DDA03-7A41-46E9-9C47-A84B81BF3510}"/>
+              </a:ext>
+            </a:extLst>
+          </p:cNvPr>
+          <p:cNvSpPr/>
+          <p:nvPr/>
+        </p:nvSpPr>
+        <p:spPr>
+          <a:xfrm>
+            <a:off x="1187668" y="3861152"/>
+            <a:ext cx="8996855" cy="830997"/>
+          </a:xfrm>
+          <a:prstGeom prst="rect">
+            <a:avLst/>
+          </a:prstGeom>
+        </p:spPr>
+        <p:txBody>
+          <a:bodyPr wrap="square">
+            <a:spAutoFit/>
+          </a:bodyPr>
+          <a:lstStyle/>
+          <a:p>
+            <a:r>
+              <a:rPr lang="zh-CN" altLang="en-US" sz="2400" dirty="0"/>
+              <a:t>顺序图更关注消息调用的时间顺序，协作图更关注系统成分如何协同工作，强调对象间的结构关系，交互参与者间的链接。</a:t>
+            </a:r>
+          </a:p>
+        </p:txBody>
+      </p:sp>
+    </p:spTree>
+    <p:extLst>
+      <p:ext uri="{BB962C8B-B14F-4D97-AF65-F5344CB8AC3E}">
+        <p14:creationId xmlns:p14="http://schemas.microsoft.com/office/powerpoint/2010/main" val="1814877264"/>
+      </p:ext>
+    </p:extLst>
+  </p:cSld>
+  <p:clrMapOvr>
+    <a:masterClrMapping/>
+  </p:clrMapOvr>
+  <p:timing>
+    <p:tnLst>
+      <p:par>
+        <p:cTn id="1" dur="indefinite" restart="never" nodeType="tmRoot">
+          <p:childTnLst>
+            <p:seq concurrent="1" nextAc="seek">
+              <p:cTn id="2" dur="indefinite" nodeType="mainSeq">
+                <p:childTnLst>
+                  <p:par>
+                    <p:cTn id="3" fill="hold">
+                      <p:stCondLst>
+                        <p:cond delay="indefinite"/>
+                      </p:stCondLst>
+                      <p:childTnLst>
+                        <p:par>
+                          <p:cTn id="4" fill="hold">
+                            <p:stCondLst>
+                              <p:cond delay="0"/>
+                            </p:stCondLst>
+                            <p:childTnLst>
+                              <p:par>
+                                <p:cTn id="5" presetID="1" presetClass="entr" presetSubtype="0" fill="hold" nodeType="clickEffect">
+                                  <p:stCondLst>
+                                    <p:cond delay="0"/>
+                                  </p:stCondLst>
+                                  <p:childTnLst>
+                                    <p:set>
+                                      <p:cBhvr>
+                                        <p:cTn id="6" dur="1" fill="hold">
+                                          <p:stCondLst>
+                                            <p:cond delay="0"/>
+                                          </p:stCondLst>
+                                        </p:cTn>
+                                        <p:tgtEl>
+                                          <p:spTgt spid="4">
+                                            <p:txEl>
+                                              <p:pRg st="0" end="0"/>
+                                            </p:txEl>
+                                          </p:spTgt>
+                                        </p:tgtEl>
+                                        <p:attrNameLst>
+                                          <p:attrName>style.visibility</p:attrName>
+                                        </p:attrNameLst>
+                                      </p:cBhvr>
+                                      <p:to>
+                                        <p:strVal val="visible"/>
+                                      </p:to>
+                                    </p:set>
+                                  </p:childTnLst>
+                                </p:cTn>
+                              </p:par>
+                            </p:childTnLst>
+                          </p:cTn>
+                        </p:par>
+                      </p:childTnLst>
+                    </p:cTn>
+                  </p:par>
+                </p:childTnLst>
+              </p:cTn>
+              <p:prevCondLst>
+                <p:cond evt="onPrev" delay="0">
+                  <p:tgtEl>
+                    <p:sldTgt/>
+                  </p:tgtEl>
+                </p:cond>
+              </p:prevCondLst>
+              <p:nextCondLst>
+                <p:cond evt="onNext" delay="0">
+                  <p:tgtEl>
+                    <p:sldTgt/>
+                  </p:tgtEl>
+                </p:cond>
+              </p:nextCondLst>
+            </p:seq>
+          </p:childTnLst>
+        </p:cTn>
+      </p:par>
+    </p:tnLst>
+  </p:timing>
+</p:sld>
+</file>
+
+<file path=ppt/slides/slide2.xml><?xml version="1.0" encoding="utf-8"?>
+<p:sld xmlns:a="http://schemas.openxmlformats.org/drawingml/2006/main" xmlns:r="http://schemas.openxmlformats.org/officeDocument/2006/relationships" xmlns:p="http://schemas.openxmlformats.org/presentationml/2006/main">
+  <p:cSld>
+    <p:spTree>
+      <p:nvGrpSpPr>
+        <p:cNvPr id="1" name=""/>
+        <p:cNvGrpSpPr/>
+        <p:nvPr/>
+      </p:nvGrpSpPr>
+      <p:grpSpPr>
+        <a:xfrm>
+          <a:off x="0" y="0"/>
+          <a:ext cx="0" cy="0"/>
+          <a:chOff x="0" y="0"/>
+          <a:chExt cx="0" cy="0"/>
+        </a:xfrm>
+      </p:grpSpPr>
+      <p:sp>
+        <p:nvSpPr>
+          <p:cNvPr id="10" name="Rectangle 9"/>
+          <p:cNvSpPr>
+            <a:spLocks noGrp="1" noRot="1" noChangeAspect="1" noMove="1" noResize="1" noEditPoints="1" noAdjustHandles="1" noChangeArrowheads="1" noChangeShapeType="1" noTextEdit="1"/>
+          </p:cNvSpPr>
+          <p:nvPr>
+            <p:extLst>
+              <p:ext uri="{386F3935-93C4-4BCD-93E2-E3B085C9AB24}">
+                <p16:designElem xmlns:p16="http://schemas.microsoft.com/office/powerpoint/2015/main" val="1"/>
+              </p:ext>
+            </p:extLst>
+          </p:nvPr>
+        </p:nvSpPr>
+        <p:spPr bwMode="white">
+          <a:xfrm>
+            <a:off x="0" y="0"/>
+            <a:ext cx="12192000" cy="6858000"/>
+          </a:xfrm>
+          <a:prstGeom prst="rect">
+            <a:avLst/>
+          </a:prstGeom>
+          <a:solidFill>
+            <a:schemeClr val="bg2"/>
+          </a:solidFill>
+          <a:ln>
+            <a:noFill/>
+          </a:ln>
+          <a:effectLst/>
+        </p:spPr>
+      </p:sp>
+      <p:sp>
+        <p:nvSpPr>
+          <p:cNvPr id="12" name="Freeform 6">
+            <a:extLst>
+              <a:ext uri="{FF2B5EF4-FFF2-40B4-BE49-F238E27FC236}">
+                <a16:creationId xmlns:a16="http://schemas.microsoft.com/office/drawing/2014/main" id="{B9D93730-8C7D-423D-9137-597B5FA65701}"/>
+              </a:ext>
+            </a:extLst>
+          </p:cNvPr>
+          <p:cNvSpPr>
+            <a:spLocks noGrp="1" noRot="1" noChangeAspect="1" noMove="1" noResize="1" noEditPoints="1" noAdjustHandles="1" noChangeArrowheads="1" noChangeShapeType="1" noTextEdit="1"/>
+          </p:cNvSpPr>
+          <p:nvPr>
+            <p:extLst>
+              <p:ext uri="{386F3935-93C4-4BCD-93E2-E3B085C9AB24}">
+                <p16:designElem xmlns:p16="http://schemas.microsoft.com/office/powerpoint/2015/main" val="1"/>
+              </p:ext>
+            </p:extLst>
+          </p:nvPr>
+        </p:nvSpPr>
+        <p:spPr bwMode="auto">
+          <a:xfrm>
+            <a:off x="0" y="0"/>
+            <a:ext cx="12192000" cy="2185988"/>
+          </a:xfrm>
+          <a:custGeom>
+            <a:avLst/>
+            <a:gdLst/>
+            <a:ahLst/>
+            <a:cxnLst/>
+            <a:rect l="0" t="0" r="r" b="b"/>
+            <a:pathLst>
+              <a:path w="5760" h="1377">
+                <a:moveTo>
+                  <a:pt x="5760" y="0"/>
+                </a:moveTo>
+                <a:lnTo>
+                  <a:pt x="0" y="0"/>
+                </a:lnTo>
+                <a:lnTo>
+                  <a:pt x="0" y="1189"/>
+                </a:lnTo>
+                <a:lnTo>
+                  <a:pt x="943" y="1189"/>
+                </a:lnTo>
+                <a:lnTo>
+                  <a:pt x="1123" y="1369"/>
+                </a:lnTo>
+                <a:lnTo>
+                  <a:pt x="1123" y="1369"/>
+                </a:lnTo>
+                <a:lnTo>
+                  <a:pt x="1127" y="1371"/>
+                </a:lnTo>
+                <a:lnTo>
+                  <a:pt x="1133" y="1374"/>
+                </a:lnTo>
+                <a:lnTo>
+                  <a:pt x="1139" y="1377"/>
+                </a:lnTo>
+                <a:lnTo>
+                  <a:pt x="1144" y="1377"/>
+                </a:lnTo>
+                <a:lnTo>
+                  <a:pt x="1150" y="1377"/>
+                </a:lnTo>
+                <a:lnTo>
+                  <a:pt x="1155" y="1374"/>
+                </a:lnTo>
+                <a:lnTo>
+                  <a:pt x="1161" y="1371"/>
+                </a:lnTo>
+                <a:lnTo>
+                  <a:pt x="1165" y="1369"/>
+                </a:lnTo>
+                <a:lnTo>
+                  <a:pt x="1345" y="1189"/>
+                </a:lnTo>
+                <a:lnTo>
+                  <a:pt x="5760" y="1189"/>
+                </a:lnTo>
+                <a:lnTo>
+                  <a:pt x="5760" y="0"/>
+                </a:lnTo>
+                <a:close/>
+              </a:path>
+            </a:pathLst>
+          </a:custGeom>
+          <a:ln/>
+          <a:extLst>
+            <a:ext uri="{91240B29-F687-4f45-9708-019B960494DF}">
+              <a14:hiddenLine xmlns:a14="http://schemas.microsoft.com/office/drawing/2010/main" xmlns="" w="9525">
+                <a:solidFill>
+                  <a:srgbClr val="000000"/>
+                </a:solidFill>
+                <a:round/>
+                <a:headEnd/>
+                <a:tailEnd/>
+              </a14:hiddenLine>
+            </a:ext>
+          </a:extLst>
+        </p:spPr>
+        <p:style>
+          <a:lnRef idx="1">
+            <a:schemeClr val="accent1"/>
+          </a:lnRef>
+          <a:fillRef idx="3">
+            <a:schemeClr val="accent1"/>
+          </a:fillRef>
+          <a:effectRef idx="2">
+            <a:schemeClr val="accent1"/>
+          </a:effectRef>
+          <a:fontRef idx="minor">
+            <a:schemeClr val="lt1"/>
+          </a:fontRef>
+        </p:style>
+      </p:sp>
       <p:sp useBgFill="1">
         <p:nvSpPr>
-          <p:cNvPr id="10" name="Rectangle 9">
+          <p:cNvPr id="14" name="Rectangle 13">
             <a:extLst>
               <a:ext uri="{FF2B5EF4-FFF2-40B4-BE49-F238E27FC236}">
                 <a16:creationId xmlns:a16="http://schemas.microsoft.com/office/drawing/2014/main" id="{A3322B77-FA16-4D4E-BAA6-811C61DB3E85}"/>
@@ -9739,7 +11738,7 @@
       </p:sp>
       <p:sp>
         <p:nvSpPr>
-          <p:cNvPr id="12" name="Freeform: Shape 11">
+          <p:cNvPr id="16" name="Freeform: Shape 15">
             <a:extLst>
               <a:ext uri="{FF2B5EF4-FFF2-40B4-BE49-F238E27FC236}">
                 <a16:creationId xmlns:a16="http://schemas.microsoft.com/office/drawing/2014/main" id="{CA6EF34F-3BAD-4CD8-B05E-03BA773AE864}"/>
@@ -9921,3009 +11920,6 @@
       </p:sp>
       <p:sp>
         <p:nvSpPr>
-          <p:cNvPr id="2" name="标题 1">
-            <a:extLst>
-              <a:ext uri="{FF2B5EF4-FFF2-40B4-BE49-F238E27FC236}">
-                <a16:creationId xmlns:a16="http://schemas.microsoft.com/office/drawing/2014/main" id="{07F82CAD-895A-43D3-8349-0BA3C86A2196}"/>
-              </a:ext>
-            </a:extLst>
-          </p:cNvPr>
-          <p:cNvSpPr>
-            <a:spLocks noGrp="1"/>
-          </p:cNvSpPr>
-          <p:nvPr>
-            <p:ph type="title"/>
-          </p:nvPr>
-        </p:nvSpPr>
-        <p:spPr>
-          <a:xfrm>
-            <a:off x="641754" y="1918252"/>
-            <a:ext cx="3365439" cy="3997635"/>
-          </a:xfrm>
-        </p:spPr>
-        <p:txBody>
-          <a:bodyPr anchor="t">
-            <a:normAutofit/>
-          </a:bodyPr>
-          <a:lstStyle/>
-          <a:p>
-            <a:r>
-              <a:rPr lang="en-US" altLang="zh-CN" sz="4400" dirty="0"/>
-              <a:t>3</a:t>
-            </a:r>
-            <a:r>
-              <a:rPr lang="zh-CN" altLang="en-US" sz="4400" dirty="0"/>
-              <a:t>、状态机图</a:t>
-            </a:r>
-          </a:p>
-        </p:txBody>
-      </p:sp>
-      <p:sp>
-        <p:nvSpPr>
-          <p:cNvPr id="3" name="内容占位符 2"/>
-          <p:cNvSpPr>
-            <a:spLocks noGrp="1"/>
-          </p:cNvSpPr>
-          <p:nvPr>
-            <p:ph idx="1"/>
-          </p:nvPr>
-        </p:nvSpPr>
-        <p:spPr>
-          <a:xfrm>
-            <a:off x="4947920" y="497841"/>
-            <a:ext cx="6425366" cy="5191760"/>
-          </a:xfrm>
-        </p:spPr>
-        <p:txBody>
-          <a:bodyPr/>
-          <a:lstStyle/>
-          <a:p>
-            <a:r>
-              <a:rPr lang="zh-CN" altLang="en-US" dirty="0"/>
-              <a:t>概述、基本元素等</a:t>
-            </a:r>
-          </a:p>
-        </p:txBody>
-      </p:sp>
-    </p:spTree>
-    <p:extLst>
-      <p:ext uri="{BB962C8B-B14F-4D97-AF65-F5344CB8AC3E}">
-        <p14:creationId xmlns:p14="http://schemas.microsoft.com/office/powerpoint/2010/main" val="828526820"/>
-      </p:ext>
-    </p:extLst>
-  </p:cSld>
-  <p:clrMapOvr>
-    <a:masterClrMapping/>
-  </p:clrMapOvr>
-</p:sld>
-</file>
-
-<file path=ppt/slides/slide11.xml><?xml version="1.0" encoding="utf-8"?>
-<p:sld xmlns:a="http://schemas.openxmlformats.org/drawingml/2006/main" xmlns:r="http://schemas.openxmlformats.org/officeDocument/2006/relationships" xmlns:p="http://schemas.openxmlformats.org/presentationml/2006/main">
-  <p:cSld>
-    <p:spTree>
-      <p:nvGrpSpPr>
-        <p:cNvPr id="1" name=""/>
-        <p:cNvGrpSpPr/>
-        <p:nvPr/>
-      </p:nvGrpSpPr>
-      <p:grpSpPr>
-        <a:xfrm>
-          <a:off x="0" y="0"/>
-          <a:ext cx="0" cy="0"/>
-          <a:chOff x="0" y="0"/>
-          <a:chExt cx="0" cy="0"/>
-        </a:xfrm>
-      </p:grpSpPr>
-      <p:sp useBgFill="1">
-        <p:nvSpPr>
-          <p:cNvPr id="10" name="Rectangle 9">
-            <a:extLst>
-              <a:ext uri="{FF2B5EF4-FFF2-40B4-BE49-F238E27FC236}">
-                <a16:creationId xmlns:a16="http://schemas.microsoft.com/office/drawing/2014/main" id="{A3322B77-FA16-4D4E-BAA6-811C61DB3E85}"/>
-              </a:ext>
-            </a:extLst>
-          </p:cNvPr>
-          <p:cNvSpPr>
-            <a:spLocks noGrp="1" noRot="1" noChangeAspect="1" noMove="1" noResize="1" noEditPoints="1" noAdjustHandles="1" noChangeArrowheads="1" noChangeShapeType="1" noTextEdit="1"/>
-          </p:cNvSpPr>
-          <p:nvPr>
-            <p:extLst>
-              <p:ext uri="{386F3935-93C4-4BCD-93E2-E3B085C9AB24}">
-                <p16:designElem xmlns:p16="http://schemas.microsoft.com/office/powerpoint/2015/main" val="1"/>
-              </p:ext>
-            </p:extLst>
-          </p:nvPr>
-        </p:nvSpPr>
-        <p:spPr>
-          <a:xfrm>
-            <a:off x="0" y="0"/>
-            <a:ext cx="12192000" cy="6858000"/>
-          </a:xfrm>
-          <a:prstGeom prst="rect">
-            <a:avLst/>
-          </a:prstGeom>
-          <a:ln>
-            <a:noFill/>
-          </a:ln>
-        </p:spPr>
-        <p:style>
-          <a:lnRef idx="2">
-            <a:schemeClr val="accent1">
-              <a:shade val="50000"/>
-            </a:schemeClr>
-          </a:lnRef>
-          <a:fillRef idx="1">
-            <a:schemeClr val="accent1"/>
-          </a:fillRef>
-          <a:effectRef idx="0">
-            <a:schemeClr val="accent1"/>
-          </a:effectRef>
-          <a:fontRef idx="minor">
-            <a:schemeClr val="lt1"/>
-          </a:fontRef>
-        </p:style>
-        <p:txBody>
-          <a:bodyPr rtlCol="0" anchor="ctr"/>
-          <a:lstStyle/>
-          <a:p>
-            <a:pPr algn="ctr"/>
-            <a:endParaRPr lang="en-US"/>
-          </a:p>
-        </p:txBody>
-      </p:sp>
-      <p:sp>
-        <p:nvSpPr>
-          <p:cNvPr id="12" name="Freeform: Shape 11">
-            <a:extLst>
-              <a:ext uri="{FF2B5EF4-FFF2-40B4-BE49-F238E27FC236}">
-                <a16:creationId xmlns:a16="http://schemas.microsoft.com/office/drawing/2014/main" id="{CA6EF34F-3BAD-4CD8-B05E-03BA773AE864}"/>
-              </a:ext>
-            </a:extLst>
-          </p:cNvPr>
-          <p:cNvSpPr>
-            <a:spLocks noGrp="1" noRot="1" noChangeAspect="1" noMove="1" noResize="1" noEditPoints="1" noAdjustHandles="1" noChangeArrowheads="1" noChangeShapeType="1" noTextEdit="1"/>
-          </p:cNvSpPr>
-          <p:nvPr>
-            <p:extLst>
-              <p:ext uri="{386F3935-93C4-4BCD-93E2-E3B085C9AB24}">
-                <p16:designElem xmlns:p16="http://schemas.microsoft.com/office/powerpoint/2015/main" val="1"/>
-              </p:ext>
-            </p:extLst>
-          </p:nvPr>
-        </p:nvSpPr>
-        <p:spPr bwMode="auto">
-          <a:xfrm rot="16200000">
-            <a:off x="-1050631" y="1050634"/>
-            <a:ext cx="6857997" cy="4756735"/>
-          </a:xfrm>
-          <a:custGeom>
-            <a:avLst/>
-            <a:gdLst>
-              <a:gd name="connsiteX0" fmla="*/ 6857997 w 6857997"/>
-              <a:gd name="connsiteY0" fmla="*/ 0 h 4756735"/>
-              <a:gd name="connsiteX1" fmla="*/ 6857997 w 6857997"/>
-              <a:gd name="connsiteY1" fmla="*/ 4458285 h 4756735"/>
-              <a:gd name="connsiteX2" fmla="*/ 4861980 w 6857997"/>
-              <a:gd name="connsiteY2" fmla="*/ 4458285 h 4756735"/>
-              <a:gd name="connsiteX3" fmla="*/ 4480980 w 6857997"/>
-              <a:gd name="connsiteY3" fmla="*/ 4744036 h 4756735"/>
-              <a:gd name="connsiteX4" fmla="*/ 4472514 w 6857997"/>
-              <a:gd name="connsiteY4" fmla="*/ 4747210 h 4756735"/>
-              <a:gd name="connsiteX5" fmla="*/ 4459814 w 6857997"/>
-              <a:gd name="connsiteY5" fmla="*/ 4751973 h 4756735"/>
-              <a:gd name="connsiteX6" fmla="*/ 4447114 w 6857997"/>
-              <a:gd name="connsiteY6" fmla="*/ 4756735 h 4756735"/>
-              <a:gd name="connsiteX7" fmla="*/ 4436530 w 6857997"/>
-              <a:gd name="connsiteY7" fmla="*/ 4756735 h 4756735"/>
-              <a:gd name="connsiteX8" fmla="*/ 4423830 w 6857997"/>
-              <a:gd name="connsiteY8" fmla="*/ 4756735 h 4756735"/>
-              <a:gd name="connsiteX9" fmla="*/ 4413247 w 6857997"/>
-              <a:gd name="connsiteY9" fmla="*/ 4751973 h 4756735"/>
-              <a:gd name="connsiteX10" fmla="*/ 4400547 w 6857997"/>
-              <a:gd name="connsiteY10" fmla="*/ 4747210 h 4756735"/>
-              <a:gd name="connsiteX11" fmla="*/ 4392080 w 6857997"/>
-              <a:gd name="connsiteY11" fmla="*/ 4744036 h 4756735"/>
-              <a:gd name="connsiteX12" fmla="*/ 4011080 w 6857997"/>
-              <a:gd name="connsiteY12" fmla="*/ 4458285 h 4756735"/>
-              <a:gd name="connsiteX13" fmla="*/ 0 w 6857997"/>
-              <a:gd name="connsiteY13" fmla="*/ 4458285 h 4756735"/>
-              <a:gd name="connsiteX14" fmla="*/ 1 w 6857997"/>
-              <a:gd name="connsiteY14" fmla="*/ 0 h 4756735"/>
-            </a:gdLst>
-            <a:ahLst/>
-            <a:cxnLst>
-              <a:cxn ang="0">
-                <a:pos x="connsiteX0" y="connsiteY0"/>
-              </a:cxn>
-              <a:cxn ang="0">
-                <a:pos x="connsiteX1" y="connsiteY1"/>
-              </a:cxn>
-              <a:cxn ang="0">
-                <a:pos x="connsiteX2" y="connsiteY2"/>
-              </a:cxn>
-              <a:cxn ang="0">
-                <a:pos x="connsiteX3" y="connsiteY3"/>
-              </a:cxn>
-              <a:cxn ang="0">
-                <a:pos x="connsiteX4" y="connsiteY4"/>
-              </a:cxn>
-              <a:cxn ang="0">
-                <a:pos x="connsiteX5" y="connsiteY5"/>
-              </a:cxn>
-              <a:cxn ang="0">
-                <a:pos x="connsiteX6" y="connsiteY6"/>
-              </a:cxn>
-              <a:cxn ang="0">
-                <a:pos x="connsiteX7" y="connsiteY7"/>
-              </a:cxn>
-              <a:cxn ang="0">
-                <a:pos x="connsiteX8" y="connsiteY8"/>
-              </a:cxn>
-              <a:cxn ang="0">
-                <a:pos x="connsiteX9" y="connsiteY9"/>
-              </a:cxn>
-              <a:cxn ang="0">
-                <a:pos x="connsiteX10" y="connsiteY10"/>
-              </a:cxn>
-              <a:cxn ang="0">
-                <a:pos x="connsiteX11" y="connsiteY11"/>
-              </a:cxn>
-              <a:cxn ang="0">
-                <a:pos x="connsiteX12" y="connsiteY12"/>
-              </a:cxn>
-              <a:cxn ang="0">
-                <a:pos x="connsiteX13" y="connsiteY13"/>
-              </a:cxn>
-              <a:cxn ang="0">
-                <a:pos x="connsiteX14" y="connsiteY14"/>
-              </a:cxn>
-            </a:cxnLst>
-            <a:rect l="l" t="t" r="r" b="b"/>
-            <a:pathLst>
-              <a:path w="6857997" h="4756735">
-                <a:moveTo>
-                  <a:pt x="6857997" y="0"/>
-                </a:moveTo>
-                <a:lnTo>
-                  <a:pt x="6857997" y="4458285"/>
-                </a:lnTo>
-                <a:lnTo>
-                  <a:pt x="4861980" y="4458285"/>
-                </a:lnTo>
-                <a:lnTo>
-                  <a:pt x="4480980" y="4744036"/>
-                </a:lnTo>
-                <a:lnTo>
-                  <a:pt x="4472514" y="4747210"/>
-                </a:lnTo>
-                <a:lnTo>
-                  <a:pt x="4459814" y="4751973"/>
-                </a:lnTo>
-                <a:lnTo>
-                  <a:pt x="4447114" y="4756735"/>
-                </a:lnTo>
-                <a:lnTo>
-                  <a:pt x="4436530" y="4756735"/>
-                </a:lnTo>
-                <a:lnTo>
-                  <a:pt x="4423830" y="4756735"/>
-                </a:lnTo>
-                <a:lnTo>
-                  <a:pt x="4413247" y="4751973"/>
-                </a:lnTo>
-                <a:lnTo>
-                  <a:pt x="4400547" y="4747210"/>
-                </a:lnTo>
-                <a:lnTo>
-                  <a:pt x="4392080" y="4744036"/>
-                </a:lnTo>
-                <a:lnTo>
-                  <a:pt x="4011080" y="4458285"/>
-                </a:lnTo>
-                <a:lnTo>
-                  <a:pt x="0" y="4458285"/>
-                </a:lnTo>
-                <a:lnTo>
-                  <a:pt x="1" y="0"/>
-                </a:lnTo>
-                <a:close/>
-              </a:path>
-            </a:pathLst>
-          </a:custGeom>
-          <a:solidFill>
-            <a:schemeClr val="accent1"/>
-          </a:solidFill>
-          <a:ln>
-            <a:headEnd/>
-            <a:tailEnd/>
-          </a:ln>
-        </p:spPr>
-        <p:style>
-          <a:lnRef idx="1">
-            <a:schemeClr val="accent1"/>
-          </a:lnRef>
-          <a:fillRef idx="3">
-            <a:schemeClr val="accent1"/>
-          </a:fillRef>
-          <a:effectRef idx="2">
-            <a:schemeClr val="accent1"/>
-          </a:effectRef>
-          <a:fontRef idx="minor">
-            <a:schemeClr val="lt1"/>
-          </a:fontRef>
-        </p:style>
-      </p:sp>
-      <p:sp>
-        <p:nvSpPr>
-          <p:cNvPr id="2" name="标题 1">
-            <a:extLst>
-              <a:ext uri="{FF2B5EF4-FFF2-40B4-BE49-F238E27FC236}">
-                <a16:creationId xmlns:a16="http://schemas.microsoft.com/office/drawing/2014/main" id="{07F82CAD-895A-43D3-8349-0BA3C86A2196}"/>
-              </a:ext>
-            </a:extLst>
-          </p:cNvPr>
-          <p:cNvSpPr>
-            <a:spLocks noGrp="1"/>
-          </p:cNvSpPr>
-          <p:nvPr>
-            <p:ph type="title"/>
-          </p:nvPr>
-        </p:nvSpPr>
-        <p:spPr>
-          <a:xfrm>
-            <a:off x="641754" y="1918252"/>
-            <a:ext cx="3365439" cy="3997635"/>
-          </a:xfrm>
-        </p:spPr>
-        <p:txBody>
-          <a:bodyPr anchor="t">
-            <a:normAutofit/>
-          </a:bodyPr>
-          <a:lstStyle/>
-          <a:p>
-            <a:r>
-              <a:rPr lang="en-US" altLang="zh-CN" sz="4400" dirty="0"/>
-              <a:t>4</a:t>
-            </a:r>
-            <a:r>
-              <a:rPr lang="zh-CN" altLang="en-US" sz="4400" dirty="0"/>
-              <a:t>、顺序图</a:t>
-            </a:r>
-          </a:p>
-        </p:txBody>
-      </p:sp>
-      <p:sp>
-        <p:nvSpPr>
-          <p:cNvPr id="3" name="内容占位符 2"/>
-          <p:cNvSpPr>
-            <a:spLocks noGrp="1"/>
-          </p:cNvSpPr>
-          <p:nvPr>
-            <p:ph idx="1"/>
-          </p:nvPr>
-        </p:nvSpPr>
-        <p:spPr>
-          <a:xfrm>
-            <a:off x="4947920" y="497841"/>
-            <a:ext cx="6425366" cy="5191760"/>
-          </a:xfrm>
-        </p:spPr>
-        <p:txBody>
-          <a:bodyPr/>
-          <a:lstStyle/>
-          <a:p>
-            <a:r>
-              <a:rPr lang="zh-CN" altLang="en-US" dirty="0"/>
-              <a:t>概述、约束等</a:t>
-            </a:r>
-          </a:p>
-        </p:txBody>
-      </p:sp>
-    </p:spTree>
-    <p:extLst>
-      <p:ext uri="{BB962C8B-B14F-4D97-AF65-F5344CB8AC3E}">
-        <p14:creationId xmlns:p14="http://schemas.microsoft.com/office/powerpoint/2010/main" val="597348448"/>
-      </p:ext>
-    </p:extLst>
-  </p:cSld>
-  <p:clrMapOvr>
-    <a:masterClrMapping/>
-  </p:clrMapOvr>
-</p:sld>
-</file>
-
-<file path=ppt/slides/slide12.xml><?xml version="1.0" encoding="utf-8"?>
-<p:sld xmlns:a="http://schemas.openxmlformats.org/drawingml/2006/main" xmlns:r="http://schemas.openxmlformats.org/officeDocument/2006/relationships" xmlns:p="http://schemas.openxmlformats.org/presentationml/2006/main">
-  <p:cSld>
-    <p:spTree>
-      <p:nvGrpSpPr>
-        <p:cNvPr id="1" name=""/>
-        <p:cNvGrpSpPr/>
-        <p:nvPr/>
-      </p:nvGrpSpPr>
-      <p:grpSpPr>
-        <a:xfrm>
-          <a:off x="0" y="0"/>
-          <a:ext cx="0" cy="0"/>
-          <a:chOff x="0" y="0"/>
-          <a:chExt cx="0" cy="0"/>
-        </a:xfrm>
-      </p:grpSpPr>
-      <p:sp useBgFill="1">
-        <p:nvSpPr>
-          <p:cNvPr id="10" name="Rectangle 9">
-            <a:extLst>
-              <a:ext uri="{FF2B5EF4-FFF2-40B4-BE49-F238E27FC236}">
-                <a16:creationId xmlns:a16="http://schemas.microsoft.com/office/drawing/2014/main" id="{A3322B77-FA16-4D4E-BAA6-811C61DB3E85}"/>
-              </a:ext>
-            </a:extLst>
-          </p:cNvPr>
-          <p:cNvSpPr>
-            <a:spLocks noGrp="1" noRot="1" noChangeAspect="1" noMove="1" noResize="1" noEditPoints="1" noAdjustHandles="1" noChangeArrowheads="1" noChangeShapeType="1" noTextEdit="1"/>
-          </p:cNvSpPr>
-          <p:nvPr>
-            <p:extLst>
-              <p:ext uri="{386F3935-93C4-4BCD-93E2-E3B085C9AB24}">
-                <p16:designElem xmlns:p16="http://schemas.microsoft.com/office/powerpoint/2015/main" val="1"/>
-              </p:ext>
-            </p:extLst>
-          </p:nvPr>
-        </p:nvSpPr>
-        <p:spPr>
-          <a:xfrm>
-            <a:off x="0" y="0"/>
-            <a:ext cx="12192000" cy="6858000"/>
-          </a:xfrm>
-          <a:prstGeom prst="rect">
-            <a:avLst/>
-          </a:prstGeom>
-          <a:ln>
-            <a:noFill/>
-          </a:ln>
-        </p:spPr>
-        <p:style>
-          <a:lnRef idx="2">
-            <a:schemeClr val="accent1">
-              <a:shade val="50000"/>
-            </a:schemeClr>
-          </a:lnRef>
-          <a:fillRef idx="1">
-            <a:schemeClr val="accent1"/>
-          </a:fillRef>
-          <a:effectRef idx="0">
-            <a:schemeClr val="accent1"/>
-          </a:effectRef>
-          <a:fontRef idx="minor">
-            <a:schemeClr val="lt1"/>
-          </a:fontRef>
-        </p:style>
-        <p:txBody>
-          <a:bodyPr rtlCol="0" anchor="ctr"/>
-          <a:lstStyle/>
-          <a:p>
-            <a:pPr algn="ctr"/>
-            <a:endParaRPr lang="en-US"/>
-          </a:p>
-        </p:txBody>
-      </p:sp>
-      <p:sp>
-        <p:nvSpPr>
-          <p:cNvPr id="12" name="Freeform: Shape 11">
-            <a:extLst>
-              <a:ext uri="{FF2B5EF4-FFF2-40B4-BE49-F238E27FC236}">
-                <a16:creationId xmlns:a16="http://schemas.microsoft.com/office/drawing/2014/main" id="{CA6EF34F-3BAD-4CD8-B05E-03BA773AE864}"/>
-              </a:ext>
-            </a:extLst>
-          </p:cNvPr>
-          <p:cNvSpPr>
-            <a:spLocks noGrp="1" noRot="1" noChangeAspect="1" noMove="1" noResize="1" noEditPoints="1" noAdjustHandles="1" noChangeArrowheads="1" noChangeShapeType="1" noTextEdit="1"/>
-          </p:cNvSpPr>
-          <p:nvPr>
-            <p:extLst>
-              <p:ext uri="{386F3935-93C4-4BCD-93E2-E3B085C9AB24}">
-                <p16:designElem xmlns:p16="http://schemas.microsoft.com/office/powerpoint/2015/main" val="1"/>
-              </p:ext>
-            </p:extLst>
-          </p:nvPr>
-        </p:nvSpPr>
-        <p:spPr bwMode="auto">
-          <a:xfrm rot="16200000">
-            <a:off x="-1050631" y="1050634"/>
-            <a:ext cx="6857997" cy="4756735"/>
-          </a:xfrm>
-          <a:custGeom>
-            <a:avLst/>
-            <a:gdLst>
-              <a:gd name="connsiteX0" fmla="*/ 6857997 w 6857997"/>
-              <a:gd name="connsiteY0" fmla="*/ 0 h 4756735"/>
-              <a:gd name="connsiteX1" fmla="*/ 6857997 w 6857997"/>
-              <a:gd name="connsiteY1" fmla="*/ 4458285 h 4756735"/>
-              <a:gd name="connsiteX2" fmla="*/ 4861980 w 6857997"/>
-              <a:gd name="connsiteY2" fmla="*/ 4458285 h 4756735"/>
-              <a:gd name="connsiteX3" fmla="*/ 4480980 w 6857997"/>
-              <a:gd name="connsiteY3" fmla="*/ 4744036 h 4756735"/>
-              <a:gd name="connsiteX4" fmla="*/ 4472514 w 6857997"/>
-              <a:gd name="connsiteY4" fmla="*/ 4747210 h 4756735"/>
-              <a:gd name="connsiteX5" fmla="*/ 4459814 w 6857997"/>
-              <a:gd name="connsiteY5" fmla="*/ 4751973 h 4756735"/>
-              <a:gd name="connsiteX6" fmla="*/ 4447114 w 6857997"/>
-              <a:gd name="connsiteY6" fmla="*/ 4756735 h 4756735"/>
-              <a:gd name="connsiteX7" fmla="*/ 4436530 w 6857997"/>
-              <a:gd name="connsiteY7" fmla="*/ 4756735 h 4756735"/>
-              <a:gd name="connsiteX8" fmla="*/ 4423830 w 6857997"/>
-              <a:gd name="connsiteY8" fmla="*/ 4756735 h 4756735"/>
-              <a:gd name="connsiteX9" fmla="*/ 4413247 w 6857997"/>
-              <a:gd name="connsiteY9" fmla="*/ 4751973 h 4756735"/>
-              <a:gd name="connsiteX10" fmla="*/ 4400547 w 6857997"/>
-              <a:gd name="connsiteY10" fmla="*/ 4747210 h 4756735"/>
-              <a:gd name="connsiteX11" fmla="*/ 4392080 w 6857997"/>
-              <a:gd name="connsiteY11" fmla="*/ 4744036 h 4756735"/>
-              <a:gd name="connsiteX12" fmla="*/ 4011080 w 6857997"/>
-              <a:gd name="connsiteY12" fmla="*/ 4458285 h 4756735"/>
-              <a:gd name="connsiteX13" fmla="*/ 0 w 6857997"/>
-              <a:gd name="connsiteY13" fmla="*/ 4458285 h 4756735"/>
-              <a:gd name="connsiteX14" fmla="*/ 1 w 6857997"/>
-              <a:gd name="connsiteY14" fmla="*/ 0 h 4756735"/>
-            </a:gdLst>
-            <a:ahLst/>
-            <a:cxnLst>
-              <a:cxn ang="0">
-                <a:pos x="connsiteX0" y="connsiteY0"/>
-              </a:cxn>
-              <a:cxn ang="0">
-                <a:pos x="connsiteX1" y="connsiteY1"/>
-              </a:cxn>
-              <a:cxn ang="0">
-                <a:pos x="connsiteX2" y="connsiteY2"/>
-              </a:cxn>
-              <a:cxn ang="0">
-                <a:pos x="connsiteX3" y="connsiteY3"/>
-              </a:cxn>
-              <a:cxn ang="0">
-                <a:pos x="connsiteX4" y="connsiteY4"/>
-              </a:cxn>
-              <a:cxn ang="0">
-                <a:pos x="connsiteX5" y="connsiteY5"/>
-              </a:cxn>
-              <a:cxn ang="0">
-                <a:pos x="connsiteX6" y="connsiteY6"/>
-              </a:cxn>
-              <a:cxn ang="0">
-                <a:pos x="connsiteX7" y="connsiteY7"/>
-              </a:cxn>
-              <a:cxn ang="0">
-                <a:pos x="connsiteX8" y="connsiteY8"/>
-              </a:cxn>
-              <a:cxn ang="0">
-                <a:pos x="connsiteX9" y="connsiteY9"/>
-              </a:cxn>
-              <a:cxn ang="0">
-                <a:pos x="connsiteX10" y="connsiteY10"/>
-              </a:cxn>
-              <a:cxn ang="0">
-                <a:pos x="connsiteX11" y="connsiteY11"/>
-              </a:cxn>
-              <a:cxn ang="0">
-                <a:pos x="connsiteX12" y="connsiteY12"/>
-              </a:cxn>
-              <a:cxn ang="0">
-                <a:pos x="connsiteX13" y="connsiteY13"/>
-              </a:cxn>
-              <a:cxn ang="0">
-                <a:pos x="connsiteX14" y="connsiteY14"/>
-              </a:cxn>
-            </a:cxnLst>
-            <a:rect l="l" t="t" r="r" b="b"/>
-            <a:pathLst>
-              <a:path w="6857997" h="4756735">
-                <a:moveTo>
-                  <a:pt x="6857997" y="0"/>
-                </a:moveTo>
-                <a:lnTo>
-                  <a:pt x="6857997" y="4458285"/>
-                </a:lnTo>
-                <a:lnTo>
-                  <a:pt x="4861980" y="4458285"/>
-                </a:lnTo>
-                <a:lnTo>
-                  <a:pt x="4480980" y="4744036"/>
-                </a:lnTo>
-                <a:lnTo>
-                  <a:pt x="4472514" y="4747210"/>
-                </a:lnTo>
-                <a:lnTo>
-                  <a:pt x="4459814" y="4751973"/>
-                </a:lnTo>
-                <a:lnTo>
-                  <a:pt x="4447114" y="4756735"/>
-                </a:lnTo>
-                <a:lnTo>
-                  <a:pt x="4436530" y="4756735"/>
-                </a:lnTo>
-                <a:lnTo>
-                  <a:pt x="4423830" y="4756735"/>
-                </a:lnTo>
-                <a:lnTo>
-                  <a:pt x="4413247" y="4751973"/>
-                </a:lnTo>
-                <a:lnTo>
-                  <a:pt x="4400547" y="4747210"/>
-                </a:lnTo>
-                <a:lnTo>
-                  <a:pt x="4392080" y="4744036"/>
-                </a:lnTo>
-                <a:lnTo>
-                  <a:pt x="4011080" y="4458285"/>
-                </a:lnTo>
-                <a:lnTo>
-                  <a:pt x="0" y="4458285"/>
-                </a:lnTo>
-                <a:lnTo>
-                  <a:pt x="1" y="0"/>
-                </a:lnTo>
-                <a:close/>
-              </a:path>
-            </a:pathLst>
-          </a:custGeom>
-          <a:solidFill>
-            <a:schemeClr val="accent1"/>
-          </a:solidFill>
-          <a:ln>
-            <a:headEnd/>
-            <a:tailEnd/>
-          </a:ln>
-        </p:spPr>
-        <p:style>
-          <a:lnRef idx="1">
-            <a:schemeClr val="accent1"/>
-          </a:lnRef>
-          <a:fillRef idx="3">
-            <a:schemeClr val="accent1"/>
-          </a:fillRef>
-          <a:effectRef idx="2">
-            <a:schemeClr val="accent1"/>
-          </a:effectRef>
-          <a:fontRef idx="minor">
-            <a:schemeClr val="lt1"/>
-          </a:fontRef>
-        </p:style>
-      </p:sp>
-      <p:sp>
-        <p:nvSpPr>
-          <p:cNvPr id="2" name="标题 1">
-            <a:extLst>
-              <a:ext uri="{FF2B5EF4-FFF2-40B4-BE49-F238E27FC236}">
-                <a16:creationId xmlns:a16="http://schemas.microsoft.com/office/drawing/2014/main" id="{07F82CAD-895A-43D3-8349-0BA3C86A2196}"/>
-              </a:ext>
-            </a:extLst>
-          </p:cNvPr>
-          <p:cNvSpPr>
-            <a:spLocks noGrp="1"/>
-          </p:cNvSpPr>
-          <p:nvPr>
-            <p:ph type="title"/>
-          </p:nvPr>
-        </p:nvSpPr>
-        <p:spPr>
-          <a:xfrm>
-            <a:off x="641754" y="1918252"/>
-            <a:ext cx="3365439" cy="3997635"/>
-          </a:xfrm>
-        </p:spPr>
-        <p:txBody>
-          <a:bodyPr anchor="t">
-            <a:normAutofit/>
-          </a:bodyPr>
-          <a:lstStyle/>
-          <a:p>
-            <a:r>
-              <a:rPr lang="en-US" altLang="zh-CN" sz="4400" dirty="0"/>
-              <a:t>5</a:t>
-            </a:r>
-            <a:r>
-              <a:rPr lang="zh-CN" altLang="en-US" sz="4400" dirty="0"/>
-              <a:t>、通信图</a:t>
-            </a:r>
-          </a:p>
-        </p:txBody>
-      </p:sp>
-      <p:sp>
-        <p:nvSpPr>
-          <p:cNvPr id="3" name="内容占位符 2"/>
-          <p:cNvSpPr>
-            <a:spLocks noGrp="1"/>
-          </p:cNvSpPr>
-          <p:nvPr>
-            <p:ph idx="1"/>
-          </p:nvPr>
-        </p:nvSpPr>
-        <p:spPr>
-          <a:xfrm>
-            <a:off x="4947920" y="497841"/>
-            <a:ext cx="6425366" cy="5191760"/>
-          </a:xfrm>
-        </p:spPr>
-        <p:txBody>
-          <a:bodyPr/>
-          <a:lstStyle/>
-          <a:p>
-            <a:r>
-              <a:rPr lang="zh-CN" altLang="en-US" dirty="0"/>
-              <a:t>概述、建模技术等</a:t>
-            </a:r>
-          </a:p>
-        </p:txBody>
-      </p:sp>
-    </p:spTree>
-    <p:extLst>
-      <p:ext uri="{BB962C8B-B14F-4D97-AF65-F5344CB8AC3E}">
-        <p14:creationId xmlns:p14="http://schemas.microsoft.com/office/powerpoint/2010/main" val="1120911681"/>
-      </p:ext>
-    </p:extLst>
-  </p:cSld>
-  <p:clrMapOvr>
-    <a:masterClrMapping/>
-  </p:clrMapOvr>
-</p:sld>
-</file>
-
-<file path=ppt/slides/slide13.xml><?xml version="1.0" encoding="utf-8"?>
-<p:sld xmlns:a="http://schemas.openxmlformats.org/drawingml/2006/main" xmlns:r="http://schemas.openxmlformats.org/officeDocument/2006/relationships" xmlns:p="http://schemas.openxmlformats.org/presentationml/2006/main">
-  <p:cSld>
-    <p:spTree>
-      <p:nvGrpSpPr>
-        <p:cNvPr id="1" name=""/>
-        <p:cNvGrpSpPr/>
-        <p:nvPr/>
-      </p:nvGrpSpPr>
-      <p:grpSpPr>
-        <a:xfrm>
-          <a:off x="0" y="0"/>
-          <a:ext cx="0" cy="0"/>
-          <a:chOff x="0" y="0"/>
-          <a:chExt cx="0" cy="0"/>
-        </a:xfrm>
-      </p:grpSpPr>
-      <p:sp useBgFill="1">
-        <p:nvSpPr>
-          <p:cNvPr id="10" name="Rectangle 9">
-            <a:extLst>
-              <a:ext uri="{FF2B5EF4-FFF2-40B4-BE49-F238E27FC236}">
-                <a16:creationId xmlns:a16="http://schemas.microsoft.com/office/drawing/2014/main" id="{A3322B77-FA16-4D4E-BAA6-811C61DB3E85}"/>
-              </a:ext>
-            </a:extLst>
-          </p:cNvPr>
-          <p:cNvSpPr>
-            <a:spLocks noGrp="1" noRot="1" noChangeAspect="1" noMove="1" noResize="1" noEditPoints="1" noAdjustHandles="1" noChangeArrowheads="1" noChangeShapeType="1" noTextEdit="1"/>
-          </p:cNvSpPr>
-          <p:nvPr>
-            <p:extLst>
-              <p:ext uri="{386F3935-93C4-4BCD-93E2-E3B085C9AB24}">
-                <p16:designElem xmlns:p16="http://schemas.microsoft.com/office/powerpoint/2015/main" val="1"/>
-              </p:ext>
-            </p:extLst>
-          </p:nvPr>
-        </p:nvSpPr>
-        <p:spPr>
-          <a:xfrm>
-            <a:off x="0" y="0"/>
-            <a:ext cx="12192000" cy="6858000"/>
-          </a:xfrm>
-          <a:prstGeom prst="rect">
-            <a:avLst/>
-          </a:prstGeom>
-          <a:ln>
-            <a:noFill/>
-          </a:ln>
-        </p:spPr>
-        <p:style>
-          <a:lnRef idx="2">
-            <a:schemeClr val="accent1">
-              <a:shade val="50000"/>
-            </a:schemeClr>
-          </a:lnRef>
-          <a:fillRef idx="1">
-            <a:schemeClr val="accent1"/>
-          </a:fillRef>
-          <a:effectRef idx="0">
-            <a:schemeClr val="accent1"/>
-          </a:effectRef>
-          <a:fontRef idx="minor">
-            <a:schemeClr val="lt1"/>
-          </a:fontRef>
-        </p:style>
-        <p:txBody>
-          <a:bodyPr rtlCol="0" anchor="ctr"/>
-          <a:lstStyle/>
-          <a:p>
-            <a:pPr algn="ctr"/>
-            <a:endParaRPr lang="en-US"/>
-          </a:p>
-        </p:txBody>
-      </p:sp>
-      <p:sp>
-        <p:nvSpPr>
-          <p:cNvPr id="12" name="Freeform: Shape 11">
-            <a:extLst>
-              <a:ext uri="{FF2B5EF4-FFF2-40B4-BE49-F238E27FC236}">
-                <a16:creationId xmlns:a16="http://schemas.microsoft.com/office/drawing/2014/main" id="{CA6EF34F-3BAD-4CD8-B05E-03BA773AE864}"/>
-              </a:ext>
-            </a:extLst>
-          </p:cNvPr>
-          <p:cNvSpPr>
-            <a:spLocks noGrp="1" noRot="1" noChangeAspect="1" noMove="1" noResize="1" noEditPoints="1" noAdjustHandles="1" noChangeArrowheads="1" noChangeShapeType="1" noTextEdit="1"/>
-          </p:cNvSpPr>
-          <p:nvPr>
-            <p:extLst>
-              <p:ext uri="{386F3935-93C4-4BCD-93E2-E3B085C9AB24}">
-                <p16:designElem xmlns:p16="http://schemas.microsoft.com/office/powerpoint/2015/main" val="1"/>
-              </p:ext>
-            </p:extLst>
-          </p:nvPr>
-        </p:nvSpPr>
-        <p:spPr bwMode="auto">
-          <a:xfrm rot="16200000">
-            <a:off x="-1050631" y="1050634"/>
-            <a:ext cx="6857997" cy="4756735"/>
-          </a:xfrm>
-          <a:custGeom>
-            <a:avLst/>
-            <a:gdLst>
-              <a:gd name="connsiteX0" fmla="*/ 6857997 w 6857997"/>
-              <a:gd name="connsiteY0" fmla="*/ 0 h 4756735"/>
-              <a:gd name="connsiteX1" fmla="*/ 6857997 w 6857997"/>
-              <a:gd name="connsiteY1" fmla="*/ 4458285 h 4756735"/>
-              <a:gd name="connsiteX2" fmla="*/ 4861980 w 6857997"/>
-              <a:gd name="connsiteY2" fmla="*/ 4458285 h 4756735"/>
-              <a:gd name="connsiteX3" fmla="*/ 4480980 w 6857997"/>
-              <a:gd name="connsiteY3" fmla="*/ 4744036 h 4756735"/>
-              <a:gd name="connsiteX4" fmla="*/ 4472514 w 6857997"/>
-              <a:gd name="connsiteY4" fmla="*/ 4747210 h 4756735"/>
-              <a:gd name="connsiteX5" fmla="*/ 4459814 w 6857997"/>
-              <a:gd name="connsiteY5" fmla="*/ 4751973 h 4756735"/>
-              <a:gd name="connsiteX6" fmla="*/ 4447114 w 6857997"/>
-              <a:gd name="connsiteY6" fmla="*/ 4756735 h 4756735"/>
-              <a:gd name="connsiteX7" fmla="*/ 4436530 w 6857997"/>
-              <a:gd name="connsiteY7" fmla="*/ 4756735 h 4756735"/>
-              <a:gd name="connsiteX8" fmla="*/ 4423830 w 6857997"/>
-              <a:gd name="connsiteY8" fmla="*/ 4756735 h 4756735"/>
-              <a:gd name="connsiteX9" fmla="*/ 4413247 w 6857997"/>
-              <a:gd name="connsiteY9" fmla="*/ 4751973 h 4756735"/>
-              <a:gd name="connsiteX10" fmla="*/ 4400547 w 6857997"/>
-              <a:gd name="connsiteY10" fmla="*/ 4747210 h 4756735"/>
-              <a:gd name="connsiteX11" fmla="*/ 4392080 w 6857997"/>
-              <a:gd name="connsiteY11" fmla="*/ 4744036 h 4756735"/>
-              <a:gd name="connsiteX12" fmla="*/ 4011080 w 6857997"/>
-              <a:gd name="connsiteY12" fmla="*/ 4458285 h 4756735"/>
-              <a:gd name="connsiteX13" fmla="*/ 0 w 6857997"/>
-              <a:gd name="connsiteY13" fmla="*/ 4458285 h 4756735"/>
-              <a:gd name="connsiteX14" fmla="*/ 1 w 6857997"/>
-              <a:gd name="connsiteY14" fmla="*/ 0 h 4756735"/>
-            </a:gdLst>
-            <a:ahLst/>
-            <a:cxnLst>
-              <a:cxn ang="0">
-                <a:pos x="connsiteX0" y="connsiteY0"/>
-              </a:cxn>
-              <a:cxn ang="0">
-                <a:pos x="connsiteX1" y="connsiteY1"/>
-              </a:cxn>
-              <a:cxn ang="0">
-                <a:pos x="connsiteX2" y="connsiteY2"/>
-              </a:cxn>
-              <a:cxn ang="0">
-                <a:pos x="connsiteX3" y="connsiteY3"/>
-              </a:cxn>
-              <a:cxn ang="0">
-                <a:pos x="connsiteX4" y="connsiteY4"/>
-              </a:cxn>
-              <a:cxn ang="0">
-                <a:pos x="connsiteX5" y="connsiteY5"/>
-              </a:cxn>
-              <a:cxn ang="0">
-                <a:pos x="connsiteX6" y="connsiteY6"/>
-              </a:cxn>
-              <a:cxn ang="0">
-                <a:pos x="connsiteX7" y="connsiteY7"/>
-              </a:cxn>
-              <a:cxn ang="0">
-                <a:pos x="connsiteX8" y="connsiteY8"/>
-              </a:cxn>
-              <a:cxn ang="0">
-                <a:pos x="connsiteX9" y="connsiteY9"/>
-              </a:cxn>
-              <a:cxn ang="0">
-                <a:pos x="connsiteX10" y="connsiteY10"/>
-              </a:cxn>
-              <a:cxn ang="0">
-                <a:pos x="connsiteX11" y="connsiteY11"/>
-              </a:cxn>
-              <a:cxn ang="0">
-                <a:pos x="connsiteX12" y="connsiteY12"/>
-              </a:cxn>
-              <a:cxn ang="0">
-                <a:pos x="connsiteX13" y="connsiteY13"/>
-              </a:cxn>
-              <a:cxn ang="0">
-                <a:pos x="connsiteX14" y="connsiteY14"/>
-              </a:cxn>
-            </a:cxnLst>
-            <a:rect l="l" t="t" r="r" b="b"/>
-            <a:pathLst>
-              <a:path w="6857997" h="4756735">
-                <a:moveTo>
-                  <a:pt x="6857997" y="0"/>
-                </a:moveTo>
-                <a:lnTo>
-                  <a:pt x="6857997" y="4458285"/>
-                </a:lnTo>
-                <a:lnTo>
-                  <a:pt x="4861980" y="4458285"/>
-                </a:lnTo>
-                <a:lnTo>
-                  <a:pt x="4480980" y="4744036"/>
-                </a:lnTo>
-                <a:lnTo>
-                  <a:pt x="4472514" y="4747210"/>
-                </a:lnTo>
-                <a:lnTo>
-                  <a:pt x="4459814" y="4751973"/>
-                </a:lnTo>
-                <a:lnTo>
-                  <a:pt x="4447114" y="4756735"/>
-                </a:lnTo>
-                <a:lnTo>
-                  <a:pt x="4436530" y="4756735"/>
-                </a:lnTo>
-                <a:lnTo>
-                  <a:pt x="4423830" y="4756735"/>
-                </a:lnTo>
-                <a:lnTo>
-                  <a:pt x="4413247" y="4751973"/>
-                </a:lnTo>
-                <a:lnTo>
-                  <a:pt x="4400547" y="4747210"/>
-                </a:lnTo>
-                <a:lnTo>
-                  <a:pt x="4392080" y="4744036"/>
-                </a:lnTo>
-                <a:lnTo>
-                  <a:pt x="4011080" y="4458285"/>
-                </a:lnTo>
-                <a:lnTo>
-                  <a:pt x="0" y="4458285"/>
-                </a:lnTo>
-                <a:lnTo>
-                  <a:pt x="1" y="0"/>
-                </a:lnTo>
-                <a:close/>
-              </a:path>
-            </a:pathLst>
-          </a:custGeom>
-          <a:solidFill>
-            <a:schemeClr val="accent1"/>
-          </a:solidFill>
-          <a:ln>
-            <a:headEnd/>
-            <a:tailEnd/>
-          </a:ln>
-        </p:spPr>
-        <p:style>
-          <a:lnRef idx="1">
-            <a:schemeClr val="accent1"/>
-          </a:lnRef>
-          <a:fillRef idx="3">
-            <a:schemeClr val="accent1"/>
-          </a:fillRef>
-          <a:effectRef idx="2">
-            <a:schemeClr val="accent1"/>
-          </a:effectRef>
-          <a:fontRef idx="minor">
-            <a:schemeClr val="lt1"/>
-          </a:fontRef>
-        </p:style>
-      </p:sp>
-      <p:sp>
-        <p:nvSpPr>
-          <p:cNvPr id="2" name="标题 1">
-            <a:extLst>
-              <a:ext uri="{FF2B5EF4-FFF2-40B4-BE49-F238E27FC236}">
-                <a16:creationId xmlns:a16="http://schemas.microsoft.com/office/drawing/2014/main" id="{07F82CAD-895A-43D3-8349-0BA3C86A2196}"/>
-              </a:ext>
-            </a:extLst>
-          </p:cNvPr>
-          <p:cNvSpPr>
-            <a:spLocks noGrp="1"/>
-          </p:cNvSpPr>
-          <p:nvPr>
-            <p:ph type="title"/>
-          </p:nvPr>
-        </p:nvSpPr>
-        <p:spPr>
-          <a:xfrm>
-            <a:off x="641754" y="1918252"/>
-            <a:ext cx="3365439" cy="3997635"/>
-          </a:xfrm>
-        </p:spPr>
-        <p:txBody>
-          <a:bodyPr anchor="t">
-            <a:normAutofit/>
-          </a:bodyPr>
-          <a:lstStyle/>
-          <a:p>
-            <a:r>
-              <a:rPr lang="en-US" altLang="zh-CN" sz="4400" dirty="0"/>
-              <a:t>6</a:t>
-            </a:r>
-            <a:r>
-              <a:rPr lang="zh-CN" altLang="en-US" sz="4400" dirty="0"/>
-              <a:t>、部署图</a:t>
-            </a:r>
-          </a:p>
-        </p:txBody>
-      </p:sp>
-      <p:sp>
-        <p:nvSpPr>
-          <p:cNvPr id="3" name="内容占位符 2"/>
-          <p:cNvSpPr>
-            <a:spLocks noGrp="1"/>
-          </p:cNvSpPr>
-          <p:nvPr>
-            <p:ph idx="1"/>
-          </p:nvPr>
-        </p:nvSpPr>
-        <p:spPr>
-          <a:xfrm>
-            <a:off x="4947920" y="497841"/>
-            <a:ext cx="6425366" cy="5191760"/>
-          </a:xfrm>
-        </p:spPr>
-        <p:txBody>
-          <a:bodyPr/>
-          <a:lstStyle/>
-          <a:p>
-            <a:r>
-              <a:rPr lang="zh-CN" altLang="en-US" dirty="0"/>
-              <a:t>概述、结点、组件、关系等</a:t>
-            </a:r>
-          </a:p>
-        </p:txBody>
-      </p:sp>
-    </p:spTree>
-    <p:extLst>
-      <p:ext uri="{BB962C8B-B14F-4D97-AF65-F5344CB8AC3E}">
-        <p14:creationId xmlns:p14="http://schemas.microsoft.com/office/powerpoint/2010/main" val="2820312738"/>
-      </p:ext>
-    </p:extLst>
-  </p:cSld>
-  <p:clrMapOvr>
-    <a:masterClrMapping/>
-  </p:clrMapOvr>
-</p:sld>
-</file>
-
-<file path=ppt/slides/slide14.xml><?xml version="1.0" encoding="utf-8"?>
-<p:sld xmlns:a="http://schemas.openxmlformats.org/drawingml/2006/main" xmlns:r="http://schemas.openxmlformats.org/officeDocument/2006/relationships" xmlns:p="http://schemas.openxmlformats.org/presentationml/2006/main">
-  <p:cSld>
-    <p:spTree>
-      <p:nvGrpSpPr>
-        <p:cNvPr id="1" name=""/>
-        <p:cNvGrpSpPr/>
-        <p:nvPr/>
-      </p:nvGrpSpPr>
-      <p:grpSpPr>
-        <a:xfrm>
-          <a:off x="0" y="0"/>
-          <a:ext cx="0" cy="0"/>
-          <a:chOff x="0" y="0"/>
-          <a:chExt cx="0" cy="0"/>
-        </a:xfrm>
-      </p:grpSpPr>
-      <p:sp>
-        <p:nvSpPr>
-          <p:cNvPr id="2" name="标题 1">
-            <a:extLst>
-              <a:ext uri="{FF2B5EF4-FFF2-40B4-BE49-F238E27FC236}">
-                <a16:creationId xmlns:a16="http://schemas.microsoft.com/office/drawing/2014/main" id="{7CAD41F4-5EA9-4288-9F6B-AC877256EC40}"/>
-              </a:ext>
-            </a:extLst>
-          </p:cNvPr>
-          <p:cNvSpPr>
-            <a:spLocks noGrp="1"/>
-          </p:cNvSpPr>
-          <p:nvPr>
-            <p:ph type="title"/>
-          </p:nvPr>
-        </p:nvSpPr>
-        <p:spPr>
-          <a:xfrm>
-            <a:off x="486615" y="882086"/>
-            <a:ext cx="6315629" cy="970450"/>
-          </a:xfrm>
-        </p:spPr>
-        <p:txBody>
-          <a:bodyPr/>
-          <a:lstStyle/>
-          <a:p>
-            <a:endParaRPr lang="zh-CN" altLang="en-US" sz="2800" dirty="0"/>
-          </a:p>
-        </p:txBody>
-      </p:sp>
-    </p:spTree>
-    <p:extLst>
-      <p:ext uri="{BB962C8B-B14F-4D97-AF65-F5344CB8AC3E}">
-        <p14:creationId xmlns:p14="http://schemas.microsoft.com/office/powerpoint/2010/main" val="2038618891"/>
-      </p:ext>
-    </p:extLst>
-  </p:cSld>
-  <p:clrMapOvr>
-    <a:masterClrMapping/>
-  </p:clrMapOvr>
-</p:sld>
-</file>
-
-<file path=ppt/slides/slide15.xml><?xml version="1.0" encoding="utf-8"?>
-<p:sld xmlns:a="http://schemas.openxmlformats.org/drawingml/2006/main" xmlns:r="http://schemas.openxmlformats.org/officeDocument/2006/relationships" xmlns:p="http://schemas.openxmlformats.org/presentationml/2006/main">
-  <p:cSld>
-    <p:spTree>
-      <p:nvGrpSpPr>
-        <p:cNvPr id="1" name=""/>
-        <p:cNvGrpSpPr/>
-        <p:nvPr/>
-      </p:nvGrpSpPr>
-      <p:grpSpPr>
-        <a:xfrm>
-          <a:off x="0" y="0"/>
-          <a:ext cx="0" cy="0"/>
-          <a:chOff x="0" y="0"/>
-          <a:chExt cx="0" cy="0"/>
-        </a:xfrm>
-      </p:grpSpPr>
-      <p:sp>
-        <p:nvSpPr>
-          <p:cNvPr id="2" name="标题 1">
-            <a:extLst>
-              <a:ext uri="{FF2B5EF4-FFF2-40B4-BE49-F238E27FC236}">
-                <a16:creationId xmlns:a16="http://schemas.microsoft.com/office/drawing/2014/main" id="{517EC9A4-0166-49F8-91E4-2DC45DDAA464}"/>
-              </a:ext>
-            </a:extLst>
-          </p:cNvPr>
-          <p:cNvSpPr>
-            <a:spLocks noGrp="1"/>
-          </p:cNvSpPr>
-          <p:nvPr>
-            <p:ph type="title"/>
-          </p:nvPr>
-        </p:nvSpPr>
-        <p:spPr/>
-        <p:txBody>
-          <a:bodyPr/>
-          <a:lstStyle/>
-          <a:p>
-            <a:pPr algn="ctr"/>
-            <a:endParaRPr lang="zh-CN" altLang="en-US" sz="6000" dirty="0"/>
-          </a:p>
-        </p:txBody>
-      </p:sp>
-      <p:sp>
-        <p:nvSpPr>
-          <p:cNvPr id="8" name="矩形 7">
-            <a:extLst>
-              <a:ext uri="{FF2B5EF4-FFF2-40B4-BE49-F238E27FC236}">
-                <a16:creationId xmlns:a16="http://schemas.microsoft.com/office/drawing/2014/main" id="{C8569A67-5C39-44DB-A938-392E732A0BF4}"/>
-              </a:ext>
-            </a:extLst>
-          </p:cNvPr>
-          <p:cNvSpPr/>
-          <p:nvPr/>
-        </p:nvSpPr>
-        <p:spPr>
-          <a:xfrm>
-            <a:off x="3105352" y="2356262"/>
-            <a:ext cx="2283490" cy="3586540"/>
-          </a:xfrm>
-          <a:prstGeom prst="rect">
-            <a:avLst/>
-          </a:prstGeom>
-          <a:noFill/>
-          <a:ln w="9525" cap="flat" cmpd="sng" algn="ctr">
-            <a:solidFill>
-              <a:schemeClr val="tx1"/>
-            </a:solidFill>
-            <a:prstDash val="sysDash"/>
-            <a:round/>
-            <a:headEnd type="none" w="med" len="med"/>
-            <a:tailEnd type="none" w="med" len="med"/>
-          </a:ln>
-        </p:spPr>
-        <p:style>
-          <a:lnRef idx="0">
-            <a:scrgbClr r="0" g="0" b="0"/>
-          </a:lnRef>
-          <a:fillRef idx="0">
-            <a:scrgbClr r="0" g="0" b="0"/>
-          </a:fillRef>
-          <a:effectRef idx="0">
-            <a:scrgbClr r="0" g="0" b="0"/>
-          </a:effectRef>
-          <a:fontRef idx="minor">
-            <a:schemeClr val="dk1"/>
-          </a:fontRef>
-        </p:style>
-        <p:txBody>
-          <a:bodyPr rtlCol="0" anchor="ctr"/>
-          <a:lstStyle/>
-          <a:p>
-            <a:pPr algn="ctr"/>
-            <a:endParaRPr lang="zh-CN" altLang="en-US" dirty="0"/>
-          </a:p>
-        </p:txBody>
-      </p:sp>
-      <p:sp>
-        <p:nvSpPr>
-          <p:cNvPr id="9" name="矩形 8">
-            <a:extLst>
-              <a:ext uri="{FF2B5EF4-FFF2-40B4-BE49-F238E27FC236}">
-                <a16:creationId xmlns:a16="http://schemas.microsoft.com/office/drawing/2014/main" id="{01739E7F-8D37-46F3-A0AB-2013E8564C52}"/>
-              </a:ext>
-            </a:extLst>
-          </p:cNvPr>
-          <p:cNvSpPr/>
-          <p:nvPr/>
-        </p:nvSpPr>
-        <p:spPr>
-          <a:xfrm>
-            <a:off x="8830361" y="2363667"/>
-            <a:ext cx="2390880" cy="3579135"/>
-          </a:xfrm>
-          <a:prstGeom prst="rect">
-            <a:avLst/>
-          </a:prstGeom>
-          <a:noFill/>
-          <a:ln w="9525" cap="flat" cmpd="sng" algn="ctr">
-            <a:solidFill>
-              <a:schemeClr val="tx1"/>
-            </a:solidFill>
-            <a:prstDash val="sysDash"/>
-            <a:round/>
-            <a:headEnd type="none" w="med" len="med"/>
-            <a:tailEnd type="none" w="med" len="med"/>
-          </a:ln>
-        </p:spPr>
-        <p:style>
-          <a:lnRef idx="0">
-            <a:scrgbClr r="0" g="0" b="0"/>
-          </a:lnRef>
-          <a:fillRef idx="0">
-            <a:scrgbClr r="0" g="0" b="0"/>
-          </a:fillRef>
-          <a:effectRef idx="0">
-            <a:scrgbClr r="0" g="0" b="0"/>
-          </a:effectRef>
-          <a:fontRef idx="minor">
-            <a:schemeClr val="dk1"/>
-          </a:fontRef>
-        </p:style>
-        <p:txBody>
-          <a:bodyPr rtlCol="0" anchor="ctr"/>
-          <a:lstStyle/>
-          <a:p>
-            <a:pPr algn="ctr"/>
-            <a:endParaRPr lang="zh-CN" altLang="en-US" dirty="0"/>
-          </a:p>
-        </p:txBody>
-      </p:sp>
-      <p:sp>
-        <p:nvSpPr>
-          <p:cNvPr id="26" name="文本框 25">
-            <a:extLst>
-              <a:ext uri="{FF2B5EF4-FFF2-40B4-BE49-F238E27FC236}">
-                <a16:creationId xmlns:a16="http://schemas.microsoft.com/office/drawing/2014/main" id="{98740C3D-1798-47B2-8196-0DF8066D4EDE}"/>
-              </a:ext>
-            </a:extLst>
-          </p:cNvPr>
-          <p:cNvSpPr txBox="1"/>
-          <p:nvPr/>
-        </p:nvSpPr>
-        <p:spPr>
-          <a:xfrm>
-            <a:off x="6295429" y="2526481"/>
-            <a:ext cx="1452391" cy="369332"/>
-          </a:xfrm>
-          <a:prstGeom prst="rect">
-            <a:avLst/>
-          </a:prstGeom>
-          <a:noFill/>
-        </p:spPr>
-        <p:txBody>
-          <a:bodyPr wrap="square" rtlCol="0">
-            <a:spAutoFit/>
-          </a:bodyPr>
-          <a:lstStyle/>
-          <a:p>
-            <a:pPr marL="285750" indent="-285750">
-              <a:buFont typeface="Wingdings" panose="05000000000000000000" pitchFamily="2" charset="2"/>
-              <a:buChar char="l"/>
-            </a:pPr>
-            <a:r>
-              <a:rPr lang="zh-CN" altLang="en-US" dirty="0"/>
-              <a:t>表格</a:t>
-            </a:r>
-          </a:p>
-        </p:txBody>
-      </p:sp>
-      <p:sp>
-        <p:nvSpPr>
-          <p:cNvPr id="33" name="矩形 32">
-            <a:extLst>
-              <a:ext uri="{FF2B5EF4-FFF2-40B4-BE49-F238E27FC236}">
-                <a16:creationId xmlns:a16="http://schemas.microsoft.com/office/drawing/2014/main" id="{D006F9C7-AE01-4281-9A20-1FD69B3BA225}"/>
-              </a:ext>
-            </a:extLst>
-          </p:cNvPr>
-          <p:cNvSpPr/>
-          <p:nvPr/>
-        </p:nvSpPr>
-        <p:spPr>
-          <a:xfrm>
-            <a:off x="5862332" y="2356262"/>
-            <a:ext cx="2494539" cy="3586540"/>
-          </a:xfrm>
-          <a:prstGeom prst="rect">
-            <a:avLst/>
-          </a:prstGeom>
-          <a:noFill/>
-          <a:ln w="9525" cap="flat" cmpd="sng" algn="ctr">
-            <a:solidFill>
-              <a:schemeClr val="tx1"/>
-            </a:solidFill>
-            <a:prstDash val="sysDash"/>
-            <a:round/>
-            <a:headEnd type="none" w="med" len="med"/>
-            <a:tailEnd type="none" w="med" len="med"/>
-          </a:ln>
-        </p:spPr>
-        <p:style>
-          <a:lnRef idx="0">
-            <a:scrgbClr r="0" g="0" b="0"/>
-          </a:lnRef>
-          <a:fillRef idx="0">
-            <a:scrgbClr r="0" g="0" b="0"/>
-          </a:fillRef>
-          <a:effectRef idx="0">
-            <a:scrgbClr r="0" g="0" b="0"/>
-          </a:effectRef>
-          <a:fontRef idx="minor">
-            <a:schemeClr val="dk1"/>
-          </a:fontRef>
-        </p:style>
-        <p:txBody>
-          <a:bodyPr rtlCol="0" anchor="ctr"/>
-          <a:lstStyle/>
-          <a:p>
-            <a:pPr algn="ctr"/>
-            <a:endParaRPr lang="zh-CN" altLang="en-US" dirty="0"/>
-          </a:p>
-        </p:txBody>
-      </p:sp>
-      <p:sp>
-        <p:nvSpPr>
-          <p:cNvPr id="34" name="矩形 33">
-            <a:extLst>
-              <a:ext uri="{FF2B5EF4-FFF2-40B4-BE49-F238E27FC236}">
-                <a16:creationId xmlns:a16="http://schemas.microsoft.com/office/drawing/2014/main" id="{CDDA93DE-A456-4076-87B5-8B79B5AB610B}"/>
-              </a:ext>
-            </a:extLst>
-          </p:cNvPr>
-          <p:cNvSpPr/>
-          <p:nvPr/>
-        </p:nvSpPr>
-        <p:spPr>
-          <a:xfrm>
-            <a:off x="505200" y="2356262"/>
-            <a:ext cx="2247832" cy="3586540"/>
-          </a:xfrm>
-          <a:prstGeom prst="rect">
-            <a:avLst/>
-          </a:prstGeom>
-          <a:noFill/>
-          <a:ln w="9525" cap="flat" cmpd="sng" algn="ctr">
-            <a:solidFill>
-              <a:schemeClr val="tx1"/>
-            </a:solidFill>
-            <a:prstDash val="sysDash"/>
-            <a:round/>
-            <a:headEnd type="none" w="med" len="med"/>
-            <a:tailEnd type="none" w="med" len="med"/>
-          </a:ln>
-        </p:spPr>
-        <p:style>
-          <a:lnRef idx="0">
-            <a:scrgbClr r="0" g="0" b="0"/>
-          </a:lnRef>
-          <a:fillRef idx="0">
-            <a:scrgbClr r="0" g="0" b="0"/>
-          </a:fillRef>
-          <a:effectRef idx="0">
-            <a:scrgbClr r="0" g="0" b="0"/>
-          </a:effectRef>
-          <a:fontRef idx="minor">
-            <a:schemeClr val="dk1"/>
-          </a:fontRef>
-        </p:style>
-        <p:txBody>
-          <a:bodyPr rtlCol="0" anchor="ctr"/>
-          <a:lstStyle/>
-          <a:p>
-            <a:pPr algn="ctr"/>
-            <a:endParaRPr lang="zh-CN" altLang="en-US" dirty="0"/>
-          </a:p>
-        </p:txBody>
-      </p:sp>
-      <p:sp>
-        <p:nvSpPr>
-          <p:cNvPr id="35" name="文本框 34">
-            <a:extLst>
-              <a:ext uri="{FF2B5EF4-FFF2-40B4-BE49-F238E27FC236}">
-                <a16:creationId xmlns:a16="http://schemas.microsoft.com/office/drawing/2014/main" id="{29ACA48C-64BC-4D5F-BBA7-FE293E7CCB2B}"/>
-              </a:ext>
-            </a:extLst>
-          </p:cNvPr>
-          <p:cNvSpPr txBox="1"/>
-          <p:nvPr/>
-        </p:nvSpPr>
-        <p:spPr>
-          <a:xfrm>
-            <a:off x="924386" y="2526482"/>
-            <a:ext cx="1389795" cy="646331"/>
-          </a:xfrm>
-          <a:prstGeom prst="rect">
-            <a:avLst/>
-          </a:prstGeom>
-          <a:noFill/>
-        </p:spPr>
-        <p:txBody>
-          <a:bodyPr wrap="square" rtlCol="0">
-            <a:spAutoFit/>
-          </a:bodyPr>
-          <a:lstStyle/>
-          <a:p>
-            <a:pPr marL="285750" indent="-285750" algn="ctr">
-              <a:buFont typeface="Wingdings" panose="05000000000000000000" pitchFamily="2" charset="2"/>
-              <a:buChar char="l"/>
-            </a:pPr>
-            <a:r>
-              <a:rPr lang="zh-CN" altLang="en-US" dirty="0"/>
-              <a:t>表格</a:t>
-            </a:r>
-            <a:endParaRPr lang="en-US" altLang="zh-CN" dirty="0"/>
-          </a:p>
-          <a:p>
-            <a:pPr marL="285750" indent="-285750">
-              <a:buFont typeface="Wingdings" panose="05000000000000000000" pitchFamily="2" charset="2"/>
-              <a:buChar char="l"/>
-            </a:pPr>
-            <a:endParaRPr lang="zh-CN" altLang="en-US" dirty="0"/>
-          </a:p>
-        </p:txBody>
-      </p:sp>
-      <p:sp>
-        <p:nvSpPr>
-          <p:cNvPr id="36" name="文本框 35">
-            <a:extLst>
-              <a:ext uri="{FF2B5EF4-FFF2-40B4-BE49-F238E27FC236}">
-                <a16:creationId xmlns:a16="http://schemas.microsoft.com/office/drawing/2014/main" id="{985E6DBE-2AA1-4337-BB25-D4C8F22A18F3}"/>
-              </a:ext>
-            </a:extLst>
-          </p:cNvPr>
-          <p:cNvSpPr txBox="1"/>
-          <p:nvPr/>
-        </p:nvSpPr>
-        <p:spPr>
-          <a:xfrm>
-            <a:off x="3056650" y="2516241"/>
-            <a:ext cx="2225560" cy="369332"/>
-          </a:xfrm>
-          <a:prstGeom prst="rect">
-            <a:avLst/>
-          </a:prstGeom>
-          <a:noFill/>
-        </p:spPr>
-        <p:txBody>
-          <a:bodyPr wrap="square" rtlCol="0">
-            <a:spAutoFit/>
-          </a:bodyPr>
-          <a:lstStyle/>
-          <a:p>
-            <a:pPr marL="285750" indent="-285750" algn="ctr">
-              <a:buFont typeface="Wingdings" panose="05000000000000000000" pitchFamily="2" charset="2"/>
-              <a:buChar char="l"/>
-            </a:pPr>
-            <a:r>
-              <a:rPr lang="zh-CN" altLang="en-US" dirty="0"/>
-              <a:t>表格</a:t>
-            </a:r>
-          </a:p>
-        </p:txBody>
-      </p:sp>
-      <p:sp>
-        <p:nvSpPr>
-          <p:cNvPr id="37" name="文本框 36">
-            <a:extLst>
-              <a:ext uri="{FF2B5EF4-FFF2-40B4-BE49-F238E27FC236}">
-                <a16:creationId xmlns:a16="http://schemas.microsoft.com/office/drawing/2014/main" id="{46232BBC-F007-45B9-A6FB-D82E254AE3EE}"/>
-              </a:ext>
-            </a:extLst>
-          </p:cNvPr>
-          <p:cNvSpPr txBox="1"/>
-          <p:nvPr/>
-        </p:nvSpPr>
-        <p:spPr>
-          <a:xfrm>
-            <a:off x="9327533" y="2516241"/>
-            <a:ext cx="934871" cy="369332"/>
-          </a:xfrm>
-          <a:prstGeom prst="rect">
-            <a:avLst/>
-          </a:prstGeom>
-          <a:noFill/>
-        </p:spPr>
-        <p:txBody>
-          <a:bodyPr wrap="none" rtlCol="0">
-            <a:spAutoFit/>
-          </a:bodyPr>
-          <a:lstStyle/>
-          <a:p>
-            <a:pPr marL="285750" indent="-285750">
-              <a:buFont typeface="Wingdings" panose="05000000000000000000" pitchFamily="2" charset="2"/>
-              <a:buChar char="l"/>
-            </a:pPr>
-            <a:r>
-              <a:rPr lang="zh-CN" altLang="en-US" dirty="0"/>
-              <a:t>表格</a:t>
-            </a:r>
-          </a:p>
-        </p:txBody>
-      </p:sp>
-    </p:spTree>
-    <p:extLst>
-      <p:ext uri="{BB962C8B-B14F-4D97-AF65-F5344CB8AC3E}">
-        <p14:creationId xmlns:p14="http://schemas.microsoft.com/office/powerpoint/2010/main" val="3121298719"/>
-      </p:ext>
-    </p:extLst>
-  </p:cSld>
-  <p:clrMapOvr>
-    <a:masterClrMapping/>
-  </p:clrMapOvr>
-</p:sld>
-</file>
-
-<file path=ppt/slides/slide16.xml><?xml version="1.0" encoding="utf-8"?>
-<p:sld xmlns:a="http://schemas.openxmlformats.org/drawingml/2006/main" xmlns:r="http://schemas.openxmlformats.org/officeDocument/2006/relationships" xmlns:p="http://schemas.openxmlformats.org/presentationml/2006/main">
-  <p:cSld>
-    <p:spTree>
-      <p:nvGrpSpPr>
-        <p:cNvPr id="1" name=""/>
-        <p:cNvGrpSpPr/>
-        <p:nvPr/>
-      </p:nvGrpSpPr>
-      <p:grpSpPr>
-        <a:xfrm>
-          <a:off x="0" y="0"/>
-          <a:ext cx="0" cy="0"/>
-          <a:chOff x="0" y="0"/>
-          <a:chExt cx="0" cy="0"/>
-        </a:xfrm>
-      </p:grpSpPr>
-      <p:sp>
-        <p:nvSpPr>
-          <p:cNvPr id="2" name="标题 1">
-            <a:extLst>
-              <a:ext uri="{FF2B5EF4-FFF2-40B4-BE49-F238E27FC236}">
-                <a16:creationId xmlns:a16="http://schemas.microsoft.com/office/drawing/2014/main" id="{EBCFB24A-4F80-4BF8-8F86-F80D7DE26470}"/>
-              </a:ext>
-            </a:extLst>
-          </p:cNvPr>
-          <p:cNvSpPr>
-            <a:spLocks noGrp="1"/>
-          </p:cNvSpPr>
-          <p:nvPr>
-            <p:ph type="title"/>
-          </p:nvPr>
-        </p:nvSpPr>
-        <p:spPr/>
-        <p:txBody>
-          <a:bodyPr/>
-          <a:lstStyle/>
-          <a:p>
-            <a:pPr algn="ctr"/>
-            <a:r>
-              <a:rPr lang="zh-CN" altLang="en-US" sz="6000" dirty="0"/>
-              <a:t>标题</a:t>
-            </a:r>
-          </a:p>
-        </p:txBody>
-      </p:sp>
-      <p:sp>
-        <p:nvSpPr>
-          <p:cNvPr id="3" name="竖排文字占位符 2">
-            <a:extLst>
-              <a:ext uri="{FF2B5EF4-FFF2-40B4-BE49-F238E27FC236}">
-                <a16:creationId xmlns:a16="http://schemas.microsoft.com/office/drawing/2014/main" id="{9000D8E1-402D-443D-963D-2E71F3CA2E7F}"/>
-              </a:ext>
-            </a:extLst>
-          </p:cNvPr>
-          <p:cNvSpPr>
-            <a:spLocks noGrp="1"/>
-          </p:cNvSpPr>
-          <p:nvPr>
-            <p:ph type="body" orient="vert" idx="1"/>
-          </p:nvPr>
-        </p:nvSpPr>
-        <p:spPr/>
-        <p:txBody>
-          <a:bodyPr>
-            <a:normAutofit/>
-          </a:bodyPr>
-          <a:lstStyle/>
-          <a:p>
-            <a:endParaRPr lang="en-US" altLang="zh-CN" dirty="0"/>
-          </a:p>
-          <a:p>
-            <a:endParaRPr lang="en-US" altLang="zh-CN" dirty="0"/>
-          </a:p>
-          <a:p>
-            <a:r>
-              <a:rPr lang="zh-CN" altLang="en-US" sz="3200" dirty="0"/>
-              <a:t>竖行文字</a:t>
-            </a:r>
-            <a:endParaRPr lang="en-US" altLang="zh-CN" sz="3200" dirty="0"/>
-          </a:p>
-          <a:p>
-            <a:endParaRPr lang="en-US" altLang="zh-CN" sz="3200" dirty="0"/>
-          </a:p>
-          <a:p>
-            <a:endParaRPr lang="en-US" altLang="zh-CN" sz="3200" dirty="0"/>
-          </a:p>
-          <a:p>
-            <a:r>
-              <a:rPr lang="zh-CN" altLang="en-US" sz="3200" dirty="0"/>
-              <a:t>竖行文字</a:t>
-            </a:r>
-            <a:endParaRPr lang="en-US" altLang="zh-CN" sz="3200" dirty="0"/>
-          </a:p>
-          <a:p>
-            <a:endParaRPr lang="en-US" altLang="zh-CN" sz="3200" dirty="0"/>
-          </a:p>
-          <a:p>
-            <a:endParaRPr lang="en-US" altLang="zh-CN" sz="3200" dirty="0"/>
-          </a:p>
-          <a:p>
-            <a:r>
-              <a:rPr lang="zh-CN" altLang="en-US" sz="3200" dirty="0"/>
-              <a:t>竖行文字</a:t>
-            </a:r>
-            <a:endParaRPr lang="en-US" altLang="zh-CN" sz="3200" dirty="0"/>
-          </a:p>
-          <a:p>
-            <a:endParaRPr lang="en-US" altLang="zh-CN" sz="3200" dirty="0"/>
-          </a:p>
-          <a:p>
-            <a:endParaRPr lang="en-US" altLang="zh-CN" sz="3200" dirty="0"/>
-          </a:p>
-          <a:p>
-            <a:r>
-              <a:rPr lang="zh-CN" altLang="en-US" sz="3200" dirty="0"/>
-              <a:t>竖行文字</a:t>
-            </a:r>
-            <a:endParaRPr lang="en-US" altLang="zh-CN" sz="3200" dirty="0"/>
-          </a:p>
-          <a:p>
-            <a:endParaRPr lang="en-US" altLang="zh-CN" sz="3200" dirty="0"/>
-          </a:p>
-          <a:p>
-            <a:endParaRPr lang="en-US" altLang="zh-CN" sz="3200" dirty="0"/>
-          </a:p>
-          <a:p>
-            <a:r>
-              <a:rPr lang="zh-CN" altLang="en-US" sz="3200" dirty="0"/>
-              <a:t>竖行文字</a:t>
-            </a:r>
-            <a:endParaRPr lang="en-US" altLang="zh-CN" sz="3200" dirty="0"/>
-          </a:p>
-          <a:p>
-            <a:endParaRPr lang="en-US" altLang="zh-CN" sz="3200" dirty="0"/>
-          </a:p>
-          <a:p>
-            <a:endParaRPr lang="en-US" altLang="zh-CN" dirty="0"/>
-          </a:p>
-          <a:p>
-            <a:endParaRPr lang="en-US" altLang="zh-CN" dirty="0"/>
-          </a:p>
-          <a:p>
-            <a:endParaRPr lang="en-US" altLang="zh-CN" dirty="0"/>
-          </a:p>
-        </p:txBody>
-      </p:sp>
-    </p:spTree>
-    <p:extLst>
-      <p:ext uri="{BB962C8B-B14F-4D97-AF65-F5344CB8AC3E}">
-        <p14:creationId xmlns:p14="http://schemas.microsoft.com/office/powerpoint/2010/main" val="2344961253"/>
-      </p:ext>
-    </p:extLst>
-  </p:cSld>
-  <p:clrMapOvr>
-    <a:masterClrMapping/>
-  </p:clrMapOvr>
-  <p:timing>
-    <p:tnLst>
-      <p:par>
-        <p:cTn id="1" dur="indefinite" restart="never" nodeType="tmRoot">
-          <p:childTnLst>
-            <p:seq concurrent="1" nextAc="seek">
-              <p:cTn id="2" dur="indefinite" nodeType="mainSeq">
-                <p:childTnLst>
-                  <p:par>
-                    <p:cTn id="3" fill="hold">
-                      <p:stCondLst>
-                        <p:cond delay="indefinite"/>
-                      </p:stCondLst>
-                      <p:childTnLst>
-                        <p:par>
-                          <p:cTn id="4" fill="hold">
-                            <p:stCondLst>
-                              <p:cond delay="0"/>
-                            </p:stCondLst>
-                            <p:childTnLst>
-                              <p:par>
-                                <p:cTn id="5" presetID="14" presetClass="entr" presetSubtype="10" fill="hold" nodeType="clickEffect">
-                                  <p:stCondLst>
-                                    <p:cond delay="0"/>
-                                  </p:stCondLst>
-                                  <p:childTnLst>
-                                    <p:set>
-                                      <p:cBhvr>
-                                        <p:cTn id="6" dur="1" fill="hold">
-                                          <p:stCondLst>
-                                            <p:cond delay="0"/>
-                                          </p:stCondLst>
-                                        </p:cTn>
-                                        <p:tgtEl>
-                                          <p:spTgt spid="3">
-                                            <p:txEl>
-                                              <p:pRg st="11" end="11"/>
-                                            </p:txEl>
-                                          </p:spTgt>
-                                        </p:tgtEl>
-                                        <p:attrNameLst>
-                                          <p:attrName>style.visibility</p:attrName>
-                                        </p:attrNameLst>
-                                      </p:cBhvr>
-                                      <p:to>
-                                        <p:strVal val="visible"/>
-                                      </p:to>
-                                    </p:set>
-                                    <p:animEffect transition="in" filter="randombar(horizontal)">
-                                      <p:cBhvr>
-                                        <p:cTn id="7" dur="500"/>
-                                        <p:tgtEl>
-                                          <p:spTgt spid="3">
-                                            <p:txEl>
-                                              <p:pRg st="11" end="11"/>
-                                            </p:txEl>
-                                          </p:spTgt>
-                                        </p:tgtEl>
-                                      </p:cBhvr>
-                                    </p:animEffect>
-                                  </p:childTnLst>
-                                </p:cTn>
-                              </p:par>
-                            </p:childTnLst>
-                          </p:cTn>
-                        </p:par>
-                      </p:childTnLst>
-                    </p:cTn>
-                  </p:par>
-                  <p:par>
-                    <p:cTn id="8" fill="hold">
-                      <p:stCondLst>
-                        <p:cond delay="indefinite"/>
-                      </p:stCondLst>
-                      <p:childTnLst>
-                        <p:par>
-                          <p:cTn id="9" fill="hold">
-                            <p:stCondLst>
-                              <p:cond delay="0"/>
-                            </p:stCondLst>
-                            <p:childTnLst>
-                              <p:par>
-                                <p:cTn id="10" presetID="14" presetClass="entr" presetSubtype="10" fill="hold" nodeType="clickEffect">
-                                  <p:stCondLst>
-                                    <p:cond delay="0"/>
-                                  </p:stCondLst>
-                                  <p:childTnLst>
-                                    <p:set>
-                                      <p:cBhvr>
-                                        <p:cTn id="11" dur="1" fill="hold">
-                                          <p:stCondLst>
-                                            <p:cond delay="0"/>
-                                          </p:stCondLst>
-                                        </p:cTn>
-                                        <p:tgtEl>
-                                          <p:spTgt spid="3">
-                                            <p:txEl>
-                                              <p:pRg st="14" end="14"/>
-                                            </p:txEl>
-                                          </p:spTgt>
-                                        </p:tgtEl>
-                                        <p:attrNameLst>
-                                          <p:attrName>style.visibility</p:attrName>
-                                        </p:attrNameLst>
-                                      </p:cBhvr>
-                                      <p:to>
-                                        <p:strVal val="visible"/>
-                                      </p:to>
-                                    </p:set>
-                                    <p:animEffect transition="in" filter="randombar(horizontal)">
-                                      <p:cBhvr>
-                                        <p:cTn id="12" dur="500"/>
-                                        <p:tgtEl>
-                                          <p:spTgt spid="3">
-                                            <p:txEl>
-                                              <p:pRg st="14" end="14"/>
-                                            </p:txEl>
-                                          </p:spTgt>
-                                        </p:tgtEl>
-                                      </p:cBhvr>
-                                    </p:animEffect>
-                                  </p:childTnLst>
-                                </p:cTn>
-                              </p:par>
-                            </p:childTnLst>
-                          </p:cTn>
-                        </p:par>
-                      </p:childTnLst>
-                    </p:cTn>
-                  </p:par>
-                </p:childTnLst>
-              </p:cTn>
-              <p:prevCondLst>
-                <p:cond evt="onPrev" delay="0">
-                  <p:tgtEl>
-                    <p:sldTgt/>
-                  </p:tgtEl>
-                </p:cond>
-              </p:prevCondLst>
-              <p:nextCondLst>
-                <p:cond evt="onNext" delay="0">
-                  <p:tgtEl>
-                    <p:sldTgt/>
-                  </p:tgtEl>
-                </p:cond>
-              </p:nextCondLst>
-            </p:seq>
-          </p:childTnLst>
-        </p:cTn>
-      </p:par>
-    </p:tnLst>
-  </p:timing>
-</p:sld>
-</file>
-
-<file path=ppt/slides/slide17.xml><?xml version="1.0" encoding="utf-8"?>
-<p:sld xmlns:a="http://schemas.openxmlformats.org/drawingml/2006/main" xmlns:r="http://schemas.openxmlformats.org/officeDocument/2006/relationships" xmlns:p="http://schemas.openxmlformats.org/presentationml/2006/main">
-  <p:cSld>
-    <p:spTree>
-      <p:nvGrpSpPr>
-        <p:cNvPr id="1" name=""/>
-        <p:cNvGrpSpPr/>
-        <p:nvPr/>
-      </p:nvGrpSpPr>
-      <p:grpSpPr>
-        <a:xfrm>
-          <a:off x="0" y="0"/>
-          <a:ext cx="0" cy="0"/>
-          <a:chOff x="0" y="0"/>
-          <a:chExt cx="0" cy="0"/>
-        </a:xfrm>
-      </p:grpSpPr>
-      <p:sp>
-        <p:nvSpPr>
-          <p:cNvPr id="2" name="标题 1">
-            <a:extLst>
-              <a:ext uri="{FF2B5EF4-FFF2-40B4-BE49-F238E27FC236}">
-                <a16:creationId xmlns:a16="http://schemas.microsoft.com/office/drawing/2014/main" id="{029433F6-C7F9-4690-9C8A-51E513DA7BE9}"/>
-              </a:ext>
-            </a:extLst>
-          </p:cNvPr>
-          <p:cNvSpPr>
-            <a:spLocks noGrp="1"/>
-          </p:cNvSpPr>
-          <p:nvPr>
-            <p:ph type="title"/>
-          </p:nvPr>
-        </p:nvSpPr>
-        <p:spPr>
-          <a:xfrm>
-            <a:off x="4584966" y="362111"/>
-            <a:ext cx="10571998" cy="970450"/>
-          </a:xfrm>
-        </p:spPr>
-        <p:txBody>
-          <a:bodyPr/>
-          <a:lstStyle/>
-          <a:p>
-            <a:r>
-              <a:rPr lang="zh-CN" altLang="en-US" b="0" dirty="0"/>
-              <a:t>补充</a:t>
-            </a:r>
-            <a:r>
-              <a:rPr lang="en-US" altLang="zh-CN" b="0" dirty="0"/>
-              <a:t>/</a:t>
-            </a:r>
-            <a:r>
-              <a:rPr lang="zh-CN" altLang="en-US" b="0" dirty="0"/>
-              <a:t>总结</a:t>
-            </a:r>
-          </a:p>
-        </p:txBody>
-      </p:sp>
-      <p:sp>
-        <p:nvSpPr>
-          <p:cNvPr id="5" name="内容占位符 2">
-            <a:extLst>
-              <a:ext uri="{FF2B5EF4-FFF2-40B4-BE49-F238E27FC236}">
-                <a16:creationId xmlns:a16="http://schemas.microsoft.com/office/drawing/2014/main" id="{095AF313-D740-4308-BC08-BFF7F6AE6620}"/>
-              </a:ext>
-            </a:extLst>
-          </p:cNvPr>
-          <p:cNvSpPr txBox="1">
-            <a:spLocks/>
-          </p:cNvSpPr>
-          <p:nvPr/>
-        </p:nvSpPr>
-        <p:spPr>
-          <a:xfrm>
-            <a:off x="818712" y="2222287"/>
-            <a:ext cx="10554574" cy="3172673"/>
-          </a:xfrm>
-          <a:prstGeom prst="rect">
-            <a:avLst/>
-          </a:prstGeom>
-        </p:spPr>
-        <p:txBody>
-          <a:bodyPr>
-            <a:normAutofit/>
-          </a:bodyPr>
-          <a:lstStyle>
-            <a:lvl1pPr marL="342900" indent="-342900" algn="l" defTabSz="457200" rtl="0" eaLnBrk="1" latinLnBrk="0" hangingPunct="1">
-              <a:spcBef>
-                <a:spcPct val="20000"/>
-              </a:spcBef>
-              <a:spcAft>
-                <a:spcPts val="600"/>
-              </a:spcAft>
-              <a:buClr>
-                <a:schemeClr val="accent1"/>
-              </a:buClr>
-              <a:buFont typeface="Wingdings 2" charset="2"/>
-              <a:buChar char=""/>
-              <a:defRPr sz="1800" kern="1200">
-                <a:solidFill>
-                  <a:schemeClr val="tx1"/>
-                </a:solidFill>
-                <a:latin typeface="+mn-lt"/>
-                <a:ea typeface="+mn-ea"/>
-                <a:cs typeface="+mn-cs"/>
-              </a:defRPr>
-            </a:lvl1pPr>
-            <a:lvl2pPr marL="742950" indent="-285750" algn="l" defTabSz="457200" rtl="0" eaLnBrk="1" latinLnBrk="0" hangingPunct="1">
-              <a:spcBef>
-                <a:spcPct val="20000"/>
-              </a:spcBef>
-              <a:spcAft>
-                <a:spcPts val="600"/>
-              </a:spcAft>
-              <a:buClr>
-                <a:schemeClr val="accent1"/>
-              </a:buClr>
-              <a:buFont typeface="Wingdings 2" charset="2"/>
-              <a:buChar char=""/>
-              <a:defRPr sz="1600" kern="1200">
-                <a:solidFill>
-                  <a:schemeClr val="tx1"/>
-                </a:solidFill>
-                <a:latin typeface="+mn-lt"/>
-                <a:ea typeface="+mn-ea"/>
-                <a:cs typeface="+mn-cs"/>
-              </a:defRPr>
-            </a:lvl2pPr>
-            <a:lvl3pPr marL="1143000" indent="-228600" algn="l" defTabSz="457200" rtl="0" eaLnBrk="1" latinLnBrk="0" hangingPunct="1">
-              <a:spcBef>
-                <a:spcPct val="20000"/>
-              </a:spcBef>
-              <a:spcAft>
-                <a:spcPts val="600"/>
-              </a:spcAft>
-              <a:buClr>
-                <a:schemeClr val="accent1"/>
-              </a:buClr>
-              <a:buFont typeface="Wingdings 2" charset="2"/>
-              <a:buChar char=""/>
-              <a:defRPr sz="1400" kern="1200">
-                <a:solidFill>
-                  <a:schemeClr val="tx1"/>
-                </a:solidFill>
-                <a:latin typeface="+mn-lt"/>
-                <a:ea typeface="+mn-ea"/>
-                <a:cs typeface="+mn-cs"/>
-              </a:defRPr>
-            </a:lvl3pPr>
-            <a:lvl4pPr marL="1600200" indent="-228600" algn="l" defTabSz="457200" rtl="0" eaLnBrk="1" latinLnBrk="0" hangingPunct="1">
-              <a:spcBef>
-                <a:spcPct val="20000"/>
-              </a:spcBef>
-              <a:spcAft>
-                <a:spcPts val="600"/>
-              </a:spcAft>
-              <a:buClr>
-                <a:schemeClr val="accent1"/>
-              </a:buClr>
-              <a:buFont typeface="Wingdings 2" charset="2"/>
-              <a:buChar char=""/>
-              <a:defRPr sz="1200" kern="1200">
-                <a:solidFill>
-                  <a:schemeClr val="tx1"/>
-                </a:solidFill>
-                <a:latin typeface="+mn-lt"/>
-                <a:ea typeface="+mn-ea"/>
-                <a:cs typeface="+mn-cs"/>
-              </a:defRPr>
-            </a:lvl4pPr>
-            <a:lvl5pPr marL="2057400" indent="-228600" algn="l" defTabSz="457200" rtl="0" eaLnBrk="1" latinLnBrk="0" hangingPunct="1">
-              <a:spcBef>
-                <a:spcPct val="20000"/>
-              </a:spcBef>
-              <a:spcAft>
-                <a:spcPts val="600"/>
-              </a:spcAft>
-              <a:buClr>
-                <a:schemeClr val="accent1"/>
-              </a:buClr>
-              <a:buFont typeface="Wingdings 2" charset="2"/>
-              <a:buChar char=""/>
-              <a:defRPr sz="1200" kern="1200">
-                <a:solidFill>
-                  <a:schemeClr val="tx1"/>
-                </a:solidFill>
-                <a:latin typeface="+mn-lt"/>
-                <a:ea typeface="+mn-ea"/>
-                <a:cs typeface="+mn-cs"/>
-              </a:defRPr>
-            </a:lvl5pPr>
-            <a:lvl6pPr marL="2400000" indent="-228600" algn="l" defTabSz="457200" rtl="0" eaLnBrk="1" latinLnBrk="0" hangingPunct="1">
-              <a:spcBef>
-                <a:spcPct val="20000"/>
-              </a:spcBef>
-              <a:spcAft>
-                <a:spcPts val="600"/>
-              </a:spcAft>
-              <a:buClr>
-                <a:schemeClr val="accent1"/>
-              </a:buClr>
-              <a:buFont typeface="Wingdings 2" charset="2"/>
-              <a:buChar char=""/>
-              <a:defRPr sz="1200" kern="1200">
-                <a:solidFill>
-                  <a:schemeClr val="tx1"/>
-                </a:solidFill>
-                <a:latin typeface="+mn-lt"/>
-                <a:ea typeface="+mn-ea"/>
-                <a:cs typeface="+mn-cs"/>
-              </a:defRPr>
-            </a:lvl6pPr>
-            <a:lvl7pPr marL="2800000" indent="-228600" algn="l" defTabSz="457200" rtl="0" eaLnBrk="1" latinLnBrk="0" hangingPunct="1">
-              <a:spcBef>
-                <a:spcPct val="20000"/>
-              </a:spcBef>
-              <a:spcAft>
-                <a:spcPts val="600"/>
-              </a:spcAft>
-              <a:buClr>
-                <a:schemeClr val="accent1"/>
-              </a:buClr>
-              <a:buFont typeface="Wingdings 2" charset="2"/>
-              <a:buChar char=""/>
-              <a:defRPr sz="1200" kern="1200">
-                <a:solidFill>
-                  <a:schemeClr val="tx1"/>
-                </a:solidFill>
-                <a:latin typeface="+mn-lt"/>
-                <a:ea typeface="+mn-ea"/>
-                <a:cs typeface="+mn-cs"/>
-              </a:defRPr>
-            </a:lvl7pPr>
-            <a:lvl8pPr marL="3200000" indent="-228600" algn="l" defTabSz="457200" rtl="0" eaLnBrk="1" latinLnBrk="0" hangingPunct="1">
-              <a:spcBef>
-                <a:spcPct val="20000"/>
-              </a:spcBef>
-              <a:spcAft>
-                <a:spcPts val="600"/>
-              </a:spcAft>
-              <a:buClr>
-                <a:schemeClr val="accent1"/>
-              </a:buClr>
-              <a:buFont typeface="Wingdings 2" charset="2"/>
-              <a:buChar char=""/>
-              <a:defRPr sz="1200" kern="1200">
-                <a:solidFill>
-                  <a:schemeClr val="tx1"/>
-                </a:solidFill>
-                <a:latin typeface="+mn-lt"/>
-                <a:ea typeface="+mn-ea"/>
-                <a:cs typeface="+mn-cs"/>
-              </a:defRPr>
-            </a:lvl8pPr>
-            <a:lvl9pPr marL="3600000" indent="-228600" algn="l" defTabSz="457200" rtl="0" eaLnBrk="1" latinLnBrk="0" hangingPunct="1">
-              <a:spcBef>
-                <a:spcPct val="20000"/>
-              </a:spcBef>
-              <a:spcAft>
-                <a:spcPts val="600"/>
-              </a:spcAft>
-              <a:buClr>
-                <a:schemeClr val="accent1"/>
-              </a:buClr>
-              <a:buFont typeface="Wingdings 2" charset="2"/>
-              <a:buChar char=""/>
-              <a:defRPr sz="1200" kern="1200">
-                <a:solidFill>
-                  <a:schemeClr val="tx1"/>
-                </a:solidFill>
-                <a:latin typeface="+mn-lt"/>
-                <a:ea typeface="+mn-ea"/>
-                <a:cs typeface="+mn-cs"/>
-              </a:defRPr>
-            </a:lvl9pPr>
-          </a:lstStyle>
-          <a:p>
-            <a:r>
-              <a:rPr lang="zh-CN" altLang="en-US" sz="2800" dirty="0"/>
-              <a:t>空</a:t>
-            </a:r>
-          </a:p>
-        </p:txBody>
-      </p:sp>
-    </p:spTree>
-    <p:extLst>
-      <p:ext uri="{BB962C8B-B14F-4D97-AF65-F5344CB8AC3E}">
-        <p14:creationId xmlns:p14="http://schemas.microsoft.com/office/powerpoint/2010/main" val="1124807419"/>
-      </p:ext>
-    </p:extLst>
-  </p:cSld>
-  <p:clrMapOvr>
-    <a:masterClrMapping/>
-  </p:clrMapOvr>
-  <p:timing>
-    <p:tnLst>
-      <p:par>
-        <p:cTn id="1" dur="indefinite" restart="never" nodeType="tmRoot">
-          <p:childTnLst>
-            <p:seq concurrent="1" nextAc="seek">
-              <p:cTn id="2" dur="indefinite" nodeType="mainSeq">
-                <p:childTnLst>
-                  <p:par>
-                    <p:cTn id="3" fill="hold">
-                      <p:stCondLst>
-                        <p:cond delay="indefinite"/>
-                      </p:stCondLst>
-                      <p:childTnLst>
-                        <p:par>
-                          <p:cTn id="4" fill="hold">
-                            <p:stCondLst>
-                              <p:cond delay="0"/>
-                            </p:stCondLst>
-                            <p:childTnLst>
-                              <p:par>
-                                <p:cTn id="5" presetID="14" presetClass="entr" presetSubtype="10" fill="hold" nodeType="clickEffect">
-                                  <p:stCondLst>
-                                    <p:cond delay="0"/>
-                                  </p:stCondLst>
-                                  <p:childTnLst>
-                                    <p:set>
-                                      <p:cBhvr>
-                                        <p:cTn id="6" dur="1" fill="hold">
-                                          <p:stCondLst>
-                                            <p:cond delay="0"/>
-                                          </p:stCondLst>
-                                        </p:cTn>
-                                        <p:tgtEl>
-                                          <p:spTgt spid="5">
-                                            <p:txEl>
-                                              <p:pRg st="0" end="0"/>
-                                            </p:txEl>
-                                          </p:spTgt>
-                                        </p:tgtEl>
-                                        <p:attrNameLst>
-                                          <p:attrName>style.visibility</p:attrName>
-                                        </p:attrNameLst>
-                                      </p:cBhvr>
-                                      <p:to>
-                                        <p:strVal val="visible"/>
-                                      </p:to>
-                                    </p:set>
-                                    <p:animEffect transition="in" filter="randombar(horizontal)">
-                                      <p:cBhvr>
-                                        <p:cTn id="7" dur="500"/>
-                                        <p:tgtEl>
-                                          <p:spTgt spid="5">
-                                            <p:txEl>
-                                              <p:pRg st="0" end="0"/>
-                                            </p:txEl>
-                                          </p:spTgt>
-                                        </p:tgtEl>
-                                      </p:cBhvr>
-                                    </p:animEffect>
-                                  </p:childTnLst>
-                                </p:cTn>
-                              </p:par>
-                            </p:childTnLst>
-                          </p:cTn>
-                        </p:par>
-                      </p:childTnLst>
-                    </p:cTn>
-                  </p:par>
-                </p:childTnLst>
-              </p:cTn>
-              <p:prevCondLst>
-                <p:cond evt="onPrev" delay="0">
-                  <p:tgtEl>
-                    <p:sldTgt/>
-                  </p:tgtEl>
-                </p:cond>
-              </p:prevCondLst>
-              <p:nextCondLst>
-                <p:cond evt="onNext" delay="0">
-                  <p:tgtEl>
-                    <p:sldTgt/>
-                  </p:tgtEl>
-                </p:cond>
-              </p:nextCondLst>
-            </p:seq>
-          </p:childTnLst>
-        </p:cTn>
-      </p:par>
-    </p:tnLst>
-  </p:timing>
-</p:sld>
-</file>
-
-<file path=ppt/slides/slide18.xml><?xml version="1.0" encoding="utf-8"?>
-<p:sld xmlns:a="http://schemas.openxmlformats.org/drawingml/2006/main" xmlns:r="http://schemas.openxmlformats.org/officeDocument/2006/relationships" xmlns:p="http://schemas.openxmlformats.org/presentationml/2006/main">
-  <p:cSld>
-    <p:spTree>
-      <p:nvGrpSpPr>
-        <p:cNvPr id="1" name=""/>
-        <p:cNvGrpSpPr/>
-        <p:nvPr/>
-      </p:nvGrpSpPr>
-      <p:grpSpPr>
-        <a:xfrm>
-          <a:off x="0" y="0"/>
-          <a:ext cx="0" cy="0"/>
-          <a:chOff x="0" y="0"/>
-          <a:chExt cx="0" cy="0"/>
-        </a:xfrm>
-      </p:grpSpPr>
-      <p:sp>
-        <p:nvSpPr>
-          <p:cNvPr id="2" name="标题 1">
-            <a:extLst>
-              <a:ext uri="{FF2B5EF4-FFF2-40B4-BE49-F238E27FC236}">
-                <a16:creationId xmlns:a16="http://schemas.microsoft.com/office/drawing/2014/main" id="{029433F6-C7F9-4690-9C8A-51E513DA7BE9}"/>
-              </a:ext>
-            </a:extLst>
-          </p:cNvPr>
-          <p:cNvSpPr>
-            <a:spLocks noGrp="1"/>
-          </p:cNvSpPr>
-          <p:nvPr>
-            <p:ph type="title"/>
-          </p:nvPr>
-        </p:nvSpPr>
-        <p:spPr>
-          <a:xfrm>
-            <a:off x="4584966" y="362111"/>
-            <a:ext cx="10571998" cy="970450"/>
-          </a:xfrm>
-        </p:spPr>
-        <p:txBody>
-          <a:bodyPr/>
-          <a:lstStyle/>
-          <a:p>
-            <a:r>
-              <a:rPr lang="zh-CN" altLang="en-US" dirty="0"/>
-              <a:t>参考资料</a:t>
-            </a:r>
-          </a:p>
-        </p:txBody>
-      </p:sp>
-      <p:sp>
-        <p:nvSpPr>
-          <p:cNvPr id="3" name="文本框 2">
-            <a:hlinkClick r:id="rId2"/>
-            <a:extLst>
-              <a:ext uri="{FF2B5EF4-FFF2-40B4-BE49-F238E27FC236}">
-                <a16:creationId xmlns:a16="http://schemas.microsoft.com/office/drawing/2014/main" id="{220C1E04-0FAA-4810-9EB8-4FB5668628C3}"/>
-              </a:ext>
-            </a:extLst>
-          </p:cNvPr>
-          <p:cNvSpPr txBox="1"/>
-          <p:nvPr/>
-        </p:nvSpPr>
-        <p:spPr>
-          <a:xfrm>
-            <a:off x="772734" y="2145295"/>
-            <a:ext cx="10657266" cy="461665"/>
-          </a:xfrm>
-          <a:prstGeom prst="rect">
-            <a:avLst/>
-          </a:prstGeom>
-          <a:noFill/>
-          <a:ln>
-            <a:noFill/>
-          </a:ln>
-        </p:spPr>
-        <p:txBody>
-          <a:bodyPr wrap="square" rtlCol="0">
-            <a:spAutoFit/>
-          </a:bodyPr>
-          <a:lstStyle/>
-          <a:p>
-            <a:pPr marL="285750" indent="-285750">
-              <a:buFont typeface="Wingdings" panose="05000000000000000000" pitchFamily="2" charset="2"/>
-              <a:buChar char="l"/>
-            </a:pPr>
-            <a:r>
-              <a:rPr lang="en-US" altLang="zh-CN" sz="2400" dirty="0"/>
-              <a:t>《UML2</a:t>
-            </a:r>
-            <a:r>
-              <a:rPr lang="zh-CN" altLang="en-US" sz="2400" dirty="0"/>
-              <a:t>基础、建模与设计教程</a:t>
-            </a:r>
-            <a:r>
-              <a:rPr lang="en-US" altLang="zh-CN" sz="2400" dirty="0"/>
-              <a:t>》 </a:t>
-            </a:r>
-            <a:r>
-              <a:rPr lang="zh-CN" altLang="en-US" sz="2400" dirty="0"/>
-              <a:t>杨弘平 等 编著</a:t>
-            </a:r>
-            <a:endParaRPr lang="en-US" altLang="zh-CN" dirty="0"/>
-          </a:p>
-        </p:txBody>
-      </p:sp>
-    </p:spTree>
-    <p:extLst>
-      <p:ext uri="{BB962C8B-B14F-4D97-AF65-F5344CB8AC3E}">
-        <p14:creationId xmlns:p14="http://schemas.microsoft.com/office/powerpoint/2010/main" val="622525484"/>
-      </p:ext>
-    </p:extLst>
-  </p:cSld>
-  <p:clrMapOvr>
-    <a:masterClrMapping/>
-  </p:clrMapOvr>
-  <p:timing>
-    <p:tnLst>
-      <p:par>
-        <p:cTn id="1" dur="indefinite" restart="never" nodeType="tmRoot">
-          <p:childTnLst>
-            <p:seq concurrent="1" nextAc="seek">
-              <p:cTn id="2" dur="indefinite" nodeType="mainSeq">
-                <p:childTnLst>
-                  <p:par>
-                    <p:cTn id="3" fill="hold">
-                      <p:stCondLst>
-                        <p:cond delay="indefinite"/>
-                      </p:stCondLst>
-                      <p:childTnLst>
-                        <p:par>
-                          <p:cTn id="4" fill="hold">
-                            <p:stCondLst>
-                              <p:cond delay="0"/>
-                            </p:stCondLst>
-                            <p:childTnLst>
-                              <p:par>
-                                <p:cTn id="5" presetID="14" presetClass="entr" presetSubtype="10" fill="hold" grpId="0" nodeType="clickEffect">
-                                  <p:stCondLst>
-                                    <p:cond delay="0"/>
-                                  </p:stCondLst>
-                                  <p:childTnLst>
-                                    <p:set>
-                                      <p:cBhvr>
-                                        <p:cTn id="6" dur="1" fill="hold">
-                                          <p:stCondLst>
-                                            <p:cond delay="0"/>
-                                          </p:stCondLst>
-                                        </p:cTn>
-                                        <p:tgtEl>
-                                          <p:spTgt spid="3"/>
-                                        </p:tgtEl>
-                                        <p:attrNameLst>
-                                          <p:attrName>style.visibility</p:attrName>
-                                        </p:attrNameLst>
-                                      </p:cBhvr>
-                                      <p:to>
-                                        <p:strVal val="visible"/>
-                                      </p:to>
-                                    </p:set>
-                                    <p:animEffect transition="in" filter="randombar(horizontal)">
-                                      <p:cBhvr>
-                                        <p:cTn id="7" dur="500"/>
-                                        <p:tgtEl>
-                                          <p:spTgt spid="3"/>
-                                        </p:tgtEl>
-                                      </p:cBhvr>
-                                    </p:animEffect>
-                                  </p:childTnLst>
-                                </p:cTn>
-                              </p:par>
-                            </p:childTnLst>
-                          </p:cTn>
-                        </p:par>
-                      </p:childTnLst>
-                    </p:cTn>
-                  </p:par>
-                </p:childTnLst>
-              </p:cTn>
-              <p:prevCondLst>
-                <p:cond evt="onPrev" delay="0">
-                  <p:tgtEl>
-                    <p:sldTgt/>
-                  </p:tgtEl>
-                </p:cond>
-              </p:prevCondLst>
-              <p:nextCondLst>
-                <p:cond evt="onNext" delay="0">
-                  <p:tgtEl>
-                    <p:sldTgt/>
-                  </p:tgtEl>
-                </p:cond>
-              </p:nextCondLst>
-            </p:seq>
-          </p:childTnLst>
-        </p:cTn>
-      </p:par>
-    </p:tnLst>
-    <p:bldLst>
-      <p:bldP spid="3" grpId="0"/>
-    </p:bldLst>
-  </p:timing>
-</p:sld>
-</file>
-
-<file path=ppt/slides/slide19.xml><?xml version="1.0" encoding="utf-8"?>
-<p:sld xmlns:a="http://schemas.openxmlformats.org/drawingml/2006/main" xmlns:r="http://schemas.openxmlformats.org/officeDocument/2006/relationships" xmlns:p="http://schemas.openxmlformats.org/presentationml/2006/main">
-  <p:cSld>
-    <p:spTree>
-      <p:nvGrpSpPr>
-        <p:cNvPr id="1" name=""/>
-        <p:cNvGrpSpPr/>
-        <p:nvPr/>
-      </p:nvGrpSpPr>
-      <p:grpSpPr>
-        <a:xfrm>
-          <a:off x="0" y="0"/>
-          <a:ext cx="0" cy="0"/>
-          <a:chOff x="0" y="0"/>
-          <a:chExt cx="0" cy="0"/>
-        </a:xfrm>
-      </p:grpSpPr>
-      <p:sp>
-        <p:nvSpPr>
-          <p:cNvPr id="2" name="标题 1">
-            <a:extLst>
-              <a:ext uri="{FF2B5EF4-FFF2-40B4-BE49-F238E27FC236}">
-                <a16:creationId xmlns:a16="http://schemas.microsoft.com/office/drawing/2014/main" id="{03F261DD-73E4-4180-97FD-1EE25B466BF2}"/>
-              </a:ext>
-            </a:extLst>
-          </p:cNvPr>
-          <p:cNvSpPr>
-            <a:spLocks noGrp="1"/>
-          </p:cNvSpPr>
-          <p:nvPr>
-            <p:ph type="title"/>
-          </p:nvPr>
-        </p:nvSpPr>
-        <p:spPr>
-          <a:xfrm>
-            <a:off x="2379417" y="270826"/>
-            <a:ext cx="10571998" cy="970450"/>
-          </a:xfrm>
-        </p:spPr>
-        <p:txBody>
-          <a:bodyPr/>
-          <a:lstStyle/>
-          <a:p>
-            <a:r>
-              <a:rPr lang="zh-CN" altLang="en-US" dirty="0"/>
-              <a:t>小组成员分工与评价</a:t>
-            </a:r>
-            <a:r>
-              <a:rPr lang="en-US" altLang="zh-CN" dirty="0"/>
-              <a:t>(</a:t>
-            </a:r>
-            <a:r>
-              <a:rPr lang="zh-CN" altLang="en-US" dirty="0"/>
-              <a:t>总分</a:t>
-            </a:r>
-            <a:r>
-              <a:rPr lang="en-US" altLang="zh-CN" dirty="0"/>
-              <a:t>5</a:t>
-            </a:r>
-            <a:r>
-              <a:rPr lang="zh-CN" altLang="en-US" dirty="0"/>
-              <a:t>分）</a:t>
-            </a:r>
-          </a:p>
-        </p:txBody>
-      </p:sp>
-      <p:sp>
-        <p:nvSpPr>
-          <p:cNvPr id="3" name="内容占位符 2">
-            <a:extLst>
-              <a:ext uri="{FF2B5EF4-FFF2-40B4-BE49-F238E27FC236}">
-                <a16:creationId xmlns:a16="http://schemas.microsoft.com/office/drawing/2014/main" id="{2C3B77C6-9D77-4837-923D-3F06EBDDE5C8}"/>
-              </a:ext>
-            </a:extLst>
-          </p:cNvPr>
-          <p:cNvSpPr>
-            <a:spLocks noGrp="1"/>
-          </p:cNvSpPr>
-          <p:nvPr>
-            <p:ph sz="half" idx="1"/>
-          </p:nvPr>
-        </p:nvSpPr>
-        <p:spPr>
-          <a:xfrm>
-            <a:off x="1480863" y="2527087"/>
-            <a:ext cx="8787743" cy="3638763"/>
-          </a:xfrm>
-        </p:spPr>
-        <p:txBody>
-          <a:bodyPr>
-            <a:normAutofit/>
-          </a:bodyPr>
-          <a:lstStyle/>
-          <a:p>
-            <a:r>
-              <a:rPr lang="zh-CN" altLang="en-US" sz="2800" dirty="0"/>
-              <a:t>空</a:t>
-            </a:r>
-          </a:p>
-        </p:txBody>
-      </p:sp>
-    </p:spTree>
-    <p:extLst>
-      <p:ext uri="{BB962C8B-B14F-4D97-AF65-F5344CB8AC3E}">
-        <p14:creationId xmlns:p14="http://schemas.microsoft.com/office/powerpoint/2010/main" val="3388837790"/>
-      </p:ext>
-    </p:extLst>
-  </p:cSld>
-  <p:clrMapOvr>
-    <a:masterClrMapping/>
-  </p:clrMapOvr>
-</p:sld>
-</file>
-
-<file path=ppt/slides/slide2.xml><?xml version="1.0" encoding="utf-8"?>
-<p:sld xmlns:a="http://schemas.openxmlformats.org/drawingml/2006/main" xmlns:r="http://schemas.openxmlformats.org/officeDocument/2006/relationships" xmlns:p="http://schemas.openxmlformats.org/presentationml/2006/main">
-  <p:cSld>
-    <p:spTree>
-      <p:nvGrpSpPr>
-        <p:cNvPr id="1" name=""/>
-        <p:cNvGrpSpPr/>
-        <p:nvPr/>
-      </p:nvGrpSpPr>
-      <p:grpSpPr>
-        <a:xfrm>
-          <a:off x="0" y="0"/>
-          <a:ext cx="0" cy="0"/>
-          <a:chOff x="0" y="0"/>
-          <a:chExt cx="0" cy="0"/>
-        </a:xfrm>
-      </p:grpSpPr>
-      <p:sp>
-        <p:nvSpPr>
-          <p:cNvPr id="10" name="Rectangle 9"/>
-          <p:cNvSpPr>
-            <a:spLocks noGrp="1" noRot="1" noChangeAspect="1" noMove="1" noResize="1" noEditPoints="1" noAdjustHandles="1" noChangeArrowheads="1" noChangeShapeType="1" noTextEdit="1"/>
-          </p:cNvSpPr>
-          <p:nvPr>
-            <p:extLst>
-              <p:ext uri="{386F3935-93C4-4BCD-93E2-E3B085C9AB24}">
-                <p16:designElem xmlns:p16="http://schemas.microsoft.com/office/powerpoint/2015/main" val="1"/>
-              </p:ext>
-            </p:extLst>
-          </p:nvPr>
-        </p:nvSpPr>
-        <p:spPr bwMode="white">
-          <a:xfrm>
-            <a:off x="0" y="0"/>
-            <a:ext cx="12192000" cy="6858000"/>
-          </a:xfrm>
-          <a:prstGeom prst="rect">
-            <a:avLst/>
-          </a:prstGeom>
-          <a:solidFill>
-            <a:schemeClr val="bg2"/>
-          </a:solidFill>
-          <a:ln>
-            <a:noFill/>
-          </a:ln>
-          <a:effectLst/>
-        </p:spPr>
-      </p:sp>
-      <p:sp>
-        <p:nvSpPr>
-          <p:cNvPr id="12" name="Freeform 6">
-            <a:extLst>
-              <a:ext uri="{FF2B5EF4-FFF2-40B4-BE49-F238E27FC236}">
-                <a16:creationId xmlns:a16="http://schemas.microsoft.com/office/drawing/2014/main" id="{B9D93730-8C7D-423D-9137-597B5FA65701}"/>
-              </a:ext>
-            </a:extLst>
-          </p:cNvPr>
-          <p:cNvSpPr>
-            <a:spLocks noGrp="1" noRot="1" noChangeAspect="1" noMove="1" noResize="1" noEditPoints="1" noAdjustHandles="1" noChangeArrowheads="1" noChangeShapeType="1" noTextEdit="1"/>
-          </p:cNvSpPr>
-          <p:nvPr>
-            <p:extLst>
-              <p:ext uri="{386F3935-93C4-4BCD-93E2-E3B085C9AB24}">
-                <p16:designElem xmlns:p16="http://schemas.microsoft.com/office/powerpoint/2015/main" val="1"/>
-              </p:ext>
-            </p:extLst>
-          </p:nvPr>
-        </p:nvSpPr>
-        <p:spPr bwMode="auto">
-          <a:xfrm>
-            <a:off x="0" y="0"/>
-            <a:ext cx="12192000" cy="2185988"/>
-          </a:xfrm>
-          <a:custGeom>
-            <a:avLst/>
-            <a:gdLst/>
-            <a:ahLst/>
-            <a:cxnLst/>
-            <a:rect l="0" t="0" r="r" b="b"/>
-            <a:pathLst>
-              <a:path w="5760" h="1377">
-                <a:moveTo>
-                  <a:pt x="5760" y="0"/>
-                </a:moveTo>
-                <a:lnTo>
-                  <a:pt x="0" y="0"/>
-                </a:lnTo>
-                <a:lnTo>
-                  <a:pt x="0" y="1189"/>
-                </a:lnTo>
-                <a:lnTo>
-                  <a:pt x="943" y="1189"/>
-                </a:lnTo>
-                <a:lnTo>
-                  <a:pt x="1123" y="1369"/>
-                </a:lnTo>
-                <a:lnTo>
-                  <a:pt x="1123" y="1369"/>
-                </a:lnTo>
-                <a:lnTo>
-                  <a:pt x="1127" y="1371"/>
-                </a:lnTo>
-                <a:lnTo>
-                  <a:pt x="1133" y="1374"/>
-                </a:lnTo>
-                <a:lnTo>
-                  <a:pt x="1139" y="1377"/>
-                </a:lnTo>
-                <a:lnTo>
-                  <a:pt x="1144" y="1377"/>
-                </a:lnTo>
-                <a:lnTo>
-                  <a:pt x="1150" y="1377"/>
-                </a:lnTo>
-                <a:lnTo>
-                  <a:pt x="1155" y="1374"/>
-                </a:lnTo>
-                <a:lnTo>
-                  <a:pt x="1161" y="1371"/>
-                </a:lnTo>
-                <a:lnTo>
-                  <a:pt x="1165" y="1369"/>
-                </a:lnTo>
-                <a:lnTo>
-                  <a:pt x="1345" y="1189"/>
-                </a:lnTo>
-                <a:lnTo>
-                  <a:pt x="5760" y="1189"/>
-                </a:lnTo>
-                <a:lnTo>
-                  <a:pt x="5760" y="0"/>
-                </a:lnTo>
-                <a:close/>
-              </a:path>
-            </a:pathLst>
-          </a:custGeom>
-          <a:ln/>
-          <a:extLst>
-            <a:ext uri="{91240B29-F687-4f45-9708-019B960494DF}">
-              <a14:hiddenLine xmlns="" xmlns:a14="http://schemas.microsoft.com/office/drawing/2010/main" w="9525">
-                <a:solidFill>
-                  <a:srgbClr val="000000"/>
-                </a:solidFill>
-                <a:round/>
-                <a:headEnd/>
-                <a:tailEnd/>
-              </a14:hiddenLine>
-            </a:ext>
-          </a:extLst>
-        </p:spPr>
-        <p:style>
-          <a:lnRef idx="1">
-            <a:schemeClr val="accent1"/>
-          </a:lnRef>
-          <a:fillRef idx="3">
-            <a:schemeClr val="accent1"/>
-          </a:fillRef>
-          <a:effectRef idx="2">
-            <a:schemeClr val="accent1"/>
-          </a:effectRef>
-          <a:fontRef idx="minor">
-            <a:schemeClr val="lt1"/>
-          </a:fontRef>
-        </p:style>
-      </p:sp>
-      <p:sp useBgFill="1">
-        <p:nvSpPr>
-          <p:cNvPr id="14" name="Rectangle 13">
-            <a:extLst>
-              <a:ext uri="{FF2B5EF4-FFF2-40B4-BE49-F238E27FC236}">
-                <a16:creationId xmlns:a16="http://schemas.microsoft.com/office/drawing/2014/main" id="{A3322B77-FA16-4D4E-BAA6-811C61DB3E85}"/>
-              </a:ext>
-            </a:extLst>
-          </p:cNvPr>
-          <p:cNvSpPr>
-            <a:spLocks noGrp="1" noRot="1" noChangeAspect="1" noMove="1" noResize="1" noEditPoints="1" noAdjustHandles="1" noChangeArrowheads="1" noChangeShapeType="1" noTextEdit="1"/>
-          </p:cNvSpPr>
-          <p:nvPr>
-            <p:extLst>
-              <p:ext uri="{386F3935-93C4-4BCD-93E2-E3B085C9AB24}">
-                <p16:designElem xmlns:p16="http://schemas.microsoft.com/office/powerpoint/2015/main" val="1"/>
-              </p:ext>
-            </p:extLst>
-          </p:nvPr>
-        </p:nvSpPr>
-        <p:spPr>
-          <a:xfrm>
-            <a:off x="0" y="0"/>
-            <a:ext cx="12192000" cy="6858000"/>
-          </a:xfrm>
-          <a:prstGeom prst="rect">
-            <a:avLst/>
-          </a:prstGeom>
-          <a:ln>
-            <a:noFill/>
-          </a:ln>
-        </p:spPr>
-        <p:style>
-          <a:lnRef idx="2">
-            <a:schemeClr val="accent1">
-              <a:shade val="50000"/>
-            </a:schemeClr>
-          </a:lnRef>
-          <a:fillRef idx="1">
-            <a:schemeClr val="accent1"/>
-          </a:fillRef>
-          <a:effectRef idx="0">
-            <a:schemeClr val="accent1"/>
-          </a:effectRef>
-          <a:fontRef idx="minor">
-            <a:schemeClr val="lt1"/>
-          </a:fontRef>
-        </p:style>
-        <p:txBody>
-          <a:bodyPr rtlCol="0" anchor="ctr"/>
-          <a:lstStyle/>
-          <a:p>
-            <a:pPr algn="ctr"/>
-            <a:endParaRPr lang="en-US"/>
-          </a:p>
-        </p:txBody>
-      </p:sp>
-      <p:sp>
-        <p:nvSpPr>
-          <p:cNvPr id="16" name="Freeform: Shape 15">
-            <a:extLst>
-              <a:ext uri="{FF2B5EF4-FFF2-40B4-BE49-F238E27FC236}">
-                <a16:creationId xmlns:a16="http://schemas.microsoft.com/office/drawing/2014/main" id="{CA6EF34F-3BAD-4CD8-B05E-03BA773AE864}"/>
-              </a:ext>
-            </a:extLst>
-          </p:cNvPr>
-          <p:cNvSpPr>
-            <a:spLocks noGrp="1" noRot="1" noChangeAspect="1" noMove="1" noResize="1" noEditPoints="1" noAdjustHandles="1" noChangeArrowheads="1" noChangeShapeType="1" noTextEdit="1"/>
-          </p:cNvSpPr>
-          <p:nvPr>
-            <p:extLst>
-              <p:ext uri="{386F3935-93C4-4BCD-93E2-E3B085C9AB24}">
-                <p16:designElem xmlns:p16="http://schemas.microsoft.com/office/powerpoint/2015/main" val="1"/>
-              </p:ext>
-            </p:extLst>
-          </p:nvPr>
-        </p:nvSpPr>
-        <p:spPr bwMode="auto">
-          <a:xfrm rot="16200000">
-            <a:off x="-1050631" y="1050634"/>
-            <a:ext cx="6857997" cy="4756735"/>
-          </a:xfrm>
-          <a:custGeom>
-            <a:avLst/>
-            <a:gdLst>
-              <a:gd name="connsiteX0" fmla="*/ 6857997 w 6857997"/>
-              <a:gd name="connsiteY0" fmla="*/ 0 h 4756735"/>
-              <a:gd name="connsiteX1" fmla="*/ 6857997 w 6857997"/>
-              <a:gd name="connsiteY1" fmla="*/ 4458285 h 4756735"/>
-              <a:gd name="connsiteX2" fmla="*/ 4861980 w 6857997"/>
-              <a:gd name="connsiteY2" fmla="*/ 4458285 h 4756735"/>
-              <a:gd name="connsiteX3" fmla="*/ 4480980 w 6857997"/>
-              <a:gd name="connsiteY3" fmla="*/ 4744036 h 4756735"/>
-              <a:gd name="connsiteX4" fmla="*/ 4472514 w 6857997"/>
-              <a:gd name="connsiteY4" fmla="*/ 4747210 h 4756735"/>
-              <a:gd name="connsiteX5" fmla="*/ 4459814 w 6857997"/>
-              <a:gd name="connsiteY5" fmla="*/ 4751973 h 4756735"/>
-              <a:gd name="connsiteX6" fmla="*/ 4447114 w 6857997"/>
-              <a:gd name="connsiteY6" fmla="*/ 4756735 h 4756735"/>
-              <a:gd name="connsiteX7" fmla="*/ 4436530 w 6857997"/>
-              <a:gd name="connsiteY7" fmla="*/ 4756735 h 4756735"/>
-              <a:gd name="connsiteX8" fmla="*/ 4423830 w 6857997"/>
-              <a:gd name="connsiteY8" fmla="*/ 4756735 h 4756735"/>
-              <a:gd name="connsiteX9" fmla="*/ 4413247 w 6857997"/>
-              <a:gd name="connsiteY9" fmla="*/ 4751973 h 4756735"/>
-              <a:gd name="connsiteX10" fmla="*/ 4400547 w 6857997"/>
-              <a:gd name="connsiteY10" fmla="*/ 4747210 h 4756735"/>
-              <a:gd name="connsiteX11" fmla="*/ 4392080 w 6857997"/>
-              <a:gd name="connsiteY11" fmla="*/ 4744036 h 4756735"/>
-              <a:gd name="connsiteX12" fmla="*/ 4011080 w 6857997"/>
-              <a:gd name="connsiteY12" fmla="*/ 4458285 h 4756735"/>
-              <a:gd name="connsiteX13" fmla="*/ 0 w 6857997"/>
-              <a:gd name="connsiteY13" fmla="*/ 4458285 h 4756735"/>
-              <a:gd name="connsiteX14" fmla="*/ 1 w 6857997"/>
-              <a:gd name="connsiteY14" fmla="*/ 0 h 4756735"/>
-            </a:gdLst>
-            <a:ahLst/>
-            <a:cxnLst>
-              <a:cxn ang="0">
-                <a:pos x="connsiteX0" y="connsiteY0"/>
-              </a:cxn>
-              <a:cxn ang="0">
-                <a:pos x="connsiteX1" y="connsiteY1"/>
-              </a:cxn>
-              <a:cxn ang="0">
-                <a:pos x="connsiteX2" y="connsiteY2"/>
-              </a:cxn>
-              <a:cxn ang="0">
-                <a:pos x="connsiteX3" y="connsiteY3"/>
-              </a:cxn>
-              <a:cxn ang="0">
-                <a:pos x="connsiteX4" y="connsiteY4"/>
-              </a:cxn>
-              <a:cxn ang="0">
-                <a:pos x="connsiteX5" y="connsiteY5"/>
-              </a:cxn>
-              <a:cxn ang="0">
-                <a:pos x="connsiteX6" y="connsiteY6"/>
-              </a:cxn>
-              <a:cxn ang="0">
-                <a:pos x="connsiteX7" y="connsiteY7"/>
-              </a:cxn>
-              <a:cxn ang="0">
-                <a:pos x="connsiteX8" y="connsiteY8"/>
-              </a:cxn>
-              <a:cxn ang="0">
-                <a:pos x="connsiteX9" y="connsiteY9"/>
-              </a:cxn>
-              <a:cxn ang="0">
-                <a:pos x="connsiteX10" y="connsiteY10"/>
-              </a:cxn>
-              <a:cxn ang="0">
-                <a:pos x="connsiteX11" y="connsiteY11"/>
-              </a:cxn>
-              <a:cxn ang="0">
-                <a:pos x="connsiteX12" y="connsiteY12"/>
-              </a:cxn>
-              <a:cxn ang="0">
-                <a:pos x="connsiteX13" y="connsiteY13"/>
-              </a:cxn>
-              <a:cxn ang="0">
-                <a:pos x="connsiteX14" y="connsiteY14"/>
-              </a:cxn>
-            </a:cxnLst>
-            <a:rect l="l" t="t" r="r" b="b"/>
-            <a:pathLst>
-              <a:path w="6857997" h="4756735">
-                <a:moveTo>
-                  <a:pt x="6857997" y="0"/>
-                </a:moveTo>
-                <a:lnTo>
-                  <a:pt x="6857997" y="4458285"/>
-                </a:lnTo>
-                <a:lnTo>
-                  <a:pt x="4861980" y="4458285"/>
-                </a:lnTo>
-                <a:lnTo>
-                  <a:pt x="4480980" y="4744036"/>
-                </a:lnTo>
-                <a:lnTo>
-                  <a:pt x="4472514" y="4747210"/>
-                </a:lnTo>
-                <a:lnTo>
-                  <a:pt x="4459814" y="4751973"/>
-                </a:lnTo>
-                <a:lnTo>
-                  <a:pt x="4447114" y="4756735"/>
-                </a:lnTo>
-                <a:lnTo>
-                  <a:pt x="4436530" y="4756735"/>
-                </a:lnTo>
-                <a:lnTo>
-                  <a:pt x="4423830" y="4756735"/>
-                </a:lnTo>
-                <a:lnTo>
-                  <a:pt x="4413247" y="4751973"/>
-                </a:lnTo>
-                <a:lnTo>
-                  <a:pt x="4400547" y="4747210"/>
-                </a:lnTo>
-                <a:lnTo>
-                  <a:pt x="4392080" y="4744036"/>
-                </a:lnTo>
-                <a:lnTo>
-                  <a:pt x="4011080" y="4458285"/>
-                </a:lnTo>
-                <a:lnTo>
-                  <a:pt x="0" y="4458285"/>
-                </a:lnTo>
-                <a:lnTo>
-                  <a:pt x="1" y="0"/>
-                </a:lnTo>
-                <a:close/>
-              </a:path>
-            </a:pathLst>
-          </a:custGeom>
-          <a:solidFill>
-            <a:schemeClr val="accent1"/>
-          </a:solidFill>
-          <a:ln>
-            <a:headEnd/>
-            <a:tailEnd/>
-          </a:ln>
-        </p:spPr>
-        <p:style>
-          <a:lnRef idx="1">
-            <a:schemeClr val="accent1"/>
-          </a:lnRef>
-          <a:fillRef idx="3">
-            <a:schemeClr val="accent1"/>
-          </a:fillRef>
-          <a:effectRef idx="2">
-            <a:schemeClr val="accent1"/>
-          </a:effectRef>
-          <a:fontRef idx="minor">
-            <a:schemeClr val="lt1"/>
-          </a:fontRef>
-        </p:style>
-      </p:sp>
-      <p:sp>
-        <p:nvSpPr>
           <p:cNvPr id="2" name="竖排标题 1">
             <a:extLst>
               <a:ext uri="{FF2B5EF4-FFF2-40B4-BE49-F238E27FC236}">
@@ -12976,7 +11972,7 @@
           <p:nvPr>
             <p:extLst>
               <p:ext uri="{D42A27DB-BD31-4B8C-83A1-F6EECF244321}">
-                <p14:modId xmlns:p14="http://schemas.microsoft.com/office/powerpoint/2010/main" val="1760872120"/>
+                <p14:modId xmlns:p14="http://schemas.microsoft.com/office/powerpoint/2010/main" val="1413275905"/>
               </p:ext>
             </p:extLst>
           </p:nvPr>
@@ -13114,7 +12110,7 @@
           <p:cNvPr id="2" name="标题 1">
             <a:extLst>
               <a:ext uri="{FF2B5EF4-FFF2-40B4-BE49-F238E27FC236}">
-                <a16:creationId xmlns:a16="http://schemas.microsoft.com/office/drawing/2014/main" id="{8050F867-BC96-4BDE-8D9B-B611C1196787}"/>
+                <a16:creationId xmlns:a16="http://schemas.microsoft.com/office/drawing/2014/main" id="{CEF47818-BECA-49BD-AB98-452ADBC2AA52}"/>
               </a:ext>
             </a:extLst>
           </p:cNvPr>
@@ -13125,10 +12121,38 @@
             <p:ph type="title"/>
           </p:nvPr>
         </p:nvSpPr>
+        <p:spPr/>
+        <p:txBody>
+          <a:bodyPr/>
+          <a:lstStyle/>
+          <a:p>
+            <a:r>
+              <a:rPr lang="zh-CN" altLang="en-US" sz="4400" dirty="0"/>
+              <a:t>部署图</a:t>
+            </a:r>
+          </a:p>
+        </p:txBody>
+      </p:sp>
+      <p:sp>
+        <p:nvSpPr>
+          <p:cNvPr id="3" name="内容占位符 2">
+            <a:extLst>
+              <a:ext uri="{FF2B5EF4-FFF2-40B4-BE49-F238E27FC236}">
+                <a16:creationId xmlns:a16="http://schemas.microsoft.com/office/drawing/2014/main" id="{9CE176C9-9B2B-4151-ACF2-E469ED6665F9}"/>
+              </a:ext>
+            </a:extLst>
+          </p:cNvPr>
+          <p:cNvSpPr>
+            <a:spLocks noGrp="1"/>
+          </p:cNvSpPr>
+          <p:nvPr>
+            <p:ph idx="1"/>
+          </p:nvPr>
+        </p:nvSpPr>
         <p:spPr>
           <a:xfrm>
-            <a:off x="2630173" y="429935"/>
-            <a:ext cx="10571998" cy="970450"/>
+            <a:off x="265278" y="2085652"/>
+            <a:ext cx="10554574" cy="3636511"/>
           </a:xfrm>
         </p:spPr>
         <p:txBody>
@@ -13136,26 +12160,118 @@
           <a:lstStyle/>
           <a:p>
             <a:r>
-              <a:rPr lang="zh-CN" altLang="en-US" dirty="0"/>
-              <a:t>制作</a:t>
-            </a:r>
-            <a:r>
-              <a:rPr lang="en-US" altLang="zh-CN" dirty="0"/>
-              <a:t>/</a:t>
-            </a:r>
-            <a:r>
-              <a:rPr lang="zh-CN" altLang="en-US" dirty="0"/>
-              <a:t>了解过程遇到的问题</a:t>
-            </a:r>
+              <a:rPr lang="en-US" altLang="zh-CN" sz="2400" dirty="0"/>
+              <a:t>【</a:t>
+            </a:r>
+            <a:r>
+              <a:rPr lang="zh-CN" altLang="en-US" sz="2400" dirty="0"/>
+              <a:t>概念</a:t>
+            </a:r>
+            <a:r>
+              <a:rPr lang="en-US" altLang="zh-CN" sz="2400" dirty="0"/>
+              <a:t>】</a:t>
+            </a:r>
+            <a:r>
+              <a:rPr lang="zh-CN" altLang="en-US" sz="2400" dirty="0"/>
+              <a:t>系统中硬件的物理体系结构</a:t>
+            </a:r>
+            <a:endParaRPr lang="en-US" altLang="zh-CN" sz="2400" dirty="0"/>
+          </a:p>
+          <a:p>
+            <a:r>
+              <a:rPr lang="en-US" altLang="zh-CN" sz="2400" dirty="0"/>
+              <a:t>【</a:t>
+            </a:r>
+            <a:r>
+              <a:rPr lang="zh-CN" altLang="en-US" sz="2400" dirty="0"/>
+              <a:t>描述方式</a:t>
+            </a:r>
+            <a:r>
+              <a:rPr lang="en-US" altLang="zh-CN" sz="2400" dirty="0"/>
+              <a:t>】  </a:t>
+            </a:r>
+            <a:endParaRPr lang="zh-CN" altLang="en-US" sz="2400" dirty="0"/>
+          </a:p>
+          <a:p>
+            <a:r>
+              <a:rPr lang="en-US" altLang="zh-CN" sz="2400" dirty="0"/>
+              <a:t>1</a:t>
+            </a:r>
+            <a:r>
+              <a:rPr lang="zh-CN" altLang="en-US" sz="2400" dirty="0"/>
+              <a:t>、三维立方体表示部件 </a:t>
+            </a:r>
+          </a:p>
+          <a:p>
+            <a:r>
+              <a:rPr lang="en-US" altLang="zh-CN" sz="2400" dirty="0"/>
+              <a:t>2</a:t>
+            </a:r>
+            <a:r>
+              <a:rPr lang="zh-CN" altLang="en-US" sz="2400" dirty="0"/>
+              <a:t>、节点名称位于立方体上部</a:t>
+            </a:r>
+            <a:endParaRPr lang="en-US" altLang="zh-CN" sz="2400" dirty="0"/>
+          </a:p>
+          <a:p>
+            <a:r>
+              <a:rPr lang="en-US" altLang="zh-CN" sz="2400" dirty="0"/>
+              <a:t>【</a:t>
+            </a:r>
+            <a:r>
+              <a:rPr lang="zh-CN" altLang="en-US" sz="2400" dirty="0"/>
+              <a:t>目的</a:t>
+            </a:r>
+            <a:r>
+              <a:rPr lang="en-US" altLang="zh-CN" sz="2400" dirty="0"/>
+              <a:t>】</a:t>
+            </a:r>
+            <a:r>
+              <a:rPr lang="zh-CN" altLang="en-US" sz="2400" dirty="0"/>
+              <a:t>显示系统的硬件和软件的物理结构</a:t>
+            </a:r>
+          </a:p>
+          <a:p>
+            <a:endParaRPr lang="zh-CN" altLang="en-US" dirty="0"/>
           </a:p>
         </p:txBody>
       </p:sp>
-      <p:sp>
-        <p:nvSpPr>
-          <p:cNvPr id="3" name="文本框 2">
+      <p:pic>
+        <p:nvPicPr>
+          <p:cNvPr id="4" name="图片 3">
             <a:extLst>
               <a:ext uri="{FF2B5EF4-FFF2-40B4-BE49-F238E27FC236}">
-                <a16:creationId xmlns:a16="http://schemas.microsoft.com/office/drawing/2014/main" id="{4CDAD1FD-D4D8-48D1-81CD-F860BAF3F91C}"/>
+                <a16:creationId xmlns:a16="http://schemas.microsoft.com/office/drawing/2014/main" id="{4D5845DF-31A6-4BDB-939B-1A1735D47B41}"/>
+              </a:ext>
+            </a:extLst>
+          </p:cNvPr>
+          <p:cNvPicPr>
+            <a:picLocks noChangeAspect="1"/>
+          </p:cNvPicPr>
+          <p:nvPr/>
+        </p:nvPicPr>
+        <p:blipFill>
+          <a:blip r:embed="rId2"/>
+          <a:stretch>
+            <a:fillRect/>
+          </a:stretch>
+        </p:blipFill>
+        <p:spPr>
+          <a:xfrm>
+            <a:off x="6723008" y="2468126"/>
+            <a:ext cx="5010150" cy="2657475"/>
+          </a:xfrm>
+          <a:prstGeom prst="rect">
+            <a:avLst/>
+          </a:prstGeom>
+        </p:spPr>
+      </p:pic>
+      <p:sp>
+        <p:nvSpPr>
+          <p:cNvPr id="5" name="文本框 4">
+            <a:extLst>
+              <a:ext uri="{FF2B5EF4-FFF2-40B4-BE49-F238E27FC236}">
+                <a16:creationId xmlns:a16="http://schemas.microsoft.com/office/drawing/2014/main" id="{0980C2E1-5D3F-468E-84D5-F8F53DA5DD4F}"/>
               </a:ext>
             </a:extLst>
           </p:cNvPr>
@@ -13164,8 +12280,8 @@
         </p:nvSpPr>
         <p:spPr>
           <a:xfrm>
-            <a:off x="1121433" y="2675467"/>
-            <a:ext cx="9230478" cy="369332"/>
+            <a:off x="8008883" y="5239216"/>
+            <a:ext cx="774571" cy="369332"/>
           </a:xfrm>
           <a:prstGeom prst="rect">
             <a:avLst/>
@@ -13173,26 +12289,23 @@
           <a:noFill/>
         </p:spPr>
         <p:txBody>
-          <a:bodyPr wrap="square" rtlCol="0">
+          <a:bodyPr wrap="none" rtlCol="0">
             <a:spAutoFit/>
           </a:bodyPr>
           <a:lstStyle/>
           <a:p>
-            <a:pPr marL="285750" indent="-285750">
-              <a:buFont typeface="Arial" panose="020B0604020202020204" pitchFamily="34" charset="0"/>
-              <a:buChar char="•"/>
-            </a:pPr>
-            <a:r>
-              <a:rPr lang="zh-CN" altLang="en-US" dirty="0"/>
-              <a:t>空</a:t>
-            </a:r>
+            <a:r>
+              <a:rPr lang="en-US" altLang="zh-CN" dirty="0"/>
+              <a:t>【1】</a:t>
+            </a:r>
+            <a:endParaRPr lang="zh-CN" altLang="en-US" dirty="0"/>
           </a:p>
         </p:txBody>
       </p:sp>
     </p:spTree>
     <p:extLst>
       <p:ext uri="{BB962C8B-B14F-4D97-AF65-F5344CB8AC3E}">
-        <p14:creationId xmlns:p14="http://schemas.microsoft.com/office/powerpoint/2010/main" val="2655558641"/>
+        <p14:creationId xmlns:p14="http://schemas.microsoft.com/office/powerpoint/2010/main" val="3356706418"/>
       </p:ext>
     </p:extLst>
   </p:cSld>
@@ -13202,7 +12315,7 @@
 </p:sld>
 </file>
 
-<file path=ppt/slides/slide3.xml><?xml version="1.0" encoding="utf-8"?>
+<file path=ppt/slides/slide21.xml><?xml version="1.0" encoding="utf-8"?>
 <p:sld xmlns:a="http://schemas.openxmlformats.org/drawingml/2006/main" xmlns:r="http://schemas.openxmlformats.org/officeDocument/2006/relationships" xmlns:p="http://schemas.openxmlformats.org/presentationml/2006/main">
   <p:cSld>
     <p:spTree>
@@ -13221,10 +12334,10 @@
       </p:grpSpPr>
       <p:sp>
         <p:nvSpPr>
-          <p:cNvPr id="2" name="竖排标题 1">
+          <p:cNvPr id="2" name="标题 1">
             <a:extLst>
               <a:ext uri="{FF2B5EF4-FFF2-40B4-BE49-F238E27FC236}">
-                <a16:creationId xmlns:a16="http://schemas.microsoft.com/office/drawing/2014/main" id="{DE20FDC4-034A-4D4E-8C80-CFF70E897E68}"/>
+                <a16:creationId xmlns:a16="http://schemas.microsoft.com/office/drawing/2014/main" id="{505A1625-93DE-488B-9518-9B4678A679A7}"/>
               </a:ext>
             </a:extLst>
           </p:cNvPr>
@@ -13232,7 +12345,7 @@
             <a:spLocks noGrp="1"/>
           </p:cNvSpPr>
           <p:nvPr>
-            <p:ph type="title" orient="vert"/>
+            <p:ph type="title"/>
           </p:nvPr>
         </p:nvSpPr>
         <p:spPr/>
@@ -13241,18 +12354,18 @@
           <a:lstStyle/>
           <a:p>
             <a:r>
-              <a:rPr lang="zh-CN" altLang="en-US" sz="5400" dirty="0"/>
-              <a:t>回顾</a:t>
+              <a:rPr lang="zh-CN" altLang="en-US" dirty="0"/>
+              <a:t>问题三</a:t>
             </a:r>
           </a:p>
         </p:txBody>
       </p:sp>
       <p:sp>
         <p:nvSpPr>
-          <p:cNvPr id="3" name="竖排文字占位符 2">
+          <p:cNvPr id="3" name="内容占位符 2">
             <a:extLst>
               <a:ext uri="{FF2B5EF4-FFF2-40B4-BE49-F238E27FC236}">
-                <a16:creationId xmlns:a16="http://schemas.microsoft.com/office/drawing/2014/main" id="{E3390245-993B-4EF7-8E1E-C3C855AD1680}"/>
+                <a16:creationId xmlns:a16="http://schemas.microsoft.com/office/drawing/2014/main" id="{50DEABF5-ACC2-4341-9FEB-7F8729ED9C5F}"/>
               </a:ext>
             </a:extLst>
           </p:cNvPr>
@@ -13260,22 +12373,347 @@
             <a:spLocks noGrp="1"/>
           </p:cNvSpPr>
           <p:nvPr>
-            <p:ph type="body" orient="vert" idx="1"/>
+            <p:ph idx="1"/>
           </p:nvPr>
         </p:nvSpPr>
-        <p:spPr/>
+        <p:spPr>
+          <a:xfrm>
+            <a:off x="810000" y="1417638"/>
+            <a:ext cx="10554574" cy="3636511"/>
+          </a:xfrm>
+        </p:spPr>
+        <p:txBody>
+          <a:bodyPr>
+            <a:normAutofit/>
+          </a:bodyPr>
+          <a:lstStyle/>
+          <a:p>
+            <a:r>
+              <a:rPr lang="zh-CN" altLang="en-US" sz="2400" dirty="0"/>
+              <a:t>在软件开发生命周期中，只有需求阶段要使用</a:t>
+            </a:r>
+            <a:r>
+              <a:rPr lang="en-US" altLang="zh-CN" sz="2400" dirty="0"/>
+              <a:t>UML</a:t>
+            </a:r>
+            <a:r>
+              <a:rPr lang="zh-CN" altLang="en-US" sz="2400" dirty="0"/>
+              <a:t>的图吗？</a:t>
+            </a:r>
+          </a:p>
+        </p:txBody>
+      </p:sp>
+      <p:sp>
+        <p:nvSpPr>
+          <p:cNvPr id="4" name="文本框 3">
+            <a:extLst>
+              <a:ext uri="{FF2B5EF4-FFF2-40B4-BE49-F238E27FC236}">
+                <a16:creationId xmlns:a16="http://schemas.microsoft.com/office/drawing/2014/main" id="{71EA573D-800B-4D81-BEEA-D4F75B5BD126}"/>
+              </a:ext>
+            </a:extLst>
+          </p:cNvPr>
+          <p:cNvSpPr txBox="1"/>
+          <p:nvPr/>
+        </p:nvSpPr>
+        <p:spPr>
+          <a:xfrm>
+            <a:off x="2312275" y="4235669"/>
+            <a:ext cx="3581430" cy="461665"/>
+          </a:xfrm>
+          <a:prstGeom prst="rect">
+            <a:avLst/>
+          </a:prstGeom>
+          <a:noFill/>
+        </p:spPr>
+        <p:txBody>
+          <a:bodyPr wrap="none" rtlCol="0">
+            <a:spAutoFit/>
+          </a:bodyPr>
+          <a:lstStyle/>
+          <a:p>
+            <a:r>
+              <a:rPr lang="zh-CN" altLang="en-US" sz="2400" dirty="0"/>
+              <a:t>不是，</a:t>
+            </a:r>
+            <a:r>
+              <a:rPr lang="en-US" altLang="zh-CN" sz="2400" dirty="0"/>
+              <a:t>UML</a:t>
+            </a:r>
+            <a:r>
+              <a:rPr lang="zh-CN" altLang="en-US" sz="2400" dirty="0"/>
+              <a:t>的图全程参与</a:t>
+            </a:r>
+          </a:p>
+        </p:txBody>
+      </p:sp>
+    </p:spTree>
+    <p:extLst>
+      <p:ext uri="{BB962C8B-B14F-4D97-AF65-F5344CB8AC3E}">
+        <p14:creationId xmlns:p14="http://schemas.microsoft.com/office/powerpoint/2010/main" val="1182018377"/>
+      </p:ext>
+    </p:extLst>
+  </p:cSld>
+  <p:clrMapOvr>
+    <a:masterClrMapping/>
+  </p:clrMapOvr>
+  <p:timing>
+    <p:tnLst>
+      <p:par>
+        <p:cTn id="1" dur="indefinite" restart="never" nodeType="tmRoot">
+          <p:childTnLst>
+            <p:seq concurrent="1" nextAc="seek">
+              <p:cTn id="2" dur="indefinite" nodeType="mainSeq">
+                <p:childTnLst>
+                  <p:par>
+                    <p:cTn id="3" fill="hold">
+                      <p:stCondLst>
+                        <p:cond delay="indefinite"/>
+                      </p:stCondLst>
+                      <p:childTnLst>
+                        <p:par>
+                          <p:cTn id="4" fill="hold">
+                            <p:stCondLst>
+                              <p:cond delay="0"/>
+                            </p:stCondLst>
+                            <p:childTnLst>
+                              <p:par>
+                                <p:cTn id="5" presetID="1" presetClass="entr" presetSubtype="0" fill="hold" nodeType="clickEffect">
+                                  <p:stCondLst>
+                                    <p:cond delay="0"/>
+                                  </p:stCondLst>
+                                  <p:childTnLst>
+                                    <p:set>
+                                      <p:cBhvr>
+                                        <p:cTn id="6" dur="1" fill="hold">
+                                          <p:stCondLst>
+                                            <p:cond delay="0"/>
+                                          </p:stCondLst>
+                                        </p:cTn>
+                                        <p:tgtEl>
+                                          <p:spTgt spid="4">
+                                            <p:txEl>
+                                              <p:pRg st="0" end="0"/>
+                                            </p:txEl>
+                                          </p:spTgt>
+                                        </p:tgtEl>
+                                        <p:attrNameLst>
+                                          <p:attrName>style.visibility</p:attrName>
+                                        </p:attrNameLst>
+                                      </p:cBhvr>
+                                      <p:to>
+                                        <p:strVal val="visible"/>
+                                      </p:to>
+                                    </p:set>
+                                  </p:childTnLst>
+                                </p:cTn>
+                              </p:par>
+                            </p:childTnLst>
+                          </p:cTn>
+                        </p:par>
+                      </p:childTnLst>
+                    </p:cTn>
+                  </p:par>
+                </p:childTnLst>
+              </p:cTn>
+              <p:prevCondLst>
+                <p:cond evt="onPrev" delay="0">
+                  <p:tgtEl>
+                    <p:sldTgt/>
+                  </p:tgtEl>
+                </p:cond>
+              </p:prevCondLst>
+              <p:nextCondLst>
+                <p:cond evt="onNext" delay="0">
+                  <p:tgtEl>
+                    <p:sldTgt/>
+                  </p:tgtEl>
+                </p:cond>
+              </p:nextCondLst>
+            </p:seq>
+          </p:childTnLst>
+        </p:cTn>
+      </p:par>
+    </p:tnLst>
+  </p:timing>
+</p:sld>
+</file>
+
+<file path=ppt/slides/slide22.xml><?xml version="1.0" encoding="utf-8"?>
+<p:sld xmlns:a="http://schemas.openxmlformats.org/drawingml/2006/main" xmlns:r="http://schemas.openxmlformats.org/officeDocument/2006/relationships" xmlns:p="http://schemas.openxmlformats.org/presentationml/2006/main">
+  <p:cSld>
+    <p:spTree>
+      <p:nvGrpSpPr>
+        <p:cNvPr id="1" name=""/>
+        <p:cNvGrpSpPr/>
+        <p:nvPr/>
+      </p:nvGrpSpPr>
+      <p:grpSpPr>
+        <a:xfrm>
+          <a:off x="0" y="0"/>
+          <a:ext cx="0" cy="0"/>
+          <a:chOff x="0" y="0"/>
+          <a:chExt cx="0" cy="0"/>
+        </a:xfrm>
+      </p:grpSpPr>
+      <p:sp>
+        <p:nvSpPr>
+          <p:cNvPr id="2" name="标题 1">
+            <a:extLst>
+              <a:ext uri="{FF2B5EF4-FFF2-40B4-BE49-F238E27FC236}">
+                <a16:creationId xmlns:a16="http://schemas.microsoft.com/office/drawing/2014/main" id="{03F261DD-73E4-4180-97FD-1EE25B466BF2}"/>
+              </a:ext>
+            </a:extLst>
+          </p:cNvPr>
+          <p:cNvSpPr>
+            <a:spLocks noGrp="1"/>
+          </p:cNvSpPr>
+          <p:nvPr>
+            <p:ph type="title"/>
+          </p:nvPr>
+        </p:nvSpPr>
+        <p:spPr>
+          <a:xfrm>
+            <a:off x="3430451" y="302357"/>
+            <a:ext cx="10571998" cy="970450"/>
+          </a:xfrm>
+        </p:spPr>
         <p:txBody>
           <a:bodyPr/>
           <a:lstStyle/>
           <a:p>
-            <a:endParaRPr lang="zh-CN" altLang="en-US"/>
+            <a:r>
+              <a:rPr lang="zh-CN" altLang="en-US" dirty="0"/>
+              <a:t>小组成员分工与评价</a:t>
+            </a:r>
+          </a:p>
+        </p:txBody>
+      </p:sp>
+      <p:sp>
+        <p:nvSpPr>
+          <p:cNvPr id="3" name="内容占位符 2">
+            <a:extLst>
+              <a:ext uri="{FF2B5EF4-FFF2-40B4-BE49-F238E27FC236}">
+                <a16:creationId xmlns:a16="http://schemas.microsoft.com/office/drawing/2014/main" id="{2C3B77C6-9D77-4837-923D-3F06EBDDE5C8}"/>
+              </a:ext>
+            </a:extLst>
+          </p:cNvPr>
+          <p:cNvSpPr>
+            <a:spLocks noGrp="1"/>
+          </p:cNvSpPr>
+          <p:nvPr>
+            <p:ph sz="half" idx="1"/>
+          </p:nvPr>
+        </p:nvSpPr>
+        <p:spPr>
+          <a:xfrm>
+            <a:off x="1480863" y="2527087"/>
+            <a:ext cx="8787743" cy="3638763"/>
+          </a:xfrm>
+        </p:spPr>
+        <p:txBody>
+          <a:bodyPr>
+            <a:normAutofit/>
+          </a:bodyPr>
+          <a:lstStyle/>
+          <a:p>
+            <a:r>
+              <a:rPr lang="zh-CN" altLang="en-US" sz="2800" dirty="0"/>
+              <a:t>黄栋材搜集资料</a:t>
+            </a:r>
+            <a:r>
+              <a:rPr lang="en-US" altLang="zh-CN" sz="2800" dirty="0"/>
+              <a:t>——80</a:t>
+            </a:r>
+            <a:r>
+              <a:rPr lang="zh-CN" altLang="en-US" sz="2800" dirty="0"/>
+              <a:t>分</a:t>
+            </a:r>
+            <a:endParaRPr lang="en-US" altLang="zh-CN" sz="2800" dirty="0"/>
+          </a:p>
+          <a:p>
+            <a:r>
+              <a:rPr lang="zh-CN" altLang="en-US" sz="2800" dirty="0"/>
+              <a:t>冯涛提意见</a:t>
+            </a:r>
+            <a:r>
+              <a:rPr lang="en-US" altLang="zh-CN" sz="2800" dirty="0"/>
+              <a:t>——75</a:t>
+            </a:r>
+            <a:r>
+              <a:rPr lang="zh-CN" altLang="en-US" sz="2800" dirty="0"/>
+              <a:t>分</a:t>
+            </a:r>
+            <a:endParaRPr lang="en-US" altLang="zh-CN" sz="2800" dirty="0"/>
+          </a:p>
+          <a:p>
+            <a:r>
+              <a:rPr lang="zh-CN" altLang="en-US" sz="2800" dirty="0"/>
+              <a:t>徐鹏</a:t>
+            </a:r>
+            <a:r>
+              <a:rPr lang="en-US" altLang="zh-CN" sz="2800" dirty="0"/>
+              <a:t>ppt</a:t>
+            </a:r>
+            <a:r>
+              <a:rPr lang="zh-CN" altLang="en-US" sz="2800" dirty="0"/>
+              <a:t>初版</a:t>
+            </a:r>
+            <a:r>
+              <a:rPr lang="en-US" altLang="zh-CN" sz="2800" dirty="0"/>
+              <a:t>——87</a:t>
+            </a:r>
+            <a:r>
+              <a:rPr lang="zh-CN" altLang="en-US" sz="2800" dirty="0"/>
+              <a:t>分</a:t>
+            </a:r>
+            <a:endParaRPr lang="en-US" altLang="zh-CN" sz="2800" dirty="0"/>
+          </a:p>
+          <a:p>
+            <a:r>
+              <a:rPr lang="zh-CN" altLang="en-US" sz="2800" dirty="0"/>
+              <a:t>陈泓见查验</a:t>
+            </a:r>
+            <a:r>
+              <a:rPr lang="en-US" altLang="zh-CN" sz="2800" dirty="0"/>
+              <a:t>PPT——83</a:t>
+            </a:r>
+            <a:r>
+              <a:rPr lang="zh-CN" altLang="en-US" sz="2800" dirty="0"/>
+              <a:t>分</a:t>
+            </a:r>
+            <a:endParaRPr lang="en-US" altLang="zh-CN" sz="2800" dirty="0"/>
+          </a:p>
+          <a:p>
+            <a:r>
+              <a:rPr lang="zh-CN" altLang="en-US" sz="2800" dirty="0"/>
+              <a:t>童威男（负责人）</a:t>
+            </a:r>
+            <a:r>
+              <a:rPr lang="en-US" altLang="zh-CN" sz="2800" dirty="0"/>
+              <a:t>PPT</a:t>
+            </a:r>
+            <a:r>
+              <a:rPr lang="zh-CN" altLang="en-US" sz="2800" dirty="0"/>
+              <a:t>制作</a:t>
+            </a:r>
+            <a:r>
+              <a:rPr lang="en-US" altLang="zh-CN" sz="2800" dirty="0"/>
+              <a:t>——92</a:t>
+            </a:r>
+            <a:r>
+              <a:rPr lang="zh-CN" altLang="en-US" sz="2800" dirty="0"/>
+              <a:t>分</a:t>
+            </a:r>
+          </a:p>
+          <a:p>
+            <a:endParaRPr lang="zh-CN" altLang="en-US" sz="2800" dirty="0"/>
           </a:p>
         </p:txBody>
       </p:sp>
     </p:spTree>
     <p:extLst>
       <p:ext uri="{BB962C8B-B14F-4D97-AF65-F5344CB8AC3E}">
-        <p14:creationId xmlns:p14="http://schemas.microsoft.com/office/powerpoint/2010/main" val="911907966"/>
+        <p14:creationId xmlns:p14="http://schemas.microsoft.com/office/powerpoint/2010/main" val="1997443089"/>
       </p:ext>
     </p:extLst>
   </p:cSld>
@@ -13285,7 +12723,352 @@
 </p:sld>
 </file>
 
-<file path=ppt/slides/slide4.xml><?xml version="1.0" encoding="utf-8"?>
+<file path=ppt/slides/slide23.xml><?xml version="1.0" encoding="utf-8"?>
+<p:sld xmlns:a="http://schemas.openxmlformats.org/drawingml/2006/main" xmlns:r="http://schemas.openxmlformats.org/officeDocument/2006/relationships" xmlns:p="http://schemas.openxmlformats.org/presentationml/2006/main">
+  <p:cSld>
+    <p:spTree>
+      <p:nvGrpSpPr>
+        <p:cNvPr id="1" name=""/>
+        <p:cNvGrpSpPr/>
+        <p:nvPr/>
+      </p:nvGrpSpPr>
+      <p:grpSpPr>
+        <a:xfrm>
+          <a:off x="0" y="0"/>
+          <a:ext cx="0" cy="0"/>
+          <a:chOff x="0" y="0"/>
+          <a:chExt cx="0" cy="0"/>
+        </a:xfrm>
+      </p:grpSpPr>
+      <p:sp>
+        <p:nvSpPr>
+          <p:cNvPr id="2" name="标题 1">
+            <a:extLst>
+              <a:ext uri="{FF2B5EF4-FFF2-40B4-BE49-F238E27FC236}">
+                <a16:creationId xmlns:a16="http://schemas.microsoft.com/office/drawing/2014/main" id="{8050F867-BC96-4BDE-8D9B-B611C1196787}"/>
+              </a:ext>
+            </a:extLst>
+          </p:cNvPr>
+          <p:cNvSpPr>
+            <a:spLocks noGrp="1"/>
+          </p:cNvSpPr>
+          <p:nvPr>
+            <p:ph type="title"/>
+          </p:nvPr>
+        </p:nvSpPr>
+        <p:spPr>
+          <a:xfrm>
+            <a:off x="2630173" y="429935"/>
+            <a:ext cx="10571998" cy="970450"/>
+          </a:xfrm>
+        </p:spPr>
+        <p:txBody>
+          <a:bodyPr/>
+          <a:lstStyle/>
+          <a:p>
+            <a:r>
+              <a:rPr lang="zh-CN" altLang="en-US" dirty="0"/>
+              <a:t>了解</a:t>
+            </a:r>
+            <a:r>
+              <a:rPr lang="en-US" altLang="zh-CN" dirty="0"/>
+              <a:t>UML</a:t>
+            </a:r>
+            <a:r>
+              <a:rPr lang="zh-CN" altLang="en-US" dirty="0"/>
+              <a:t>基础</a:t>
+            </a:r>
+            <a:r>
+              <a:rPr lang="en-US" altLang="zh-CN" dirty="0"/>
+              <a:t>Ⅰ</a:t>
+            </a:r>
+            <a:r>
+              <a:rPr lang="zh-CN" altLang="en-US" dirty="0"/>
+              <a:t>过程遇到的问题</a:t>
+            </a:r>
+          </a:p>
+        </p:txBody>
+      </p:sp>
+      <p:sp>
+        <p:nvSpPr>
+          <p:cNvPr id="3" name="文本框 2">
+            <a:extLst>
+              <a:ext uri="{FF2B5EF4-FFF2-40B4-BE49-F238E27FC236}">
+                <a16:creationId xmlns:a16="http://schemas.microsoft.com/office/drawing/2014/main" id="{4CDAD1FD-D4D8-48D1-81CD-F860BAF3F91C}"/>
+              </a:ext>
+            </a:extLst>
+          </p:cNvPr>
+          <p:cNvSpPr txBox="1"/>
+          <p:nvPr/>
+        </p:nvSpPr>
+        <p:spPr>
+          <a:xfrm>
+            <a:off x="1121433" y="2675467"/>
+            <a:ext cx="9230478" cy="461665"/>
+          </a:xfrm>
+          <a:prstGeom prst="rect">
+            <a:avLst/>
+          </a:prstGeom>
+          <a:noFill/>
+        </p:spPr>
+        <p:txBody>
+          <a:bodyPr wrap="square" rtlCol="0">
+            <a:spAutoFit/>
+          </a:bodyPr>
+          <a:lstStyle/>
+          <a:p>
+            <a:r>
+              <a:rPr lang="zh-CN" altLang="en-US" sz="2400" dirty="0"/>
+              <a:t>实战经验不足</a:t>
+            </a:r>
+          </a:p>
+        </p:txBody>
+      </p:sp>
+    </p:spTree>
+    <p:extLst>
+      <p:ext uri="{BB962C8B-B14F-4D97-AF65-F5344CB8AC3E}">
+        <p14:creationId xmlns:p14="http://schemas.microsoft.com/office/powerpoint/2010/main" val="2655558641"/>
+      </p:ext>
+    </p:extLst>
+  </p:cSld>
+  <p:clrMapOvr>
+    <a:masterClrMapping/>
+  </p:clrMapOvr>
+</p:sld>
+</file>
+
+<file path=ppt/slides/slide24.xml><?xml version="1.0" encoding="utf-8"?>
+<p:sld xmlns:a="http://schemas.openxmlformats.org/drawingml/2006/main" xmlns:r="http://schemas.openxmlformats.org/officeDocument/2006/relationships" xmlns:p="http://schemas.openxmlformats.org/presentationml/2006/main">
+  <p:cSld>
+    <p:spTree>
+      <p:nvGrpSpPr>
+        <p:cNvPr id="1" name=""/>
+        <p:cNvGrpSpPr/>
+        <p:nvPr/>
+      </p:nvGrpSpPr>
+      <p:grpSpPr>
+        <a:xfrm>
+          <a:off x="0" y="0"/>
+          <a:ext cx="0" cy="0"/>
+          <a:chOff x="0" y="0"/>
+          <a:chExt cx="0" cy="0"/>
+        </a:xfrm>
+      </p:grpSpPr>
+      <p:sp>
+        <p:nvSpPr>
+          <p:cNvPr id="2" name="标题 1">
+            <a:extLst>
+              <a:ext uri="{FF2B5EF4-FFF2-40B4-BE49-F238E27FC236}">
+                <a16:creationId xmlns:a16="http://schemas.microsoft.com/office/drawing/2014/main" id="{029433F6-C7F9-4690-9C8A-51E513DA7BE9}"/>
+              </a:ext>
+            </a:extLst>
+          </p:cNvPr>
+          <p:cNvSpPr>
+            <a:spLocks noGrp="1"/>
+          </p:cNvSpPr>
+          <p:nvPr>
+            <p:ph type="title"/>
+          </p:nvPr>
+        </p:nvSpPr>
+        <p:spPr>
+          <a:xfrm>
+            <a:off x="4584966" y="362111"/>
+            <a:ext cx="10571998" cy="970450"/>
+          </a:xfrm>
+        </p:spPr>
+        <p:txBody>
+          <a:bodyPr/>
+          <a:lstStyle/>
+          <a:p>
+            <a:r>
+              <a:rPr lang="zh-CN" altLang="en-US" dirty="0"/>
+              <a:t>参考资料</a:t>
+            </a:r>
+          </a:p>
+        </p:txBody>
+      </p:sp>
+      <p:sp>
+        <p:nvSpPr>
+          <p:cNvPr id="3" name="文本框 2">
+            <a:hlinkClick r:id="rId2"/>
+            <a:extLst>
+              <a:ext uri="{FF2B5EF4-FFF2-40B4-BE49-F238E27FC236}">
+                <a16:creationId xmlns:a16="http://schemas.microsoft.com/office/drawing/2014/main" id="{220C1E04-0FAA-4810-9EB8-4FB5668628C3}"/>
+              </a:ext>
+            </a:extLst>
+          </p:cNvPr>
+          <p:cNvSpPr txBox="1"/>
+          <p:nvPr/>
+        </p:nvSpPr>
+        <p:spPr>
+          <a:xfrm>
+            <a:off x="667631" y="2828835"/>
+            <a:ext cx="10657266" cy="1200329"/>
+          </a:xfrm>
+          <a:prstGeom prst="rect">
+            <a:avLst/>
+          </a:prstGeom>
+          <a:noFill/>
+          <a:ln>
+            <a:noFill/>
+          </a:ln>
+        </p:spPr>
+        <p:txBody>
+          <a:bodyPr wrap="square" rtlCol="0">
+            <a:spAutoFit/>
+          </a:bodyPr>
+          <a:lstStyle/>
+          <a:p>
+            <a:pPr marL="285750" indent="-285750">
+              <a:buFont typeface="Wingdings" panose="05000000000000000000" pitchFamily="2" charset="2"/>
+              <a:buChar char="l"/>
+            </a:pPr>
+            <a:r>
+              <a:rPr lang="en-US" altLang="zh-CN" sz="2400" dirty="0"/>
+              <a:t>《UML2</a:t>
+            </a:r>
+            <a:r>
+              <a:rPr lang="zh-CN" altLang="en-US" sz="2400" dirty="0"/>
+              <a:t>基础、建模与设计教程</a:t>
+            </a:r>
+            <a:r>
+              <a:rPr lang="en-US" altLang="zh-CN" sz="2400" dirty="0"/>
+              <a:t>》 </a:t>
+            </a:r>
+            <a:r>
+              <a:rPr lang="zh-CN" altLang="en-US" sz="2400" dirty="0"/>
+              <a:t>杨弘平 等 编著</a:t>
+            </a:r>
+            <a:endParaRPr lang="en-US" altLang="zh-CN" sz="2400" dirty="0"/>
+          </a:p>
+          <a:p>
+            <a:pPr marL="285750" indent="-285750">
+              <a:buFont typeface="Wingdings" panose="05000000000000000000" pitchFamily="2" charset="2"/>
+              <a:buChar char="l"/>
+            </a:pPr>
+            <a:r>
+              <a:rPr lang="en-US" altLang="zh-CN" sz="2400" dirty="0">
+                <a:hlinkClick r:id="rId3"/>
+              </a:rPr>
+              <a:t>http://blog.csdn.net/jiuqiyuliang/article/details/8552956</a:t>
+            </a:r>
+            <a:r>
+              <a:rPr lang="en-US" altLang="zh-CN" sz="2400" dirty="0"/>
+              <a:t>——【1】</a:t>
+            </a:r>
+          </a:p>
+          <a:p>
+            <a:pPr marL="285750" indent="-285750">
+              <a:buFont typeface="Wingdings" panose="05000000000000000000" pitchFamily="2" charset="2"/>
+              <a:buChar char="l"/>
+            </a:pPr>
+            <a:r>
+              <a:rPr lang="en-US" altLang="zh-CN" sz="2400" dirty="0"/>
+              <a:t>http://blog.csdn.net/suxinpingtao51/article/details/8011335</a:t>
+            </a:r>
+          </a:p>
+        </p:txBody>
+      </p:sp>
+    </p:spTree>
+    <p:extLst>
+      <p:ext uri="{BB962C8B-B14F-4D97-AF65-F5344CB8AC3E}">
+        <p14:creationId xmlns:p14="http://schemas.microsoft.com/office/powerpoint/2010/main" val="622525484"/>
+      </p:ext>
+    </p:extLst>
+  </p:cSld>
+  <p:clrMapOvr>
+    <a:masterClrMapping/>
+  </p:clrMapOvr>
+  <p:timing>
+    <p:tnLst>
+      <p:par>
+        <p:cTn id="1" dur="indefinite" restart="never" nodeType="tmRoot">
+          <p:childTnLst>
+            <p:seq concurrent="1" nextAc="seek">
+              <p:cTn id="2" dur="indefinite" nodeType="mainSeq">
+                <p:childTnLst>
+                  <p:par>
+                    <p:cTn id="3" fill="hold">
+                      <p:stCondLst>
+                        <p:cond delay="indefinite"/>
+                      </p:stCondLst>
+                      <p:childTnLst>
+                        <p:par>
+                          <p:cTn id="4" fill="hold">
+                            <p:stCondLst>
+                              <p:cond delay="0"/>
+                            </p:stCondLst>
+                            <p:childTnLst>
+                              <p:par>
+                                <p:cTn id="5" presetID="14" presetClass="entr" presetSubtype="10" fill="hold" grpId="0" nodeType="clickEffect">
+                                  <p:stCondLst>
+                                    <p:cond delay="0"/>
+                                  </p:stCondLst>
+                                  <p:childTnLst>
+                                    <p:set>
+                                      <p:cBhvr>
+                                        <p:cTn id="6" dur="1" fill="hold">
+                                          <p:stCondLst>
+                                            <p:cond delay="0"/>
+                                          </p:stCondLst>
+                                        </p:cTn>
+                                        <p:tgtEl>
+                                          <p:spTgt spid="3"/>
+                                        </p:tgtEl>
+                                        <p:attrNameLst>
+                                          <p:attrName>style.visibility</p:attrName>
+                                        </p:attrNameLst>
+                                      </p:cBhvr>
+                                      <p:to>
+                                        <p:strVal val="visible"/>
+                                      </p:to>
+                                    </p:set>
+                                    <p:animEffect transition="in" filter="randombar(horizontal)">
+                                      <p:cBhvr>
+                                        <p:cTn id="7" dur="500"/>
+                                        <p:tgtEl>
+                                          <p:spTgt spid="3"/>
+                                        </p:tgtEl>
+                                      </p:cBhvr>
+                                    </p:animEffect>
+                                  </p:childTnLst>
+                                </p:cTn>
+                              </p:par>
+                            </p:childTnLst>
+                          </p:cTn>
+                        </p:par>
+                      </p:childTnLst>
+                    </p:cTn>
+                  </p:par>
+                </p:childTnLst>
+              </p:cTn>
+              <p:prevCondLst>
+                <p:cond evt="onPrev" delay="0">
+                  <p:tgtEl>
+                    <p:sldTgt/>
+                  </p:tgtEl>
+                </p:cond>
+              </p:prevCondLst>
+              <p:nextCondLst>
+                <p:cond evt="onNext" delay="0">
+                  <p:tgtEl>
+                    <p:sldTgt/>
+                  </p:tgtEl>
+                </p:cond>
+              </p:nextCondLst>
+            </p:seq>
+          </p:childTnLst>
+        </p:cTn>
+      </p:par>
+    </p:tnLst>
+    <p:bldLst>
+      <p:bldP spid="3" grpId="0"/>
+    </p:bldLst>
+  </p:timing>
+</p:sld>
+</file>
+
+<file path=ppt/slides/slide3.xml><?xml version="1.0" encoding="utf-8"?>
 <p:sld xmlns:a="http://schemas.openxmlformats.org/drawingml/2006/main" xmlns:r="http://schemas.openxmlformats.org/officeDocument/2006/relationships" xmlns:p="http://schemas.openxmlformats.org/presentationml/2006/main">
   <p:cSld>
     <p:spTree>
@@ -13464,6 +13247,152 @@
 </p:sld>
 </file>
 
+<file path=ppt/slides/slide4.xml><?xml version="1.0" encoding="utf-8"?>
+<p:sld xmlns:a="http://schemas.openxmlformats.org/drawingml/2006/main" xmlns:r="http://schemas.openxmlformats.org/officeDocument/2006/relationships" xmlns:p="http://schemas.openxmlformats.org/presentationml/2006/main">
+  <p:cSld>
+    <p:spTree>
+      <p:nvGrpSpPr>
+        <p:cNvPr id="1" name=""/>
+        <p:cNvGrpSpPr/>
+        <p:nvPr/>
+      </p:nvGrpSpPr>
+      <p:grpSpPr>
+        <a:xfrm>
+          <a:off x="0" y="0"/>
+          <a:ext cx="0" cy="0"/>
+          <a:chOff x="0" y="0"/>
+          <a:chExt cx="0" cy="0"/>
+        </a:xfrm>
+      </p:grpSpPr>
+      <p:sp>
+        <p:nvSpPr>
+          <p:cNvPr id="2" name="标题 1">
+            <a:extLst>
+              <a:ext uri="{FF2B5EF4-FFF2-40B4-BE49-F238E27FC236}">
+                <a16:creationId xmlns:a16="http://schemas.microsoft.com/office/drawing/2014/main" id="{4B18EED5-E5FF-464C-813C-4A09C57EB060}"/>
+              </a:ext>
+            </a:extLst>
+          </p:cNvPr>
+          <p:cNvSpPr>
+            <a:spLocks noGrp="1"/>
+          </p:cNvSpPr>
+          <p:nvPr>
+            <p:ph type="title"/>
+          </p:nvPr>
+        </p:nvSpPr>
+        <p:spPr/>
+        <p:txBody>
+          <a:bodyPr/>
+          <a:lstStyle/>
+          <a:p>
+            <a:r>
+              <a:rPr lang="zh-CN" altLang="en-US" sz="4400" dirty="0"/>
+              <a:t>用例图</a:t>
+            </a:r>
+            <a:r>
+              <a:rPr lang="en-US" altLang="zh-CN" sz="4400" dirty="0"/>
+              <a:t>——</a:t>
+            </a:r>
+            <a:r>
+              <a:rPr lang="zh-CN" altLang="en-US" sz="4400" dirty="0"/>
+              <a:t>关联关系</a:t>
+            </a:r>
+          </a:p>
+        </p:txBody>
+      </p:sp>
+      <p:sp>
+        <p:nvSpPr>
+          <p:cNvPr id="3" name="内容占位符 2">
+            <a:extLst>
+              <a:ext uri="{FF2B5EF4-FFF2-40B4-BE49-F238E27FC236}">
+                <a16:creationId xmlns:a16="http://schemas.microsoft.com/office/drawing/2014/main" id="{BA0A741A-5262-4373-84E4-7A3ADA326D91}"/>
+              </a:ext>
+            </a:extLst>
+          </p:cNvPr>
+          <p:cNvSpPr>
+            <a:spLocks noGrp="1"/>
+          </p:cNvSpPr>
+          <p:nvPr>
+            <p:ph idx="1"/>
+          </p:nvPr>
+        </p:nvSpPr>
+        <p:spPr>
+          <a:xfrm>
+            <a:off x="713608" y="1417638"/>
+            <a:ext cx="10554574" cy="3636511"/>
+          </a:xfrm>
+        </p:spPr>
+        <p:txBody>
+          <a:bodyPr/>
+          <a:lstStyle/>
+          <a:p>
+            <a:r>
+              <a:rPr lang="zh-CN" altLang="en-US" sz="2400" b="1" dirty="0"/>
+              <a:t>定义：</a:t>
+            </a:r>
+            <a:r>
+              <a:rPr lang="zh-CN" altLang="en-US" sz="2400" dirty="0"/>
+              <a:t>参与者与用例之间通常用关联关系来描述。</a:t>
+            </a:r>
+          </a:p>
+          <a:p>
+            <a:r>
+              <a:rPr lang="zh-CN" altLang="en-US" sz="2400" b="1" dirty="0"/>
+              <a:t>表示方法：</a:t>
+            </a:r>
+            <a:r>
+              <a:rPr lang="zh-CN" altLang="en-US" sz="2400" dirty="0"/>
+              <a:t>带箭头的实线，箭头指向用例。</a:t>
+            </a:r>
+          </a:p>
+          <a:p>
+            <a:endParaRPr lang="zh-CN" altLang="en-US" dirty="0"/>
+          </a:p>
+        </p:txBody>
+      </p:sp>
+      <p:pic>
+        <p:nvPicPr>
+          <p:cNvPr id="4" name="图片 3">
+            <a:extLst>
+              <a:ext uri="{FF2B5EF4-FFF2-40B4-BE49-F238E27FC236}">
+                <a16:creationId xmlns:a16="http://schemas.microsoft.com/office/drawing/2014/main" id="{434A3294-717D-4C1C-AE76-B516CE92B0D5}"/>
+              </a:ext>
+            </a:extLst>
+          </p:cNvPr>
+          <p:cNvPicPr>
+            <a:picLocks noChangeAspect="1"/>
+          </p:cNvPicPr>
+          <p:nvPr/>
+        </p:nvPicPr>
+        <p:blipFill>
+          <a:blip r:embed="rId2"/>
+          <a:stretch>
+            <a:fillRect/>
+          </a:stretch>
+        </p:blipFill>
+        <p:spPr>
+          <a:xfrm>
+            <a:off x="1327423" y="3644449"/>
+            <a:ext cx="8086725" cy="2819400"/>
+          </a:xfrm>
+          <a:prstGeom prst="rect">
+            <a:avLst/>
+          </a:prstGeom>
+        </p:spPr>
+      </p:pic>
+    </p:spTree>
+    <p:extLst>
+      <p:ext uri="{BB962C8B-B14F-4D97-AF65-F5344CB8AC3E}">
+        <p14:creationId xmlns:p14="http://schemas.microsoft.com/office/powerpoint/2010/main" val="2040225800"/>
+      </p:ext>
+    </p:extLst>
+  </p:cSld>
+  <p:clrMapOvr>
+    <a:masterClrMapping/>
+  </p:clrMapOvr>
+</p:sld>
+</file>
+
 <file path=ppt/slides/slide5.xml><?xml version="1.0" encoding="utf-8"?>
 <p:sld xmlns:a="http://schemas.openxmlformats.org/drawingml/2006/main" xmlns:r="http://schemas.openxmlformats.org/officeDocument/2006/relationships" xmlns:p="http://schemas.openxmlformats.org/presentationml/2006/main">
   <p:cSld>
@@ -13486,7 +13415,7 @@
           <p:cNvPr id="2" name="标题 1">
             <a:extLst>
               <a:ext uri="{FF2B5EF4-FFF2-40B4-BE49-F238E27FC236}">
-                <a16:creationId xmlns:a16="http://schemas.microsoft.com/office/drawing/2014/main" id="{4B18EED5-E5FF-464C-813C-4A09C57EB060}"/>
+                <a16:creationId xmlns:a16="http://schemas.microsoft.com/office/drawing/2014/main" id="{D008391E-02A9-488C-8B45-9AF8D1F20D5B}"/>
               </a:ext>
             </a:extLst>
           </p:cNvPr>
@@ -13502,7 +13431,18 @@
           <a:bodyPr/>
           <a:lstStyle/>
           <a:p>
-            <a:endParaRPr lang="zh-CN" altLang="en-US"/>
+            <a:r>
+              <a:rPr lang="zh-CN" altLang="en-US" sz="4400" dirty="0"/>
+              <a:t>用例图</a:t>
+            </a:r>
+            <a:r>
+              <a:rPr lang="en-US" altLang="zh-CN" sz="4400" dirty="0"/>
+              <a:t>——</a:t>
+            </a:r>
+            <a:r>
+              <a:rPr lang="zh-CN" altLang="en-US" sz="4400" dirty="0"/>
+              <a:t>泛化关系</a:t>
+            </a:r>
           </a:p>
         </p:txBody>
       </p:sp>
@@ -13511,7 +13451,7 @@
           <p:cNvPr id="3" name="内容占位符 2">
             <a:extLst>
               <a:ext uri="{FF2B5EF4-FFF2-40B4-BE49-F238E27FC236}">
-                <a16:creationId xmlns:a16="http://schemas.microsoft.com/office/drawing/2014/main" id="{BA0A741A-5262-4373-84E4-7A3ADA326D91}"/>
+                <a16:creationId xmlns:a16="http://schemas.microsoft.com/office/drawing/2014/main" id="{B4557042-D07A-42E6-BBB3-0D9D78E9DA8F}"/>
               </a:ext>
             </a:extLst>
           </p:cNvPr>
@@ -13522,19 +13462,72 @@
             <p:ph idx="1"/>
           </p:nvPr>
         </p:nvSpPr>
-        <p:spPr/>
+        <p:spPr>
+          <a:xfrm>
+            <a:off x="567010" y="1328909"/>
+            <a:ext cx="11057977" cy="3636511"/>
+          </a:xfrm>
+        </p:spPr>
         <p:txBody>
           <a:bodyPr/>
           <a:lstStyle/>
           <a:p>
-            <a:endParaRPr lang="zh-CN" altLang="en-US"/>
+            <a:r>
+              <a:rPr lang="zh-CN" altLang="en-US" sz="2400" b="1" dirty="0"/>
+              <a:t>定义：</a:t>
+            </a:r>
+            <a:r>
+              <a:rPr lang="zh-CN" altLang="en-US" sz="2400" dirty="0"/>
+              <a:t>一个用例可以被特别列举为一个或多个子用例，这被称为用例泛化。</a:t>
+            </a:r>
+            <a:endParaRPr lang="en-US" altLang="zh-CN" sz="2400" dirty="0"/>
+          </a:p>
+          <a:p>
+            <a:r>
+              <a:rPr lang="zh-CN" altLang="en-US" sz="2400" dirty="0"/>
+              <a:t>表示方法：带空心箭头的实线，箭头指向被泛化（被继承）的用例，即父用例。</a:t>
+            </a:r>
+            <a:endParaRPr lang="en-US" altLang="zh-CN" sz="2400" dirty="0"/>
+          </a:p>
+          <a:p>
+            <a:endParaRPr lang="zh-CN" altLang="en-US" dirty="0"/>
           </a:p>
         </p:txBody>
       </p:sp>
+      <p:pic>
+        <p:nvPicPr>
+          <p:cNvPr id="6" name="图片 5">
+            <a:extLst>
+              <a:ext uri="{FF2B5EF4-FFF2-40B4-BE49-F238E27FC236}">
+                <a16:creationId xmlns:a16="http://schemas.microsoft.com/office/drawing/2014/main" id="{FAF2501D-3BE6-4D21-9E59-7D9D3FDFF257}"/>
+              </a:ext>
+            </a:extLst>
+          </p:cNvPr>
+          <p:cNvPicPr>
+            <a:picLocks noChangeAspect="1"/>
+          </p:cNvPicPr>
+          <p:nvPr/>
+        </p:nvPicPr>
+        <p:blipFill>
+          <a:blip r:embed="rId2"/>
+          <a:stretch>
+            <a:fillRect/>
+          </a:stretch>
+        </p:blipFill>
+        <p:spPr>
+          <a:xfrm>
+            <a:off x="1169439" y="3553312"/>
+            <a:ext cx="8486775" cy="2857500"/>
+          </a:xfrm>
+          <a:prstGeom prst="rect">
+            <a:avLst/>
+          </a:prstGeom>
+        </p:spPr>
+      </p:pic>
     </p:spTree>
     <p:extLst>
       <p:ext uri="{BB962C8B-B14F-4D97-AF65-F5344CB8AC3E}">
-        <p14:creationId xmlns:p14="http://schemas.microsoft.com/office/powerpoint/2010/main" val="2040225800"/>
+        <p14:creationId xmlns:p14="http://schemas.microsoft.com/office/powerpoint/2010/main" val="663207205"/>
       </p:ext>
     </p:extLst>
   </p:cSld>
@@ -13566,7 +13559,7 @@
           <p:cNvPr id="2" name="标题 1">
             <a:extLst>
               <a:ext uri="{FF2B5EF4-FFF2-40B4-BE49-F238E27FC236}">
-                <a16:creationId xmlns:a16="http://schemas.microsoft.com/office/drawing/2014/main" id="{D008391E-02A9-488C-8B45-9AF8D1F20D5B}"/>
+                <a16:creationId xmlns:a16="http://schemas.microsoft.com/office/drawing/2014/main" id="{A39FEC9B-7F04-407B-87B7-2A20A5C65FF1}"/>
               </a:ext>
             </a:extLst>
           </p:cNvPr>
@@ -13582,7 +13575,18 @@
           <a:bodyPr/>
           <a:lstStyle/>
           <a:p>
-            <a:endParaRPr lang="zh-CN" altLang="en-US"/>
+            <a:r>
+              <a:rPr lang="zh-CN" altLang="en-US" sz="4400" dirty="0"/>
+              <a:t>用例图</a:t>
+            </a:r>
+            <a:r>
+              <a:rPr lang="en-US" altLang="zh-CN" sz="4400" dirty="0"/>
+              <a:t>——</a:t>
+            </a:r>
+            <a:r>
+              <a:rPr lang="zh-CN" altLang="en-US" sz="4400" dirty="0"/>
+              <a:t>包含关系</a:t>
+            </a:r>
           </a:p>
         </p:txBody>
       </p:sp>
@@ -13591,7 +13595,7 @@
           <p:cNvPr id="3" name="内容占位符 2">
             <a:extLst>
               <a:ext uri="{FF2B5EF4-FFF2-40B4-BE49-F238E27FC236}">
-                <a16:creationId xmlns:a16="http://schemas.microsoft.com/office/drawing/2014/main" id="{B4557042-D07A-42E6-BBB3-0D9D78E9DA8F}"/>
+                <a16:creationId xmlns:a16="http://schemas.microsoft.com/office/drawing/2014/main" id="{B996EB5C-AA9E-43C9-BE8A-AC563CE0F35D}"/>
               </a:ext>
             </a:extLst>
           </p:cNvPr>
@@ -13602,19 +13606,78 @@
             <p:ph idx="1"/>
           </p:nvPr>
         </p:nvSpPr>
-        <p:spPr/>
+        <p:spPr>
+          <a:xfrm>
+            <a:off x="578071" y="1129211"/>
+            <a:ext cx="11267088" cy="3636511"/>
+          </a:xfrm>
+        </p:spPr>
         <p:txBody>
-          <a:bodyPr/>
+          <a:bodyPr>
+            <a:normAutofit/>
+          </a:bodyPr>
           <a:lstStyle/>
           <a:p>
-            <a:endParaRPr lang="zh-CN" altLang="en-US"/>
+            <a:r>
+              <a:rPr lang="zh-CN" altLang="en-US" sz="2400" b="1" dirty="0"/>
+              <a:t>定义：</a:t>
+            </a:r>
+            <a:r>
+              <a:rPr lang="zh-CN" altLang="en-US" sz="2400" dirty="0"/>
+              <a:t>其中一个用例（基础用例）的行为包含了另一个用例（包含用例）的行为。</a:t>
+            </a:r>
+            <a:endParaRPr lang="en-US" altLang="zh-CN" sz="2400" dirty="0"/>
+          </a:p>
+          <a:p>
+            <a:r>
+              <a:rPr lang="zh-CN" altLang="en-US" sz="2400" dirty="0"/>
+              <a:t>表示方法：虚线箭头</a:t>
+            </a:r>
+            <a:r>
+              <a:rPr lang="en-US" altLang="zh-CN" sz="2400" dirty="0"/>
+              <a:t>+&lt;&lt;include&gt;&gt;</a:t>
+            </a:r>
+            <a:r>
+              <a:rPr lang="zh-CN" altLang="en-US" sz="2400" dirty="0"/>
+              <a:t>字样，箭头指向被包含的用例。</a:t>
+            </a:r>
           </a:p>
         </p:txBody>
       </p:sp>
+      <p:pic>
+        <p:nvPicPr>
+          <p:cNvPr id="4" name="图片 3">
+            <a:extLst>
+              <a:ext uri="{FF2B5EF4-FFF2-40B4-BE49-F238E27FC236}">
+                <a16:creationId xmlns:a16="http://schemas.microsoft.com/office/drawing/2014/main" id="{AEB40E2F-FA81-4A74-959C-9590AFF560DB}"/>
+              </a:ext>
+            </a:extLst>
+          </p:cNvPr>
+          <p:cNvPicPr>
+            <a:picLocks noChangeAspect="1"/>
+          </p:cNvPicPr>
+          <p:nvPr/>
+        </p:nvPicPr>
+        <p:blipFill>
+          <a:blip r:embed="rId2"/>
+          <a:stretch>
+            <a:fillRect/>
+          </a:stretch>
+        </p:blipFill>
+        <p:spPr>
+          <a:xfrm>
+            <a:off x="1316913" y="3534262"/>
+            <a:ext cx="8086725" cy="2876550"/>
+          </a:xfrm>
+          <a:prstGeom prst="rect">
+            <a:avLst/>
+          </a:prstGeom>
+        </p:spPr>
+      </p:pic>
     </p:spTree>
     <p:extLst>
       <p:ext uri="{BB962C8B-B14F-4D97-AF65-F5344CB8AC3E}">
-        <p14:creationId xmlns:p14="http://schemas.microsoft.com/office/powerpoint/2010/main" val="663207205"/>
+        <p14:creationId xmlns:p14="http://schemas.microsoft.com/office/powerpoint/2010/main" val="3343127804"/>
       </p:ext>
     </p:extLst>
   </p:cSld>
@@ -13646,7 +13709,7 @@
           <p:cNvPr id="2" name="标题 1">
             <a:extLst>
               <a:ext uri="{FF2B5EF4-FFF2-40B4-BE49-F238E27FC236}">
-                <a16:creationId xmlns:a16="http://schemas.microsoft.com/office/drawing/2014/main" id="{1DDA3B09-FC23-43EB-86E2-763B5A3FE7F2}"/>
+                <a16:creationId xmlns:a16="http://schemas.microsoft.com/office/drawing/2014/main" id="{CB5F3119-9187-4B28-8F0F-CD0B58173301}"/>
               </a:ext>
             </a:extLst>
           </p:cNvPr>
@@ -13657,33 +13720,32 @@
             <p:ph type="title"/>
           </p:nvPr>
         </p:nvSpPr>
-        <p:spPr>
-          <a:xfrm>
-            <a:off x="1150962" y="324175"/>
-            <a:ext cx="6231226" cy="2652773"/>
-          </a:xfrm>
-        </p:spPr>
+        <p:spPr/>
         <p:txBody>
           <a:bodyPr/>
           <a:lstStyle/>
           <a:p>
             <a:r>
+              <a:rPr lang="zh-CN" altLang="en-US" sz="4400" dirty="0"/>
+              <a:t>用例图</a:t>
+            </a:r>
+            <a:r>
               <a:rPr lang="en-US" altLang="zh-CN" sz="4400" dirty="0"/>
-              <a:t>2</a:t>
+              <a:t>——</a:t>
             </a:r>
             <a:r>
               <a:rPr lang="zh-CN" altLang="en-US" sz="4400" dirty="0"/>
-              <a:t>、类和类图</a:t>
+              <a:t>扩展关系</a:t>
             </a:r>
           </a:p>
         </p:txBody>
       </p:sp>
       <p:sp>
         <p:nvSpPr>
-          <p:cNvPr id="4" name="文本占位符 3">
+          <p:cNvPr id="3" name="内容占位符 2">
             <a:extLst>
               <a:ext uri="{FF2B5EF4-FFF2-40B4-BE49-F238E27FC236}">
-                <a16:creationId xmlns:a16="http://schemas.microsoft.com/office/drawing/2014/main" id="{0459766A-BD2B-4253-8362-B1900B7F0FF8}"/>
+                <a16:creationId xmlns:a16="http://schemas.microsoft.com/office/drawing/2014/main" id="{6EE0D28D-D366-48D3-8F75-2161BB9A6726}"/>
               </a:ext>
             </a:extLst>
           </p:cNvPr>
@@ -13691,13 +13753,13 @@
             <a:spLocks noGrp="1"/>
           </p:cNvSpPr>
           <p:nvPr>
-            <p:ph type="body" sz="quarter" idx="16"/>
+            <p:ph idx="1"/>
           </p:nvPr>
         </p:nvSpPr>
         <p:spPr>
           <a:xfrm>
-            <a:off x="7276062" y="1081455"/>
-            <a:ext cx="4573816" cy="4075465"/>
+            <a:off x="394136" y="932413"/>
+            <a:ext cx="11403725" cy="3636511"/>
           </a:xfrm>
         </p:spPr>
         <p:txBody>
@@ -13707,65 +13769,365 @@
           <a:lstStyle/>
           <a:p>
             <a:r>
-              <a:rPr lang="zh-CN" altLang="en-US" dirty="0"/>
-              <a:t>目录</a:t>
-            </a:r>
-          </a:p>
-          <a:p>
-            <a:pPr marL="285750" indent="-285750">
-              <a:buFont typeface="Wingdings" panose="05000000000000000000" pitchFamily="2" charset="2"/>
-              <a:buChar char="l"/>
-            </a:pPr>
-            <a:r>
-              <a:rPr lang="zh-CN" altLang="en-US" dirty="0"/>
-              <a:t>类和类图概念</a:t>
-            </a:r>
-            <a:endParaRPr lang="en-US" altLang="zh-CN" dirty="0"/>
-          </a:p>
-          <a:p>
-            <a:endParaRPr lang="zh-CN" altLang="en-US" dirty="0"/>
-          </a:p>
-          <a:p>
-            <a:pPr marL="285750" indent="-285750">
-              <a:buFont typeface="Wingdings" panose="05000000000000000000" pitchFamily="2" charset="2"/>
-              <a:buChar char="l"/>
-            </a:pPr>
-            <a:r>
-              <a:rPr lang="zh-CN" altLang="en-US" dirty="0"/>
-              <a:t>类之间的关系</a:t>
-            </a:r>
-            <a:endParaRPr lang="en-US" altLang="zh-CN" dirty="0"/>
-          </a:p>
-          <a:p>
-            <a:pPr marL="285750" indent="-285750">
-              <a:buFont typeface="Wingdings" panose="05000000000000000000" pitchFamily="2" charset="2"/>
-              <a:buChar char="l"/>
-            </a:pPr>
-            <a:endParaRPr lang="zh-CN" altLang="en-US" dirty="0"/>
-          </a:p>
-          <a:p>
-            <a:pPr marL="285750" indent="-285750">
-              <a:buFont typeface="Wingdings" panose="05000000000000000000" pitchFamily="2" charset="2"/>
-              <a:buChar char="l"/>
-            </a:pPr>
-            <a:r>
-              <a:rPr lang="zh-CN" altLang="en-US" dirty="0"/>
-              <a:t>类图</a:t>
-            </a:r>
-          </a:p>
-          <a:p>
-            <a:pPr marL="285750" indent="-285750">
-              <a:buFont typeface="Wingdings" panose="05000000000000000000" pitchFamily="2" charset="2"/>
-              <a:buChar char="l"/>
-            </a:pPr>
-            <a:endParaRPr lang="en-US" altLang="zh-CN" dirty="0"/>
+              <a:rPr lang="zh-CN" altLang="en-US" sz="2400" b="1" dirty="0"/>
+              <a:t>定义：</a:t>
+            </a:r>
+            <a:r>
+              <a:rPr lang="zh-CN" altLang="en-US" sz="2400" dirty="0"/>
+              <a:t>是把新行为插入到已有用例的方法。</a:t>
+            </a:r>
+            <a:endParaRPr lang="en-US" altLang="zh-CN" sz="2400" dirty="0"/>
+          </a:p>
+          <a:p>
+            <a:r>
+              <a:rPr lang="zh-CN" altLang="en-US" sz="2400" b="1" dirty="0"/>
+              <a:t>表示方法：</a:t>
+            </a:r>
+            <a:r>
+              <a:rPr lang="zh-CN" altLang="en-US" sz="2400" dirty="0"/>
+              <a:t>虚线箭头</a:t>
+            </a:r>
+            <a:r>
+              <a:rPr lang="en-US" altLang="zh-CN" sz="2400" dirty="0"/>
+              <a:t>+&lt;&lt;extend&gt;&gt;</a:t>
+            </a:r>
+            <a:r>
+              <a:rPr lang="zh-CN" altLang="en-US" sz="2400" dirty="0"/>
+              <a:t>字样，箭头指向</a:t>
+            </a:r>
+            <a:r>
+              <a:rPr lang="zh-CN" altLang="en-US" sz="2400" b="1" dirty="0"/>
+              <a:t>被扩展</a:t>
+            </a:r>
+            <a:r>
+              <a:rPr lang="zh-CN" altLang="en-US" sz="2400" dirty="0"/>
+              <a:t>的用例（即基础用例）。</a:t>
+            </a:r>
           </a:p>
         </p:txBody>
       </p:sp>
+      <p:pic>
+        <p:nvPicPr>
+          <p:cNvPr id="4" name="图片 3">
+            <a:extLst>
+              <a:ext uri="{FF2B5EF4-FFF2-40B4-BE49-F238E27FC236}">
+                <a16:creationId xmlns:a16="http://schemas.microsoft.com/office/drawing/2014/main" id="{219A3C98-C90F-486A-9405-D17B20971B1A}"/>
+              </a:ext>
+            </a:extLst>
+          </p:cNvPr>
+          <p:cNvPicPr>
+            <a:picLocks noChangeAspect="1"/>
+          </p:cNvPicPr>
+          <p:nvPr/>
+        </p:nvPicPr>
+        <p:blipFill>
+          <a:blip r:embed="rId2"/>
+          <a:stretch>
+            <a:fillRect/>
+          </a:stretch>
+        </p:blipFill>
+        <p:spPr>
+          <a:xfrm>
+            <a:off x="1451085" y="3629517"/>
+            <a:ext cx="8343900" cy="2962275"/>
+          </a:xfrm>
+          <a:prstGeom prst="rect">
+            <a:avLst/>
+          </a:prstGeom>
+        </p:spPr>
+      </p:pic>
     </p:spTree>
     <p:extLst>
       <p:ext uri="{BB962C8B-B14F-4D97-AF65-F5344CB8AC3E}">
-        <p14:creationId xmlns:p14="http://schemas.microsoft.com/office/powerpoint/2010/main" val="3170284240"/>
+        <p14:creationId xmlns:p14="http://schemas.microsoft.com/office/powerpoint/2010/main" val="3508719227"/>
+      </p:ext>
+    </p:extLst>
+  </p:cSld>
+  <p:clrMapOvr>
+    <a:masterClrMapping/>
+  </p:clrMapOvr>
+</p:sld>
+</file>
+
+<file path=ppt/slides/slide8.xml><?xml version="1.0" encoding="utf-8"?>
+<p:sld xmlns:a="http://schemas.openxmlformats.org/drawingml/2006/main" xmlns:r="http://schemas.openxmlformats.org/officeDocument/2006/relationships" xmlns:p="http://schemas.openxmlformats.org/presentationml/2006/main">
+  <p:cSld>
+    <p:spTree>
+      <p:nvGrpSpPr>
+        <p:cNvPr id="1" name=""/>
+        <p:cNvGrpSpPr/>
+        <p:nvPr/>
+      </p:nvGrpSpPr>
+      <p:grpSpPr>
+        <a:xfrm>
+          <a:off x="0" y="0"/>
+          <a:ext cx="0" cy="0"/>
+          <a:chOff x="0" y="0"/>
+          <a:chExt cx="0" cy="0"/>
+        </a:xfrm>
+      </p:grpSpPr>
+      <p:sp>
+        <p:nvSpPr>
+          <p:cNvPr id="2" name="标题 1">
+            <a:extLst>
+              <a:ext uri="{FF2B5EF4-FFF2-40B4-BE49-F238E27FC236}">
+                <a16:creationId xmlns:a16="http://schemas.microsoft.com/office/drawing/2014/main" id="{B4729249-DEEE-4EC8-89E9-42434FADA236}"/>
+              </a:ext>
+            </a:extLst>
+          </p:cNvPr>
+          <p:cNvSpPr>
+            <a:spLocks noGrp="1"/>
+          </p:cNvSpPr>
+          <p:nvPr>
+            <p:ph type="title"/>
+          </p:nvPr>
+        </p:nvSpPr>
+        <p:spPr/>
+        <p:txBody>
+          <a:bodyPr/>
+          <a:lstStyle/>
+          <a:p>
+            <a:r>
+              <a:rPr lang="zh-CN" altLang="en-US" dirty="0"/>
+              <a:t>扩展关系和包含关系区别</a:t>
+            </a:r>
+          </a:p>
+        </p:txBody>
+      </p:sp>
+      <p:sp>
+        <p:nvSpPr>
+          <p:cNvPr id="3" name="内容占位符 2">
+            <a:extLst>
+              <a:ext uri="{FF2B5EF4-FFF2-40B4-BE49-F238E27FC236}">
+                <a16:creationId xmlns:a16="http://schemas.microsoft.com/office/drawing/2014/main" id="{EEFD478C-46CA-4227-8E88-EF47C9506CCD}"/>
+              </a:ext>
+            </a:extLst>
+          </p:cNvPr>
+          <p:cNvSpPr>
+            <a:spLocks noGrp="1"/>
+          </p:cNvSpPr>
+          <p:nvPr>
+            <p:ph idx="1"/>
+          </p:nvPr>
+        </p:nvSpPr>
+        <p:spPr>
+          <a:xfrm>
+            <a:off x="818712" y="2201266"/>
+            <a:ext cx="10554574" cy="3636511"/>
+          </a:xfrm>
+        </p:spPr>
+        <p:txBody>
+          <a:bodyPr>
+            <a:normAutofit/>
+          </a:bodyPr>
+          <a:lstStyle/>
+          <a:p>
+            <a:r>
+              <a:rPr lang="zh-CN" altLang="en-US" sz="2400" dirty="0"/>
+              <a:t>扩展关系：一个基本用例执行时，可以执行、也可以不执行扩展部分。一般是指用例功能的延伸，相当于为基础用例提供一个附加功能。</a:t>
+            </a:r>
+            <a:endParaRPr lang="en-US" altLang="zh-CN" sz="2400" dirty="0"/>
+          </a:p>
+          <a:p>
+            <a:r>
+              <a:rPr lang="zh-CN" altLang="en-US" sz="2400" dirty="0"/>
+              <a:t>包含关系：在执行基本用例时，一定会执行包含用例部分。一般用来把一个较复杂用例所表示的功能分解成较小的步骤。</a:t>
+            </a:r>
+          </a:p>
+        </p:txBody>
+      </p:sp>
+    </p:spTree>
+    <p:extLst>
+      <p:ext uri="{BB962C8B-B14F-4D97-AF65-F5344CB8AC3E}">
+        <p14:creationId xmlns:p14="http://schemas.microsoft.com/office/powerpoint/2010/main" val="1610647666"/>
+      </p:ext>
+    </p:extLst>
+  </p:cSld>
+  <p:clrMapOvr>
+    <a:masterClrMapping/>
+  </p:clrMapOvr>
+</p:sld>
+</file>
+
+<file path=ppt/slides/slide9.xml><?xml version="1.0" encoding="utf-8"?>
+<p:sld xmlns:a="http://schemas.openxmlformats.org/drawingml/2006/main" xmlns:r="http://schemas.openxmlformats.org/officeDocument/2006/relationships" xmlns:p="http://schemas.openxmlformats.org/presentationml/2006/main">
+  <p:cSld>
+    <p:spTree>
+      <p:nvGrpSpPr>
+        <p:cNvPr id="1" name=""/>
+        <p:cNvGrpSpPr/>
+        <p:nvPr/>
+      </p:nvGrpSpPr>
+      <p:grpSpPr>
+        <a:xfrm>
+          <a:off x="0" y="0"/>
+          <a:ext cx="0" cy="0"/>
+          <a:chOff x="0" y="0"/>
+          <a:chExt cx="0" cy="0"/>
+        </a:xfrm>
+      </p:grpSpPr>
+      <p:sp>
+        <p:nvSpPr>
+          <p:cNvPr id="2" name="标题 1">
+            <a:extLst>
+              <a:ext uri="{FF2B5EF4-FFF2-40B4-BE49-F238E27FC236}">
+                <a16:creationId xmlns:a16="http://schemas.microsoft.com/office/drawing/2014/main" id="{FEF5A4E7-3CFF-4C2D-BF82-F4BCCBD18E3E}"/>
+              </a:ext>
+            </a:extLst>
+          </p:cNvPr>
+          <p:cNvSpPr>
+            <a:spLocks noGrp="1"/>
+          </p:cNvSpPr>
+          <p:nvPr>
+            <p:ph type="title"/>
+          </p:nvPr>
+        </p:nvSpPr>
+        <p:spPr/>
+        <p:txBody>
+          <a:bodyPr/>
+          <a:lstStyle/>
+          <a:p>
+            <a:r>
+              <a:rPr lang="zh-CN" altLang="en-US" dirty="0"/>
+              <a:t>问题一</a:t>
+            </a:r>
+          </a:p>
+        </p:txBody>
+      </p:sp>
+      <p:sp>
+        <p:nvSpPr>
+          <p:cNvPr id="3" name="内容占位符 2">
+            <a:extLst>
+              <a:ext uri="{FF2B5EF4-FFF2-40B4-BE49-F238E27FC236}">
+                <a16:creationId xmlns:a16="http://schemas.microsoft.com/office/drawing/2014/main" id="{A8A5B396-2863-41E0-A8BD-FB048EC43336}"/>
+              </a:ext>
+            </a:extLst>
+          </p:cNvPr>
+          <p:cNvSpPr>
+            <a:spLocks noGrp="1"/>
+          </p:cNvSpPr>
+          <p:nvPr>
+            <p:ph idx="1"/>
+          </p:nvPr>
+        </p:nvSpPr>
+        <p:spPr>
+          <a:xfrm>
+            <a:off x="810000" y="1024108"/>
+            <a:ext cx="10554574" cy="3636511"/>
+          </a:xfrm>
+        </p:spPr>
+        <p:txBody>
+          <a:bodyPr>
+            <a:normAutofit/>
+          </a:bodyPr>
+          <a:lstStyle/>
+          <a:p>
+            <a:r>
+              <a:rPr lang="zh-CN" altLang="en-US" sz="2800" dirty="0"/>
+              <a:t>以下两个用例之间的关系？</a:t>
+            </a:r>
+          </a:p>
+        </p:txBody>
+      </p:sp>
+      <p:pic>
+        <p:nvPicPr>
+          <p:cNvPr id="5" name="图片 4">
+            <a:extLst>
+              <a:ext uri="{FF2B5EF4-FFF2-40B4-BE49-F238E27FC236}">
+                <a16:creationId xmlns:a16="http://schemas.microsoft.com/office/drawing/2014/main" id="{43AF87F4-04D8-4168-B371-4794DFD228D9}"/>
+              </a:ext>
+            </a:extLst>
+          </p:cNvPr>
+          <p:cNvPicPr>
+            <a:picLocks noChangeAspect="1"/>
+          </p:cNvPicPr>
+          <p:nvPr/>
+        </p:nvPicPr>
+        <p:blipFill>
+          <a:blip r:embed="rId2"/>
+          <a:stretch>
+            <a:fillRect/>
+          </a:stretch>
+        </p:blipFill>
+        <p:spPr>
+          <a:xfrm>
+            <a:off x="1125592" y="3468680"/>
+            <a:ext cx="4391433" cy="1376589"/>
+          </a:xfrm>
+          <a:prstGeom prst="rect">
+            <a:avLst/>
+          </a:prstGeom>
+        </p:spPr>
+      </p:pic>
+      <p:sp>
+        <p:nvSpPr>
+          <p:cNvPr id="6" name="文本框 5">
+            <a:extLst>
+              <a:ext uri="{FF2B5EF4-FFF2-40B4-BE49-F238E27FC236}">
+                <a16:creationId xmlns:a16="http://schemas.microsoft.com/office/drawing/2014/main" id="{2EEC7202-5E41-4653-9A99-864467681BC9}"/>
+              </a:ext>
+            </a:extLst>
+          </p:cNvPr>
+          <p:cNvSpPr txBox="1"/>
+          <p:nvPr/>
+        </p:nvSpPr>
+        <p:spPr>
+          <a:xfrm>
+            <a:off x="6674977" y="3429000"/>
+            <a:ext cx="1620957" cy="523220"/>
+          </a:xfrm>
+          <a:prstGeom prst="rect">
+            <a:avLst/>
+          </a:prstGeom>
+          <a:noFill/>
+        </p:spPr>
+        <p:txBody>
+          <a:bodyPr wrap="none" rtlCol="0">
+            <a:spAutoFit/>
+          </a:bodyPr>
+          <a:lstStyle/>
+          <a:p>
+            <a:r>
+              <a:rPr lang="zh-CN" altLang="en-US" sz="2800" dirty="0"/>
+              <a:t>包含关系</a:t>
+            </a:r>
+          </a:p>
+        </p:txBody>
+      </p:sp>
+      <p:pic>
+        <p:nvPicPr>
+          <p:cNvPr id="7" name="图片 6">
+            <a:extLst>
+              <a:ext uri="{FF2B5EF4-FFF2-40B4-BE49-F238E27FC236}">
+                <a16:creationId xmlns:a16="http://schemas.microsoft.com/office/drawing/2014/main" id="{91A8DF26-E1FD-44CF-B9E4-67FDC7D186FF}"/>
+              </a:ext>
+            </a:extLst>
+          </p:cNvPr>
+          <p:cNvPicPr>
+            <a:picLocks noChangeAspect="1"/>
+          </p:cNvPicPr>
+          <p:nvPr/>
+        </p:nvPicPr>
+        <p:blipFill>
+          <a:blip r:embed="rId3"/>
+          <a:stretch>
+            <a:fillRect/>
+          </a:stretch>
+        </p:blipFill>
+        <p:spPr>
+          <a:xfrm>
+            <a:off x="992445" y="3442599"/>
+            <a:ext cx="4657725" cy="1428750"/>
+          </a:xfrm>
+          <a:prstGeom prst="rect">
+            <a:avLst/>
+          </a:prstGeom>
+        </p:spPr>
+      </p:pic>
+    </p:spTree>
+    <p:extLst>
+      <p:ext uri="{BB962C8B-B14F-4D97-AF65-F5344CB8AC3E}">
+        <p14:creationId xmlns:p14="http://schemas.microsoft.com/office/powerpoint/2010/main" val="1572408714"/>
       </p:ext>
     </p:extLst>
   </p:cSld>
@@ -13793,7 +14155,7 @@
                             </p:stCondLst>
                             <p:childTnLst>
                               <p:par>
-                                <p:cTn id="5" presetID="14" presetClass="entr" presetSubtype="10" fill="hold" grpId="0" nodeType="clickEffect">
+                                <p:cTn id="5" presetID="1" presetClass="entr" presetSubtype="0" fill="hold" grpId="0" nodeType="clickEffect">
                                   <p:stCondLst>
                                     <p:cond delay="0"/>
                                   </p:stCondLst>
@@ -13806,11 +14168,7 @@
                                           </p:stCondLst>
                                         </p:cTn>
                                         <p:tgtEl>
-                                          <p:spTgt spid="4">
-                                            <p:txEl>
-                                              <p:pRg st="0" end="0"/>
-                                            </p:txEl>
-                                          </p:spTgt>
+                                          <p:spTgt spid="6"/>
                                         </p:tgtEl>
                                         <p:attrNameLst>
                                           <p:attrName>style.visibility</p:attrName>
@@ -13820,18 +14178,51 @@
                                         <p:strVal val="visible"/>
                                       </p:to>
                                     </p:set>
-                                    <p:animEffect transition="in" filter="randombar(horizontal)">
+                                  </p:childTnLst>
+                                </p:cTn>
+                              </p:par>
+                            </p:childTnLst>
+                          </p:cTn>
+                        </p:par>
+                      </p:childTnLst>
+                    </p:cTn>
+                  </p:par>
+                  <p:par>
+                    <p:cTn id="7" fill="hold">
+                      <p:stCondLst>
+                        <p:cond delay="indefinite"/>
+                      </p:stCondLst>
+                      <p:childTnLst>
+                        <p:par>
+                          <p:cTn id="8" fill="hold">
+                            <p:stCondLst>
+                              <p:cond delay="0"/>
+                            </p:stCondLst>
+                            <p:childTnLst>
+                              <p:par>
+                                <p:cTn id="9" presetID="1" presetClass="entr" presetSubtype="0" fill="hold" nodeType="clickEffect">
+                                  <p:stCondLst>
+                                    <p:cond delay="0"/>
+                                  </p:stCondLst>
+                                  <p:childTnLst>
+                                    <p:set>
                                       <p:cBhvr>
-                                        <p:cTn id="7" dur="500"/>
+                                        <p:cTn id="10" dur="1" fill="hold">
+                                          <p:stCondLst>
+                                            <p:cond delay="0"/>
+                                          </p:stCondLst>
+                                        </p:cTn>
                                         <p:tgtEl>
-                                          <p:spTgt spid="4">
-                                            <p:txEl>
-                                              <p:pRg st="0" end="0"/>
-                                            </p:txEl>
-                                          </p:spTgt>
+                                          <p:spTgt spid="7"/>
                                         </p:tgtEl>
+                                        <p:attrNameLst>
+                                          <p:attrName>style.visibility</p:attrName>
+                                        </p:attrNameLst>
                                       </p:cBhvr>
-                                    </p:animEffect>
+                                      <p:to>
+                                        <p:strVal val="visible"/>
+                                      </p:to>
+                                    </p:set>
                                   </p:childTnLst>
                                 </p:cTn>
                               </p:par>
@@ -13863,576 +14254,9 @@
       </p:par>
     </p:tnLst>
     <p:bldLst>
-      <p:bldP spid="4" grpId="0" build="p"/>
+      <p:bldP spid="6" grpId="0"/>
     </p:bldLst>
   </p:timing>
-</p:sld>
-</file>
-
-<file path=ppt/slides/slide8.xml><?xml version="1.0" encoding="utf-8"?>
-<p:sld xmlns:a="http://schemas.openxmlformats.org/drawingml/2006/main" xmlns:r="http://schemas.openxmlformats.org/officeDocument/2006/relationships" xmlns:p="http://schemas.openxmlformats.org/presentationml/2006/main">
-  <p:cSld>
-    <p:spTree>
-      <p:nvGrpSpPr>
-        <p:cNvPr id="1" name=""/>
-        <p:cNvGrpSpPr/>
-        <p:nvPr/>
-      </p:nvGrpSpPr>
-      <p:grpSpPr>
-        <a:xfrm>
-          <a:off x="0" y="0"/>
-          <a:ext cx="0" cy="0"/>
-          <a:chOff x="0" y="0"/>
-          <a:chExt cx="0" cy="0"/>
-        </a:xfrm>
-      </p:grpSpPr>
-      <p:sp>
-        <p:nvSpPr>
-          <p:cNvPr id="9" name="Rectangle 8"/>
-          <p:cNvSpPr>
-            <a:spLocks noGrp="1" noRot="1" noChangeAspect="1" noMove="1" noResize="1" noEditPoints="1" noAdjustHandles="1" noChangeArrowheads="1" noChangeShapeType="1" noTextEdit="1"/>
-          </p:cNvSpPr>
-          <p:nvPr>
-            <p:extLst>
-              <p:ext uri="{386F3935-93C4-4BCD-93E2-E3B085C9AB24}">
-                <p16:designElem xmlns:p16="http://schemas.microsoft.com/office/powerpoint/2015/main" val="1"/>
-              </p:ext>
-            </p:extLst>
-          </p:nvPr>
-        </p:nvSpPr>
-        <p:spPr bwMode="white">
-          <a:xfrm>
-            <a:off x="0" y="0"/>
-            <a:ext cx="12192000" cy="6858000"/>
-          </a:xfrm>
-          <a:prstGeom prst="rect">
-            <a:avLst/>
-          </a:prstGeom>
-          <a:solidFill>
-            <a:schemeClr val="bg2"/>
-          </a:solidFill>
-          <a:ln>
-            <a:noFill/>
-          </a:ln>
-          <a:effectLst/>
-        </p:spPr>
-      </p:sp>
-      <p:sp>
-        <p:nvSpPr>
-          <p:cNvPr id="11" name="Freeform 6">
-            <a:extLst>
-              <a:ext uri="{FF2B5EF4-FFF2-40B4-BE49-F238E27FC236}">
-                <a16:creationId xmlns:a16="http://schemas.microsoft.com/office/drawing/2014/main" id="{8EE457FF-670E-4EC1-ACD4-1173DA9A7975}"/>
-              </a:ext>
-            </a:extLst>
-          </p:cNvPr>
-          <p:cNvSpPr>
-            <a:spLocks noGrp="1" noRot="1" noChangeAspect="1" noMove="1" noResize="1" noEditPoints="1" noAdjustHandles="1" noChangeArrowheads="1" noChangeShapeType="1" noTextEdit="1"/>
-          </p:cNvSpPr>
-          <p:nvPr>
-            <p:extLst>
-              <p:ext uri="{386F3935-93C4-4BCD-93E2-E3B085C9AB24}">
-                <p16:designElem xmlns:p16="http://schemas.microsoft.com/office/powerpoint/2015/main" val="1"/>
-              </p:ext>
-            </p:extLst>
-          </p:nvPr>
-        </p:nvSpPr>
-        <p:spPr bwMode="auto">
-          <a:xfrm>
-            <a:off x="0" y="0"/>
-            <a:ext cx="12192000" cy="2185988"/>
-          </a:xfrm>
-          <a:custGeom>
-            <a:avLst/>
-            <a:gdLst/>
-            <a:ahLst/>
-            <a:cxnLst/>
-            <a:rect l="0" t="0" r="r" b="b"/>
-            <a:pathLst>
-              <a:path w="5760" h="1377">
-                <a:moveTo>
-                  <a:pt x="5760" y="0"/>
-                </a:moveTo>
-                <a:lnTo>
-                  <a:pt x="0" y="0"/>
-                </a:lnTo>
-                <a:lnTo>
-                  <a:pt x="0" y="1189"/>
-                </a:lnTo>
-                <a:lnTo>
-                  <a:pt x="943" y="1189"/>
-                </a:lnTo>
-                <a:lnTo>
-                  <a:pt x="1123" y="1369"/>
-                </a:lnTo>
-                <a:lnTo>
-                  <a:pt x="1123" y="1369"/>
-                </a:lnTo>
-                <a:lnTo>
-                  <a:pt x="1127" y="1371"/>
-                </a:lnTo>
-                <a:lnTo>
-                  <a:pt x="1133" y="1374"/>
-                </a:lnTo>
-                <a:lnTo>
-                  <a:pt x="1139" y="1377"/>
-                </a:lnTo>
-                <a:lnTo>
-                  <a:pt x="1144" y="1377"/>
-                </a:lnTo>
-                <a:lnTo>
-                  <a:pt x="1150" y="1377"/>
-                </a:lnTo>
-                <a:lnTo>
-                  <a:pt x="1155" y="1374"/>
-                </a:lnTo>
-                <a:lnTo>
-                  <a:pt x="1161" y="1371"/>
-                </a:lnTo>
-                <a:lnTo>
-                  <a:pt x="1165" y="1369"/>
-                </a:lnTo>
-                <a:lnTo>
-                  <a:pt x="1345" y="1189"/>
-                </a:lnTo>
-                <a:lnTo>
-                  <a:pt x="5760" y="1189"/>
-                </a:lnTo>
-                <a:lnTo>
-                  <a:pt x="5760" y="0"/>
-                </a:lnTo>
-                <a:close/>
-              </a:path>
-            </a:pathLst>
-          </a:custGeom>
-          <a:ln/>
-          <a:extLst>
-            <a:ext uri="{91240B29-F687-4f45-9708-019B960494DF}">
-              <a14:hiddenLine xmlns="" xmlns:a14="http://schemas.microsoft.com/office/drawing/2010/main" w="9525">
-                <a:solidFill>
-                  <a:srgbClr val="000000"/>
-                </a:solidFill>
-                <a:round/>
-                <a:headEnd/>
-                <a:tailEnd/>
-              </a14:hiddenLine>
-            </a:ext>
-          </a:extLst>
-        </p:spPr>
-        <p:style>
-          <a:lnRef idx="1">
-            <a:schemeClr val="accent1"/>
-          </a:lnRef>
-          <a:fillRef idx="3">
-            <a:schemeClr val="accent1"/>
-          </a:fillRef>
-          <a:effectRef idx="2">
-            <a:schemeClr val="accent1"/>
-          </a:effectRef>
-          <a:fontRef idx="minor">
-            <a:schemeClr val="lt1"/>
-          </a:fontRef>
-        </p:style>
-      </p:sp>
-      <p:sp useBgFill="1">
-        <p:nvSpPr>
-          <p:cNvPr id="13" name="Rectangle 12">
-            <a:extLst>
-              <a:ext uri="{FF2B5EF4-FFF2-40B4-BE49-F238E27FC236}">
-                <a16:creationId xmlns:a16="http://schemas.microsoft.com/office/drawing/2014/main" id="{089A69AF-D57B-49B4-886C-D4A5DC194421}"/>
-              </a:ext>
-            </a:extLst>
-          </p:cNvPr>
-          <p:cNvSpPr>
-            <a:spLocks noGrp="1" noRot="1" noChangeAspect="1" noMove="1" noResize="1" noEditPoints="1" noAdjustHandles="1" noChangeArrowheads="1" noChangeShapeType="1" noTextEdit="1"/>
-          </p:cNvSpPr>
-          <p:nvPr>
-            <p:extLst>
-              <p:ext uri="{386F3935-93C4-4BCD-93E2-E3B085C9AB24}">
-                <p16:designElem xmlns:p16="http://schemas.microsoft.com/office/powerpoint/2015/main" val="1"/>
-              </p:ext>
-            </p:extLst>
-          </p:nvPr>
-        </p:nvSpPr>
-        <p:spPr>
-          <a:xfrm>
-            <a:off x="0" y="0"/>
-            <a:ext cx="12192000" cy="6858000"/>
-          </a:xfrm>
-          <a:prstGeom prst="rect">
-            <a:avLst/>
-          </a:prstGeom>
-          <a:ln>
-            <a:noFill/>
-          </a:ln>
-        </p:spPr>
-        <p:style>
-          <a:lnRef idx="2">
-            <a:schemeClr val="accent1">
-              <a:shade val="50000"/>
-            </a:schemeClr>
-          </a:lnRef>
-          <a:fillRef idx="1">
-            <a:schemeClr val="accent1"/>
-          </a:fillRef>
-          <a:effectRef idx="0">
-            <a:schemeClr val="accent1"/>
-          </a:effectRef>
-          <a:fontRef idx="minor">
-            <a:schemeClr val="lt1"/>
-          </a:fontRef>
-        </p:style>
-        <p:txBody>
-          <a:bodyPr rtlCol="0" anchor="ctr"/>
-          <a:lstStyle/>
-          <a:p>
-            <a:pPr algn="ctr"/>
-            <a:endParaRPr lang="en-US"/>
-          </a:p>
-        </p:txBody>
-      </p:sp>
-      <p:sp>
-        <p:nvSpPr>
-          <p:cNvPr id="15" name="Freeform: Shape 14">
-            <a:extLst>
-              <a:ext uri="{FF2B5EF4-FFF2-40B4-BE49-F238E27FC236}">
-                <a16:creationId xmlns:a16="http://schemas.microsoft.com/office/drawing/2014/main" id="{CABDC08D-6093-4397-92D4-54D00E2BB1C2}"/>
-              </a:ext>
-            </a:extLst>
-          </p:cNvPr>
-          <p:cNvSpPr>
-            <a:spLocks noGrp="1" noRot="1" noChangeAspect="1" noMove="1" noResize="1" noEditPoints="1" noAdjustHandles="1" noChangeArrowheads="1" noChangeShapeType="1" noTextEdit="1"/>
-          </p:cNvSpPr>
-          <p:nvPr>
-            <p:extLst>
-              <p:ext uri="{386F3935-93C4-4BCD-93E2-E3B085C9AB24}">
-                <p16:designElem xmlns:p16="http://schemas.microsoft.com/office/powerpoint/2015/main" val="1"/>
-              </p:ext>
-            </p:extLst>
-          </p:nvPr>
-        </p:nvSpPr>
-        <p:spPr bwMode="auto">
-          <a:xfrm rot="16200000">
-            <a:off x="-650724" y="650724"/>
-            <a:ext cx="6858000" cy="5556552"/>
-          </a:xfrm>
-          <a:custGeom>
-            <a:avLst/>
-            <a:gdLst>
-              <a:gd name="connsiteX0" fmla="*/ 6858000 w 6858000"/>
-              <a:gd name="connsiteY0" fmla="*/ 3445704 h 5556552"/>
-              <a:gd name="connsiteX1" fmla="*/ 3829242 w 6858000"/>
-              <a:gd name="connsiteY1" fmla="*/ 5433322 h 5556552"/>
-              <a:gd name="connsiteX2" fmla="*/ 3827369 w 6858000"/>
-              <a:gd name="connsiteY2" fmla="*/ 5434867 h 5556552"/>
-              <a:gd name="connsiteX3" fmla="*/ 3824583 w 6858000"/>
-              <a:gd name="connsiteY3" fmla="*/ 5436378 h 5556552"/>
-              <a:gd name="connsiteX4" fmla="*/ 3798693 w 6858000"/>
-              <a:gd name="connsiteY4" fmla="*/ 5453370 h 5556552"/>
-              <a:gd name="connsiteX5" fmla="*/ 3785011 w 6858000"/>
-              <a:gd name="connsiteY5" fmla="*/ 5457858 h 5556552"/>
-              <a:gd name="connsiteX6" fmla="*/ 3706339 w 6858000"/>
-              <a:gd name="connsiteY6" fmla="*/ 5500559 h 5556552"/>
-              <a:gd name="connsiteX7" fmla="*/ 3428998 w 6858000"/>
-              <a:gd name="connsiteY7" fmla="*/ 5556552 h 5556552"/>
-              <a:gd name="connsiteX8" fmla="*/ 3151658 w 6858000"/>
-              <a:gd name="connsiteY8" fmla="*/ 5500559 h 5556552"/>
-              <a:gd name="connsiteX9" fmla="*/ 3072996 w 6858000"/>
-              <a:gd name="connsiteY9" fmla="*/ 5457863 h 5556552"/>
-              <a:gd name="connsiteX10" fmla="*/ 3059298 w 6858000"/>
-              <a:gd name="connsiteY10" fmla="*/ 5453370 h 5556552"/>
-              <a:gd name="connsiteX11" fmla="*/ 3033383 w 6858000"/>
-              <a:gd name="connsiteY11" fmla="*/ 5436362 h 5556552"/>
-              <a:gd name="connsiteX12" fmla="*/ 3030627 w 6858000"/>
-              <a:gd name="connsiteY12" fmla="*/ 5434867 h 5556552"/>
-              <a:gd name="connsiteX13" fmla="*/ 3028775 w 6858000"/>
-              <a:gd name="connsiteY13" fmla="*/ 5433338 h 5556552"/>
-              <a:gd name="connsiteX14" fmla="*/ 0 w 6858000"/>
-              <a:gd name="connsiteY14" fmla="*/ 3445704 h 5556552"/>
-              <a:gd name="connsiteX15" fmla="*/ 6858000 w 6858000"/>
-              <a:gd name="connsiteY15" fmla="*/ 0 h 5556552"/>
-              <a:gd name="connsiteX16" fmla="*/ 6858000 w 6858000"/>
-              <a:gd name="connsiteY16" fmla="*/ 349336 h 5556552"/>
-              <a:gd name="connsiteX17" fmla="*/ 6858000 w 6858000"/>
-              <a:gd name="connsiteY17" fmla="*/ 3445703 h 5556552"/>
-              <a:gd name="connsiteX18" fmla="*/ 0 w 6858000"/>
-              <a:gd name="connsiteY18" fmla="*/ 3445703 h 5556552"/>
-              <a:gd name="connsiteX19" fmla="*/ 0 w 6858000"/>
-              <a:gd name="connsiteY19" fmla="*/ 0 h 5556552"/>
-            </a:gdLst>
-            <a:ahLst/>
-            <a:cxnLst>
-              <a:cxn ang="0">
-                <a:pos x="connsiteX0" y="connsiteY0"/>
-              </a:cxn>
-              <a:cxn ang="0">
-                <a:pos x="connsiteX1" y="connsiteY1"/>
-              </a:cxn>
-              <a:cxn ang="0">
-                <a:pos x="connsiteX2" y="connsiteY2"/>
-              </a:cxn>
-              <a:cxn ang="0">
-                <a:pos x="connsiteX3" y="connsiteY3"/>
-              </a:cxn>
-              <a:cxn ang="0">
-                <a:pos x="connsiteX4" y="connsiteY4"/>
-              </a:cxn>
-              <a:cxn ang="0">
-                <a:pos x="connsiteX5" y="connsiteY5"/>
-              </a:cxn>
-              <a:cxn ang="0">
-                <a:pos x="connsiteX6" y="connsiteY6"/>
-              </a:cxn>
-              <a:cxn ang="0">
-                <a:pos x="connsiteX7" y="connsiteY7"/>
-              </a:cxn>
-              <a:cxn ang="0">
-                <a:pos x="connsiteX8" y="connsiteY8"/>
-              </a:cxn>
-              <a:cxn ang="0">
-                <a:pos x="connsiteX9" y="connsiteY9"/>
-              </a:cxn>
-              <a:cxn ang="0">
-                <a:pos x="connsiteX10" y="connsiteY10"/>
-              </a:cxn>
-              <a:cxn ang="0">
-                <a:pos x="connsiteX11" y="connsiteY11"/>
-              </a:cxn>
-              <a:cxn ang="0">
-                <a:pos x="connsiteX12" y="connsiteY12"/>
-              </a:cxn>
-              <a:cxn ang="0">
-                <a:pos x="connsiteX13" y="connsiteY13"/>
-              </a:cxn>
-              <a:cxn ang="0">
-                <a:pos x="connsiteX14" y="connsiteY14"/>
-              </a:cxn>
-              <a:cxn ang="0">
-                <a:pos x="connsiteX15" y="connsiteY15"/>
-              </a:cxn>
-              <a:cxn ang="0">
-                <a:pos x="connsiteX16" y="connsiteY16"/>
-              </a:cxn>
-              <a:cxn ang="0">
-                <a:pos x="connsiteX17" y="connsiteY17"/>
-              </a:cxn>
-              <a:cxn ang="0">
-                <a:pos x="connsiteX18" y="connsiteY18"/>
-              </a:cxn>
-              <a:cxn ang="0">
-                <a:pos x="connsiteX19" y="connsiteY19"/>
-              </a:cxn>
-            </a:cxnLst>
-            <a:rect l="l" t="t" r="r" b="b"/>
-            <a:pathLst>
-              <a:path w="6858000" h="5556552">
-                <a:moveTo>
-                  <a:pt x="6858000" y="3445704"/>
-                </a:moveTo>
-                <a:lnTo>
-                  <a:pt x="3829242" y="5433322"/>
-                </a:lnTo>
-                <a:lnTo>
-                  <a:pt x="3827369" y="5434867"/>
-                </a:lnTo>
-                <a:lnTo>
-                  <a:pt x="3824583" y="5436378"/>
-                </a:lnTo>
-                <a:lnTo>
-                  <a:pt x="3798693" y="5453370"/>
-                </a:lnTo>
-                <a:lnTo>
-                  <a:pt x="3785011" y="5457858"/>
-                </a:lnTo>
-                <a:lnTo>
-                  <a:pt x="3706339" y="5500559"/>
-                </a:lnTo>
-                <a:cubicBezTo>
-                  <a:pt x="3621096" y="5536614"/>
-                  <a:pt x="3527375" y="5556552"/>
-                  <a:pt x="3428998" y="5556552"/>
-                </a:cubicBezTo>
-                <a:cubicBezTo>
-                  <a:pt x="3330621" y="5556552"/>
-                  <a:pt x="3236901" y="5536614"/>
-                  <a:pt x="3151658" y="5500559"/>
-                </a:cubicBezTo>
-                <a:lnTo>
-                  <a:pt x="3072996" y="5457863"/>
-                </a:lnTo>
-                <a:lnTo>
-                  <a:pt x="3059298" y="5453370"/>
-                </a:lnTo>
-                <a:lnTo>
-                  <a:pt x="3033383" y="5436362"/>
-                </a:lnTo>
-                <a:lnTo>
-                  <a:pt x="3030627" y="5434867"/>
-                </a:lnTo>
-                <a:lnTo>
-                  <a:pt x="3028775" y="5433338"/>
-                </a:lnTo>
-                <a:lnTo>
-                  <a:pt x="0" y="3445704"/>
-                </a:lnTo>
-                <a:close/>
-                <a:moveTo>
-                  <a:pt x="6858000" y="0"/>
-                </a:moveTo>
-                <a:lnTo>
-                  <a:pt x="6858000" y="349336"/>
-                </a:lnTo>
-                <a:lnTo>
-                  <a:pt x="6858000" y="3445703"/>
-                </a:lnTo>
-                <a:lnTo>
-                  <a:pt x="0" y="3445703"/>
-                </a:lnTo>
-                <a:lnTo>
-                  <a:pt x="0" y="0"/>
-                </a:lnTo>
-                <a:close/>
-              </a:path>
-            </a:pathLst>
-          </a:custGeom>
-          <a:ln>
-            <a:noFill/>
-          </a:ln>
-          <a:effectLst/>
-          <a:extLst>
-            <a:ext uri="{91240B29-F687-4f45-9708-019B960494DF}">
-              <a14:hiddenLine xmlns="" xmlns:a16="http://schemas.microsoft.com/office/drawing/2014/main" xmlns:p14="http://schemas.microsoft.com/office/powerpoint/2010/main" xmlns:a14="http://schemas.microsoft.com/office/drawing/2010/main" w="9525">
-                <a:solidFill>
-                  <a:srgbClr val="000000"/>
-                </a:solidFill>
-                <a:round/>
-                <a:headEnd/>
-                <a:tailEnd/>
-              </a14:hiddenLine>
-            </a:ext>
-          </a:extLst>
-        </p:spPr>
-        <p:style>
-          <a:lnRef idx="1">
-            <a:schemeClr val="accent1"/>
-          </a:lnRef>
-          <a:fillRef idx="3">
-            <a:schemeClr val="accent1"/>
-          </a:fillRef>
-          <a:effectRef idx="2">
-            <a:schemeClr val="accent1"/>
-          </a:effectRef>
-          <a:fontRef idx="minor">
-            <a:schemeClr val="lt1"/>
-          </a:fontRef>
-        </p:style>
-      </p:sp>
-      <p:sp>
-        <p:nvSpPr>
-          <p:cNvPr id="2" name="标题 1">
-            <a:extLst>
-              <a:ext uri="{FF2B5EF4-FFF2-40B4-BE49-F238E27FC236}">
-                <a16:creationId xmlns:a16="http://schemas.microsoft.com/office/drawing/2014/main" id="{E96509DE-3F06-43CD-A0BC-6D0825469805}"/>
-              </a:ext>
-            </a:extLst>
-          </p:cNvPr>
-          <p:cNvSpPr>
-            <a:spLocks noGrp="1"/>
-          </p:cNvSpPr>
-          <p:nvPr>
-            <p:ph type="title"/>
-          </p:nvPr>
-        </p:nvSpPr>
-        <p:spPr>
-          <a:xfrm>
-            <a:off x="-2" y="-2"/>
-            <a:ext cx="2422314" cy="916903"/>
-          </a:xfrm>
-        </p:spPr>
-        <p:txBody>
-          <a:bodyPr vert="horz" lIns="91440" tIns="45720" rIns="91440" bIns="45720" rtlCol="0" anchor="ctr">
-            <a:normAutofit/>
-          </a:bodyPr>
-          <a:lstStyle/>
-          <a:p>
-            <a:r>
-              <a:rPr lang="zh-CN" altLang="en-US" sz="4000" b="1" dirty="0"/>
-              <a:t>标题</a:t>
-            </a:r>
-            <a:endParaRPr lang="en-US" altLang="zh-CN" sz="4000" b="1" dirty="0"/>
-          </a:p>
-        </p:txBody>
-      </p:sp>
-    </p:spTree>
-    <p:extLst>
-      <p:ext uri="{BB962C8B-B14F-4D97-AF65-F5344CB8AC3E}">
-        <p14:creationId xmlns:p14="http://schemas.microsoft.com/office/powerpoint/2010/main" val="2596866444"/>
-      </p:ext>
-    </p:extLst>
-  </p:cSld>
-  <p:clrMapOvr>
-    <a:masterClrMapping/>
-  </p:clrMapOvr>
-</p:sld>
-</file>
-
-<file path=ppt/slides/slide9.xml><?xml version="1.0" encoding="utf-8"?>
-<p:sld xmlns:a="http://schemas.openxmlformats.org/drawingml/2006/main" xmlns:r="http://schemas.openxmlformats.org/officeDocument/2006/relationships" xmlns:p="http://schemas.openxmlformats.org/presentationml/2006/main">
-  <p:cSld>
-    <p:spTree>
-      <p:nvGrpSpPr>
-        <p:cNvPr id="1" name=""/>
-        <p:cNvGrpSpPr/>
-        <p:nvPr/>
-      </p:nvGrpSpPr>
-      <p:grpSpPr>
-        <a:xfrm>
-          <a:off x="0" y="0"/>
-          <a:ext cx="0" cy="0"/>
-          <a:chOff x="0" y="0"/>
-          <a:chExt cx="0" cy="0"/>
-        </a:xfrm>
-      </p:grpSpPr>
-      <p:sp>
-        <p:nvSpPr>
-          <p:cNvPr id="2" name="标题 1">
-            <a:extLst>
-              <a:ext uri="{FF2B5EF4-FFF2-40B4-BE49-F238E27FC236}">
-                <a16:creationId xmlns:a16="http://schemas.microsoft.com/office/drawing/2014/main" id="{7CAD41F4-5EA9-4288-9F6B-AC877256EC40}"/>
-              </a:ext>
-            </a:extLst>
-          </p:cNvPr>
-          <p:cNvSpPr>
-            <a:spLocks noGrp="1"/>
-          </p:cNvSpPr>
-          <p:nvPr>
-            <p:ph type="title"/>
-          </p:nvPr>
-        </p:nvSpPr>
-        <p:spPr>
-          <a:xfrm>
-            <a:off x="486615" y="882086"/>
-            <a:ext cx="6315629" cy="970450"/>
-          </a:xfrm>
-        </p:spPr>
-        <p:txBody>
-          <a:bodyPr/>
-          <a:lstStyle/>
-          <a:p>
-            <a:endParaRPr lang="zh-CN" altLang="en-US" sz="2800" dirty="0"/>
-          </a:p>
-        </p:txBody>
-      </p:sp>
-    </p:spTree>
-    <p:extLst>
-      <p:ext uri="{BB962C8B-B14F-4D97-AF65-F5344CB8AC3E}">
-        <p14:creationId xmlns:p14="http://schemas.microsoft.com/office/powerpoint/2010/main" val="1812930701"/>
-      </p:ext>
-    </p:extLst>
-  </p:cSld>
-  <p:clrMapOvr>
-    <a:masterClrMapping/>
-  </p:clrMapOvr>
 </p:sld>
 </file>
 

--- a/PRD-2017-G24/STW/非受控文件/翻转课堂作业/UML基础1/UML基础Ⅰ.pptx
+++ b/PRD-2017-G24/STW/非受控文件/翻转课堂作业/UML基础1/UML基础Ⅰ.pptx
@@ -3733,7 +3733,7 @@
             <a:fld id="{BC02ACD8-9D28-445F-BAFE-92DA3311E912}" type="datetimeFigureOut">
               <a:rPr lang="zh-CN" altLang="en-US" smtClean="0"/>
               <a:pPr/>
-              <a:t>2017/11/12</a:t>
+              <a:t>2017/11/14</a:t>
             </a:fld>
             <a:endParaRPr lang="zh-CN" altLang="en-US"/>
           </a:p>
@@ -4289,7 +4289,7 @@
             <a:fld id="{08B9EBBA-996F-894A-B54A-D6246ED52CEA}" type="datetimeFigureOut">
               <a:rPr lang="en-US" dirty="0"/>
               <a:pPr/>
-              <a:t>11/12/2017</a:t>
+              <a:t>11/14/2017</a:t>
             </a:fld>
             <a:endParaRPr lang="en-US" dirty="0"/>
           </a:p>
@@ -4604,7 +4604,7 @@
             <a:fld id="{18C79C5D-2A6F-F04D-97DA-BEF2467B64E4}" type="datetimeFigureOut">
               <a:rPr lang="en-US" dirty="0"/>
               <a:pPr/>
-              <a:t>11/12/2017</a:t>
+              <a:t>11/14/2017</a:t>
             </a:fld>
             <a:endParaRPr lang="en-US" dirty="0"/>
           </a:p>
@@ -5089,7 +5089,7 @@
             <a:fld id="{8DFA1846-DA80-1C48-A609-854EA85C59AD}" type="datetimeFigureOut">
               <a:rPr lang="en-US" dirty="0"/>
               <a:pPr/>
-              <a:t>11/12/2017</a:t>
+              <a:t>11/14/2017</a:t>
             </a:fld>
             <a:endParaRPr lang="en-US" dirty="0"/>
           </a:p>
@@ -5455,7 +5455,7 @@
             <a:fld id="{FBF54567-0DE4-3F47-BF90-CB84690072F9}" type="datetimeFigureOut">
               <a:rPr lang="en-US" dirty="0"/>
               <a:pPr/>
-              <a:t>11/12/2017</a:t>
+              <a:t>11/14/2017</a:t>
             </a:fld>
             <a:endParaRPr lang="en-US" dirty="0"/>
           </a:p>
@@ -5725,7 +5725,7 @@
             <a:fld id="{C6C52C72-DE31-F449-A4ED-4C594FD91407}" type="datetimeFigureOut">
               <a:rPr lang="en-US" dirty="0"/>
               <a:pPr/>
-              <a:t>11/12/2017</a:t>
+              <a:t>11/14/2017</a:t>
             </a:fld>
             <a:endParaRPr lang="en-US" dirty="0"/>
           </a:p>
@@ -6007,7 +6007,7 @@
             <a:fld id="{ED62726E-379B-B349-9EED-81ED093FA806}" type="datetimeFigureOut">
               <a:rPr lang="en-US" dirty="0"/>
               <a:pPr/>
-              <a:t>11/12/2017</a:t>
+              <a:t>11/14/2017</a:t>
             </a:fld>
             <a:endParaRPr lang="en-US" dirty="0"/>
           </a:p>
@@ -6287,7 +6287,7 @@
             <a:fld id="{9B3A1323-8D79-1946-B0D7-40001CF92E9D}" type="datetimeFigureOut">
               <a:rPr lang="en-US" dirty="0"/>
               <a:pPr/>
-              <a:t>11/12/2017</a:t>
+              <a:t>11/14/2017</a:t>
             </a:fld>
             <a:endParaRPr lang="en-US" dirty="0"/>
           </a:p>
@@ -6627,7 +6627,7 @@
             <a:fld id="{8DFA1846-DA80-1C48-A609-854EA85C59AD}" type="datetimeFigureOut">
               <a:rPr lang="en-US" dirty="0"/>
               <a:pPr/>
-              <a:t>11/12/2017</a:t>
+              <a:t>11/14/2017</a:t>
             </a:fld>
             <a:endParaRPr lang="en-US" dirty="0"/>
           </a:p>
@@ -6963,7 +6963,7 @@
             <a:fld id="{57302355-E14B-8545-A8F8-0FE83CC9D524}" type="datetimeFigureOut">
               <a:rPr lang="en-US" dirty="0"/>
               <a:pPr/>
-              <a:t>11/12/2017</a:t>
+              <a:t>11/14/2017</a:t>
             </a:fld>
             <a:endParaRPr lang="en-US" dirty="0"/>
           </a:p>
@@ -7437,7 +7437,7 @@
             <a:fld id="{02640F58-564D-2B4F-AE67-E407BA4FCF45}" type="datetimeFigureOut">
               <a:rPr lang="en-US" dirty="0"/>
               <a:pPr/>
-              <a:t>11/12/2017</a:t>
+              <a:t>11/14/2017</a:t>
             </a:fld>
             <a:endParaRPr lang="en-US" dirty="0"/>
           </a:p>
@@ -7655,7 +7655,7 @@
             <a:fld id="{F13A34C8-038E-2045-AF43-DF7DBB8E0E9E}" type="datetimeFigureOut">
               <a:rPr lang="en-US" dirty="0"/>
               <a:pPr/>
-              <a:t>11/12/2017</a:t>
+              <a:t>11/14/2017</a:t>
             </a:fld>
             <a:endParaRPr lang="en-US" dirty="0"/>
           </a:p>
@@ -7747,7 +7747,7 @@
             <a:fld id="{8818C68F-D26B-8F47-958C-23B49CF8A634}" type="datetimeFigureOut">
               <a:rPr lang="en-US" dirty="0"/>
               <a:pPr/>
-              <a:t>11/12/2017</a:t>
+              <a:t>11/14/2017</a:t>
             </a:fld>
             <a:endParaRPr lang="en-US" dirty="0"/>
           </a:p>
@@ -8211,7 +8211,7 @@
             <a:fld id="{D0DF5E60-9974-AC48-9591-99C2BB44B7CF}" type="datetimeFigureOut">
               <a:rPr lang="en-US" dirty="0"/>
               <a:pPr/>
-              <a:t>11/12/2017</a:t>
+              <a:t>11/14/2017</a:t>
             </a:fld>
             <a:endParaRPr lang="en-US" dirty="0"/>
           </a:p>
@@ -8521,7 +8521,7 @@
             <a:fld id="{18C79C5D-2A6F-F04D-97DA-BEF2467B64E4}" type="datetimeFigureOut">
               <a:rPr lang="en-US" dirty="0"/>
               <a:pPr/>
-              <a:t>11/12/2017</a:t>
+              <a:t>11/14/2017</a:t>
             </a:fld>
             <a:endParaRPr lang="en-US" dirty="0"/>
           </a:p>
@@ -8788,7 +8788,7 @@
             <a:fld id="{09B482E8-6E0E-1B4F-B1FD-C69DB9E858D9}" type="datetimeFigureOut">
               <a:rPr lang="en-US" dirty="0"/>
               <a:pPr/>
-              <a:t>11/12/2017</a:t>
+              <a:t>11/14/2017</a:t>
             </a:fld>
             <a:endParaRPr lang="en-US" dirty="0"/>
           </a:p>
@@ -9685,6 +9685,108 @@
           </a:prstGeom>
         </p:spPr>
       </p:pic>
+      <p:sp>
+        <p:nvSpPr>
+          <p:cNvPr id="8" name="矩形 7">
+            <a:extLst>
+              <a:ext uri="{FF2B5EF4-FFF2-40B4-BE49-F238E27FC236}">
+                <a16:creationId xmlns:a16="http://schemas.microsoft.com/office/drawing/2014/main" id="{5BBF53CE-590B-4A01-8AA6-93DAB9AD1B67}"/>
+              </a:ext>
+            </a:extLst>
+          </p:cNvPr>
+          <p:cNvSpPr/>
+          <p:nvPr/>
+        </p:nvSpPr>
+        <p:spPr>
+          <a:xfrm>
+            <a:off x="7505414" y="2910267"/>
+            <a:ext cx="3687384" cy="369332"/>
+          </a:xfrm>
+          <a:prstGeom prst="rect">
+            <a:avLst/>
+          </a:prstGeom>
+        </p:spPr>
+        <p:txBody>
+          <a:bodyPr wrap="square">
+            <a:spAutoFit/>
+          </a:bodyPr>
+          <a:lstStyle/>
+          <a:p>
+            <a:r>
+              <a:rPr lang="zh-CN" altLang="en-US" dirty="0"/>
+              <a:t>类名：和其他类区分的名称</a:t>
+            </a:r>
+          </a:p>
+        </p:txBody>
+      </p:sp>
+      <p:sp>
+        <p:nvSpPr>
+          <p:cNvPr id="9" name="矩形 8">
+            <a:extLst>
+              <a:ext uri="{FF2B5EF4-FFF2-40B4-BE49-F238E27FC236}">
+                <a16:creationId xmlns:a16="http://schemas.microsoft.com/office/drawing/2014/main" id="{5BBF53CE-590B-4A01-8AA6-93DAB9AD1B67}"/>
+              </a:ext>
+            </a:extLst>
+          </p:cNvPr>
+          <p:cNvSpPr/>
+          <p:nvPr/>
+        </p:nvSpPr>
+        <p:spPr>
+          <a:xfrm>
+            <a:off x="7505414" y="3617804"/>
+            <a:ext cx="3416320" cy="369332"/>
+          </a:xfrm>
+          <a:prstGeom prst="rect">
+            <a:avLst/>
+          </a:prstGeom>
+        </p:spPr>
+        <p:txBody>
+          <a:bodyPr wrap="none">
+            <a:spAutoFit/>
+          </a:bodyPr>
+          <a:lstStyle/>
+          <a:p>
+            <a:r>
+              <a:rPr lang="zh-CN" altLang="en-US" dirty="0"/>
+              <a:t>属性：类在系统中所具有的特性</a:t>
+            </a:r>
+          </a:p>
+        </p:txBody>
+      </p:sp>
+      <p:sp>
+        <p:nvSpPr>
+          <p:cNvPr id="10" name="矩形 9">
+            <a:extLst>
+              <a:ext uri="{FF2B5EF4-FFF2-40B4-BE49-F238E27FC236}">
+                <a16:creationId xmlns:a16="http://schemas.microsoft.com/office/drawing/2014/main" id="{5BBF53CE-590B-4A01-8AA6-93DAB9AD1B67}"/>
+              </a:ext>
+            </a:extLst>
+          </p:cNvPr>
+          <p:cNvSpPr/>
+          <p:nvPr/>
+        </p:nvSpPr>
+        <p:spPr>
+          <a:xfrm>
+            <a:off x="7505414" y="4444777"/>
+            <a:ext cx="3185487" cy="369332"/>
+          </a:xfrm>
+          <a:prstGeom prst="rect">
+            <a:avLst/>
+          </a:prstGeom>
+        </p:spPr>
+        <p:txBody>
+          <a:bodyPr wrap="none">
+            <a:spAutoFit/>
+          </a:bodyPr>
+          <a:lstStyle/>
+          <a:p>
+            <a:r>
+              <a:rPr lang="zh-CN" altLang="en-US" dirty="0"/>
+              <a:t>操作：此类对象所能做的事务</a:t>
+            </a:r>
+          </a:p>
+        </p:txBody>
+      </p:sp>
     </p:spTree>
     <p:extLst>
       <p:ext uri="{BB962C8B-B14F-4D97-AF65-F5344CB8AC3E}">
@@ -11152,6 +11254,297 @@
           </a:prstGeom>
         </p:spPr>
       </p:pic>
+      <p:sp>
+        <p:nvSpPr>
+          <p:cNvPr id="5" name="矩形 4">
+            <a:extLst>
+              <a:ext uri="{FF2B5EF4-FFF2-40B4-BE49-F238E27FC236}">
+                <a16:creationId xmlns:a16="http://schemas.microsoft.com/office/drawing/2014/main" id="{5BBF53CE-590B-4A01-8AA6-93DAB9AD1B67}"/>
+              </a:ext>
+            </a:extLst>
+          </p:cNvPr>
+          <p:cNvSpPr/>
+          <p:nvPr/>
+        </p:nvSpPr>
+        <p:spPr>
+          <a:xfrm>
+            <a:off x="7343928" y="1884132"/>
+            <a:ext cx="1999068" cy="400110"/>
+          </a:xfrm>
+          <a:prstGeom prst="rect">
+            <a:avLst/>
+          </a:prstGeom>
+        </p:spPr>
+        <p:txBody>
+          <a:bodyPr wrap="square">
+            <a:spAutoFit/>
+          </a:bodyPr>
+          <a:lstStyle/>
+          <a:p>
+            <a:r>
+              <a:rPr lang="zh-CN" altLang="en-US" sz="2000" dirty="0"/>
+              <a:t>对象：同 类图 </a:t>
+            </a:r>
+          </a:p>
+        </p:txBody>
+      </p:sp>
+      <p:cxnSp>
+        <p:nvCxnSpPr>
+          <p:cNvPr id="7" name="直接箭头连接符 6"/>
+          <p:cNvCxnSpPr>
+            <a:cxnSpLocks/>
+            <a:stCxn id="5" idx="2"/>
+          </p:cNvCxnSpPr>
+          <p:nvPr/>
+        </p:nvCxnSpPr>
+        <p:spPr>
+          <a:xfrm>
+            <a:off x="8343462" y="2284242"/>
+            <a:ext cx="546745" cy="466494"/>
+          </a:xfrm>
+          <a:prstGeom prst="straightConnector1">
+            <a:avLst/>
+          </a:prstGeom>
+          <a:ln>
+            <a:solidFill>
+              <a:srgbClr val="FF0000"/>
+            </a:solidFill>
+            <a:tailEnd type="triangle"/>
+          </a:ln>
+        </p:spPr>
+        <p:style>
+          <a:lnRef idx="3">
+            <a:schemeClr val="dk1"/>
+          </a:lnRef>
+          <a:fillRef idx="0">
+            <a:schemeClr val="dk1"/>
+          </a:fillRef>
+          <a:effectRef idx="2">
+            <a:schemeClr val="dk1"/>
+          </a:effectRef>
+          <a:fontRef idx="minor">
+            <a:schemeClr val="tx1"/>
+          </a:fontRef>
+        </p:style>
+      </p:cxnSp>
+      <p:sp>
+        <p:nvSpPr>
+          <p:cNvPr id="8" name="矩形 7">
+            <a:extLst>
+              <a:ext uri="{FF2B5EF4-FFF2-40B4-BE49-F238E27FC236}">
+                <a16:creationId xmlns:a16="http://schemas.microsoft.com/office/drawing/2014/main" id="{5BBF53CE-590B-4A01-8AA6-93DAB9AD1B67}"/>
+              </a:ext>
+            </a:extLst>
+          </p:cNvPr>
+          <p:cNvSpPr/>
+          <p:nvPr/>
+        </p:nvSpPr>
+        <p:spPr>
+          <a:xfrm>
+            <a:off x="9265361" y="6346780"/>
+            <a:ext cx="2479040" cy="369332"/>
+          </a:xfrm>
+          <a:prstGeom prst="rect">
+            <a:avLst/>
+          </a:prstGeom>
+        </p:spPr>
+        <p:txBody>
+          <a:bodyPr wrap="square">
+            <a:spAutoFit/>
+          </a:bodyPr>
+          <a:lstStyle/>
+          <a:p>
+            <a:r>
+              <a:rPr lang="zh-CN" altLang="en-US" dirty="0"/>
+              <a:t>消息：对象之间的通信</a:t>
+            </a:r>
+          </a:p>
+        </p:txBody>
+      </p:sp>
+      <p:sp>
+        <p:nvSpPr>
+          <p:cNvPr id="10" name="矩形 9">
+            <a:extLst>
+              <a:ext uri="{FF2B5EF4-FFF2-40B4-BE49-F238E27FC236}">
+                <a16:creationId xmlns:a16="http://schemas.microsoft.com/office/drawing/2014/main" id="{5BBF53CE-590B-4A01-8AA6-93DAB9AD1B67}"/>
+              </a:ext>
+            </a:extLst>
+          </p:cNvPr>
+          <p:cNvSpPr/>
+          <p:nvPr/>
+        </p:nvSpPr>
+        <p:spPr>
+          <a:xfrm>
+            <a:off x="10027465" y="1831694"/>
+            <a:ext cx="1981970" cy="707886"/>
+          </a:xfrm>
+          <a:prstGeom prst="rect">
+            <a:avLst/>
+          </a:prstGeom>
+        </p:spPr>
+        <p:txBody>
+          <a:bodyPr wrap="square">
+            <a:spAutoFit/>
+          </a:bodyPr>
+          <a:lstStyle/>
+          <a:p>
+            <a:r>
+              <a:rPr lang="zh-CN" altLang="en-US" sz="2000" dirty="0"/>
+              <a:t>激活期：执行一项操作的时期</a:t>
+            </a:r>
+          </a:p>
+        </p:txBody>
+      </p:sp>
+      <p:sp>
+        <p:nvSpPr>
+          <p:cNvPr id="11" name="矩形 10">
+            <a:extLst>
+              <a:ext uri="{FF2B5EF4-FFF2-40B4-BE49-F238E27FC236}">
+                <a16:creationId xmlns:a16="http://schemas.microsoft.com/office/drawing/2014/main" id="{5BBF53CE-590B-4A01-8AA6-93DAB9AD1B67}"/>
+              </a:ext>
+            </a:extLst>
+          </p:cNvPr>
+          <p:cNvSpPr/>
+          <p:nvPr/>
+        </p:nvSpPr>
+        <p:spPr>
+          <a:xfrm>
+            <a:off x="4450488" y="1936570"/>
+            <a:ext cx="2313678" cy="707886"/>
+          </a:xfrm>
+          <a:prstGeom prst="rect">
+            <a:avLst/>
+          </a:prstGeom>
+        </p:spPr>
+        <p:txBody>
+          <a:bodyPr wrap="square">
+            <a:spAutoFit/>
+          </a:bodyPr>
+          <a:lstStyle/>
+          <a:p>
+            <a:r>
+              <a:rPr lang="zh-CN" altLang="en-US" sz="2000" dirty="0"/>
+              <a:t>生命线：对象在一段时间内的存在</a:t>
+            </a:r>
+          </a:p>
+        </p:txBody>
+      </p:sp>
+      <p:cxnSp>
+        <p:nvCxnSpPr>
+          <p:cNvPr id="12" name="直接箭头连接符 11"/>
+          <p:cNvCxnSpPr>
+            <a:cxnSpLocks/>
+          </p:cNvCxnSpPr>
+          <p:nvPr/>
+        </p:nvCxnSpPr>
+        <p:spPr>
+          <a:xfrm>
+            <a:off x="5843752" y="2582334"/>
+            <a:ext cx="3421609" cy="728671"/>
+          </a:xfrm>
+          <a:prstGeom prst="straightConnector1">
+            <a:avLst/>
+          </a:prstGeom>
+          <a:ln>
+            <a:solidFill>
+              <a:srgbClr val="FF0000"/>
+            </a:solidFill>
+            <a:tailEnd type="triangle"/>
+          </a:ln>
+        </p:spPr>
+        <p:style>
+          <a:lnRef idx="3">
+            <a:schemeClr val="dk1"/>
+          </a:lnRef>
+          <a:fillRef idx="0">
+            <a:schemeClr val="dk1"/>
+          </a:fillRef>
+          <a:effectRef idx="2">
+            <a:schemeClr val="dk1"/>
+          </a:effectRef>
+          <a:fontRef idx="minor">
+            <a:schemeClr val="tx1"/>
+          </a:fontRef>
+        </p:style>
+      </p:cxnSp>
+      <p:cxnSp>
+        <p:nvCxnSpPr>
+          <p:cNvPr id="15" name="直接箭头连接符 14"/>
+          <p:cNvCxnSpPr>
+            <a:cxnSpLocks/>
+            <a:stCxn id="10" idx="2"/>
+          </p:cNvCxnSpPr>
+          <p:nvPr/>
+        </p:nvCxnSpPr>
+        <p:spPr>
+          <a:xfrm flipH="1">
+            <a:off x="9417269" y="2539580"/>
+            <a:ext cx="1601181" cy="1561107"/>
+          </a:xfrm>
+          <a:prstGeom prst="straightConnector1">
+            <a:avLst/>
+          </a:prstGeom>
+          <a:ln>
+            <a:solidFill>
+              <a:srgbClr val="FF0000"/>
+            </a:solidFill>
+            <a:tailEnd type="triangle"/>
+          </a:ln>
+        </p:spPr>
+        <p:style>
+          <a:lnRef idx="3">
+            <a:schemeClr val="dk1"/>
+          </a:lnRef>
+          <a:fillRef idx="0">
+            <a:schemeClr val="dk1"/>
+          </a:fillRef>
+          <a:effectRef idx="2">
+            <a:schemeClr val="dk1"/>
+          </a:effectRef>
+          <a:fontRef idx="minor">
+            <a:schemeClr val="tx1"/>
+          </a:fontRef>
+        </p:style>
+      </p:cxnSp>
+      <p:cxnSp>
+        <p:nvCxnSpPr>
+          <p:cNvPr id="18" name="直接箭头连接符 17"/>
+          <p:cNvCxnSpPr>
+            <a:cxnSpLocks/>
+            <a:stCxn id="8" idx="0"/>
+          </p:cNvCxnSpPr>
+          <p:nvPr/>
+        </p:nvCxnSpPr>
+        <p:spPr>
+          <a:xfrm flipH="1" flipV="1">
+            <a:off x="10027465" y="5222629"/>
+            <a:ext cx="477416" cy="1124151"/>
+          </a:xfrm>
+          <a:prstGeom prst="straightConnector1">
+            <a:avLst/>
+          </a:prstGeom>
+          <a:ln>
+            <a:solidFill>
+              <a:srgbClr val="FF0000"/>
+            </a:solidFill>
+            <a:tailEnd type="triangle"/>
+          </a:ln>
+        </p:spPr>
+        <p:style>
+          <a:lnRef idx="3">
+            <a:schemeClr val="dk1"/>
+          </a:lnRef>
+          <a:fillRef idx="0">
+            <a:schemeClr val="dk1"/>
+          </a:fillRef>
+          <a:effectRef idx="2">
+            <a:schemeClr val="dk1"/>
+          </a:effectRef>
+          <a:fontRef idx="minor">
+            <a:schemeClr val="tx1"/>
+          </a:fontRef>
+        </p:style>
+      </p:cxnSp>
     </p:spTree>
     <p:extLst>
       <p:ext uri="{BB962C8B-B14F-4D97-AF65-F5344CB8AC3E}">
@@ -11260,6 +11653,25 @@
             <a:r>
               <a:rPr lang="zh-CN" altLang="en-US" sz="2400" dirty="0"/>
               <a:t>协作图表现的是对象在空间上的联系</a:t>
+            </a:r>
+            <a:endParaRPr lang="en-US" altLang="zh-CN" sz="2400" dirty="0"/>
+          </a:p>
+          <a:p>
+            <a:r>
+              <a:rPr lang="en-US" altLang="zh-CN" sz="2400" dirty="0"/>
+              <a:t>【</a:t>
+            </a:r>
+            <a:r>
+              <a:rPr lang="zh-CN" altLang="en-US" sz="2400" dirty="0"/>
+              <a:t>描述方式</a:t>
+            </a:r>
+            <a:r>
+              <a:rPr lang="en-US" altLang="zh-CN" sz="2400" dirty="0"/>
+              <a:t>】</a:t>
+            </a:r>
+            <a:r>
+              <a:rPr lang="zh-CN" altLang="en-US" sz="2400" dirty="0"/>
+              <a:t>与顺序图相似</a:t>
             </a:r>
           </a:p>
         </p:txBody>
@@ -13132,8 +13544,8 @@
         </p:nvSpPr>
         <p:spPr>
           <a:xfrm>
-            <a:off x="476105" y="2333297"/>
-            <a:ext cx="10238700" cy="1661993"/>
+            <a:off x="476105" y="2154827"/>
+            <a:ext cx="10597773" cy="1661993"/>
           </a:xfrm>
           <a:prstGeom prst="rect">
             <a:avLst/>
@@ -13170,7 +13582,7 @@
             </a:r>
             <a:r>
               <a:rPr lang="zh-CN" altLang="en-US" sz="2800" dirty="0"/>
-              <a:t>描述方式</a:t>
+              <a:t>目的</a:t>
             </a:r>
             <a:r>
               <a:rPr lang="en-US" altLang="zh-CN" sz="2800" dirty="0"/>
@@ -13178,25 +13590,18 @@
             </a:r>
             <a:r>
               <a:rPr lang="zh-CN" altLang="en-US" sz="2800" dirty="0"/>
-              <a:t>椭圆表示某个用例；人形符号表示角色</a:t>
-            </a:r>
+              <a:t>帮助开发团队以一种可视化的方式理解系统的功能需求，</a:t>
+            </a:r>
+            <a:endParaRPr lang="en-US" altLang="zh-CN" sz="2800" dirty="0"/>
           </a:p>
           <a:p>
             <a:r>
               <a:rPr lang="en-US" altLang="zh-CN" sz="2800" dirty="0"/>
-              <a:t>【</a:t>
+              <a:t>			</a:t>
             </a:r>
             <a:r>
               <a:rPr lang="zh-CN" altLang="en-US" sz="2800" dirty="0"/>
-              <a:t>目的</a:t>
-            </a:r>
-            <a:r>
-              <a:rPr lang="en-US" altLang="zh-CN" sz="2800" dirty="0"/>
-              <a:t>】</a:t>
-            </a:r>
-            <a:r>
-              <a:rPr lang="zh-CN" altLang="en-US" sz="2800" dirty="0"/>
-              <a:t>帮助开发团队以一种可视化的方式理解系统的功能需求</a:t>
+              <a:t>方便与用户确认需求，同时也为系统打下基础。</a:t>
             </a:r>
           </a:p>
           <a:p>
@@ -13226,7 +13631,7 @@
         </p:blipFill>
         <p:spPr>
           <a:xfrm>
-            <a:off x="1229711" y="3722227"/>
+            <a:off x="1250732" y="3554062"/>
             <a:ext cx="8896185" cy="3135773"/>
           </a:xfrm>
           <a:prstGeom prst="rect">

--- a/PRD-2017-G24/STW/非受控文件/翻转课堂作业/UML基础1/UML基础Ⅰ.pptx
+++ b/PRD-2017-G24/STW/非受控文件/翻转课堂作业/UML基础1/UML基础Ⅰ.pptx
@@ -1193,6 +1193,13 @@
         </dgm:presLayoutVars>
       </dgm:prSet>
       <dgm:spPr/>
+      <dgm:t>
+        <a:bodyPr/>
+        <a:lstStyle/>
+        <a:p>
+          <a:endParaRPr lang="zh-CN" altLang="en-US"/>
+        </a:p>
+      </dgm:t>
     </dgm:pt>
     <dgm:pt modelId="{BB10B3FE-71B2-44C4-9881-9B1B6C4ED30A}" type="pres">
       <dgm:prSet presAssocID="{1FA03D0B-431E-4552-972E-930F5F39D8D4}" presName="thickLine" presStyleLbl="alignNode1" presStyleIdx="0" presStyleCnt="6"/>
@@ -1205,6 +1212,13 @@
     <dgm:pt modelId="{FC9D7768-4563-493E-B454-DDCFD4BDB902}" type="pres">
       <dgm:prSet presAssocID="{1FA03D0B-431E-4552-972E-930F5F39D8D4}" presName="tx1" presStyleLbl="revTx" presStyleIdx="0" presStyleCnt="6"/>
       <dgm:spPr/>
+      <dgm:t>
+        <a:bodyPr/>
+        <a:lstStyle/>
+        <a:p>
+          <a:endParaRPr lang="zh-CN" altLang="en-US"/>
+        </a:p>
+      </dgm:t>
     </dgm:pt>
     <dgm:pt modelId="{AD1CF356-254A-496B-8B30-7E65A8D385E9}" type="pres">
       <dgm:prSet presAssocID="{1FA03D0B-431E-4552-972E-930F5F39D8D4}" presName="vert1" presStyleCnt="0"/>
@@ -1221,6 +1235,13 @@
     <dgm:pt modelId="{BB3D9FB9-476E-49C0-B80D-9BE2F7650722}" type="pres">
       <dgm:prSet presAssocID="{F4D98294-6926-4BC8-9678-4AE0179FD98D}" presName="tx1" presStyleLbl="revTx" presStyleIdx="1" presStyleCnt="6"/>
       <dgm:spPr/>
+      <dgm:t>
+        <a:bodyPr/>
+        <a:lstStyle/>
+        <a:p>
+          <a:endParaRPr lang="zh-CN" altLang="en-US"/>
+        </a:p>
+      </dgm:t>
     </dgm:pt>
     <dgm:pt modelId="{D99806E3-20C1-4E7F-8374-0210A0C1A8AE}" type="pres">
       <dgm:prSet presAssocID="{F4D98294-6926-4BC8-9678-4AE0179FD98D}" presName="vert1" presStyleCnt="0"/>
@@ -1237,6 +1258,13 @@
     <dgm:pt modelId="{4115A148-7C9F-4251-95F8-2A051B52D5AC}" type="pres">
       <dgm:prSet presAssocID="{F26DE089-A9FD-4546-96AF-71432FD40C75}" presName="tx1" presStyleLbl="revTx" presStyleIdx="2" presStyleCnt="6"/>
       <dgm:spPr/>
+      <dgm:t>
+        <a:bodyPr/>
+        <a:lstStyle/>
+        <a:p>
+          <a:endParaRPr lang="zh-CN" altLang="en-US"/>
+        </a:p>
+      </dgm:t>
     </dgm:pt>
     <dgm:pt modelId="{394814FA-CDAF-4CC8-8109-62E7A5FA331D}" type="pres">
       <dgm:prSet presAssocID="{F26DE089-A9FD-4546-96AF-71432FD40C75}" presName="vert1" presStyleCnt="0"/>
@@ -1253,6 +1281,13 @@
     <dgm:pt modelId="{CF187C55-D274-4C80-A81A-7C74892EF144}" type="pres">
       <dgm:prSet presAssocID="{CBCE7A0C-1162-4DD8-8348-0E467EC325E0}" presName="tx1" presStyleLbl="revTx" presStyleIdx="3" presStyleCnt="6"/>
       <dgm:spPr/>
+      <dgm:t>
+        <a:bodyPr/>
+        <a:lstStyle/>
+        <a:p>
+          <a:endParaRPr lang="zh-CN" altLang="en-US"/>
+        </a:p>
+      </dgm:t>
     </dgm:pt>
     <dgm:pt modelId="{6B0C92B1-B619-46DC-9D61-064133EACD45}" type="pres">
       <dgm:prSet presAssocID="{CBCE7A0C-1162-4DD8-8348-0E467EC325E0}" presName="vert1" presStyleCnt="0"/>
@@ -1269,6 +1304,13 @@
     <dgm:pt modelId="{6D455BFA-CC98-472A-BB95-E26F8322A529}" type="pres">
       <dgm:prSet presAssocID="{390B9C77-7995-4357-AF04-9565041C9BF1}" presName="tx1" presStyleLbl="revTx" presStyleIdx="4" presStyleCnt="6"/>
       <dgm:spPr/>
+      <dgm:t>
+        <a:bodyPr/>
+        <a:lstStyle/>
+        <a:p>
+          <a:endParaRPr lang="zh-CN" altLang="en-US"/>
+        </a:p>
+      </dgm:t>
     </dgm:pt>
     <dgm:pt modelId="{6566A669-B31A-4342-B2F2-E8D66C00D8D2}" type="pres">
       <dgm:prSet presAssocID="{390B9C77-7995-4357-AF04-9565041C9BF1}" presName="vert1" presStyleCnt="0"/>
@@ -1285,6 +1327,13 @@
     <dgm:pt modelId="{733AD6BA-9EF6-487F-AE39-A6AB87079B67}" type="pres">
       <dgm:prSet presAssocID="{141B5341-4F8F-4B74-854E-A5FBA43D6D1E}" presName="tx1" presStyleLbl="revTx" presStyleIdx="5" presStyleCnt="6"/>
       <dgm:spPr/>
+      <dgm:t>
+        <a:bodyPr/>
+        <a:lstStyle/>
+        <a:p>
+          <a:endParaRPr lang="zh-CN" altLang="en-US"/>
+        </a:p>
+      </dgm:t>
     </dgm:pt>
     <dgm:pt modelId="{5F0C84B1-2009-464B-89D6-B90556266101}" type="pres">
       <dgm:prSet presAssocID="{141B5341-4F8F-4B74-854E-A5FBA43D6D1E}" presName="vert1" presStyleCnt="0"/>
@@ -1292,18 +1341,18 @@
     </dgm:pt>
   </dgm:ptLst>
   <dgm:cxnLst>
-    <dgm:cxn modelId="{25EC110C-6EF6-4C65-80E0-1871BBCC94F3}" srcId="{61344293-A1DE-4EC5-9A38-FAB9B9B4968C}" destId="{390B9C77-7995-4357-AF04-9565041C9BF1}" srcOrd="4" destOrd="0" parTransId="{EE403F8B-8568-4987-80D7-7FB2D18D7D16}" sibTransId="{290EC355-F468-41D9-90C5-D907CF21D967}"/>
-    <dgm:cxn modelId="{D51ECB21-5218-49D4-980D-D86570A78CC9}" srcId="{61344293-A1DE-4EC5-9A38-FAB9B9B4968C}" destId="{141B5341-4F8F-4B74-854E-A5FBA43D6D1E}" srcOrd="5" destOrd="0" parTransId="{856EFA81-5ECF-4D6F-A8FF-5EA95BCEAF47}" sibTransId="{7A5DD433-F8FE-43BF-B663-090CAB808284}"/>
+    <dgm:cxn modelId="{72C78C39-D2FD-4657-A685-C850D72D9035}" srcId="{61344293-A1DE-4EC5-9A38-FAB9B9B4968C}" destId="{1FA03D0B-431E-4552-972E-930F5F39D8D4}" srcOrd="0" destOrd="0" parTransId="{DCA24973-8AA7-41B9-9B6A-AC4F09257488}" sibTransId="{7A188E71-997C-494E-B9C2-BAD4C716D4A0}"/>
     <dgm:cxn modelId="{FC96EF33-F0CD-420E-9A7B-30F9B6896026}" srcId="{61344293-A1DE-4EC5-9A38-FAB9B9B4968C}" destId="{F4D98294-6926-4BC8-9678-4AE0179FD98D}" srcOrd="1" destOrd="0" parTransId="{A14163C1-0CF1-4D38-B620-EB744E35794C}" sibTransId="{3796F5A7-8CBE-40D5-9D1D-9C0979F64A9C}"/>
-    <dgm:cxn modelId="{72C78C39-D2FD-4657-A685-C850D72D9035}" srcId="{61344293-A1DE-4EC5-9A38-FAB9B9B4968C}" destId="{1FA03D0B-431E-4552-972E-930F5F39D8D4}" srcOrd="0" destOrd="0" parTransId="{DCA24973-8AA7-41B9-9B6A-AC4F09257488}" sibTransId="{7A188E71-997C-494E-B9C2-BAD4C716D4A0}"/>
-    <dgm:cxn modelId="{A9CD8E45-8868-446C-87E7-FD9639311884}" type="presOf" srcId="{CBCE7A0C-1162-4DD8-8348-0E467EC325E0}" destId="{CF187C55-D274-4C80-A81A-7C74892EF144}" srcOrd="0" destOrd="0" presId="urn:microsoft.com/office/officeart/2008/layout/LinedList"/>
     <dgm:cxn modelId="{6F74CE48-579E-431D-9583-58A5F2ED3C85}" srcId="{61344293-A1DE-4EC5-9A38-FAB9B9B4968C}" destId="{F26DE089-A9FD-4546-96AF-71432FD40C75}" srcOrd="2" destOrd="0" parTransId="{1A63B470-973A-4426-A553-6A92D4588D20}" sibTransId="{F05992B1-9FD4-41E0-8709-1F3CDB8109B3}"/>
-    <dgm:cxn modelId="{33D50369-788E-49A7-8974-C3AD880B79B4}" type="presOf" srcId="{61344293-A1DE-4EC5-9A38-FAB9B9B4968C}" destId="{16C4A9B8-6EFE-4EE6-A024-B6B528189985}" srcOrd="0" destOrd="0" presId="urn:microsoft.com/office/officeart/2008/layout/LinedList"/>
+    <dgm:cxn modelId="{8E1C14AC-2079-4A12-AF3E-1349383E49D1}" type="presOf" srcId="{141B5341-4F8F-4B74-854E-A5FBA43D6D1E}" destId="{733AD6BA-9EF6-487F-AE39-A6AB87079B67}" srcOrd="0" destOrd="0" presId="urn:microsoft.com/office/officeart/2008/layout/LinedList"/>
     <dgm:cxn modelId="{7F5EA755-5397-447E-8563-35AA830B062F}" type="presOf" srcId="{F26DE089-A9FD-4546-96AF-71432FD40C75}" destId="{4115A148-7C9F-4251-95F8-2A051B52D5AC}" srcOrd="0" destOrd="0" presId="urn:microsoft.com/office/officeart/2008/layout/LinedList"/>
     <dgm:cxn modelId="{019B2B88-52C0-44DC-A31D-EB539DDD5F9C}" type="presOf" srcId="{F4D98294-6926-4BC8-9678-4AE0179FD98D}" destId="{BB3D9FB9-476E-49C0-B80D-9BE2F7650722}" srcOrd="0" destOrd="0" presId="urn:microsoft.com/office/officeart/2008/layout/LinedList"/>
+    <dgm:cxn modelId="{97F1CCC4-1B19-4070-8C49-D818B7D503A3}" srcId="{61344293-A1DE-4EC5-9A38-FAB9B9B4968C}" destId="{CBCE7A0C-1162-4DD8-8348-0E467EC325E0}" srcOrd="3" destOrd="0" parTransId="{041D4F31-93BC-4168-A092-8AACF0FAE0A1}" sibTransId="{932E490C-516F-4D6F-9F44-B7FE8A9CCDAD}"/>
+    <dgm:cxn modelId="{D51ECB21-5218-49D4-980D-D86570A78CC9}" srcId="{61344293-A1DE-4EC5-9A38-FAB9B9B4968C}" destId="{141B5341-4F8F-4B74-854E-A5FBA43D6D1E}" srcOrd="5" destOrd="0" parTransId="{856EFA81-5ECF-4D6F-A8FF-5EA95BCEAF47}" sibTransId="{7A5DD433-F8FE-43BF-B663-090CAB808284}"/>
+    <dgm:cxn modelId="{25EC110C-6EF6-4C65-80E0-1871BBCC94F3}" srcId="{61344293-A1DE-4EC5-9A38-FAB9B9B4968C}" destId="{390B9C77-7995-4357-AF04-9565041C9BF1}" srcOrd="4" destOrd="0" parTransId="{EE403F8B-8568-4987-80D7-7FB2D18D7D16}" sibTransId="{290EC355-F468-41D9-90C5-D907CF21D967}"/>
+    <dgm:cxn modelId="{A9CD8E45-8868-446C-87E7-FD9639311884}" type="presOf" srcId="{CBCE7A0C-1162-4DD8-8348-0E467EC325E0}" destId="{CF187C55-D274-4C80-A81A-7C74892EF144}" srcOrd="0" destOrd="0" presId="urn:microsoft.com/office/officeart/2008/layout/LinedList"/>
+    <dgm:cxn modelId="{33D50369-788E-49A7-8974-C3AD880B79B4}" type="presOf" srcId="{61344293-A1DE-4EC5-9A38-FAB9B9B4968C}" destId="{16C4A9B8-6EFE-4EE6-A024-B6B528189985}" srcOrd="0" destOrd="0" presId="urn:microsoft.com/office/officeart/2008/layout/LinedList"/>
     <dgm:cxn modelId="{6A2EA8A9-EBEF-48E7-B9F2-7CB1FDE358E5}" type="presOf" srcId="{390B9C77-7995-4357-AF04-9565041C9BF1}" destId="{6D455BFA-CC98-472A-BB95-E26F8322A529}" srcOrd="0" destOrd="0" presId="urn:microsoft.com/office/officeart/2008/layout/LinedList"/>
-    <dgm:cxn modelId="{8E1C14AC-2079-4A12-AF3E-1349383E49D1}" type="presOf" srcId="{141B5341-4F8F-4B74-854E-A5FBA43D6D1E}" destId="{733AD6BA-9EF6-487F-AE39-A6AB87079B67}" srcOrd="0" destOrd="0" presId="urn:microsoft.com/office/officeart/2008/layout/LinedList"/>
-    <dgm:cxn modelId="{97F1CCC4-1B19-4070-8C49-D818B7D503A3}" srcId="{61344293-A1DE-4EC5-9A38-FAB9B9B4968C}" destId="{CBCE7A0C-1162-4DD8-8348-0E467EC325E0}" srcOrd="3" destOrd="0" parTransId="{041D4F31-93BC-4168-A092-8AACF0FAE0A1}" sibTransId="{932E490C-516F-4D6F-9F44-B7FE8A9CCDAD}"/>
     <dgm:cxn modelId="{9DD076D9-AC81-439C-A348-2FB3AC572D0A}" type="presOf" srcId="{1FA03D0B-431E-4552-972E-930F5F39D8D4}" destId="{FC9D7768-4563-493E-B454-DDCFD4BDB902}" srcOrd="0" destOrd="0" presId="urn:microsoft.com/office/officeart/2008/layout/LinedList"/>
     <dgm:cxn modelId="{77DD7C31-63B6-4C01-8761-9C15C8F9BD45}" type="presParOf" srcId="{16C4A9B8-6EFE-4EE6-A024-B6B528189985}" destId="{BB10B3FE-71B2-44C4-9881-9B1B6C4ED30A}" srcOrd="0" destOrd="0" presId="urn:microsoft.com/office/officeart/2008/layout/LinedList"/>
     <dgm:cxn modelId="{5796BB8F-5EC0-4417-999B-DAFF62576680}" type="presParOf" srcId="{16C4A9B8-6EFE-4EE6-A024-B6B528189985}" destId="{963CAB5B-C43A-4ACF-989E-11E2303E77FD}" srcOrd="1" destOrd="0" presId="urn:microsoft.com/office/officeart/2008/layout/LinedList"/>
@@ -1348,804 +1397,6 @@
       <dsp:cNvGrpSpPr/>
     </dsp:nvGrpSpPr>
     <dsp:grpSpPr/>
-    <dsp:sp modelId="{BB10B3FE-71B2-44C4-9881-9B1B6C4ED30A}">
-      <dsp:nvSpPr>
-        <dsp:cNvPr id="0" name=""/>
-        <dsp:cNvSpPr/>
-      </dsp:nvSpPr>
-      <dsp:spPr>
-        <a:xfrm>
-          <a:off x="0" y="2699"/>
-          <a:ext cx="6267888" cy="0"/>
-        </a:xfrm>
-        <a:prstGeom prst="line">
-          <a:avLst/>
-        </a:prstGeom>
-        <a:blipFill rotWithShape="0">
-          <a:blip xmlns:r="http://schemas.openxmlformats.org/officeDocument/2006/relationships" r:embed="rId1">
-            <a:duotone>
-              <a:schemeClr val="accent1">
-                <a:hueOff val="0"/>
-                <a:satOff val="0"/>
-                <a:lumOff val="0"/>
-                <a:alphaOff val="0"/>
-                <a:tint val="98000"/>
-                <a:lumMod val="102000"/>
-              </a:schemeClr>
-              <a:schemeClr val="accent1">
-                <a:hueOff val="0"/>
-                <a:satOff val="0"/>
-                <a:lumOff val="0"/>
-                <a:alphaOff val="0"/>
-                <a:shade val="98000"/>
-                <a:lumMod val="98000"/>
-              </a:schemeClr>
-            </a:duotone>
-          </a:blip>
-          <a:tile tx="0" ty="0" sx="100000" sy="100000" flip="none" algn="tl"/>
-        </a:blipFill>
-        <a:ln w="9525" cap="rnd" cmpd="sng" algn="ctr">
-          <a:solidFill>
-            <a:schemeClr val="accent1">
-              <a:hueOff val="0"/>
-              <a:satOff val="0"/>
-              <a:lumOff val="0"/>
-              <a:alphaOff val="0"/>
-            </a:schemeClr>
-          </a:solidFill>
-          <a:prstDash val="solid"/>
-        </a:ln>
-        <a:effectLst/>
-      </dsp:spPr>
-      <dsp:style>
-        <a:lnRef idx="1">
-          <a:scrgbClr r="0" g="0" b="0"/>
-        </a:lnRef>
-        <a:fillRef idx="3">
-          <a:scrgbClr r="0" g="0" b="0"/>
-        </a:fillRef>
-        <a:effectRef idx="2">
-          <a:scrgbClr r="0" g="0" b="0"/>
-        </a:effectRef>
-        <a:fontRef idx="minor">
-          <a:schemeClr val="lt1"/>
-        </a:fontRef>
-      </dsp:style>
-    </dsp:sp>
-    <dsp:sp modelId="{FC9D7768-4563-493E-B454-DDCFD4BDB902}">
-      <dsp:nvSpPr>
-        <dsp:cNvPr id="0" name=""/>
-        <dsp:cNvSpPr/>
-      </dsp:nvSpPr>
-      <dsp:spPr>
-        <a:xfrm>
-          <a:off x="0" y="2699"/>
-          <a:ext cx="6267888" cy="920370"/>
-        </a:xfrm>
-        <a:prstGeom prst="rect">
-          <a:avLst/>
-        </a:prstGeom>
-        <a:noFill/>
-        <a:ln>
-          <a:noFill/>
-        </a:ln>
-        <a:effectLst/>
-      </dsp:spPr>
-      <dsp:style>
-        <a:lnRef idx="0">
-          <a:scrgbClr r="0" g="0" b="0"/>
-        </a:lnRef>
-        <a:fillRef idx="0">
-          <a:scrgbClr r="0" g="0" b="0"/>
-        </a:fillRef>
-        <a:effectRef idx="0">
-          <a:scrgbClr r="0" g="0" b="0"/>
-        </a:effectRef>
-        <a:fontRef idx="minor"/>
-      </dsp:style>
-      <dsp:txBody>
-        <a:bodyPr spcFirstLastPara="0" vert="horz" wrap="square" lIns="152400" tIns="152400" rIns="152400" bIns="152400" numCol="1" spcCol="1270" anchor="t" anchorCtr="0">
-          <a:noAutofit/>
-        </a:bodyPr>
-        <a:lstStyle/>
-        <a:p>
-          <a:pPr marL="0" lvl="0" indent="0" algn="l" defTabSz="1778000">
-            <a:lnSpc>
-              <a:spcPct val="90000"/>
-            </a:lnSpc>
-            <a:spcBef>
-              <a:spcPct val="0"/>
-            </a:spcBef>
-            <a:spcAft>
-              <a:spcPct val="35000"/>
-            </a:spcAft>
-            <a:buNone/>
-          </a:pPr>
-          <a:r>
-            <a:rPr lang="en-US" altLang="zh-CN" sz="4000" kern="1200" dirty="0"/>
-            <a:t>1</a:t>
-          </a:r>
-          <a:r>
-            <a:rPr lang="zh-CN" sz="4000" kern="1200" dirty="0"/>
-            <a:t>．</a:t>
-          </a:r>
-          <a:r>
-            <a:rPr lang="zh-CN" altLang="en-US" sz="4000" kern="1200" dirty="0"/>
-            <a:t>用例图 </a:t>
-          </a:r>
-          <a:endParaRPr lang="en-US" sz="4000" kern="1200" dirty="0"/>
-        </a:p>
-      </dsp:txBody>
-      <dsp:txXfrm>
-        <a:off x="0" y="2699"/>
-        <a:ext cx="6267888" cy="920370"/>
-      </dsp:txXfrm>
-    </dsp:sp>
-    <dsp:sp modelId="{DF0B91BF-B4CA-4353-8D74-953111AFF567}">
-      <dsp:nvSpPr>
-        <dsp:cNvPr id="0" name=""/>
-        <dsp:cNvSpPr/>
-      </dsp:nvSpPr>
-      <dsp:spPr>
-        <a:xfrm>
-          <a:off x="0" y="923069"/>
-          <a:ext cx="6267888" cy="0"/>
-        </a:xfrm>
-        <a:prstGeom prst="line">
-          <a:avLst/>
-        </a:prstGeom>
-        <a:blipFill rotWithShape="0">
-          <a:blip xmlns:r="http://schemas.openxmlformats.org/officeDocument/2006/relationships" r:embed="rId1">
-            <a:duotone>
-              <a:schemeClr val="accent1">
-                <a:hueOff val="0"/>
-                <a:satOff val="0"/>
-                <a:lumOff val="0"/>
-                <a:alphaOff val="0"/>
-                <a:tint val="98000"/>
-                <a:lumMod val="102000"/>
-              </a:schemeClr>
-              <a:schemeClr val="accent1">
-                <a:hueOff val="0"/>
-                <a:satOff val="0"/>
-                <a:lumOff val="0"/>
-                <a:alphaOff val="0"/>
-                <a:shade val="98000"/>
-                <a:lumMod val="98000"/>
-              </a:schemeClr>
-            </a:duotone>
-          </a:blip>
-          <a:tile tx="0" ty="0" sx="100000" sy="100000" flip="none" algn="tl"/>
-        </a:blipFill>
-        <a:ln w="9525" cap="rnd" cmpd="sng" algn="ctr">
-          <a:solidFill>
-            <a:schemeClr val="accent1">
-              <a:hueOff val="0"/>
-              <a:satOff val="0"/>
-              <a:lumOff val="0"/>
-              <a:alphaOff val="0"/>
-            </a:schemeClr>
-          </a:solidFill>
-          <a:prstDash val="solid"/>
-        </a:ln>
-        <a:effectLst/>
-      </dsp:spPr>
-      <dsp:style>
-        <a:lnRef idx="1">
-          <a:scrgbClr r="0" g="0" b="0"/>
-        </a:lnRef>
-        <a:fillRef idx="3">
-          <a:scrgbClr r="0" g="0" b="0"/>
-        </a:fillRef>
-        <a:effectRef idx="2">
-          <a:scrgbClr r="0" g="0" b="0"/>
-        </a:effectRef>
-        <a:fontRef idx="minor">
-          <a:schemeClr val="lt1"/>
-        </a:fontRef>
-      </dsp:style>
-    </dsp:sp>
-    <dsp:sp modelId="{BB3D9FB9-476E-49C0-B80D-9BE2F7650722}">
-      <dsp:nvSpPr>
-        <dsp:cNvPr id="0" name=""/>
-        <dsp:cNvSpPr/>
-      </dsp:nvSpPr>
-      <dsp:spPr>
-        <a:xfrm>
-          <a:off x="0" y="923069"/>
-          <a:ext cx="6267888" cy="920370"/>
-        </a:xfrm>
-        <a:prstGeom prst="rect">
-          <a:avLst/>
-        </a:prstGeom>
-        <a:noFill/>
-        <a:ln>
-          <a:noFill/>
-        </a:ln>
-        <a:effectLst/>
-      </dsp:spPr>
-      <dsp:style>
-        <a:lnRef idx="0">
-          <a:scrgbClr r="0" g="0" b="0"/>
-        </a:lnRef>
-        <a:fillRef idx="0">
-          <a:scrgbClr r="0" g="0" b="0"/>
-        </a:fillRef>
-        <a:effectRef idx="0">
-          <a:scrgbClr r="0" g="0" b="0"/>
-        </a:effectRef>
-        <a:fontRef idx="minor"/>
-      </dsp:style>
-      <dsp:txBody>
-        <a:bodyPr spcFirstLastPara="0" vert="horz" wrap="square" lIns="152400" tIns="152400" rIns="152400" bIns="152400" numCol="1" spcCol="1270" anchor="t" anchorCtr="0">
-          <a:noAutofit/>
-        </a:bodyPr>
-        <a:lstStyle/>
-        <a:p>
-          <a:pPr marL="0" lvl="0" indent="0" algn="l" defTabSz="1778000">
-            <a:lnSpc>
-              <a:spcPct val="90000"/>
-            </a:lnSpc>
-            <a:spcBef>
-              <a:spcPct val="0"/>
-            </a:spcBef>
-            <a:spcAft>
-              <a:spcPct val="35000"/>
-            </a:spcAft>
-            <a:buNone/>
-          </a:pPr>
-          <a:r>
-            <a:rPr lang="en-US" altLang="zh-CN" sz="4000" kern="1200" dirty="0"/>
-            <a:t>2</a:t>
-          </a:r>
-          <a:r>
-            <a:rPr lang="zh-CN" sz="4000" kern="1200" dirty="0"/>
-            <a:t>．</a:t>
-          </a:r>
-          <a:r>
-            <a:rPr lang="zh-CN" altLang="en-US" sz="4000" kern="1200" dirty="0"/>
-            <a:t>类图</a:t>
-          </a:r>
-          <a:endParaRPr lang="en-US" sz="4000" kern="1200" dirty="0"/>
-        </a:p>
-      </dsp:txBody>
-      <dsp:txXfrm>
-        <a:off x="0" y="923069"/>
-        <a:ext cx="6267888" cy="920370"/>
-      </dsp:txXfrm>
-    </dsp:sp>
-    <dsp:sp modelId="{95001912-062E-4B5A-8EC6-8187415768D3}">
-      <dsp:nvSpPr>
-        <dsp:cNvPr id="0" name=""/>
-        <dsp:cNvSpPr/>
-      </dsp:nvSpPr>
-      <dsp:spPr>
-        <a:xfrm>
-          <a:off x="0" y="1843439"/>
-          <a:ext cx="6267888" cy="0"/>
-        </a:xfrm>
-        <a:prstGeom prst="line">
-          <a:avLst/>
-        </a:prstGeom>
-        <a:blipFill rotWithShape="0">
-          <a:blip xmlns:r="http://schemas.openxmlformats.org/officeDocument/2006/relationships" r:embed="rId1">
-            <a:duotone>
-              <a:schemeClr val="accent1">
-                <a:hueOff val="0"/>
-                <a:satOff val="0"/>
-                <a:lumOff val="0"/>
-                <a:alphaOff val="0"/>
-                <a:tint val="98000"/>
-                <a:lumMod val="102000"/>
-              </a:schemeClr>
-              <a:schemeClr val="accent1">
-                <a:hueOff val="0"/>
-                <a:satOff val="0"/>
-                <a:lumOff val="0"/>
-                <a:alphaOff val="0"/>
-                <a:shade val="98000"/>
-                <a:lumMod val="98000"/>
-              </a:schemeClr>
-            </a:duotone>
-          </a:blip>
-          <a:tile tx="0" ty="0" sx="100000" sy="100000" flip="none" algn="tl"/>
-        </a:blipFill>
-        <a:ln w="9525" cap="rnd" cmpd="sng" algn="ctr">
-          <a:solidFill>
-            <a:schemeClr val="accent1">
-              <a:hueOff val="0"/>
-              <a:satOff val="0"/>
-              <a:lumOff val="0"/>
-              <a:alphaOff val="0"/>
-            </a:schemeClr>
-          </a:solidFill>
-          <a:prstDash val="solid"/>
-        </a:ln>
-        <a:effectLst/>
-      </dsp:spPr>
-      <dsp:style>
-        <a:lnRef idx="1">
-          <a:scrgbClr r="0" g="0" b="0"/>
-        </a:lnRef>
-        <a:fillRef idx="3">
-          <a:scrgbClr r="0" g="0" b="0"/>
-        </a:fillRef>
-        <a:effectRef idx="2">
-          <a:scrgbClr r="0" g="0" b="0"/>
-        </a:effectRef>
-        <a:fontRef idx="minor">
-          <a:schemeClr val="lt1"/>
-        </a:fontRef>
-      </dsp:style>
-    </dsp:sp>
-    <dsp:sp modelId="{4115A148-7C9F-4251-95F8-2A051B52D5AC}">
-      <dsp:nvSpPr>
-        <dsp:cNvPr id="0" name=""/>
-        <dsp:cNvSpPr/>
-      </dsp:nvSpPr>
-      <dsp:spPr>
-        <a:xfrm>
-          <a:off x="0" y="1843439"/>
-          <a:ext cx="6267888" cy="920370"/>
-        </a:xfrm>
-        <a:prstGeom prst="rect">
-          <a:avLst/>
-        </a:prstGeom>
-        <a:noFill/>
-        <a:ln>
-          <a:noFill/>
-        </a:ln>
-        <a:effectLst/>
-      </dsp:spPr>
-      <dsp:style>
-        <a:lnRef idx="0">
-          <a:scrgbClr r="0" g="0" b="0"/>
-        </a:lnRef>
-        <a:fillRef idx="0">
-          <a:scrgbClr r="0" g="0" b="0"/>
-        </a:fillRef>
-        <a:effectRef idx="0">
-          <a:scrgbClr r="0" g="0" b="0"/>
-        </a:effectRef>
-        <a:fontRef idx="minor"/>
-      </dsp:style>
-      <dsp:txBody>
-        <a:bodyPr spcFirstLastPara="0" vert="horz" wrap="square" lIns="152400" tIns="152400" rIns="152400" bIns="152400" numCol="1" spcCol="1270" anchor="t" anchorCtr="0">
-          <a:noAutofit/>
-        </a:bodyPr>
-        <a:lstStyle/>
-        <a:p>
-          <a:pPr marL="0" lvl="0" indent="0" algn="l" defTabSz="1778000">
-            <a:lnSpc>
-              <a:spcPct val="90000"/>
-            </a:lnSpc>
-            <a:spcBef>
-              <a:spcPct val="0"/>
-            </a:spcBef>
-            <a:spcAft>
-              <a:spcPct val="35000"/>
-            </a:spcAft>
-            <a:buNone/>
-          </a:pPr>
-          <a:r>
-            <a:rPr lang="en-US" altLang="zh-CN" sz="4000" kern="1200" dirty="0"/>
-            <a:t>3</a:t>
-          </a:r>
-          <a:r>
-            <a:rPr lang="zh-CN" sz="4000" kern="1200" dirty="0"/>
-            <a:t>．</a:t>
-          </a:r>
-          <a:r>
-            <a:rPr lang="zh-CN" altLang="en-US" sz="4000" kern="1200" dirty="0"/>
-            <a:t>状态图</a:t>
-          </a:r>
-          <a:endParaRPr lang="en-US" sz="4000" kern="1200" dirty="0"/>
-        </a:p>
-      </dsp:txBody>
-      <dsp:txXfrm>
-        <a:off x="0" y="1843439"/>
-        <a:ext cx="6267888" cy="920370"/>
-      </dsp:txXfrm>
-    </dsp:sp>
-    <dsp:sp modelId="{1D5B3A02-00A6-473F-B5E2-9397402134CE}">
-      <dsp:nvSpPr>
-        <dsp:cNvPr id="0" name=""/>
-        <dsp:cNvSpPr/>
-      </dsp:nvSpPr>
-      <dsp:spPr>
-        <a:xfrm>
-          <a:off x="0" y="2763809"/>
-          <a:ext cx="6267888" cy="0"/>
-        </a:xfrm>
-        <a:prstGeom prst="line">
-          <a:avLst/>
-        </a:prstGeom>
-        <a:blipFill rotWithShape="0">
-          <a:blip xmlns:r="http://schemas.openxmlformats.org/officeDocument/2006/relationships" r:embed="rId1">
-            <a:duotone>
-              <a:schemeClr val="accent1">
-                <a:hueOff val="0"/>
-                <a:satOff val="0"/>
-                <a:lumOff val="0"/>
-                <a:alphaOff val="0"/>
-                <a:tint val="98000"/>
-                <a:lumMod val="102000"/>
-              </a:schemeClr>
-              <a:schemeClr val="accent1">
-                <a:hueOff val="0"/>
-                <a:satOff val="0"/>
-                <a:lumOff val="0"/>
-                <a:alphaOff val="0"/>
-                <a:shade val="98000"/>
-                <a:lumMod val="98000"/>
-              </a:schemeClr>
-            </a:duotone>
-          </a:blip>
-          <a:tile tx="0" ty="0" sx="100000" sy="100000" flip="none" algn="tl"/>
-        </a:blipFill>
-        <a:ln w="9525" cap="rnd" cmpd="sng" algn="ctr">
-          <a:solidFill>
-            <a:schemeClr val="accent1">
-              <a:hueOff val="0"/>
-              <a:satOff val="0"/>
-              <a:lumOff val="0"/>
-              <a:alphaOff val="0"/>
-            </a:schemeClr>
-          </a:solidFill>
-          <a:prstDash val="solid"/>
-        </a:ln>
-        <a:effectLst/>
-      </dsp:spPr>
-      <dsp:style>
-        <a:lnRef idx="1">
-          <a:scrgbClr r="0" g="0" b="0"/>
-        </a:lnRef>
-        <a:fillRef idx="3">
-          <a:scrgbClr r="0" g="0" b="0"/>
-        </a:fillRef>
-        <a:effectRef idx="2">
-          <a:scrgbClr r="0" g="0" b="0"/>
-        </a:effectRef>
-        <a:fontRef idx="minor">
-          <a:schemeClr val="lt1"/>
-        </a:fontRef>
-      </dsp:style>
-    </dsp:sp>
-    <dsp:sp modelId="{CF187C55-D274-4C80-A81A-7C74892EF144}">
-      <dsp:nvSpPr>
-        <dsp:cNvPr id="0" name=""/>
-        <dsp:cNvSpPr/>
-      </dsp:nvSpPr>
-      <dsp:spPr>
-        <a:xfrm>
-          <a:off x="0" y="2763810"/>
-          <a:ext cx="6267888" cy="920370"/>
-        </a:xfrm>
-        <a:prstGeom prst="rect">
-          <a:avLst/>
-        </a:prstGeom>
-        <a:noFill/>
-        <a:ln>
-          <a:noFill/>
-        </a:ln>
-        <a:effectLst/>
-      </dsp:spPr>
-      <dsp:style>
-        <a:lnRef idx="0">
-          <a:scrgbClr r="0" g="0" b="0"/>
-        </a:lnRef>
-        <a:fillRef idx="0">
-          <a:scrgbClr r="0" g="0" b="0"/>
-        </a:fillRef>
-        <a:effectRef idx="0">
-          <a:scrgbClr r="0" g="0" b="0"/>
-        </a:effectRef>
-        <a:fontRef idx="minor"/>
-      </dsp:style>
-      <dsp:txBody>
-        <a:bodyPr spcFirstLastPara="0" vert="horz" wrap="square" lIns="152400" tIns="152400" rIns="152400" bIns="152400" numCol="1" spcCol="1270" anchor="t" anchorCtr="0">
-          <a:noAutofit/>
-        </a:bodyPr>
-        <a:lstStyle/>
-        <a:p>
-          <a:pPr marL="0" lvl="0" indent="0" algn="l" defTabSz="1778000">
-            <a:lnSpc>
-              <a:spcPct val="90000"/>
-            </a:lnSpc>
-            <a:spcBef>
-              <a:spcPct val="0"/>
-            </a:spcBef>
-            <a:spcAft>
-              <a:spcPct val="35000"/>
-            </a:spcAft>
-            <a:buNone/>
-          </a:pPr>
-          <a:r>
-            <a:rPr lang="en-US" altLang="zh-CN" sz="4000" kern="1200" dirty="0"/>
-            <a:t>4</a:t>
-          </a:r>
-          <a:r>
-            <a:rPr lang="zh-CN" sz="4000" kern="1200" dirty="0"/>
-            <a:t>．</a:t>
-          </a:r>
-          <a:r>
-            <a:rPr lang="zh-CN" altLang="en-US" sz="4000" kern="1200" dirty="0"/>
-            <a:t>顺序图</a:t>
-          </a:r>
-          <a:endParaRPr lang="en-US" sz="4000" kern="1200" dirty="0"/>
-        </a:p>
-      </dsp:txBody>
-      <dsp:txXfrm>
-        <a:off x="0" y="2763810"/>
-        <a:ext cx="6267888" cy="920370"/>
-      </dsp:txXfrm>
-    </dsp:sp>
-    <dsp:sp modelId="{165A2E05-853A-4796-A4F7-9A222BA428E6}">
-      <dsp:nvSpPr>
-        <dsp:cNvPr id="0" name=""/>
-        <dsp:cNvSpPr/>
-      </dsp:nvSpPr>
-      <dsp:spPr>
-        <a:xfrm>
-          <a:off x="0" y="3684180"/>
-          <a:ext cx="6267888" cy="0"/>
-        </a:xfrm>
-        <a:prstGeom prst="line">
-          <a:avLst/>
-        </a:prstGeom>
-        <a:blipFill rotWithShape="0">
-          <a:blip xmlns:r="http://schemas.openxmlformats.org/officeDocument/2006/relationships" r:embed="rId1">
-            <a:duotone>
-              <a:schemeClr val="accent1">
-                <a:hueOff val="0"/>
-                <a:satOff val="0"/>
-                <a:lumOff val="0"/>
-                <a:alphaOff val="0"/>
-                <a:tint val="98000"/>
-                <a:lumMod val="102000"/>
-              </a:schemeClr>
-              <a:schemeClr val="accent1">
-                <a:hueOff val="0"/>
-                <a:satOff val="0"/>
-                <a:lumOff val="0"/>
-                <a:alphaOff val="0"/>
-                <a:shade val="98000"/>
-                <a:lumMod val="98000"/>
-              </a:schemeClr>
-            </a:duotone>
-          </a:blip>
-          <a:tile tx="0" ty="0" sx="100000" sy="100000" flip="none" algn="tl"/>
-        </a:blipFill>
-        <a:ln w="9525" cap="rnd" cmpd="sng" algn="ctr">
-          <a:solidFill>
-            <a:schemeClr val="accent1">
-              <a:hueOff val="0"/>
-              <a:satOff val="0"/>
-              <a:lumOff val="0"/>
-              <a:alphaOff val="0"/>
-            </a:schemeClr>
-          </a:solidFill>
-          <a:prstDash val="solid"/>
-        </a:ln>
-        <a:effectLst/>
-      </dsp:spPr>
-      <dsp:style>
-        <a:lnRef idx="1">
-          <a:scrgbClr r="0" g="0" b="0"/>
-        </a:lnRef>
-        <a:fillRef idx="3">
-          <a:scrgbClr r="0" g="0" b="0"/>
-        </a:fillRef>
-        <a:effectRef idx="2">
-          <a:scrgbClr r="0" g="0" b="0"/>
-        </a:effectRef>
-        <a:fontRef idx="minor">
-          <a:schemeClr val="lt1"/>
-        </a:fontRef>
-      </dsp:style>
-    </dsp:sp>
-    <dsp:sp modelId="{6D455BFA-CC98-472A-BB95-E26F8322A529}">
-      <dsp:nvSpPr>
-        <dsp:cNvPr id="0" name=""/>
-        <dsp:cNvSpPr/>
-      </dsp:nvSpPr>
-      <dsp:spPr>
-        <a:xfrm>
-          <a:off x="0" y="3684180"/>
-          <a:ext cx="6267888" cy="920370"/>
-        </a:xfrm>
-        <a:prstGeom prst="rect">
-          <a:avLst/>
-        </a:prstGeom>
-        <a:noFill/>
-        <a:ln>
-          <a:noFill/>
-        </a:ln>
-        <a:effectLst/>
-      </dsp:spPr>
-      <dsp:style>
-        <a:lnRef idx="0">
-          <a:scrgbClr r="0" g="0" b="0"/>
-        </a:lnRef>
-        <a:fillRef idx="0">
-          <a:scrgbClr r="0" g="0" b="0"/>
-        </a:fillRef>
-        <a:effectRef idx="0">
-          <a:scrgbClr r="0" g="0" b="0"/>
-        </a:effectRef>
-        <a:fontRef idx="minor"/>
-      </dsp:style>
-      <dsp:txBody>
-        <a:bodyPr spcFirstLastPara="0" vert="horz" wrap="square" lIns="152400" tIns="152400" rIns="152400" bIns="152400" numCol="1" spcCol="1270" anchor="t" anchorCtr="0">
-          <a:noAutofit/>
-        </a:bodyPr>
-        <a:lstStyle/>
-        <a:p>
-          <a:pPr marL="0" lvl="0" indent="0" algn="l" defTabSz="1778000">
-            <a:lnSpc>
-              <a:spcPct val="90000"/>
-            </a:lnSpc>
-            <a:spcBef>
-              <a:spcPct val="0"/>
-            </a:spcBef>
-            <a:spcAft>
-              <a:spcPct val="35000"/>
-            </a:spcAft>
-            <a:buNone/>
-          </a:pPr>
-          <a:r>
-            <a:rPr lang="en-US" altLang="zh-CN" sz="4000" kern="1200" dirty="0"/>
-            <a:t>5</a:t>
-          </a:r>
-          <a:r>
-            <a:rPr lang="zh-CN" sz="4000" kern="1200" dirty="0"/>
-            <a:t>．</a:t>
-          </a:r>
-          <a:r>
-            <a:rPr lang="zh-CN" altLang="en-US" sz="4000" kern="1200" dirty="0"/>
-            <a:t>协作图</a:t>
-          </a:r>
-          <a:endParaRPr lang="en-US" sz="4000" kern="1200" dirty="0"/>
-        </a:p>
-      </dsp:txBody>
-      <dsp:txXfrm>
-        <a:off x="0" y="3684180"/>
-        <a:ext cx="6267888" cy="920370"/>
-      </dsp:txXfrm>
-    </dsp:sp>
-    <dsp:sp modelId="{7614DB1E-CC9D-4EDF-AD13-F408C753FE43}">
-      <dsp:nvSpPr>
-        <dsp:cNvPr id="0" name=""/>
-        <dsp:cNvSpPr/>
-      </dsp:nvSpPr>
-      <dsp:spPr>
-        <a:xfrm>
-          <a:off x="0" y="4604550"/>
-          <a:ext cx="6267888" cy="0"/>
-        </a:xfrm>
-        <a:prstGeom prst="line">
-          <a:avLst/>
-        </a:prstGeom>
-        <a:blipFill rotWithShape="0">
-          <a:blip xmlns:r="http://schemas.openxmlformats.org/officeDocument/2006/relationships" r:embed="rId1">
-            <a:duotone>
-              <a:schemeClr val="accent1">
-                <a:hueOff val="0"/>
-                <a:satOff val="0"/>
-                <a:lumOff val="0"/>
-                <a:alphaOff val="0"/>
-                <a:tint val="98000"/>
-                <a:lumMod val="102000"/>
-              </a:schemeClr>
-              <a:schemeClr val="accent1">
-                <a:hueOff val="0"/>
-                <a:satOff val="0"/>
-                <a:lumOff val="0"/>
-                <a:alphaOff val="0"/>
-                <a:shade val="98000"/>
-                <a:lumMod val="98000"/>
-              </a:schemeClr>
-            </a:duotone>
-          </a:blip>
-          <a:tile tx="0" ty="0" sx="100000" sy="100000" flip="none" algn="tl"/>
-        </a:blipFill>
-        <a:ln w="9525" cap="rnd" cmpd="sng" algn="ctr">
-          <a:solidFill>
-            <a:schemeClr val="accent1">
-              <a:hueOff val="0"/>
-              <a:satOff val="0"/>
-              <a:lumOff val="0"/>
-              <a:alphaOff val="0"/>
-            </a:schemeClr>
-          </a:solidFill>
-          <a:prstDash val="solid"/>
-        </a:ln>
-        <a:effectLst/>
-      </dsp:spPr>
-      <dsp:style>
-        <a:lnRef idx="1">
-          <a:scrgbClr r="0" g="0" b="0"/>
-        </a:lnRef>
-        <a:fillRef idx="3">
-          <a:scrgbClr r="0" g="0" b="0"/>
-        </a:fillRef>
-        <a:effectRef idx="2">
-          <a:scrgbClr r="0" g="0" b="0"/>
-        </a:effectRef>
-        <a:fontRef idx="minor">
-          <a:schemeClr val="lt1"/>
-        </a:fontRef>
-      </dsp:style>
-    </dsp:sp>
-    <dsp:sp modelId="{733AD6BA-9EF6-487F-AE39-A6AB87079B67}">
-      <dsp:nvSpPr>
-        <dsp:cNvPr id="0" name=""/>
-        <dsp:cNvSpPr/>
-      </dsp:nvSpPr>
-      <dsp:spPr>
-        <a:xfrm>
-          <a:off x="0" y="4604550"/>
-          <a:ext cx="6267888" cy="920370"/>
-        </a:xfrm>
-        <a:prstGeom prst="rect">
-          <a:avLst/>
-        </a:prstGeom>
-        <a:noFill/>
-        <a:ln>
-          <a:noFill/>
-        </a:ln>
-        <a:effectLst/>
-      </dsp:spPr>
-      <dsp:style>
-        <a:lnRef idx="0">
-          <a:scrgbClr r="0" g="0" b="0"/>
-        </a:lnRef>
-        <a:fillRef idx="0">
-          <a:scrgbClr r="0" g="0" b="0"/>
-        </a:fillRef>
-        <a:effectRef idx="0">
-          <a:scrgbClr r="0" g="0" b="0"/>
-        </a:effectRef>
-        <a:fontRef idx="minor"/>
-      </dsp:style>
-      <dsp:txBody>
-        <a:bodyPr spcFirstLastPara="0" vert="horz" wrap="square" lIns="152400" tIns="152400" rIns="152400" bIns="152400" numCol="1" spcCol="1270" anchor="t" anchorCtr="0">
-          <a:noAutofit/>
-        </a:bodyPr>
-        <a:lstStyle/>
-        <a:p>
-          <a:pPr marL="0" lvl="0" indent="0" algn="l" defTabSz="1778000">
-            <a:lnSpc>
-              <a:spcPct val="90000"/>
-            </a:lnSpc>
-            <a:spcBef>
-              <a:spcPct val="0"/>
-            </a:spcBef>
-            <a:spcAft>
-              <a:spcPct val="35000"/>
-            </a:spcAft>
-            <a:buNone/>
-          </a:pPr>
-          <a:r>
-            <a:rPr lang="en-US" altLang="zh-CN" sz="4000" kern="1200" dirty="0"/>
-            <a:t>6</a:t>
-          </a:r>
-          <a:r>
-            <a:rPr lang="zh-CN" sz="4000" kern="1200" dirty="0"/>
-            <a:t>．</a:t>
-          </a:r>
-          <a:r>
-            <a:rPr lang="zh-CN" altLang="en-US" sz="4000" kern="1200" dirty="0"/>
-            <a:t>部署图</a:t>
-          </a:r>
-          <a:endParaRPr lang="en-US" sz="4000" kern="1200" dirty="0"/>
-        </a:p>
-      </dsp:txBody>
-      <dsp:txXfrm>
-        <a:off x="0" y="4604550"/>
-        <a:ext cx="6267888" cy="920370"/>
-      </dsp:txXfrm>
-    </dsp:sp>
   </dsp:spTree>
 </dsp:drawing>
 </file>
@@ -4096,7 +3347,7 @@
           <a:effectLst/>
           <a:extLst>
             <a:ext uri="{91240B29-F687-4f45-9708-019B960494DF}">
-              <a14:hiddenLine xmlns:a14="http://schemas.microsoft.com/office/drawing/2010/main" xmlns="" w="9525">
+              <a14:hiddenLine xmlns="" xmlns:a14="http://schemas.microsoft.com/office/drawing/2010/main" w="9525">
                 <a:solidFill>
                   <a:srgbClr val="000000"/>
                 </a:solidFill>
@@ -5606,7 +4857,7 @@
           <a:ln/>
           <a:extLst>
             <a:ext uri="{91240B29-F687-4f45-9708-019B960494DF}">
-              <a14:hiddenLine xmlns:a14="http://schemas.microsoft.com/office/drawing/2010/main" xmlns="" w="9525">
+              <a14:hiddenLine xmlns="" xmlns:a14="http://schemas.microsoft.com/office/drawing/2010/main" w="9525">
                 <a:solidFill>
                   <a:srgbClr val="000000"/>
                 </a:solidFill>
@@ -5878,7 +5129,7 @@
           <a:ln/>
           <a:extLst>
             <a:ext uri="{91240B29-F687-4f45-9708-019B960494DF}">
-              <a14:hiddenLine xmlns:a14="http://schemas.microsoft.com/office/drawing/2010/main" xmlns="" w="9525">
+              <a14:hiddenLine xmlns="" xmlns:a14="http://schemas.microsoft.com/office/drawing/2010/main" w="9525">
                 <a:solidFill>
                   <a:srgbClr val="000000"/>
                 </a:solidFill>
@@ -6158,7 +5409,7 @@
           <a:ln/>
           <a:extLst>
             <a:ext uri="{91240B29-F687-4f45-9708-019B960494DF}">
-              <a14:hiddenLine xmlns:a14="http://schemas.microsoft.com/office/drawing/2010/main" xmlns="" w="9525">
+              <a14:hiddenLine xmlns="" xmlns:a14="http://schemas.microsoft.com/office/drawing/2010/main" w="9525">
                 <a:solidFill>
                   <a:srgbClr val="000000"/>
                 </a:solidFill>
@@ -6778,7 +6029,7 @@
           <a:ln/>
           <a:extLst>
             <a:ext uri="{91240B29-F687-4f45-9708-019B960494DF}">
-              <a14:hiddenLine xmlns:a14="http://schemas.microsoft.com/office/drawing/2010/main" xmlns="" w="9525">
+              <a14:hiddenLine xmlns="" xmlns:a14="http://schemas.microsoft.com/office/drawing/2010/main" w="9525">
                 <a:solidFill>
                   <a:srgbClr val="000000"/>
                 </a:solidFill>
@@ -7114,7 +6365,7 @@
           <a:ln/>
           <a:extLst>
             <a:ext uri="{91240B29-F687-4f45-9708-019B960494DF}">
-              <a14:hiddenLine xmlns:a14="http://schemas.microsoft.com/office/drawing/2010/main" xmlns="" w="9525">
+              <a14:hiddenLine xmlns="" xmlns:a14="http://schemas.microsoft.com/office/drawing/2010/main" w="9525">
                 <a:solidFill>
                   <a:srgbClr val="000000"/>
                 </a:solidFill>
@@ -7588,7 +6839,7 @@
           <a:ln/>
           <a:extLst>
             <a:ext uri="{91240B29-F687-4f45-9708-019B960494DF}">
-              <a14:hiddenLine xmlns:a14="http://schemas.microsoft.com/office/drawing/2010/main" xmlns="" w="9525">
+              <a14:hiddenLine xmlns="" xmlns:a14="http://schemas.microsoft.com/office/drawing/2010/main" w="9525">
                 <a:solidFill>
                   <a:srgbClr val="000000"/>
                 </a:solidFill>
@@ -8011,7 +7262,7 @@
           <a:ln/>
           <a:extLst>
             <a:ext uri="{91240B29-F687-4f45-9708-019B960494DF}">
-              <a14:hiddenLine xmlns:a14="http://schemas.microsoft.com/office/drawing/2010/main" xmlns="" w="9525">
+              <a14:hiddenLine xmlns="" xmlns:a14="http://schemas.microsoft.com/office/drawing/2010/main" w="9525">
                 <a:solidFill>
                   <a:srgbClr val="000000"/>
                 </a:solidFill>
@@ -9239,7 +8490,7 @@
           <p:cNvPr id="2" name="标题 1">
             <a:extLst>
               <a:ext uri="{FF2B5EF4-FFF2-40B4-BE49-F238E27FC236}">
-                <a16:creationId xmlns:a16="http://schemas.microsoft.com/office/drawing/2014/main" id="{517CBC26-BCC2-4455-AAF6-E0DADAD90334}"/>
+                <a16:creationId xmlns:a16="http://schemas.microsoft.com/office/drawing/2014/main" xmlns="" id="{517CBC26-BCC2-4455-AAF6-E0DADAD90334}"/>
               </a:ext>
             </a:extLst>
           </p:cNvPr>
@@ -9290,7 +8541,7 @@
           <p:cNvPr id="3" name="副标题 2">
             <a:extLst>
               <a:ext uri="{FF2B5EF4-FFF2-40B4-BE49-F238E27FC236}">
-                <a16:creationId xmlns:a16="http://schemas.microsoft.com/office/drawing/2014/main" id="{F79290E5-D6EA-4C55-91E4-864E78CD1D53}"/>
+                <a16:creationId xmlns:a16="http://schemas.microsoft.com/office/drawing/2014/main" xmlns="" id="{F79290E5-D6EA-4C55-91E4-864E78CD1D53}"/>
               </a:ext>
             </a:extLst>
           </p:cNvPr>
@@ -9489,7 +8740,7 @@
           <p:cNvPr id="2" name="标题 1">
             <a:extLst>
               <a:ext uri="{FF2B5EF4-FFF2-40B4-BE49-F238E27FC236}">
-                <a16:creationId xmlns:a16="http://schemas.microsoft.com/office/drawing/2014/main" id="{7CAD41F4-5EA9-4288-9F6B-AC877256EC40}"/>
+                <a16:creationId xmlns:a16="http://schemas.microsoft.com/office/drawing/2014/main" xmlns="" id="{7CAD41F4-5EA9-4288-9F6B-AC877256EC40}"/>
               </a:ext>
             </a:extLst>
           </p:cNvPr>
@@ -9512,8 +8763,21 @@
           <a:p>
             <a:r>
               <a:rPr lang="zh-CN" altLang="en-US" sz="4400" dirty="0"/>
-              <a:t>类图</a:t>
-            </a:r>
+              <a:t>类</a:t>
+            </a:r>
+            <a:r>
+              <a:rPr lang="zh-CN" altLang="en-US" sz="4400" dirty="0"/>
+              <a:t>图（</a:t>
+            </a:r>
+            <a:r>
+              <a:rPr lang="en-US" altLang="zh-CN" sz="4400" dirty="0"/>
+              <a:t>Class Diagram</a:t>
+            </a:r>
+            <a:r>
+              <a:rPr lang="zh-CN" altLang="en-US" sz="4400" dirty="0"/>
+              <a:t>）</a:t>
+            </a:r>
+            <a:endParaRPr lang="zh-CN" altLang="en-US" sz="4400" dirty="0"/>
           </a:p>
         </p:txBody>
       </p:sp>
@@ -9522,7 +8786,7 @@
           <p:cNvPr id="3" name="矩形 2">
             <a:extLst>
               <a:ext uri="{FF2B5EF4-FFF2-40B4-BE49-F238E27FC236}">
-                <a16:creationId xmlns:a16="http://schemas.microsoft.com/office/drawing/2014/main" id="{577AADDD-496B-4A3B-B466-7873290EC238}"/>
+                <a16:creationId xmlns:a16="http://schemas.microsoft.com/office/drawing/2014/main" xmlns="" id="{577AADDD-496B-4A3B-B466-7873290EC238}"/>
               </a:ext>
             </a:extLst>
           </p:cNvPr>
@@ -9568,7 +8832,7 @@
           <p:cNvPr id="4" name="矩形 3">
             <a:extLst>
               <a:ext uri="{FF2B5EF4-FFF2-40B4-BE49-F238E27FC236}">
-                <a16:creationId xmlns:a16="http://schemas.microsoft.com/office/drawing/2014/main" id="{5BBF53CE-590B-4A01-8AA6-93DAB9AD1B67}"/>
+                <a16:creationId xmlns:a16="http://schemas.microsoft.com/office/drawing/2014/main" xmlns="" id="{5BBF53CE-590B-4A01-8AA6-93DAB9AD1B67}"/>
               </a:ext>
             </a:extLst>
           </p:cNvPr>
@@ -9614,7 +8878,7 @@
           <p:cNvPr id="5" name="矩形 4">
             <a:extLst>
               <a:ext uri="{FF2B5EF4-FFF2-40B4-BE49-F238E27FC236}">
-                <a16:creationId xmlns:a16="http://schemas.microsoft.com/office/drawing/2014/main" id="{F499F232-0FB0-4416-A5E2-15F2BF7D81B3}"/>
+                <a16:creationId xmlns:a16="http://schemas.microsoft.com/office/drawing/2014/main" xmlns="" id="{F499F232-0FB0-4416-A5E2-15F2BF7D81B3}"/>
               </a:ext>
             </a:extLst>
           </p:cNvPr>
@@ -9660,7 +8924,7 @@
           <p:cNvPr id="7" name="图片 6">
             <a:extLst>
               <a:ext uri="{FF2B5EF4-FFF2-40B4-BE49-F238E27FC236}">
-                <a16:creationId xmlns:a16="http://schemas.microsoft.com/office/drawing/2014/main" id="{7DEBCEA1-1A70-4736-AFA8-3F3E9F6BC350}"/>
+                <a16:creationId xmlns:a16="http://schemas.microsoft.com/office/drawing/2014/main" xmlns="" id="{7DEBCEA1-1A70-4736-AFA8-3F3E9F6BC350}"/>
               </a:ext>
             </a:extLst>
           </p:cNvPr>
@@ -9690,7 +8954,7 @@
           <p:cNvPr id="8" name="矩形 7">
             <a:extLst>
               <a:ext uri="{FF2B5EF4-FFF2-40B4-BE49-F238E27FC236}">
-                <a16:creationId xmlns:a16="http://schemas.microsoft.com/office/drawing/2014/main" id="{5BBF53CE-590B-4A01-8AA6-93DAB9AD1B67}"/>
+                <a16:creationId xmlns:a16="http://schemas.microsoft.com/office/drawing/2014/main" xmlns="" id="{5BBF53CE-590B-4A01-8AA6-93DAB9AD1B67}"/>
               </a:ext>
             </a:extLst>
           </p:cNvPr>
@@ -9724,7 +8988,7 @@
           <p:cNvPr id="9" name="矩形 8">
             <a:extLst>
               <a:ext uri="{FF2B5EF4-FFF2-40B4-BE49-F238E27FC236}">
-                <a16:creationId xmlns:a16="http://schemas.microsoft.com/office/drawing/2014/main" id="{5BBF53CE-590B-4A01-8AA6-93DAB9AD1B67}"/>
+                <a16:creationId xmlns:a16="http://schemas.microsoft.com/office/drawing/2014/main" xmlns="" id="{5BBF53CE-590B-4A01-8AA6-93DAB9AD1B67}"/>
               </a:ext>
             </a:extLst>
           </p:cNvPr>
@@ -9758,7 +9022,7 @@
           <p:cNvPr id="10" name="矩形 9">
             <a:extLst>
               <a:ext uri="{FF2B5EF4-FFF2-40B4-BE49-F238E27FC236}">
-                <a16:creationId xmlns:a16="http://schemas.microsoft.com/office/drawing/2014/main" id="{5BBF53CE-590B-4A01-8AA6-93DAB9AD1B67}"/>
+                <a16:creationId xmlns:a16="http://schemas.microsoft.com/office/drawing/2014/main" xmlns="" id="{5BBF53CE-590B-4A01-8AA6-93DAB9AD1B67}"/>
               </a:ext>
             </a:extLst>
           </p:cNvPr>
@@ -9822,7 +9086,7 @@
           <p:cNvPr id="2" name="标题 1">
             <a:extLst>
               <a:ext uri="{FF2B5EF4-FFF2-40B4-BE49-F238E27FC236}">
-                <a16:creationId xmlns:a16="http://schemas.microsoft.com/office/drawing/2014/main" id="{C21D556F-68A6-44D3-BCB0-25E249FFA273}"/>
+                <a16:creationId xmlns:a16="http://schemas.microsoft.com/office/drawing/2014/main" xmlns="" id="{C21D556F-68A6-44D3-BCB0-25E249FFA273}"/>
               </a:ext>
             </a:extLst>
           </p:cNvPr>
@@ -9858,7 +9122,7 @@
           <p:cNvPr id="4" name="内容占位符 3">
             <a:extLst>
               <a:ext uri="{FF2B5EF4-FFF2-40B4-BE49-F238E27FC236}">
-                <a16:creationId xmlns:a16="http://schemas.microsoft.com/office/drawing/2014/main" id="{B320343D-EDD2-4983-A012-61D1A140A74C}"/>
+                <a16:creationId xmlns:a16="http://schemas.microsoft.com/office/drawing/2014/main" xmlns="" id="{B320343D-EDD2-4983-A012-61D1A140A74C}"/>
               </a:ext>
             </a:extLst>
           </p:cNvPr>
@@ -9890,7 +9154,7 @@
           <p:cNvPr id="5" name="矩形 4">
             <a:extLst>
               <a:ext uri="{FF2B5EF4-FFF2-40B4-BE49-F238E27FC236}">
-                <a16:creationId xmlns:a16="http://schemas.microsoft.com/office/drawing/2014/main" id="{0B7DE453-E1D4-459C-8160-D78BDD504031}"/>
+                <a16:creationId xmlns:a16="http://schemas.microsoft.com/office/drawing/2014/main" xmlns="" id="{0B7DE453-E1D4-459C-8160-D78BDD504031}"/>
               </a:ext>
             </a:extLst>
           </p:cNvPr>
@@ -10016,7 +9280,7 @@
           <p:cNvPr id="2" name="标题 1">
             <a:extLst>
               <a:ext uri="{FF2B5EF4-FFF2-40B4-BE49-F238E27FC236}">
-                <a16:creationId xmlns:a16="http://schemas.microsoft.com/office/drawing/2014/main" id="{BECC4467-A81B-4C71-84BD-247D14A72600}"/>
+                <a16:creationId xmlns:a16="http://schemas.microsoft.com/office/drawing/2014/main" xmlns="" id="{BECC4467-A81B-4C71-84BD-247D14A72600}"/>
               </a:ext>
             </a:extLst>
           </p:cNvPr>
@@ -10052,7 +9316,7 @@
           <p:cNvPr id="3" name="内容占位符 2">
             <a:extLst>
               <a:ext uri="{FF2B5EF4-FFF2-40B4-BE49-F238E27FC236}">
-                <a16:creationId xmlns:a16="http://schemas.microsoft.com/office/drawing/2014/main" id="{133D2DFE-C8A1-4EA4-BA1A-11F6F3910F7A}"/>
+                <a16:creationId xmlns:a16="http://schemas.microsoft.com/office/drawing/2014/main" xmlns="" id="{133D2DFE-C8A1-4EA4-BA1A-11F6F3910F7A}"/>
               </a:ext>
             </a:extLst>
           </p:cNvPr>
@@ -10171,7 +9435,7 @@
           <p:cNvPr id="4" name="图片 3">
             <a:extLst>
               <a:ext uri="{FF2B5EF4-FFF2-40B4-BE49-F238E27FC236}">
-                <a16:creationId xmlns:a16="http://schemas.microsoft.com/office/drawing/2014/main" id="{C27A22FA-A40C-4D08-8839-25B5BFCE9611}"/>
+                <a16:creationId xmlns:a16="http://schemas.microsoft.com/office/drawing/2014/main" xmlns="" id="{C27A22FA-A40C-4D08-8839-25B5BFCE9611}"/>
               </a:ext>
             </a:extLst>
           </p:cNvPr>
@@ -10201,7 +9465,7 @@
           <p:cNvPr id="5" name="文本框 4">
             <a:extLst>
               <a:ext uri="{FF2B5EF4-FFF2-40B4-BE49-F238E27FC236}">
-                <a16:creationId xmlns:a16="http://schemas.microsoft.com/office/drawing/2014/main" id="{FF7B392F-483C-4B08-B80A-C8ED30428EC5}"/>
+                <a16:creationId xmlns:a16="http://schemas.microsoft.com/office/drawing/2014/main" xmlns="" id="{FF7B392F-483C-4B08-B80A-C8ED30428EC5}"/>
               </a:ext>
             </a:extLst>
           </p:cNvPr>
@@ -10267,7 +9531,7 @@
           <p:cNvPr id="2" name="标题 1">
             <a:extLst>
               <a:ext uri="{FF2B5EF4-FFF2-40B4-BE49-F238E27FC236}">
-                <a16:creationId xmlns:a16="http://schemas.microsoft.com/office/drawing/2014/main" id="{78DE7F43-FBBE-4D63-ABA3-A6EA6F7D4D80}"/>
+                <a16:creationId xmlns:a16="http://schemas.microsoft.com/office/drawing/2014/main" xmlns="" id="{78DE7F43-FBBE-4D63-ABA3-A6EA6F7D4D80}"/>
               </a:ext>
             </a:extLst>
           </p:cNvPr>
@@ -10303,7 +9567,7 @@
           <p:cNvPr id="3" name="内容占位符 2">
             <a:extLst>
               <a:ext uri="{FF2B5EF4-FFF2-40B4-BE49-F238E27FC236}">
-                <a16:creationId xmlns:a16="http://schemas.microsoft.com/office/drawing/2014/main" id="{EA2B2B79-066B-48A7-9468-276F38289E56}"/>
+                <a16:creationId xmlns:a16="http://schemas.microsoft.com/office/drawing/2014/main" xmlns="" id="{EA2B2B79-066B-48A7-9468-276F38289E56}"/>
               </a:ext>
             </a:extLst>
           </p:cNvPr>
@@ -10422,7 +9686,7 @@
           <p:cNvPr id="4" name="图片 3">
             <a:extLst>
               <a:ext uri="{FF2B5EF4-FFF2-40B4-BE49-F238E27FC236}">
-                <a16:creationId xmlns:a16="http://schemas.microsoft.com/office/drawing/2014/main" id="{76E3A2C4-C86F-4D27-964A-EB18859BB5AC}"/>
+                <a16:creationId xmlns:a16="http://schemas.microsoft.com/office/drawing/2014/main" xmlns="" id="{76E3A2C4-C86F-4D27-964A-EB18859BB5AC}"/>
               </a:ext>
             </a:extLst>
           </p:cNvPr>
@@ -10452,7 +9716,7 @@
           <p:cNvPr id="5" name="矩形 4">
             <a:extLst>
               <a:ext uri="{FF2B5EF4-FFF2-40B4-BE49-F238E27FC236}">
-                <a16:creationId xmlns:a16="http://schemas.microsoft.com/office/drawing/2014/main" id="{9525FD3F-AD15-4F36-83CF-4CFA5C7185E4}"/>
+                <a16:creationId xmlns:a16="http://schemas.microsoft.com/office/drawing/2014/main" xmlns="" id="{9525FD3F-AD15-4F36-83CF-4CFA5C7185E4}"/>
               </a:ext>
             </a:extLst>
           </p:cNvPr>
@@ -10517,7 +9781,7 @@
           <p:cNvPr id="2" name="标题 1">
             <a:extLst>
               <a:ext uri="{FF2B5EF4-FFF2-40B4-BE49-F238E27FC236}">
-                <a16:creationId xmlns:a16="http://schemas.microsoft.com/office/drawing/2014/main" id="{194AF651-DB2E-49BF-9CE4-5E2B99D7769D}"/>
+                <a16:creationId xmlns:a16="http://schemas.microsoft.com/office/drawing/2014/main" xmlns="" id="{194AF651-DB2E-49BF-9CE4-5E2B99D7769D}"/>
               </a:ext>
             </a:extLst>
           </p:cNvPr>
@@ -10553,7 +9817,7 @@
           <p:cNvPr id="3" name="内容占位符 2">
             <a:extLst>
               <a:ext uri="{FF2B5EF4-FFF2-40B4-BE49-F238E27FC236}">
-                <a16:creationId xmlns:a16="http://schemas.microsoft.com/office/drawing/2014/main" id="{EDA20134-99AD-403F-9B23-D204EE798CE8}"/>
+                <a16:creationId xmlns:a16="http://schemas.microsoft.com/office/drawing/2014/main" xmlns="" id="{EDA20134-99AD-403F-9B23-D204EE798CE8}"/>
               </a:ext>
             </a:extLst>
           </p:cNvPr>
@@ -10654,7 +9918,7 @@
           <p:cNvPr id="4" name="图片 3">
             <a:extLst>
               <a:ext uri="{FF2B5EF4-FFF2-40B4-BE49-F238E27FC236}">
-                <a16:creationId xmlns:a16="http://schemas.microsoft.com/office/drawing/2014/main" id="{36E66013-7941-48A6-B98C-AEC9AC95F14F}"/>
+                <a16:creationId xmlns:a16="http://schemas.microsoft.com/office/drawing/2014/main" xmlns="" id="{36E66013-7941-48A6-B98C-AEC9AC95F14F}"/>
               </a:ext>
             </a:extLst>
           </p:cNvPr>
@@ -10714,7 +9978,7 @@
           <p:cNvPr id="2" name="标题 1">
             <a:extLst>
               <a:ext uri="{FF2B5EF4-FFF2-40B4-BE49-F238E27FC236}">
-                <a16:creationId xmlns:a16="http://schemas.microsoft.com/office/drawing/2014/main" id="{A2A17F2D-659F-4FAF-90EC-5931F7522BEA}"/>
+                <a16:creationId xmlns:a16="http://schemas.microsoft.com/office/drawing/2014/main" xmlns="" id="{A2A17F2D-659F-4FAF-90EC-5931F7522BEA}"/>
               </a:ext>
             </a:extLst>
           </p:cNvPr>
@@ -10750,7 +10014,7 @@
           <p:cNvPr id="3" name="内容占位符 2">
             <a:extLst>
               <a:ext uri="{FF2B5EF4-FFF2-40B4-BE49-F238E27FC236}">
-                <a16:creationId xmlns:a16="http://schemas.microsoft.com/office/drawing/2014/main" id="{A78725AA-A7EB-4423-A01E-D7004E93EA22}"/>
+                <a16:creationId xmlns:a16="http://schemas.microsoft.com/office/drawing/2014/main" xmlns="" id="{A78725AA-A7EB-4423-A01E-D7004E93EA22}"/>
               </a:ext>
             </a:extLst>
           </p:cNvPr>
@@ -10851,7 +10115,7 @@
           <p:cNvPr id="4" name="图片 3">
             <a:extLst>
               <a:ext uri="{FF2B5EF4-FFF2-40B4-BE49-F238E27FC236}">
-                <a16:creationId xmlns:a16="http://schemas.microsoft.com/office/drawing/2014/main" id="{60688CA4-D314-4339-89C5-0E57C5E999AC}"/>
+                <a16:creationId xmlns:a16="http://schemas.microsoft.com/office/drawing/2014/main" xmlns="" id="{60688CA4-D314-4339-89C5-0E57C5E999AC}"/>
               </a:ext>
             </a:extLst>
           </p:cNvPr>
@@ -10911,7 +10175,7 @@
           <p:cNvPr id="2" name="标题 1">
             <a:extLst>
               <a:ext uri="{FF2B5EF4-FFF2-40B4-BE49-F238E27FC236}">
-                <a16:creationId xmlns:a16="http://schemas.microsoft.com/office/drawing/2014/main" id="{E305A5B7-B117-495F-844B-FA21B19C0E19}"/>
+                <a16:creationId xmlns:a16="http://schemas.microsoft.com/office/drawing/2014/main" xmlns="" id="{E305A5B7-B117-495F-844B-FA21B19C0E19}"/>
               </a:ext>
             </a:extLst>
           </p:cNvPr>
@@ -10928,9 +10192,22 @@
           <a:lstStyle/>
           <a:p>
             <a:r>
-              <a:rPr lang="zh-CN" altLang="en-US" sz="4400" dirty="0"/>
+              <a:rPr lang="zh-CN" altLang="en-US" sz="4400" dirty="0" smtClean="0"/>
               <a:t>状态图</a:t>
             </a:r>
+            <a:r>
+              <a:rPr lang="en-US" altLang="zh-CN" sz="4400" dirty="0"/>
+              <a:t>(</a:t>
+            </a:r>
+            <a:r>
+              <a:rPr lang="en-US" altLang="zh-CN" sz="4400" dirty="0" err="1"/>
+              <a:t>Statechart</a:t>
+            </a:r>
+            <a:r>
+              <a:rPr lang="en-US" altLang="zh-CN" sz="4400" dirty="0"/>
+              <a:t> Diagram)</a:t>
+            </a:r>
+            <a:endParaRPr lang="zh-CN" altLang="en-US" sz="4400" dirty="0"/>
           </a:p>
         </p:txBody>
       </p:sp>
@@ -10939,7 +10216,7 @@
           <p:cNvPr id="3" name="内容占位符 2">
             <a:extLst>
               <a:ext uri="{FF2B5EF4-FFF2-40B4-BE49-F238E27FC236}">
-                <a16:creationId xmlns:a16="http://schemas.microsoft.com/office/drawing/2014/main" id="{B01F8323-CDBD-4233-B877-573F344C43AB}"/>
+                <a16:creationId xmlns:a16="http://schemas.microsoft.com/office/drawing/2014/main" xmlns="" id="{B01F8323-CDBD-4233-B877-573F344C43AB}"/>
               </a:ext>
             </a:extLst>
           </p:cNvPr>
@@ -11056,7 +10333,7 @@
           <p:cNvPr id="4" name="图片 3">
             <a:extLst>
               <a:ext uri="{FF2B5EF4-FFF2-40B4-BE49-F238E27FC236}">
-                <a16:creationId xmlns:a16="http://schemas.microsoft.com/office/drawing/2014/main" id="{52FF99B7-36A5-420B-9A3E-F7DCC47BD02D}"/>
+                <a16:creationId xmlns:a16="http://schemas.microsoft.com/office/drawing/2014/main" xmlns="" id="{52FF99B7-36A5-420B-9A3E-F7DCC47BD02D}"/>
               </a:ext>
             </a:extLst>
           </p:cNvPr>
@@ -11116,7 +10393,7 @@
           <p:cNvPr id="2" name="标题 1">
             <a:extLst>
               <a:ext uri="{FF2B5EF4-FFF2-40B4-BE49-F238E27FC236}">
-                <a16:creationId xmlns:a16="http://schemas.microsoft.com/office/drawing/2014/main" id="{F5F6FFB2-0007-40AA-AE0D-0D3E8C9F28BC}"/>
+                <a16:creationId xmlns:a16="http://schemas.microsoft.com/office/drawing/2014/main" xmlns="" id="{F5F6FFB2-0007-40AA-AE0D-0D3E8C9F28BC}"/>
               </a:ext>
             </a:extLst>
           </p:cNvPr>
@@ -11134,8 +10411,17 @@
           <a:p>
             <a:r>
               <a:rPr lang="zh-CN" altLang="en-US" sz="4400" dirty="0"/>
-              <a:t>顺序图</a:t>
-            </a:r>
+              <a:t>顺序</a:t>
+            </a:r>
+            <a:r>
+              <a:rPr lang="zh-CN" altLang="en-US" sz="4400" dirty="0" smtClean="0"/>
+              <a:t>图</a:t>
+            </a:r>
+            <a:r>
+              <a:rPr lang="en-US" altLang="zh-CN" sz="4400" dirty="0"/>
+              <a:t>(Sequence Diagram)</a:t>
+            </a:r>
+            <a:endParaRPr lang="zh-CN" altLang="en-US" sz="4400" dirty="0"/>
           </a:p>
         </p:txBody>
       </p:sp>
@@ -11144,7 +10430,7 @@
           <p:cNvPr id="3" name="内容占位符 2">
             <a:extLst>
               <a:ext uri="{FF2B5EF4-FFF2-40B4-BE49-F238E27FC236}">
-                <a16:creationId xmlns:a16="http://schemas.microsoft.com/office/drawing/2014/main" id="{C74FA6F7-AB63-4B6B-BE6B-CD922C8B655B}"/>
+                <a16:creationId xmlns:a16="http://schemas.microsoft.com/office/drawing/2014/main" xmlns="" id="{C74FA6F7-AB63-4B6B-BE6B-CD922C8B655B}"/>
               </a:ext>
             </a:extLst>
           </p:cNvPr>
@@ -11229,7 +10515,7 @@
           <p:cNvPr id="6" name="图片 5">
             <a:extLst>
               <a:ext uri="{FF2B5EF4-FFF2-40B4-BE49-F238E27FC236}">
-                <a16:creationId xmlns:a16="http://schemas.microsoft.com/office/drawing/2014/main" id="{9A39D29E-5460-40BD-9104-833F3404B9BA}"/>
+                <a16:creationId xmlns:a16="http://schemas.microsoft.com/office/drawing/2014/main" xmlns="" id="{9A39D29E-5460-40BD-9104-833F3404B9BA}"/>
               </a:ext>
             </a:extLst>
           </p:cNvPr>
@@ -11259,7 +10545,7 @@
           <p:cNvPr id="5" name="矩形 4">
             <a:extLst>
               <a:ext uri="{FF2B5EF4-FFF2-40B4-BE49-F238E27FC236}">
-                <a16:creationId xmlns:a16="http://schemas.microsoft.com/office/drawing/2014/main" id="{5BBF53CE-590B-4A01-8AA6-93DAB9AD1B67}"/>
+                <a16:creationId xmlns:a16="http://schemas.microsoft.com/office/drawing/2014/main" xmlns="" id="{5BBF53CE-590B-4A01-8AA6-93DAB9AD1B67}"/>
               </a:ext>
             </a:extLst>
           </p:cNvPr>
@@ -11332,7 +10618,7 @@
           <p:cNvPr id="8" name="矩形 7">
             <a:extLst>
               <a:ext uri="{FF2B5EF4-FFF2-40B4-BE49-F238E27FC236}">
-                <a16:creationId xmlns:a16="http://schemas.microsoft.com/office/drawing/2014/main" id="{5BBF53CE-590B-4A01-8AA6-93DAB9AD1B67}"/>
+                <a16:creationId xmlns:a16="http://schemas.microsoft.com/office/drawing/2014/main" xmlns="" id="{5BBF53CE-590B-4A01-8AA6-93DAB9AD1B67}"/>
               </a:ext>
             </a:extLst>
           </p:cNvPr>
@@ -11366,7 +10652,7 @@
           <p:cNvPr id="10" name="矩形 9">
             <a:extLst>
               <a:ext uri="{FF2B5EF4-FFF2-40B4-BE49-F238E27FC236}">
-                <a16:creationId xmlns:a16="http://schemas.microsoft.com/office/drawing/2014/main" id="{5BBF53CE-590B-4A01-8AA6-93DAB9AD1B67}"/>
+                <a16:creationId xmlns:a16="http://schemas.microsoft.com/office/drawing/2014/main" xmlns="" id="{5BBF53CE-590B-4A01-8AA6-93DAB9AD1B67}"/>
               </a:ext>
             </a:extLst>
           </p:cNvPr>
@@ -11400,7 +10686,7 @@
           <p:cNvPr id="11" name="矩形 10">
             <a:extLst>
               <a:ext uri="{FF2B5EF4-FFF2-40B4-BE49-F238E27FC236}">
-                <a16:creationId xmlns:a16="http://schemas.microsoft.com/office/drawing/2014/main" id="{5BBF53CE-590B-4A01-8AA6-93DAB9AD1B67}"/>
+                <a16:creationId xmlns:a16="http://schemas.microsoft.com/office/drawing/2014/main" xmlns="" id="{5BBF53CE-590B-4A01-8AA6-93DAB9AD1B67}"/>
               </a:ext>
             </a:extLst>
           </p:cNvPr>
@@ -11580,7 +10866,7 @@
           <p:cNvPr id="2" name="标题 1">
             <a:extLst>
               <a:ext uri="{FF2B5EF4-FFF2-40B4-BE49-F238E27FC236}">
-                <a16:creationId xmlns:a16="http://schemas.microsoft.com/office/drawing/2014/main" id="{015099D2-B1DF-4662-AC69-67E0A7584550}"/>
+                <a16:creationId xmlns:a16="http://schemas.microsoft.com/office/drawing/2014/main" xmlns="" id="{015099D2-B1DF-4662-AC69-67E0A7584550}"/>
               </a:ext>
             </a:extLst>
           </p:cNvPr>
@@ -11598,8 +10884,25 @@
           <a:p>
             <a:r>
               <a:rPr lang="zh-CN" altLang="en-US" sz="4400" dirty="0"/>
-              <a:t>协作图</a:t>
-            </a:r>
+              <a:t>协作</a:t>
+            </a:r>
+            <a:r>
+              <a:rPr lang="zh-CN" altLang="en-US" sz="4400" dirty="0" smtClean="0"/>
+              <a:t>图</a:t>
+            </a:r>
+            <a:r>
+              <a:rPr lang="en-US" altLang="zh-CN" sz="4400" dirty="0"/>
+              <a:t>/</a:t>
+            </a:r>
+            <a:r>
+              <a:rPr lang="zh-CN" altLang="en-US" sz="4400" dirty="0"/>
+              <a:t>通信图</a:t>
+            </a:r>
+            <a:r>
+              <a:rPr lang="en-US" altLang="zh-CN" sz="4400" dirty="0"/>
+              <a:t>(Collaboration Diagram)</a:t>
+            </a:r>
+            <a:endParaRPr lang="zh-CN" altLang="en-US" sz="4400" dirty="0"/>
           </a:p>
         </p:txBody>
       </p:sp>
@@ -11608,7 +10911,7 @@
           <p:cNvPr id="3" name="内容占位符 2">
             <a:extLst>
               <a:ext uri="{FF2B5EF4-FFF2-40B4-BE49-F238E27FC236}">
-                <a16:creationId xmlns:a16="http://schemas.microsoft.com/office/drawing/2014/main" id="{3AA3FA38-D36A-4A2F-B3FB-F76B7B46E8AC}"/>
+                <a16:creationId xmlns:a16="http://schemas.microsoft.com/office/drawing/2014/main" xmlns="" id="{3AA3FA38-D36A-4A2F-B3FB-F76B7B46E8AC}"/>
               </a:ext>
             </a:extLst>
           </p:cNvPr>
@@ -11681,7 +10984,7 @@
           <p:cNvPr id="4" name="图片 3">
             <a:extLst>
               <a:ext uri="{FF2B5EF4-FFF2-40B4-BE49-F238E27FC236}">
-                <a16:creationId xmlns:a16="http://schemas.microsoft.com/office/drawing/2014/main" id="{FBE1490B-7321-47B2-8B4D-8E7FF6B941FC}"/>
+                <a16:creationId xmlns:a16="http://schemas.microsoft.com/office/drawing/2014/main" xmlns="" id="{FBE1490B-7321-47B2-8B4D-8E7FF6B941FC}"/>
               </a:ext>
             </a:extLst>
           </p:cNvPr>
@@ -11741,7 +11044,7 @@
           <p:cNvPr id="2" name="标题 1">
             <a:extLst>
               <a:ext uri="{FF2B5EF4-FFF2-40B4-BE49-F238E27FC236}">
-                <a16:creationId xmlns:a16="http://schemas.microsoft.com/office/drawing/2014/main" id="{F60C39C1-5728-4DFE-8985-3D59CBD69E5D}"/>
+                <a16:creationId xmlns:a16="http://schemas.microsoft.com/office/drawing/2014/main" xmlns="" id="{F60C39C1-5728-4DFE-8985-3D59CBD69E5D}"/>
               </a:ext>
             </a:extLst>
           </p:cNvPr>
@@ -11769,7 +11072,7 @@
           <p:cNvPr id="3" name="内容占位符 2">
             <a:extLst>
               <a:ext uri="{FF2B5EF4-FFF2-40B4-BE49-F238E27FC236}">
-                <a16:creationId xmlns:a16="http://schemas.microsoft.com/office/drawing/2014/main" id="{F277E6E3-B504-4459-98D0-3B894DD1D37D}"/>
+                <a16:creationId xmlns:a16="http://schemas.microsoft.com/office/drawing/2014/main" xmlns="" id="{F277E6E3-B504-4459-98D0-3B894DD1D37D}"/>
               </a:ext>
             </a:extLst>
           </p:cNvPr>
@@ -11805,7 +11108,7 @@
           <p:cNvPr id="4" name="矩形 3">
             <a:extLst>
               <a:ext uri="{FF2B5EF4-FFF2-40B4-BE49-F238E27FC236}">
-                <a16:creationId xmlns:a16="http://schemas.microsoft.com/office/drawing/2014/main" id="{012DDA03-7A41-46E9-9C47-A84B81BF3510}"/>
+                <a16:creationId xmlns:a16="http://schemas.microsoft.com/office/drawing/2014/main" xmlns="" id="{012DDA03-7A41-46E9-9C47-A84B81BF3510}"/>
               </a:ext>
             </a:extLst>
           </p:cNvPr>
@@ -11952,7 +11255,7 @@
           <p:nvPr>
             <p:extLst>
               <p:ext uri="{386F3935-93C4-4BCD-93E2-E3B085C9AB24}">
-                <p16:designElem xmlns:p16="http://schemas.microsoft.com/office/powerpoint/2015/main" val="1"/>
+                <p16:designElem xmlns:p16="http://schemas.microsoft.com/office/powerpoint/2015/main" xmlns="" val="1"/>
               </p:ext>
             </p:extLst>
           </p:nvPr>
@@ -11979,7 +11282,7 @@
           <p:cNvPr id="12" name="Freeform 6">
             <a:extLst>
               <a:ext uri="{FF2B5EF4-FFF2-40B4-BE49-F238E27FC236}">
-                <a16:creationId xmlns:a16="http://schemas.microsoft.com/office/drawing/2014/main" id="{B9D93730-8C7D-423D-9137-597B5FA65701}"/>
+                <a16:creationId xmlns:a16="http://schemas.microsoft.com/office/drawing/2014/main" xmlns="" id="{B9D93730-8C7D-423D-9137-597B5FA65701}"/>
               </a:ext>
             </a:extLst>
           </p:cNvPr>
@@ -11989,7 +11292,7 @@
           <p:nvPr>
             <p:extLst>
               <p:ext uri="{386F3935-93C4-4BCD-93E2-E3B085C9AB24}">
-                <p16:designElem xmlns:p16="http://schemas.microsoft.com/office/powerpoint/2015/main" val="1"/>
+                <p16:designElem xmlns:p16="http://schemas.microsoft.com/office/powerpoint/2015/main" xmlns="" val="1"/>
               </p:ext>
             </p:extLst>
           </p:nvPr>
@@ -12065,7 +11368,7 @@
           <a:ln/>
           <a:extLst>
             <a:ext uri="{91240B29-F687-4f45-9708-019B960494DF}">
-              <a14:hiddenLine xmlns:a14="http://schemas.microsoft.com/office/drawing/2010/main" xmlns="" w="9525">
+              <a14:hiddenLine xmlns="" xmlns:a14="http://schemas.microsoft.com/office/drawing/2010/main" w="9525">
                 <a:solidFill>
                   <a:srgbClr val="000000"/>
                 </a:solidFill>
@@ -12096,7 +11399,7 @@
           <p:cNvPr id="14" name="Rectangle 13">
             <a:extLst>
               <a:ext uri="{FF2B5EF4-FFF2-40B4-BE49-F238E27FC236}">
-                <a16:creationId xmlns:a16="http://schemas.microsoft.com/office/drawing/2014/main" id="{A3322B77-FA16-4D4E-BAA6-811C61DB3E85}"/>
+                <a16:creationId xmlns:a16="http://schemas.microsoft.com/office/drawing/2014/main" xmlns="" id="{A3322B77-FA16-4D4E-BAA6-811C61DB3E85}"/>
               </a:ext>
             </a:extLst>
           </p:cNvPr>
@@ -12106,7 +11409,7 @@
           <p:nvPr>
             <p:extLst>
               <p:ext uri="{386F3935-93C4-4BCD-93E2-E3B085C9AB24}">
-                <p16:designElem xmlns:p16="http://schemas.microsoft.com/office/powerpoint/2015/main" val="1"/>
+                <p16:designElem xmlns:p16="http://schemas.microsoft.com/office/powerpoint/2015/main" xmlns="" val="1"/>
               </p:ext>
             </p:extLst>
           </p:nvPr>
@@ -12153,7 +11456,7 @@
           <p:cNvPr id="16" name="Freeform: Shape 15">
             <a:extLst>
               <a:ext uri="{FF2B5EF4-FFF2-40B4-BE49-F238E27FC236}">
-                <a16:creationId xmlns:a16="http://schemas.microsoft.com/office/drawing/2014/main" id="{CA6EF34F-3BAD-4CD8-B05E-03BA773AE864}"/>
+                <a16:creationId xmlns:a16="http://schemas.microsoft.com/office/drawing/2014/main" xmlns="" id="{CA6EF34F-3BAD-4CD8-B05E-03BA773AE864}"/>
               </a:ext>
             </a:extLst>
           </p:cNvPr>
@@ -12163,7 +11466,7 @@
           <p:nvPr>
             <p:extLst>
               <p:ext uri="{386F3935-93C4-4BCD-93E2-E3B085C9AB24}">
-                <p16:designElem xmlns:p16="http://schemas.microsoft.com/office/powerpoint/2015/main" val="1"/>
+                <p16:designElem xmlns:p16="http://schemas.microsoft.com/office/powerpoint/2015/main" xmlns="" val="1"/>
               </p:ext>
             </p:extLst>
           </p:nvPr>
@@ -12335,7 +11638,7 @@
           <p:cNvPr id="2" name="竖排标题 1">
             <a:extLst>
               <a:ext uri="{FF2B5EF4-FFF2-40B4-BE49-F238E27FC236}">
-                <a16:creationId xmlns:a16="http://schemas.microsoft.com/office/drawing/2014/main" id="{1177557D-E743-446B-B3A2-19511CAEF50D}"/>
+                <a16:creationId xmlns:a16="http://schemas.microsoft.com/office/drawing/2014/main" xmlns="" id="{1177557D-E743-446B-B3A2-19511CAEF50D}"/>
               </a:ext>
             </a:extLst>
           </p:cNvPr>
@@ -12522,7 +11825,7 @@
           <p:cNvPr id="2" name="标题 1">
             <a:extLst>
               <a:ext uri="{FF2B5EF4-FFF2-40B4-BE49-F238E27FC236}">
-                <a16:creationId xmlns:a16="http://schemas.microsoft.com/office/drawing/2014/main" id="{CEF47818-BECA-49BD-AB98-452ADBC2AA52}"/>
+                <a16:creationId xmlns:a16="http://schemas.microsoft.com/office/drawing/2014/main" xmlns="" id="{CEF47818-BECA-49BD-AB98-452ADBC2AA52}"/>
               </a:ext>
             </a:extLst>
           </p:cNvPr>
@@ -12540,8 +11843,21 @@
           <a:p>
             <a:r>
               <a:rPr lang="zh-CN" altLang="en-US" sz="4400" dirty="0"/>
-              <a:t>部署图</a:t>
-            </a:r>
+              <a:t>部署</a:t>
+            </a:r>
+            <a:r>
+              <a:rPr lang="zh-CN" altLang="en-US" sz="4400" dirty="0" smtClean="0"/>
+              <a:t>图</a:t>
+            </a:r>
+            <a:r>
+              <a:rPr lang="en-US" altLang="zh-CN" sz="4400" dirty="0" smtClean="0"/>
+              <a:t>(</a:t>
+            </a:r>
+            <a:r>
+              <a:rPr lang="en-US" altLang="zh-CN" sz="4400" smtClean="0"/>
+              <a:t>Deployment Diagram)</a:t>
+            </a:r>
+            <a:endParaRPr lang="zh-CN" altLang="en-US" sz="4400" dirty="0"/>
           </a:p>
         </p:txBody>
       </p:sp>
@@ -12550,7 +11866,7 @@
           <p:cNvPr id="3" name="内容占位符 2">
             <a:extLst>
               <a:ext uri="{FF2B5EF4-FFF2-40B4-BE49-F238E27FC236}">
-                <a16:creationId xmlns:a16="http://schemas.microsoft.com/office/drawing/2014/main" id="{9CE176C9-9B2B-4151-ACF2-E469ED6665F9}"/>
+                <a16:creationId xmlns:a16="http://schemas.microsoft.com/office/drawing/2014/main" xmlns="" id="{9CE176C9-9B2B-4151-ACF2-E469ED6665F9}"/>
               </a:ext>
             </a:extLst>
           </p:cNvPr>
@@ -12653,7 +11969,7 @@
           <p:cNvPr id="4" name="图片 3">
             <a:extLst>
               <a:ext uri="{FF2B5EF4-FFF2-40B4-BE49-F238E27FC236}">
-                <a16:creationId xmlns:a16="http://schemas.microsoft.com/office/drawing/2014/main" id="{4D5845DF-31A6-4BDB-939B-1A1735D47B41}"/>
+                <a16:creationId xmlns:a16="http://schemas.microsoft.com/office/drawing/2014/main" xmlns="" id="{4D5845DF-31A6-4BDB-939B-1A1735D47B41}"/>
               </a:ext>
             </a:extLst>
           </p:cNvPr>
@@ -12683,7 +11999,7 @@
           <p:cNvPr id="5" name="文本框 4">
             <a:extLst>
               <a:ext uri="{FF2B5EF4-FFF2-40B4-BE49-F238E27FC236}">
-                <a16:creationId xmlns:a16="http://schemas.microsoft.com/office/drawing/2014/main" id="{0980C2E1-5D3F-468E-84D5-F8F53DA5DD4F}"/>
+                <a16:creationId xmlns:a16="http://schemas.microsoft.com/office/drawing/2014/main" xmlns="" id="{0980C2E1-5D3F-468E-84D5-F8F53DA5DD4F}"/>
               </a:ext>
             </a:extLst>
           </p:cNvPr>
@@ -12749,7 +12065,7 @@
           <p:cNvPr id="2" name="标题 1">
             <a:extLst>
               <a:ext uri="{FF2B5EF4-FFF2-40B4-BE49-F238E27FC236}">
-                <a16:creationId xmlns:a16="http://schemas.microsoft.com/office/drawing/2014/main" id="{505A1625-93DE-488B-9518-9B4678A679A7}"/>
+                <a16:creationId xmlns:a16="http://schemas.microsoft.com/office/drawing/2014/main" xmlns="" id="{505A1625-93DE-488B-9518-9B4678A679A7}"/>
               </a:ext>
             </a:extLst>
           </p:cNvPr>
@@ -12777,7 +12093,7 @@
           <p:cNvPr id="3" name="内容占位符 2">
             <a:extLst>
               <a:ext uri="{FF2B5EF4-FFF2-40B4-BE49-F238E27FC236}">
-                <a16:creationId xmlns:a16="http://schemas.microsoft.com/office/drawing/2014/main" id="{50DEABF5-ACC2-4341-9FEB-7F8729ED9C5F}"/>
+                <a16:creationId xmlns:a16="http://schemas.microsoft.com/office/drawing/2014/main" xmlns="" id="{50DEABF5-ACC2-4341-9FEB-7F8729ED9C5F}"/>
               </a:ext>
             </a:extLst>
           </p:cNvPr>
@@ -12820,7 +12136,7 @@
           <p:cNvPr id="4" name="文本框 3">
             <a:extLst>
               <a:ext uri="{FF2B5EF4-FFF2-40B4-BE49-F238E27FC236}">
-                <a16:creationId xmlns:a16="http://schemas.microsoft.com/office/drawing/2014/main" id="{71EA573D-800B-4D81-BEEA-D4F75B5BD126}"/>
+                <a16:creationId xmlns:a16="http://schemas.microsoft.com/office/drawing/2014/main" xmlns="" id="{71EA573D-800B-4D81-BEEA-D4F75B5BD126}"/>
               </a:ext>
             </a:extLst>
           </p:cNvPr>
@@ -12972,7 +12288,7 @@
           <p:cNvPr id="2" name="标题 1">
             <a:extLst>
               <a:ext uri="{FF2B5EF4-FFF2-40B4-BE49-F238E27FC236}">
-                <a16:creationId xmlns:a16="http://schemas.microsoft.com/office/drawing/2014/main" id="{03F261DD-73E4-4180-97FD-1EE25B466BF2}"/>
+                <a16:creationId xmlns:a16="http://schemas.microsoft.com/office/drawing/2014/main" xmlns="" id="{03F261DD-73E4-4180-97FD-1EE25B466BF2}"/>
               </a:ext>
             </a:extLst>
           </p:cNvPr>
@@ -13005,7 +12321,7 @@
           <p:cNvPr id="3" name="内容占位符 2">
             <a:extLst>
               <a:ext uri="{FF2B5EF4-FFF2-40B4-BE49-F238E27FC236}">
-                <a16:creationId xmlns:a16="http://schemas.microsoft.com/office/drawing/2014/main" id="{2C3B77C6-9D77-4837-923D-3F06EBDDE5C8}"/>
+                <a16:creationId xmlns:a16="http://schemas.microsoft.com/office/drawing/2014/main" xmlns="" id="{2C3B77C6-9D77-4837-923D-3F06EBDDE5C8}"/>
               </a:ext>
             </a:extLst>
           </p:cNvPr>
@@ -13157,7 +12473,7 @@
           <p:cNvPr id="2" name="标题 1">
             <a:extLst>
               <a:ext uri="{FF2B5EF4-FFF2-40B4-BE49-F238E27FC236}">
-                <a16:creationId xmlns:a16="http://schemas.microsoft.com/office/drawing/2014/main" id="{8050F867-BC96-4BDE-8D9B-B611C1196787}"/>
+                <a16:creationId xmlns:a16="http://schemas.microsoft.com/office/drawing/2014/main" xmlns="" id="{8050F867-BC96-4BDE-8D9B-B611C1196787}"/>
               </a:ext>
             </a:extLst>
           </p:cNvPr>
@@ -13206,7 +12522,7 @@
           <p:cNvPr id="3" name="文本框 2">
             <a:extLst>
               <a:ext uri="{FF2B5EF4-FFF2-40B4-BE49-F238E27FC236}">
-                <a16:creationId xmlns:a16="http://schemas.microsoft.com/office/drawing/2014/main" id="{4CDAD1FD-D4D8-48D1-81CD-F860BAF3F91C}"/>
+                <a16:creationId xmlns:a16="http://schemas.microsoft.com/office/drawing/2014/main" xmlns="" id="{4CDAD1FD-D4D8-48D1-81CD-F860BAF3F91C}"/>
               </a:ext>
             </a:extLst>
           </p:cNvPr>
@@ -13271,7 +12587,7 @@
           <p:cNvPr id="2" name="标题 1">
             <a:extLst>
               <a:ext uri="{FF2B5EF4-FFF2-40B4-BE49-F238E27FC236}">
-                <a16:creationId xmlns:a16="http://schemas.microsoft.com/office/drawing/2014/main" id="{029433F6-C7F9-4690-9C8A-51E513DA7BE9}"/>
+                <a16:creationId xmlns:a16="http://schemas.microsoft.com/office/drawing/2014/main" xmlns="" id="{029433F6-C7F9-4690-9C8A-51E513DA7BE9}"/>
               </a:ext>
             </a:extLst>
           </p:cNvPr>
@@ -13305,7 +12621,7 @@
             <a:hlinkClick r:id="rId2"/>
             <a:extLst>
               <a:ext uri="{FF2B5EF4-FFF2-40B4-BE49-F238E27FC236}">
-                <a16:creationId xmlns:a16="http://schemas.microsoft.com/office/drawing/2014/main" id="{220C1E04-0FAA-4810-9EB8-4FB5668628C3}"/>
+                <a16:creationId xmlns:a16="http://schemas.microsoft.com/office/drawing/2014/main" xmlns="" id="{220C1E04-0FAA-4810-9EB8-4FB5668628C3}"/>
               </a:ext>
             </a:extLst>
           </p:cNvPr>
@@ -13502,7 +12818,7 @@
           <p:cNvPr id="2" name="标题 1">
             <a:extLst>
               <a:ext uri="{FF2B5EF4-FFF2-40B4-BE49-F238E27FC236}">
-                <a16:creationId xmlns:a16="http://schemas.microsoft.com/office/drawing/2014/main" id="{7CAD41F4-5EA9-4288-9F6B-AC877256EC40}"/>
+                <a16:creationId xmlns:a16="http://schemas.microsoft.com/office/drawing/2014/main" xmlns="" id="{7CAD41F4-5EA9-4288-9F6B-AC877256EC40}"/>
               </a:ext>
             </a:extLst>
           </p:cNvPr>
@@ -13516,7 +12832,7 @@
         <p:spPr>
           <a:xfrm>
             <a:off x="476105" y="451161"/>
-            <a:ext cx="6315629" cy="970450"/>
+            <a:ext cx="9972039" cy="970450"/>
           </a:xfrm>
         </p:spPr>
         <p:txBody>
@@ -13525,8 +12841,21 @@
           <a:p>
             <a:r>
               <a:rPr lang="zh-CN" altLang="en-US" sz="5400" dirty="0"/>
-              <a:t>用例图</a:t>
-            </a:r>
+              <a:t>用</a:t>
+            </a:r>
+            <a:r>
+              <a:rPr lang="zh-CN" altLang="en-US" sz="5400" dirty="0"/>
+              <a:t>例图（</a:t>
+            </a:r>
+            <a:r>
+              <a:rPr lang="en-US" altLang="zh-CN" sz="5400" dirty="0"/>
+              <a:t>Use Case Diagram</a:t>
+            </a:r>
+            <a:r>
+              <a:rPr lang="zh-CN" altLang="en-US" sz="5400" dirty="0"/>
+              <a:t>）</a:t>
+            </a:r>
+            <a:endParaRPr lang="zh-CN" altLang="en-US" sz="5400" dirty="0"/>
           </a:p>
         </p:txBody>
       </p:sp>
@@ -13535,7 +12864,7 @@
           <p:cNvPr id="3" name="文本框 2">
             <a:extLst>
               <a:ext uri="{FF2B5EF4-FFF2-40B4-BE49-F238E27FC236}">
-                <a16:creationId xmlns:a16="http://schemas.microsoft.com/office/drawing/2014/main" id="{C0FD93D0-9CE4-4D95-9C65-D0821F6D6102}"/>
+                <a16:creationId xmlns:a16="http://schemas.microsoft.com/office/drawing/2014/main" xmlns="" id="{C0FD93D0-9CE4-4D95-9C65-D0821F6D6102}"/>
               </a:ext>
             </a:extLst>
           </p:cNvPr>
@@ -13614,7 +12943,7 @@
           <p:cNvPr id="4" name="图片 3">
             <a:extLst>
               <a:ext uri="{FF2B5EF4-FFF2-40B4-BE49-F238E27FC236}">
-                <a16:creationId xmlns:a16="http://schemas.microsoft.com/office/drawing/2014/main" id="{2D285649-5ED4-4CEA-A670-1216D646A533}"/>
+                <a16:creationId xmlns:a16="http://schemas.microsoft.com/office/drawing/2014/main" xmlns="" id="{2D285649-5ED4-4CEA-A670-1216D646A533}"/>
               </a:ext>
             </a:extLst>
           </p:cNvPr>
@@ -13674,7 +13003,7 @@
           <p:cNvPr id="2" name="标题 1">
             <a:extLst>
               <a:ext uri="{FF2B5EF4-FFF2-40B4-BE49-F238E27FC236}">
-                <a16:creationId xmlns:a16="http://schemas.microsoft.com/office/drawing/2014/main" id="{4B18EED5-E5FF-464C-813C-4A09C57EB060}"/>
+                <a16:creationId xmlns:a16="http://schemas.microsoft.com/office/drawing/2014/main" xmlns="" id="{4B18EED5-E5FF-464C-813C-4A09C57EB060}"/>
               </a:ext>
             </a:extLst>
           </p:cNvPr>
@@ -13710,7 +13039,7 @@
           <p:cNvPr id="3" name="内容占位符 2">
             <a:extLst>
               <a:ext uri="{FF2B5EF4-FFF2-40B4-BE49-F238E27FC236}">
-                <a16:creationId xmlns:a16="http://schemas.microsoft.com/office/drawing/2014/main" id="{BA0A741A-5262-4373-84E4-7A3ADA326D91}"/>
+                <a16:creationId xmlns:a16="http://schemas.microsoft.com/office/drawing/2014/main" xmlns="" id="{BA0A741A-5262-4373-84E4-7A3ADA326D91}"/>
               </a:ext>
             </a:extLst>
           </p:cNvPr>
@@ -13760,7 +13089,7 @@
           <p:cNvPr id="4" name="图片 3">
             <a:extLst>
               <a:ext uri="{FF2B5EF4-FFF2-40B4-BE49-F238E27FC236}">
-                <a16:creationId xmlns:a16="http://schemas.microsoft.com/office/drawing/2014/main" id="{434A3294-717D-4C1C-AE76-B516CE92B0D5}"/>
+                <a16:creationId xmlns:a16="http://schemas.microsoft.com/office/drawing/2014/main" xmlns="" id="{434A3294-717D-4C1C-AE76-B516CE92B0D5}"/>
               </a:ext>
             </a:extLst>
           </p:cNvPr>
@@ -13820,7 +13149,7 @@
           <p:cNvPr id="2" name="标题 1">
             <a:extLst>
               <a:ext uri="{FF2B5EF4-FFF2-40B4-BE49-F238E27FC236}">
-                <a16:creationId xmlns:a16="http://schemas.microsoft.com/office/drawing/2014/main" id="{D008391E-02A9-488C-8B45-9AF8D1F20D5B}"/>
+                <a16:creationId xmlns:a16="http://schemas.microsoft.com/office/drawing/2014/main" xmlns="" id="{D008391E-02A9-488C-8B45-9AF8D1F20D5B}"/>
               </a:ext>
             </a:extLst>
           </p:cNvPr>
@@ -13856,7 +13185,7 @@
           <p:cNvPr id="3" name="内容占位符 2">
             <a:extLst>
               <a:ext uri="{FF2B5EF4-FFF2-40B4-BE49-F238E27FC236}">
-                <a16:creationId xmlns:a16="http://schemas.microsoft.com/office/drawing/2014/main" id="{B4557042-D07A-42E6-BBB3-0D9D78E9DA8F}"/>
+                <a16:creationId xmlns:a16="http://schemas.microsoft.com/office/drawing/2014/main" xmlns="" id="{B4557042-D07A-42E6-BBB3-0D9D78E9DA8F}"/>
               </a:ext>
             </a:extLst>
           </p:cNvPr>
@@ -13904,7 +13233,7 @@
           <p:cNvPr id="6" name="图片 5">
             <a:extLst>
               <a:ext uri="{FF2B5EF4-FFF2-40B4-BE49-F238E27FC236}">
-                <a16:creationId xmlns:a16="http://schemas.microsoft.com/office/drawing/2014/main" id="{FAF2501D-3BE6-4D21-9E59-7D9D3FDFF257}"/>
+                <a16:creationId xmlns:a16="http://schemas.microsoft.com/office/drawing/2014/main" xmlns="" id="{FAF2501D-3BE6-4D21-9E59-7D9D3FDFF257}"/>
               </a:ext>
             </a:extLst>
           </p:cNvPr>
@@ -13964,7 +13293,7 @@
           <p:cNvPr id="2" name="标题 1">
             <a:extLst>
               <a:ext uri="{FF2B5EF4-FFF2-40B4-BE49-F238E27FC236}">
-                <a16:creationId xmlns:a16="http://schemas.microsoft.com/office/drawing/2014/main" id="{A39FEC9B-7F04-407B-87B7-2A20A5C65FF1}"/>
+                <a16:creationId xmlns:a16="http://schemas.microsoft.com/office/drawing/2014/main" xmlns="" id="{A39FEC9B-7F04-407B-87B7-2A20A5C65FF1}"/>
               </a:ext>
             </a:extLst>
           </p:cNvPr>
@@ -14000,7 +13329,7 @@
           <p:cNvPr id="3" name="内容占位符 2">
             <a:extLst>
               <a:ext uri="{FF2B5EF4-FFF2-40B4-BE49-F238E27FC236}">
-                <a16:creationId xmlns:a16="http://schemas.microsoft.com/office/drawing/2014/main" id="{B996EB5C-AA9E-43C9-BE8A-AC563CE0F35D}"/>
+                <a16:creationId xmlns:a16="http://schemas.microsoft.com/office/drawing/2014/main" xmlns="" id="{B996EB5C-AA9E-43C9-BE8A-AC563CE0F35D}"/>
               </a:ext>
             </a:extLst>
           </p:cNvPr>
@@ -14054,7 +13383,7 @@
           <p:cNvPr id="4" name="图片 3">
             <a:extLst>
               <a:ext uri="{FF2B5EF4-FFF2-40B4-BE49-F238E27FC236}">
-                <a16:creationId xmlns:a16="http://schemas.microsoft.com/office/drawing/2014/main" id="{AEB40E2F-FA81-4A74-959C-9590AFF560DB}"/>
+                <a16:creationId xmlns:a16="http://schemas.microsoft.com/office/drawing/2014/main" xmlns="" id="{AEB40E2F-FA81-4A74-959C-9590AFF560DB}"/>
               </a:ext>
             </a:extLst>
           </p:cNvPr>
@@ -14114,7 +13443,7 @@
           <p:cNvPr id="2" name="标题 1">
             <a:extLst>
               <a:ext uri="{FF2B5EF4-FFF2-40B4-BE49-F238E27FC236}">
-                <a16:creationId xmlns:a16="http://schemas.microsoft.com/office/drawing/2014/main" id="{CB5F3119-9187-4B28-8F0F-CD0B58173301}"/>
+                <a16:creationId xmlns:a16="http://schemas.microsoft.com/office/drawing/2014/main" xmlns="" id="{CB5F3119-9187-4B28-8F0F-CD0B58173301}"/>
               </a:ext>
             </a:extLst>
           </p:cNvPr>
@@ -14150,7 +13479,7 @@
           <p:cNvPr id="3" name="内容占位符 2">
             <a:extLst>
               <a:ext uri="{FF2B5EF4-FFF2-40B4-BE49-F238E27FC236}">
-                <a16:creationId xmlns:a16="http://schemas.microsoft.com/office/drawing/2014/main" id="{6EE0D28D-D366-48D3-8F75-2161BB9A6726}"/>
+                <a16:creationId xmlns:a16="http://schemas.microsoft.com/office/drawing/2014/main" xmlns="" id="{6EE0D28D-D366-48D3-8F75-2161BB9A6726}"/>
               </a:ext>
             </a:extLst>
           </p:cNvPr>
@@ -14216,7 +13545,7 @@
           <p:cNvPr id="4" name="图片 3">
             <a:extLst>
               <a:ext uri="{FF2B5EF4-FFF2-40B4-BE49-F238E27FC236}">
-                <a16:creationId xmlns:a16="http://schemas.microsoft.com/office/drawing/2014/main" id="{219A3C98-C90F-486A-9405-D17B20971B1A}"/>
+                <a16:creationId xmlns:a16="http://schemas.microsoft.com/office/drawing/2014/main" xmlns="" id="{219A3C98-C90F-486A-9405-D17B20971B1A}"/>
               </a:ext>
             </a:extLst>
           </p:cNvPr>
@@ -14276,7 +13605,7 @@
           <p:cNvPr id="2" name="标题 1">
             <a:extLst>
               <a:ext uri="{FF2B5EF4-FFF2-40B4-BE49-F238E27FC236}">
-                <a16:creationId xmlns:a16="http://schemas.microsoft.com/office/drawing/2014/main" id="{B4729249-DEEE-4EC8-89E9-42434FADA236}"/>
+                <a16:creationId xmlns:a16="http://schemas.microsoft.com/office/drawing/2014/main" xmlns="" id="{B4729249-DEEE-4EC8-89E9-42434FADA236}"/>
               </a:ext>
             </a:extLst>
           </p:cNvPr>
@@ -14304,7 +13633,7 @@
           <p:cNvPr id="3" name="内容占位符 2">
             <a:extLst>
               <a:ext uri="{FF2B5EF4-FFF2-40B4-BE49-F238E27FC236}">
-                <a16:creationId xmlns:a16="http://schemas.microsoft.com/office/drawing/2014/main" id="{EEFD478C-46CA-4227-8E88-EF47C9506CCD}"/>
+                <a16:creationId xmlns:a16="http://schemas.microsoft.com/office/drawing/2014/main" xmlns="" id="{EEFD478C-46CA-4227-8E88-EF47C9506CCD}"/>
               </a:ext>
             </a:extLst>
           </p:cNvPr>
@@ -14376,7 +13705,7 @@
           <p:cNvPr id="2" name="标题 1">
             <a:extLst>
               <a:ext uri="{FF2B5EF4-FFF2-40B4-BE49-F238E27FC236}">
-                <a16:creationId xmlns:a16="http://schemas.microsoft.com/office/drawing/2014/main" id="{FEF5A4E7-3CFF-4C2D-BF82-F4BCCBD18E3E}"/>
+                <a16:creationId xmlns:a16="http://schemas.microsoft.com/office/drawing/2014/main" xmlns="" id="{FEF5A4E7-3CFF-4C2D-BF82-F4BCCBD18E3E}"/>
               </a:ext>
             </a:extLst>
           </p:cNvPr>
@@ -14404,7 +13733,7 @@
           <p:cNvPr id="3" name="内容占位符 2">
             <a:extLst>
               <a:ext uri="{FF2B5EF4-FFF2-40B4-BE49-F238E27FC236}">
-                <a16:creationId xmlns:a16="http://schemas.microsoft.com/office/drawing/2014/main" id="{A8A5B396-2863-41E0-A8BD-FB048EC43336}"/>
+                <a16:creationId xmlns:a16="http://schemas.microsoft.com/office/drawing/2014/main" xmlns="" id="{A8A5B396-2863-41E0-A8BD-FB048EC43336}"/>
               </a:ext>
             </a:extLst>
           </p:cNvPr>
@@ -14439,7 +13768,7 @@
           <p:cNvPr id="5" name="图片 4">
             <a:extLst>
               <a:ext uri="{FF2B5EF4-FFF2-40B4-BE49-F238E27FC236}">
-                <a16:creationId xmlns:a16="http://schemas.microsoft.com/office/drawing/2014/main" id="{43AF87F4-04D8-4168-B371-4794DFD228D9}"/>
+                <a16:creationId xmlns:a16="http://schemas.microsoft.com/office/drawing/2014/main" xmlns="" id="{43AF87F4-04D8-4168-B371-4794DFD228D9}"/>
               </a:ext>
             </a:extLst>
           </p:cNvPr>
@@ -14469,7 +13798,7 @@
           <p:cNvPr id="6" name="文本框 5">
             <a:extLst>
               <a:ext uri="{FF2B5EF4-FFF2-40B4-BE49-F238E27FC236}">
-                <a16:creationId xmlns:a16="http://schemas.microsoft.com/office/drawing/2014/main" id="{2EEC7202-5E41-4653-9A99-864467681BC9}"/>
+                <a16:creationId xmlns:a16="http://schemas.microsoft.com/office/drawing/2014/main" xmlns="" id="{2EEC7202-5E41-4653-9A99-864467681BC9}"/>
               </a:ext>
             </a:extLst>
           </p:cNvPr>
@@ -14504,7 +13833,7 @@
           <p:cNvPr id="7" name="图片 6">
             <a:extLst>
               <a:ext uri="{FF2B5EF4-FFF2-40B4-BE49-F238E27FC236}">
-                <a16:creationId xmlns:a16="http://schemas.microsoft.com/office/drawing/2014/main" id="{91A8DF26-E1FD-44CF-B9E4-67FDC7D186FF}"/>
+                <a16:creationId xmlns:a16="http://schemas.microsoft.com/office/drawing/2014/main" xmlns="" id="{91A8DF26-E1FD-44CF-B9E4-67FDC7D186FF}"/>
               </a:ext>
             </a:extLst>
           </p:cNvPr>

--- a/PRD-2017-G24/STW/非受控文件/翻转课堂作业/UML基础1/UML基础Ⅰ.pptx
+++ b/PRD-2017-G24/STW/非受控文件/翻转课堂作业/UML基础1/UML基础Ⅰ.pptx
@@ -1193,13 +1193,6 @@
         </dgm:presLayoutVars>
       </dgm:prSet>
       <dgm:spPr/>
-      <dgm:t>
-        <a:bodyPr/>
-        <a:lstStyle/>
-        <a:p>
-          <a:endParaRPr lang="zh-CN" altLang="en-US"/>
-        </a:p>
-      </dgm:t>
     </dgm:pt>
     <dgm:pt modelId="{BB10B3FE-71B2-44C4-9881-9B1B6C4ED30A}" type="pres">
       <dgm:prSet presAssocID="{1FA03D0B-431E-4552-972E-930F5F39D8D4}" presName="thickLine" presStyleLbl="alignNode1" presStyleIdx="0" presStyleCnt="6"/>
@@ -1212,13 +1205,6 @@
     <dgm:pt modelId="{FC9D7768-4563-493E-B454-DDCFD4BDB902}" type="pres">
       <dgm:prSet presAssocID="{1FA03D0B-431E-4552-972E-930F5F39D8D4}" presName="tx1" presStyleLbl="revTx" presStyleIdx="0" presStyleCnt="6"/>
       <dgm:spPr/>
-      <dgm:t>
-        <a:bodyPr/>
-        <a:lstStyle/>
-        <a:p>
-          <a:endParaRPr lang="zh-CN" altLang="en-US"/>
-        </a:p>
-      </dgm:t>
     </dgm:pt>
     <dgm:pt modelId="{AD1CF356-254A-496B-8B30-7E65A8D385E9}" type="pres">
       <dgm:prSet presAssocID="{1FA03D0B-431E-4552-972E-930F5F39D8D4}" presName="vert1" presStyleCnt="0"/>
@@ -1235,13 +1221,6 @@
     <dgm:pt modelId="{BB3D9FB9-476E-49C0-B80D-9BE2F7650722}" type="pres">
       <dgm:prSet presAssocID="{F4D98294-6926-4BC8-9678-4AE0179FD98D}" presName="tx1" presStyleLbl="revTx" presStyleIdx="1" presStyleCnt="6"/>
       <dgm:spPr/>
-      <dgm:t>
-        <a:bodyPr/>
-        <a:lstStyle/>
-        <a:p>
-          <a:endParaRPr lang="zh-CN" altLang="en-US"/>
-        </a:p>
-      </dgm:t>
     </dgm:pt>
     <dgm:pt modelId="{D99806E3-20C1-4E7F-8374-0210A0C1A8AE}" type="pres">
       <dgm:prSet presAssocID="{F4D98294-6926-4BC8-9678-4AE0179FD98D}" presName="vert1" presStyleCnt="0"/>
@@ -1258,13 +1237,6 @@
     <dgm:pt modelId="{4115A148-7C9F-4251-95F8-2A051B52D5AC}" type="pres">
       <dgm:prSet presAssocID="{F26DE089-A9FD-4546-96AF-71432FD40C75}" presName="tx1" presStyleLbl="revTx" presStyleIdx="2" presStyleCnt="6"/>
       <dgm:spPr/>
-      <dgm:t>
-        <a:bodyPr/>
-        <a:lstStyle/>
-        <a:p>
-          <a:endParaRPr lang="zh-CN" altLang="en-US"/>
-        </a:p>
-      </dgm:t>
     </dgm:pt>
     <dgm:pt modelId="{394814FA-CDAF-4CC8-8109-62E7A5FA331D}" type="pres">
       <dgm:prSet presAssocID="{F26DE089-A9FD-4546-96AF-71432FD40C75}" presName="vert1" presStyleCnt="0"/>
@@ -1281,13 +1253,6 @@
     <dgm:pt modelId="{CF187C55-D274-4C80-A81A-7C74892EF144}" type="pres">
       <dgm:prSet presAssocID="{CBCE7A0C-1162-4DD8-8348-0E467EC325E0}" presName="tx1" presStyleLbl="revTx" presStyleIdx="3" presStyleCnt="6"/>
       <dgm:spPr/>
-      <dgm:t>
-        <a:bodyPr/>
-        <a:lstStyle/>
-        <a:p>
-          <a:endParaRPr lang="zh-CN" altLang="en-US"/>
-        </a:p>
-      </dgm:t>
     </dgm:pt>
     <dgm:pt modelId="{6B0C92B1-B619-46DC-9D61-064133EACD45}" type="pres">
       <dgm:prSet presAssocID="{CBCE7A0C-1162-4DD8-8348-0E467EC325E0}" presName="vert1" presStyleCnt="0"/>
@@ -1304,13 +1269,6 @@
     <dgm:pt modelId="{6D455BFA-CC98-472A-BB95-E26F8322A529}" type="pres">
       <dgm:prSet presAssocID="{390B9C77-7995-4357-AF04-9565041C9BF1}" presName="tx1" presStyleLbl="revTx" presStyleIdx="4" presStyleCnt="6"/>
       <dgm:spPr/>
-      <dgm:t>
-        <a:bodyPr/>
-        <a:lstStyle/>
-        <a:p>
-          <a:endParaRPr lang="zh-CN" altLang="en-US"/>
-        </a:p>
-      </dgm:t>
     </dgm:pt>
     <dgm:pt modelId="{6566A669-B31A-4342-B2F2-E8D66C00D8D2}" type="pres">
       <dgm:prSet presAssocID="{390B9C77-7995-4357-AF04-9565041C9BF1}" presName="vert1" presStyleCnt="0"/>
@@ -1327,13 +1285,6 @@
     <dgm:pt modelId="{733AD6BA-9EF6-487F-AE39-A6AB87079B67}" type="pres">
       <dgm:prSet presAssocID="{141B5341-4F8F-4B74-854E-A5FBA43D6D1E}" presName="tx1" presStyleLbl="revTx" presStyleIdx="5" presStyleCnt="6"/>
       <dgm:spPr/>
-      <dgm:t>
-        <a:bodyPr/>
-        <a:lstStyle/>
-        <a:p>
-          <a:endParaRPr lang="zh-CN" altLang="en-US"/>
-        </a:p>
-      </dgm:t>
     </dgm:pt>
     <dgm:pt modelId="{5F0C84B1-2009-464B-89D6-B90556266101}" type="pres">
       <dgm:prSet presAssocID="{141B5341-4F8F-4B74-854E-A5FBA43D6D1E}" presName="vert1" presStyleCnt="0"/>
@@ -1341,18 +1292,18 @@
     </dgm:pt>
   </dgm:ptLst>
   <dgm:cxnLst>
+    <dgm:cxn modelId="{25EC110C-6EF6-4C65-80E0-1871BBCC94F3}" srcId="{61344293-A1DE-4EC5-9A38-FAB9B9B4968C}" destId="{390B9C77-7995-4357-AF04-9565041C9BF1}" srcOrd="4" destOrd="0" parTransId="{EE403F8B-8568-4987-80D7-7FB2D18D7D16}" sibTransId="{290EC355-F468-41D9-90C5-D907CF21D967}"/>
+    <dgm:cxn modelId="{D51ECB21-5218-49D4-980D-D86570A78CC9}" srcId="{61344293-A1DE-4EC5-9A38-FAB9B9B4968C}" destId="{141B5341-4F8F-4B74-854E-A5FBA43D6D1E}" srcOrd="5" destOrd="0" parTransId="{856EFA81-5ECF-4D6F-A8FF-5EA95BCEAF47}" sibTransId="{7A5DD433-F8FE-43BF-B663-090CAB808284}"/>
+    <dgm:cxn modelId="{FC96EF33-F0CD-420E-9A7B-30F9B6896026}" srcId="{61344293-A1DE-4EC5-9A38-FAB9B9B4968C}" destId="{F4D98294-6926-4BC8-9678-4AE0179FD98D}" srcOrd="1" destOrd="0" parTransId="{A14163C1-0CF1-4D38-B620-EB744E35794C}" sibTransId="{3796F5A7-8CBE-40D5-9D1D-9C0979F64A9C}"/>
     <dgm:cxn modelId="{72C78C39-D2FD-4657-A685-C850D72D9035}" srcId="{61344293-A1DE-4EC5-9A38-FAB9B9B4968C}" destId="{1FA03D0B-431E-4552-972E-930F5F39D8D4}" srcOrd="0" destOrd="0" parTransId="{DCA24973-8AA7-41B9-9B6A-AC4F09257488}" sibTransId="{7A188E71-997C-494E-B9C2-BAD4C716D4A0}"/>
-    <dgm:cxn modelId="{FC96EF33-F0CD-420E-9A7B-30F9B6896026}" srcId="{61344293-A1DE-4EC5-9A38-FAB9B9B4968C}" destId="{F4D98294-6926-4BC8-9678-4AE0179FD98D}" srcOrd="1" destOrd="0" parTransId="{A14163C1-0CF1-4D38-B620-EB744E35794C}" sibTransId="{3796F5A7-8CBE-40D5-9D1D-9C0979F64A9C}"/>
+    <dgm:cxn modelId="{A9CD8E45-8868-446C-87E7-FD9639311884}" type="presOf" srcId="{CBCE7A0C-1162-4DD8-8348-0E467EC325E0}" destId="{CF187C55-D274-4C80-A81A-7C74892EF144}" srcOrd="0" destOrd="0" presId="urn:microsoft.com/office/officeart/2008/layout/LinedList"/>
     <dgm:cxn modelId="{6F74CE48-579E-431D-9583-58A5F2ED3C85}" srcId="{61344293-A1DE-4EC5-9A38-FAB9B9B4968C}" destId="{F26DE089-A9FD-4546-96AF-71432FD40C75}" srcOrd="2" destOrd="0" parTransId="{1A63B470-973A-4426-A553-6A92D4588D20}" sibTransId="{F05992B1-9FD4-41E0-8709-1F3CDB8109B3}"/>
-    <dgm:cxn modelId="{8E1C14AC-2079-4A12-AF3E-1349383E49D1}" type="presOf" srcId="{141B5341-4F8F-4B74-854E-A5FBA43D6D1E}" destId="{733AD6BA-9EF6-487F-AE39-A6AB87079B67}" srcOrd="0" destOrd="0" presId="urn:microsoft.com/office/officeart/2008/layout/LinedList"/>
+    <dgm:cxn modelId="{33D50369-788E-49A7-8974-C3AD880B79B4}" type="presOf" srcId="{61344293-A1DE-4EC5-9A38-FAB9B9B4968C}" destId="{16C4A9B8-6EFE-4EE6-A024-B6B528189985}" srcOrd="0" destOrd="0" presId="urn:microsoft.com/office/officeart/2008/layout/LinedList"/>
     <dgm:cxn modelId="{7F5EA755-5397-447E-8563-35AA830B062F}" type="presOf" srcId="{F26DE089-A9FD-4546-96AF-71432FD40C75}" destId="{4115A148-7C9F-4251-95F8-2A051B52D5AC}" srcOrd="0" destOrd="0" presId="urn:microsoft.com/office/officeart/2008/layout/LinedList"/>
     <dgm:cxn modelId="{019B2B88-52C0-44DC-A31D-EB539DDD5F9C}" type="presOf" srcId="{F4D98294-6926-4BC8-9678-4AE0179FD98D}" destId="{BB3D9FB9-476E-49C0-B80D-9BE2F7650722}" srcOrd="0" destOrd="0" presId="urn:microsoft.com/office/officeart/2008/layout/LinedList"/>
+    <dgm:cxn modelId="{6A2EA8A9-EBEF-48E7-B9F2-7CB1FDE358E5}" type="presOf" srcId="{390B9C77-7995-4357-AF04-9565041C9BF1}" destId="{6D455BFA-CC98-472A-BB95-E26F8322A529}" srcOrd="0" destOrd="0" presId="urn:microsoft.com/office/officeart/2008/layout/LinedList"/>
+    <dgm:cxn modelId="{8E1C14AC-2079-4A12-AF3E-1349383E49D1}" type="presOf" srcId="{141B5341-4F8F-4B74-854E-A5FBA43D6D1E}" destId="{733AD6BA-9EF6-487F-AE39-A6AB87079B67}" srcOrd="0" destOrd="0" presId="urn:microsoft.com/office/officeart/2008/layout/LinedList"/>
     <dgm:cxn modelId="{97F1CCC4-1B19-4070-8C49-D818B7D503A3}" srcId="{61344293-A1DE-4EC5-9A38-FAB9B9B4968C}" destId="{CBCE7A0C-1162-4DD8-8348-0E467EC325E0}" srcOrd="3" destOrd="0" parTransId="{041D4F31-93BC-4168-A092-8AACF0FAE0A1}" sibTransId="{932E490C-516F-4D6F-9F44-B7FE8A9CCDAD}"/>
-    <dgm:cxn modelId="{D51ECB21-5218-49D4-980D-D86570A78CC9}" srcId="{61344293-A1DE-4EC5-9A38-FAB9B9B4968C}" destId="{141B5341-4F8F-4B74-854E-A5FBA43D6D1E}" srcOrd="5" destOrd="0" parTransId="{856EFA81-5ECF-4D6F-A8FF-5EA95BCEAF47}" sibTransId="{7A5DD433-F8FE-43BF-B663-090CAB808284}"/>
-    <dgm:cxn modelId="{25EC110C-6EF6-4C65-80E0-1871BBCC94F3}" srcId="{61344293-A1DE-4EC5-9A38-FAB9B9B4968C}" destId="{390B9C77-7995-4357-AF04-9565041C9BF1}" srcOrd="4" destOrd="0" parTransId="{EE403F8B-8568-4987-80D7-7FB2D18D7D16}" sibTransId="{290EC355-F468-41D9-90C5-D907CF21D967}"/>
-    <dgm:cxn modelId="{A9CD8E45-8868-446C-87E7-FD9639311884}" type="presOf" srcId="{CBCE7A0C-1162-4DD8-8348-0E467EC325E0}" destId="{CF187C55-D274-4C80-A81A-7C74892EF144}" srcOrd="0" destOrd="0" presId="urn:microsoft.com/office/officeart/2008/layout/LinedList"/>
-    <dgm:cxn modelId="{33D50369-788E-49A7-8974-C3AD880B79B4}" type="presOf" srcId="{61344293-A1DE-4EC5-9A38-FAB9B9B4968C}" destId="{16C4A9B8-6EFE-4EE6-A024-B6B528189985}" srcOrd="0" destOrd="0" presId="urn:microsoft.com/office/officeart/2008/layout/LinedList"/>
-    <dgm:cxn modelId="{6A2EA8A9-EBEF-48E7-B9F2-7CB1FDE358E5}" type="presOf" srcId="{390B9C77-7995-4357-AF04-9565041C9BF1}" destId="{6D455BFA-CC98-472A-BB95-E26F8322A529}" srcOrd="0" destOrd="0" presId="urn:microsoft.com/office/officeart/2008/layout/LinedList"/>
     <dgm:cxn modelId="{9DD076D9-AC81-439C-A348-2FB3AC572D0A}" type="presOf" srcId="{1FA03D0B-431E-4552-972E-930F5F39D8D4}" destId="{FC9D7768-4563-493E-B454-DDCFD4BDB902}" srcOrd="0" destOrd="0" presId="urn:microsoft.com/office/officeart/2008/layout/LinedList"/>
     <dgm:cxn modelId="{77DD7C31-63B6-4C01-8761-9C15C8F9BD45}" type="presParOf" srcId="{16C4A9B8-6EFE-4EE6-A024-B6B528189985}" destId="{BB10B3FE-71B2-44C4-9881-9B1B6C4ED30A}" srcOrd="0" destOrd="0" presId="urn:microsoft.com/office/officeart/2008/layout/LinedList"/>
     <dgm:cxn modelId="{5796BB8F-5EC0-4417-999B-DAFF62576680}" type="presParOf" srcId="{16C4A9B8-6EFE-4EE6-A024-B6B528189985}" destId="{963CAB5B-C43A-4ACF-989E-11E2303E77FD}" srcOrd="1" destOrd="0" presId="urn:microsoft.com/office/officeart/2008/layout/LinedList"/>
@@ -1397,6 +1348,804 @@
       <dsp:cNvGrpSpPr/>
     </dsp:nvGrpSpPr>
     <dsp:grpSpPr/>
+    <dsp:sp modelId="{BB10B3FE-71B2-44C4-9881-9B1B6C4ED30A}">
+      <dsp:nvSpPr>
+        <dsp:cNvPr id="0" name=""/>
+        <dsp:cNvSpPr/>
+      </dsp:nvSpPr>
+      <dsp:spPr>
+        <a:xfrm>
+          <a:off x="0" y="2699"/>
+          <a:ext cx="6267888" cy="0"/>
+        </a:xfrm>
+        <a:prstGeom prst="line">
+          <a:avLst/>
+        </a:prstGeom>
+        <a:blipFill rotWithShape="0">
+          <a:blip xmlns:r="http://schemas.openxmlformats.org/officeDocument/2006/relationships" r:embed="rId1">
+            <a:duotone>
+              <a:schemeClr val="accent1">
+                <a:hueOff val="0"/>
+                <a:satOff val="0"/>
+                <a:lumOff val="0"/>
+                <a:alphaOff val="0"/>
+                <a:tint val="98000"/>
+                <a:lumMod val="102000"/>
+              </a:schemeClr>
+              <a:schemeClr val="accent1">
+                <a:hueOff val="0"/>
+                <a:satOff val="0"/>
+                <a:lumOff val="0"/>
+                <a:alphaOff val="0"/>
+                <a:shade val="98000"/>
+                <a:lumMod val="98000"/>
+              </a:schemeClr>
+            </a:duotone>
+          </a:blip>
+          <a:tile tx="0" ty="0" sx="100000" sy="100000" flip="none" algn="tl"/>
+        </a:blipFill>
+        <a:ln w="9525" cap="rnd" cmpd="sng" algn="ctr">
+          <a:solidFill>
+            <a:schemeClr val="accent1">
+              <a:hueOff val="0"/>
+              <a:satOff val="0"/>
+              <a:lumOff val="0"/>
+              <a:alphaOff val="0"/>
+            </a:schemeClr>
+          </a:solidFill>
+          <a:prstDash val="solid"/>
+        </a:ln>
+        <a:effectLst/>
+      </dsp:spPr>
+      <dsp:style>
+        <a:lnRef idx="1">
+          <a:scrgbClr r="0" g="0" b="0"/>
+        </a:lnRef>
+        <a:fillRef idx="3">
+          <a:scrgbClr r="0" g="0" b="0"/>
+        </a:fillRef>
+        <a:effectRef idx="2">
+          <a:scrgbClr r="0" g="0" b="0"/>
+        </a:effectRef>
+        <a:fontRef idx="minor">
+          <a:schemeClr val="lt1"/>
+        </a:fontRef>
+      </dsp:style>
+    </dsp:sp>
+    <dsp:sp modelId="{FC9D7768-4563-493E-B454-DDCFD4BDB902}">
+      <dsp:nvSpPr>
+        <dsp:cNvPr id="0" name=""/>
+        <dsp:cNvSpPr/>
+      </dsp:nvSpPr>
+      <dsp:spPr>
+        <a:xfrm>
+          <a:off x="0" y="2699"/>
+          <a:ext cx="6267888" cy="920370"/>
+        </a:xfrm>
+        <a:prstGeom prst="rect">
+          <a:avLst/>
+        </a:prstGeom>
+        <a:noFill/>
+        <a:ln>
+          <a:noFill/>
+        </a:ln>
+        <a:effectLst/>
+      </dsp:spPr>
+      <dsp:style>
+        <a:lnRef idx="0">
+          <a:scrgbClr r="0" g="0" b="0"/>
+        </a:lnRef>
+        <a:fillRef idx="0">
+          <a:scrgbClr r="0" g="0" b="0"/>
+        </a:fillRef>
+        <a:effectRef idx="0">
+          <a:scrgbClr r="0" g="0" b="0"/>
+        </a:effectRef>
+        <a:fontRef idx="minor"/>
+      </dsp:style>
+      <dsp:txBody>
+        <a:bodyPr spcFirstLastPara="0" vert="horz" wrap="square" lIns="152400" tIns="152400" rIns="152400" bIns="152400" numCol="1" spcCol="1270" anchor="t" anchorCtr="0">
+          <a:noAutofit/>
+        </a:bodyPr>
+        <a:lstStyle/>
+        <a:p>
+          <a:pPr marL="0" lvl="0" indent="0" algn="l" defTabSz="1778000">
+            <a:lnSpc>
+              <a:spcPct val="90000"/>
+            </a:lnSpc>
+            <a:spcBef>
+              <a:spcPct val="0"/>
+            </a:spcBef>
+            <a:spcAft>
+              <a:spcPct val="35000"/>
+            </a:spcAft>
+            <a:buNone/>
+          </a:pPr>
+          <a:r>
+            <a:rPr lang="en-US" altLang="zh-CN" sz="4000" kern="1200" dirty="0"/>
+            <a:t>1</a:t>
+          </a:r>
+          <a:r>
+            <a:rPr lang="zh-CN" sz="4000" kern="1200" dirty="0"/>
+            <a:t>．</a:t>
+          </a:r>
+          <a:r>
+            <a:rPr lang="zh-CN" altLang="en-US" sz="4000" kern="1200" dirty="0"/>
+            <a:t>用例图 </a:t>
+          </a:r>
+          <a:endParaRPr lang="en-US" sz="4000" kern="1200" dirty="0"/>
+        </a:p>
+      </dsp:txBody>
+      <dsp:txXfrm>
+        <a:off x="0" y="2699"/>
+        <a:ext cx="6267888" cy="920370"/>
+      </dsp:txXfrm>
+    </dsp:sp>
+    <dsp:sp modelId="{DF0B91BF-B4CA-4353-8D74-953111AFF567}">
+      <dsp:nvSpPr>
+        <dsp:cNvPr id="0" name=""/>
+        <dsp:cNvSpPr/>
+      </dsp:nvSpPr>
+      <dsp:spPr>
+        <a:xfrm>
+          <a:off x="0" y="923069"/>
+          <a:ext cx="6267888" cy="0"/>
+        </a:xfrm>
+        <a:prstGeom prst="line">
+          <a:avLst/>
+        </a:prstGeom>
+        <a:blipFill rotWithShape="0">
+          <a:blip xmlns:r="http://schemas.openxmlformats.org/officeDocument/2006/relationships" r:embed="rId1">
+            <a:duotone>
+              <a:schemeClr val="accent1">
+                <a:hueOff val="0"/>
+                <a:satOff val="0"/>
+                <a:lumOff val="0"/>
+                <a:alphaOff val="0"/>
+                <a:tint val="98000"/>
+                <a:lumMod val="102000"/>
+              </a:schemeClr>
+              <a:schemeClr val="accent1">
+                <a:hueOff val="0"/>
+                <a:satOff val="0"/>
+                <a:lumOff val="0"/>
+                <a:alphaOff val="0"/>
+                <a:shade val="98000"/>
+                <a:lumMod val="98000"/>
+              </a:schemeClr>
+            </a:duotone>
+          </a:blip>
+          <a:tile tx="0" ty="0" sx="100000" sy="100000" flip="none" algn="tl"/>
+        </a:blipFill>
+        <a:ln w="9525" cap="rnd" cmpd="sng" algn="ctr">
+          <a:solidFill>
+            <a:schemeClr val="accent1">
+              <a:hueOff val="0"/>
+              <a:satOff val="0"/>
+              <a:lumOff val="0"/>
+              <a:alphaOff val="0"/>
+            </a:schemeClr>
+          </a:solidFill>
+          <a:prstDash val="solid"/>
+        </a:ln>
+        <a:effectLst/>
+      </dsp:spPr>
+      <dsp:style>
+        <a:lnRef idx="1">
+          <a:scrgbClr r="0" g="0" b="0"/>
+        </a:lnRef>
+        <a:fillRef idx="3">
+          <a:scrgbClr r="0" g="0" b="0"/>
+        </a:fillRef>
+        <a:effectRef idx="2">
+          <a:scrgbClr r="0" g="0" b="0"/>
+        </a:effectRef>
+        <a:fontRef idx="minor">
+          <a:schemeClr val="lt1"/>
+        </a:fontRef>
+      </dsp:style>
+    </dsp:sp>
+    <dsp:sp modelId="{BB3D9FB9-476E-49C0-B80D-9BE2F7650722}">
+      <dsp:nvSpPr>
+        <dsp:cNvPr id="0" name=""/>
+        <dsp:cNvSpPr/>
+      </dsp:nvSpPr>
+      <dsp:spPr>
+        <a:xfrm>
+          <a:off x="0" y="923069"/>
+          <a:ext cx="6267888" cy="920370"/>
+        </a:xfrm>
+        <a:prstGeom prst="rect">
+          <a:avLst/>
+        </a:prstGeom>
+        <a:noFill/>
+        <a:ln>
+          <a:noFill/>
+        </a:ln>
+        <a:effectLst/>
+      </dsp:spPr>
+      <dsp:style>
+        <a:lnRef idx="0">
+          <a:scrgbClr r="0" g="0" b="0"/>
+        </a:lnRef>
+        <a:fillRef idx="0">
+          <a:scrgbClr r="0" g="0" b="0"/>
+        </a:fillRef>
+        <a:effectRef idx="0">
+          <a:scrgbClr r="0" g="0" b="0"/>
+        </a:effectRef>
+        <a:fontRef idx="minor"/>
+      </dsp:style>
+      <dsp:txBody>
+        <a:bodyPr spcFirstLastPara="0" vert="horz" wrap="square" lIns="152400" tIns="152400" rIns="152400" bIns="152400" numCol="1" spcCol="1270" anchor="t" anchorCtr="0">
+          <a:noAutofit/>
+        </a:bodyPr>
+        <a:lstStyle/>
+        <a:p>
+          <a:pPr marL="0" lvl="0" indent="0" algn="l" defTabSz="1778000">
+            <a:lnSpc>
+              <a:spcPct val="90000"/>
+            </a:lnSpc>
+            <a:spcBef>
+              <a:spcPct val="0"/>
+            </a:spcBef>
+            <a:spcAft>
+              <a:spcPct val="35000"/>
+            </a:spcAft>
+            <a:buNone/>
+          </a:pPr>
+          <a:r>
+            <a:rPr lang="en-US" altLang="zh-CN" sz="4000" kern="1200" dirty="0"/>
+            <a:t>2</a:t>
+          </a:r>
+          <a:r>
+            <a:rPr lang="zh-CN" sz="4000" kern="1200" dirty="0"/>
+            <a:t>．</a:t>
+          </a:r>
+          <a:r>
+            <a:rPr lang="zh-CN" altLang="en-US" sz="4000" kern="1200" dirty="0"/>
+            <a:t>类图</a:t>
+          </a:r>
+          <a:endParaRPr lang="en-US" sz="4000" kern="1200" dirty="0"/>
+        </a:p>
+      </dsp:txBody>
+      <dsp:txXfrm>
+        <a:off x="0" y="923069"/>
+        <a:ext cx="6267888" cy="920370"/>
+      </dsp:txXfrm>
+    </dsp:sp>
+    <dsp:sp modelId="{95001912-062E-4B5A-8EC6-8187415768D3}">
+      <dsp:nvSpPr>
+        <dsp:cNvPr id="0" name=""/>
+        <dsp:cNvSpPr/>
+      </dsp:nvSpPr>
+      <dsp:spPr>
+        <a:xfrm>
+          <a:off x="0" y="1843439"/>
+          <a:ext cx="6267888" cy="0"/>
+        </a:xfrm>
+        <a:prstGeom prst="line">
+          <a:avLst/>
+        </a:prstGeom>
+        <a:blipFill rotWithShape="0">
+          <a:blip xmlns:r="http://schemas.openxmlformats.org/officeDocument/2006/relationships" r:embed="rId1">
+            <a:duotone>
+              <a:schemeClr val="accent1">
+                <a:hueOff val="0"/>
+                <a:satOff val="0"/>
+                <a:lumOff val="0"/>
+                <a:alphaOff val="0"/>
+                <a:tint val="98000"/>
+                <a:lumMod val="102000"/>
+              </a:schemeClr>
+              <a:schemeClr val="accent1">
+                <a:hueOff val="0"/>
+                <a:satOff val="0"/>
+                <a:lumOff val="0"/>
+                <a:alphaOff val="0"/>
+                <a:shade val="98000"/>
+                <a:lumMod val="98000"/>
+              </a:schemeClr>
+            </a:duotone>
+          </a:blip>
+          <a:tile tx="0" ty="0" sx="100000" sy="100000" flip="none" algn="tl"/>
+        </a:blipFill>
+        <a:ln w="9525" cap="rnd" cmpd="sng" algn="ctr">
+          <a:solidFill>
+            <a:schemeClr val="accent1">
+              <a:hueOff val="0"/>
+              <a:satOff val="0"/>
+              <a:lumOff val="0"/>
+              <a:alphaOff val="0"/>
+            </a:schemeClr>
+          </a:solidFill>
+          <a:prstDash val="solid"/>
+        </a:ln>
+        <a:effectLst/>
+      </dsp:spPr>
+      <dsp:style>
+        <a:lnRef idx="1">
+          <a:scrgbClr r="0" g="0" b="0"/>
+        </a:lnRef>
+        <a:fillRef idx="3">
+          <a:scrgbClr r="0" g="0" b="0"/>
+        </a:fillRef>
+        <a:effectRef idx="2">
+          <a:scrgbClr r="0" g="0" b="0"/>
+        </a:effectRef>
+        <a:fontRef idx="minor">
+          <a:schemeClr val="lt1"/>
+        </a:fontRef>
+      </dsp:style>
+    </dsp:sp>
+    <dsp:sp modelId="{4115A148-7C9F-4251-95F8-2A051B52D5AC}">
+      <dsp:nvSpPr>
+        <dsp:cNvPr id="0" name=""/>
+        <dsp:cNvSpPr/>
+      </dsp:nvSpPr>
+      <dsp:spPr>
+        <a:xfrm>
+          <a:off x="0" y="1843439"/>
+          <a:ext cx="6267888" cy="920370"/>
+        </a:xfrm>
+        <a:prstGeom prst="rect">
+          <a:avLst/>
+        </a:prstGeom>
+        <a:noFill/>
+        <a:ln>
+          <a:noFill/>
+        </a:ln>
+        <a:effectLst/>
+      </dsp:spPr>
+      <dsp:style>
+        <a:lnRef idx="0">
+          <a:scrgbClr r="0" g="0" b="0"/>
+        </a:lnRef>
+        <a:fillRef idx="0">
+          <a:scrgbClr r="0" g="0" b="0"/>
+        </a:fillRef>
+        <a:effectRef idx="0">
+          <a:scrgbClr r="0" g="0" b="0"/>
+        </a:effectRef>
+        <a:fontRef idx="minor"/>
+      </dsp:style>
+      <dsp:txBody>
+        <a:bodyPr spcFirstLastPara="0" vert="horz" wrap="square" lIns="152400" tIns="152400" rIns="152400" bIns="152400" numCol="1" spcCol="1270" anchor="t" anchorCtr="0">
+          <a:noAutofit/>
+        </a:bodyPr>
+        <a:lstStyle/>
+        <a:p>
+          <a:pPr marL="0" lvl="0" indent="0" algn="l" defTabSz="1778000">
+            <a:lnSpc>
+              <a:spcPct val="90000"/>
+            </a:lnSpc>
+            <a:spcBef>
+              <a:spcPct val="0"/>
+            </a:spcBef>
+            <a:spcAft>
+              <a:spcPct val="35000"/>
+            </a:spcAft>
+            <a:buNone/>
+          </a:pPr>
+          <a:r>
+            <a:rPr lang="en-US" altLang="zh-CN" sz="4000" kern="1200" dirty="0"/>
+            <a:t>3</a:t>
+          </a:r>
+          <a:r>
+            <a:rPr lang="zh-CN" sz="4000" kern="1200" dirty="0"/>
+            <a:t>．</a:t>
+          </a:r>
+          <a:r>
+            <a:rPr lang="zh-CN" altLang="en-US" sz="4000" kern="1200" dirty="0"/>
+            <a:t>状态图</a:t>
+          </a:r>
+          <a:endParaRPr lang="en-US" sz="4000" kern="1200" dirty="0"/>
+        </a:p>
+      </dsp:txBody>
+      <dsp:txXfrm>
+        <a:off x="0" y="1843439"/>
+        <a:ext cx="6267888" cy="920370"/>
+      </dsp:txXfrm>
+    </dsp:sp>
+    <dsp:sp modelId="{1D5B3A02-00A6-473F-B5E2-9397402134CE}">
+      <dsp:nvSpPr>
+        <dsp:cNvPr id="0" name=""/>
+        <dsp:cNvSpPr/>
+      </dsp:nvSpPr>
+      <dsp:spPr>
+        <a:xfrm>
+          <a:off x="0" y="2763809"/>
+          <a:ext cx="6267888" cy="0"/>
+        </a:xfrm>
+        <a:prstGeom prst="line">
+          <a:avLst/>
+        </a:prstGeom>
+        <a:blipFill rotWithShape="0">
+          <a:blip xmlns:r="http://schemas.openxmlformats.org/officeDocument/2006/relationships" r:embed="rId1">
+            <a:duotone>
+              <a:schemeClr val="accent1">
+                <a:hueOff val="0"/>
+                <a:satOff val="0"/>
+                <a:lumOff val="0"/>
+                <a:alphaOff val="0"/>
+                <a:tint val="98000"/>
+                <a:lumMod val="102000"/>
+              </a:schemeClr>
+              <a:schemeClr val="accent1">
+                <a:hueOff val="0"/>
+                <a:satOff val="0"/>
+                <a:lumOff val="0"/>
+                <a:alphaOff val="0"/>
+                <a:shade val="98000"/>
+                <a:lumMod val="98000"/>
+              </a:schemeClr>
+            </a:duotone>
+          </a:blip>
+          <a:tile tx="0" ty="0" sx="100000" sy="100000" flip="none" algn="tl"/>
+        </a:blipFill>
+        <a:ln w="9525" cap="rnd" cmpd="sng" algn="ctr">
+          <a:solidFill>
+            <a:schemeClr val="accent1">
+              <a:hueOff val="0"/>
+              <a:satOff val="0"/>
+              <a:lumOff val="0"/>
+              <a:alphaOff val="0"/>
+            </a:schemeClr>
+          </a:solidFill>
+          <a:prstDash val="solid"/>
+        </a:ln>
+        <a:effectLst/>
+      </dsp:spPr>
+      <dsp:style>
+        <a:lnRef idx="1">
+          <a:scrgbClr r="0" g="0" b="0"/>
+        </a:lnRef>
+        <a:fillRef idx="3">
+          <a:scrgbClr r="0" g="0" b="0"/>
+        </a:fillRef>
+        <a:effectRef idx="2">
+          <a:scrgbClr r="0" g="0" b="0"/>
+        </a:effectRef>
+        <a:fontRef idx="minor">
+          <a:schemeClr val="lt1"/>
+        </a:fontRef>
+      </dsp:style>
+    </dsp:sp>
+    <dsp:sp modelId="{CF187C55-D274-4C80-A81A-7C74892EF144}">
+      <dsp:nvSpPr>
+        <dsp:cNvPr id="0" name=""/>
+        <dsp:cNvSpPr/>
+      </dsp:nvSpPr>
+      <dsp:spPr>
+        <a:xfrm>
+          <a:off x="0" y="2763810"/>
+          <a:ext cx="6267888" cy="920370"/>
+        </a:xfrm>
+        <a:prstGeom prst="rect">
+          <a:avLst/>
+        </a:prstGeom>
+        <a:noFill/>
+        <a:ln>
+          <a:noFill/>
+        </a:ln>
+        <a:effectLst/>
+      </dsp:spPr>
+      <dsp:style>
+        <a:lnRef idx="0">
+          <a:scrgbClr r="0" g="0" b="0"/>
+        </a:lnRef>
+        <a:fillRef idx="0">
+          <a:scrgbClr r="0" g="0" b="0"/>
+        </a:fillRef>
+        <a:effectRef idx="0">
+          <a:scrgbClr r="0" g="0" b="0"/>
+        </a:effectRef>
+        <a:fontRef idx="minor"/>
+      </dsp:style>
+      <dsp:txBody>
+        <a:bodyPr spcFirstLastPara="0" vert="horz" wrap="square" lIns="152400" tIns="152400" rIns="152400" bIns="152400" numCol="1" spcCol="1270" anchor="t" anchorCtr="0">
+          <a:noAutofit/>
+        </a:bodyPr>
+        <a:lstStyle/>
+        <a:p>
+          <a:pPr marL="0" lvl="0" indent="0" algn="l" defTabSz="1778000">
+            <a:lnSpc>
+              <a:spcPct val="90000"/>
+            </a:lnSpc>
+            <a:spcBef>
+              <a:spcPct val="0"/>
+            </a:spcBef>
+            <a:spcAft>
+              <a:spcPct val="35000"/>
+            </a:spcAft>
+            <a:buNone/>
+          </a:pPr>
+          <a:r>
+            <a:rPr lang="en-US" altLang="zh-CN" sz="4000" kern="1200" dirty="0"/>
+            <a:t>4</a:t>
+          </a:r>
+          <a:r>
+            <a:rPr lang="zh-CN" sz="4000" kern="1200" dirty="0"/>
+            <a:t>．</a:t>
+          </a:r>
+          <a:r>
+            <a:rPr lang="zh-CN" altLang="en-US" sz="4000" kern="1200" dirty="0"/>
+            <a:t>顺序图</a:t>
+          </a:r>
+          <a:endParaRPr lang="en-US" sz="4000" kern="1200" dirty="0"/>
+        </a:p>
+      </dsp:txBody>
+      <dsp:txXfrm>
+        <a:off x="0" y="2763810"/>
+        <a:ext cx="6267888" cy="920370"/>
+      </dsp:txXfrm>
+    </dsp:sp>
+    <dsp:sp modelId="{165A2E05-853A-4796-A4F7-9A222BA428E6}">
+      <dsp:nvSpPr>
+        <dsp:cNvPr id="0" name=""/>
+        <dsp:cNvSpPr/>
+      </dsp:nvSpPr>
+      <dsp:spPr>
+        <a:xfrm>
+          <a:off x="0" y="3684180"/>
+          <a:ext cx="6267888" cy="0"/>
+        </a:xfrm>
+        <a:prstGeom prst="line">
+          <a:avLst/>
+        </a:prstGeom>
+        <a:blipFill rotWithShape="0">
+          <a:blip xmlns:r="http://schemas.openxmlformats.org/officeDocument/2006/relationships" r:embed="rId1">
+            <a:duotone>
+              <a:schemeClr val="accent1">
+                <a:hueOff val="0"/>
+                <a:satOff val="0"/>
+                <a:lumOff val="0"/>
+                <a:alphaOff val="0"/>
+                <a:tint val="98000"/>
+                <a:lumMod val="102000"/>
+              </a:schemeClr>
+              <a:schemeClr val="accent1">
+                <a:hueOff val="0"/>
+                <a:satOff val="0"/>
+                <a:lumOff val="0"/>
+                <a:alphaOff val="0"/>
+                <a:shade val="98000"/>
+                <a:lumMod val="98000"/>
+              </a:schemeClr>
+            </a:duotone>
+          </a:blip>
+          <a:tile tx="0" ty="0" sx="100000" sy="100000" flip="none" algn="tl"/>
+        </a:blipFill>
+        <a:ln w="9525" cap="rnd" cmpd="sng" algn="ctr">
+          <a:solidFill>
+            <a:schemeClr val="accent1">
+              <a:hueOff val="0"/>
+              <a:satOff val="0"/>
+              <a:lumOff val="0"/>
+              <a:alphaOff val="0"/>
+            </a:schemeClr>
+          </a:solidFill>
+          <a:prstDash val="solid"/>
+        </a:ln>
+        <a:effectLst/>
+      </dsp:spPr>
+      <dsp:style>
+        <a:lnRef idx="1">
+          <a:scrgbClr r="0" g="0" b="0"/>
+        </a:lnRef>
+        <a:fillRef idx="3">
+          <a:scrgbClr r="0" g="0" b="0"/>
+        </a:fillRef>
+        <a:effectRef idx="2">
+          <a:scrgbClr r="0" g="0" b="0"/>
+        </a:effectRef>
+        <a:fontRef idx="minor">
+          <a:schemeClr val="lt1"/>
+        </a:fontRef>
+      </dsp:style>
+    </dsp:sp>
+    <dsp:sp modelId="{6D455BFA-CC98-472A-BB95-E26F8322A529}">
+      <dsp:nvSpPr>
+        <dsp:cNvPr id="0" name=""/>
+        <dsp:cNvSpPr/>
+      </dsp:nvSpPr>
+      <dsp:spPr>
+        <a:xfrm>
+          <a:off x="0" y="3684180"/>
+          <a:ext cx="6267888" cy="920370"/>
+        </a:xfrm>
+        <a:prstGeom prst="rect">
+          <a:avLst/>
+        </a:prstGeom>
+        <a:noFill/>
+        <a:ln>
+          <a:noFill/>
+        </a:ln>
+        <a:effectLst/>
+      </dsp:spPr>
+      <dsp:style>
+        <a:lnRef idx="0">
+          <a:scrgbClr r="0" g="0" b="0"/>
+        </a:lnRef>
+        <a:fillRef idx="0">
+          <a:scrgbClr r="0" g="0" b="0"/>
+        </a:fillRef>
+        <a:effectRef idx="0">
+          <a:scrgbClr r="0" g="0" b="0"/>
+        </a:effectRef>
+        <a:fontRef idx="minor"/>
+      </dsp:style>
+      <dsp:txBody>
+        <a:bodyPr spcFirstLastPara="0" vert="horz" wrap="square" lIns="152400" tIns="152400" rIns="152400" bIns="152400" numCol="1" spcCol="1270" anchor="t" anchorCtr="0">
+          <a:noAutofit/>
+        </a:bodyPr>
+        <a:lstStyle/>
+        <a:p>
+          <a:pPr marL="0" lvl="0" indent="0" algn="l" defTabSz="1778000">
+            <a:lnSpc>
+              <a:spcPct val="90000"/>
+            </a:lnSpc>
+            <a:spcBef>
+              <a:spcPct val="0"/>
+            </a:spcBef>
+            <a:spcAft>
+              <a:spcPct val="35000"/>
+            </a:spcAft>
+            <a:buNone/>
+          </a:pPr>
+          <a:r>
+            <a:rPr lang="en-US" altLang="zh-CN" sz="4000" kern="1200" dirty="0"/>
+            <a:t>5</a:t>
+          </a:r>
+          <a:r>
+            <a:rPr lang="zh-CN" sz="4000" kern="1200" dirty="0"/>
+            <a:t>．</a:t>
+          </a:r>
+          <a:r>
+            <a:rPr lang="zh-CN" altLang="en-US" sz="4000" kern="1200" dirty="0"/>
+            <a:t>协作图</a:t>
+          </a:r>
+          <a:endParaRPr lang="en-US" sz="4000" kern="1200" dirty="0"/>
+        </a:p>
+      </dsp:txBody>
+      <dsp:txXfrm>
+        <a:off x="0" y="3684180"/>
+        <a:ext cx="6267888" cy="920370"/>
+      </dsp:txXfrm>
+    </dsp:sp>
+    <dsp:sp modelId="{7614DB1E-CC9D-4EDF-AD13-F408C753FE43}">
+      <dsp:nvSpPr>
+        <dsp:cNvPr id="0" name=""/>
+        <dsp:cNvSpPr/>
+      </dsp:nvSpPr>
+      <dsp:spPr>
+        <a:xfrm>
+          <a:off x="0" y="4604550"/>
+          <a:ext cx="6267888" cy="0"/>
+        </a:xfrm>
+        <a:prstGeom prst="line">
+          <a:avLst/>
+        </a:prstGeom>
+        <a:blipFill rotWithShape="0">
+          <a:blip xmlns:r="http://schemas.openxmlformats.org/officeDocument/2006/relationships" r:embed="rId1">
+            <a:duotone>
+              <a:schemeClr val="accent1">
+                <a:hueOff val="0"/>
+                <a:satOff val="0"/>
+                <a:lumOff val="0"/>
+                <a:alphaOff val="0"/>
+                <a:tint val="98000"/>
+                <a:lumMod val="102000"/>
+              </a:schemeClr>
+              <a:schemeClr val="accent1">
+                <a:hueOff val="0"/>
+                <a:satOff val="0"/>
+                <a:lumOff val="0"/>
+                <a:alphaOff val="0"/>
+                <a:shade val="98000"/>
+                <a:lumMod val="98000"/>
+              </a:schemeClr>
+            </a:duotone>
+          </a:blip>
+          <a:tile tx="0" ty="0" sx="100000" sy="100000" flip="none" algn="tl"/>
+        </a:blipFill>
+        <a:ln w="9525" cap="rnd" cmpd="sng" algn="ctr">
+          <a:solidFill>
+            <a:schemeClr val="accent1">
+              <a:hueOff val="0"/>
+              <a:satOff val="0"/>
+              <a:lumOff val="0"/>
+              <a:alphaOff val="0"/>
+            </a:schemeClr>
+          </a:solidFill>
+          <a:prstDash val="solid"/>
+        </a:ln>
+        <a:effectLst/>
+      </dsp:spPr>
+      <dsp:style>
+        <a:lnRef idx="1">
+          <a:scrgbClr r="0" g="0" b="0"/>
+        </a:lnRef>
+        <a:fillRef idx="3">
+          <a:scrgbClr r="0" g="0" b="0"/>
+        </a:fillRef>
+        <a:effectRef idx="2">
+          <a:scrgbClr r="0" g="0" b="0"/>
+        </a:effectRef>
+        <a:fontRef idx="minor">
+          <a:schemeClr val="lt1"/>
+        </a:fontRef>
+      </dsp:style>
+    </dsp:sp>
+    <dsp:sp modelId="{733AD6BA-9EF6-487F-AE39-A6AB87079B67}">
+      <dsp:nvSpPr>
+        <dsp:cNvPr id="0" name=""/>
+        <dsp:cNvSpPr/>
+      </dsp:nvSpPr>
+      <dsp:spPr>
+        <a:xfrm>
+          <a:off x="0" y="4604550"/>
+          <a:ext cx="6267888" cy="920370"/>
+        </a:xfrm>
+        <a:prstGeom prst="rect">
+          <a:avLst/>
+        </a:prstGeom>
+        <a:noFill/>
+        <a:ln>
+          <a:noFill/>
+        </a:ln>
+        <a:effectLst/>
+      </dsp:spPr>
+      <dsp:style>
+        <a:lnRef idx="0">
+          <a:scrgbClr r="0" g="0" b="0"/>
+        </a:lnRef>
+        <a:fillRef idx="0">
+          <a:scrgbClr r="0" g="0" b="0"/>
+        </a:fillRef>
+        <a:effectRef idx="0">
+          <a:scrgbClr r="0" g="0" b="0"/>
+        </a:effectRef>
+        <a:fontRef idx="minor"/>
+      </dsp:style>
+      <dsp:txBody>
+        <a:bodyPr spcFirstLastPara="0" vert="horz" wrap="square" lIns="152400" tIns="152400" rIns="152400" bIns="152400" numCol="1" spcCol="1270" anchor="t" anchorCtr="0">
+          <a:noAutofit/>
+        </a:bodyPr>
+        <a:lstStyle/>
+        <a:p>
+          <a:pPr marL="0" lvl="0" indent="0" algn="l" defTabSz="1778000">
+            <a:lnSpc>
+              <a:spcPct val="90000"/>
+            </a:lnSpc>
+            <a:spcBef>
+              <a:spcPct val="0"/>
+            </a:spcBef>
+            <a:spcAft>
+              <a:spcPct val="35000"/>
+            </a:spcAft>
+            <a:buNone/>
+          </a:pPr>
+          <a:r>
+            <a:rPr lang="en-US" altLang="zh-CN" sz="4000" kern="1200" dirty="0"/>
+            <a:t>6</a:t>
+          </a:r>
+          <a:r>
+            <a:rPr lang="zh-CN" sz="4000" kern="1200" dirty="0"/>
+            <a:t>．</a:t>
+          </a:r>
+          <a:r>
+            <a:rPr lang="zh-CN" altLang="en-US" sz="4000" kern="1200" dirty="0"/>
+            <a:t>部署图</a:t>
+          </a:r>
+          <a:endParaRPr lang="en-US" sz="4000" kern="1200" dirty="0"/>
+        </a:p>
+      </dsp:txBody>
+      <dsp:txXfrm>
+        <a:off x="0" y="4604550"/>
+        <a:ext cx="6267888" cy="920370"/>
+      </dsp:txXfrm>
+    </dsp:sp>
   </dsp:spTree>
 </dsp:drawing>
 </file>
@@ -2984,7 +3733,7 @@
             <a:fld id="{BC02ACD8-9D28-445F-BAFE-92DA3311E912}" type="datetimeFigureOut">
               <a:rPr lang="zh-CN" altLang="en-US" smtClean="0"/>
               <a:pPr/>
-              <a:t>2017/11/14</a:t>
+              <a:t>2017/11/17</a:t>
             </a:fld>
             <a:endParaRPr lang="zh-CN" altLang="en-US"/>
           </a:p>
@@ -3347,7 +4096,7 @@
           <a:effectLst/>
           <a:extLst>
             <a:ext uri="{91240B29-F687-4f45-9708-019B960494DF}">
-              <a14:hiddenLine xmlns="" xmlns:a14="http://schemas.microsoft.com/office/drawing/2010/main" w="9525">
+              <a14:hiddenLine xmlns:a14="http://schemas.microsoft.com/office/drawing/2010/main" xmlns="" w="9525">
                 <a:solidFill>
                   <a:srgbClr val="000000"/>
                 </a:solidFill>
@@ -3540,7 +4289,7 @@
             <a:fld id="{08B9EBBA-996F-894A-B54A-D6246ED52CEA}" type="datetimeFigureOut">
               <a:rPr lang="en-US" dirty="0"/>
               <a:pPr/>
-              <a:t>11/14/2017</a:t>
+              <a:t>11/17/2017</a:t>
             </a:fld>
             <a:endParaRPr lang="en-US" dirty="0"/>
           </a:p>
@@ -3855,7 +4604,7 @@
             <a:fld id="{18C79C5D-2A6F-F04D-97DA-BEF2467B64E4}" type="datetimeFigureOut">
               <a:rPr lang="en-US" dirty="0"/>
               <a:pPr/>
-              <a:t>11/14/2017</a:t>
+              <a:t>11/17/2017</a:t>
             </a:fld>
             <a:endParaRPr lang="en-US" dirty="0"/>
           </a:p>
@@ -4340,7 +5089,7 @@
             <a:fld id="{8DFA1846-DA80-1C48-A609-854EA85C59AD}" type="datetimeFigureOut">
               <a:rPr lang="en-US" dirty="0"/>
               <a:pPr/>
-              <a:t>11/14/2017</a:t>
+              <a:t>11/17/2017</a:t>
             </a:fld>
             <a:endParaRPr lang="en-US" dirty="0"/>
           </a:p>
@@ -4706,7 +5455,7 @@
             <a:fld id="{FBF54567-0DE4-3F47-BF90-CB84690072F9}" type="datetimeFigureOut">
               <a:rPr lang="en-US" dirty="0"/>
               <a:pPr/>
-              <a:t>11/14/2017</a:t>
+              <a:t>11/17/2017</a:t>
             </a:fld>
             <a:endParaRPr lang="en-US" dirty="0"/>
           </a:p>
@@ -4857,7 +5606,7 @@
           <a:ln/>
           <a:extLst>
             <a:ext uri="{91240B29-F687-4f45-9708-019B960494DF}">
-              <a14:hiddenLine xmlns="" xmlns:a14="http://schemas.microsoft.com/office/drawing/2010/main" w="9525">
+              <a14:hiddenLine xmlns:a14="http://schemas.microsoft.com/office/drawing/2010/main" xmlns="" w="9525">
                 <a:solidFill>
                   <a:srgbClr val="000000"/>
                 </a:solidFill>
@@ -4976,7 +5725,7 @@
             <a:fld id="{C6C52C72-DE31-F449-A4ED-4C594FD91407}" type="datetimeFigureOut">
               <a:rPr lang="en-US" dirty="0"/>
               <a:pPr/>
-              <a:t>11/14/2017</a:t>
+              <a:t>11/17/2017</a:t>
             </a:fld>
             <a:endParaRPr lang="en-US" dirty="0"/>
           </a:p>
@@ -5129,7 +5878,7 @@
           <a:ln/>
           <a:extLst>
             <a:ext uri="{91240B29-F687-4f45-9708-019B960494DF}">
-              <a14:hiddenLine xmlns="" xmlns:a14="http://schemas.microsoft.com/office/drawing/2010/main" w="9525">
+              <a14:hiddenLine xmlns:a14="http://schemas.microsoft.com/office/drawing/2010/main" xmlns="" w="9525">
                 <a:solidFill>
                   <a:srgbClr val="000000"/>
                 </a:solidFill>
@@ -5258,7 +6007,7 @@
             <a:fld id="{ED62726E-379B-B349-9EED-81ED093FA806}" type="datetimeFigureOut">
               <a:rPr lang="en-US" dirty="0"/>
               <a:pPr/>
-              <a:t>11/14/2017</a:t>
+              <a:t>11/17/2017</a:t>
             </a:fld>
             <a:endParaRPr lang="en-US" dirty="0"/>
           </a:p>
@@ -5409,7 +6158,7 @@
           <a:ln/>
           <a:extLst>
             <a:ext uri="{91240B29-F687-4f45-9708-019B960494DF}">
-              <a14:hiddenLine xmlns="" xmlns:a14="http://schemas.microsoft.com/office/drawing/2010/main" w="9525">
+              <a14:hiddenLine xmlns:a14="http://schemas.microsoft.com/office/drawing/2010/main" xmlns="" w="9525">
                 <a:solidFill>
                   <a:srgbClr val="000000"/>
                 </a:solidFill>
@@ -5538,7 +6287,7 @@
             <a:fld id="{9B3A1323-8D79-1946-B0D7-40001CF92E9D}" type="datetimeFigureOut">
               <a:rPr lang="en-US" dirty="0"/>
               <a:pPr/>
-              <a:t>11/14/2017</a:t>
+              <a:t>11/17/2017</a:t>
             </a:fld>
             <a:endParaRPr lang="en-US" dirty="0"/>
           </a:p>
@@ -5878,7 +6627,7 @@
             <a:fld id="{8DFA1846-DA80-1C48-A609-854EA85C59AD}" type="datetimeFigureOut">
               <a:rPr lang="en-US" dirty="0"/>
               <a:pPr/>
-              <a:t>11/14/2017</a:t>
+              <a:t>11/17/2017</a:t>
             </a:fld>
             <a:endParaRPr lang="en-US" dirty="0"/>
           </a:p>
@@ -6029,7 +6778,7 @@
           <a:ln/>
           <a:extLst>
             <a:ext uri="{91240B29-F687-4f45-9708-019B960494DF}">
-              <a14:hiddenLine xmlns="" xmlns:a14="http://schemas.microsoft.com/office/drawing/2010/main" w="9525">
+              <a14:hiddenLine xmlns:a14="http://schemas.microsoft.com/office/drawing/2010/main" xmlns="" w="9525">
                 <a:solidFill>
                   <a:srgbClr val="000000"/>
                 </a:solidFill>
@@ -6214,7 +6963,7 @@
             <a:fld id="{57302355-E14B-8545-A8F8-0FE83CC9D524}" type="datetimeFigureOut">
               <a:rPr lang="en-US" dirty="0"/>
               <a:pPr/>
-              <a:t>11/14/2017</a:t>
+              <a:t>11/17/2017</a:t>
             </a:fld>
             <a:endParaRPr lang="en-US" dirty="0"/>
           </a:p>
@@ -6365,7 +7114,7 @@
           <a:ln/>
           <a:extLst>
             <a:ext uri="{91240B29-F687-4f45-9708-019B960494DF}">
-              <a14:hiddenLine xmlns="" xmlns:a14="http://schemas.microsoft.com/office/drawing/2010/main" w="9525">
+              <a14:hiddenLine xmlns:a14="http://schemas.microsoft.com/office/drawing/2010/main" xmlns="" w="9525">
                 <a:solidFill>
                   <a:srgbClr val="000000"/>
                 </a:solidFill>
@@ -6688,7 +7437,7 @@
             <a:fld id="{02640F58-564D-2B4F-AE67-E407BA4FCF45}" type="datetimeFigureOut">
               <a:rPr lang="en-US" dirty="0"/>
               <a:pPr/>
-              <a:t>11/14/2017</a:t>
+              <a:t>11/17/2017</a:t>
             </a:fld>
             <a:endParaRPr lang="en-US" dirty="0"/>
           </a:p>
@@ -6839,7 +7588,7 @@
           <a:ln/>
           <a:extLst>
             <a:ext uri="{91240B29-F687-4f45-9708-019B960494DF}">
-              <a14:hiddenLine xmlns="" xmlns:a14="http://schemas.microsoft.com/office/drawing/2010/main" w="9525">
+              <a14:hiddenLine xmlns:a14="http://schemas.microsoft.com/office/drawing/2010/main" xmlns="" w="9525">
                 <a:solidFill>
                   <a:srgbClr val="000000"/>
                 </a:solidFill>
@@ -6906,7 +7655,7 @@
             <a:fld id="{F13A34C8-038E-2045-AF43-DF7DBB8E0E9E}" type="datetimeFigureOut">
               <a:rPr lang="en-US" dirty="0"/>
               <a:pPr/>
-              <a:t>11/14/2017</a:t>
+              <a:t>11/17/2017</a:t>
             </a:fld>
             <a:endParaRPr lang="en-US" dirty="0"/>
           </a:p>
@@ -6998,7 +7747,7 @@
             <a:fld id="{8818C68F-D26B-8F47-958C-23B49CF8A634}" type="datetimeFigureOut">
               <a:rPr lang="en-US" dirty="0"/>
               <a:pPr/>
-              <a:t>11/14/2017</a:t>
+              <a:t>11/17/2017</a:t>
             </a:fld>
             <a:endParaRPr lang="en-US" dirty="0"/>
           </a:p>
@@ -7262,7 +8011,7 @@
           <a:ln/>
           <a:extLst>
             <a:ext uri="{91240B29-F687-4f45-9708-019B960494DF}">
-              <a14:hiddenLine xmlns="" xmlns:a14="http://schemas.microsoft.com/office/drawing/2010/main" w="9525">
+              <a14:hiddenLine xmlns:a14="http://schemas.microsoft.com/office/drawing/2010/main" xmlns="" w="9525">
                 <a:solidFill>
                   <a:srgbClr val="000000"/>
                 </a:solidFill>
@@ -7462,7 +8211,7 @@
             <a:fld id="{D0DF5E60-9974-AC48-9591-99C2BB44B7CF}" type="datetimeFigureOut">
               <a:rPr lang="en-US" dirty="0"/>
               <a:pPr/>
-              <a:t>11/14/2017</a:t>
+              <a:t>11/17/2017</a:t>
             </a:fld>
             <a:endParaRPr lang="en-US" dirty="0"/>
           </a:p>
@@ -7772,7 +8521,7 @@
             <a:fld id="{18C79C5D-2A6F-F04D-97DA-BEF2467B64E4}" type="datetimeFigureOut">
               <a:rPr lang="en-US" dirty="0"/>
               <a:pPr/>
-              <a:t>11/14/2017</a:t>
+              <a:t>11/17/2017</a:t>
             </a:fld>
             <a:endParaRPr lang="en-US" dirty="0"/>
           </a:p>
@@ -8039,7 +8788,7 @@
             <a:fld id="{09B482E8-6E0E-1B4F-B1FD-C69DB9E858D9}" type="datetimeFigureOut">
               <a:rPr lang="en-US" dirty="0"/>
               <a:pPr/>
-              <a:t>11/14/2017</a:t>
+              <a:t>11/17/2017</a:t>
             </a:fld>
             <a:endParaRPr lang="en-US" dirty="0"/>
           </a:p>
@@ -8490,7 +9239,7 @@
           <p:cNvPr id="2" name="标题 1">
             <a:extLst>
               <a:ext uri="{FF2B5EF4-FFF2-40B4-BE49-F238E27FC236}">
-                <a16:creationId xmlns:a16="http://schemas.microsoft.com/office/drawing/2014/main" xmlns="" id="{517CBC26-BCC2-4455-AAF6-E0DADAD90334}"/>
+                <a16:creationId xmlns:a16="http://schemas.microsoft.com/office/drawing/2014/main" id="{517CBC26-BCC2-4455-AAF6-E0DADAD90334}"/>
               </a:ext>
             </a:extLst>
           </p:cNvPr>
@@ -8541,7 +9290,7 @@
           <p:cNvPr id="3" name="副标题 2">
             <a:extLst>
               <a:ext uri="{FF2B5EF4-FFF2-40B4-BE49-F238E27FC236}">
-                <a16:creationId xmlns:a16="http://schemas.microsoft.com/office/drawing/2014/main" xmlns="" id="{F79290E5-D6EA-4C55-91E4-864E78CD1D53}"/>
+                <a16:creationId xmlns:a16="http://schemas.microsoft.com/office/drawing/2014/main" id="{F79290E5-D6EA-4C55-91E4-864E78CD1D53}"/>
               </a:ext>
             </a:extLst>
           </p:cNvPr>
@@ -8740,7 +9489,7 @@
           <p:cNvPr id="2" name="标题 1">
             <a:extLst>
               <a:ext uri="{FF2B5EF4-FFF2-40B4-BE49-F238E27FC236}">
-                <a16:creationId xmlns:a16="http://schemas.microsoft.com/office/drawing/2014/main" xmlns="" id="{7CAD41F4-5EA9-4288-9F6B-AC877256EC40}"/>
+                <a16:creationId xmlns:a16="http://schemas.microsoft.com/office/drawing/2014/main" id="{7CAD41F4-5EA9-4288-9F6B-AC877256EC40}"/>
               </a:ext>
             </a:extLst>
           </p:cNvPr>
@@ -8763,11 +9512,7 @@
           <a:p>
             <a:r>
               <a:rPr lang="zh-CN" altLang="en-US" sz="4400" dirty="0"/>
-              <a:t>类</a:t>
-            </a:r>
-            <a:r>
-              <a:rPr lang="zh-CN" altLang="en-US" sz="4400" dirty="0"/>
-              <a:t>图（</a:t>
+              <a:t>类图（</a:t>
             </a:r>
             <a:r>
               <a:rPr lang="en-US" altLang="zh-CN" sz="4400" dirty="0"/>
@@ -8777,7 +9522,6 @@
               <a:rPr lang="zh-CN" altLang="en-US" sz="4400" dirty="0"/>
               <a:t>）</a:t>
             </a:r>
-            <a:endParaRPr lang="zh-CN" altLang="en-US" sz="4400" dirty="0"/>
           </a:p>
         </p:txBody>
       </p:sp>
@@ -8786,7 +9530,7 @@
           <p:cNvPr id="3" name="矩形 2">
             <a:extLst>
               <a:ext uri="{FF2B5EF4-FFF2-40B4-BE49-F238E27FC236}">
-                <a16:creationId xmlns:a16="http://schemas.microsoft.com/office/drawing/2014/main" xmlns="" id="{577AADDD-496B-4A3B-B466-7873290EC238}"/>
+                <a16:creationId xmlns:a16="http://schemas.microsoft.com/office/drawing/2014/main" id="{577AADDD-496B-4A3B-B466-7873290EC238}"/>
               </a:ext>
             </a:extLst>
           </p:cNvPr>
@@ -8832,7 +9576,7 @@
           <p:cNvPr id="4" name="矩形 3">
             <a:extLst>
               <a:ext uri="{FF2B5EF4-FFF2-40B4-BE49-F238E27FC236}">
-                <a16:creationId xmlns:a16="http://schemas.microsoft.com/office/drawing/2014/main" xmlns="" id="{5BBF53CE-590B-4A01-8AA6-93DAB9AD1B67}"/>
+                <a16:creationId xmlns:a16="http://schemas.microsoft.com/office/drawing/2014/main" id="{5BBF53CE-590B-4A01-8AA6-93DAB9AD1B67}"/>
               </a:ext>
             </a:extLst>
           </p:cNvPr>
@@ -8878,7 +9622,7 @@
           <p:cNvPr id="5" name="矩形 4">
             <a:extLst>
               <a:ext uri="{FF2B5EF4-FFF2-40B4-BE49-F238E27FC236}">
-                <a16:creationId xmlns:a16="http://schemas.microsoft.com/office/drawing/2014/main" xmlns="" id="{F499F232-0FB0-4416-A5E2-15F2BF7D81B3}"/>
+                <a16:creationId xmlns:a16="http://schemas.microsoft.com/office/drawing/2014/main" id="{F499F232-0FB0-4416-A5E2-15F2BF7D81B3}"/>
               </a:ext>
             </a:extLst>
           </p:cNvPr>
@@ -8924,7 +9668,7 @@
           <p:cNvPr id="7" name="图片 6">
             <a:extLst>
               <a:ext uri="{FF2B5EF4-FFF2-40B4-BE49-F238E27FC236}">
-                <a16:creationId xmlns:a16="http://schemas.microsoft.com/office/drawing/2014/main" xmlns="" id="{7DEBCEA1-1A70-4736-AFA8-3F3E9F6BC350}"/>
+                <a16:creationId xmlns:a16="http://schemas.microsoft.com/office/drawing/2014/main" id="{7DEBCEA1-1A70-4736-AFA8-3F3E9F6BC350}"/>
               </a:ext>
             </a:extLst>
           </p:cNvPr>
@@ -8954,7 +9698,7 @@
           <p:cNvPr id="8" name="矩形 7">
             <a:extLst>
               <a:ext uri="{FF2B5EF4-FFF2-40B4-BE49-F238E27FC236}">
-                <a16:creationId xmlns:a16="http://schemas.microsoft.com/office/drawing/2014/main" xmlns="" id="{5BBF53CE-590B-4A01-8AA6-93DAB9AD1B67}"/>
+                <a16:creationId xmlns:a16="http://schemas.microsoft.com/office/drawing/2014/main" id="{5BBF53CE-590B-4A01-8AA6-93DAB9AD1B67}"/>
               </a:ext>
             </a:extLst>
           </p:cNvPr>
@@ -8988,7 +9732,7 @@
           <p:cNvPr id="9" name="矩形 8">
             <a:extLst>
               <a:ext uri="{FF2B5EF4-FFF2-40B4-BE49-F238E27FC236}">
-                <a16:creationId xmlns:a16="http://schemas.microsoft.com/office/drawing/2014/main" xmlns="" id="{5BBF53CE-590B-4A01-8AA6-93DAB9AD1B67}"/>
+                <a16:creationId xmlns:a16="http://schemas.microsoft.com/office/drawing/2014/main" id="{5BBF53CE-590B-4A01-8AA6-93DAB9AD1B67}"/>
               </a:ext>
             </a:extLst>
           </p:cNvPr>
@@ -9022,7 +9766,7 @@
           <p:cNvPr id="10" name="矩形 9">
             <a:extLst>
               <a:ext uri="{FF2B5EF4-FFF2-40B4-BE49-F238E27FC236}">
-                <a16:creationId xmlns:a16="http://schemas.microsoft.com/office/drawing/2014/main" xmlns="" id="{5BBF53CE-590B-4A01-8AA6-93DAB9AD1B67}"/>
+                <a16:creationId xmlns:a16="http://schemas.microsoft.com/office/drawing/2014/main" id="{5BBF53CE-590B-4A01-8AA6-93DAB9AD1B67}"/>
               </a:ext>
             </a:extLst>
           </p:cNvPr>
@@ -9086,7 +9830,7 @@
           <p:cNvPr id="2" name="标题 1">
             <a:extLst>
               <a:ext uri="{FF2B5EF4-FFF2-40B4-BE49-F238E27FC236}">
-                <a16:creationId xmlns:a16="http://schemas.microsoft.com/office/drawing/2014/main" xmlns="" id="{C21D556F-68A6-44D3-BCB0-25E249FFA273}"/>
+                <a16:creationId xmlns:a16="http://schemas.microsoft.com/office/drawing/2014/main" id="{C21D556F-68A6-44D3-BCB0-25E249FFA273}"/>
               </a:ext>
             </a:extLst>
           </p:cNvPr>
@@ -9122,7 +9866,7 @@
           <p:cNvPr id="4" name="内容占位符 3">
             <a:extLst>
               <a:ext uri="{FF2B5EF4-FFF2-40B4-BE49-F238E27FC236}">
-                <a16:creationId xmlns:a16="http://schemas.microsoft.com/office/drawing/2014/main" xmlns="" id="{B320343D-EDD2-4983-A012-61D1A140A74C}"/>
+                <a16:creationId xmlns:a16="http://schemas.microsoft.com/office/drawing/2014/main" id="{B320343D-EDD2-4983-A012-61D1A140A74C}"/>
               </a:ext>
             </a:extLst>
           </p:cNvPr>
@@ -9154,7 +9898,7 @@
           <p:cNvPr id="5" name="矩形 4">
             <a:extLst>
               <a:ext uri="{FF2B5EF4-FFF2-40B4-BE49-F238E27FC236}">
-                <a16:creationId xmlns:a16="http://schemas.microsoft.com/office/drawing/2014/main" xmlns="" id="{0B7DE453-E1D4-459C-8160-D78BDD504031}"/>
+                <a16:creationId xmlns:a16="http://schemas.microsoft.com/office/drawing/2014/main" id="{0B7DE453-E1D4-459C-8160-D78BDD504031}"/>
               </a:ext>
             </a:extLst>
           </p:cNvPr>
@@ -9280,7 +10024,7 @@
           <p:cNvPr id="2" name="标题 1">
             <a:extLst>
               <a:ext uri="{FF2B5EF4-FFF2-40B4-BE49-F238E27FC236}">
-                <a16:creationId xmlns:a16="http://schemas.microsoft.com/office/drawing/2014/main" xmlns="" id="{BECC4467-A81B-4C71-84BD-247D14A72600}"/>
+                <a16:creationId xmlns:a16="http://schemas.microsoft.com/office/drawing/2014/main" id="{BECC4467-A81B-4C71-84BD-247D14A72600}"/>
               </a:ext>
             </a:extLst>
           </p:cNvPr>
@@ -9316,7 +10060,7 @@
           <p:cNvPr id="3" name="内容占位符 2">
             <a:extLst>
               <a:ext uri="{FF2B5EF4-FFF2-40B4-BE49-F238E27FC236}">
-                <a16:creationId xmlns:a16="http://schemas.microsoft.com/office/drawing/2014/main" xmlns="" id="{133D2DFE-C8A1-4EA4-BA1A-11F6F3910F7A}"/>
+                <a16:creationId xmlns:a16="http://schemas.microsoft.com/office/drawing/2014/main" id="{133D2DFE-C8A1-4EA4-BA1A-11F6F3910F7A}"/>
               </a:ext>
             </a:extLst>
           </p:cNvPr>
@@ -9435,7 +10179,7 @@
           <p:cNvPr id="4" name="图片 3">
             <a:extLst>
               <a:ext uri="{FF2B5EF4-FFF2-40B4-BE49-F238E27FC236}">
-                <a16:creationId xmlns:a16="http://schemas.microsoft.com/office/drawing/2014/main" xmlns="" id="{C27A22FA-A40C-4D08-8839-25B5BFCE9611}"/>
+                <a16:creationId xmlns:a16="http://schemas.microsoft.com/office/drawing/2014/main" id="{C27A22FA-A40C-4D08-8839-25B5BFCE9611}"/>
               </a:ext>
             </a:extLst>
           </p:cNvPr>
@@ -9465,7 +10209,7 @@
           <p:cNvPr id="5" name="文本框 4">
             <a:extLst>
               <a:ext uri="{FF2B5EF4-FFF2-40B4-BE49-F238E27FC236}">
-                <a16:creationId xmlns:a16="http://schemas.microsoft.com/office/drawing/2014/main" xmlns="" id="{FF7B392F-483C-4B08-B80A-C8ED30428EC5}"/>
+                <a16:creationId xmlns:a16="http://schemas.microsoft.com/office/drawing/2014/main" id="{FF7B392F-483C-4B08-B80A-C8ED30428EC5}"/>
               </a:ext>
             </a:extLst>
           </p:cNvPr>
@@ -9531,7 +10275,7 @@
           <p:cNvPr id="2" name="标题 1">
             <a:extLst>
               <a:ext uri="{FF2B5EF4-FFF2-40B4-BE49-F238E27FC236}">
-                <a16:creationId xmlns:a16="http://schemas.microsoft.com/office/drawing/2014/main" xmlns="" id="{78DE7F43-FBBE-4D63-ABA3-A6EA6F7D4D80}"/>
+                <a16:creationId xmlns:a16="http://schemas.microsoft.com/office/drawing/2014/main" id="{78DE7F43-FBBE-4D63-ABA3-A6EA6F7D4D80}"/>
               </a:ext>
             </a:extLst>
           </p:cNvPr>
@@ -9567,7 +10311,7 @@
           <p:cNvPr id="3" name="内容占位符 2">
             <a:extLst>
               <a:ext uri="{FF2B5EF4-FFF2-40B4-BE49-F238E27FC236}">
-                <a16:creationId xmlns:a16="http://schemas.microsoft.com/office/drawing/2014/main" xmlns="" id="{EA2B2B79-066B-48A7-9468-276F38289E56}"/>
+                <a16:creationId xmlns:a16="http://schemas.microsoft.com/office/drawing/2014/main" id="{EA2B2B79-066B-48A7-9468-276F38289E56}"/>
               </a:ext>
             </a:extLst>
           </p:cNvPr>
@@ -9686,7 +10430,7 @@
           <p:cNvPr id="4" name="图片 3">
             <a:extLst>
               <a:ext uri="{FF2B5EF4-FFF2-40B4-BE49-F238E27FC236}">
-                <a16:creationId xmlns:a16="http://schemas.microsoft.com/office/drawing/2014/main" xmlns="" id="{76E3A2C4-C86F-4D27-964A-EB18859BB5AC}"/>
+                <a16:creationId xmlns:a16="http://schemas.microsoft.com/office/drawing/2014/main" id="{76E3A2C4-C86F-4D27-964A-EB18859BB5AC}"/>
               </a:ext>
             </a:extLst>
           </p:cNvPr>
@@ -9716,7 +10460,7 @@
           <p:cNvPr id="5" name="矩形 4">
             <a:extLst>
               <a:ext uri="{FF2B5EF4-FFF2-40B4-BE49-F238E27FC236}">
-                <a16:creationId xmlns:a16="http://schemas.microsoft.com/office/drawing/2014/main" xmlns="" id="{9525FD3F-AD15-4F36-83CF-4CFA5C7185E4}"/>
+                <a16:creationId xmlns:a16="http://schemas.microsoft.com/office/drawing/2014/main" id="{9525FD3F-AD15-4F36-83CF-4CFA5C7185E4}"/>
               </a:ext>
             </a:extLst>
           </p:cNvPr>
@@ -9781,7 +10525,7 @@
           <p:cNvPr id="2" name="标题 1">
             <a:extLst>
               <a:ext uri="{FF2B5EF4-FFF2-40B4-BE49-F238E27FC236}">
-                <a16:creationId xmlns:a16="http://schemas.microsoft.com/office/drawing/2014/main" xmlns="" id="{194AF651-DB2E-49BF-9CE4-5E2B99D7769D}"/>
+                <a16:creationId xmlns:a16="http://schemas.microsoft.com/office/drawing/2014/main" id="{194AF651-DB2E-49BF-9CE4-5E2B99D7769D}"/>
               </a:ext>
             </a:extLst>
           </p:cNvPr>
@@ -9817,7 +10561,7 @@
           <p:cNvPr id="3" name="内容占位符 2">
             <a:extLst>
               <a:ext uri="{FF2B5EF4-FFF2-40B4-BE49-F238E27FC236}">
-                <a16:creationId xmlns:a16="http://schemas.microsoft.com/office/drawing/2014/main" xmlns="" id="{EDA20134-99AD-403F-9B23-D204EE798CE8}"/>
+                <a16:creationId xmlns:a16="http://schemas.microsoft.com/office/drawing/2014/main" id="{EDA20134-99AD-403F-9B23-D204EE798CE8}"/>
               </a:ext>
             </a:extLst>
           </p:cNvPr>
@@ -9918,7 +10662,7 @@
           <p:cNvPr id="4" name="图片 3">
             <a:extLst>
               <a:ext uri="{FF2B5EF4-FFF2-40B4-BE49-F238E27FC236}">
-                <a16:creationId xmlns:a16="http://schemas.microsoft.com/office/drawing/2014/main" xmlns="" id="{36E66013-7941-48A6-B98C-AEC9AC95F14F}"/>
+                <a16:creationId xmlns:a16="http://schemas.microsoft.com/office/drawing/2014/main" id="{36E66013-7941-48A6-B98C-AEC9AC95F14F}"/>
               </a:ext>
             </a:extLst>
           </p:cNvPr>
@@ -9978,7 +10722,7 @@
           <p:cNvPr id="2" name="标题 1">
             <a:extLst>
               <a:ext uri="{FF2B5EF4-FFF2-40B4-BE49-F238E27FC236}">
-                <a16:creationId xmlns:a16="http://schemas.microsoft.com/office/drawing/2014/main" xmlns="" id="{A2A17F2D-659F-4FAF-90EC-5931F7522BEA}"/>
+                <a16:creationId xmlns:a16="http://schemas.microsoft.com/office/drawing/2014/main" id="{A2A17F2D-659F-4FAF-90EC-5931F7522BEA}"/>
               </a:ext>
             </a:extLst>
           </p:cNvPr>
@@ -10014,7 +10758,7 @@
           <p:cNvPr id="3" name="内容占位符 2">
             <a:extLst>
               <a:ext uri="{FF2B5EF4-FFF2-40B4-BE49-F238E27FC236}">
-                <a16:creationId xmlns:a16="http://schemas.microsoft.com/office/drawing/2014/main" xmlns="" id="{A78725AA-A7EB-4423-A01E-D7004E93EA22}"/>
+                <a16:creationId xmlns:a16="http://schemas.microsoft.com/office/drawing/2014/main" id="{A78725AA-A7EB-4423-A01E-D7004E93EA22}"/>
               </a:ext>
             </a:extLst>
           </p:cNvPr>
@@ -10115,7 +10859,7 @@
           <p:cNvPr id="4" name="图片 3">
             <a:extLst>
               <a:ext uri="{FF2B5EF4-FFF2-40B4-BE49-F238E27FC236}">
-                <a16:creationId xmlns:a16="http://schemas.microsoft.com/office/drawing/2014/main" xmlns="" id="{60688CA4-D314-4339-89C5-0E57C5E999AC}"/>
+                <a16:creationId xmlns:a16="http://schemas.microsoft.com/office/drawing/2014/main" id="{60688CA4-D314-4339-89C5-0E57C5E999AC}"/>
               </a:ext>
             </a:extLst>
           </p:cNvPr>
@@ -10175,7 +10919,7 @@
           <p:cNvPr id="2" name="标题 1">
             <a:extLst>
               <a:ext uri="{FF2B5EF4-FFF2-40B4-BE49-F238E27FC236}">
-                <a16:creationId xmlns:a16="http://schemas.microsoft.com/office/drawing/2014/main" xmlns="" id="{E305A5B7-B117-495F-844B-FA21B19C0E19}"/>
+                <a16:creationId xmlns:a16="http://schemas.microsoft.com/office/drawing/2014/main" id="{E305A5B7-B117-495F-844B-FA21B19C0E19}"/>
               </a:ext>
             </a:extLst>
           </p:cNvPr>
@@ -10192,7 +10936,7 @@
           <a:lstStyle/>
           <a:p>
             <a:r>
-              <a:rPr lang="zh-CN" altLang="en-US" sz="4400" dirty="0" smtClean="0"/>
+              <a:rPr lang="zh-CN" altLang="en-US" sz="4400" dirty="0"/>
               <a:t>状态图</a:t>
             </a:r>
             <a:r>
@@ -10216,7 +10960,7 @@
           <p:cNvPr id="3" name="内容占位符 2">
             <a:extLst>
               <a:ext uri="{FF2B5EF4-FFF2-40B4-BE49-F238E27FC236}">
-                <a16:creationId xmlns:a16="http://schemas.microsoft.com/office/drawing/2014/main" xmlns="" id="{B01F8323-CDBD-4233-B877-573F344C43AB}"/>
+                <a16:creationId xmlns:a16="http://schemas.microsoft.com/office/drawing/2014/main" id="{B01F8323-CDBD-4233-B877-573F344C43AB}"/>
               </a:ext>
             </a:extLst>
           </p:cNvPr>
@@ -10333,7 +11077,7 @@
           <p:cNvPr id="4" name="图片 3">
             <a:extLst>
               <a:ext uri="{FF2B5EF4-FFF2-40B4-BE49-F238E27FC236}">
-                <a16:creationId xmlns:a16="http://schemas.microsoft.com/office/drawing/2014/main" xmlns="" id="{52FF99B7-36A5-420B-9A3E-F7DCC47BD02D}"/>
+                <a16:creationId xmlns:a16="http://schemas.microsoft.com/office/drawing/2014/main" id="{52FF99B7-36A5-420B-9A3E-F7DCC47BD02D}"/>
               </a:ext>
             </a:extLst>
           </p:cNvPr>
@@ -10358,6 +11102,84 @@
           </a:prstGeom>
         </p:spPr>
       </p:pic>
+      <p:sp>
+        <p:nvSpPr>
+          <p:cNvPr id="5" name="文本框 4">
+            <a:extLst>
+              <a:ext uri="{FF2B5EF4-FFF2-40B4-BE49-F238E27FC236}">
+                <a16:creationId xmlns:a16="http://schemas.microsoft.com/office/drawing/2014/main" id="{965BD2E8-B833-4F29-88FF-BACFE9C682E0}"/>
+              </a:ext>
+            </a:extLst>
+          </p:cNvPr>
+          <p:cNvSpPr txBox="1"/>
+          <p:nvPr/>
+        </p:nvSpPr>
+        <p:spPr>
+          <a:xfrm>
+            <a:off x="810000" y="5558501"/>
+            <a:ext cx="646331" cy="369332"/>
+          </a:xfrm>
+          <a:prstGeom prst="rect">
+            <a:avLst/>
+          </a:prstGeom>
+          <a:noFill/>
+        </p:spPr>
+        <p:txBody>
+          <a:bodyPr wrap="none" rtlCol="0">
+            <a:spAutoFit/>
+          </a:bodyPr>
+          <a:lstStyle/>
+          <a:p>
+            <a:r>
+              <a:rPr lang="zh-CN" altLang="en-US" dirty="0">
+                <a:solidFill>
+                  <a:schemeClr val="bg1"/>
+                </a:solidFill>
+              </a:rPr>
+              <a:t>登陆</a:t>
+            </a:r>
+          </a:p>
+        </p:txBody>
+      </p:sp>
+      <p:sp>
+        <p:nvSpPr>
+          <p:cNvPr id="6" name="文本框 5">
+            <a:extLst>
+              <a:ext uri="{FF2B5EF4-FFF2-40B4-BE49-F238E27FC236}">
+                <a16:creationId xmlns:a16="http://schemas.microsoft.com/office/drawing/2014/main" id="{CD64719D-B749-4E76-AE43-40ADEDD51B9E}"/>
+              </a:ext>
+            </a:extLst>
+          </p:cNvPr>
+          <p:cNvSpPr txBox="1"/>
+          <p:nvPr/>
+        </p:nvSpPr>
+        <p:spPr>
+          <a:xfrm>
+            <a:off x="11545669" y="5558501"/>
+            <a:ext cx="646331" cy="369332"/>
+          </a:xfrm>
+          <a:prstGeom prst="rect">
+            <a:avLst/>
+          </a:prstGeom>
+          <a:noFill/>
+        </p:spPr>
+        <p:txBody>
+          <a:bodyPr wrap="none" rtlCol="0">
+            <a:spAutoFit/>
+          </a:bodyPr>
+          <a:lstStyle/>
+          <a:p>
+            <a:r>
+              <a:rPr lang="zh-CN" altLang="en-US" dirty="0">
+                <a:solidFill>
+                  <a:schemeClr val="bg1"/>
+                </a:solidFill>
+              </a:rPr>
+              <a:t>登陆</a:t>
+            </a:r>
+          </a:p>
+        </p:txBody>
+      </p:sp>
     </p:spTree>
     <p:extLst>
       <p:ext uri="{BB962C8B-B14F-4D97-AF65-F5344CB8AC3E}">
@@ -10393,7 +11215,7 @@
           <p:cNvPr id="2" name="标题 1">
             <a:extLst>
               <a:ext uri="{FF2B5EF4-FFF2-40B4-BE49-F238E27FC236}">
-                <a16:creationId xmlns:a16="http://schemas.microsoft.com/office/drawing/2014/main" xmlns="" id="{F5F6FFB2-0007-40AA-AE0D-0D3E8C9F28BC}"/>
+                <a16:creationId xmlns:a16="http://schemas.microsoft.com/office/drawing/2014/main" id="{F5F6FFB2-0007-40AA-AE0D-0D3E8C9F28BC}"/>
               </a:ext>
             </a:extLst>
           </p:cNvPr>
@@ -10411,11 +11233,7 @@
           <a:p>
             <a:r>
               <a:rPr lang="zh-CN" altLang="en-US" sz="4400" dirty="0"/>
-              <a:t>顺序</a:t>
-            </a:r>
-            <a:r>
-              <a:rPr lang="zh-CN" altLang="en-US" sz="4400" dirty="0" smtClean="0"/>
-              <a:t>图</a:t>
+              <a:t>顺序图</a:t>
             </a:r>
             <a:r>
               <a:rPr lang="en-US" altLang="zh-CN" sz="4400" dirty="0"/>
@@ -10430,7 +11248,7 @@
           <p:cNvPr id="3" name="内容占位符 2">
             <a:extLst>
               <a:ext uri="{FF2B5EF4-FFF2-40B4-BE49-F238E27FC236}">
-                <a16:creationId xmlns:a16="http://schemas.microsoft.com/office/drawing/2014/main" xmlns="" id="{C74FA6F7-AB63-4B6B-BE6B-CD922C8B655B}"/>
+                <a16:creationId xmlns:a16="http://schemas.microsoft.com/office/drawing/2014/main" id="{C74FA6F7-AB63-4B6B-BE6B-CD922C8B655B}"/>
               </a:ext>
             </a:extLst>
           </p:cNvPr>
@@ -10515,7 +11333,7 @@
           <p:cNvPr id="6" name="图片 5">
             <a:extLst>
               <a:ext uri="{FF2B5EF4-FFF2-40B4-BE49-F238E27FC236}">
-                <a16:creationId xmlns:a16="http://schemas.microsoft.com/office/drawing/2014/main" xmlns="" id="{9A39D29E-5460-40BD-9104-833F3404B9BA}"/>
+                <a16:creationId xmlns:a16="http://schemas.microsoft.com/office/drawing/2014/main" id="{9A39D29E-5460-40BD-9104-833F3404B9BA}"/>
               </a:ext>
             </a:extLst>
           </p:cNvPr>
@@ -10545,7 +11363,7 @@
           <p:cNvPr id="5" name="矩形 4">
             <a:extLst>
               <a:ext uri="{FF2B5EF4-FFF2-40B4-BE49-F238E27FC236}">
-                <a16:creationId xmlns:a16="http://schemas.microsoft.com/office/drawing/2014/main" xmlns="" id="{5BBF53CE-590B-4A01-8AA6-93DAB9AD1B67}"/>
+                <a16:creationId xmlns:a16="http://schemas.microsoft.com/office/drawing/2014/main" id="{5BBF53CE-590B-4A01-8AA6-93DAB9AD1B67}"/>
               </a:ext>
             </a:extLst>
           </p:cNvPr>
@@ -10618,7 +11436,7 @@
           <p:cNvPr id="8" name="矩形 7">
             <a:extLst>
               <a:ext uri="{FF2B5EF4-FFF2-40B4-BE49-F238E27FC236}">
-                <a16:creationId xmlns:a16="http://schemas.microsoft.com/office/drawing/2014/main" xmlns="" id="{5BBF53CE-590B-4A01-8AA6-93DAB9AD1B67}"/>
+                <a16:creationId xmlns:a16="http://schemas.microsoft.com/office/drawing/2014/main" id="{5BBF53CE-590B-4A01-8AA6-93DAB9AD1B67}"/>
               </a:ext>
             </a:extLst>
           </p:cNvPr>
@@ -10652,7 +11470,7 @@
           <p:cNvPr id="10" name="矩形 9">
             <a:extLst>
               <a:ext uri="{FF2B5EF4-FFF2-40B4-BE49-F238E27FC236}">
-                <a16:creationId xmlns:a16="http://schemas.microsoft.com/office/drawing/2014/main" xmlns="" id="{5BBF53CE-590B-4A01-8AA6-93DAB9AD1B67}"/>
+                <a16:creationId xmlns:a16="http://schemas.microsoft.com/office/drawing/2014/main" id="{5BBF53CE-590B-4A01-8AA6-93DAB9AD1B67}"/>
               </a:ext>
             </a:extLst>
           </p:cNvPr>
@@ -10686,7 +11504,7 @@
           <p:cNvPr id="11" name="矩形 10">
             <a:extLst>
               <a:ext uri="{FF2B5EF4-FFF2-40B4-BE49-F238E27FC236}">
-                <a16:creationId xmlns:a16="http://schemas.microsoft.com/office/drawing/2014/main" xmlns="" id="{5BBF53CE-590B-4A01-8AA6-93DAB9AD1B67}"/>
+                <a16:creationId xmlns:a16="http://schemas.microsoft.com/office/drawing/2014/main" id="{5BBF53CE-590B-4A01-8AA6-93DAB9AD1B67}"/>
               </a:ext>
             </a:extLst>
           </p:cNvPr>
@@ -10866,7 +11684,7 @@
           <p:cNvPr id="2" name="标题 1">
             <a:extLst>
               <a:ext uri="{FF2B5EF4-FFF2-40B4-BE49-F238E27FC236}">
-                <a16:creationId xmlns:a16="http://schemas.microsoft.com/office/drawing/2014/main" xmlns="" id="{015099D2-B1DF-4662-AC69-67E0A7584550}"/>
+                <a16:creationId xmlns:a16="http://schemas.microsoft.com/office/drawing/2014/main" id="{015099D2-B1DF-4662-AC69-67E0A7584550}"/>
               </a:ext>
             </a:extLst>
           </p:cNvPr>
@@ -10884,11 +11702,7 @@
           <a:p>
             <a:r>
               <a:rPr lang="zh-CN" altLang="en-US" sz="4400" dirty="0"/>
-              <a:t>协作</a:t>
-            </a:r>
-            <a:r>
-              <a:rPr lang="zh-CN" altLang="en-US" sz="4400" dirty="0" smtClean="0"/>
-              <a:t>图</a:t>
+              <a:t>协作图</a:t>
             </a:r>
             <a:r>
               <a:rPr lang="en-US" altLang="zh-CN" sz="4400" dirty="0"/>
@@ -10911,7 +11725,7 @@
           <p:cNvPr id="3" name="内容占位符 2">
             <a:extLst>
               <a:ext uri="{FF2B5EF4-FFF2-40B4-BE49-F238E27FC236}">
-                <a16:creationId xmlns:a16="http://schemas.microsoft.com/office/drawing/2014/main" xmlns="" id="{3AA3FA38-D36A-4A2F-B3FB-F76B7B46E8AC}"/>
+                <a16:creationId xmlns:a16="http://schemas.microsoft.com/office/drawing/2014/main" id="{3AA3FA38-D36A-4A2F-B3FB-F76B7B46E8AC}"/>
               </a:ext>
             </a:extLst>
           </p:cNvPr>
@@ -10984,7 +11798,7 @@
           <p:cNvPr id="4" name="图片 3">
             <a:extLst>
               <a:ext uri="{FF2B5EF4-FFF2-40B4-BE49-F238E27FC236}">
-                <a16:creationId xmlns:a16="http://schemas.microsoft.com/office/drawing/2014/main" xmlns="" id="{FBE1490B-7321-47B2-8B4D-8E7FF6B941FC}"/>
+                <a16:creationId xmlns:a16="http://schemas.microsoft.com/office/drawing/2014/main" id="{FBE1490B-7321-47B2-8B4D-8E7FF6B941FC}"/>
               </a:ext>
             </a:extLst>
           </p:cNvPr>
@@ -11044,7 +11858,7 @@
           <p:cNvPr id="2" name="标题 1">
             <a:extLst>
               <a:ext uri="{FF2B5EF4-FFF2-40B4-BE49-F238E27FC236}">
-                <a16:creationId xmlns:a16="http://schemas.microsoft.com/office/drawing/2014/main" xmlns="" id="{F60C39C1-5728-4DFE-8985-3D59CBD69E5D}"/>
+                <a16:creationId xmlns:a16="http://schemas.microsoft.com/office/drawing/2014/main" id="{F60C39C1-5728-4DFE-8985-3D59CBD69E5D}"/>
               </a:ext>
             </a:extLst>
           </p:cNvPr>
@@ -11072,7 +11886,7 @@
           <p:cNvPr id="3" name="内容占位符 2">
             <a:extLst>
               <a:ext uri="{FF2B5EF4-FFF2-40B4-BE49-F238E27FC236}">
-                <a16:creationId xmlns:a16="http://schemas.microsoft.com/office/drawing/2014/main" xmlns="" id="{F277E6E3-B504-4459-98D0-3B894DD1D37D}"/>
+                <a16:creationId xmlns:a16="http://schemas.microsoft.com/office/drawing/2014/main" id="{F277E6E3-B504-4459-98D0-3B894DD1D37D}"/>
               </a:ext>
             </a:extLst>
           </p:cNvPr>
@@ -11108,7 +11922,7 @@
           <p:cNvPr id="4" name="矩形 3">
             <a:extLst>
               <a:ext uri="{FF2B5EF4-FFF2-40B4-BE49-F238E27FC236}">
-                <a16:creationId xmlns:a16="http://schemas.microsoft.com/office/drawing/2014/main" xmlns="" id="{012DDA03-7A41-46E9-9C47-A84B81BF3510}"/>
+                <a16:creationId xmlns:a16="http://schemas.microsoft.com/office/drawing/2014/main" id="{012DDA03-7A41-46E9-9C47-A84B81BF3510}"/>
               </a:ext>
             </a:extLst>
           </p:cNvPr>
@@ -11255,7 +12069,7 @@
           <p:nvPr>
             <p:extLst>
               <p:ext uri="{386F3935-93C4-4BCD-93E2-E3B085C9AB24}">
-                <p16:designElem xmlns:p16="http://schemas.microsoft.com/office/powerpoint/2015/main" xmlns="" val="1"/>
+                <p16:designElem xmlns:p16="http://schemas.microsoft.com/office/powerpoint/2015/main" val="1"/>
               </p:ext>
             </p:extLst>
           </p:nvPr>
@@ -11282,7 +12096,7 @@
           <p:cNvPr id="12" name="Freeform 6">
             <a:extLst>
               <a:ext uri="{FF2B5EF4-FFF2-40B4-BE49-F238E27FC236}">
-                <a16:creationId xmlns:a16="http://schemas.microsoft.com/office/drawing/2014/main" xmlns="" id="{B9D93730-8C7D-423D-9137-597B5FA65701}"/>
+                <a16:creationId xmlns:a16="http://schemas.microsoft.com/office/drawing/2014/main" id="{B9D93730-8C7D-423D-9137-597B5FA65701}"/>
               </a:ext>
             </a:extLst>
           </p:cNvPr>
@@ -11292,7 +12106,7 @@
           <p:nvPr>
             <p:extLst>
               <p:ext uri="{386F3935-93C4-4BCD-93E2-E3B085C9AB24}">
-                <p16:designElem xmlns:p16="http://schemas.microsoft.com/office/powerpoint/2015/main" xmlns="" val="1"/>
+                <p16:designElem xmlns:p16="http://schemas.microsoft.com/office/powerpoint/2015/main" val="1"/>
               </p:ext>
             </p:extLst>
           </p:nvPr>
@@ -11368,7 +12182,7 @@
           <a:ln/>
           <a:extLst>
             <a:ext uri="{91240B29-F687-4f45-9708-019B960494DF}">
-              <a14:hiddenLine xmlns="" xmlns:a14="http://schemas.microsoft.com/office/drawing/2010/main" w="9525">
+              <a14:hiddenLine xmlns:a14="http://schemas.microsoft.com/office/drawing/2010/main" xmlns="" w="9525">
                 <a:solidFill>
                   <a:srgbClr val="000000"/>
                 </a:solidFill>
@@ -11399,7 +12213,7 @@
           <p:cNvPr id="14" name="Rectangle 13">
             <a:extLst>
               <a:ext uri="{FF2B5EF4-FFF2-40B4-BE49-F238E27FC236}">
-                <a16:creationId xmlns:a16="http://schemas.microsoft.com/office/drawing/2014/main" xmlns="" id="{A3322B77-FA16-4D4E-BAA6-811C61DB3E85}"/>
+                <a16:creationId xmlns:a16="http://schemas.microsoft.com/office/drawing/2014/main" id="{A3322B77-FA16-4D4E-BAA6-811C61DB3E85}"/>
               </a:ext>
             </a:extLst>
           </p:cNvPr>
@@ -11409,7 +12223,7 @@
           <p:nvPr>
             <p:extLst>
               <p:ext uri="{386F3935-93C4-4BCD-93E2-E3B085C9AB24}">
-                <p16:designElem xmlns:p16="http://schemas.microsoft.com/office/powerpoint/2015/main" xmlns="" val="1"/>
+                <p16:designElem xmlns:p16="http://schemas.microsoft.com/office/powerpoint/2015/main" val="1"/>
               </p:ext>
             </p:extLst>
           </p:nvPr>
@@ -11456,7 +12270,7 @@
           <p:cNvPr id="16" name="Freeform: Shape 15">
             <a:extLst>
               <a:ext uri="{FF2B5EF4-FFF2-40B4-BE49-F238E27FC236}">
-                <a16:creationId xmlns:a16="http://schemas.microsoft.com/office/drawing/2014/main" xmlns="" id="{CA6EF34F-3BAD-4CD8-B05E-03BA773AE864}"/>
+                <a16:creationId xmlns:a16="http://schemas.microsoft.com/office/drawing/2014/main" id="{CA6EF34F-3BAD-4CD8-B05E-03BA773AE864}"/>
               </a:ext>
             </a:extLst>
           </p:cNvPr>
@@ -11466,7 +12280,7 @@
           <p:nvPr>
             <p:extLst>
               <p:ext uri="{386F3935-93C4-4BCD-93E2-E3B085C9AB24}">
-                <p16:designElem xmlns:p16="http://schemas.microsoft.com/office/powerpoint/2015/main" xmlns="" val="1"/>
+                <p16:designElem xmlns:p16="http://schemas.microsoft.com/office/powerpoint/2015/main" val="1"/>
               </p:ext>
             </p:extLst>
           </p:nvPr>
@@ -11638,7 +12452,7 @@
           <p:cNvPr id="2" name="竖排标题 1">
             <a:extLst>
               <a:ext uri="{FF2B5EF4-FFF2-40B4-BE49-F238E27FC236}">
-                <a16:creationId xmlns:a16="http://schemas.microsoft.com/office/drawing/2014/main" xmlns="" id="{1177557D-E743-446B-B3A2-19511CAEF50D}"/>
+                <a16:creationId xmlns:a16="http://schemas.microsoft.com/office/drawing/2014/main" id="{1177557D-E743-446B-B3A2-19511CAEF50D}"/>
               </a:ext>
             </a:extLst>
           </p:cNvPr>
@@ -11825,7 +12639,7 @@
           <p:cNvPr id="2" name="标题 1">
             <a:extLst>
               <a:ext uri="{FF2B5EF4-FFF2-40B4-BE49-F238E27FC236}">
-                <a16:creationId xmlns:a16="http://schemas.microsoft.com/office/drawing/2014/main" xmlns="" id="{CEF47818-BECA-49BD-AB98-452ADBC2AA52}"/>
+                <a16:creationId xmlns:a16="http://schemas.microsoft.com/office/drawing/2014/main" id="{CEF47818-BECA-49BD-AB98-452ADBC2AA52}"/>
               </a:ext>
             </a:extLst>
           </p:cNvPr>
@@ -11843,18 +12657,14 @@
           <a:p>
             <a:r>
               <a:rPr lang="zh-CN" altLang="en-US" sz="4400" dirty="0"/>
-              <a:t>部署</a:t>
-            </a:r>
-            <a:r>
-              <a:rPr lang="zh-CN" altLang="en-US" sz="4400" dirty="0" smtClean="0"/>
-              <a:t>图</a:t>
-            </a:r>
-            <a:r>
-              <a:rPr lang="en-US" altLang="zh-CN" sz="4400" dirty="0" smtClean="0"/>
+              <a:t>部署图</a:t>
+            </a:r>
+            <a:r>
+              <a:rPr lang="en-US" altLang="zh-CN" sz="4400" dirty="0"/>
               <a:t>(</a:t>
             </a:r>
             <a:r>
-              <a:rPr lang="en-US" altLang="zh-CN" sz="4400" smtClean="0"/>
+              <a:rPr lang="en-US" altLang="zh-CN" sz="4400"/>
               <a:t>Deployment Diagram)</a:t>
             </a:r>
             <a:endParaRPr lang="zh-CN" altLang="en-US" sz="4400" dirty="0"/>
@@ -11866,7 +12676,7 @@
           <p:cNvPr id="3" name="内容占位符 2">
             <a:extLst>
               <a:ext uri="{FF2B5EF4-FFF2-40B4-BE49-F238E27FC236}">
-                <a16:creationId xmlns:a16="http://schemas.microsoft.com/office/drawing/2014/main" xmlns="" id="{9CE176C9-9B2B-4151-ACF2-E469ED6665F9}"/>
+                <a16:creationId xmlns:a16="http://schemas.microsoft.com/office/drawing/2014/main" id="{9CE176C9-9B2B-4151-ACF2-E469ED6665F9}"/>
               </a:ext>
             </a:extLst>
           </p:cNvPr>
@@ -11969,7 +12779,7 @@
           <p:cNvPr id="4" name="图片 3">
             <a:extLst>
               <a:ext uri="{FF2B5EF4-FFF2-40B4-BE49-F238E27FC236}">
-                <a16:creationId xmlns:a16="http://schemas.microsoft.com/office/drawing/2014/main" xmlns="" id="{4D5845DF-31A6-4BDB-939B-1A1735D47B41}"/>
+                <a16:creationId xmlns:a16="http://schemas.microsoft.com/office/drawing/2014/main" id="{4D5845DF-31A6-4BDB-939B-1A1735D47B41}"/>
               </a:ext>
             </a:extLst>
           </p:cNvPr>
@@ -11999,7 +12809,7 @@
           <p:cNvPr id="5" name="文本框 4">
             <a:extLst>
               <a:ext uri="{FF2B5EF4-FFF2-40B4-BE49-F238E27FC236}">
-                <a16:creationId xmlns:a16="http://schemas.microsoft.com/office/drawing/2014/main" xmlns="" id="{0980C2E1-5D3F-468E-84D5-F8F53DA5DD4F}"/>
+                <a16:creationId xmlns:a16="http://schemas.microsoft.com/office/drawing/2014/main" id="{0980C2E1-5D3F-468E-84D5-F8F53DA5DD4F}"/>
               </a:ext>
             </a:extLst>
           </p:cNvPr>
@@ -12065,7 +12875,7 @@
           <p:cNvPr id="2" name="标题 1">
             <a:extLst>
               <a:ext uri="{FF2B5EF4-FFF2-40B4-BE49-F238E27FC236}">
-                <a16:creationId xmlns:a16="http://schemas.microsoft.com/office/drawing/2014/main" xmlns="" id="{505A1625-93DE-488B-9518-9B4678A679A7}"/>
+                <a16:creationId xmlns:a16="http://schemas.microsoft.com/office/drawing/2014/main" id="{505A1625-93DE-488B-9518-9B4678A679A7}"/>
               </a:ext>
             </a:extLst>
           </p:cNvPr>
@@ -12093,7 +12903,7 @@
           <p:cNvPr id="3" name="内容占位符 2">
             <a:extLst>
               <a:ext uri="{FF2B5EF4-FFF2-40B4-BE49-F238E27FC236}">
-                <a16:creationId xmlns:a16="http://schemas.microsoft.com/office/drawing/2014/main" xmlns="" id="{50DEABF5-ACC2-4341-9FEB-7F8729ED9C5F}"/>
+                <a16:creationId xmlns:a16="http://schemas.microsoft.com/office/drawing/2014/main" id="{50DEABF5-ACC2-4341-9FEB-7F8729ED9C5F}"/>
               </a:ext>
             </a:extLst>
           </p:cNvPr>
@@ -12136,7 +12946,7 @@
           <p:cNvPr id="4" name="文本框 3">
             <a:extLst>
               <a:ext uri="{FF2B5EF4-FFF2-40B4-BE49-F238E27FC236}">
-                <a16:creationId xmlns:a16="http://schemas.microsoft.com/office/drawing/2014/main" xmlns="" id="{71EA573D-800B-4D81-BEEA-D4F75B5BD126}"/>
+                <a16:creationId xmlns:a16="http://schemas.microsoft.com/office/drawing/2014/main" id="{71EA573D-800B-4D81-BEEA-D4F75B5BD126}"/>
               </a:ext>
             </a:extLst>
           </p:cNvPr>
@@ -12288,7 +13098,7 @@
           <p:cNvPr id="2" name="标题 1">
             <a:extLst>
               <a:ext uri="{FF2B5EF4-FFF2-40B4-BE49-F238E27FC236}">
-                <a16:creationId xmlns:a16="http://schemas.microsoft.com/office/drawing/2014/main" xmlns="" id="{03F261DD-73E4-4180-97FD-1EE25B466BF2}"/>
+                <a16:creationId xmlns:a16="http://schemas.microsoft.com/office/drawing/2014/main" id="{03F261DD-73E4-4180-97FD-1EE25B466BF2}"/>
               </a:ext>
             </a:extLst>
           </p:cNvPr>
@@ -12321,7 +13131,7 @@
           <p:cNvPr id="3" name="内容占位符 2">
             <a:extLst>
               <a:ext uri="{FF2B5EF4-FFF2-40B4-BE49-F238E27FC236}">
-                <a16:creationId xmlns:a16="http://schemas.microsoft.com/office/drawing/2014/main" xmlns="" id="{2C3B77C6-9D77-4837-923D-3F06EBDDE5C8}"/>
+                <a16:creationId xmlns:a16="http://schemas.microsoft.com/office/drawing/2014/main" id="{2C3B77C6-9D77-4837-923D-3F06EBDDE5C8}"/>
               </a:ext>
             </a:extLst>
           </p:cNvPr>
@@ -12473,7 +13283,7 @@
           <p:cNvPr id="2" name="标题 1">
             <a:extLst>
               <a:ext uri="{FF2B5EF4-FFF2-40B4-BE49-F238E27FC236}">
-                <a16:creationId xmlns:a16="http://schemas.microsoft.com/office/drawing/2014/main" xmlns="" id="{8050F867-BC96-4BDE-8D9B-B611C1196787}"/>
+                <a16:creationId xmlns:a16="http://schemas.microsoft.com/office/drawing/2014/main" id="{8050F867-BC96-4BDE-8D9B-B611C1196787}"/>
               </a:ext>
             </a:extLst>
           </p:cNvPr>
@@ -12522,7 +13332,7 @@
           <p:cNvPr id="3" name="文本框 2">
             <a:extLst>
               <a:ext uri="{FF2B5EF4-FFF2-40B4-BE49-F238E27FC236}">
-                <a16:creationId xmlns:a16="http://schemas.microsoft.com/office/drawing/2014/main" xmlns="" id="{4CDAD1FD-D4D8-48D1-81CD-F860BAF3F91C}"/>
+                <a16:creationId xmlns:a16="http://schemas.microsoft.com/office/drawing/2014/main" id="{4CDAD1FD-D4D8-48D1-81CD-F860BAF3F91C}"/>
               </a:ext>
             </a:extLst>
           </p:cNvPr>
@@ -12587,7 +13397,7 @@
           <p:cNvPr id="2" name="标题 1">
             <a:extLst>
               <a:ext uri="{FF2B5EF4-FFF2-40B4-BE49-F238E27FC236}">
-                <a16:creationId xmlns:a16="http://schemas.microsoft.com/office/drawing/2014/main" xmlns="" id="{029433F6-C7F9-4690-9C8A-51E513DA7BE9}"/>
+                <a16:creationId xmlns:a16="http://schemas.microsoft.com/office/drawing/2014/main" id="{029433F6-C7F9-4690-9C8A-51E513DA7BE9}"/>
               </a:ext>
             </a:extLst>
           </p:cNvPr>
@@ -12621,7 +13431,7 @@
             <a:hlinkClick r:id="rId2"/>
             <a:extLst>
               <a:ext uri="{FF2B5EF4-FFF2-40B4-BE49-F238E27FC236}">
-                <a16:creationId xmlns:a16="http://schemas.microsoft.com/office/drawing/2014/main" xmlns="" id="{220C1E04-0FAA-4810-9EB8-4FB5668628C3}"/>
+                <a16:creationId xmlns:a16="http://schemas.microsoft.com/office/drawing/2014/main" id="{220C1E04-0FAA-4810-9EB8-4FB5668628C3}"/>
               </a:ext>
             </a:extLst>
           </p:cNvPr>
@@ -12818,7 +13628,7 @@
           <p:cNvPr id="2" name="标题 1">
             <a:extLst>
               <a:ext uri="{FF2B5EF4-FFF2-40B4-BE49-F238E27FC236}">
-                <a16:creationId xmlns:a16="http://schemas.microsoft.com/office/drawing/2014/main" xmlns="" id="{7CAD41F4-5EA9-4288-9F6B-AC877256EC40}"/>
+                <a16:creationId xmlns:a16="http://schemas.microsoft.com/office/drawing/2014/main" id="{7CAD41F4-5EA9-4288-9F6B-AC877256EC40}"/>
               </a:ext>
             </a:extLst>
           </p:cNvPr>
@@ -12841,11 +13651,7 @@
           <a:p>
             <a:r>
               <a:rPr lang="zh-CN" altLang="en-US" sz="5400" dirty="0"/>
-              <a:t>用</a:t>
-            </a:r>
-            <a:r>
-              <a:rPr lang="zh-CN" altLang="en-US" sz="5400" dirty="0"/>
-              <a:t>例图（</a:t>
+              <a:t>用例图（</a:t>
             </a:r>
             <a:r>
               <a:rPr lang="en-US" altLang="zh-CN" sz="5400" dirty="0"/>
@@ -12855,7 +13661,6 @@
               <a:rPr lang="zh-CN" altLang="en-US" sz="5400" dirty="0"/>
               <a:t>）</a:t>
             </a:r>
-            <a:endParaRPr lang="zh-CN" altLang="en-US" sz="5400" dirty="0"/>
           </a:p>
         </p:txBody>
       </p:sp>
@@ -12864,7 +13669,7 @@
           <p:cNvPr id="3" name="文本框 2">
             <a:extLst>
               <a:ext uri="{FF2B5EF4-FFF2-40B4-BE49-F238E27FC236}">
-                <a16:creationId xmlns:a16="http://schemas.microsoft.com/office/drawing/2014/main" xmlns="" id="{C0FD93D0-9CE4-4D95-9C65-D0821F6D6102}"/>
+                <a16:creationId xmlns:a16="http://schemas.microsoft.com/office/drawing/2014/main" id="{C0FD93D0-9CE4-4D95-9C65-D0821F6D6102}"/>
               </a:ext>
             </a:extLst>
           </p:cNvPr>
@@ -12943,7 +13748,7 @@
           <p:cNvPr id="4" name="图片 3">
             <a:extLst>
               <a:ext uri="{FF2B5EF4-FFF2-40B4-BE49-F238E27FC236}">
-                <a16:creationId xmlns:a16="http://schemas.microsoft.com/office/drawing/2014/main" xmlns="" id="{2D285649-5ED4-4CEA-A670-1216D646A533}"/>
+                <a16:creationId xmlns:a16="http://schemas.microsoft.com/office/drawing/2014/main" id="{2D285649-5ED4-4CEA-A670-1216D646A533}"/>
               </a:ext>
             </a:extLst>
           </p:cNvPr>
@@ -13003,7 +13808,7 @@
           <p:cNvPr id="2" name="标题 1">
             <a:extLst>
               <a:ext uri="{FF2B5EF4-FFF2-40B4-BE49-F238E27FC236}">
-                <a16:creationId xmlns:a16="http://schemas.microsoft.com/office/drawing/2014/main" xmlns="" id="{4B18EED5-E5FF-464C-813C-4A09C57EB060}"/>
+                <a16:creationId xmlns:a16="http://schemas.microsoft.com/office/drawing/2014/main" id="{4B18EED5-E5FF-464C-813C-4A09C57EB060}"/>
               </a:ext>
             </a:extLst>
           </p:cNvPr>
@@ -13039,7 +13844,7 @@
           <p:cNvPr id="3" name="内容占位符 2">
             <a:extLst>
               <a:ext uri="{FF2B5EF4-FFF2-40B4-BE49-F238E27FC236}">
-                <a16:creationId xmlns:a16="http://schemas.microsoft.com/office/drawing/2014/main" xmlns="" id="{BA0A741A-5262-4373-84E4-7A3ADA326D91}"/>
+                <a16:creationId xmlns:a16="http://schemas.microsoft.com/office/drawing/2014/main" id="{BA0A741A-5262-4373-84E4-7A3ADA326D91}"/>
               </a:ext>
             </a:extLst>
           </p:cNvPr>
@@ -13089,7 +13894,7 @@
           <p:cNvPr id="4" name="图片 3">
             <a:extLst>
               <a:ext uri="{FF2B5EF4-FFF2-40B4-BE49-F238E27FC236}">
-                <a16:creationId xmlns:a16="http://schemas.microsoft.com/office/drawing/2014/main" xmlns="" id="{434A3294-717D-4C1C-AE76-B516CE92B0D5}"/>
+                <a16:creationId xmlns:a16="http://schemas.microsoft.com/office/drawing/2014/main" id="{434A3294-717D-4C1C-AE76-B516CE92B0D5}"/>
               </a:ext>
             </a:extLst>
           </p:cNvPr>
@@ -13149,7 +13954,7 @@
           <p:cNvPr id="2" name="标题 1">
             <a:extLst>
               <a:ext uri="{FF2B5EF4-FFF2-40B4-BE49-F238E27FC236}">
-                <a16:creationId xmlns:a16="http://schemas.microsoft.com/office/drawing/2014/main" xmlns="" id="{D008391E-02A9-488C-8B45-9AF8D1F20D5B}"/>
+                <a16:creationId xmlns:a16="http://schemas.microsoft.com/office/drawing/2014/main" id="{D008391E-02A9-488C-8B45-9AF8D1F20D5B}"/>
               </a:ext>
             </a:extLst>
           </p:cNvPr>
@@ -13185,7 +13990,7 @@
           <p:cNvPr id="3" name="内容占位符 2">
             <a:extLst>
               <a:ext uri="{FF2B5EF4-FFF2-40B4-BE49-F238E27FC236}">
-                <a16:creationId xmlns:a16="http://schemas.microsoft.com/office/drawing/2014/main" xmlns="" id="{B4557042-D07A-42E6-BBB3-0D9D78E9DA8F}"/>
+                <a16:creationId xmlns:a16="http://schemas.microsoft.com/office/drawing/2014/main" id="{B4557042-D07A-42E6-BBB3-0D9D78E9DA8F}"/>
               </a:ext>
             </a:extLst>
           </p:cNvPr>
@@ -13233,7 +14038,7 @@
           <p:cNvPr id="6" name="图片 5">
             <a:extLst>
               <a:ext uri="{FF2B5EF4-FFF2-40B4-BE49-F238E27FC236}">
-                <a16:creationId xmlns:a16="http://schemas.microsoft.com/office/drawing/2014/main" xmlns="" id="{FAF2501D-3BE6-4D21-9E59-7D9D3FDFF257}"/>
+                <a16:creationId xmlns:a16="http://schemas.microsoft.com/office/drawing/2014/main" id="{FAF2501D-3BE6-4D21-9E59-7D9D3FDFF257}"/>
               </a:ext>
             </a:extLst>
           </p:cNvPr>
@@ -13293,7 +14098,7 @@
           <p:cNvPr id="2" name="标题 1">
             <a:extLst>
               <a:ext uri="{FF2B5EF4-FFF2-40B4-BE49-F238E27FC236}">
-                <a16:creationId xmlns:a16="http://schemas.microsoft.com/office/drawing/2014/main" xmlns="" id="{A39FEC9B-7F04-407B-87B7-2A20A5C65FF1}"/>
+                <a16:creationId xmlns:a16="http://schemas.microsoft.com/office/drawing/2014/main" id="{A39FEC9B-7F04-407B-87B7-2A20A5C65FF1}"/>
               </a:ext>
             </a:extLst>
           </p:cNvPr>
@@ -13329,7 +14134,7 @@
           <p:cNvPr id="3" name="内容占位符 2">
             <a:extLst>
               <a:ext uri="{FF2B5EF4-FFF2-40B4-BE49-F238E27FC236}">
-                <a16:creationId xmlns:a16="http://schemas.microsoft.com/office/drawing/2014/main" xmlns="" id="{B996EB5C-AA9E-43C9-BE8A-AC563CE0F35D}"/>
+                <a16:creationId xmlns:a16="http://schemas.microsoft.com/office/drawing/2014/main" id="{B996EB5C-AA9E-43C9-BE8A-AC563CE0F35D}"/>
               </a:ext>
             </a:extLst>
           </p:cNvPr>
@@ -13383,7 +14188,7 @@
           <p:cNvPr id="4" name="图片 3">
             <a:extLst>
               <a:ext uri="{FF2B5EF4-FFF2-40B4-BE49-F238E27FC236}">
-                <a16:creationId xmlns:a16="http://schemas.microsoft.com/office/drawing/2014/main" xmlns="" id="{AEB40E2F-FA81-4A74-959C-9590AFF560DB}"/>
+                <a16:creationId xmlns:a16="http://schemas.microsoft.com/office/drawing/2014/main" id="{AEB40E2F-FA81-4A74-959C-9590AFF560DB}"/>
               </a:ext>
             </a:extLst>
           </p:cNvPr>
@@ -13443,7 +14248,7 @@
           <p:cNvPr id="2" name="标题 1">
             <a:extLst>
               <a:ext uri="{FF2B5EF4-FFF2-40B4-BE49-F238E27FC236}">
-                <a16:creationId xmlns:a16="http://schemas.microsoft.com/office/drawing/2014/main" xmlns="" id="{CB5F3119-9187-4B28-8F0F-CD0B58173301}"/>
+                <a16:creationId xmlns:a16="http://schemas.microsoft.com/office/drawing/2014/main" id="{CB5F3119-9187-4B28-8F0F-CD0B58173301}"/>
               </a:ext>
             </a:extLst>
           </p:cNvPr>
@@ -13479,7 +14284,7 @@
           <p:cNvPr id="3" name="内容占位符 2">
             <a:extLst>
               <a:ext uri="{FF2B5EF4-FFF2-40B4-BE49-F238E27FC236}">
-                <a16:creationId xmlns:a16="http://schemas.microsoft.com/office/drawing/2014/main" xmlns="" id="{6EE0D28D-D366-48D3-8F75-2161BB9A6726}"/>
+                <a16:creationId xmlns:a16="http://schemas.microsoft.com/office/drawing/2014/main" id="{6EE0D28D-D366-48D3-8F75-2161BB9A6726}"/>
               </a:ext>
             </a:extLst>
           </p:cNvPr>
@@ -13545,7 +14350,7 @@
           <p:cNvPr id="4" name="图片 3">
             <a:extLst>
               <a:ext uri="{FF2B5EF4-FFF2-40B4-BE49-F238E27FC236}">
-                <a16:creationId xmlns:a16="http://schemas.microsoft.com/office/drawing/2014/main" xmlns="" id="{219A3C98-C90F-486A-9405-D17B20971B1A}"/>
+                <a16:creationId xmlns:a16="http://schemas.microsoft.com/office/drawing/2014/main" id="{219A3C98-C90F-486A-9405-D17B20971B1A}"/>
               </a:ext>
             </a:extLst>
           </p:cNvPr>
@@ -13605,7 +14410,7 @@
           <p:cNvPr id="2" name="标题 1">
             <a:extLst>
               <a:ext uri="{FF2B5EF4-FFF2-40B4-BE49-F238E27FC236}">
-                <a16:creationId xmlns:a16="http://schemas.microsoft.com/office/drawing/2014/main" xmlns="" id="{B4729249-DEEE-4EC8-89E9-42434FADA236}"/>
+                <a16:creationId xmlns:a16="http://schemas.microsoft.com/office/drawing/2014/main" id="{B4729249-DEEE-4EC8-89E9-42434FADA236}"/>
               </a:ext>
             </a:extLst>
           </p:cNvPr>
@@ -13633,7 +14438,7 @@
           <p:cNvPr id="3" name="内容占位符 2">
             <a:extLst>
               <a:ext uri="{FF2B5EF4-FFF2-40B4-BE49-F238E27FC236}">
-                <a16:creationId xmlns:a16="http://schemas.microsoft.com/office/drawing/2014/main" xmlns="" id="{EEFD478C-46CA-4227-8E88-EF47C9506CCD}"/>
+                <a16:creationId xmlns:a16="http://schemas.microsoft.com/office/drawing/2014/main" id="{EEFD478C-46CA-4227-8E88-EF47C9506CCD}"/>
               </a:ext>
             </a:extLst>
           </p:cNvPr>
@@ -13705,7 +14510,7 @@
           <p:cNvPr id="2" name="标题 1">
             <a:extLst>
               <a:ext uri="{FF2B5EF4-FFF2-40B4-BE49-F238E27FC236}">
-                <a16:creationId xmlns:a16="http://schemas.microsoft.com/office/drawing/2014/main" xmlns="" id="{FEF5A4E7-3CFF-4C2D-BF82-F4BCCBD18E3E}"/>
+                <a16:creationId xmlns:a16="http://schemas.microsoft.com/office/drawing/2014/main" id="{FEF5A4E7-3CFF-4C2D-BF82-F4BCCBD18E3E}"/>
               </a:ext>
             </a:extLst>
           </p:cNvPr>
@@ -13733,7 +14538,7 @@
           <p:cNvPr id="3" name="内容占位符 2">
             <a:extLst>
               <a:ext uri="{FF2B5EF4-FFF2-40B4-BE49-F238E27FC236}">
-                <a16:creationId xmlns:a16="http://schemas.microsoft.com/office/drawing/2014/main" xmlns="" id="{A8A5B396-2863-41E0-A8BD-FB048EC43336}"/>
+                <a16:creationId xmlns:a16="http://schemas.microsoft.com/office/drawing/2014/main" id="{A8A5B396-2863-41E0-A8BD-FB048EC43336}"/>
               </a:ext>
             </a:extLst>
           </p:cNvPr>
@@ -13768,7 +14573,7 @@
           <p:cNvPr id="5" name="图片 4">
             <a:extLst>
               <a:ext uri="{FF2B5EF4-FFF2-40B4-BE49-F238E27FC236}">
-                <a16:creationId xmlns:a16="http://schemas.microsoft.com/office/drawing/2014/main" xmlns="" id="{43AF87F4-04D8-4168-B371-4794DFD228D9}"/>
+                <a16:creationId xmlns:a16="http://schemas.microsoft.com/office/drawing/2014/main" id="{43AF87F4-04D8-4168-B371-4794DFD228D9}"/>
               </a:ext>
             </a:extLst>
           </p:cNvPr>
@@ -13798,7 +14603,7 @@
           <p:cNvPr id="6" name="文本框 5">
             <a:extLst>
               <a:ext uri="{FF2B5EF4-FFF2-40B4-BE49-F238E27FC236}">
-                <a16:creationId xmlns:a16="http://schemas.microsoft.com/office/drawing/2014/main" xmlns="" id="{2EEC7202-5E41-4653-9A99-864467681BC9}"/>
+                <a16:creationId xmlns:a16="http://schemas.microsoft.com/office/drawing/2014/main" id="{2EEC7202-5E41-4653-9A99-864467681BC9}"/>
               </a:ext>
             </a:extLst>
           </p:cNvPr>
@@ -13833,7 +14638,7 @@
           <p:cNvPr id="7" name="图片 6">
             <a:extLst>
               <a:ext uri="{FF2B5EF4-FFF2-40B4-BE49-F238E27FC236}">
-                <a16:creationId xmlns:a16="http://schemas.microsoft.com/office/drawing/2014/main" xmlns="" id="{91A8DF26-E1FD-44CF-B9E4-67FDC7D186FF}"/>
+                <a16:creationId xmlns:a16="http://schemas.microsoft.com/office/drawing/2014/main" id="{91A8DF26-E1FD-44CF-B9E4-67FDC7D186FF}"/>
               </a:ext>
             </a:extLst>
           </p:cNvPr>

--- a/PRD-2017-G24/STW/非受控文件/翻转课堂作业/UML基础1/UML基础Ⅰ.pptx
+++ b/PRD-2017-G24/STW/非受控文件/翻转课堂作业/UML基础1/UML基础Ⅰ.pptx
@@ -4096,7 +4096,7 @@
           <a:effectLst/>
           <a:extLst>
             <a:ext uri="{91240B29-F687-4f45-9708-019B960494DF}">
-              <a14:hiddenLine xmlns:a14="http://schemas.microsoft.com/office/drawing/2010/main" xmlns="" w="9525">
+              <a14:hiddenLine xmlns="" xmlns:a14="http://schemas.microsoft.com/office/drawing/2010/main" w="9525">
                 <a:solidFill>
                   <a:srgbClr val="000000"/>
                 </a:solidFill>
@@ -5606,7 +5606,7 @@
           <a:ln/>
           <a:extLst>
             <a:ext uri="{91240B29-F687-4f45-9708-019B960494DF}">
-              <a14:hiddenLine xmlns:a14="http://schemas.microsoft.com/office/drawing/2010/main" xmlns="" w="9525">
+              <a14:hiddenLine xmlns="" xmlns:a14="http://schemas.microsoft.com/office/drawing/2010/main" w="9525">
                 <a:solidFill>
                   <a:srgbClr val="000000"/>
                 </a:solidFill>
@@ -5878,7 +5878,7 @@
           <a:ln/>
           <a:extLst>
             <a:ext uri="{91240B29-F687-4f45-9708-019B960494DF}">
-              <a14:hiddenLine xmlns:a14="http://schemas.microsoft.com/office/drawing/2010/main" xmlns="" w="9525">
+              <a14:hiddenLine xmlns="" xmlns:a14="http://schemas.microsoft.com/office/drawing/2010/main" w="9525">
                 <a:solidFill>
                   <a:srgbClr val="000000"/>
                 </a:solidFill>
@@ -6158,7 +6158,7 @@
           <a:ln/>
           <a:extLst>
             <a:ext uri="{91240B29-F687-4f45-9708-019B960494DF}">
-              <a14:hiddenLine xmlns:a14="http://schemas.microsoft.com/office/drawing/2010/main" xmlns="" w="9525">
+              <a14:hiddenLine xmlns="" xmlns:a14="http://schemas.microsoft.com/office/drawing/2010/main" w="9525">
                 <a:solidFill>
                   <a:srgbClr val="000000"/>
                 </a:solidFill>
@@ -6778,7 +6778,7 @@
           <a:ln/>
           <a:extLst>
             <a:ext uri="{91240B29-F687-4f45-9708-019B960494DF}">
-              <a14:hiddenLine xmlns:a14="http://schemas.microsoft.com/office/drawing/2010/main" xmlns="" w="9525">
+              <a14:hiddenLine xmlns="" xmlns:a14="http://schemas.microsoft.com/office/drawing/2010/main" w="9525">
                 <a:solidFill>
                   <a:srgbClr val="000000"/>
                 </a:solidFill>
@@ -7114,7 +7114,7 @@
           <a:ln/>
           <a:extLst>
             <a:ext uri="{91240B29-F687-4f45-9708-019B960494DF}">
-              <a14:hiddenLine xmlns:a14="http://schemas.microsoft.com/office/drawing/2010/main" xmlns="" w="9525">
+              <a14:hiddenLine xmlns="" xmlns:a14="http://schemas.microsoft.com/office/drawing/2010/main" w="9525">
                 <a:solidFill>
                   <a:srgbClr val="000000"/>
                 </a:solidFill>
@@ -7588,7 +7588,7 @@
           <a:ln/>
           <a:extLst>
             <a:ext uri="{91240B29-F687-4f45-9708-019B960494DF}">
-              <a14:hiddenLine xmlns:a14="http://schemas.microsoft.com/office/drawing/2010/main" xmlns="" w="9525">
+              <a14:hiddenLine xmlns="" xmlns:a14="http://schemas.microsoft.com/office/drawing/2010/main" w="9525">
                 <a:solidFill>
                   <a:srgbClr val="000000"/>
                 </a:solidFill>
@@ -8011,7 +8011,7 @@
           <a:ln/>
           <a:extLst>
             <a:ext uri="{91240B29-F687-4f45-9708-019B960494DF}">
-              <a14:hiddenLine xmlns:a14="http://schemas.microsoft.com/office/drawing/2010/main" xmlns="" w="9525">
+              <a14:hiddenLine xmlns="" xmlns:a14="http://schemas.microsoft.com/office/drawing/2010/main" w="9525">
                 <a:solidFill>
                   <a:srgbClr val="000000"/>
                 </a:solidFill>
@@ -12182,7 +12182,7 @@
           <a:ln/>
           <a:extLst>
             <a:ext uri="{91240B29-F687-4f45-9708-019B960494DF}">
-              <a14:hiddenLine xmlns:a14="http://schemas.microsoft.com/office/drawing/2010/main" xmlns="" w="9525">
+              <a14:hiddenLine xmlns="" xmlns:a14="http://schemas.microsoft.com/office/drawing/2010/main" w="9525">
                 <a:solidFill>
                   <a:srgbClr val="000000"/>
                 </a:solidFill>
@@ -12690,7 +12690,7 @@
         <p:spPr>
           <a:xfrm>
             <a:off x="265278" y="2085652"/>
-            <a:ext cx="10554574" cy="3636511"/>
+            <a:ext cx="5567963" cy="3636511"/>
           </a:xfrm>
         </p:spPr>
         <p:txBody>
@@ -12737,7 +12737,7 @@
             </a:r>
             <a:r>
               <a:rPr lang="zh-CN" altLang="en-US" sz="2400" dirty="0"/>
-              <a:t>、三维立方体表示部件 </a:t>
+              <a:t>、三维立方体表示节点 </a:t>
             </a:r>
           </a:p>
           <a:p>
@@ -12747,7 +12747,7 @@
             </a:r>
             <a:r>
               <a:rPr lang="zh-CN" altLang="en-US" sz="2400" dirty="0"/>
-              <a:t>、节点名称位于立方体上部</a:t>
+              <a:t>、大括号表示约束</a:t>
             </a:r>
             <a:endParaRPr lang="en-US" altLang="zh-CN" sz="2400" dirty="0"/>
           </a:p>
@@ -12776,10 +12776,10 @@
       </p:sp>
       <p:pic>
         <p:nvPicPr>
-          <p:cNvPr id="4" name="图片 3">
+          <p:cNvPr id="6" name="图片 5">
             <a:extLst>
               <a:ext uri="{FF2B5EF4-FFF2-40B4-BE49-F238E27FC236}">
-                <a16:creationId xmlns:a16="http://schemas.microsoft.com/office/drawing/2014/main" id="{4D5845DF-31A6-4BDB-939B-1A1735D47B41}"/>
+                <a16:creationId xmlns:a16="http://schemas.microsoft.com/office/drawing/2014/main" id="{22CDD592-769F-441C-943F-30FA0E1848D2}"/>
               </a:ext>
             </a:extLst>
           </p:cNvPr>
@@ -12796,50 +12796,14 @@
         </p:blipFill>
         <p:spPr>
           <a:xfrm>
-            <a:off x="6723008" y="2468126"/>
-            <a:ext cx="5010150" cy="2657475"/>
+            <a:off x="5686097" y="2235063"/>
+            <a:ext cx="6356239" cy="3499431"/>
           </a:xfrm>
           <a:prstGeom prst="rect">
             <a:avLst/>
           </a:prstGeom>
         </p:spPr>
       </p:pic>
-      <p:sp>
-        <p:nvSpPr>
-          <p:cNvPr id="5" name="文本框 4">
-            <a:extLst>
-              <a:ext uri="{FF2B5EF4-FFF2-40B4-BE49-F238E27FC236}">
-                <a16:creationId xmlns:a16="http://schemas.microsoft.com/office/drawing/2014/main" id="{0980C2E1-5D3F-468E-84D5-F8F53DA5DD4F}"/>
-              </a:ext>
-            </a:extLst>
-          </p:cNvPr>
-          <p:cNvSpPr txBox="1"/>
-          <p:nvPr/>
-        </p:nvSpPr>
-        <p:spPr>
-          <a:xfrm>
-            <a:off x="8008883" y="5239216"/>
-            <a:ext cx="774571" cy="369332"/>
-          </a:xfrm>
-          <a:prstGeom prst="rect">
-            <a:avLst/>
-          </a:prstGeom>
-          <a:noFill/>
-        </p:spPr>
-        <p:txBody>
-          <a:bodyPr wrap="none" rtlCol="0">
-            <a:spAutoFit/>
-          </a:bodyPr>
-          <a:lstStyle/>
-          <a:p>
-            <a:r>
-              <a:rPr lang="en-US" altLang="zh-CN" dirty="0"/>
-              <a:t>【1】</a:t>
-            </a:r>
-            <a:endParaRPr lang="zh-CN" altLang="en-US" dirty="0"/>
-          </a:p>
-        </p:txBody>
-      </p:sp>
     </p:spTree>
     <p:extLst>
       <p:ext uri="{BB962C8B-B14F-4D97-AF65-F5344CB8AC3E}">
